--- a/Dokumentation/PWSafe Präsentation.pptx
+++ b/Dokumentation/PWSafe Präsentation.pptx
@@ -5,11 +5,18 @@
     <p:sldMasterId id="2147483648" r:id="rId1"/>
   </p:sldMasterIdLst>
   <p:notesMasterIdLst>
-    <p:notesMasterId r:id="rId4"/>
+    <p:notesMasterId r:id="rId11"/>
   </p:notesMasterIdLst>
   <p:sldIdLst>
     <p:sldId id="256" r:id="rId2"/>
     <p:sldId id="257" r:id="rId3"/>
+    <p:sldId id="258" r:id="rId4"/>
+    <p:sldId id="259" r:id="rId5"/>
+    <p:sldId id="260" r:id="rId6"/>
+    <p:sldId id="261" r:id="rId7"/>
+    <p:sldId id="262" r:id="rId8"/>
+    <p:sldId id="263" r:id="rId9"/>
+    <p:sldId id="264" r:id="rId10"/>
   </p:sldIdLst>
   <p:sldSz cx="12192000" cy="6858000"/>
   <p:notesSz cx="6858000" cy="9144000"/>
@@ -108,6 +115,14 @@
       </a:defRPr>
     </a:lvl9pPr>
   </p:defaultTextStyle>
+  <p:extLst>
+    <p:ext uri="{EFAFB233-063F-42B5-8137-9DF3F51BA10A}">
+      <p15:sldGuideLst xmlns:p15="http://schemas.microsoft.com/office/powerpoint/2012/main"/>
+    </p:ext>
+    <p:ext uri="{2D200454-40CA-4A62-9FC3-DE9A4176ACB9}">
+      <p15:notesGuideLst xmlns:p15="http://schemas.microsoft.com/office/powerpoint/2012/main"/>
+    </p:ext>
+  </p:extLst>
 </p:presentation>
 </file>
 
@@ -193,7 +208,7 @@
           <a:p>
             <a:fld id="{B4AA8B1B-A85F-43ED-A41A-985067DF8577}" type="datetimeFigureOut">
               <a:rPr lang="de-DE" smtClean="0"/>
-              <a:t>06.02.2015</a:t>
+              <a:t>07.02.2015</a:t>
             </a:fld>
             <a:endParaRPr lang="de-DE"/>
           </a:p>
@@ -545,6 +560,594 @@
 </p:notes>
 </file>
 
+<file path=ppt/notesSlides/notesSlide2.xml><?xml version="1.0" encoding="utf-8"?>
+<p:notes xmlns:a="http://schemas.openxmlformats.org/drawingml/2006/main" xmlns:r="http://schemas.openxmlformats.org/officeDocument/2006/relationships" xmlns:p="http://schemas.openxmlformats.org/presentationml/2006/main">
+  <p:cSld>
+    <p:spTree>
+      <p:nvGrpSpPr>
+        <p:cNvPr id="1" name=""/>
+        <p:cNvGrpSpPr/>
+        <p:nvPr/>
+      </p:nvGrpSpPr>
+      <p:grpSpPr>
+        <a:xfrm>
+          <a:off x="0" y="0"/>
+          <a:ext cx="0" cy="0"/>
+          <a:chOff x="0" y="0"/>
+          <a:chExt cx="0" cy="0"/>
+        </a:xfrm>
+      </p:grpSpPr>
+      <p:sp>
+        <p:nvSpPr>
+          <p:cNvPr id="2" name="Folienbildplatzhalter 1"/>
+          <p:cNvSpPr>
+            <a:spLocks noGrp="1" noRot="1" noChangeAspect="1"/>
+          </p:cNvSpPr>
+          <p:nvPr>
+            <p:ph type="sldImg"/>
+          </p:nvPr>
+        </p:nvSpPr>
+        <p:spPr/>
+      </p:sp>
+      <p:sp>
+        <p:nvSpPr>
+          <p:cNvPr id="3" name="Notizenplatzhalter 2"/>
+          <p:cNvSpPr>
+            <a:spLocks noGrp="1"/>
+          </p:cNvSpPr>
+          <p:nvPr>
+            <p:ph type="body" idx="1"/>
+          </p:nvPr>
+        </p:nvSpPr>
+        <p:spPr/>
+        <p:txBody>
+          <a:bodyPr/>
+          <a:lstStyle/>
+          <a:p>
+            <a:endParaRPr lang="de-DE"/>
+          </a:p>
+        </p:txBody>
+      </p:sp>
+      <p:sp>
+        <p:nvSpPr>
+          <p:cNvPr id="4" name="Foliennummernplatzhalter 3"/>
+          <p:cNvSpPr>
+            <a:spLocks noGrp="1"/>
+          </p:cNvSpPr>
+          <p:nvPr>
+            <p:ph type="sldNum" sz="quarter" idx="10"/>
+          </p:nvPr>
+        </p:nvSpPr>
+        <p:spPr/>
+        <p:txBody>
+          <a:bodyPr/>
+          <a:lstStyle/>
+          <a:p>
+            <a:fld id="{05D1FABD-69C2-49F9-BD91-F05E017FE538}" type="slidenum">
+              <a:rPr lang="de-DE" smtClean="0"/>
+              <a:t>3</a:t>
+            </a:fld>
+            <a:endParaRPr lang="de-DE"/>
+          </a:p>
+        </p:txBody>
+      </p:sp>
+    </p:spTree>
+    <p:extLst>
+      <p:ext uri="{BB962C8B-B14F-4D97-AF65-F5344CB8AC3E}">
+        <p14:creationId xmlns:p14="http://schemas.microsoft.com/office/powerpoint/2010/main" val="930434972"/>
+      </p:ext>
+    </p:extLst>
+  </p:cSld>
+  <p:clrMapOvr>
+    <a:masterClrMapping/>
+  </p:clrMapOvr>
+</p:notes>
+</file>
+
+<file path=ppt/notesSlides/notesSlide3.xml><?xml version="1.0" encoding="utf-8"?>
+<p:notes xmlns:a="http://schemas.openxmlformats.org/drawingml/2006/main" xmlns:r="http://schemas.openxmlformats.org/officeDocument/2006/relationships" xmlns:p="http://schemas.openxmlformats.org/presentationml/2006/main">
+  <p:cSld>
+    <p:spTree>
+      <p:nvGrpSpPr>
+        <p:cNvPr id="1" name=""/>
+        <p:cNvGrpSpPr/>
+        <p:nvPr/>
+      </p:nvGrpSpPr>
+      <p:grpSpPr>
+        <a:xfrm>
+          <a:off x="0" y="0"/>
+          <a:ext cx="0" cy="0"/>
+          <a:chOff x="0" y="0"/>
+          <a:chExt cx="0" cy="0"/>
+        </a:xfrm>
+      </p:grpSpPr>
+      <p:sp>
+        <p:nvSpPr>
+          <p:cNvPr id="2" name="Folienbildplatzhalter 1"/>
+          <p:cNvSpPr>
+            <a:spLocks noGrp="1" noRot="1" noChangeAspect="1"/>
+          </p:cNvSpPr>
+          <p:nvPr>
+            <p:ph type="sldImg"/>
+          </p:nvPr>
+        </p:nvSpPr>
+        <p:spPr/>
+      </p:sp>
+      <p:sp>
+        <p:nvSpPr>
+          <p:cNvPr id="3" name="Notizenplatzhalter 2"/>
+          <p:cNvSpPr>
+            <a:spLocks noGrp="1"/>
+          </p:cNvSpPr>
+          <p:nvPr>
+            <p:ph type="body" idx="1"/>
+          </p:nvPr>
+        </p:nvSpPr>
+        <p:spPr/>
+        <p:txBody>
+          <a:bodyPr/>
+          <a:lstStyle/>
+          <a:p>
+            <a:endParaRPr lang="de-DE"/>
+          </a:p>
+        </p:txBody>
+      </p:sp>
+      <p:sp>
+        <p:nvSpPr>
+          <p:cNvPr id="4" name="Foliennummernplatzhalter 3"/>
+          <p:cNvSpPr>
+            <a:spLocks noGrp="1"/>
+          </p:cNvSpPr>
+          <p:nvPr>
+            <p:ph type="sldNum" sz="quarter" idx="10"/>
+          </p:nvPr>
+        </p:nvSpPr>
+        <p:spPr/>
+        <p:txBody>
+          <a:bodyPr/>
+          <a:lstStyle/>
+          <a:p>
+            <a:fld id="{05D1FABD-69C2-49F9-BD91-F05E017FE538}" type="slidenum">
+              <a:rPr lang="de-DE" smtClean="0"/>
+              <a:t>4</a:t>
+            </a:fld>
+            <a:endParaRPr lang="de-DE"/>
+          </a:p>
+        </p:txBody>
+      </p:sp>
+    </p:spTree>
+    <p:extLst>
+      <p:ext uri="{BB962C8B-B14F-4D97-AF65-F5344CB8AC3E}">
+        <p14:creationId xmlns:p14="http://schemas.microsoft.com/office/powerpoint/2010/main" val="1928648976"/>
+      </p:ext>
+    </p:extLst>
+  </p:cSld>
+  <p:clrMapOvr>
+    <a:masterClrMapping/>
+  </p:clrMapOvr>
+</p:notes>
+</file>
+
+<file path=ppt/notesSlides/notesSlide4.xml><?xml version="1.0" encoding="utf-8"?>
+<p:notes xmlns:a="http://schemas.openxmlformats.org/drawingml/2006/main" xmlns:r="http://schemas.openxmlformats.org/officeDocument/2006/relationships" xmlns:p="http://schemas.openxmlformats.org/presentationml/2006/main">
+  <p:cSld>
+    <p:spTree>
+      <p:nvGrpSpPr>
+        <p:cNvPr id="1" name=""/>
+        <p:cNvGrpSpPr/>
+        <p:nvPr/>
+      </p:nvGrpSpPr>
+      <p:grpSpPr>
+        <a:xfrm>
+          <a:off x="0" y="0"/>
+          <a:ext cx="0" cy="0"/>
+          <a:chOff x="0" y="0"/>
+          <a:chExt cx="0" cy="0"/>
+        </a:xfrm>
+      </p:grpSpPr>
+      <p:sp>
+        <p:nvSpPr>
+          <p:cNvPr id="2" name="Folienbildplatzhalter 1"/>
+          <p:cNvSpPr>
+            <a:spLocks noGrp="1" noRot="1" noChangeAspect="1"/>
+          </p:cNvSpPr>
+          <p:nvPr>
+            <p:ph type="sldImg"/>
+          </p:nvPr>
+        </p:nvSpPr>
+        <p:spPr/>
+      </p:sp>
+      <p:sp>
+        <p:nvSpPr>
+          <p:cNvPr id="3" name="Notizenplatzhalter 2"/>
+          <p:cNvSpPr>
+            <a:spLocks noGrp="1"/>
+          </p:cNvSpPr>
+          <p:nvPr>
+            <p:ph type="body" idx="1"/>
+          </p:nvPr>
+        </p:nvSpPr>
+        <p:spPr/>
+        <p:txBody>
+          <a:bodyPr/>
+          <a:lstStyle/>
+          <a:p>
+            <a:endParaRPr lang="de-DE"/>
+          </a:p>
+        </p:txBody>
+      </p:sp>
+      <p:sp>
+        <p:nvSpPr>
+          <p:cNvPr id="4" name="Foliennummernplatzhalter 3"/>
+          <p:cNvSpPr>
+            <a:spLocks noGrp="1"/>
+          </p:cNvSpPr>
+          <p:nvPr>
+            <p:ph type="sldNum" sz="quarter" idx="10"/>
+          </p:nvPr>
+        </p:nvSpPr>
+        <p:spPr/>
+        <p:txBody>
+          <a:bodyPr/>
+          <a:lstStyle/>
+          <a:p>
+            <a:fld id="{05D1FABD-69C2-49F9-BD91-F05E017FE538}" type="slidenum">
+              <a:rPr lang="de-DE" smtClean="0"/>
+              <a:t>5</a:t>
+            </a:fld>
+            <a:endParaRPr lang="de-DE"/>
+          </a:p>
+        </p:txBody>
+      </p:sp>
+    </p:spTree>
+    <p:extLst>
+      <p:ext uri="{BB962C8B-B14F-4D97-AF65-F5344CB8AC3E}">
+        <p14:creationId xmlns:p14="http://schemas.microsoft.com/office/powerpoint/2010/main" val="1705752707"/>
+      </p:ext>
+    </p:extLst>
+  </p:cSld>
+  <p:clrMapOvr>
+    <a:masterClrMapping/>
+  </p:clrMapOvr>
+</p:notes>
+</file>
+
+<file path=ppt/notesSlides/notesSlide5.xml><?xml version="1.0" encoding="utf-8"?>
+<p:notes xmlns:a="http://schemas.openxmlformats.org/drawingml/2006/main" xmlns:r="http://schemas.openxmlformats.org/officeDocument/2006/relationships" xmlns:p="http://schemas.openxmlformats.org/presentationml/2006/main">
+  <p:cSld>
+    <p:spTree>
+      <p:nvGrpSpPr>
+        <p:cNvPr id="1" name=""/>
+        <p:cNvGrpSpPr/>
+        <p:nvPr/>
+      </p:nvGrpSpPr>
+      <p:grpSpPr>
+        <a:xfrm>
+          <a:off x="0" y="0"/>
+          <a:ext cx="0" cy="0"/>
+          <a:chOff x="0" y="0"/>
+          <a:chExt cx="0" cy="0"/>
+        </a:xfrm>
+      </p:grpSpPr>
+      <p:sp>
+        <p:nvSpPr>
+          <p:cNvPr id="2" name="Folienbildplatzhalter 1"/>
+          <p:cNvSpPr>
+            <a:spLocks noGrp="1" noRot="1" noChangeAspect="1"/>
+          </p:cNvSpPr>
+          <p:nvPr>
+            <p:ph type="sldImg"/>
+          </p:nvPr>
+        </p:nvSpPr>
+        <p:spPr/>
+      </p:sp>
+      <p:sp>
+        <p:nvSpPr>
+          <p:cNvPr id="3" name="Notizenplatzhalter 2"/>
+          <p:cNvSpPr>
+            <a:spLocks noGrp="1"/>
+          </p:cNvSpPr>
+          <p:nvPr>
+            <p:ph type="body" idx="1"/>
+          </p:nvPr>
+        </p:nvSpPr>
+        <p:spPr/>
+        <p:txBody>
+          <a:bodyPr/>
+          <a:lstStyle/>
+          <a:p>
+            <a:endParaRPr lang="de-DE"/>
+          </a:p>
+        </p:txBody>
+      </p:sp>
+      <p:sp>
+        <p:nvSpPr>
+          <p:cNvPr id="4" name="Foliennummernplatzhalter 3"/>
+          <p:cNvSpPr>
+            <a:spLocks noGrp="1"/>
+          </p:cNvSpPr>
+          <p:nvPr>
+            <p:ph type="sldNum" sz="quarter" idx="10"/>
+          </p:nvPr>
+        </p:nvSpPr>
+        <p:spPr/>
+        <p:txBody>
+          <a:bodyPr/>
+          <a:lstStyle/>
+          <a:p>
+            <a:fld id="{05D1FABD-69C2-49F9-BD91-F05E017FE538}" type="slidenum">
+              <a:rPr lang="de-DE" smtClean="0"/>
+              <a:t>6</a:t>
+            </a:fld>
+            <a:endParaRPr lang="de-DE"/>
+          </a:p>
+        </p:txBody>
+      </p:sp>
+    </p:spTree>
+    <p:extLst>
+      <p:ext uri="{BB962C8B-B14F-4D97-AF65-F5344CB8AC3E}">
+        <p14:creationId xmlns:p14="http://schemas.microsoft.com/office/powerpoint/2010/main" val="4219797847"/>
+      </p:ext>
+    </p:extLst>
+  </p:cSld>
+  <p:clrMapOvr>
+    <a:masterClrMapping/>
+  </p:clrMapOvr>
+</p:notes>
+</file>
+
+<file path=ppt/notesSlides/notesSlide6.xml><?xml version="1.0" encoding="utf-8"?>
+<p:notes xmlns:a="http://schemas.openxmlformats.org/drawingml/2006/main" xmlns:r="http://schemas.openxmlformats.org/officeDocument/2006/relationships" xmlns:p="http://schemas.openxmlformats.org/presentationml/2006/main">
+  <p:cSld>
+    <p:spTree>
+      <p:nvGrpSpPr>
+        <p:cNvPr id="1" name=""/>
+        <p:cNvGrpSpPr/>
+        <p:nvPr/>
+      </p:nvGrpSpPr>
+      <p:grpSpPr>
+        <a:xfrm>
+          <a:off x="0" y="0"/>
+          <a:ext cx="0" cy="0"/>
+          <a:chOff x="0" y="0"/>
+          <a:chExt cx="0" cy="0"/>
+        </a:xfrm>
+      </p:grpSpPr>
+      <p:sp>
+        <p:nvSpPr>
+          <p:cNvPr id="2" name="Folienbildplatzhalter 1"/>
+          <p:cNvSpPr>
+            <a:spLocks noGrp="1" noRot="1" noChangeAspect="1"/>
+          </p:cNvSpPr>
+          <p:nvPr>
+            <p:ph type="sldImg"/>
+          </p:nvPr>
+        </p:nvSpPr>
+        <p:spPr/>
+      </p:sp>
+      <p:sp>
+        <p:nvSpPr>
+          <p:cNvPr id="3" name="Notizenplatzhalter 2"/>
+          <p:cNvSpPr>
+            <a:spLocks noGrp="1"/>
+          </p:cNvSpPr>
+          <p:nvPr>
+            <p:ph type="body" idx="1"/>
+          </p:nvPr>
+        </p:nvSpPr>
+        <p:spPr/>
+        <p:txBody>
+          <a:bodyPr/>
+          <a:lstStyle/>
+          <a:p>
+            <a:endParaRPr lang="de-DE"/>
+          </a:p>
+        </p:txBody>
+      </p:sp>
+      <p:sp>
+        <p:nvSpPr>
+          <p:cNvPr id="4" name="Foliennummernplatzhalter 3"/>
+          <p:cNvSpPr>
+            <a:spLocks noGrp="1"/>
+          </p:cNvSpPr>
+          <p:nvPr>
+            <p:ph type="sldNum" sz="quarter" idx="10"/>
+          </p:nvPr>
+        </p:nvSpPr>
+        <p:spPr/>
+        <p:txBody>
+          <a:bodyPr/>
+          <a:lstStyle/>
+          <a:p>
+            <a:fld id="{05D1FABD-69C2-49F9-BD91-F05E017FE538}" type="slidenum">
+              <a:rPr lang="de-DE" smtClean="0"/>
+              <a:t>7</a:t>
+            </a:fld>
+            <a:endParaRPr lang="de-DE"/>
+          </a:p>
+        </p:txBody>
+      </p:sp>
+    </p:spTree>
+    <p:extLst>
+      <p:ext uri="{BB962C8B-B14F-4D97-AF65-F5344CB8AC3E}">
+        <p14:creationId xmlns:p14="http://schemas.microsoft.com/office/powerpoint/2010/main" val="1066156749"/>
+      </p:ext>
+    </p:extLst>
+  </p:cSld>
+  <p:clrMapOvr>
+    <a:masterClrMapping/>
+  </p:clrMapOvr>
+</p:notes>
+</file>
+
+<file path=ppt/notesSlides/notesSlide7.xml><?xml version="1.0" encoding="utf-8"?>
+<p:notes xmlns:a="http://schemas.openxmlformats.org/drawingml/2006/main" xmlns:r="http://schemas.openxmlformats.org/officeDocument/2006/relationships" xmlns:p="http://schemas.openxmlformats.org/presentationml/2006/main">
+  <p:cSld>
+    <p:spTree>
+      <p:nvGrpSpPr>
+        <p:cNvPr id="1" name=""/>
+        <p:cNvGrpSpPr/>
+        <p:nvPr/>
+      </p:nvGrpSpPr>
+      <p:grpSpPr>
+        <a:xfrm>
+          <a:off x="0" y="0"/>
+          <a:ext cx="0" cy="0"/>
+          <a:chOff x="0" y="0"/>
+          <a:chExt cx="0" cy="0"/>
+        </a:xfrm>
+      </p:grpSpPr>
+      <p:sp>
+        <p:nvSpPr>
+          <p:cNvPr id="2" name="Folienbildplatzhalter 1"/>
+          <p:cNvSpPr>
+            <a:spLocks noGrp="1" noRot="1" noChangeAspect="1"/>
+          </p:cNvSpPr>
+          <p:nvPr>
+            <p:ph type="sldImg"/>
+          </p:nvPr>
+        </p:nvSpPr>
+        <p:spPr/>
+      </p:sp>
+      <p:sp>
+        <p:nvSpPr>
+          <p:cNvPr id="3" name="Notizenplatzhalter 2"/>
+          <p:cNvSpPr>
+            <a:spLocks noGrp="1"/>
+          </p:cNvSpPr>
+          <p:nvPr>
+            <p:ph type="body" idx="1"/>
+          </p:nvPr>
+        </p:nvSpPr>
+        <p:spPr/>
+        <p:txBody>
+          <a:bodyPr/>
+          <a:lstStyle/>
+          <a:p>
+            <a:endParaRPr lang="de-DE"/>
+          </a:p>
+        </p:txBody>
+      </p:sp>
+      <p:sp>
+        <p:nvSpPr>
+          <p:cNvPr id="4" name="Foliennummernplatzhalter 3"/>
+          <p:cNvSpPr>
+            <a:spLocks noGrp="1"/>
+          </p:cNvSpPr>
+          <p:nvPr>
+            <p:ph type="sldNum" sz="quarter" idx="10"/>
+          </p:nvPr>
+        </p:nvSpPr>
+        <p:spPr/>
+        <p:txBody>
+          <a:bodyPr/>
+          <a:lstStyle/>
+          <a:p>
+            <a:fld id="{05D1FABD-69C2-49F9-BD91-F05E017FE538}" type="slidenum">
+              <a:rPr lang="de-DE" smtClean="0"/>
+              <a:t>8</a:t>
+            </a:fld>
+            <a:endParaRPr lang="de-DE"/>
+          </a:p>
+        </p:txBody>
+      </p:sp>
+    </p:spTree>
+    <p:extLst>
+      <p:ext uri="{BB962C8B-B14F-4D97-AF65-F5344CB8AC3E}">
+        <p14:creationId xmlns:p14="http://schemas.microsoft.com/office/powerpoint/2010/main" val="3297351362"/>
+      </p:ext>
+    </p:extLst>
+  </p:cSld>
+  <p:clrMapOvr>
+    <a:masterClrMapping/>
+  </p:clrMapOvr>
+</p:notes>
+</file>
+
+<file path=ppt/notesSlides/notesSlide8.xml><?xml version="1.0" encoding="utf-8"?>
+<p:notes xmlns:a="http://schemas.openxmlformats.org/drawingml/2006/main" xmlns:r="http://schemas.openxmlformats.org/officeDocument/2006/relationships" xmlns:p="http://schemas.openxmlformats.org/presentationml/2006/main">
+  <p:cSld>
+    <p:spTree>
+      <p:nvGrpSpPr>
+        <p:cNvPr id="1" name=""/>
+        <p:cNvGrpSpPr/>
+        <p:nvPr/>
+      </p:nvGrpSpPr>
+      <p:grpSpPr>
+        <a:xfrm>
+          <a:off x="0" y="0"/>
+          <a:ext cx="0" cy="0"/>
+          <a:chOff x="0" y="0"/>
+          <a:chExt cx="0" cy="0"/>
+        </a:xfrm>
+      </p:grpSpPr>
+      <p:sp>
+        <p:nvSpPr>
+          <p:cNvPr id="2" name="Folienbildplatzhalter 1"/>
+          <p:cNvSpPr>
+            <a:spLocks noGrp="1" noRot="1" noChangeAspect="1"/>
+          </p:cNvSpPr>
+          <p:nvPr>
+            <p:ph type="sldImg"/>
+          </p:nvPr>
+        </p:nvSpPr>
+        <p:spPr/>
+      </p:sp>
+      <p:sp>
+        <p:nvSpPr>
+          <p:cNvPr id="3" name="Notizenplatzhalter 2"/>
+          <p:cNvSpPr>
+            <a:spLocks noGrp="1"/>
+          </p:cNvSpPr>
+          <p:nvPr>
+            <p:ph type="body" idx="1"/>
+          </p:nvPr>
+        </p:nvSpPr>
+        <p:spPr/>
+        <p:txBody>
+          <a:bodyPr/>
+          <a:lstStyle/>
+          <a:p>
+            <a:endParaRPr lang="de-DE"/>
+          </a:p>
+        </p:txBody>
+      </p:sp>
+      <p:sp>
+        <p:nvSpPr>
+          <p:cNvPr id="4" name="Foliennummernplatzhalter 3"/>
+          <p:cNvSpPr>
+            <a:spLocks noGrp="1"/>
+          </p:cNvSpPr>
+          <p:nvPr>
+            <p:ph type="sldNum" sz="quarter" idx="10"/>
+          </p:nvPr>
+        </p:nvSpPr>
+        <p:spPr/>
+        <p:txBody>
+          <a:bodyPr/>
+          <a:lstStyle/>
+          <a:p>
+            <a:fld id="{05D1FABD-69C2-49F9-BD91-F05E017FE538}" type="slidenum">
+              <a:rPr lang="de-DE" smtClean="0"/>
+              <a:t>9</a:t>
+            </a:fld>
+            <a:endParaRPr lang="de-DE"/>
+          </a:p>
+        </p:txBody>
+      </p:sp>
+    </p:spTree>
+    <p:extLst>
+      <p:ext uri="{BB962C8B-B14F-4D97-AF65-F5344CB8AC3E}">
+        <p14:creationId xmlns:p14="http://schemas.microsoft.com/office/powerpoint/2010/main" val="784737350"/>
+      </p:ext>
+    </p:extLst>
+  </p:cSld>
+  <p:clrMapOvr>
+    <a:masterClrMapping/>
+  </p:clrMapOvr>
+</p:notes>
+</file>
+
 <file path=ppt/slideLayouts/slideLayout1.xml><?xml version="1.0" encoding="utf-8"?>
 <p:sldLayout xmlns:a="http://schemas.openxmlformats.org/drawingml/2006/main" xmlns:r="http://schemas.openxmlformats.org/officeDocument/2006/relationships" xmlns:p="http://schemas.openxmlformats.org/presentationml/2006/main" showMasterSp="0" type="title" preserve="1">
   <p:cSld name="Titelfolie">
@@ -1191,7 +1794,7 @@
           <a:p>
             <a:fld id="{9EE47043-14B9-45DE-A7CA-B819D3DB7940}" type="datetime1">
               <a:rPr lang="en-US" smtClean="0"/>
-              <a:t>2/6/2015</a:t>
+              <a:t>2/7/2015</a:t>
             </a:fld>
             <a:endParaRPr lang="en-US" dirty="0"/>
           </a:p>
@@ -2311,7 +2914,7 @@
           <a:p>
             <a:fld id="{15FDD389-1C4B-4991-9D1B-BD9CD8DAD448}" type="datetime1">
               <a:rPr lang="en-US" smtClean="0"/>
-              <a:t>2/6/2015</a:t>
+              <a:t>2/7/2015</a:t>
             </a:fld>
             <a:endParaRPr lang="en-US" dirty="0"/>
           </a:p>
@@ -3322,7 +3925,7 @@
           <a:p>
             <a:fld id="{DBEDE645-84E4-46C4-8BBB-B45E79B0BDF2}" type="datetime1">
               <a:rPr lang="en-US" smtClean="0"/>
-              <a:t>2/6/2015</a:t>
+              <a:t>2/7/2015</a:t>
             </a:fld>
             <a:endParaRPr lang="en-US" dirty="0"/>
           </a:p>
@@ -4492,7 +5095,7 @@
           <a:p>
             <a:fld id="{FD30094F-A1C4-4AA8-B240-0E360656DACC}" type="datetime1">
               <a:rPr lang="en-US" smtClean="0"/>
-              <a:t>2/6/2015</a:t>
+              <a:t>2/7/2015</a:t>
             </a:fld>
             <a:endParaRPr lang="en-US" dirty="0"/>
           </a:p>
@@ -5553,7 +6156,7 @@
           <a:p>
             <a:fld id="{114DEC2F-D236-4161-B7A9-058AD50973F4}" type="datetime1">
               <a:rPr lang="en-US" smtClean="0"/>
-              <a:t>2/6/2015</a:t>
+              <a:t>2/7/2015</a:t>
             </a:fld>
             <a:endParaRPr lang="en-US" dirty="0"/>
           </a:p>
@@ -6199,7 +6802,7 @@
           <a:p>
             <a:fld id="{7246F925-6776-418A-B9D5-2FE6DDC7FF5E}" type="datetime1">
               <a:rPr lang="en-US" smtClean="0"/>
-              <a:t>2/6/2015</a:t>
+              <a:t>2/7/2015</a:t>
             </a:fld>
             <a:endParaRPr lang="en-US" dirty="0"/>
           </a:p>
@@ -7046,7 +7649,7 @@
           <a:p>
             <a:fld id="{AA091E32-8210-42E1-A5E3-AE4F3B2BA67C}" type="datetime1">
               <a:rPr lang="en-US" smtClean="0"/>
-              <a:t>2/6/2015</a:t>
+              <a:t>2/7/2015</a:t>
             </a:fld>
             <a:endParaRPr lang="en-US" dirty="0"/>
           </a:p>
@@ -7221,7 +7824,7 @@
           <a:p>
             <a:fld id="{A8F96028-6369-409B-B015-BD4E873D97AE}" type="datetime1">
               <a:rPr lang="en-US" smtClean="0"/>
-              <a:t>2/6/2015</a:t>
+              <a:t>2/7/2015</a:t>
             </a:fld>
             <a:endParaRPr lang="en-US" dirty="0"/>
           </a:p>
@@ -8219,7 +8822,7 @@
           <a:p>
             <a:fld id="{1EC1EEDA-5C8D-4FAD-B380-0B1111C6C6FD}" type="datetime1">
               <a:rPr lang="en-US" smtClean="0"/>
-              <a:t>2/6/2015</a:t>
+              <a:t>2/7/2015</a:t>
             </a:fld>
             <a:endParaRPr lang="en-US" dirty="0"/>
           </a:p>
@@ -8425,7 +9028,7 @@
           <a:p>
             <a:fld id="{17201E69-94FE-46D8-8C9F-233CA2EAF49D}" type="datetime1">
               <a:rPr lang="en-US" smtClean="0"/>
-              <a:t>2/6/2015</a:t>
+              <a:t>2/7/2015</a:t>
             </a:fld>
             <a:endParaRPr lang="en-US" dirty="0"/>
           </a:p>
@@ -9487,7 +10090,7 @@
           <a:p>
             <a:fld id="{9229E780-8742-4F41-A7DD-8A533C34BC62}" type="datetime1">
               <a:rPr lang="en-US" smtClean="0"/>
-              <a:t>2/6/2015</a:t>
+              <a:t>2/7/2015</a:t>
             </a:fld>
             <a:endParaRPr lang="en-US" dirty="0"/>
           </a:p>
@@ -9759,7 +10362,7 @@
           <a:p>
             <a:fld id="{3B91D532-264E-494B-BCB4-085A06E95C4C}" type="datetime1">
               <a:rPr lang="en-US" smtClean="0"/>
-              <a:t>2/6/2015</a:t>
+              <a:t>2/7/2015</a:t>
             </a:fld>
             <a:endParaRPr lang="en-US" dirty="0"/>
           </a:p>
@@ -10141,7 +10744,7 @@
           <a:p>
             <a:fld id="{13078452-A4DA-42F9-8E52-EBBBBBF20BDF}" type="datetime1">
               <a:rPr lang="en-US" smtClean="0"/>
-              <a:t>2/6/2015</a:t>
+              <a:t>2/7/2015</a:t>
             </a:fld>
             <a:endParaRPr lang="en-US" dirty="0"/>
           </a:p>
@@ -10259,7 +10862,7 @@
           <a:p>
             <a:fld id="{1433EC71-6044-490A-9B40-8B48B52B7377}" type="datetime1">
               <a:rPr lang="en-US" smtClean="0"/>
-              <a:t>2/6/2015</a:t>
+              <a:t>2/7/2015</a:t>
             </a:fld>
             <a:endParaRPr lang="en-US" dirty="0"/>
           </a:p>
@@ -10354,7 +10957,7 @@
           <a:p>
             <a:fld id="{05B9864E-D461-4420-9A61-69708EA906EF}" type="datetime1">
               <a:rPr lang="en-US" smtClean="0"/>
-              <a:t>2/6/2015</a:t>
+              <a:t>2/7/2015</a:t>
             </a:fld>
             <a:endParaRPr lang="en-US" dirty="0"/>
           </a:p>
@@ -11463,7 +12066,7 @@
           <a:p>
             <a:fld id="{B45F0798-91BD-41E8-A317-14713D4B5C46}" type="datetime1">
               <a:rPr lang="en-US" smtClean="0"/>
-              <a:t>2/6/2015</a:t>
+              <a:t>2/7/2015</a:t>
             </a:fld>
             <a:endParaRPr lang="en-US" dirty="0"/>
           </a:p>
@@ -12596,7 +13199,7 @@
           <a:p>
             <a:fld id="{2A2492AA-6B4D-44C1-A4C5-776C8CBEDC88}" type="datetime1">
               <a:rPr lang="en-US" smtClean="0"/>
-              <a:t>2/6/2015</a:t>
+              <a:t>2/7/2015</a:t>
             </a:fld>
             <a:endParaRPr lang="en-US" dirty="0"/>
           </a:p>
@@ -13624,7 +14227,7 @@
           <a:p>
             <a:fld id="{D718F47C-7328-41EC-B5EF-37975657BEDE}" type="datetime1">
               <a:rPr lang="en-US" smtClean="0"/>
-              <a:t>2/6/2015</a:t>
+              <a:t>2/7/2015</a:t>
             </a:fld>
             <a:endParaRPr lang="en-US" dirty="0"/>
           </a:p>
@@ -14320,6 +14923,37 @@
           <a:bodyPr/>
           <a:lstStyle/>
           <a:p>
+            <a:r>
+              <a:rPr lang="de-DE" smtClean="0"/>
+              <a:t>Motivation (Lukas)</a:t>
+            </a:r>
+            <a:endParaRPr lang="de-DE" dirty="0" smtClean="0"/>
+          </a:p>
+          <a:p>
+            <a:r>
+              <a:rPr lang="de-DE" dirty="0" smtClean="0"/>
+              <a:t>Konzept (Michael)</a:t>
+            </a:r>
+          </a:p>
+          <a:p>
+            <a:r>
+              <a:rPr lang="de-DE" dirty="0" smtClean="0"/>
+              <a:t>Werkzeugeinsatz (Sebastian)</a:t>
+            </a:r>
+          </a:p>
+          <a:p>
+            <a:r>
+              <a:rPr lang="de-DE" dirty="0" smtClean="0"/>
+              <a:t>Demo (Lukas)</a:t>
+            </a:r>
+          </a:p>
+          <a:p>
+            <a:r>
+              <a:rPr lang="de-DE" dirty="0" smtClean="0"/>
+              <a:t>Reflexion (Nadine)</a:t>
+            </a:r>
+          </a:p>
+          <a:p>
             <a:endParaRPr lang="de-DE" dirty="0"/>
           </a:p>
         </p:txBody>
@@ -14402,15 +15036,7 @@
           <a:p>
             <a:r>
               <a:rPr lang="de-DE" sz="1600" dirty="0" smtClean="0"/>
-              <a:t>13.02.2015  |  Software Engineering I  |  Nadine Feldmann, Lukas </a:t>
-            </a:r>
-            <a:r>
-              <a:rPr lang="de-DE" sz="1600" dirty="0" err="1" smtClean="0"/>
-              <a:t>Huwe</a:t>
-            </a:r>
-            <a:r>
-              <a:rPr lang="de-DE" sz="1600" dirty="0" smtClean="0"/>
-              <a:t>, Michael Kerkhoff, Sebastian Ochtrup</a:t>
+              <a:t>13.02.2015  |  Software Engineering I  |  Nadine Feldmann, Lukas Huwe, Michael Kerkhoff, Sebastian Ochtrup</a:t>
             </a:r>
             <a:endParaRPr lang="de-DE" sz="1600" dirty="0"/>
           </a:p>
@@ -14420,6 +15046,1142 @@
     <p:extLst>
       <p:ext uri="{BB962C8B-B14F-4D97-AF65-F5344CB8AC3E}">
         <p14:creationId xmlns:p14="http://schemas.microsoft.com/office/powerpoint/2010/main" val="2132460779"/>
+      </p:ext>
+    </p:extLst>
+  </p:cSld>
+  <p:clrMapOvr>
+    <a:masterClrMapping/>
+  </p:clrMapOvr>
+  <p:timing>
+    <p:tnLst>
+      <p:par>
+        <p:cTn id="1" dur="indefinite" restart="never" nodeType="tmRoot"/>
+      </p:par>
+    </p:tnLst>
+  </p:timing>
+</p:sld>
+</file>
+
+<file path=ppt/slides/slide3.xml><?xml version="1.0" encoding="utf-8"?>
+<p:sld xmlns:a="http://schemas.openxmlformats.org/drawingml/2006/main" xmlns:r="http://schemas.openxmlformats.org/officeDocument/2006/relationships" xmlns:p="http://schemas.openxmlformats.org/presentationml/2006/main">
+  <p:cSld>
+    <p:spTree>
+      <p:nvGrpSpPr>
+        <p:cNvPr id="1" name=""/>
+        <p:cNvGrpSpPr/>
+        <p:nvPr/>
+      </p:nvGrpSpPr>
+      <p:grpSpPr>
+        <a:xfrm>
+          <a:off x="0" y="0"/>
+          <a:ext cx="0" cy="0"/>
+          <a:chOff x="0" y="0"/>
+          <a:chExt cx="0" cy="0"/>
+        </a:xfrm>
+      </p:grpSpPr>
+      <p:sp>
+        <p:nvSpPr>
+          <p:cNvPr id="2" name="Titel 1"/>
+          <p:cNvSpPr>
+            <a:spLocks noGrp="1"/>
+          </p:cNvSpPr>
+          <p:nvPr>
+            <p:ph type="title"/>
+          </p:nvPr>
+        </p:nvSpPr>
+        <p:spPr/>
+        <p:txBody>
+          <a:bodyPr/>
+          <a:lstStyle/>
+          <a:p>
+            <a:r>
+              <a:rPr lang="de-DE" dirty="0" smtClean="0"/>
+              <a:t>Motivation</a:t>
+            </a:r>
+            <a:endParaRPr lang="de-DE" dirty="0"/>
+          </a:p>
+        </p:txBody>
+      </p:sp>
+      <p:sp>
+        <p:nvSpPr>
+          <p:cNvPr id="3" name="Inhaltsplatzhalter 2"/>
+          <p:cNvSpPr>
+            <a:spLocks noGrp="1"/>
+          </p:cNvSpPr>
+          <p:nvPr>
+            <p:ph idx="1"/>
+          </p:nvPr>
+        </p:nvSpPr>
+        <p:spPr/>
+        <p:txBody>
+          <a:bodyPr/>
+          <a:lstStyle/>
+          <a:p>
+            <a:endParaRPr lang="de-DE" dirty="0"/>
+          </a:p>
+        </p:txBody>
+      </p:sp>
+      <p:pic>
+        <p:nvPicPr>
+          <p:cNvPr id="4" name="Grafik 3"/>
+          <p:cNvPicPr>
+            <a:picLocks noChangeAspect="1"/>
+          </p:cNvPicPr>
+          <p:nvPr/>
+        </p:nvPicPr>
+        <p:blipFill>
+          <a:blip r:embed="rId3">
+            <a:extLst>
+              <a:ext uri="{28A0092B-C50C-407E-A947-70E740481C1C}">
+                <a14:useLocalDpi xmlns:a14="http://schemas.microsoft.com/office/drawing/2010/main" val="0"/>
+              </a:ext>
+            </a:extLst>
+          </a:blip>
+          <a:stretch>
+            <a:fillRect/>
+          </a:stretch>
+        </p:blipFill>
+        <p:spPr>
+          <a:xfrm>
+            <a:off x="11248792" y="5909733"/>
+            <a:ext cx="827314" cy="827314"/>
+          </a:xfrm>
+          <a:prstGeom prst="rect">
+            <a:avLst/>
+          </a:prstGeom>
+        </p:spPr>
+      </p:pic>
+      <p:sp>
+        <p:nvSpPr>
+          <p:cNvPr id="5" name="Foliennummernplatzhalter 4"/>
+          <p:cNvSpPr>
+            <a:spLocks noGrp="1"/>
+          </p:cNvSpPr>
+          <p:nvPr>
+            <p:ph type="sldNum" sz="quarter" idx="12"/>
+          </p:nvPr>
+        </p:nvSpPr>
+        <p:spPr/>
+        <p:txBody>
+          <a:bodyPr/>
+          <a:lstStyle/>
+          <a:p>
+            <a:fld id="{D57F1E4F-1CFF-5643-939E-217C01CDF565}" type="slidenum">
+              <a:rPr lang="en-US" smtClean="0"/>
+              <a:pPr/>
+              <a:t>3</a:t>
+            </a:fld>
+            <a:endParaRPr lang="en-US" dirty="0"/>
+          </a:p>
+        </p:txBody>
+      </p:sp>
+      <p:sp>
+        <p:nvSpPr>
+          <p:cNvPr id="6" name="Textfeld 5"/>
+          <p:cNvSpPr txBox="1"/>
+          <p:nvPr/>
+        </p:nvSpPr>
+        <p:spPr>
+          <a:xfrm>
+            <a:off x="372650" y="6156167"/>
+            <a:ext cx="10876142" cy="338554"/>
+          </a:xfrm>
+          <a:prstGeom prst="rect">
+            <a:avLst/>
+          </a:prstGeom>
+          <a:noFill/>
+        </p:spPr>
+        <p:txBody>
+          <a:bodyPr wrap="square" rtlCol="0">
+            <a:spAutoFit/>
+          </a:bodyPr>
+          <a:lstStyle/>
+          <a:p>
+            <a:r>
+              <a:rPr lang="de-DE" sz="1600" dirty="0" smtClean="0"/>
+              <a:t>13.02.2015  |  Software Engineering I  |  Nadine Feldmann, Lukas Huwe, Michael Kerkhoff, Sebastian Ochtrup</a:t>
+            </a:r>
+            <a:endParaRPr lang="de-DE" sz="1600" dirty="0"/>
+          </a:p>
+        </p:txBody>
+      </p:sp>
+    </p:spTree>
+    <p:extLst>
+      <p:ext uri="{BB962C8B-B14F-4D97-AF65-F5344CB8AC3E}">
+        <p14:creationId xmlns:p14="http://schemas.microsoft.com/office/powerpoint/2010/main" val="1662249724"/>
+      </p:ext>
+    </p:extLst>
+  </p:cSld>
+  <p:clrMapOvr>
+    <a:masterClrMapping/>
+  </p:clrMapOvr>
+  <p:timing>
+    <p:tnLst>
+      <p:par>
+        <p:cTn id="1" dur="indefinite" restart="never" nodeType="tmRoot"/>
+      </p:par>
+    </p:tnLst>
+  </p:timing>
+</p:sld>
+</file>
+
+<file path=ppt/slides/slide4.xml><?xml version="1.0" encoding="utf-8"?>
+<p:sld xmlns:a="http://schemas.openxmlformats.org/drawingml/2006/main" xmlns:r="http://schemas.openxmlformats.org/officeDocument/2006/relationships" xmlns:p="http://schemas.openxmlformats.org/presentationml/2006/main">
+  <p:cSld>
+    <p:spTree>
+      <p:nvGrpSpPr>
+        <p:cNvPr id="1" name=""/>
+        <p:cNvGrpSpPr/>
+        <p:nvPr/>
+      </p:nvGrpSpPr>
+      <p:grpSpPr>
+        <a:xfrm>
+          <a:off x="0" y="0"/>
+          <a:ext cx="0" cy="0"/>
+          <a:chOff x="0" y="0"/>
+          <a:chExt cx="0" cy="0"/>
+        </a:xfrm>
+      </p:grpSpPr>
+      <p:sp>
+        <p:nvSpPr>
+          <p:cNvPr id="2" name="Titel 1"/>
+          <p:cNvSpPr>
+            <a:spLocks noGrp="1"/>
+          </p:cNvSpPr>
+          <p:nvPr>
+            <p:ph type="title"/>
+          </p:nvPr>
+        </p:nvSpPr>
+        <p:spPr/>
+        <p:txBody>
+          <a:bodyPr/>
+          <a:lstStyle/>
+          <a:p>
+            <a:r>
+              <a:rPr lang="de-DE" dirty="0" smtClean="0"/>
+              <a:t>Konzept</a:t>
+            </a:r>
+            <a:endParaRPr lang="de-DE" dirty="0"/>
+          </a:p>
+        </p:txBody>
+      </p:sp>
+      <p:sp>
+        <p:nvSpPr>
+          <p:cNvPr id="3" name="Inhaltsplatzhalter 2"/>
+          <p:cNvSpPr>
+            <a:spLocks noGrp="1"/>
+          </p:cNvSpPr>
+          <p:nvPr>
+            <p:ph idx="1"/>
+          </p:nvPr>
+        </p:nvSpPr>
+        <p:spPr/>
+        <p:txBody>
+          <a:bodyPr/>
+          <a:lstStyle/>
+          <a:p>
+            <a:endParaRPr lang="de-DE" dirty="0"/>
+          </a:p>
+        </p:txBody>
+      </p:sp>
+      <p:pic>
+        <p:nvPicPr>
+          <p:cNvPr id="4" name="Grafik 3"/>
+          <p:cNvPicPr>
+            <a:picLocks noChangeAspect="1"/>
+          </p:cNvPicPr>
+          <p:nvPr/>
+        </p:nvPicPr>
+        <p:blipFill>
+          <a:blip r:embed="rId3">
+            <a:extLst>
+              <a:ext uri="{28A0092B-C50C-407E-A947-70E740481C1C}">
+                <a14:useLocalDpi xmlns:a14="http://schemas.microsoft.com/office/drawing/2010/main" val="0"/>
+              </a:ext>
+            </a:extLst>
+          </a:blip>
+          <a:stretch>
+            <a:fillRect/>
+          </a:stretch>
+        </p:blipFill>
+        <p:spPr>
+          <a:xfrm>
+            <a:off x="11248792" y="5909733"/>
+            <a:ext cx="827314" cy="827314"/>
+          </a:xfrm>
+          <a:prstGeom prst="rect">
+            <a:avLst/>
+          </a:prstGeom>
+        </p:spPr>
+      </p:pic>
+      <p:sp>
+        <p:nvSpPr>
+          <p:cNvPr id="5" name="Foliennummernplatzhalter 4"/>
+          <p:cNvSpPr>
+            <a:spLocks noGrp="1"/>
+          </p:cNvSpPr>
+          <p:nvPr>
+            <p:ph type="sldNum" sz="quarter" idx="12"/>
+          </p:nvPr>
+        </p:nvSpPr>
+        <p:spPr/>
+        <p:txBody>
+          <a:bodyPr/>
+          <a:lstStyle/>
+          <a:p>
+            <a:fld id="{D57F1E4F-1CFF-5643-939E-217C01CDF565}" type="slidenum">
+              <a:rPr lang="en-US" smtClean="0"/>
+              <a:pPr/>
+              <a:t>4</a:t>
+            </a:fld>
+            <a:endParaRPr lang="en-US" dirty="0"/>
+          </a:p>
+        </p:txBody>
+      </p:sp>
+      <p:sp>
+        <p:nvSpPr>
+          <p:cNvPr id="6" name="Textfeld 5"/>
+          <p:cNvSpPr txBox="1"/>
+          <p:nvPr/>
+        </p:nvSpPr>
+        <p:spPr>
+          <a:xfrm>
+            <a:off x="372650" y="6156167"/>
+            <a:ext cx="10876142" cy="338554"/>
+          </a:xfrm>
+          <a:prstGeom prst="rect">
+            <a:avLst/>
+          </a:prstGeom>
+          <a:noFill/>
+        </p:spPr>
+        <p:txBody>
+          <a:bodyPr wrap="square" rtlCol="0">
+            <a:spAutoFit/>
+          </a:bodyPr>
+          <a:lstStyle/>
+          <a:p>
+            <a:r>
+              <a:rPr lang="de-DE" sz="1600" dirty="0" smtClean="0"/>
+              <a:t>13.02.2015  |  Software Engineering I  |  Nadine Feldmann, Lukas Huwe, Michael Kerkhoff, Sebastian Ochtrup</a:t>
+            </a:r>
+            <a:endParaRPr lang="de-DE" sz="1600" dirty="0"/>
+          </a:p>
+        </p:txBody>
+      </p:sp>
+    </p:spTree>
+    <p:extLst>
+      <p:ext uri="{BB962C8B-B14F-4D97-AF65-F5344CB8AC3E}">
+        <p14:creationId xmlns:p14="http://schemas.microsoft.com/office/powerpoint/2010/main" val="4975384"/>
+      </p:ext>
+    </p:extLst>
+  </p:cSld>
+  <p:clrMapOvr>
+    <a:masterClrMapping/>
+  </p:clrMapOvr>
+  <p:timing>
+    <p:tnLst>
+      <p:par>
+        <p:cTn id="1" dur="indefinite" restart="never" nodeType="tmRoot"/>
+      </p:par>
+    </p:tnLst>
+  </p:timing>
+</p:sld>
+</file>
+
+<file path=ppt/slides/slide5.xml><?xml version="1.0" encoding="utf-8"?>
+<p:sld xmlns:a="http://schemas.openxmlformats.org/drawingml/2006/main" xmlns:r="http://schemas.openxmlformats.org/officeDocument/2006/relationships" xmlns:p="http://schemas.openxmlformats.org/presentationml/2006/main">
+  <p:cSld>
+    <p:spTree>
+      <p:nvGrpSpPr>
+        <p:cNvPr id="1" name=""/>
+        <p:cNvGrpSpPr/>
+        <p:nvPr/>
+      </p:nvGrpSpPr>
+      <p:grpSpPr>
+        <a:xfrm>
+          <a:off x="0" y="0"/>
+          <a:ext cx="0" cy="0"/>
+          <a:chOff x="0" y="0"/>
+          <a:chExt cx="0" cy="0"/>
+        </a:xfrm>
+      </p:grpSpPr>
+      <p:sp>
+        <p:nvSpPr>
+          <p:cNvPr id="2" name="Titel 1"/>
+          <p:cNvSpPr>
+            <a:spLocks noGrp="1"/>
+          </p:cNvSpPr>
+          <p:nvPr>
+            <p:ph type="title"/>
+          </p:nvPr>
+        </p:nvSpPr>
+        <p:spPr/>
+        <p:txBody>
+          <a:bodyPr/>
+          <a:lstStyle/>
+          <a:p>
+            <a:r>
+              <a:rPr lang="de-DE" dirty="0" smtClean="0"/>
+              <a:t>Werkzeugeinsatz</a:t>
+            </a:r>
+            <a:endParaRPr lang="de-DE" dirty="0"/>
+          </a:p>
+        </p:txBody>
+      </p:sp>
+      <p:sp>
+        <p:nvSpPr>
+          <p:cNvPr id="3" name="Inhaltsplatzhalter 2"/>
+          <p:cNvSpPr>
+            <a:spLocks noGrp="1"/>
+          </p:cNvSpPr>
+          <p:nvPr>
+            <p:ph idx="1"/>
+          </p:nvPr>
+        </p:nvSpPr>
+        <p:spPr/>
+        <p:txBody>
+          <a:bodyPr/>
+          <a:lstStyle/>
+          <a:p>
+            <a:endParaRPr lang="de-DE" dirty="0"/>
+          </a:p>
+        </p:txBody>
+      </p:sp>
+      <p:pic>
+        <p:nvPicPr>
+          <p:cNvPr id="4" name="Grafik 3"/>
+          <p:cNvPicPr>
+            <a:picLocks noChangeAspect="1"/>
+          </p:cNvPicPr>
+          <p:nvPr/>
+        </p:nvPicPr>
+        <p:blipFill>
+          <a:blip r:embed="rId3">
+            <a:extLst>
+              <a:ext uri="{28A0092B-C50C-407E-A947-70E740481C1C}">
+                <a14:useLocalDpi xmlns:a14="http://schemas.microsoft.com/office/drawing/2010/main" val="0"/>
+              </a:ext>
+            </a:extLst>
+          </a:blip>
+          <a:stretch>
+            <a:fillRect/>
+          </a:stretch>
+        </p:blipFill>
+        <p:spPr>
+          <a:xfrm>
+            <a:off x="11248792" y="5909733"/>
+            <a:ext cx="827314" cy="827314"/>
+          </a:xfrm>
+          <a:prstGeom prst="rect">
+            <a:avLst/>
+          </a:prstGeom>
+        </p:spPr>
+      </p:pic>
+      <p:sp>
+        <p:nvSpPr>
+          <p:cNvPr id="5" name="Foliennummernplatzhalter 4"/>
+          <p:cNvSpPr>
+            <a:spLocks noGrp="1"/>
+          </p:cNvSpPr>
+          <p:nvPr>
+            <p:ph type="sldNum" sz="quarter" idx="12"/>
+          </p:nvPr>
+        </p:nvSpPr>
+        <p:spPr/>
+        <p:txBody>
+          <a:bodyPr/>
+          <a:lstStyle/>
+          <a:p>
+            <a:fld id="{D57F1E4F-1CFF-5643-939E-217C01CDF565}" type="slidenum">
+              <a:rPr lang="en-US" smtClean="0"/>
+              <a:pPr/>
+              <a:t>5</a:t>
+            </a:fld>
+            <a:endParaRPr lang="en-US" dirty="0"/>
+          </a:p>
+        </p:txBody>
+      </p:sp>
+      <p:sp>
+        <p:nvSpPr>
+          <p:cNvPr id="6" name="Textfeld 5"/>
+          <p:cNvSpPr txBox="1"/>
+          <p:nvPr/>
+        </p:nvSpPr>
+        <p:spPr>
+          <a:xfrm>
+            <a:off x="372650" y="6156167"/>
+            <a:ext cx="10876142" cy="338554"/>
+          </a:xfrm>
+          <a:prstGeom prst="rect">
+            <a:avLst/>
+          </a:prstGeom>
+          <a:noFill/>
+        </p:spPr>
+        <p:txBody>
+          <a:bodyPr wrap="square" rtlCol="0">
+            <a:spAutoFit/>
+          </a:bodyPr>
+          <a:lstStyle/>
+          <a:p>
+            <a:r>
+              <a:rPr lang="de-DE" sz="1600" dirty="0" smtClean="0"/>
+              <a:t>13.02.2015  |  Software Engineering I  |  Nadine Feldmann, Lukas Huwe, Michael Kerkhoff, Sebastian Ochtrup</a:t>
+            </a:r>
+            <a:endParaRPr lang="de-DE" sz="1600" dirty="0"/>
+          </a:p>
+        </p:txBody>
+      </p:sp>
+    </p:spTree>
+    <p:extLst>
+      <p:ext uri="{BB962C8B-B14F-4D97-AF65-F5344CB8AC3E}">
+        <p14:creationId xmlns:p14="http://schemas.microsoft.com/office/powerpoint/2010/main" val="14036120"/>
+      </p:ext>
+    </p:extLst>
+  </p:cSld>
+  <p:clrMapOvr>
+    <a:masterClrMapping/>
+  </p:clrMapOvr>
+  <p:timing>
+    <p:tnLst>
+      <p:par>
+        <p:cTn id="1" dur="indefinite" restart="never" nodeType="tmRoot"/>
+      </p:par>
+    </p:tnLst>
+  </p:timing>
+</p:sld>
+</file>
+
+<file path=ppt/slides/slide6.xml><?xml version="1.0" encoding="utf-8"?>
+<p:sld xmlns:a="http://schemas.openxmlformats.org/drawingml/2006/main" xmlns:r="http://schemas.openxmlformats.org/officeDocument/2006/relationships" xmlns:p="http://schemas.openxmlformats.org/presentationml/2006/main">
+  <p:cSld>
+    <p:spTree>
+      <p:nvGrpSpPr>
+        <p:cNvPr id="1" name=""/>
+        <p:cNvGrpSpPr/>
+        <p:nvPr/>
+      </p:nvGrpSpPr>
+      <p:grpSpPr>
+        <a:xfrm>
+          <a:off x="0" y="0"/>
+          <a:ext cx="0" cy="0"/>
+          <a:chOff x="0" y="0"/>
+          <a:chExt cx="0" cy="0"/>
+        </a:xfrm>
+      </p:grpSpPr>
+      <p:sp>
+        <p:nvSpPr>
+          <p:cNvPr id="2" name="Titel 1"/>
+          <p:cNvSpPr>
+            <a:spLocks noGrp="1"/>
+          </p:cNvSpPr>
+          <p:nvPr>
+            <p:ph type="title"/>
+          </p:nvPr>
+        </p:nvSpPr>
+        <p:spPr/>
+        <p:txBody>
+          <a:bodyPr/>
+          <a:lstStyle/>
+          <a:p>
+            <a:r>
+              <a:rPr lang="de-DE" dirty="0" smtClean="0"/>
+              <a:t>Demo</a:t>
+            </a:r>
+            <a:endParaRPr lang="de-DE" dirty="0"/>
+          </a:p>
+        </p:txBody>
+      </p:sp>
+      <p:sp>
+        <p:nvSpPr>
+          <p:cNvPr id="3" name="Inhaltsplatzhalter 2"/>
+          <p:cNvSpPr>
+            <a:spLocks noGrp="1"/>
+          </p:cNvSpPr>
+          <p:nvPr>
+            <p:ph idx="1"/>
+          </p:nvPr>
+        </p:nvSpPr>
+        <p:spPr/>
+        <p:txBody>
+          <a:bodyPr/>
+          <a:lstStyle/>
+          <a:p>
+            <a:endParaRPr lang="de-DE" dirty="0"/>
+          </a:p>
+        </p:txBody>
+      </p:sp>
+      <p:pic>
+        <p:nvPicPr>
+          <p:cNvPr id="4" name="Grafik 3"/>
+          <p:cNvPicPr>
+            <a:picLocks noChangeAspect="1"/>
+          </p:cNvPicPr>
+          <p:nvPr/>
+        </p:nvPicPr>
+        <p:blipFill>
+          <a:blip r:embed="rId3">
+            <a:extLst>
+              <a:ext uri="{28A0092B-C50C-407E-A947-70E740481C1C}">
+                <a14:useLocalDpi xmlns:a14="http://schemas.microsoft.com/office/drawing/2010/main" val="0"/>
+              </a:ext>
+            </a:extLst>
+          </a:blip>
+          <a:stretch>
+            <a:fillRect/>
+          </a:stretch>
+        </p:blipFill>
+        <p:spPr>
+          <a:xfrm>
+            <a:off x="11248792" y="5909733"/>
+            <a:ext cx="827314" cy="827314"/>
+          </a:xfrm>
+          <a:prstGeom prst="rect">
+            <a:avLst/>
+          </a:prstGeom>
+        </p:spPr>
+      </p:pic>
+      <p:sp>
+        <p:nvSpPr>
+          <p:cNvPr id="5" name="Foliennummernplatzhalter 4"/>
+          <p:cNvSpPr>
+            <a:spLocks noGrp="1"/>
+          </p:cNvSpPr>
+          <p:nvPr>
+            <p:ph type="sldNum" sz="quarter" idx="12"/>
+          </p:nvPr>
+        </p:nvSpPr>
+        <p:spPr/>
+        <p:txBody>
+          <a:bodyPr/>
+          <a:lstStyle/>
+          <a:p>
+            <a:fld id="{D57F1E4F-1CFF-5643-939E-217C01CDF565}" type="slidenum">
+              <a:rPr lang="en-US" smtClean="0"/>
+              <a:pPr/>
+              <a:t>6</a:t>
+            </a:fld>
+            <a:endParaRPr lang="en-US" dirty="0"/>
+          </a:p>
+        </p:txBody>
+      </p:sp>
+      <p:sp>
+        <p:nvSpPr>
+          <p:cNvPr id="6" name="Textfeld 5"/>
+          <p:cNvSpPr txBox="1"/>
+          <p:nvPr/>
+        </p:nvSpPr>
+        <p:spPr>
+          <a:xfrm>
+            <a:off x="372650" y="6156167"/>
+            <a:ext cx="10876142" cy="338554"/>
+          </a:xfrm>
+          <a:prstGeom prst="rect">
+            <a:avLst/>
+          </a:prstGeom>
+          <a:noFill/>
+        </p:spPr>
+        <p:txBody>
+          <a:bodyPr wrap="square" rtlCol="0">
+            <a:spAutoFit/>
+          </a:bodyPr>
+          <a:lstStyle/>
+          <a:p>
+            <a:r>
+              <a:rPr lang="de-DE" sz="1600" dirty="0" smtClean="0"/>
+              <a:t>13.02.2015  |  Software Engineering I  |  Nadine Feldmann, Lukas Huwe, Michael Kerkhoff, Sebastian Ochtrup</a:t>
+            </a:r>
+            <a:endParaRPr lang="de-DE" sz="1600" dirty="0"/>
+          </a:p>
+        </p:txBody>
+      </p:sp>
+    </p:spTree>
+    <p:extLst>
+      <p:ext uri="{BB962C8B-B14F-4D97-AF65-F5344CB8AC3E}">
+        <p14:creationId xmlns:p14="http://schemas.microsoft.com/office/powerpoint/2010/main" val="3667091251"/>
+      </p:ext>
+    </p:extLst>
+  </p:cSld>
+  <p:clrMapOvr>
+    <a:masterClrMapping/>
+  </p:clrMapOvr>
+  <mc:AlternateContent xmlns:mc="http://schemas.openxmlformats.org/markup-compatibility/2006">
+    <mc:Choice xmlns:p14="http://schemas.microsoft.com/office/powerpoint/2010/main" Requires="p14">
+      <p:transition spd="slow" p14:dur="2000"/>
+    </mc:Choice>
+    <mc:Fallback>
+      <p:transition spd="slow"/>
+    </mc:Fallback>
+  </mc:AlternateContent>
+  <p:timing>
+    <p:tnLst>
+      <p:par>
+        <p:cTn id="1" dur="indefinite" restart="never" nodeType="tmRoot"/>
+      </p:par>
+    </p:tnLst>
+  </p:timing>
+</p:sld>
+</file>
+
+<file path=ppt/slides/slide7.xml><?xml version="1.0" encoding="utf-8"?>
+<p:sld xmlns:a="http://schemas.openxmlformats.org/drawingml/2006/main" xmlns:r="http://schemas.openxmlformats.org/officeDocument/2006/relationships" xmlns:p="http://schemas.openxmlformats.org/presentationml/2006/main">
+  <p:cSld>
+    <p:spTree>
+      <p:nvGrpSpPr>
+        <p:cNvPr id="1" name=""/>
+        <p:cNvGrpSpPr/>
+        <p:nvPr/>
+      </p:nvGrpSpPr>
+      <p:grpSpPr>
+        <a:xfrm>
+          <a:off x="0" y="0"/>
+          <a:ext cx="0" cy="0"/>
+          <a:chOff x="0" y="0"/>
+          <a:chExt cx="0" cy="0"/>
+        </a:xfrm>
+      </p:grpSpPr>
+      <p:sp>
+        <p:nvSpPr>
+          <p:cNvPr id="2" name="Titel 1"/>
+          <p:cNvSpPr>
+            <a:spLocks noGrp="1"/>
+          </p:cNvSpPr>
+          <p:nvPr>
+            <p:ph type="title"/>
+          </p:nvPr>
+        </p:nvSpPr>
+        <p:spPr/>
+        <p:txBody>
+          <a:bodyPr/>
+          <a:lstStyle/>
+          <a:p>
+            <a:r>
+              <a:rPr lang="de-DE" dirty="0" smtClean="0"/>
+              <a:t>Reflexion</a:t>
+            </a:r>
+            <a:endParaRPr lang="de-DE" dirty="0"/>
+          </a:p>
+        </p:txBody>
+      </p:sp>
+      <p:sp>
+        <p:nvSpPr>
+          <p:cNvPr id="3" name="Inhaltsplatzhalter 2"/>
+          <p:cNvSpPr>
+            <a:spLocks noGrp="1"/>
+          </p:cNvSpPr>
+          <p:nvPr>
+            <p:ph idx="1"/>
+          </p:nvPr>
+        </p:nvSpPr>
+        <p:spPr/>
+        <p:txBody>
+          <a:bodyPr/>
+          <a:lstStyle/>
+          <a:p>
+            <a:r>
+              <a:rPr lang="de-DE" dirty="0" smtClean="0"/>
+              <a:t>Kurze Werkzeugbewertung</a:t>
+            </a:r>
+            <a:endParaRPr lang="de-DE" dirty="0" smtClean="0"/>
+          </a:p>
+          <a:p>
+            <a:r>
+              <a:rPr lang="de-DE" dirty="0" smtClean="0"/>
+              <a:t>Vorgehen im Team</a:t>
+            </a:r>
+          </a:p>
+          <a:p>
+            <a:endParaRPr lang="de-DE" dirty="0" smtClean="0"/>
+          </a:p>
+        </p:txBody>
+      </p:sp>
+      <p:pic>
+        <p:nvPicPr>
+          <p:cNvPr id="4" name="Grafik 3"/>
+          <p:cNvPicPr>
+            <a:picLocks noChangeAspect="1"/>
+          </p:cNvPicPr>
+          <p:nvPr/>
+        </p:nvPicPr>
+        <p:blipFill>
+          <a:blip r:embed="rId3">
+            <a:extLst>
+              <a:ext uri="{28A0092B-C50C-407E-A947-70E740481C1C}">
+                <a14:useLocalDpi xmlns:a14="http://schemas.microsoft.com/office/drawing/2010/main" val="0"/>
+              </a:ext>
+            </a:extLst>
+          </a:blip>
+          <a:stretch>
+            <a:fillRect/>
+          </a:stretch>
+        </p:blipFill>
+        <p:spPr>
+          <a:xfrm>
+            <a:off x="11248792" y="5909733"/>
+            <a:ext cx="827314" cy="827314"/>
+          </a:xfrm>
+          <a:prstGeom prst="rect">
+            <a:avLst/>
+          </a:prstGeom>
+        </p:spPr>
+      </p:pic>
+      <p:sp>
+        <p:nvSpPr>
+          <p:cNvPr id="5" name="Foliennummernplatzhalter 4"/>
+          <p:cNvSpPr>
+            <a:spLocks noGrp="1"/>
+          </p:cNvSpPr>
+          <p:nvPr>
+            <p:ph type="sldNum" sz="quarter" idx="12"/>
+          </p:nvPr>
+        </p:nvSpPr>
+        <p:spPr/>
+        <p:txBody>
+          <a:bodyPr/>
+          <a:lstStyle/>
+          <a:p>
+            <a:fld id="{D57F1E4F-1CFF-5643-939E-217C01CDF565}" type="slidenum">
+              <a:rPr lang="en-US" smtClean="0"/>
+              <a:pPr/>
+              <a:t>7</a:t>
+            </a:fld>
+            <a:endParaRPr lang="en-US" dirty="0"/>
+          </a:p>
+        </p:txBody>
+      </p:sp>
+      <p:sp>
+        <p:nvSpPr>
+          <p:cNvPr id="6" name="Textfeld 5"/>
+          <p:cNvSpPr txBox="1"/>
+          <p:nvPr/>
+        </p:nvSpPr>
+        <p:spPr>
+          <a:xfrm>
+            <a:off x="372650" y="6156167"/>
+            <a:ext cx="10876142" cy="338554"/>
+          </a:xfrm>
+          <a:prstGeom prst="rect">
+            <a:avLst/>
+          </a:prstGeom>
+          <a:noFill/>
+        </p:spPr>
+        <p:txBody>
+          <a:bodyPr wrap="square" rtlCol="0">
+            <a:spAutoFit/>
+          </a:bodyPr>
+          <a:lstStyle/>
+          <a:p>
+            <a:r>
+              <a:rPr lang="de-DE" sz="1600" dirty="0" smtClean="0"/>
+              <a:t>13.02.2015  |  Software Engineering I  |  Nadine Feldmann, Lukas Huwe, Michael Kerkhoff, Sebastian Ochtrup</a:t>
+            </a:r>
+            <a:endParaRPr lang="de-DE" sz="1600" dirty="0"/>
+          </a:p>
+        </p:txBody>
+      </p:sp>
+    </p:spTree>
+    <p:extLst>
+      <p:ext uri="{BB962C8B-B14F-4D97-AF65-F5344CB8AC3E}">
+        <p14:creationId xmlns:p14="http://schemas.microsoft.com/office/powerpoint/2010/main" val="3216998357"/>
+      </p:ext>
+    </p:extLst>
+  </p:cSld>
+  <p:clrMapOvr>
+    <a:masterClrMapping/>
+  </p:clrMapOvr>
+  <p:timing>
+    <p:tnLst>
+      <p:par>
+        <p:cTn id="1" dur="indefinite" restart="never" nodeType="tmRoot"/>
+      </p:par>
+    </p:tnLst>
+  </p:timing>
+</p:sld>
+</file>
+
+<file path=ppt/slides/slide8.xml><?xml version="1.0" encoding="utf-8"?>
+<p:sld xmlns:a="http://schemas.openxmlformats.org/drawingml/2006/main" xmlns:r="http://schemas.openxmlformats.org/officeDocument/2006/relationships" xmlns:p="http://schemas.openxmlformats.org/presentationml/2006/main">
+  <p:cSld>
+    <p:spTree>
+      <p:nvGrpSpPr>
+        <p:cNvPr id="1" name=""/>
+        <p:cNvGrpSpPr/>
+        <p:nvPr/>
+      </p:nvGrpSpPr>
+      <p:grpSpPr>
+        <a:xfrm>
+          <a:off x="0" y="0"/>
+          <a:ext cx="0" cy="0"/>
+          <a:chOff x="0" y="0"/>
+          <a:chExt cx="0" cy="0"/>
+        </a:xfrm>
+      </p:grpSpPr>
+      <p:sp>
+        <p:nvSpPr>
+          <p:cNvPr id="2" name="Titel 1"/>
+          <p:cNvSpPr>
+            <a:spLocks noGrp="1"/>
+          </p:cNvSpPr>
+          <p:nvPr>
+            <p:ph type="title"/>
+          </p:nvPr>
+        </p:nvSpPr>
+        <p:spPr>
+          <a:xfrm>
+            <a:off x="1154953" y="2370667"/>
+            <a:ext cx="9469503" cy="1822514"/>
+          </a:xfrm>
+        </p:spPr>
+        <p:txBody>
+          <a:bodyPr/>
+          <a:lstStyle/>
+          <a:p>
+            <a:pPr algn="ctr"/>
+            <a:r>
+              <a:rPr lang="de-DE" sz="5400" dirty="0" smtClean="0"/>
+              <a:t>Noch Fragen?</a:t>
+            </a:r>
+            <a:endParaRPr lang="de-DE" sz="5400" dirty="0"/>
+          </a:p>
+        </p:txBody>
+      </p:sp>
+      <p:sp>
+        <p:nvSpPr>
+          <p:cNvPr id="5" name="Foliennummernplatzhalter 4"/>
+          <p:cNvSpPr>
+            <a:spLocks noGrp="1"/>
+          </p:cNvSpPr>
+          <p:nvPr>
+            <p:ph type="sldNum" sz="quarter" idx="12"/>
+          </p:nvPr>
+        </p:nvSpPr>
+        <p:spPr/>
+        <p:txBody>
+          <a:bodyPr/>
+          <a:lstStyle/>
+          <a:p>
+            <a:fld id="{D57F1E4F-1CFF-5643-939E-217C01CDF565}" type="slidenum">
+              <a:rPr lang="en-US" smtClean="0"/>
+              <a:pPr/>
+              <a:t>8</a:t>
+            </a:fld>
+            <a:endParaRPr lang="en-US" dirty="0"/>
+          </a:p>
+        </p:txBody>
+      </p:sp>
+      <p:pic>
+        <p:nvPicPr>
+          <p:cNvPr id="4" name="Grafik 3"/>
+          <p:cNvPicPr>
+            <a:picLocks noChangeAspect="1"/>
+          </p:cNvPicPr>
+          <p:nvPr/>
+        </p:nvPicPr>
+        <p:blipFill>
+          <a:blip r:embed="rId3">
+            <a:extLst>
+              <a:ext uri="{28A0092B-C50C-407E-A947-70E740481C1C}">
+                <a14:useLocalDpi xmlns:a14="http://schemas.microsoft.com/office/drawing/2010/main" val="0"/>
+              </a:ext>
+            </a:extLst>
+          </a:blip>
+          <a:stretch>
+            <a:fillRect/>
+          </a:stretch>
+        </p:blipFill>
+        <p:spPr>
+          <a:xfrm>
+            <a:off x="11248792" y="5909733"/>
+            <a:ext cx="827314" cy="827314"/>
+          </a:xfrm>
+          <a:prstGeom prst="rect">
+            <a:avLst/>
+          </a:prstGeom>
+        </p:spPr>
+      </p:pic>
+      <p:sp>
+        <p:nvSpPr>
+          <p:cNvPr id="6" name="Textfeld 5"/>
+          <p:cNvSpPr txBox="1"/>
+          <p:nvPr/>
+        </p:nvSpPr>
+        <p:spPr>
+          <a:xfrm>
+            <a:off x="372650" y="6156167"/>
+            <a:ext cx="10876142" cy="338554"/>
+          </a:xfrm>
+          <a:prstGeom prst="rect">
+            <a:avLst/>
+          </a:prstGeom>
+          <a:noFill/>
+        </p:spPr>
+        <p:txBody>
+          <a:bodyPr wrap="square" rtlCol="0">
+            <a:spAutoFit/>
+          </a:bodyPr>
+          <a:lstStyle/>
+          <a:p>
+            <a:r>
+              <a:rPr lang="de-DE" sz="1600" dirty="0" smtClean="0"/>
+              <a:t>13.02.2015  |  Software Engineering I  |  Nadine Feldmann, Lukas Huwe, Michael Kerkhoff, Sebastian Ochtrup</a:t>
+            </a:r>
+            <a:endParaRPr lang="de-DE" sz="1600" dirty="0"/>
+          </a:p>
+        </p:txBody>
+      </p:sp>
+    </p:spTree>
+    <p:extLst>
+      <p:ext uri="{BB962C8B-B14F-4D97-AF65-F5344CB8AC3E}">
+        <p14:creationId xmlns:p14="http://schemas.microsoft.com/office/powerpoint/2010/main" val="1786163146"/>
+      </p:ext>
+    </p:extLst>
+  </p:cSld>
+  <p:clrMapOvr>
+    <a:masterClrMapping/>
+  </p:clrMapOvr>
+  <p:timing>
+    <p:tnLst>
+      <p:par>
+        <p:cTn id="1" dur="indefinite" restart="never" nodeType="tmRoot"/>
+      </p:par>
+    </p:tnLst>
+  </p:timing>
+</p:sld>
+</file>
+
+<file path=ppt/slides/slide9.xml><?xml version="1.0" encoding="utf-8"?>
+<p:sld xmlns:a="http://schemas.openxmlformats.org/drawingml/2006/main" xmlns:r="http://schemas.openxmlformats.org/officeDocument/2006/relationships" xmlns:p="http://schemas.openxmlformats.org/presentationml/2006/main">
+  <p:cSld>
+    <p:spTree>
+      <p:nvGrpSpPr>
+        <p:cNvPr id="1" name=""/>
+        <p:cNvGrpSpPr/>
+        <p:nvPr/>
+      </p:nvGrpSpPr>
+      <p:grpSpPr>
+        <a:xfrm>
+          <a:off x="0" y="0"/>
+          <a:ext cx="0" cy="0"/>
+          <a:chOff x="0" y="0"/>
+          <a:chExt cx="0" cy="0"/>
+        </a:xfrm>
+      </p:grpSpPr>
+      <p:sp>
+        <p:nvSpPr>
+          <p:cNvPr id="2" name="Titel 1"/>
+          <p:cNvSpPr>
+            <a:spLocks noGrp="1"/>
+          </p:cNvSpPr>
+          <p:nvPr>
+            <p:ph type="title"/>
+          </p:nvPr>
+        </p:nvSpPr>
+        <p:spPr>
+          <a:xfrm>
+            <a:off x="1154953" y="2370667"/>
+            <a:ext cx="9469503" cy="1822514"/>
+          </a:xfrm>
+        </p:spPr>
+        <p:txBody>
+          <a:bodyPr/>
+          <a:lstStyle/>
+          <a:p>
+            <a:pPr algn="ctr"/>
+            <a:r>
+              <a:rPr lang="de-DE" dirty="0" smtClean="0"/>
+              <a:t>Vielen Dank für eure Aufmerksamkeit!</a:t>
+            </a:r>
+            <a:endParaRPr lang="de-DE" dirty="0"/>
+          </a:p>
+        </p:txBody>
+      </p:sp>
+      <p:sp>
+        <p:nvSpPr>
+          <p:cNvPr id="5" name="Foliennummernplatzhalter 4"/>
+          <p:cNvSpPr>
+            <a:spLocks noGrp="1"/>
+          </p:cNvSpPr>
+          <p:nvPr>
+            <p:ph type="sldNum" sz="quarter" idx="12"/>
+          </p:nvPr>
+        </p:nvSpPr>
+        <p:spPr/>
+        <p:txBody>
+          <a:bodyPr/>
+          <a:lstStyle/>
+          <a:p>
+            <a:fld id="{D57F1E4F-1CFF-5643-939E-217C01CDF565}" type="slidenum">
+              <a:rPr lang="en-US" smtClean="0"/>
+              <a:pPr/>
+              <a:t>9</a:t>
+            </a:fld>
+            <a:endParaRPr lang="en-US" dirty="0"/>
+          </a:p>
+        </p:txBody>
+      </p:sp>
+      <p:pic>
+        <p:nvPicPr>
+          <p:cNvPr id="4" name="Grafik 3"/>
+          <p:cNvPicPr>
+            <a:picLocks noChangeAspect="1"/>
+          </p:cNvPicPr>
+          <p:nvPr/>
+        </p:nvPicPr>
+        <p:blipFill>
+          <a:blip r:embed="rId3">
+            <a:extLst>
+              <a:ext uri="{28A0092B-C50C-407E-A947-70E740481C1C}">
+                <a14:useLocalDpi xmlns:a14="http://schemas.microsoft.com/office/drawing/2010/main" val="0"/>
+              </a:ext>
+            </a:extLst>
+          </a:blip>
+          <a:stretch>
+            <a:fillRect/>
+          </a:stretch>
+        </p:blipFill>
+        <p:spPr>
+          <a:xfrm>
+            <a:off x="11248792" y="5909733"/>
+            <a:ext cx="827314" cy="827314"/>
+          </a:xfrm>
+          <a:prstGeom prst="rect">
+            <a:avLst/>
+          </a:prstGeom>
+        </p:spPr>
+      </p:pic>
+      <p:sp>
+        <p:nvSpPr>
+          <p:cNvPr id="6" name="Textfeld 5"/>
+          <p:cNvSpPr txBox="1"/>
+          <p:nvPr/>
+        </p:nvSpPr>
+        <p:spPr>
+          <a:xfrm>
+            <a:off x="372650" y="6156167"/>
+            <a:ext cx="10876142" cy="338554"/>
+          </a:xfrm>
+          <a:prstGeom prst="rect">
+            <a:avLst/>
+          </a:prstGeom>
+          <a:noFill/>
+        </p:spPr>
+        <p:txBody>
+          <a:bodyPr wrap="square" rtlCol="0">
+            <a:spAutoFit/>
+          </a:bodyPr>
+          <a:lstStyle/>
+          <a:p>
+            <a:r>
+              <a:rPr lang="de-DE" sz="1600" dirty="0" smtClean="0"/>
+              <a:t>13.02.2015  |  Software Engineering I  |  Nadine Feldmann, Lukas Huwe, Michael Kerkhoff, Sebastian Ochtrup</a:t>
+            </a:r>
+            <a:endParaRPr lang="de-DE" sz="1600" dirty="0"/>
+          </a:p>
+        </p:txBody>
+      </p:sp>
+    </p:spTree>
+    <p:extLst>
+      <p:ext uri="{BB962C8B-B14F-4D97-AF65-F5344CB8AC3E}">
+        <p14:creationId xmlns:p14="http://schemas.microsoft.com/office/powerpoint/2010/main" val="1278744805"/>
       </p:ext>
     </p:extLst>
   </p:cSld>

--- a/Dokumentation/PWSafe Präsentation.pptx
+++ b/Dokumentation/PWSafe Präsentation.pptx
@@ -5,18 +5,22 @@
     <p:sldMasterId id="2147483648" r:id="rId1"/>
   </p:sldMasterIdLst>
   <p:notesMasterIdLst>
-    <p:notesMasterId r:id="rId11"/>
+    <p:notesMasterId r:id="rId15"/>
   </p:notesMasterIdLst>
   <p:sldIdLst>
     <p:sldId id="256" r:id="rId2"/>
     <p:sldId id="257" r:id="rId3"/>
     <p:sldId id="258" r:id="rId4"/>
     <p:sldId id="259" r:id="rId5"/>
-    <p:sldId id="260" r:id="rId6"/>
-    <p:sldId id="261" r:id="rId7"/>
-    <p:sldId id="262" r:id="rId8"/>
-    <p:sldId id="263" r:id="rId9"/>
-    <p:sldId id="264" r:id="rId10"/>
+    <p:sldId id="266" r:id="rId6"/>
+    <p:sldId id="268" r:id="rId7"/>
+    <p:sldId id="269" r:id="rId8"/>
+    <p:sldId id="260" r:id="rId9"/>
+    <p:sldId id="261" r:id="rId10"/>
+    <p:sldId id="262" r:id="rId11"/>
+    <p:sldId id="263" r:id="rId12"/>
+    <p:sldId id="264" r:id="rId13"/>
+    <p:sldId id="265" r:id="rId14"/>
   </p:sldIdLst>
   <p:sldSz cx="12192000" cy="6858000"/>
   <p:notesSz cx="6858000" cy="9144000"/>
@@ -117,10 +121,10 @@
   </p:defaultTextStyle>
   <p:extLst>
     <p:ext uri="{EFAFB233-063F-42B5-8137-9DF3F51BA10A}">
-      <p15:sldGuideLst xmlns:p15="http://schemas.microsoft.com/office/powerpoint/2012/main"/>
+      <p15:sldGuideLst xmlns:p15="http://schemas.microsoft.com/office/powerpoint/2012/main" xmlns=""/>
     </p:ext>
     <p:ext uri="{2D200454-40CA-4A62-9FC3-DE9A4176ACB9}">
-      <p15:notesGuideLst xmlns:p15="http://schemas.microsoft.com/office/powerpoint/2012/main"/>
+      <p15:notesGuideLst xmlns:p15="http://schemas.microsoft.com/office/powerpoint/2012/main" xmlns=""/>
     </p:ext>
   </p:extLst>
 </p:presentation>
@@ -208,7 +212,8 @@
           <a:p>
             <a:fld id="{B4AA8B1B-A85F-43ED-A41A-985067DF8577}" type="datetimeFigureOut">
               <a:rPr lang="de-DE" smtClean="0"/>
-              <a:t>07.02.2015</a:t>
+              <a:pPr/>
+              <a:t>08.02.2015</a:t>
             </a:fld>
             <a:endParaRPr lang="de-DE"/>
           </a:p>
@@ -367,6 +372,7 @@
           <a:p>
             <a:fld id="{05D1FABD-69C2-49F9-BD91-F05E017FE538}" type="slidenum">
               <a:rPr lang="de-DE" smtClean="0"/>
+              <a:pPr/>
               <a:t>‹Nr.›</a:t>
             </a:fld>
             <a:endParaRPr lang="de-DE"/>
@@ -376,7 +382,7 @@
     </p:spTree>
     <p:extLst>
       <p:ext uri="{BB962C8B-B14F-4D97-AF65-F5344CB8AC3E}">
-        <p14:creationId xmlns:p14="http://schemas.microsoft.com/office/powerpoint/2010/main" val="2805633478"/>
+        <p14:creationId xmlns:p14="http://schemas.microsoft.com/office/powerpoint/2010/main" xmlns="" val="2805633478"/>
       </p:ext>
     </p:extLst>
   </p:cSld>
@@ -541,6 +547,7 @@
           <a:p>
             <a:fld id="{05D1FABD-69C2-49F9-BD91-F05E017FE538}" type="slidenum">
               <a:rPr lang="de-DE" smtClean="0"/>
+              <a:pPr/>
               <a:t>2</a:t>
             </a:fld>
             <a:endParaRPr lang="de-DE"/>
@@ -550,7 +557,262 @@
     </p:spTree>
     <p:extLst>
       <p:ext uri="{BB962C8B-B14F-4D97-AF65-F5344CB8AC3E}">
-        <p14:creationId xmlns:p14="http://schemas.microsoft.com/office/powerpoint/2010/main" val="855943066"/>
+        <p14:creationId xmlns:p14="http://schemas.microsoft.com/office/powerpoint/2010/main" xmlns="" val="855943066"/>
+      </p:ext>
+    </p:extLst>
+  </p:cSld>
+  <p:clrMapOvr>
+    <a:masterClrMapping/>
+  </p:clrMapOvr>
+</p:notes>
+</file>
+
+<file path=ppt/notesSlides/notesSlide10.xml><?xml version="1.0" encoding="utf-8"?>
+<p:notes xmlns:a="http://schemas.openxmlformats.org/drawingml/2006/main" xmlns:r="http://schemas.openxmlformats.org/officeDocument/2006/relationships" xmlns:p="http://schemas.openxmlformats.org/presentationml/2006/main">
+  <p:cSld>
+    <p:spTree>
+      <p:nvGrpSpPr>
+        <p:cNvPr id="1" name=""/>
+        <p:cNvGrpSpPr/>
+        <p:nvPr/>
+      </p:nvGrpSpPr>
+      <p:grpSpPr>
+        <a:xfrm>
+          <a:off x="0" y="0"/>
+          <a:ext cx="0" cy="0"/>
+          <a:chOff x="0" y="0"/>
+          <a:chExt cx="0" cy="0"/>
+        </a:xfrm>
+      </p:grpSpPr>
+      <p:sp>
+        <p:nvSpPr>
+          <p:cNvPr id="2" name="Folienbildplatzhalter 1"/>
+          <p:cNvSpPr>
+            <a:spLocks noGrp="1" noRot="1" noChangeAspect="1"/>
+          </p:cNvSpPr>
+          <p:nvPr>
+            <p:ph type="sldImg"/>
+          </p:nvPr>
+        </p:nvSpPr>
+        <p:spPr/>
+      </p:sp>
+      <p:sp>
+        <p:nvSpPr>
+          <p:cNvPr id="3" name="Notizenplatzhalter 2"/>
+          <p:cNvSpPr>
+            <a:spLocks noGrp="1"/>
+          </p:cNvSpPr>
+          <p:nvPr>
+            <p:ph type="body" idx="1"/>
+          </p:nvPr>
+        </p:nvSpPr>
+        <p:spPr/>
+        <p:txBody>
+          <a:bodyPr/>
+          <a:lstStyle/>
+          <a:p>
+            <a:endParaRPr lang="de-DE"/>
+          </a:p>
+        </p:txBody>
+      </p:sp>
+      <p:sp>
+        <p:nvSpPr>
+          <p:cNvPr id="4" name="Foliennummernplatzhalter 3"/>
+          <p:cNvSpPr>
+            <a:spLocks noGrp="1"/>
+          </p:cNvSpPr>
+          <p:nvPr>
+            <p:ph type="sldNum" sz="quarter" idx="10"/>
+          </p:nvPr>
+        </p:nvSpPr>
+        <p:spPr/>
+        <p:txBody>
+          <a:bodyPr/>
+          <a:lstStyle/>
+          <a:p>
+            <a:fld id="{05D1FABD-69C2-49F9-BD91-F05E017FE538}" type="slidenum">
+              <a:rPr lang="de-DE" smtClean="0"/>
+              <a:pPr/>
+              <a:t>11</a:t>
+            </a:fld>
+            <a:endParaRPr lang="de-DE"/>
+          </a:p>
+        </p:txBody>
+      </p:sp>
+    </p:spTree>
+    <p:extLst>
+      <p:ext uri="{BB962C8B-B14F-4D97-AF65-F5344CB8AC3E}">
+        <p14:creationId xmlns:p14="http://schemas.microsoft.com/office/powerpoint/2010/main" xmlns="" val="3297351362"/>
+      </p:ext>
+    </p:extLst>
+  </p:cSld>
+  <p:clrMapOvr>
+    <a:masterClrMapping/>
+  </p:clrMapOvr>
+</p:notes>
+</file>
+
+<file path=ppt/notesSlides/notesSlide11.xml><?xml version="1.0" encoding="utf-8"?>
+<p:notes xmlns:a="http://schemas.openxmlformats.org/drawingml/2006/main" xmlns:r="http://schemas.openxmlformats.org/officeDocument/2006/relationships" xmlns:p="http://schemas.openxmlformats.org/presentationml/2006/main">
+  <p:cSld>
+    <p:spTree>
+      <p:nvGrpSpPr>
+        <p:cNvPr id="1" name=""/>
+        <p:cNvGrpSpPr/>
+        <p:nvPr/>
+      </p:nvGrpSpPr>
+      <p:grpSpPr>
+        <a:xfrm>
+          <a:off x="0" y="0"/>
+          <a:ext cx="0" cy="0"/>
+          <a:chOff x="0" y="0"/>
+          <a:chExt cx="0" cy="0"/>
+        </a:xfrm>
+      </p:grpSpPr>
+      <p:sp>
+        <p:nvSpPr>
+          <p:cNvPr id="2" name="Folienbildplatzhalter 1"/>
+          <p:cNvSpPr>
+            <a:spLocks noGrp="1" noRot="1" noChangeAspect="1"/>
+          </p:cNvSpPr>
+          <p:nvPr>
+            <p:ph type="sldImg"/>
+          </p:nvPr>
+        </p:nvSpPr>
+        <p:spPr/>
+      </p:sp>
+      <p:sp>
+        <p:nvSpPr>
+          <p:cNvPr id="3" name="Notizenplatzhalter 2"/>
+          <p:cNvSpPr>
+            <a:spLocks noGrp="1"/>
+          </p:cNvSpPr>
+          <p:nvPr>
+            <p:ph type="body" idx="1"/>
+          </p:nvPr>
+        </p:nvSpPr>
+        <p:spPr/>
+        <p:txBody>
+          <a:bodyPr/>
+          <a:lstStyle/>
+          <a:p>
+            <a:endParaRPr lang="de-DE"/>
+          </a:p>
+        </p:txBody>
+      </p:sp>
+      <p:sp>
+        <p:nvSpPr>
+          <p:cNvPr id="4" name="Foliennummernplatzhalter 3"/>
+          <p:cNvSpPr>
+            <a:spLocks noGrp="1"/>
+          </p:cNvSpPr>
+          <p:nvPr>
+            <p:ph type="sldNum" sz="quarter" idx="10"/>
+          </p:nvPr>
+        </p:nvSpPr>
+        <p:spPr/>
+        <p:txBody>
+          <a:bodyPr/>
+          <a:lstStyle/>
+          <a:p>
+            <a:fld id="{05D1FABD-69C2-49F9-BD91-F05E017FE538}" type="slidenum">
+              <a:rPr lang="de-DE" smtClean="0"/>
+              <a:pPr/>
+              <a:t>12</a:t>
+            </a:fld>
+            <a:endParaRPr lang="de-DE"/>
+          </a:p>
+        </p:txBody>
+      </p:sp>
+    </p:spTree>
+    <p:extLst>
+      <p:ext uri="{BB962C8B-B14F-4D97-AF65-F5344CB8AC3E}">
+        <p14:creationId xmlns:p14="http://schemas.microsoft.com/office/powerpoint/2010/main" xmlns="" val="784737350"/>
+      </p:ext>
+    </p:extLst>
+  </p:cSld>
+  <p:clrMapOvr>
+    <a:masterClrMapping/>
+  </p:clrMapOvr>
+</p:notes>
+</file>
+
+<file path=ppt/notesSlides/notesSlide12.xml><?xml version="1.0" encoding="utf-8"?>
+<p:notes xmlns:a="http://schemas.openxmlformats.org/drawingml/2006/main" xmlns:r="http://schemas.openxmlformats.org/officeDocument/2006/relationships" xmlns:p="http://schemas.openxmlformats.org/presentationml/2006/main">
+  <p:cSld>
+    <p:spTree>
+      <p:nvGrpSpPr>
+        <p:cNvPr id="1" name=""/>
+        <p:cNvGrpSpPr/>
+        <p:nvPr/>
+      </p:nvGrpSpPr>
+      <p:grpSpPr>
+        <a:xfrm>
+          <a:off x="0" y="0"/>
+          <a:ext cx="0" cy="0"/>
+          <a:chOff x="0" y="0"/>
+          <a:chExt cx="0" cy="0"/>
+        </a:xfrm>
+      </p:grpSpPr>
+      <p:sp>
+        <p:nvSpPr>
+          <p:cNvPr id="2" name="Folienbildplatzhalter 1"/>
+          <p:cNvSpPr>
+            <a:spLocks noGrp="1" noRot="1" noChangeAspect="1"/>
+          </p:cNvSpPr>
+          <p:nvPr>
+            <p:ph type="sldImg"/>
+          </p:nvPr>
+        </p:nvSpPr>
+        <p:spPr/>
+      </p:sp>
+      <p:sp>
+        <p:nvSpPr>
+          <p:cNvPr id="3" name="Notizenplatzhalter 2"/>
+          <p:cNvSpPr>
+            <a:spLocks noGrp="1"/>
+          </p:cNvSpPr>
+          <p:nvPr>
+            <p:ph type="body" idx="1"/>
+          </p:nvPr>
+        </p:nvSpPr>
+        <p:spPr/>
+        <p:txBody>
+          <a:bodyPr/>
+          <a:lstStyle/>
+          <a:p>
+            <a:endParaRPr lang="de-DE"/>
+          </a:p>
+        </p:txBody>
+      </p:sp>
+      <p:sp>
+        <p:nvSpPr>
+          <p:cNvPr id="4" name="Foliennummernplatzhalter 3"/>
+          <p:cNvSpPr>
+            <a:spLocks noGrp="1"/>
+          </p:cNvSpPr>
+          <p:nvPr>
+            <p:ph type="sldNum" sz="quarter" idx="10"/>
+          </p:nvPr>
+        </p:nvSpPr>
+        <p:spPr/>
+        <p:txBody>
+          <a:bodyPr/>
+          <a:lstStyle/>
+          <a:p>
+            <a:fld id="{05D1FABD-69C2-49F9-BD91-F05E017FE538}" type="slidenum">
+              <a:rPr lang="de-DE" smtClean="0"/>
+              <a:pPr/>
+              <a:t>13</a:t>
+            </a:fld>
+            <a:endParaRPr lang="de-DE"/>
+          </a:p>
+        </p:txBody>
+      </p:sp>
+    </p:spTree>
+    <p:extLst>
+      <p:ext uri="{BB962C8B-B14F-4D97-AF65-F5344CB8AC3E}">
+        <p14:creationId xmlns:p14="http://schemas.microsoft.com/office/powerpoint/2010/main" xmlns="" val="1066156749"/>
       </p:ext>
     </p:extLst>
   </p:cSld>
@@ -625,6 +887,7 @@
           <a:p>
             <a:fld id="{05D1FABD-69C2-49F9-BD91-F05E017FE538}" type="slidenum">
               <a:rPr lang="de-DE" smtClean="0"/>
+              <a:pPr/>
               <a:t>3</a:t>
             </a:fld>
             <a:endParaRPr lang="de-DE"/>
@@ -634,7 +897,7 @@
     </p:spTree>
     <p:extLst>
       <p:ext uri="{BB962C8B-B14F-4D97-AF65-F5344CB8AC3E}">
-        <p14:creationId xmlns:p14="http://schemas.microsoft.com/office/powerpoint/2010/main" val="930434972"/>
+        <p14:creationId xmlns:p14="http://schemas.microsoft.com/office/powerpoint/2010/main" xmlns="" val="930434972"/>
       </p:ext>
     </p:extLst>
   </p:cSld>
@@ -688,7 +951,26 @@
           <a:bodyPr/>
           <a:lstStyle/>
           <a:p>
-            <a:endParaRPr lang="de-DE"/>
+            <a:r>
+              <a:rPr lang="de-DE" dirty="0" smtClean="0"/>
+              <a:t>Grundlage</a:t>
+            </a:r>
+            <a:r>
+              <a:rPr lang="de-DE" baseline="0" dirty="0" smtClean="0"/>
+              <a:t> der Studie: 17 </a:t>
+            </a:r>
+            <a:r>
+              <a:rPr lang="de-DE" baseline="0" dirty="0" err="1" smtClean="0"/>
+              <a:t>Apps</a:t>
+            </a:r>
+            <a:endParaRPr lang="de-DE" baseline="0" dirty="0" smtClean="0"/>
+          </a:p>
+          <a:p>
+            <a:r>
+              <a:rPr lang="de-DE" baseline="0" dirty="0" smtClean="0"/>
+              <a:t>Innerhalb eines Tages geknackt</a:t>
+            </a:r>
+            <a:endParaRPr lang="de-DE" dirty="0"/>
           </a:p>
         </p:txBody>
       </p:sp>
@@ -709,6 +991,7 @@
           <a:p>
             <a:fld id="{05D1FABD-69C2-49F9-BD91-F05E017FE538}" type="slidenum">
               <a:rPr lang="de-DE" smtClean="0"/>
+              <a:pPr/>
               <a:t>4</a:t>
             </a:fld>
             <a:endParaRPr lang="de-DE"/>
@@ -718,7 +1001,7 @@
     </p:spTree>
     <p:extLst>
       <p:ext uri="{BB962C8B-B14F-4D97-AF65-F5344CB8AC3E}">
-        <p14:creationId xmlns:p14="http://schemas.microsoft.com/office/powerpoint/2010/main" val="1928648976"/>
+        <p14:creationId xmlns:p14="http://schemas.microsoft.com/office/powerpoint/2010/main" xmlns="" val="1928648976"/>
       </p:ext>
     </p:extLst>
   </p:cSld>
@@ -772,7 +1055,7 @@
           <a:bodyPr/>
           <a:lstStyle/>
           <a:p>
-            <a:endParaRPr lang="de-DE"/>
+            <a:endParaRPr lang="de-DE" dirty="0"/>
           </a:p>
         </p:txBody>
       </p:sp>
@@ -793,6 +1076,7 @@
           <a:p>
             <a:fld id="{05D1FABD-69C2-49F9-BD91-F05E017FE538}" type="slidenum">
               <a:rPr lang="de-DE" smtClean="0"/>
+              <a:pPr/>
               <a:t>5</a:t>
             </a:fld>
             <a:endParaRPr lang="de-DE"/>
@@ -802,7 +1086,7 @@
     </p:spTree>
     <p:extLst>
       <p:ext uri="{BB962C8B-B14F-4D97-AF65-F5344CB8AC3E}">
-        <p14:creationId xmlns:p14="http://schemas.microsoft.com/office/powerpoint/2010/main" val="1705752707"/>
+        <p14:creationId xmlns:p14="http://schemas.microsoft.com/office/powerpoint/2010/main" xmlns="" val="1928648976"/>
       </p:ext>
     </p:extLst>
   </p:cSld>
@@ -856,7 +1140,7 @@
           <a:bodyPr/>
           <a:lstStyle/>
           <a:p>
-            <a:endParaRPr lang="de-DE"/>
+            <a:endParaRPr lang="de-DE" dirty="0"/>
           </a:p>
         </p:txBody>
       </p:sp>
@@ -877,6 +1161,7 @@
           <a:p>
             <a:fld id="{05D1FABD-69C2-49F9-BD91-F05E017FE538}" type="slidenum">
               <a:rPr lang="de-DE" smtClean="0"/>
+              <a:pPr/>
               <a:t>6</a:t>
             </a:fld>
             <a:endParaRPr lang="de-DE"/>
@@ -886,7 +1171,7 @@
     </p:spTree>
     <p:extLst>
       <p:ext uri="{BB962C8B-B14F-4D97-AF65-F5344CB8AC3E}">
-        <p14:creationId xmlns:p14="http://schemas.microsoft.com/office/powerpoint/2010/main" val="4219797847"/>
+        <p14:creationId xmlns:p14="http://schemas.microsoft.com/office/powerpoint/2010/main" xmlns="" val="1928648976"/>
       </p:ext>
     </p:extLst>
   </p:cSld>
@@ -940,7 +1225,7 @@
           <a:bodyPr/>
           <a:lstStyle/>
           <a:p>
-            <a:endParaRPr lang="de-DE"/>
+            <a:endParaRPr lang="de-DE" dirty="0"/>
           </a:p>
         </p:txBody>
       </p:sp>
@@ -961,6 +1246,7 @@
           <a:p>
             <a:fld id="{05D1FABD-69C2-49F9-BD91-F05E017FE538}" type="slidenum">
               <a:rPr lang="de-DE" smtClean="0"/>
+              <a:pPr/>
               <a:t>7</a:t>
             </a:fld>
             <a:endParaRPr lang="de-DE"/>
@@ -970,7 +1256,7 @@
     </p:spTree>
     <p:extLst>
       <p:ext uri="{BB962C8B-B14F-4D97-AF65-F5344CB8AC3E}">
-        <p14:creationId xmlns:p14="http://schemas.microsoft.com/office/powerpoint/2010/main" val="1066156749"/>
+        <p14:creationId xmlns:p14="http://schemas.microsoft.com/office/powerpoint/2010/main" xmlns="" val="1928648976"/>
       </p:ext>
     </p:extLst>
   </p:cSld>
@@ -1045,6 +1331,7 @@
           <a:p>
             <a:fld id="{05D1FABD-69C2-49F9-BD91-F05E017FE538}" type="slidenum">
               <a:rPr lang="de-DE" smtClean="0"/>
+              <a:pPr/>
               <a:t>8</a:t>
             </a:fld>
             <a:endParaRPr lang="de-DE"/>
@@ -1054,7 +1341,7 @@
     </p:spTree>
     <p:extLst>
       <p:ext uri="{BB962C8B-B14F-4D97-AF65-F5344CB8AC3E}">
-        <p14:creationId xmlns:p14="http://schemas.microsoft.com/office/powerpoint/2010/main" val="3297351362"/>
+        <p14:creationId xmlns:p14="http://schemas.microsoft.com/office/powerpoint/2010/main" xmlns="" val="1705752707"/>
       </p:ext>
     </p:extLst>
   </p:cSld>
@@ -1129,6 +1416,7 @@
           <a:p>
             <a:fld id="{05D1FABD-69C2-49F9-BD91-F05E017FE538}" type="slidenum">
               <a:rPr lang="de-DE" smtClean="0"/>
+              <a:pPr/>
               <a:t>9</a:t>
             </a:fld>
             <a:endParaRPr lang="de-DE"/>
@@ -1138,7 +1426,92 @@
     </p:spTree>
     <p:extLst>
       <p:ext uri="{BB962C8B-B14F-4D97-AF65-F5344CB8AC3E}">
-        <p14:creationId xmlns:p14="http://schemas.microsoft.com/office/powerpoint/2010/main" val="784737350"/>
+        <p14:creationId xmlns:p14="http://schemas.microsoft.com/office/powerpoint/2010/main" xmlns="" val="4219797847"/>
+      </p:ext>
+    </p:extLst>
+  </p:cSld>
+  <p:clrMapOvr>
+    <a:masterClrMapping/>
+  </p:clrMapOvr>
+</p:notes>
+</file>
+
+<file path=ppt/notesSlides/notesSlide9.xml><?xml version="1.0" encoding="utf-8"?>
+<p:notes xmlns:a="http://schemas.openxmlformats.org/drawingml/2006/main" xmlns:r="http://schemas.openxmlformats.org/officeDocument/2006/relationships" xmlns:p="http://schemas.openxmlformats.org/presentationml/2006/main">
+  <p:cSld>
+    <p:spTree>
+      <p:nvGrpSpPr>
+        <p:cNvPr id="1" name=""/>
+        <p:cNvGrpSpPr/>
+        <p:nvPr/>
+      </p:nvGrpSpPr>
+      <p:grpSpPr>
+        <a:xfrm>
+          <a:off x="0" y="0"/>
+          <a:ext cx="0" cy="0"/>
+          <a:chOff x="0" y="0"/>
+          <a:chExt cx="0" cy="0"/>
+        </a:xfrm>
+      </p:grpSpPr>
+      <p:sp>
+        <p:nvSpPr>
+          <p:cNvPr id="2" name="Folienbildplatzhalter 1"/>
+          <p:cNvSpPr>
+            <a:spLocks noGrp="1" noRot="1" noChangeAspect="1"/>
+          </p:cNvSpPr>
+          <p:nvPr>
+            <p:ph type="sldImg"/>
+          </p:nvPr>
+        </p:nvSpPr>
+        <p:spPr/>
+      </p:sp>
+      <p:sp>
+        <p:nvSpPr>
+          <p:cNvPr id="3" name="Notizenplatzhalter 2"/>
+          <p:cNvSpPr>
+            <a:spLocks noGrp="1"/>
+          </p:cNvSpPr>
+          <p:nvPr>
+            <p:ph type="body" idx="1"/>
+          </p:nvPr>
+        </p:nvSpPr>
+        <p:spPr/>
+        <p:txBody>
+          <a:bodyPr/>
+          <a:lstStyle/>
+          <a:p>
+            <a:endParaRPr lang="de-DE"/>
+          </a:p>
+        </p:txBody>
+      </p:sp>
+      <p:sp>
+        <p:nvSpPr>
+          <p:cNvPr id="4" name="Foliennummernplatzhalter 3"/>
+          <p:cNvSpPr>
+            <a:spLocks noGrp="1"/>
+          </p:cNvSpPr>
+          <p:nvPr>
+            <p:ph type="sldNum" sz="quarter" idx="10"/>
+          </p:nvPr>
+        </p:nvSpPr>
+        <p:spPr/>
+        <p:txBody>
+          <a:bodyPr/>
+          <a:lstStyle/>
+          <a:p>
+            <a:fld id="{05D1FABD-69C2-49F9-BD91-F05E017FE538}" type="slidenum">
+              <a:rPr lang="de-DE" smtClean="0"/>
+              <a:pPr/>
+              <a:t>10</a:t>
+            </a:fld>
+            <a:endParaRPr lang="de-DE"/>
+          </a:p>
+        </p:txBody>
+      </p:sp>
+    </p:spTree>
+    <p:extLst>
+      <p:ext uri="{BB962C8B-B14F-4D97-AF65-F5344CB8AC3E}">
+        <p14:creationId xmlns:p14="http://schemas.microsoft.com/office/powerpoint/2010/main" xmlns="" val="1066156749"/>
       </p:ext>
     </p:extLst>
   </p:cSld>
@@ -1794,7 +2167,8 @@
           <a:p>
             <a:fld id="{9EE47043-14B9-45DE-A7CA-B819D3DB7940}" type="datetime1">
               <a:rPr lang="en-US" smtClean="0"/>
-              <a:t>2/7/2015</a:t>
+              <a:pPr/>
+              <a:t>2/8/2015</a:t>
             </a:fld>
             <a:endParaRPr lang="en-US" dirty="0"/>
           </a:p>
@@ -2914,7 +3288,8 @@
           <a:p>
             <a:fld id="{15FDD389-1C4B-4991-9D1B-BD9CD8DAD448}" type="datetime1">
               <a:rPr lang="en-US" smtClean="0"/>
-              <a:t>2/7/2015</a:t>
+              <a:pPr/>
+              <a:t>2/8/2015</a:t>
             </a:fld>
             <a:endParaRPr lang="en-US" dirty="0"/>
           </a:p>
@@ -3925,7 +4300,8 @@
           <a:p>
             <a:fld id="{DBEDE645-84E4-46C4-8BBB-B45E79B0BDF2}" type="datetime1">
               <a:rPr lang="en-US" smtClean="0"/>
-              <a:t>2/7/2015</a:t>
+              <a:pPr/>
+              <a:t>2/8/2015</a:t>
             </a:fld>
             <a:endParaRPr lang="en-US" dirty="0"/>
           </a:p>
@@ -5095,7 +5471,8 @@
           <a:p>
             <a:fld id="{FD30094F-A1C4-4AA8-B240-0E360656DACC}" type="datetime1">
               <a:rPr lang="en-US" smtClean="0"/>
-              <a:t>2/7/2015</a:t>
+              <a:pPr/>
+              <a:t>2/8/2015</a:t>
             </a:fld>
             <a:endParaRPr lang="en-US" dirty="0"/>
           </a:p>
@@ -6156,7 +6533,8 @@
           <a:p>
             <a:fld id="{114DEC2F-D236-4161-B7A9-058AD50973F4}" type="datetime1">
               <a:rPr lang="en-US" smtClean="0"/>
-              <a:t>2/7/2015</a:t>
+              <a:pPr/>
+              <a:t>2/8/2015</a:t>
             </a:fld>
             <a:endParaRPr lang="en-US" dirty="0"/>
           </a:p>
@@ -6802,7 +7180,8 @@
           <a:p>
             <a:fld id="{7246F925-6776-418A-B9D5-2FE6DDC7FF5E}" type="datetime1">
               <a:rPr lang="en-US" smtClean="0"/>
-              <a:t>2/7/2015</a:t>
+              <a:pPr/>
+              <a:t>2/8/2015</a:t>
             </a:fld>
             <a:endParaRPr lang="en-US" dirty="0"/>
           </a:p>
@@ -7649,7 +8028,8 @@
           <a:p>
             <a:fld id="{AA091E32-8210-42E1-A5E3-AE4F3B2BA67C}" type="datetime1">
               <a:rPr lang="en-US" smtClean="0"/>
-              <a:t>2/7/2015</a:t>
+              <a:pPr/>
+              <a:t>2/8/2015</a:t>
             </a:fld>
             <a:endParaRPr lang="en-US" dirty="0"/>
           </a:p>
@@ -7824,7 +8204,8 @@
           <a:p>
             <a:fld id="{A8F96028-6369-409B-B015-BD4E873D97AE}" type="datetime1">
               <a:rPr lang="en-US" smtClean="0"/>
-              <a:t>2/7/2015</a:t>
+              <a:pPr/>
+              <a:t>2/8/2015</a:t>
             </a:fld>
             <a:endParaRPr lang="en-US" dirty="0"/>
           </a:p>
@@ -8822,7 +9203,8 @@
           <a:p>
             <a:fld id="{1EC1EEDA-5C8D-4FAD-B380-0B1111C6C6FD}" type="datetime1">
               <a:rPr lang="en-US" smtClean="0"/>
-              <a:t>2/7/2015</a:t>
+              <a:pPr/>
+              <a:t>2/8/2015</a:t>
             </a:fld>
             <a:endParaRPr lang="en-US" dirty="0"/>
           </a:p>
@@ -9028,7 +9410,8 @@
           <a:p>
             <a:fld id="{17201E69-94FE-46D8-8C9F-233CA2EAF49D}" type="datetime1">
               <a:rPr lang="en-US" smtClean="0"/>
-              <a:t>2/7/2015</a:t>
+              <a:pPr/>
+              <a:t>2/8/2015</a:t>
             </a:fld>
             <a:endParaRPr lang="en-US" dirty="0"/>
           </a:p>
@@ -10090,7 +10473,8 @@
           <a:p>
             <a:fld id="{9229E780-8742-4F41-A7DD-8A533C34BC62}" type="datetime1">
               <a:rPr lang="en-US" smtClean="0"/>
-              <a:t>2/7/2015</a:t>
+              <a:pPr/>
+              <a:t>2/8/2015</a:t>
             </a:fld>
             <a:endParaRPr lang="en-US" dirty="0"/>
           </a:p>
@@ -10362,7 +10746,8 @@
           <a:p>
             <a:fld id="{3B91D532-264E-494B-BCB4-085A06E95C4C}" type="datetime1">
               <a:rPr lang="en-US" smtClean="0"/>
-              <a:t>2/7/2015</a:t>
+              <a:pPr/>
+              <a:t>2/8/2015</a:t>
             </a:fld>
             <a:endParaRPr lang="en-US" dirty="0"/>
           </a:p>
@@ -10744,7 +11129,8 @@
           <a:p>
             <a:fld id="{13078452-A4DA-42F9-8E52-EBBBBBF20BDF}" type="datetime1">
               <a:rPr lang="en-US" smtClean="0"/>
-              <a:t>2/7/2015</a:t>
+              <a:pPr/>
+              <a:t>2/8/2015</a:t>
             </a:fld>
             <a:endParaRPr lang="en-US" dirty="0"/>
           </a:p>
@@ -10862,7 +11248,8 @@
           <a:p>
             <a:fld id="{1433EC71-6044-490A-9B40-8B48B52B7377}" type="datetime1">
               <a:rPr lang="en-US" smtClean="0"/>
-              <a:t>2/7/2015</a:t>
+              <a:pPr/>
+              <a:t>2/8/2015</a:t>
             </a:fld>
             <a:endParaRPr lang="en-US" dirty="0"/>
           </a:p>
@@ -10957,7 +11344,8 @@
           <a:p>
             <a:fld id="{05B9864E-D461-4420-9A61-69708EA906EF}" type="datetime1">
               <a:rPr lang="en-US" smtClean="0"/>
-              <a:t>2/7/2015</a:t>
+              <a:pPr/>
+              <a:t>2/8/2015</a:t>
             </a:fld>
             <a:endParaRPr lang="en-US" dirty="0"/>
           </a:p>
@@ -12066,7 +12454,8 @@
           <a:p>
             <a:fld id="{B45F0798-91BD-41E8-A317-14713D4B5C46}" type="datetime1">
               <a:rPr lang="en-US" smtClean="0"/>
-              <a:t>2/7/2015</a:t>
+              <a:pPr/>
+              <a:t>2/8/2015</a:t>
             </a:fld>
             <a:endParaRPr lang="en-US" dirty="0"/>
           </a:p>
@@ -13199,7 +13588,8 @@
           <a:p>
             <a:fld id="{2A2492AA-6B4D-44C1-A4C5-776C8CBEDC88}" type="datetime1">
               <a:rPr lang="en-US" smtClean="0"/>
-              <a:t>2/7/2015</a:t>
+              <a:pPr/>
+              <a:t>2/8/2015</a:t>
             </a:fld>
             <a:endParaRPr lang="en-US" dirty="0"/>
           </a:p>
@@ -14227,7 +14617,8 @@
           <a:p>
             <a:fld id="{D718F47C-7328-41EC-B5EF-37975657BEDE}" type="datetime1">
               <a:rPr lang="en-US" smtClean="0"/>
-              <a:t>2/7/2015</a:t>
+              <a:pPr/>
+              <a:t>2/8/2015</a:t>
             </a:fld>
             <a:endParaRPr lang="en-US" dirty="0"/>
           </a:p>
@@ -14830,7 +15221,7 @@
           <a:blip r:embed="rId2">
             <a:extLst>
               <a:ext uri="{28A0092B-C50C-407E-A947-70E740481C1C}">
-                <a14:useLocalDpi xmlns:a14="http://schemas.microsoft.com/office/drawing/2010/main" val="0"/>
+                <a14:useLocalDpi xmlns:a14="http://schemas.microsoft.com/office/drawing/2010/main" xmlns="" val="0"/>
               </a:ext>
             </a:extLst>
           </a:blip>
@@ -14851,7 +15242,663 @@
     </p:spTree>
     <p:extLst>
       <p:ext uri="{BB962C8B-B14F-4D97-AF65-F5344CB8AC3E}">
-        <p14:creationId xmlns:p14="http://schemas.microsoft.com/office/powerpoint/2010/main" val="3428906391"/>
+        <p14:creationId xmlns:p14="http://schemas.microsoft.com/office/powerpoint/2010/main" xmlns="" val="3428906391"/>
+      </p:ext>
+    </p:extLst>
+  </p:cSld>
+  <p:clrMapOvr>
+    <a:masterClrMapping/>
+  </p:clrMapOvr>
+  <p:timing>
+    <p:tnLst>
+      <p:par>
+        <p:cTn id="1" dur="indefinite" restart="never" nodeType="tmRoot"/>
+      </p:par>
+    </p:tnLst>
+  </p:timing>
+</p:sld>
+</file>
+
+<file path=ppt/slides/slide10.xml><?xml version="1.0" encoding="utf-8"?>
+<p:sld xmlns:a="http://schemas.openxmlformats.org/drawingml/2006/main" xmlns:r="http://schemas.openxmlformats.org/officeDocument/2006/relationships" xmlns:p="http://schemas.openxmlformats.org/presentationml/2006/main">
+  <p:cSld>
+    <p:spTree>
+      <p:nvGrpSpPr>
+        <p:cNvPr id="1" name=""/>
+        <p:cNvGrpSpPr/>
+        <p:nvPr/>
+      </p:nvGrpSpPr>
+      <p:grpSpPr>
+        <a:xfrm>
+          <a:off x="0" y="0"/>
+          <a:ext cx="0" cy="0"/>
+          <a:chOff x="0" y="0"/>
+          <a:chExt cx="0" cy="0"/>
+        </a:xfrm>
+      </p:grpSpPr>
+      <p:sp>
+        <p:nvSpPr>
+          <p:cNvPr id="2" name="Titel 1"/>
+          <p:cNvSpPr>
+            <a:spLocks noGrp="1"/>
+          </p:cNvSpPr>
+          <p:nvPr>
+            <p:ph type="title"/>
+          </p:nvPr>
+        </p:nvSpPr>
+        <p:spPr/>
+        <p:txBody>
+          <a:bodyPr/>
+          <a:lstStyle/>
+          <a:p>
+            <a:r>
+              <a:rPr lang="de-DE" dirty="0" smtClean="0"/>
+              <a:t>Reflexion</a:t>
+            </a:r>
+            <a:endParaRPr lang="de-DE" dirty="0"/>
+          </a:p>
+        </p:txBody>
+      </p:sp>
+      <p:sp>
+        <p:nvSpPr>
+          <p:cNvPr id="3" name="Inhaltsplatzhalter 2"/>
+          <p:cNvSpPr>
+            <a:spLocks noGrp="1"/>
+          </p:cNvSpPr>
+          <p:nvPr>
+            <p:ph idx="1"/>
+          </p:nvPr>
+        </p:nvSpPr>
+        <p:spPr/>
+        <p:txBody>
+          <a:bodyPr/>
+          <a:lstStyle/>
+          <a:p>
+            <a:r>
+              <a:rPr lang="de-DE" dirty="0" smtClean="0"/>
+              <a:t>Kurze Werkzeugbewertung</a:t>
+            </a:r>
+          </a:p>
+          <a:p>
+            <a:r>
+              <a:rPr lang="de-DE" dirty="0" smtClean="0"/>
+              <a:t>Vorgehen im Team</a:t>
+            </a:r>
+          </a:p>
+          <a:p>
+            <a:endParaRPr lang="de-DE" dirty="0" smtClean="0"/>
+          </a:p>
+        </p:txBody>
+      </p:sp>
+      <p:pic>
+        <p:nvPicPr>
+          <p:cNvPr id="4" name="Grafik 3"/>
+          <p:cNvPicPr>
+            <a:picLocks noChangeAspect="1"/>
+          </p:cNvPicPr>
+          <p:nvPr/>
+        </p:nvPicPr>
+        <p:blipFill>
+          <a:blip r:embed="rId3">
+            <a:extLst>
+              <a:ext uri="{28A0092B-C50C-407E-A947-70E740481C1C}">
+                <a14:useLocalDpi xmlns:a14="http://schemas.microsoft.com/office/drawing/2010/main" xmlns="" val="0"/>
+              </a:ext>
+            </a:extLst>
+          </a:blip>
+          <a:stretch>
+            <a:fillRect/>
+          </a:stretch>
+        </p:blipFill>
+        <p:spPr>
+          <a:xfrm>
+            <a:off x="11248792" y="5909733"/>
+            <a:ext cx="827314" cy="827314"/>
+          </a:xfrm>
+          <a:prstGeom prst="rect">
+            <a:avLst/>
+          </a:prstGeom>
+        </p:spPr>
+      </p:pic>
+      <p:sp>
+        <p:nvSpPr>
+          <p:cNvPr id="5" name="Foliennummernplatzhalter 4"/>
+          <p:cNvSpPr>
+            <a:spLocks noGrp="1"/>
+          </p:cNvSpPr>
+          <p:nvPr>
+            <p:ph type="sldNum" sz="quarter" idx="12"/>
+          </p:nvPr>
+        </p:nvSpPr>
+        <p:spPr/>
+        <p:txBody>
+          <a:bodyPr/>
+          <a:lstStyle/>
+          <a:p>
+            <a:fld id="{D57F1E4F-1CFF-5643-939E-217C01CDF565}" type="slidenum">
+              <a:rPr lang="en-US" smtClean="0"/>
+              <a:pPr/>
+              <a:t>10</a:t>
+            </a:fld>
+            <a:endParaRPr lang="en-US" dirty="0"/>
+          </a:p>
+        </p:txBody>
+      </p:sp>
+      <p:sp>
+        <p:nvSpPr>
+          <p:cNvPr id="6" name="Textfeld 5"/>
+          <p:cNvSpPr txBox="1"/>
+          <p:nvPr/>
+        </p:nvSpPr>
+        <p:spPr>
+          <a:xfrm>
+            <a:off x="372650" y="6156167"/>
+            <a:ext cx="10876142" cy="338554"/>
+          </a:xfrm>
+          <a:prstGeom prst="rect">
+            <a:avLst/>
+          </a:prstGeom>
+          <a:noFill/>
+        </p:spPr>
+        <p:txBody>
+          <a:bodyPr wrap="square" rtlCol="0">
+            <a:spAutoFit/>
+          </a:bodyPr>
+          <a:lstStyle/>
+          <a:p>
+            <a:r>
+              <a:rPr lang="de-DE" sz="1600" dirty="0" smtClean="0"/>
+              <a:t>13.02.2015  |  Software Engineering I  |  Nadine Feldmann, Lukas Huwe, Michael Kerkhoff, Sebastian Ochtrup</a:t>
+            </a:r>
+            <a:endParaRPr lang="de-DE" sz="1600" dirty="0"/>
+          </a:p>
+        </p:txBody>
+      </p:sp>
+    </p:spTree>
+    <p:extLst>
+      <p:ext uri="{BB962C8B-B14F-4D97-AF65-F5344CB8AC3E}">
+        <p14:creationId xmlns:p14="http://schemas.microsoft.com/office/powerpoint/2010/main" xmlns="" val="3216998357"/>
+      </p:ext>
+    </p:extLst>
+  </p:cSld>
+  <p:clrMapOvr>
+    <a:masterClrMapping/>
+  </p:clrMapOvr>
+  <p:timing>
+    <p:tnLst>
+      <p:par>
+        <p:cTn id="1" dur="indefinite" restart="never" nodeType="tmRoot"/>
+      </p:par>
+    </p:tnLst>
+  </p:timing>
+</p:sld>
+</file>
+
+<file path=ppt/slides/slide11.xml><?xml version="1.0" encoding="utf-8"?>
+<p:sld xmlns:a="http://schemas.openxmlformats.org/drawingml/2006/main" xmlns:r="http://schemas.openxmlformats.org/officeDocument/2006/relationships" xmlns:p="http://schemas.openxmlformats.org/presentationml/2006/main">
+  <p:cSld>
+    <p:spTree>
+      <p:nvGrpSpPr>
+        <p:cNvPr id="1" name=""/>
+        <p:cNvGrpSpPr/>
+        <p:nvPr/>
+      </p:nvGrpSpPr>
+      <p:grpSpPr>
+        <a:xfrm>
+          <a:off x="0" y="0"/>
+          <a:ext cx="0" cy="0"/>
+          <a:chOff x="0" y="0"/>
+          <a:chExt cx="0" cy="0"/>
+        </a:xfrm>
+      </p:grpSpPr>
+      <p:sp>
+        <p:nvSpPr>
+          <p:cNvPr id="2" name="Titel 1"/>
+          <p:cNvSpPr>
+            <a:spLocks noGrp="1"/>
+          </p:cNvSpPr>
+          <p:nvPr>
+            <p:ph type="title"/>
+          </p:nvPr>
+        </p:nvSpPr>
+        <p:spPr>
+          <a:xfrm>
+            <a:off x="1154953" y="2370667"/>
+            <a:ext cx="9469503" cy="1822514"/>
+          </a:xfrm>
+        </p:spPr>
+        <p:txBody>
+          <a:bodyPr/>
+          <a:lstStyle/>
+          <a:p>
+            <a:pPr algn="ctr"/>
+            <a:r>
+              <a:rPr lang="de-DE" sz="5400" dirty="0" smtClean="0"/>
+              <a:t>Noch Fragen?</a:t>
+            </a:r>
+            <a:endParaRPr lang="de-DE" sz="5400" dirty="0"/>
+          </a:p>
+        </p:txBody>
+      </p:sp>
+      <p:sp>
+        <p:nvSpPr>
+          <p:cNvPr id="5" name="Foliennummernplatzhalter 4"/>
+          <p:cNvSpPr>
+            <a:spLocks noGrp="1"/>
+          </p:cNvSpPr>
+          <p:nvPr>
+            <p:ph type="sldNum" sz="quarter" idx="12"/>
+          </p:nvPr>
+        </p:nvSpPr>
+        <p:spPr/>
+        <p:txBody>
+          <a:bodyPr/>
+          <a:lstStyle/>
+          <a:p>
+            <a:fld id="{D57F1E4F-1CFF-5643-939E-217C01CDF565}" type="slidenum">
+              <a:rPr lang="en-US" smtClean="0"/>
+              <a:pPr/>
+              <a:t>11</a:t>
+            </a:fld>
+            <a:endParaRPr lang="en-US" dirty="0"/>
+          </a:p>
+        </p:txBody>
+      </p:sp>
+      <p:pic>
+        <p:nvPicPr>
+          <p:cNvPr id="4" name="Grafik 3"/>
+          <p:cNvPicPr>
+            <a:picLocks noChangeAspect="1"/>
+          </p:cNvPicPr>
+          <p:nvPr/>
+        </p:nvPicPr>
+        <p:blipFill>
+          <a:blip r:embed="rId3">
+            <a:extLst>
+              <a:ext uri="{28A0092B-C50C-407E-A947-70E740481C1C}">
+                <a14:useLocalDpi xmlns:a14="http://schemas.microsoft.com/office/drawing/2010/main" xmlns="" val="0"/>
+              </a:ext>
+            </a:extLst>
+          </a:blip>
+          <a:stretch>
+            <a:fillRect/>
+          </a:stretch>
+        </p:blipFill>
+        <p:spPr>
+          <a:xfrm>
+            <a:off x="11248792" y="5909733"/>
+            <a:ext cx="827314" cy="827314"/>
+          </a:xfrm>
+          <a:prstGeom prst="rect">
+            <a:avLst/>
+          </a:prstGeom>
+        </p:spPr>
+      </p:pic>
+      <p:sp>
+        <p:nvSpPr>
+          <p:cNvPr id="6" name="Textfeld 5"/>
+          <p:cNvSpPr txBox="1"/>
+          <p:nvPr/>
+        </p:nvSpPr>
+        <p:spPr>
+          <a:xfrm>
+            <a:off x="372650" y="6156167"/>
+            <a:ext cx="10876142" cy="338554"/>
+          </a:xfrm>
+          <a:prstGeom prst="rect">
+            <a:avLst/>
+          </a:prstGeom>
+          <a:noFill/>
+        </p:spPr>
+        <p:txBody>
+          <a:bodyPr wrap="square" rtlCol="0">
+            <a:spAutoFit/>
+          </a:bodyPr>
+          <a:lstStyle/>
+          <a:p>
+            <a:r>
+              <a:rPr lang="de-DE" sz="1600" dirty="0" smtClean="0"/>
+              <a:t>13.02.2015  |  Software Engineering I  |  Nadine Feldmann, Lukas Huwe, Michael Kerkhoff, Sebastian Ochtrup</a:t>
+            </a:r>
+            <a:endParaRPr lang="de-DE" sz="1600" dirty="0"/>
+          </a:p>
+        </p:txBody>
+      </p:sp>
+    </p:spTree>
+    <p:extLst>
+      <p:ext uri="{BB962C8B-B14F-4D97-AF65-F5344CB8AC3E}">
+        <p14:creationId xmlns:p14="http://schemas.microsoft.com/office/powerpoint/2010/main" xmlns="" val="1786163146"/>
+      </p:ext>
+    </p:extLst>
+  </p:cSld>
+  <p:clrMapOvr>
+    <a:masterClrMapping/>
+  </p:clrMapOvr>
+  <p:timing>
+    <p:tnLst>
+      <p:par>
+        <p:cTn id="1" dur="indefinite" restart="never" nodeType="tmRoot"/>
+      </p:par>
+    </p:tnLst>
+  </p:timing>
+</p:sld>
+</file>
+
+<file path=ppt/slides/slide12.xml><?xml version="1.0" encoding="utf-8"?>
+<p:sld xmlns:a="http://schemas.openxmlformats.org/drawingml/2006/main" xmlns:r="http://schemas.openxmlformats.org/officeDocument/2006/relationships" xmlns:p="http://schemas.openxmlformats.org/presentationml/2006/main">
+  <p:cSld>
+    <p:spTree>
+      <p:nvGrpSpPr>
+        <p:cNvPr id="1" name=""/>
+        <p:cNvGrpSpPr/>
+        <p:nvPr/>
+      </p:nvGrpSpPr>
+      <p:grpSpPr>
+        <a:xfrm>
+          <a:off x="0" y="0"/>
+          <a:ext cx="0" cy="0"/>
+          <a:chOff x="0" y="0"/>
+          <a:chExt cx="0" cy="0"/>
+        </a:xfrm>
+      </p:grpSpPr>
+      <p:sp>
+        <p:nvSpPr>
+          <p:cNvPr id="2" name="Titel 1"/>
+          <p:cNvSpPr>
+            <a:spLocks noGrp="1"/>
+          </p:cNvSpPr>
+          <p:nvPr>
+            <p:ph type="title"/>
+          </p:nvPr>
+        </p:nvSpPr>
+        <p:spPr>
+          <a:xfrm>
+            <a:off x="1154953" y="2370667"/>
+            <a:ext cx="9469503" cy="1822514"/>
+          </a:xfrm>
+        </p:spPr>
+        <p:txBody>
+          <a:bodyPr/>
+          <a:lstStyle/>
+          <a:p>
+            <a:pPr algn="ctr"/>
+            <a:r>
+              <a:rPr lang="de-DE" dirty="0" smtClean="0"/>
+              <a:t>Vielen Dank für eure Aufmerksamkeit!</a:t>
+            </a:r>
+            <a:endParaRPr lang="de-DE" dirty="0"/>
+          </a:p>
+        </p:txBody>
+      </p:sp>
+      <p:sp>
+        <p:nvSpPr>
+          <p:cNvPr id="5" name="Foliennummernplatzhalter 4"/>
+          <p:cNvSpPr>
+            <a:spLocks noGrp="1"/>
+          </p:cNvSpPr>
+          <p:nvPr>
+            <p:ph type="sldNum" sz="quarter" idx="12"/>
+          </p:nvPr>
+        </p:nvSpPr>
+        <p:spPr/>
+        <p:txBody>
+          <a:bodyPr/>
+          <a:lstStyle/>
+          <a:p>
+            <a:fld id="{D57F1E4F-1CFF-5643-939E-217C01CDF565}" type="slidenum">
+              <a:rPr lang="en-US" smtClean="0"/>
+              <a:pPr/>
+              <a:t>12</a:t>
+            </a:fld>
+            <a:endParaRPr lang="en-US" dirty="0"/>
+          </a:p>
+        </p:txBody>
+      </p:sp>
+      <p:pic>
+        <p:nvPicPr>
+          <p:cNvPr id="4" name="Grafik 3"/>
+          <p:cNvPicPr>
+            <a:picLocks noChangeAspect="1"/>
+          </p:cNvPicPr>
+          <p:nvPr/>
+        </p:nvPicPr>
+        <p:blipFill>
+          <a:blip r:embed="rId3">
+            <a:extLst>
+              <a:ext uri="{28A0092B-C50C-407E-A947-70E740481C1C}">
+                <a14:useLocalDpi xmlns:a14="http://schemas.microsoft.com/office/drawing/2010/main" xmlns="" val="0"/>
+              </a:ext>
+            </a:extLst>
+          </a:blip>
+          <a:stretch>
+            <a:fillRect/>
+          </a:stretch>
+        </p:blipFill>
+        <p:spPr>
+          <a:xfrm>
+            <a:off x="11248792" y="5909733"/>
+            <a:ext cx="827314" cy="827314"/>
+          </a:xfrm>
+          <a:prstGeom prst="rect">
+            <a:avLst/>
+          </a:prstGeom>
+        </p:spPr>
+      </p:pic>
+      <p:sp>
+        <p:nvSpPr>
+          <p:cNvPr id="6" name="Textfeld 5"/>
+          <p:cNvSpPr txBox="1"/>
+          <p:nvPr/>
+        </p:nvSpPr>
+        <p:spPr>
+          <a:xfrm>
+            <a:off x="372650" y="6156167"/>
+            <a:ext cx="10876142" cy="338554"/>
+          </a:xfrm>
+          <a:prstGeom prst="rect">
+            <a:avLst/>
+          </a:prstGeom>
+          <a:noFill/>
+        </p:spPr>
+        <p:txBody>
+          <a:bodyPr wrap="square" rtlCol="0">
+            <a:spAutoFit/>
+          </a:bodyPr>
+          <a:lstStyle/>
+          <a:p>
+            <a:r>
+              <a:rPr lang="de-DE" sz="1600" dirty="0" smtClean="0"/>
+              <a:t>13.02.2015  |  Software Engineering I  |  Nadine Feldmann, Lukas Huwe, Michael Kerkhoff, Sebastian Ochtrup</a:t>
+            </a:r>
+            <a:endParaRPr lang="de-DE" sz="1600" dirty="0"/>
+          </a:p>
+        </p:txBody>
+      </p:sp>
+    </p:spTree>
+    <p:extLst>
+      <p:ext uri="{BB962C8B-B14F-4D97-AF65-F5344CB8AC3E}">
+        <p14:creationId xmlns:p14="http://schemas.microsoft.com/office/powerpoint/2010/main" xmlns="" val="1278744805"/>
+      </p:ext>
+    </p:extLst>
+  </p:cSld>
+  <p:clrMapOvr>
+    <a:masterClrMapping/>
+  </p:clrMapOvr>
+  <p:timing>
+    <p:tnLst>
+      <p:par>
+        <p:cTn id="1" dur="indefinite" restart="never" nodeType="tmRoot"/>
+      </p:par>
+    </p:tnLst>
+  </p:timing>
+</p:sld>
+</file>
+
+<file path=ppt/slides/slide13.xml><?xml version="1.0" encoding="utf-8"?>
+<p:sld xmlns:a="http://schemas.openxmlformats.org/drawingml/2006/main" xmlns:r="http://schemas.openxmlformats.org/officeDocument/2006/relationships" xmlns:p="http://schemas.openxmlformats.org/presentationml/2006/main">
+  <p:cSld>
+    <p:spTree>
+      <p:nvGrpSpPr>
+        <p:cNvPr id="1" name=""/>
+        <p:cNvGrpSpPr/>
+        <p:nvPr/>
+      </p:nvGrpSpPr>
+      <p:grpSpPr>
+        <a:xfrm>
+          <a:off x="0" y="0"/>
+          <a:ext cx="0" cy="0"/>
+          <a:chOff x="0" y="0"/>
+          <a:chExt cx="0" cy="0"/>
+        </a:xfrm>
+      </p:grpSpPr>
+      <p:sp>
+        <p:nvSpPr>
+          <p:cNvPr id="2" name="Titel 1"/>
+          <p:cNvSpPr>
+            <a:spLocks noGrp="1"/>
+          </p:cNvSpPr>
+          <p:nvPr>
+            <p:ph type="title"/>
+          </p:nvPr>
+        </p:nvSpPr>
+        <p:spPr/>
+        <p:txBody>
+          <a:bodyPr/>
+          <a:lstStyle/>
+          <a:p>
+            <a:r>
+              <a:rPr lang="de-DE" dirty="0" smtClean="0"/>
+              <a:t>Quellen</a:t>
+            </a:r>
+            <a:endParaRPr lang="de-DE" dirty="0"/>
+          </a:p>
+        </p:txBody>
+      </p:sp>
+      <p:sp>
+        <p:nvSpPr>
+          <p:cNvPr id="3" name="Inhaltsplatzhalter 2"/>
+          <p:cNvSpPr>
+            <a:spLocks noGrp="1"/>
+          </p:cNvSpPr>
+          <p:nvPr>
+            <p:ph idx="1"/>
+          </p:nvPr>
+        </p:nvSpPr>
+        <p:spPr/>
+        <p:txBody>
+          <a:bodyPr/>
+          <a:lstStyle/>
+          <a:p>
+            <a:r>
+              <a:rPr lang="de-DE" dirty="0" smtClean="0">
+                <a:hlinkClick r:id="rId3"/>
+              </a:rPr>
+              <a:t>www.elcomsoft.com</a:t>
+            </a:r>
+            <a:endParaRPr lang="de-DE" dirty="0" smtClean="0"/>
+          </a:p>
+          <a:p>
+            <a:r>
+              <a:rPr lang="de-DE" dirty="0" smtClean="0">
+                <a:hlinkClick r:id="rId4"/>
+              </a:rPr>
+              <a:t>www.elcomsoft.com/WP/BH-EU-2012-WP.pdf</a:t>
+            </a:r>
+            <a:endParaRPr lang="de-DE" dirty="0" smtClean="0"/>
+          </a:p>
+          <a:p>
+            <a:endParaRPr lang="de-DE" dirty="0" smtClean="0"/>
+          </a:p>
+        </p:txBody>
+      </p:sp>
+      <p:pic>
+        <p:nvPicPr>
+          <p:cNvPr id="4" name="Grafik 3"/>
+          <p:cNvPicPr>
+            <a:picLocks noChangeAspect="1"/>
+          </p:cNvPicPr>
+          <p:nvPr/>
+        </p:nvPicPr>
+        <p:blipFill>
+          <a:blip r:embed="rId5">
+            <a:extLst>
+              <a:ext uri="{28A0092B-C50C-407E-A947-70E740481C1C}">
+                <a14:useLocalDpi xmlns:a14="http://schemas.microsoft.com/office/drawing/2010/main" xmlns="" val="0"/>
+              </a:ext>
+            </a:extLst>
+          </a:blip>
+          <a:stretch>
+            <a:fillRect/>
+          </a:stretch>
+        </p:blipFill>
+        <p:spPr>
+          <a:xfrm>
+            <a:off x="11248792" y="5909733"/>
+            <a:ext cx="827314" cy="827314"/>
+          </a:xfrm>
+          <a:prstGeom prst="rect">
+            <a:avLst/>
+          </a:prstGeom>
+        </p:spPr>
+      </p:pic>
+      <p:sp>
+        <p:nvSpPr>
+          <p:cNvPr id="5" name="Foliennummernplatzhalter 4"/>
+          <p:cNvSpPr>
+            <a:spLocks noGrp="1"/>
+          </p:cNvSpPr>
+          <p:nvPr>
+            <p:ph type="sldNum" sz="quarter" idx="12"/>
+          </p:nvPr>
+        </p:nvSpPr>
+        <p:spPr/>
+        <p:txBody>
+          <a:bodyPr/>
+          <a:lstStyle/>
+          <a:p>
+            <a:fld id="{D57F1E4F-1CFF-5643-939E-217C01CDF565}" type="slidenum">
+              <a:rPr lang="en-US" smtClean="0"/>
+              <a:pPr/>
+              <a:t>13</a:t>
+            </a:fld>
+            <a:endParaRPr lang="en-US" dirty="0"/>
+          </a:p>
+        </p:txBody>
+      </p:sp>
+      <p:sp>
+        <p:nvSpPr>
+          <p:cNvPr id="6" name="Textfeld 5"/>
+          <p:cNvSpPr txBox="1"/>
+          <p:nvPr/>
+        </p:nvSpPr>
+        <p:spPr>
+          <a:xfrm>
+            <a:off x="372650" y="6156167"/>
+            <a:ext cx="10876142" cy="338554"/>
+          </a:xfrm>
+          <a:prstGeom prst="rect">
+            <a:avLst/>
+          </a:prstGeom>
+          <a:noFill/>
+        </p:spPr>
+        <p:txBody>
+          <a:bodyPr wrap="square" rtlCol="0">
+            <a:spAutoFit/>
+          </a:bodyPr>
+          <a:lstStyle/>
+          <a:p>
+            <a:r>
+              <a:rPr lang="de-DE" sz="1600" dirty="0" smtClean="0"/>
+              <a:t>13.02.2015  |  Software Engineering I  |  Nadine Feldmann, Lukas Huwe, Michael Kerkhoff, Sebastian Ochtrup</a:t>
+            </a:r>
+            <a:endParaRPr lang="de-DE" sz="1600" dirty="0"/>
+          </a:p>
+        </p:txBody>
+      </p:sp>
+    </p:spTree>
+    <p:extLst>
+      <p:ext uri="{BB962C8B-B14F-4D97-AF65-F5344CB8AC3E}">
+        <p14:creationId xmlns:p14="http://schemas.microsoft.com/office/powerpoint/2010/main" xmlns="" val="3216998357"/>
       </p:ext>
     </p:extLst>
   </p:cSld>
@@ -14970,7 +16017,7 @@
           <a:blip r:embed="rId3">
             <a:extLst>
               <a:ext uri="{28A0092B-C50C-407E-A947-70E740481C1C}">
-                <a14:useLocalDpi xmlns:a14="http://schemas.microsoft.com/office/drawing/2010/main" val="0"/>
+                <a14:useLocalDpi xmlns:a14="http://schemas.microsoft.com/office/drawing/2010/main" xmlns="" val="0"/>
               </a:ext>
             </a:extLst>
           </a:blip>
@@ -15045,7 +16092,7 @@
     </p:spTree>
     <p:extLst>
       <p:ext uri="{BB962C8B-B14F-4D97-AF65-F5344CB8AC3E}">
-        <p14:creationId xmlns:p14="http://schemas.microsoft.com/office/powerpoint/2010/main" val="2132460779"/>
+        <p14:creationId xmlns:p14="http://schemas.microsoft.com/office/powerpoint/2010/main" xmlns="" val="2132460779"/>
       </p:ext>
     </p:extLst>
   </p:cSld>
@@ -15133,7 +16180,7 @@
           <a:blip r:embed="rId3">
             <a:extLst>
               <a:ext uri="{28A0092B-C50C-407E-A947-70E740481C1C}">
-                <a14:useLocalDpi xmlns:a14="http://schemas.microsoft.com/office/drawing/2010/main" val="0"/>
+                <a14:useLocalDpi xmlns:a14="http://schemas.microsoft.com/office/drawing/2010/main" xmlns="" val="0"/>
               </a:ext>
             </a:extLst>
           </a:blip>
@@ -15208,7 +16255,7 @@
     </p:spTree>
     <p:extLst>
       <p:ext uri="{BB962C8B-B14F-4D97-AF65-F5344CB8AC3E}">
-        <p14:creationId xmlns:p14="http://schemas.microsoft.com/office/powerpoint/2010/main" val="1662249724"/>
+        <p14:creationId xmlns:p14="http://schemas.microsoft.com/office/powerpoint/2010/main" xmlns="" val="1662249724"/>
       </p:ext>
     </p:extLst>
   </p:cSld>
@@ -15280,7 +16327,82 @@
           <a:bodyPr/>
           <a:lstStyle/>
           <a:p>
-            <a:endParaRPr lang="de-DE" dirty="0"/>
+            <a:r>
+              <a:rPr lang="de-DE" dirty="0" smtClean="0"/>
+              <a:t>Zunehmender Gefahrenanstieg</a:t>
+            </a:r>
+            <a:endParaRPr lang="de-DE" dirty="0" smtClean="0"/>
+          </a:p>
+          <a:p>
+            <a:pPr lvl="1"/>
+            <a:r>
+              <a:rPr lang="de-DE" dirty="0" err="1" smtClean="0"/>
+              <a:t>Brute</a:t>
+            </a:r>
+            <a:r>
+              <a:rPr lang="de-DE" dirty="0" smtClean="0"/>
+              <a:t> Force Angriffe sind durch eingeschränkten Schlüsselraum und zunehmende Rechenkapazität immer schneller</a:t>
+            </a:r>
+          </a:p>
+          <a:p>
+            <a:pPr lvl="1"/>
+            <a:r>
+              <a:rPr lang="de-DE" dirty="0" smtClean="0"/>
+              <a:t>Rechenkapazität lässt sich schon heute durch </a:t>
+            </a:r>
+            <a:r>
+              <a:rPr lang="de-DE" dirty="0" err="1" smtClean="0"/>
+              <a:t>Cloud</a:t>
+            </a:r>
+            <a:r>
+              <a:rPr lang="de-DE" dirty="0" smtClean="0"/>
+              <a:t> Computing flexibel </a:t>
+            </a:r>
+            <a:r>
+              <a:rPr lang="de-DE" dirty="0" err="1" smtClean="0"/>
+              <a:t>dazubuchen</a:t>
+            </a:r>
+            <a:endParaRPr lang="de-DE" dirty="0" smtClean="0"/>
+          </a:p>
+          <a:p>
+            <a:pPr lvl="1"/>
+            <a:r>
+              <a:rPr lang="de-DE" dirty="0" smtClean="0"/>
+              <a:t>Durch gezielte Angriffe erhöht sich das Risiko weiter</a:t>
+            </a:r>
+            <a:r>
+              <a:rPr lang="de-DE" dirty="0" smtClean="0"/>
+              <a:t> </a:t>
+            </a:r>
+            <a:r>
+              <a:rPr lang="de-DE" dirty="0" smtClean="0"/>
+              <a:t>(Wörterbuchangriff)</a:t>
+            </a:r>
+          </a:p>
+          <a:p>
+            <a:pPr lvl="1"/>
+            <a:r>
+              <a:rPr lang="de-DE" dirty="0" smtClean="0"/>
+              <a:t>Untersuchungen haben ergeben, dass 40 % aller geschäftlich genutzten Passwörter in Wörterbüchern zu finden sind</a:t>
+            </a:r>
+          </a:p>
+          <a:p>
+            <a:r>
+              <a:rPr lang="de-DE" dirty="0" smtClean="0"/>
+              <a:t>Studie zeigt, dass konventionelle Passwort Manager </a:t>
+            </a:r>
+            <a:r>
+              <a:rPr lang="de-DE" dirty="0" err="1" smtClean="0"/>
+              <a:t>Apps</a:t>
+            </a:r>
+            <a:r>
+              <a:rPr lang="de-DE" dirty="0" smtClean="0"/>
+              <a:t> ausnahmslos in kurzer Zeit geknackt werden können</a:t>
+            </a:r>
+            <a:endParaRPr lang="de-DE" dirty="0" smtClean="0"/>
+          </a:p>
+          <a:p>
+            <a:endParaRPr lang="de-DE" dirty="0" smtClean="0"/>
           </a:p>
         </p:txBody>
       </p:sp>
@@ -15296,7 +16418,7 @@
           <a:blip r:embed="rId3">
             <a:extLst>
               <a:ext uri="{28A0092B-C50C-407E-A947-70E740481C1C}">
-                <a14:useLocalDpi xmlns:a14="http://schemas.microsoft.com/office/drawing/2010/main" val="0"/>
+                <a14:useLocalDpi xmlns:a14="http://schemas.microsoft.com/office/drawing/2010/main" xmlns="" val="0"/>
               </a:ext>
             </a:extLst>
           </a:blip>
@@ -15371,7 +16493,7 @@
     </p:spTree>
     <p:extLst>
       <p:ext uri="{BB962C8B-B14F-4D97-AF65-F5344CB8AC3E}">
-        <p14:creationId xmlns:p14="http://schemas.microsoft.com/office/powerpoint/2010/main" val="4975384"/>
+        <p14:creationId xmlns:p14="http://schemas.microsoft.com/office/powerpoint/2010/main" xmlns="" val="4975384"/>
       </p:ext>
     </p:extLst>
   </p:cSld>
@@ -15422,7 +16544,7 @@
           <a:p>
             <a:r>
               <a:rPr lang="de-DE" dirty="0" smtClean="0"/>
-              <a:t>Werkzeugeinsatz</a:t>
+              <a:t>Konzept</a:t>
             </a:r>
             <a:endParaRPr lang="de-DE" dirty="0"/>
           </a:p>
@@ -15443,7 +16565,37 @@
           <a:bodyPr/>
           <a:lstStyle/>
           <a:p>
-            <a:endParaRPr lang="de-DE" dirty="0"/>
+            <a:r>
+              <a:rPr lang="de-DE" dirty="0" smtClean="0"/>
+              <a:t>Schwächen konventioneller Passwort Manager</a:t>
+            </a:r>
+          </a:p>
+          <a:p>
+            <a:pPr lvl="1"/>
+            <a:r>
+              <a:rPr lang="de-DE" dirty="0" smtClean="0"/>
+              <a:t>Rückmeldung an den Angreifer zur Korrektheit des Passworts</a:t>
+            </a:r>
+          </a:p>
+          <a:p>
+            <a:r>
+              <a:rPr lang="de-DE" dirty="0" smtClean="0"/>
+              <a:t>Der Clou</a:t>
+            </a:r>
+          </a:p>
+          <a:p>
+            <a:pPr lvl="1"/>
+            <a:r>
+              <a:rPr lang="de-DE" dirty="0" smtClean="0"/>
+              <a:t>Unabhängig der Korrektheit des Passworts werden die verwalteten Passwörter mit diesem Schlüssel entschlüsselt</a:t>
+            </a:r>
+          </a:p>
+          <a:p>
+            <a:pPr lvl="1"/>
+            <a:r>
+              <a:rPr lang="de-DE" dirty="0" smtClean="0"/>
+              <a:t>So erhält der Angreifer keine Rückmeldung zur Korrektheit des Passworts und weiß nicht ob der Angriff erfolgreich war</a:t>
+            </a:r>
           </a:p>
         </p:txBody>
       </p:sp>
@@ -15459,7 +16611,7 @@
           <a:blip r:embed="rId3">
             <a:extLst>
               <a:ext uri="{28A0092B-C50C-407E-A947-70E740481C1C}">
-                <a14:useLocalDpi xmlns:a14="http://schemas.microsoft.com/office/drawing/2010/main" val="0"/>
+                <a14:useLocalDpi xmlns:a14="http://schemas.microsoft.com/office/drawing/2010/main" xmlns="" val="0"/>
               </a:ext>
             </a:extLst>
           </a:blip>
@@ -15534,7 +16686,7 @@
     </p:spTree>
     <p:extLst>
       <p:ext uri="{BB962C8B-B14F-4D97-AF65-F5344CB8AC3E}">
-        <p14:creationId xmlns:p14="http://schemas.microsoft.com/office/powerpoint/2010/main" val="14036120"/>
+        <p14:creationId xmlns:p14="http://schemas.microsoft.com/office/powerpoint/2010/main" xmlns="" val="4975384"/>
       </p:ext>
     </p:extLst>
   </p:cSld>
@@ -15585,27 +16737,8 @@
           <a:p>
             <a:r>
               <a:rPr lang="de-DE" dirty="0" smtClean="0"/>
-              <a:t>Demo</a:t>
+              <a:t>Konzept</a:t>
             </a:r>
-            <a:endParaRPr lang="de-DE" dirty="0"/>
-          </a:p>
-        </p:txBody>
-      </p:sp>
-      <p:sp>
-        <p:nvSpPr>
-          <p:cNvPr id="3" name="Inhaltsplatzhalter 2"/>
-          <p:cNvSpPr>
-            <a:spLocks noGrp="1"/>
-          </p:cNvSpPr>
-          <p:nvPr>
-            <p:ph idx="1"/>
-          </p:nvPr>
-        </p:nvSpPr>
-        <p:spPr/>
-        <p:txBody>
-          <a:bodyPr/>
-          <a:lstStyle/>
-          <a:p>
             <a:endParaRPr lang="de-DE" dirty="0"/>
           </a:p>
         </p:txBody>
@@ -15622,7 +16755,7 @@
           <a:blip r:embed="rId3">
             <a:extLst>
               <a:ext uri="{28A0092B-C50C-407E-A947-70E740481C1C}">
-                <a14:useLocalDpi xmlns:a14="http://schemas.microsoft.com/office/drawing/2010/main" val="0"/>
+                <a14:useLocalDpi xmlns:a14="http://schemas.microsoft.com/office/drawing/2010/main" xmlns="" val="0"/>
               </a:ext>
             </a:extLst>
           </a:blip>
@@ -15694,24 +16827,193 @@
           </a:p>
         </p:txBody>
       </p:sp>
+      <p:pic>
+        <p:nvPicPr>
+          <p:cNvPr id="3074" name="Picture 2" descr="http://www.clker.com/cliparts/W/X/S/3/C/f/safe-md.png"/>
+          <p:cNvPicPr>
+            <a:picLocks noChangeAspect="1" noChangeArrowheads="1"/>
+          </p:cNvPicPr>
+          <p:nvPr/>
+        </p:nvPicPr>
+        <p:blipFill>
+          <a:blip r:embed="rId4"/>
+          <a:srcRect/>
+          <a:stretch>
+            <a:fillRect/>
+          </a:stretch>
+        </p:blipFill>
+        <p:spPr bwMode="auto">
+          <a:xfrm>
+            <a:off x="3508375" y="2642054"/>
+            <a:ext cx="2400300" cy="2838450"/>
+          </a:xfrm>
+          <a:prstGeom prst="rect">
+            <a:avLst/>
+          </a:prstGeom>
+          <a:noFill/>
+        </p:spPr>
+      </p:pic>
+      <p:sp>
+        <p:nvSpPr>
+          <p:cNvPr id="10" name="Pfeil nach rechts 9"/>
+          <p:cNvSpPr/>
+          <p:nvPr/>
+        </p:nvSpPr>
+        <p:spPr>
+          <a:xfrm>
+            <a:off x="762000" y="3494315"/>
+            <a:ext cx="2547257" cy="838200"/>
+          </a:xfrm>
+          <a:prstGeom prst="rightArrow">
+            <a:avLst/>
+          </a:prstGeom>
+        </p:spPr>
+        <p:style>
+          <a:lnRef idx="1">
+            <a:schemeClr val="accent1"/>
+          </a:lnRef>
+          <a:fillRef idx="2">
+            <a:schemeClr val="accent1"/>
+          </a:fillRef>
+          <a:effectRef idx="1">
+            <a:schemeClr val="accent1"/>
+          </a:effectRef>
+          <a:fontRef idx="minor">
+            <a:schemeClr val="dk1"/>
+          </a:fontRef>
+        </p:style>
+        <p:txBody>
+          <a:bodyPr rtlCol="0" anchor="ctr"/>
+          <a:lstStyle/>
+          <a:p>
+            <a:pPr algn="ctr"/>
+            <a:r>
+              <a:rPr lang="de-DE" dirty="0" smtClean="0"/>
+              <a:t>Korrektes Passwort</a:t>
+            </a:r>
+            <a:endParaRPr lang="de-DE" dirty="0"/>
+          </a:p>
+        </p:txBody>
+      </p:sp>
+      <p:sp>
+        <p:nvSpPr>
+          <p:cNvPr id="11" name="Pfeil nach rechts 10"/>
+          <p:cNvSpPr/>
+          <p:nvPr/>
+        </p:nvSpPr>
+        <p:spPr>
+          <a:xfrm>
+            <a:off x="6389914" y="3483430"/>
+            <a:ext cx="2547257" cy="838200"/>
+          </a:xfrm>
+          <a:prstGeom prst="rightArrow">
+            <a:avLst/>
+          </a:prstGeom>
+        </p:spPr>
+        <p:style>
+          <a:lnRef idx="2">
+            <a:schemeClr val="accent1">
+              <a:shade val="50000"/>
+            </a:schemeClr>
+          </a:lnRef>
+          <a:fillRef idx="1">
+            <a:schemeClr val="accent1"/>
+          </a:fillRef>
+          <a:effectRef idx="0">
+            <a:schemeClr val="accent1"/>
+          </a:effectRef>
+          <a:fontRef idx="minor">
+            <a:schemeClr val="lt1"/>
+          </a:fontRef>
+        </p:style>
+        <p:txBody>
+          <a:bodyPr rtlCol="0" anchor="ctr"/>
+          <a:lstStyle/>
+          <a:p>
+            <a:pPr algn="ctr"/>
+            <a:endParaRPr lang="de-DE" dirty="0"/>
+          </a:p>
+        </p:txBody>
+      </p:sp>
+      <p:pic>
+        <p:nvPicPr>
+          <p:cNvPr id="3076" name="Picture 4" descr="http://www.clker.com/cliparts/b/W/B/r/n/A/yellow-sticky-md.png"/>
+          <p:cNvPicPr>
+            <a:picLocks noChangeAspect="1" noChangeArrowheads="1"/>
+          </p:cNvPicPr>
+          <p:nvPr/>
+        </p:nvPicPr>
+        <p:blipFill>
+          <a:blip r:embed="rId5"/>
+          <a:srcRect/>
+          <a:stretch>
+            <a:fillRect/>
+          </a:stretch>
+        </p:blipFill>
+        <p:spPr bwMode="auto">
+          <a:xfrm>
+            <a:off x="9410452" y="3015341"/>
+            <a:ext cx="2332966" cy="2169659"/>
+          </a:xfrm>
+          <a:prstGeom prst="rect">
+            <a:avLst/>
+          </a:prstGeom>
+          <a:noFill/>
+        </p:spPr>
+      </p:pic>
+      <p:sp>
+        <p:nvSpPr>
+          <p:cNvPr id="14" name="Textfeld 13"/>
+          <p:cNvSpPr txBox="1"/>
+          <p:nvPr/>
+        </p:nvSpPr>
+        <p:spPr>
+          <a:xfrm>
+            <a:off x="9688287" y="3211285"/>
+            <a:ext cx="1621971" cy="923330"/>
+          </a:xfrm>
+          <a:prstGeom prst="rect">
+            <a:avLst/>
+          </a:prstGeom>
+          <a:noFill/>
+        </p:spPr>
+        <p:txBody>
+          <a:bodyPr wrap="square" rtlCol="0">
+            <a:spAutoFit/>
+          </a:bodyPr>
+          <a:lstStyle/>
+          <a:p>
+            <a:r>
+              <a:rPr lang="de-DE" dirty="0" smtClean="0"/>
+              <a:t>Passwort:</a:t>
+            </a:r>
+          </a:p>
+          <a:p>
+            <a:endParaRPr lang="de-DE" dirty="0" smtClean="0"/>
+          </a:p>
+          <a:p>
+            <a:r>
+              <a:rPr lang="de-DE" dirty="0" smtClean="0"/>
+              <a:t>Top </a:t>
+            </a:r>
+            <a:r>
+              <a:rPr lang="de-DE" dirty="0" err="1" smtClean="0"/>
+              <a:t>secret</a:t>
+            </a:r>
+            <a:endParaRPr lang="de-DE" dirty="0"/>
+          </a:p>
+        </p:txBody>
+      </p:sp>
     </p:spTree>
     <p:extLst>
       <p:ext uri="{BB962C8B-B14F-4D97-AF65-F5344CB8AC3E}">
-        <p14:creationId xmlns:p14="http://schemas.microsoft.com/office/powerpoint/2010/main" val="3667091251"/>
+        <p14:creationId xmlns:p14="http://schemas.microsoft.com/office/powerpoint/2010/main" xmlns="" val="4975384"/>
       </p:ext>
     </p:extLst>
   </p:cSld>
   <p:clrMapOvr>
     <a:masterClrMapping/>
   </p:clrMapOvr>
-  <mc:AlternateContent xmlns:mc="http://schemas.openxmlformats.org/markup-compatibility/2006">
-    <mc:Choice xmlns:p14="http://schemas.microsoft.com/office/powerpoint/2010/main" Requires="p14">
-      <p:transition spd="slow" p14:dur="2000"/>
-    </mc:Choice>
-    <mc:Fallback>
-      <p:transition spd="slow"/>
-    </mc:Fallback>
-  </mc:AlternateContent>
   <p:timing>
     <p:tnLst>
       <p:par>
@@ -15756,41 +17058,9 @@
           <a:p>
             <a:r>
               <a:rPr lang="de-DE" dirty="0" smtClean="0"/>
-              <a:t>Reflexion</a:t>
+              <a:t>Konzept</a:t>
             </a:r>
             <a:endParaRPr lang="de-DE" dirty="0"/>
-          </a:p>
-        </p:txBody>
-      </p:sp>
-      <p:sp>
-        <p:nvSpPr>
-          <p:cNvPr id="3" name="Inhaltsplatzhalter 2"/>
-          <p:cNvSpPr>
-            <a:spLocks noGrp="1"/>
-          </p:cNvSpPr>
-          <p:nvPr>
-            <p:ph idx="1"/>
-          </p:nvPr>
-        </p:nvSpPr>
-        <p:spPr/>
-        <p:txBody>
-          <a:bodyPr/>
-          <a:lstStyle/>
-          <a:p>
-            <a:r>
-              <a:rPr lang="de-DE" dirty="0" smtClean="0"/>
-              <a:t>Kurze Werkzeugbewertung</a:t>
-            </a:r>
-            <a:endParaRPr lang="de-DE" dirty="0" smtClean="0"/>
-          </a:p>
-          <a:p>
-            <a:r>
-              <a:rPr lang="de-DE" dirty="0" smtClean="0"/>
-              <a:t>Vorgehen im Team</a:t>
-            </a:r>
-          </a:p>
-          <a:p>
-            <a:endParaRPr lang="de-DE" dirty="0" smtClean="0"/>
           </a:p>
         </p:txBody>
       </p:sp>
@@ -15806,7 +17076,7 @@
           <a:blip r:embed="rId3">
             <a:extLst>
               <a:ext uri="{28A0092B-C50C-407E-A947-70E740481C1C}">
-                <a14:useLocalDpi xmlns:a14="http://schemas.microsoft.com/office/drawing/2010/main" val="0"/>
+                <a14:useLocalDpi xmlns:a14="http://schemas.microsoft.com/office/drawing/2010/main" xmlns="" val="0"/>
               </a:ext>
             </a:extLst>
           </a:blip>
@@ -15878,10 +17148,191 @@
           </a:p>
         </p:txBody>
       </p:sp>
+      <p:pic>
+        <p:nvPicPr>
+          <p:cNvPr id="3074" name="Picture 2" descr="http://www.clker.com/cliparts/W/X/S/3/C/f/safe-md.png"/>
+          <p:cNvPicPr>
+            <a:picLocks noChangeAspect="1" noChangeArrowheads="1"/>
+          </p:cNvPicPr>
+          <p:nvPr/>
+        </p:nvPicPr>
+        <p:blipFill>
+          <a:blip r:embed="rId4"/>
+          <a:srcRect/>
+          <a:stretch>
+            <a:fillRect/>
+          </a:stretch>
+        </p:blipFill>
+        <p:spPr bwMode="auto">
+          <a:xfrm>
+            <a:off x="3508375" y="2642054"/>
+            <a:ext cx="2400300" cy="2838450"/>
+          </a:xfrm>
+          <a:prstGeom prst="rect">
+            <a:avLst/>
+          </a:prstGeom>
+          <a:noFill/>
+        </p:spPr>
+      </p:pic>
+      <p:sp>
+        <p:nvSpPr>
+          <p:cNvPr id="10" name="Pfeil nach rechts 9"/>
+          <p:cNvSpPr/>
+          <p:nvPr/>
+        </p:nvSpPr>
+        <p:spPr>
+          <a:xfrm>
+            <a:off x="762000" y="3494315"/>
+            <a:ext cx="2547257" cy="838200"/>
+          </a:xfrm>
+          <a:prstGeom prst="rightArrow">
+            <a:avLst/>
+          </a:prstGeom>
+        </p:spPr>
+        <p:style>
+          <a:lnRef idx="1">
+            <a:schemeClr val="accent3"/>
+          </a:lnRef>
+          <a:fillRef idx="2">
+            <a:schemeClr val="accent3"/>
+          </a:fillRef>
+          <a:effectRef idx="1">
+            <a:schemeClr val="accent3"/>
+          </a:effectRef>
+          <a:fontRef idx="minor">
+            <a:schemeClr val="dk1"/>
+          </a:fontRef>
+        </p:style>
+        <p:txBody>
+          <a:bodyPr rtlCol="0" anchor="ctr"/>
+          <a:lstStyle/>
+          <a:p>
+            <a:pPr algn="ctr"/>
+            <a:r>
+              <a:rPr lang="de-DE" dirty="0" smtClean="0"/>
+              <a:t>Falsches Passwort</a:t>
+            </a:r>
+            <a:endParaRPr lang="de-DE" dirty="0"/>
+          </a:p>
+        </p:txBody>
+      </p:sp>
+      <p:sp>
+        <p:nvSpPr>
+          <p:cNvPr id="11" name="Pfeil nach rechts 10"/>
+          <p:cNvSpPr/>
+          <p:nvPr/>
+        </p:nvSpPr>
+        <p:spPr>
+          <a:xfrm>
+            <a:off x="6389914" y="3483430"/>
+            <a:ext cx="2547257" cy="838200"/>
+          </a:xfrm>
+          <a:prstGeom prst="rightArrow">
+            <a:avLst/>
+          </a:prstGeom>
+        </p:spPr>
+        <p:style>
+          <a:lnRef idx="2">
+            <a:schemeClr val="accent1">
+              <a:shade val="50000"/>
+            </a:schemeClr>
+          </a:lnRef>
+          <a:fillRef idx="1">
+            <a:schemeClr val="accent1"/>
+          </a:fillRef>
+          <a:effectRef idx="0">
+            <a:schemeClr val="accent1"/>
+          </a:effectRef>
+          <a:fontRef idx="minor">
+            <a:schemeClr val="lt1"/>
+          </a:fontRef>
+        </p:style>
+        <p:txBody>
+          <a:bodyPr rtlCol="0" anchor="ctr"/>
+          <a:lstStyle/>
+          <a:p>
+            <a:pPr algn="ctr"/>
+            <a:endParaRPr lang="de-DE" dirty="0"/>
+          </a:p>
+        </p:txBody>
+      </p:sp>
+      <p:pic>
+        <p:nvPicPr>
+          <p:cNvPr id="3076" name="Picture 4" descr="http://www.clker.com/cliparts/b/W/B/r/n/A/yellow-sticky-md.png"/>
+          <p:cNvPicPr>
+            <a:picLocks noChangeAspect="1" noChangeArrowheads="1"/>
+          </p:cNvPicPr>
+          <p:nvPr/>
+        </p:nvPicPr>
+        <p:blipFill>
+          <a:blip r:embed="rId5"/>
+          <a:srcRect/>
+          <a:stretch>
+            <a:fillRect/>
+          </a:stretch>
+        </p:blipFill>
+        <p:spPr bwMode="auto">
+          <a:xfrm>
+            <a:off x="9410452" y="3015341"/>
+            <a:ext cx="2332966" cy="2169659"/>
+          </a:xfrm>
+          <a:prstGeom prst="rect">
+            <a:avLst/>
+          </a:prstGeom>
+          <a:noFill/>
+        </p:spPr>
+      </p:pic>
+      <p:sp>
+        <p:nvSpPr>
+          <p:cNvPr id="14" name="Textfeld 13"/>
+          <p:cNvSpPr txBox="1"/>
+          <p:nvPr/>
+        </p:nvSpPr>
+        <p:spPr>
+          <a:xfrm>
+            <a:off x="9688287" y="3211285"/>
+            <a:ext cx="1621971" cy="923330"/>
+          </a:xfrm>
+          <a:prstGeom prst="rect">
+            <a:avLst/>
+          </a:prstGeom>
+          <a:noFill/>
+        </p:spPr>
+        <p:txBody>
+          <a:bodyPr wrap="square" rtlCol="0">
+            <a:spAutoFit/>
+          </a:bodyPr>
+          <a:lstStyle/>
+          <a:p>
+            <a:r>
+              <a:rPr lang="de-DE" dirty="0" smtClean="0"/>
+              <a:t>Passwort:</a:t>
+            </a:r>
+          </a:p>
+          <a:p>
+            <a:endParaRPr lang="de-DE" dirty="0" smtClean="0"/>
+          </a:p>
+          <a:p>
+            <a:r>
+              <a:rPr lang="de-DE" dirty="0" err="1" smtClean="0"/>
+              <a:t>Jmn</a:t>
+            </a:r>
+            <a:r>
+              <a:rPr lang="de-DE" dirty="0" smtClean="0"/>
+              <a:t> </a:t>
+            </a:r>
+            <a:r>
+              <a:rPr lang="de-DE" dirty="0" err="1" smtClean="0"/>
+              <a:t>fgpdfk</a:t>
+            </a:r>
+            <a:endParaRPr lang="de-DE" dirty="0"/>
+          </a:p>
+        </p:txBody>
+      </p:sp>
     </p:spTree>
     <p:extLst>
       <p:ext uri="{BB962C8B-B14F-4D97-AF65-F5344CB8AC3E}">
-        <p14:creationId xmlns:p14="http://schemas.microsoft.com/office/powerpoint/2010/main" val="3216998357"/>
+        <p14:creationId xmlns:p14="http://schemas.microsoft.com/office/powerpoint/2010/main" xmlns="" val="4975384"/>
       </p:ext>
     </p:extLst>
   </p:cSld>
@@ -15925,33 +17376,27 @@
             <p:ph type="title"/>
           </p:nvPr>
         </p:nvSpPr>
-        <p:spPr>
-          <a:xfrm>
-            <a:off x="1154953" y="2370667"/>
-            <a:ext cx="9469503" cy="1822514"/>
-          </a:xfrm>
-        </p:spPr>
+        <p:spPr/>
         <p:txBody>
           <a:bodyPr/>
           <a:lstStyle/>
           <a:p>
-            <a:pPr algn="ctr"/>
             <a:r>
-              <a:rPr lang="de-DE" sz="5400" dirty="0" smtClean="0"/>
-              <a:t>Noch Fragen?</a:t>
+              <a:rPr lang="de-DE" dirty="0" smtClean="0"/>
+              <a:t>Werkzeugeinsatz</a:t>
             </a:r>
-            <a:endParaRPr lang="de-DE" sz="5400" dirty="0"/>
-          </a:p>
-        </p:txBody>
-      </p:sp>
-      <p:sp>
-        <p:nvSpPr>
-          <p:cNvPr id="5" name="Foliennummernplatzhalter 4"/>
+            <a:endParaRPr lang="de-DE" dirty="0"/>
+          </a:p>
+        </p:txBody>
+      </p:sp>
+      <p:sp>
+        <p:nvSpPr>
+          <p:cNvPr id="3" name="Inhaltsplatzhalter 2"/>
           <p:cNvSpPr>
             <a:spLocks noGrp="1"/>
           </p:cNvSpPr>
           <p:nvPr>
-            <p:ph type="sldNum" sz="quarter" idx="12"/>
+            <p:ph idx="1"/>
           </p:nvPr>
         </p:nvSpPr>
         <p:spPr/>
@@ -15959,12 +17404,7 @@
           <a:bodyPr/>
           <a:lstStyle/>
           <a:p>
-            <a:fld id="{D57F1E4F-1CFF-5643-939E-217C01CDF565}" type="slidenum">
-              <a:rPr lang="en-US" smtClean="0"/>
-              <a:pPr/>
-              <a:t>8</a:t>
-            </a:fld>
-            <a:endParaRPr lang="en-US" dirty="0"/>
+            <a:endParaRPr lang="de-DE" dirty="0"/>
           </a:p>
         </p:txBody>
       </p:sp>
@@ -15980,7 +17420,7 @@
           <a:blip r:embed="rId3">
             <a:extLst>
               <a:ext uri="{28A0092B-C50C-407E-A947-70E740481C1C}">
-                <a14:useLocalDpi xmlns:a14="http://schemas.microsoft.com/office/drawing/2010/main" val="0"/>
+                <a14:useLocalDpi xmlns:a14="http://schemas.microsoft.com/office/drawing/2010/main" xmlns="" val="0"/>
               </a:ext>
             </a:extLst>
           </a:blip>
@@ -16000,6 +17440,30 @@
       </p:pic>
       <p:sp>
         <p:nvSpPr>
+          <p:cNvPr id="5" name="Foliennummernplatzhalter 4"/>
+          <p:cNvSpPr>
+            <a:spLocks noGrp="1"/>
+          </p:cNvSpPr>
+          <p:nvPr>
+            <p:ph type="sldNum" sz="quarter" idx="12"/>
+          </p:nvPr>
+        </p:nvSpPr>
+        <p:spPr/>
+        <p:txBody>
+          <a:bodyPr/>
+          <a:lstStyle/>
+          <a:p>
+            <a:fld id="{D57F1E4F-1CFF-5643-939E-217C01CDF565}" type="slidenum">
+              <a:rPr lang="en-US" smtClean="0"/>
+              <a:pPr/>
+              <a:t>8</a:t>
+            </a:fld>
+            <a:endParaRPr lang="en-US" dirty="0"/>
+          </a:p>
+        </p:txBody>
+      </p:sp>
+      <p:sp>
+        <p:nvSpPr>
           <p:cNvPr id="6" name="Textfeld 5"/>
           <p:cNvSpPr txBox="1"/>
           <p:nvPr/>
@@ -16031,7 +17495,7 @@
     </p:spTree>
     <p:extLst>
       <p:ext uri="{BB962C8B-B14F-4D97-AF65-F5344CB8AC3E}">
-        <p14:creationId xmlns:p14="http://schemas.microsoft.com/office/powerpoint/2010/main" val="1786163146"/>
+        <p14:creationId xmlns:p14="http://schemas.microsoft.com/office/powerpoint/2010/main" xmlns="" val="14036120"/>
       </p:ext>
     </p:extLst>
   </p:cSld>
@@ -16075,20 +17539,14 @@
             <p:ph type="title"/>
           </p:nvPr>
         </p:nvSpPr>
-        <p:spPr>
-          <a:xfrm>
-            <a:off x="1154953" y="2370667"/>
-            <a:ext cx="9469503" cy="1822514"/>
-          </a:xfrm>
-        </p:spPr>
+        <p:spPr/>
         <p:txBody>
           <a:bodyPr/>
           <a:lstStyle/>
           <a:p>
-            <a:pPr algn="ctr"/>
             <a:r>
               <a:rPr lang="de-DE" dirty="0" smtClean="0"/>
-              <a:t>Vielen Dank für eure Aufmerksamkeit!</a:t>
+              <a:t>Demo</a:t>
             </a:r>
             <a:endParaRPr lang="de-DE" dirty="0"/>
           </a:p>
@@ -16096,12 +17554,12 @@
       </p:sp>
       <p:sp>
         <p:nvSpPr>
-          <p:cNvPr id="5" name="Foliennummernplatzhalter 4"/>
+          <p:cNvPr id="3" name="Inhaltsplatzhalter 2"/>
           <p:cNvSpPr>
             <a:spLocks noGrp="1"/>
           </p:cNvSpPr>
           <p:nvPr>
-            <p:ph type="sldNum" sz="quarter" idx="12"/>
+            <p:ph idx="1"/>
           </p:nvPr>
         </p:nvSpPr>
         <p:spPr/>
@@ -16109,12 +17567,7 @@
           <a:bodyPr/>
           <a:lstStyle/>
           <a:p>
-            <a:fld id="{D57F1E4F-1CFF-5643-939E-217C01CDF565}" type="slidenum">
-              <a:rPr lang="en-US" smtClean="0"/>
-              <a:pPr/>
-              <a:t>9</a:t>
-            </a:fld>
-            <a:endParaRPr lang="en-US" dirty="0"/>
+            <a:endParaRPr lang="de-DE" dirty="0"/>
           </a:p>
         </p:txBody>
       </p:sp>
@@ -16130,7 +17583,7 @@
           <a:blip r:embed="rId3">
             <a:extLst>
               <a:ext uri="{28A0092B-C50C-407E-A947-70E740481C1C}">
-                <a14:useLocalDpi xmlns:a14="http://schemas.microsoft.com/office/drawing/2010/main" val="0"/>
+                <a14:useLocalDpi xmlns:a14="http://schemas.microsoft.com/office/drawing/2010/main" xmlns="" val="0"/>
               </a:ext>
             </a:extLst>
           </a:blip>
@@ -16150,6 +17603,30 @@
       </p:pic>
       <p:sp>
         <p:nvSpPr>
+          <p:cNvPr id="5" name="Foliennummernplatzhalter 4"/>
+          <p:cNvSpPr>
+            <a:spLocks noGrp="1"/>
+          </p:cNvSpPr>
+          <p:nvPr>
+            <p:ph type="sldNum" sz="quarter" idx="12"/>
+          </p:nvPr>
+        </p:nvSpPr>
+        <p:spPr/>
+        <p:txBody>
+          <a:bodyPr/>
+          <a:lstStyle/>
+          <a:p>
+            <a:fld id="{D57F1E4F-1CFF-5643-939E-217C01CDF565}" type="slidenum">
+              <a:rPr lang="en-US" smtClean="0"/>
+              <a:pPr/>
+              <a:t>9</a:t>
+            </a:fld>
+            <a:endParaRPr lang="en-US" dirty="0"/>
+          </a:p>
+        </p:txBody>
+      </p:sp>
+      <p:sp>
+        <p:nvSpPr>
           <p:cNvPr id="6" name="Textfeld 5"/>
           <p:cNvSpPr txBox="1"/>
           <p:nvPr/>
@@ -16181,13 +17658,21 @@
     </p:spTree>
     <p:extLst>
       <p:ext uri="{BB962C8B-B14F-4D97-AF65-F5344CB8AC3E}">
-        <p14:creationId xmlns:p14="http://schemas.microsoft.com/office/powerpoint/2010/main" val="1278744805"/>
+        <p14:creationId xmlns:p14="http://schemas.microsoft.com/office/powerpoint/2010/main" xmlns="" val="3667091251"/>
       </p:ext>
     </p:extLst>
   </p:cSld>
   <p:clrMapOvr>
     <a:masterClrMapping/>
   </p:clrMapOvr>
+  <mc:AlternateContent xmlns:mc="http://schemas.openxmlformats.org/markup-compatibility/2006">
+    <mc:Choice xmlns:p14="http://schemas.microsoft.com/office/powerpoint/2010/main" xmlns="" Requires="p14">
+      <p:transition spd="slow" p14:dur="2000"/>
+    </mc:Choice>
+    <mc:Fallback>
+      <p:transition spd="slow"/>
+    </mc:Fallback>
+  </mc:AlternateContent>
   <p:timing>
     <p:tnLst>
       <p:par>
@@ -16241,7 +17726,7 @@
     </a:clrScheme>
     <a:fontScheme name="Ion Boardroom">
       <a:majorFont>
-        <a:latin typeface="Century Gothic" panose="020B0502020202020204"/>
+        <a:latin typeface="Century Gothic"/>
         <a:ea typeface=""/>
         <a:cs typeface=""/>
         <a:font script="Jpan" typeface="メイリオ"/>
@@ -16276,7 +17761,7 @@
         <a:font script="Geor" typeface="Sylfaen"/>
       </a:majorFont>
       <a:minorFont>
-        <a:latin typeface="Century Gothic" panose="020B0502020202020204"/>
+        <a:latin typeface="Century Gothic"/>
         <a:ea typeface=""/>
         <a:cs typeface=""/>
         <a:font script="Jpan" typeface="メイリオ"/>
@@ -16457,7 +17942,7 @@
   <a:extraClrSchemeLst/>
   <a:extLst>
     <a:ext uri="{05A4C25C-085E-4340-85A3-A5531E510DB2}">
-      <thm15:themeFamily xmlns:thm15="http://schemas.microsoft.com/office/thememl/2012/main" name="Ion Boardroom" id="{FC33163D-4339-46B1-8EED-24C834239D99}" vid="{A3AB87EF-B655-4FFF-8D05-F333AD7F2789}"/>
+      <thm15:themeFamily xmlns:thm15="http://schemas.microsoft.com/office/thememl/2012/main" xmlns="" name="Ion Boardroom" id="{FC33163D-4339-46B1-8EED-24C834239D99}" vid="{A3AB87EF-B655-4FFF-8D05-F333AD7F2789}"/>
     </a:ext>
   </a:extLst>
 </a:theme>
@@ -16506,7 +17991,7 @@
     </a:clrScheme>
     <a:fontScheme name="Office">
       <a:majorFont>
-        <a:latin typeface="Calibri Light" panose="020F0302020204030204"/>
+        <a:latin typeface="Calibri Light"/>
         <a:ea typeface=""/>
         <a:cs typeface=""/>
         <a:font script="Jpan" typeface="ＭＳ Ｐゴシック"/>
@@ -16541,7 +18026,7 @@
         <a:font script="Geor" typeface="Sylfaen"/>
       </a:majorFont>
       <a:minorFont>
-        <a:latin typeface="Calibri" panose="020F0502020204030204"/>
+        <a:latin typeface="Calibri"/>
         <a:ea typeface=""/>
         <a:cs typeface=""/>
         <a:font script="Jpan" typeface="ＭＳ Ｐゴシック"/>
@@ -16718,7 +18203,7 @@
   <a:extraClrSchemeLst/>
   <a:extLst>
     <a:ext uri="{05A4C25C-085E-4340-85A3-A5531E510DB2}">
-      <thm15:themeFamily xmlns:thm15="http://schemas.microsoft.com/office/thememl/2012/main" name="Office Theme" id="{62F939B6-93AF-4DB8-9C6B-D6C7DFDC589F}" vid="{4A3C46E8-61CC-4603-A589-7422A47A8E4A}"/>
+      <thm15:themeFamily xmlns:thm15="http://schemas.microsoft.com/office/thememl/2012/main" xmlns="" name="Office Theme" id="{62F939B6-93AF-4DB8-9C6B-D6C7DFDC589F}" vid="{4A3C46E8-61CC-4603-A589-7422A47A8E4A}"/>
     </a:ext>
   </a:extLst>
 </a:theme>

--- a/Dokumentation/PWSafe Präsentation.pptx
+++ b/Dokumentation/PWSafe Präsentation.pptx
@@ -5,7 +5,7 @@
     <p:sldMasterId id="2147483648" r:id="rId1"/>
   </p:sldMasterIdLst>
   <p:notesMasterIdLst>
-    <p:notesMasterId r:id="rId15"/>
+    <p:notesMasterId r:id="rId19"/>
   </p:notesMasterIdLst>
   <p:sldIdLst>
     <p:sldId id="256" r:id="rId2"/>
@@ -16,11 +16,15 @@
     <p:sldId id="268" r:id="rId7"/>
     <p:sldId id="269" r:id="rId8"/>
     <p:sldId id="260" r:id="rId9"/>
-    <p:sldId id="261" r:id="rId10"/>
-    <p:sldId id="262" r:id="rId11"/>
-    <p:sldId id="263" r:id="rId12"/>
-    <p:sldId id="264" r:id="rId13"/>
-    <p:sldId id="265" r:id="rId14"/>
+    <p:sldId id="270" r:id="rId10"/>
+    <p:sldId id="271" r:id="rId11"/>
+    <p:sldId id="272" r:id="rId12"/>
+    <p:sldId id="273" r:id="rId13"/>
+    <p:sldId id="261" r:id="rId14"/>
+    <p:sldId id="262" r:id="rId15"/>
+    <p:sldId id="263" r:id="rId16"/>
+    <p:sldId id="264" r:id="rId17"/>
+    <p:sldId id="265" r:id="rId18"/>
   </p:sldIdLst>
   <p:sldSz cx="12192000" cy="6858000"/>
   <p:notesSz cx="6858000" cy="9144000"/>
@@ -121,10 +125,21 @@
   </p:defaultTextStyle>
   <p:extLst>
     <p:ext uri="{EFAFB233-063F-42B5-8137-9DF3F51BA10A}">
-      <p15:sldGuideLst xmlns:p15="http://schemas.microsoft.com/office/powerpoint/2012/main" xmlns=""/>
+      <p15:sldGuideLst xmlns:p15="http://schemas.microsoft.com/office/powerpoint/2012/main">
+        <p15:guide id="1" orient="horz" pos="2160">
+          <p15:clr>
+            <a:srgbClr val="A4A3A4"/>
+          </p15:clr>
+        </p15:guide>
+        <p15:guide id="2" pos="3840">
+          <p15:clr>
+            <a:srgbClr val="A4A3A4"/>
+          </p15:clr>
+        </p15:guide>
+      </p15:sldGuideLst>
     </p:ext>
     <p:ext uri="{2D200454-40CA-4A62-9FC3-DE9A4176ACB9}">
-      <p15:notesGuideLst xmlns:p15="http://schemas.microsoft.com/office/powerpoint/2012/main" xmlns=""/>
+      <p15:notesGuideLst xmlns:p15="http://schemas.microsoft.com/office/powerpoint/2012/main"/>
     </p:ext>
   </p:extLst>
 </p:presentation>
@@ -213,7 +228,7 @@
             <a:fld id="{B4AA8B1B-A85F-43ED-A41A-985067DF8577}" type="datetimeFigureOut">
               <a:rPr lang="de-DE" smtClean="0"/>
               <a:pPr/>
-              <a:t>08.02.2015</a:t>
+              <a:t>09.02.2015</a:t>
             </a:fld>
             <a:endParaRPr lang="de-DE"/>
           </a:p>
@@ -382,7 +397,7 @@
     </p:spTree>
     <p:extLst>
       <p:ext uri="{BB962C8B-B14F-4D97-AF65-F5344CB8AC3E}">
-        <p14:creationId xmlns:p14="http://schemas.microsoft.com/office/powerpoint/2010/main" xmlns="" val="2805633478"/>
+        <p14:creationId xmlns:p14="http://schemas.microsoft.com/office/powerpoint/2010/main" val="2805633478"/>
       </p:ext>
     </p:extLst>
   </p:cSld>
@@ -557,7 +572,7 @@
     </p:spTree>
     <p:extLst>
       <p:ext uri="{BB962C8B-B14F-4D97-AF65-F5344CB8AC3E}">
-        <p14:creationId xmlns:p14="http://schemas.microsoft.com/office/powerpoint/2010/main" xmlns="" val="855943066"/>
+        <p14:creationId xmlns:p14="http://schemas.microsoft.com/office/powerpoint/2010/main" val="855943066"/>
       </p:ext>
     </p:extLst>
   </p:cSld>
@@ -642,7 +657,7 @@
     </p:spTree>
     <p:extLst>
       <p:ext uri="{BB962C8B-B14F-4D97-AF65-F5344CB8AC3E}">
-        <p14:creationId xmlns:p14="http://schemas.microsoft.com/office/powerpoint/2010/main" xmlns="" val="3297351362"/>
+        <p14:creationId xmlns:p14="http://schemas.microsoft.com/office/powerpoint/2010/main" val="2145289091"/>
       </p:ext>
     </p:extLst>
   </p:cSld>
@@ -727,7 +742,7 @@
     </p:spTree>
     <p:extLst>
       <p:ext uri="{BB962C8B-B14F-4D97-AF65-F5344CB8AC3E}">
-        <p14:creationId xmlns:p14="http://schemas.microsoft.com/office/powerpoint/2010/main" xmlns="" val="784737350"/>
+        <p14:creationId xmlns:p14="http://schemas.microsoft.com/office/powerpoint/2010/main" val="461146694"/>
       </p:ext>
     </p:extLst>
   </p:cSld>
@@ -812,7 +827,347 @@
     </p:spTree>
     <p:extLst>
       <p:ext uri="{BB962C8B-B14F-4D97-AF65-F5344CB8AC3E}">
-        <p14:creationId xmlns:p14="http://schemas.microsoft.com/office/powerpoint/2010/main" xmlns="" val="1066156749"/>
+        <p14:creationId xmlns:p14="http://schemas.microsoft.com/office/powerpoint/2010/main" val="4219797847"/>
+      </p:ext>
+    </p:extLst>
+  </p:cSld>
+  <p:clrMapOvr>
+    <a:masterClrMapping/>
+  </p:clrMapOvr>
+</p:notes>
+</file>
+
+<file path=ppt/notesSlides/notesSlide13.xml><?xml version="1.0" encoding="utf-8"?>
+<p:notes xmlns:a="http://schemas.openxmlformats.org/drawingml/2006/main" xmlns:r="http://schemas.openxmlformats.org/officeDocument/2006/relationships" xmlns:p="http://schemas.openxmlformats.org/presentationml/2006/main">
+  <p:cSld>
+    <p:spTree>
+      <p:nvGrpSpPr>
+        <p:cNvPr id="1" name=""/>
+        <p:cNvGrpSpPr/>
+        <p:nvPr/>
+      </p:nvGrpSpPr>
+      <p:grpSpPr>
+        <a:xfrm>
+          <a:off x="0" y="0"/>
+          <a:ext cx="0" cy="0"/>
+          <a:chOff x="0" y="0"/>
+          <a:chExt cx="0" cy="0"/>
+        </a:xfrm>
+      </p:grpSpPr>
+      <p:sp>
+        <p:nvSpPr>
+          <p:cNvPr id="2" name="Folienbildplatzhalter 1"/>
+          <p:cNvSpPr>
+            <a:spLocks noGrp="1" noRot="1" noChangeAspect="1"/>
+          </p:cNvSpPr>
+          <p:nvPr>
+            <p:ph type="sldImg"/>
+          </p:nvPr>
+        </p:nvSpPr>
+        <p:spPr/>
+      </p:sp>
+      <p:sp>
+        <p:nvSpPr>
+          <p:cNvPr id="3" name="Notizenplatzhalter 2"/>
+          <p:cNvSpPr>
+            <a:spLocks noGrp="1"/>
+          </p:cNvSpPr>
+          <p:nvPr>
+            <p:ph type="body" idx="1"/>
+          </p:nvPr>
+        </p:nvSpPr>
+        <p:spPr/>
+        <p:txBody>
+          <a:bodyPr/>
+          <a:lstStyle/>
+          <a:p>
+            <a:endParaRPr lang="de-DE"/>
+          </a:p>
+        </p:txBody>
+      </p:sp>
+      <p:sp>
+        <p:nvSpPr>
+          <p:cNvPr id="4" name="Foliennummernplatzhalter 3"/>
+          <p:cNvSpPr>
+            <a:spLocks noGrp="1"/>
+          </p:cNvSpPr>
+          <p:nvPr>
+            <p:ph type="sldNum" sz="quarter" idx="10"/>
+          </p:nvPr>
+        </p:nvSpPr>
+        <p:spPr/>
+        <p:txBody>
+          <a:bodyPr/>
+          <a:lstStyle/>
+          <a:p>
+            <a:fld id="{05D1FABD-69C2-49F9-BD91-F05E017FE538}" type="slidenum">
+              <a:rPr lang="de-DE" smtClean="0"/>
+              <a:pPr/>
+              <a:t>14</a:t>
+            </a:fld>
+            <a:endParaRPr lang="de-DE"/>
+          </a:p>
+        </p:txBody>
+      </p:sp>
+    </p:spTree>
+    <p:extLst>
+      <p:ext uri="{BB962C8B-B14F-4D97-AF65-F5344CB8AC3E}">
+        <p14:creationId xmlns:p14="http://schemas.microsoft.com/office/powerpoint/2010/main" val="1066156749"/>
+      </p:ext>
+    </p:extLst>
+  </p:cSld>
+  <p:clrMapOvr>
+    <a:masterClrMapping/>
+  </p:clrMapOvr>
+</p:notes>
+</file>
+
+<file path=ppt/notesSlides/notesSlide14.xml><?xml version="1.0" encoding="utf-8"?>
+<p:notes xmlns:a="http://schemas.openxmlformats.org/drawingml/2006/main" xmlns:r="http://schemas.openxmlformats.org/officeDocument/2006/relationships" xmlns:p="http://schemas.openxmlformats.org/presentationml/2006/main">
+  <p:cSld>
+    <p:spTree>
+      <p:nvGrpSpPr>
+        <p:cNvPr id="1" name=""/>
+        <p:cNvGrpSpPr/>
+        <p:nvPr/>
+      </p:nvGrpSpPr>
+      <p:grpSpPr>
+        <a:xfrm>
+          <a:off x="0" y="0"/>
+          <a:ext cx="0" cy="0"/>
+          <a:chOff x="0" y="0"/>
+          <a:chExt cx="0" cy="0"/>
+        </a:xfrm>
+      </p:grpSpPr>
+      <p:sp>
+        <p:nvSpPr>
+          <p:cNvPr id="2" name="Folienbildplatzhalter 1"/>
+          <p:cNvSpPr>
+            <a:spLocks noGrp="1" noRot="1" noChangeAspect="1"/>
+          </p:cNvSpPr>
+          <p:nvPr>
+            <p:ph type="sldImg"/>
+          </p:nvPr>
+        </p:nvSpPr>
+        <p:spPr/>
+      </p:sp>
+      <p:sp>
+        <p:nvSpPr>
+          <p:cNvPr id="3" name="Notizenplatzhalter 2"/>
+          <p:cNvSpPr>
+            <a:spLocks noGrp="1"/>
+          </p:cNvSpPr>
+          <p:nvPr>
+            <p:ph type="body" idx="1"/>
+          </p:nvPr>
+        </p:nvSpPr>
+        <p:spPr/>
+        <p:txBody>
+          <a:bodyPr/>
+          <a:lstStyle/>
+          <a:p>
+            <a:endParaRPr lang="de-DE"/>
+          </a:p>
+        </p:txBody>
+      </p:sp>
+      <p:sp>
+        <p:nvSpPr>
+          <p:cNvPr id="4" name="Foliennummernplatzhalter 3"/>
+          <p:cNvSpPr>
+            <a:spLocks noGrp="1"/>
+          </p:cNvSpPr>
+          <p:nvPr>
+            <p:ph type="sldNum" sz="quarter" idx="10"/>
+          </p:nvPr>
+        </p:nvSpPr>
+        <p:spPr/>
+        <p:txBody>
+          <a:bodyPr/>
+          <a:lstStyle/>
+          <a:p>
+            <a:fld id="{05D1FABD-69C2-49F9-BD91-F05E017FE538}" type="slidenum">
+              <a:rPr lang="de-DE" smtClean="0"/>
+              <a:pPr/>
+              <a:t>15</a:t>
+            </a:fld>
+            <a:endParaRPr lang="de-DE"/>
+          </a:p>
+        </p:txBody>
+      </p:sp>
+    </p:spTree>
+    <p:extLst>
+      <p:ext uri="{BB962C8B-B14F-4D97-AF65-F5344CB8AC3E}">
+        <p14:creationId xmlns:p14="http://schemas.microsoft.com/office/powerpoint/2010/main" val="3297351362"/>
+      </p:ext>
+    </p:extLst>
+  </p:cSld>
+  <p:clrMapOvr>
+    <a:masterClrMapping/>
+  </p:clrMapOvr>
+</p:notes>
+</file>
+
+<file path=ppt/notesSlides/notesSlide15.xml><?xml version="1.0" encoding="utf-8"?>
+<p:notes xmlns:a="http://schemas.openxmlformats.org/drawingml/2006/main" xmlns:r="http://schemas.openxmlformats.org/officeDocument/2006/relationships" xmlns:p="http://schemas.openxmlformats.org/presentationml/2006/main">
+  <p:cSld>
+    <p:spTree>
+      <p:nvGrpSpPr>
+        <p:cNvPr id="1" name=""/>
+        <p:cNvGrpSpPr/>
+        <p:nvPr/>
+      </p:nvGrpSpPr>
+      <p:grpSpPr>
+        <a:xfrm>
+          <a:off x="0" y="0"/>
+          <a:ext cx="0" cy="0"/>
+          <a:chOff x="0" y="0"/>
+          <a:chExt cx="0" cy="0"/>
+        </a:xfrm>
+      </p:grpSpPr>
+      <p:sp>
+        <p:nvSpPr>
+          <p:cNvPr id="2" name="Folienbildplatzhalter 1"/>
+          <p:cNvSpPr>
+            <a:spLocks noGrp="1" noRot="1" noChangeAspect="1"/>
+          </p:cNvSpPr>
+          <p:nvPr>
+            <p:ph type="sldImg"/>
+          </p:nvPr>
+        </p:nvSpPr>
+        <p:spPr/>
+      </p:sp>
+      <p:sp>
+        <p:nvSpPr>
+          <p:cNvPr id="3" name="Notizenplatzhalter 2"/>
+          <p:cNvSpPr>
+            <a:spLocks noGrp="1"/>
+          </p:cNvSpPr>
+          <p:nvPr>
+            <p:ph type="body" idx="1"/>
+          </p:nvPr>
+        </p:nvSpPr>
+        <p:spPr/>
+        <p:txBody>
+          <a:bodyPr/>
+          <a:lstStyle/>
+          <a:p>
+            <a:endParaRPr lang="de-DE"/>
+          </a:p>
+        </p:txBody>
+      </p:sp>
+      <p:sp>
+        <p:nvSpPr>
+          <p:cNvPr id="4" name="Foliennummernplatzhalter 3"/>
+          <p:cNvSpPr>
+            <a:spLocks noGrp="1"/>
+          </p:cNvSpPr>
+          <p:nvPr>
+            <p:ph type="sldNum" sz="quarter" idx="10"/>
+          </p:nvPr>
+        </p:nvSpPr>
+        <p:spPr/>
+        <p:txBody>
+          <a:bodyPr/>
+          <a:lstStyle/>
+          <a:p>
+            <a:fld id="{05D1FABD-69C2-49F9-BD91-F05E017FE538}" type="slidenum">
+              <a:rPr lang="de-DE" smtClean="0"/>
+              <a:pPr/>
+              <a:t>16</a:t>
+            </a:fld>
+            <a:endParaRPr lang="de-DE"/>
+          </a:p>
+        </p:txBody>
+      </p:sp>
+    </p:spTree>
+    <p:extLst>
+      <p:ext uri="{BB962C8B-B14F-4D97-AF65-F5344CB8AC3E}">
+        <p14:creationId xmlns:p14="http://schemas.microsoft.com/office/powerpoint/2010/main" val="784737350"/>
+      </p:ext>
+    </p:extLst>
+  </p:cSld>
+  <p:clrMapOvr>
+    <a:masterClrMapping/>
+  </p:clrMapOvr>
+</p:notes>
+</file>
+
+<file path=ppt/notesSlides/notesSlide16.xml><?xml version="1.0" encoding="utf-8"?>
+<p:notes xmlns:a="http://schemas.openxmlformats.org/drawingml/2006/main" xmlns:r="http://schemas.openxmlformats.org/officeDocument/2006/relationships" xmlns:p="http://schemas.openxmlformats.org/presentationml/2006/main">
+  <p:cSld>
+    <p:spTree>
+      <p:nvGrpSpPr>
+        <p:cNvPr id="1" name=""/>
+        <p:cNvGrpSpPr/>
+        <p:nvPr/>
+      </p:nvGrpSpPr>
+      <p:grpSpPr>
+        <a:xfrm>
+          <a:off x="0" y="0"/>
+          <a:ext cx="0" cy="0"/>
+          <a:chOff x="0" y="0"/>
+          <a:chExt cx="0" cy="0"/>
+        </a:xfrm>
+      </p:grpSpPr>
+      <p:sp>
+        <p:nvSpPr>
+          <p:cNvPr id="2" name="Folienbildplatzhalter 1"/>
+          <p:cNvSpPr>
+            <a:spLocks noGrp="1" noRot="1" noChangeAspect="1"/>
+          </p:cNvSpPr>
+          <p:nvPr>
+            <p:ph type="sldImg"/>
+          </p:nvPr>
+        </p:nvSpPr>
+        <p:spPr/>
+      </p:sp>
+      <p:sp>
+        <p:nvSpPr>
+          <p:cNvPr id="3" name="Notizenplatzhalter 2"/>
+          <p:cNvSpPr>
+            <a:spLocks noGrp="1"/>
+          </p:cNvSpPr>
+          <p:nvPr>
+            <p:ph type="body" idx="1"/>
+          </p:nvPr>
+        </p:nvSpPr>
+        <p:spPr/>
+        <p:txBody>
+          <a:bodyPr/>
+          <a:lstStyle/>
+          <a:p>
+            <a:endParaRPr lang="de-DE"/>
+          </a:p>
+        </p:txBody>
+      </p:sp>
+      <p:sp>
+        <p:nvSpPr>
+          <p:cNvPr id="4" name="Foliennummernplatzhalter 3"/>
+          <p:cNvSpPr>
+            <a:spLocks noGrp="1"/>
+          </p:cNvSpPr>
+          <p:nvPr>
+            <p:ph type="sldNum" sz="quarter" idx="10"/>
+          </p:nvPr>
+        </p:nvSpPr>
+        <p:spPr/>
+        <p:txBody>
+          <a:bodyPr/>
+          <a:lstStyle/>
+          <a:p>
+            <a:fld id="{05D1FABD-69C2-49F9-BD91-F05E017FE538}" type="slidenum">
+              <a:rPr lang="de-DE" smtClean="0"/>
+              <a:pPr/>
+              <a:t>17</a:t>
+            </a:fld>
+            <a:endParaRPr lang="de-DE"/>
+          </a:p>
+        </p:txBody>
+      </p:sp>
+    </p:spTree>
+    <p:extLst>
+      <p:ext uri="{BB962C8B-B14F-4D97-AF65-F5344CB8AC3E}">
+        <p14:creationId xmlns:p14="http://schemas.microsoft.com/office/powerpoint/2010/main" val="1066156749"/>
       </p:ext>
     </p:extLst>
   </p:cSld>
@@ -897,7 +1252,7 @@
     </p:spTree>
     <p:extLst>
       <p:ext uri="{BB962C8B-B14F-4D97-AF65-F5344CB8AC3E}">
-        <p14:creationId xmlns:p14="http://schemas.microsoft.com/office/powerpoint/2010/main" xmlns="" val="930434972"/>
+        <p14:creationId xmlns:p14="http://schemas.microsoft.com/office/powerpoint/2010/main" val="930434972"/>
       </p:ext>
     </p:extLst>
   </p:cSld>
@@ -1001,7 +1356,7 @@
     </p:spTree>
     <p:extLst>
       <p:ext uri="{BB962C8B-B14F-4D97-AF65-F5344CB8AC3E}">
-        <p14:creationId xmlns:p14="http://schemas.microsoft.com/office/powerpoint/2010/main" xmlns="" val="1928648976"/>
+        <p14:creationId xmlns:p14="http://schemas.microsoft.com/office/powerpoint/2010/main" val="1928648976"/>
       </p:ext>
     </p:extLst>
   </p:cSld>
@@ -1086,7 +1441,7 @@
     </p:spTree>
     <p:extLst>
       <p:ext uri="{BB962C8B-B14F-4D97-AF65-F5344CB8AC3E}">
-        <p14:creationId xmlns:p14="http://schemas.microsoft.com/office/powerpoint/2010/main" xmlns="" val="1928648976"/>
+        <p14:creationId xmlns:p14="http://schemas.microsoft.com/office/powerpoint/2010/main" val="1928648976"/>
       </p:ext>
     </p:extLst>
   </p:cSld>
@@ -1171,7 +1526,7 @@
     </p:spTree>
     <p:extLst>
       <p:ext uri="{BB962C8B-B14F-4D97-AF65-F5344CB8AC3E}">
-        <p14:creationId xmlns:p14="http://schemas.microsoft.com/office/powerpoint/2010/main" xmlns="" val="1928648976"/>
+        <p14:creationId xmlns:p14="http://schemas.microsoft.com/office/powerpoint/2010/main" val="1928648976"/>
       </p:ext>
     </p:extLst>
   </p:cSld>
@@ -1256,7 +1611,7 @@
     </p:spTree>
     <p:extLst>
       <p:ext uri="{BB962C8B-B14F-4D97-AF65-F5344CB8AC3E}">
-        <p14:creationId xmlns:p14="http://schemas.microsoft.com/office/powerpoint/2010/main" xmlns="" val="1928648976"/>
+        <p14:creationId xmlns:p14="http://schemas.microsoft.com/office/powerpoint/2010/main" val="1928648976"/>
       </p:ext>
     </p:extLst>
   </p:cSld>
@@ -1341,7 +1696,7 @@
     </p:spTree>
     <p:extLst>
       <p:ext uri="{BB962C8B-B14F-4D97-AF65-F5344CB8AC3E}">
-        <p14:creationId xmlns:p14="http://schemas.microsoft.com/office/powerpoint/2010/main" xmlns="" val="1705752707"/>
+        <p14:creationId xmlns:p14="http://schemas.microsoft.com/office/powerpoint/2010/main" val="1705752707"/>
       </p:ext>
     </p:extLst>
   </p:cSld>
@@ -1426,7 +1781,7 @@
     </p:spTree>
     <p:extLst>
       <p:ext uri="{BB962C8B-B14F-4D97-AF65-F5344CB8AC3E}">
-        <p14:creationId xmlns:p14="http://schemas.microsoft.com/office/powerpoint/2010/main" xmlns="" val="4219797847"/>
+        <p14:creationId xmlns:p14="http://schemas.microsoft.com/office/powerpoint/2010/main" val="562466078"/>
       </p:ext>
     </p:extLst>
   </p:cSld>
@@ -1511,7 +1866,7 @@
     </p:spTree>
     <p:extLst>
       <p:ext uri="{BB962C8B-B14F-4D97-AF65-F5344CB8AC3E}">
-        <p14:creationId xmlns:p14="http://schemas.microsoft.com/office/powerpoint/2010/main" xmlns="" val="1066156749"/>
+        <p14:creationId xmlns:p14="http://schemas.microsoft.com/office/powerpoint/2010/main" val="3199242385"/>
       </p:ext>
     </p:extLst>
   </p:cSld>
@@ -2168,7 +2523,7 @@
             <a:fld id="{9EE47043-14B9-45DE-A7CA-B819D3DB7940}" type="datetime1">
               <a:rPr lang="en-US" smtClean="0"/>
               <a:pPr/>
-              <a:t>2/8/2015</a:t>
+              <a:t>2/9/2015</a:t>
             </a:fld>
             <a:endParaRPr lang="en-US" dirty="0"/>
           </a:p>
@@ -3289,7 +3644,7 @@
             <a:fld id="{15FDD389-1C4B-4991-9D1B-BD9CD8DAD448}" type="datetime1">
               <a:rPr lang="en-US" smtClean="0"/>
               <a:pPr/>
-              <a:t>2/8/2015</a:t>
+              <a:t>2/9/2015</a:t>
             </a:fld>
             <a:endParaRPr lang="en-US" dirty="0"/>
           </a:p>
@@ -4301,7 +4656,7 @@
             <a:fld id="{DBEDE645-84E4-46C4-8BBB-B45E79B0BDF2}" type="datetime1">
               <a:rPr lang="en-US" smtClean="0"/>
               <a:pPr/>
-              <a:t>2/8/2015</a:t>
+              <a:t>2/9/2015</a:t>
             </a:fld>
             <a:endParaRPr lang="en-US" dirty="0"/>
           </a:p>
@@ -5472,7 +5827,7 @@
             <a:fld id="{FD30094F-A1C4-4AA8-B240-0E360656DACC}" type="datetime1">
               <a:rPr lang="en-US" smtClean="0"/>
               <a:pPr/>
-              <a:t>2/8/2015</a:t>
+              <a:t>2/9/2015</a:t>
             </a:fld>
             <a:endParaRPr lang="en-US" dirty="0"/>
           </a:p>
@@ -6534,7 +6889,7 @@
             <a:fld id="{114DEC2F-D236-4161-B7A9-058AD50973F4}" type="datetime1">
               <a:rPr lang="en-US" smtClean="0"/>
               <a:pPr/>
-              <a:t>2/8/2015</a:t>
+              <a:t>2/9/2015</a:t>
             </a:fld>
             <a:endParaRPr lang="en-US" dirty="0"/>
           </a:p>
@@ -7181,7 +7536,7 @@
             <a:fld id="{7246F925-6776-418A-B9D5-2FE6DDC7FF5E}" type="datetime1">
               <a:rPr lang="en-US" smtClean="0"/>
               <a:pPr/>
-              <a:t>2/8/2015</a:t>
+              <a:t>2/9/2015</a:t>
             </a:fld>
             <a:endParaRPr lang="en-US" dirty="0"/>
           </a:p>
@@ -8029,7 +8384,7 @@
             <a:fld id="{AA091E32-8210-42E1-A5E3-AE4F3B2BA67C}" type="datetime1">
               <a:rPr lang="en-US" smtClean="0"/>
               <a:pPr/>
-              <a:t>2/8/2015</a:t>
+              <a:t>2/9/2015</a:t>
             </a:fld>
             <a:endParaRPr lang="en-US" dirty="0"/>
           </a:p>
@@ -8205,7 +8560,7 @@
             <a:fld id="{A8F96028-6369-409B-B015-BD4E873D97AE}" type="datetime1">
               <a:rPr lang="en-US" smtClean="0"/>
               <a:pPr/>
-              <a:t>2/8/2015</a:t>
+              <a:t>2/9/2015</a:t>
             </a:fld>
             <a:endParaRPr lang="en-US" dirty="0"/>
           </a:p>
@@ -9204,7 +9559,7 @@
             <a:fld id="{1EC1EEDA-5C8D-4FAD-B380-0B1111C6C6FD}" type="datetime1">
               <a:rPr lang="en-US" smtClean="0"/>
               <a:pPr/>
-              <a:t>2/8/2015</a:t>
+              <a:t>2/9/2015</a:t>
             </a:fld>
             <a:endParaRPr lang="en-US" dirty="0"/>
           </a:p>
@@ -9411,7 +9766,7 @@
             <a:fld id="{17201E69-94FE-46D8-8C9F-233CA2EAF49D}" type="datetime1">
               <a:rPr lang="en-US" smtClean="0"/>
               <a:pPr/>
-              <a:t>2/8/2015</a:t>
+              <a:t>2/9/2015</a:t>
             </a:fld>
             <a:endParaRPr lang="en-US" dirty="0"/>
           </a:p>
@@ -10474,7 +10829,7 @@
             <a:fld id="{9229E780-8742-4F41-A7DD-8A533C34BC62}" type="datetime1">
               <a:rPr lang="en-US" smtClean="0"/>
               <a:pPr/>
-              <a:t>2/8/2015</a:t>
+              <a:t>2/9/2015</a:t>
             </a:fld>
             <a:endParaRPr lang="en-US" dirty="0"/>
           </a:p>
@@ -10747,7 +11102,7 @@
             <a:fld id="{3B91D532-264E-494B-BCB4-085A06E95C4C}" type="datetime1">
               <a:rPr lang="en-US" smtClean="0"/>
               <a:pPr/>
-              <a:t>2/8/2015</a:t>
+              <a:t>2/9/2015</a:t>
             </a:fld>
             <a:endParaRPr lang="en-US" dirty="0"/>
           </a:p>
@@ -11130,7 +11485,7 @@
             <a:fld id="{13078452-A4DA-42F9-8E52-EBBBBBF20BDF}" type="datetime1">
               <a:rPr lang="en-US" smtClean="0"/>
               <a:pPr/>
-              <a:t>2/8/2015</a:t>
+              <a:t>2/9/2015</a:t>
             </a:fld>
             <a:endParaRPr lang="en-US" dirty="0"/>
           </a:p>
@@ -11249,7 +11604,7 @@
             <a:fld id="{1433EC71-6044-490A-9B40-8B48B52B7377}" type="datetime1">
               <a:rPr lang="en-US" smtClean="0"/>
               <a:pPr/>
-              <a:t>2/8/2015</a:t>
+              <a:t>2/9/2015</a:t>
             </a:fld>
             <a:endParaRPr lang="en-US" dirty="0"/>
           </a:p>
@@ -11345,7 +11700,7 @@
             <a:fld id="{05B9864E-D461-4420-9A61-69708EA906EF}" type="datetime1">
               <a:rPr lang="en-US" smtClean="0"/>
               <a:pPr/>
-              <a:t>2/8/2015</a:t>
+              <a:t>2/9/2015</a:t>
             </a:fld>
             <a:endParaRPr lang="en-US" dirty="0"/>
           </a:p>
@@ -12455,7 +12810,7 @@
             <a:fld id="{B45F0798-91BD-41E8-A317-14713D4B5C46}" type="datetime1">
               <a:rPr lang="en-US" smtClean="0"/>
               <a:pPr/>
-              <a:t>2/8/2015</a:t>
+              <a:t>2/9/2015</a:t>
             </a:fld>
             <a:endParaRPr lang="en-US" dirty="0"/>
           </a:p>
@@ -13589,7 +13944,7 @@
             <a:fld id="{2A2492AA-6B4D-44C1-A4C5-776C8CBEDC88}" type="datetime1">
               <a:rPr lang="en-US" smtClean="0"/>
               <a:pPr/>
-              <a:t>2/8/2015</a:t>
+              <a:t>2/9/2015</a:t>
             </a:fld>
             <a:endParaRPr lang="en-US" dirty="0"/>
           </a:p>
@@ -14618,7 +14973,7 @@
             <a:fld id="{D718F47C-7328-41EC-B5EF-37975657BEDE}" type="datetime1">
               <a:rPr lang="en-US" smtClean="0"/>
               <a:pPr/>
-              <a:t>2/8/2015</a:t>
+              <a:t>2/9/2015</a:t>
             </a:fld>
             <a:endParaRPr lang="en-US" dirty="0"/>
           </a:p>
@@ -15221,7 +15576,7 @@
           <a:blip r:embed="rId2">
             <a:extLst>
               <a:ext uri="{28A0092B-C50C-407E-A947-70E740481C1C}">
-                <a14:useLocalDpi xmlns:a14="http://schemas.microsoft.com/office/drawing/2010/main" xmlns="" val="0"/>
+                <a14:useLocalDpi xmlns:a14="http://schemas.microsoft.com/office/drawing/2010/main" val="0"/>
               </a:ext>
             </a:extLst>
           </a:blip>
@@ -15242,7 +15597,7 @@
     </p:spTree>
     <p:extLst>
       <p:ext uri="{BB962C8B-B14F-4D97-AF65-F5344CB8AC3E}">
-        <p14:creationId xmlns:p14="http://schemas.microsoft.com/office/powerpoint/2010/main" xmlns="" val="3428906391"/>
+        <p14:creationId xmlns:p14="http://schemas.microsoft.com/office/powerpoint/2010/main" val="3428906391"/>
       </p:ext>
     </p:extLst>
   </p:cSld>
@@ -15293,7 +15648,7 @@
           <a:p>
             <a:r>
               <a:rPr lang="de-DE" dirty="0" smtClean="0"/>
-              <a:t>Reflexion</a:t>
+              <a:t>Werkzeugeinsatz</a:t>
             </a:r>
             <a:endParaRPr lang="de-DE" dirty="0"/>
           </a:p>
@@ -15315,18 +15670,66 @@
           <a:lstStyle/>
           <a:p>
             <a:r>
+              <a:rPr lang="de-DE" dirty="0" err="1" smtClean="0"/>
+              <a:t>SourceTree</a:t>
+            </a:r>
+            <a:endParaRPr lang="de-DE" dirty="0" smtClean="0"/>
+          </a:p>
+          <a:p>
+            <a:pPr lvl="1"/>
+            <a:r>
               <a:rPr lang="de-DE" dirty="0" smtClean="0"/>
-              <a:t>Kurze Werkzeugbewertung</a:t>
-            </a:r>
-          </a:p>
-          <a:p>
+              <a:t>Kostenfrei und übersichtlich</a:t>
+            </a:r>
+          </a:p>
+          <a:p>
+            <a:pPr lvl="1"/>
             <a:r>
               <a:rPr lang="de-DE" dirty="0" smtClean="0"/>
-              <a:t>Vorgehen im Team</a:t>
-            </a:r>
-          </a:p>
-          <a:p>
+              <a:t>Mit </a:t>
+            </a:r>
+            <a:r>
+              <a:rPr lang="de-DE" dirty="0" err="1" smtClean="0"/>
+              <a:t>GitHub</a:t>
+            </a:r>
+            <a:r>
+              <a:rPr lang="de-DE" dirty="0" smtClean="0"/>
+              <a:t> kompatibel</a:t>
+            </a:r>
+          </a:p>
+          <a:p>
+            <a:pPr lvl="1"/>
+            <a:r>
+              <a:rPr lang="de-DE" dirty="0" smtClean="0"/>
+              <a:t>Visualisierung der </a:t>
+            </a:r>
+            <a:r>
+              <a:rPr lang="de-DE" dirty="0" err="1" smtClean="0"/>
+              <a:t>Branches</a:t>
+            </a:r>
             <a:endParaRPr lang="de-DE" dirty="0" smtClean="0"/>
+          </a:p>
+          <a:p>
+            <a:pPr lvl="1"/>
+            <a:r>
+              <a:rPr lang="de-DE" dirty="0" smtClean="0"/>
+              <a:t>Mehrere </a:t>
+            </a:r>
+            <a:r>
+              <a:rPr lang="de-DE" dirty="0" err="1" smtClean="0"/>
+              <a:t>Repositories</a:t>
+            </a:r>
+            <a:r>
+              <a:rPr lang="de-DE" dirty="0" smtClean="0"/>
+              <a:t> gleichzeitig möglich</a:t>
+            </a:r>
+          </a:p>
+          <a:p>
+            <a:pPr lvl="1"/>
+            <a:r>
+              <a:rPr lang="de-DE" dirty="0" smtClean="0"/>
+              <a:t>Anzeige des geänderten Codes</a:t>
+            </a:r>
           </a:p>
         </p:txBody>
       </p:sp>
@@ -15342,7 +15745,7 @@
           <a:blip r:embed="rId3">
             <a:extLst>
               <a:ext uri="{28A0092B-C50C-407E-A947-70E740481C1C}">
-                <a14:useLocalDpi xmlns:a14="http://schemas.microsoft.com/office/drawing/2010/main" xmlns="" val="0"/>
+                <a14:useLocalDpi xmlns:a14="http://schemas.microsoft.com/office/drawing/2010/main" val="0"/>
               </a:ext>
             </a:extLst>
           </a:blip>
@@ -15414,20 +15817,187 @@
           </a:p>
         </p:txBody>
       </p:sp>
+      <p:pic>
+        <p:nvPicPr>
+          <p:cNvPr id="7" name="Grafik 6"/>
+          <p:cNvPicPr>
+            <a:picLocks noChangeAspect="1"/>
+          </p:cNvPicPr>
+          <p:nvPr/>
+        </p:nvPicPr>
+        <p:blipFill>
+          <a:blip r:embed="rId4"/>
+          <a:stretch>
+            <a:fillRect/>
+          </a:stretch>
+        </p:blipFill>
+        <p:spPr>
+          <a:xfrm>
+            <a:off x="6968529" y="2603500"/>
+            <a:ext cx="4222210" cy="2557922"/>
+          </a:xfrm>
+          <a:prstGeom prst="rect">
+            <a:avLst/>
+          </a:prstGeom>
+        </p:spPr>
+      </p:pic>
+      <p:pic>
+        <p:nvPicPr>
+          <p:cNvPr id="9" name="Grafik 8"/>
+          <p:cNvPicPr>
+            <a:picLocks noChangeAspect="1"/>
+          </p:cNvPicPr>
+          <p:nvPr/>
+        </p:nvPicPr>
+        <p:blipFill>
+          <a:blip r:embed="rId5"/>
+          <a:stretch>
+            <a:fillRect/>
+          </a:stretch>
+        </p:blipFill>
+        <p:spPr>
+          <a:xfrm>
+            <a:off x="676406" y="554655"/>
+            <a:ext cx="10835731" cy="5753257"/>
+          </a:xfrm>
+          <a:prstGeom prst="rect">
+            <a:avLst/>
+          </a:prstGeom>
+        </p:spPr>
+      </p:pic>
     </p:spTree>
     <p:extLst>
       <p:ext uri="{BB962C8B-B14F-4D97-AF65-F5344CB8AC3E}">
-        <p14:creationId xmlns:p14="http://schemas.microsoft.com/office/powerpoint/2010/main" xmlns="" val="3216998357"/>
+        <p14:creationId xmlns:p14="http://schemas.microsoft.com/office/powerpoint/2010/main" val="29256383"/>
       </p:ext>
     </p:extLst>
   </p:cSld>
   <p:clrMapOvr>
     <a:masterClrMapping/>
   </p:clrMapOvr>
+  <mc:AlternateContent xmlns:mc="http://schemas.openxmlformats.org/markup-compatibility/2006">
+    <mc:Choice xmlns:p14="http://schemas.microsoft.com/office/powerpoint/2010/main" Requires="p14">
+      <p:transition spd="slow" p14:dur="2000"/>
+    </mc:Choice>
+    <mc:Fallback>
+      <p:transition spd="slow"/>
+    </mc:Fallback>
+  </mc:AlternateContent>
   <p:timing>
     <p:tnLst>
       <p:par>
-        <p:cTn id="1" dur="indefinite" restart="never" nodeType="tmRoot"/>
+        <p:cTn id="1" dur="indefinite" restart="never" nodeType="tmRoot">
+          <p:childTnLst>
+            <p:seq concurrent="1" nextAc="seek">
+              <p:cTn id="2" dur="indefinite" nodeType="mainSeq">
+                <p:childTnLst>
+                  <p:par>
+                    <p:cTn id="3" fill="hold">
+                      <p:stCondLst>
+                        <p:cond delay="indefinite"/>
+                      </p:stCondLst>
+                      <p:childTnLst>
+                        <p:par>
+                          <p:cTn id="4" fill="hold">
+                            <p:stCondLst>
+                              <p:cond delay="0"/>
+                            </p:stCondLst>
+                            <p:childTnLst>
+                              <p:par>
+                                <p:cTn id="5" presetID="10" presetClass="exit" presetSubtype="0" fill="hold" nodeType="clickEffect">
+                                  <p:stCondLst>
+                                    <p:cond delay="0"/>
+                                  </p:stCondLst>
+                                  <p:childTnLst>
+                                    <p:animEffect transition="out" filter="fade">
+                                      <p:cBhvr>
+                                        <p:cTn id="6" dur="500"/>
+                                        <p:tgtEl>
+                                          <p:spTgt spid="7"/>
+                                        </p:tgtEl>
+                                      </p:cBhvr>
+                                    </p:animEffect>
+                                    <p:set>
+                                      <p:cBhvr>
+                                        <p:cTn id="7" dur="1" fill="hold">
+                                          <p:stCondLst>
+                                            <p:cond delay="499"/>
+                                          </p:stCondLst>
+                                        </p:cTn>
+                                        <p:tgtEl>
+                                          <p:spTgt spid="7"/>
+                                        </p:tgtEl>
+                                        <p:attrNameLst>
+                                          <p:attrName>style.visibility</p:attrName>
+                                        </p:attrNameLst>
+                                      </p:cBhvr>
+                                      <p:to>
+                                        <p:strVal val="hidden"/>
+                                      </p:to>
+                                    </p:set>
+                                  </p:childTnLst>
+                                </p:cTn>
+                              </p:par>
+                              <p:par>
+                                <p:cTn id="8" presetID="10" presetClass="entr" presetSubtype="0" fill="hold" nodeType="withEffect">
+                                  <p:stCondLst>
+                                    <p:cond delay="0"/>
+                                  </p:stCondLst>
+                                  <p:childTnLst>
+                                    <p:set>
+                                      <p:cBhvr>
+                                        <p:cTn id="9" dur="1" fill="hold">
+                                          <p:stCondLst>
+                                            <p:cond delay="0"/>
+                                          </p:stCondLst>
+                                        </p:cTn>
+                                        <p:tgtEl>
+                                          <p:spTgt spid="9"/>
+                                        </p:tgtEl>
+                                        <p:attrNameLst>
+                                          <p:attrName>style.visibility</p:attrName>
+                                        </p:attrNameLst>
+                                      </p:cBhvr>
+                                      <p:to>
+                                        <p:strVal val="visible"/>
+                                      </p:to>
+                                    </p:set>
+                                    <p:animEffect transition="in" filter="fade">
+                                      <p:cBhvr>
+                                        <p:cTn id="10" dur="500"/>
+                                        <p:tgtEl>
+                                          <p:spTgt spid="9"/>
+                                        </p:tgtEl>
+                                      </p:cBhvr>
+                                    </p:animEffect>
+                                  </p:childTnLst>
+                                </p:cTn>
+                              </p:par>
+                            </p:childTnLst>
+                          </p:cTn>
+                        </p:par>
+                      </p:childTnLst>
+                    </p:cTn>
+                  </p:par>
+                </p:childTnLst>
+              </p:cTn>
+              <p:prevCondLst>
+                <p:cond evt="onPrev" delay="0">
+                  <p:tgtEl>
+                    <p:sldTgt/>
+                  </p:tgtEl>
+                </p:cond>
+              </p:prevCondLst>
+              <p:nextCondLst>
+                <p:cond evt="onNext" delay="0">
+                  <p:tgtEl>
+                    <p:sldTgt/>
+                  </p:tgtEl>
+                </p:cond>
+              </p:nextCondLst>
+            </p:seq>
+          </p:childTnLst>
+        </p:cTn>
       </p:par>
     </p:tnLst>
   </p:timing>
@@ -15461,33 +16031,27 @@
             <p:ph type="title"/>
           </p:nvPr>
         </p:nvSpPr>
-        <p:spPr>
-          <a:xfrm>
-            <a:off x="1154953" y="2370667"/>
-            <a:ext cx="9469503" cy="1822514"/>
-          </a:xfrm>
-        </p:spPr>
+        <p:spPr/>
         <p:txBody>
           <a:bodyPr/>
           <a:lstStyle/>
           <a:p>
-            <a:pPr algn="ctr"/>
-            <a:r>
-              <a:rPr lang="de-DE" sz="5400" dirty="0" smtClean="0"/>
-              <a:t>Noch Fragen?</a:t>
-            </a:r>
-            <a:endParaRPr lang="de-DE" sz="5400" dirty="0"/>
-          </a:p>
-        </p:txBody>
-      </p:sp>
-      <p:sp>
-        <p:nvSpPr>
-          <p:cNvPr id="5" name="Foliennummernplatzhalter 4"/>
+            <a:r>
+              <a:rPr lang="de-DE" dirty="0" smtClean="0"/>
+              <a:t>Werkzeugeinsatz</a:t>
+            </a:r>
+            <a:endParaRPr lang="de-DE" dirty="0"/>
+          </a:p>
+        </p:txBody>
+      </p:sp>
+      <p:sp>
+        <p:nvSpPr>
+          <p:cNvPr id="3" name="Inhaltsplatzhalter 2"/>
           <p:cNvSpPr>
             <a:spLocks noGrp="1"/>
           </p:cNvSpPr>
           <p:nvPr>
-            <p:ph type="sldNum" sz="quarter" idx="12"/>
+            <p:ph idx="1"/>
           </p:nvPr>
         </p:nvSpPr>
         <p:spPr/>
@@ -15495,12 +16059,73 @@
           <a:bodyPr/>
           <a:lstStyle/>
           <a:p>
-            <a:fld id="{D57F1E4F-1CFF-5643-939E-217C01CDF565}" type="slidenum">
-              <a:rPr lang="en-US" smtClean="0"/>
-              <a:pPr/>
-              <a:t>11</a:t>
-            </a:fld>
-            <a:endParaRPr lang="en-US" dirty="0"/>
+            <a:r>
+              <a:rPr lang="de-DE" dirty="0" smtClean="0"/>
+              <a:t>Android Studio</a:t>
+            </a:r>
+          </a:p>
+          <a:p>
+            <a:pPr lvl="1"/>
+            <a:r>
+              <a:rPr lang="de-DE" dirty="0" smtClean="0"/>
+              <a:t>Kostenfreie offizielle IDE zur Android Entwicklung</a:t>
+            </a:r>
+          </a:p>
+          <a:p>
+            <a:pPr lvl="1"/>
+            <a:r>
+              <a:rPr lang="de-DE" dirty="0" smtClean="0"/>
+              <a:t>Basiert auf </a:t>
+            </a:r>
+            <a:r>
+              <a:rPr lang="de-DE" dirty="0" err="1" smtClean="0"/>
+              <a:t>IntelliJ</a:t>
+            </a:r>
+            <a:r>
+              <a:rPr lang="de-DE" dirty="0" smtClean="0"/>
+              <a:t> IDEA IDE</a:t>
+            </a:r>
+          </a:p>
+          <a:p>
+            <a:pPr lvl="1"/>
+            <a:r>
+              <a:rPr lang="de-DE" dirty="0" smtClean="0"/>
+              <a:t>Während Projektdurchführung noch im Beta-Status</a:t>
+            </a:r>
+          </a:p>
+          <a:p>
+            <a:pPr lvl="1"/>
+            <a:r>
+              <a:rPr lang="de-DE" dirty="0" smtClean="0"/>
+              <a:t>Grafischer GUI-Editor</a:t>
+            </a:r>
+          </a:p>
+          <a:p>
+            <a:pPr lvl="1"/>
+            <a:r>
+              <a:rPr lang="de-DE" dirty="0" smtClean="0"/>
+              <a:t>Code-</a:t>
+            </a:r>
+            <a:r>
+              <a:rPr lang="de-DE" dirty="0" err="1" smtClean="0"/>
+              <a:t>Highlighting</a:t>
+            </a:r>
+            <a:r>
+              <a:rPr lang="de-DE" dirty="0" smtClean="0"/>
+              <a:t> </a:t>
+            </a:r>
+          </a:p>
+          <a:p>
+            <a:pPr lvl="1"/>
+            <a:r>
+              <a:rPr lang="de-DE" dirty="0" err="1" smtClean="0"/>
+              <a:t>GitHub</a:t>
+            </a:r>
+            <a:r>
+              <a:rPr lang="de-DE" dirty="0" smtClean="0"/>
+              <a:t> Integration möglich</a:t>
+            </a:r>
+            <a:endParaRPr lang="de-DE" dirty="0"/>
           </a:p>
         </p:txBody>
       </p:sp>
@@ -15516,7 +16141,7 @@
           <a:blip r:embed="rId3">
             <a:extLst>
               <a:ext uri="{28A0092B-C50C-407E-A947-70E740481C1C}">
-                <a14:useLocalDpi xmlns:a14="http://schemas.microsoft.com/office/drawing/2010/main" xmlns="" val="0"/>
+                <a14:useLocalDpi xmlns:a14="http://schemas.microsoft.com/office/drawing/2010/main" val="0"/>
               </a:ext>
             </a:extLst>
           </a:blip>
@@ -15536,6 +16161,30 @@
       </p:pic>
       <p:sp>
         <p:nvSpPr>
+          <p:cNvPr id="5" name="Foliennummernplatzhalter 4"/>
+          <p:cNvSpPr>
+            <a:spLocks noGrp="1"/>
+          </p:cNvSpPr>
+          <p:nvPr>
+            <p:ph type="sldNum" sz="quarter" idx="12"/>
+          </p:nvPr>
+        </p:nvSpPr>
+        <p:spPr/>
+        <p:txBody>
+          <a:bodyPr/>
+          <a:lstStyle/>
+          <a:p>
+            <a:fld id="{D57F1E4F-1CFF-5643-939E-217C01CDF565}" type="slidenum">
+              <a:rPr lang="en-US" smtClean="0"/>
+              <a:pPr/>
+              <a:t>11</a:t>
+            </a:fld>
+            <a:endParaRPr lang="en-US" dirty="0"/>
+          </a:p>
+        </p:txBody>
+      </p:sp>
+      <p:sp>
+        <p:nvSpPr>
           <p:cNvPr id="6" name="Textfeld 5"/>
           <p:cNvSpPr txBox="1"/>
           <p:nvPr/>
@@ -15564,10 +16213,88 @@
           </a:p>
         </p:txBody>
       </p:sp>
+      <p:pic>
+        <p:nvPicPr>
+          <p:cNvPr id="7" name="Grafik 6"/>
+          <p:cNvPicPr>
+            <a:picLocks noChangeAspect="1"/>
+          </p:cNvPicPr>
+          <p:nvPr/>
+        </p:nvPicPr>
+        <p:blipFill>
+          <a:blip r:embed="rId4"/>
+          <a:stretch>
+            <a:fillRect/>
+          </a:stretch>
+        </p:blipFill>
+        <p:spPr>
+          <a:xfrm>
+            <a:off x="7675639" y="2648963"/>
+            <a:ext cx="3096000" cy="2328000"/>
+          </a:xfrm>
+          <a:prstGeom prst="rect">
+            <a:avLst/>
+          </a:prstGeom>
+        </p:spPr>
+      </p:pic>
+      <p:pic>
+        <p:nvPicPr>
+          <p:cNvPr id="10" name="Picture 2" descr="Oberflaeche_gestalten"/>
+          <p:cNvPicPr>
+            <a:picLocks noChangeAspect="1" noChangeArrowheads="1"/>
+          </p:cNvPicPr>
+          <p:nvPr/>
+        </p:nvPicPr>
+        <p:blipFill>
+          <a:blip r:embed="rId5">
+            <a:extLst>
+              <a:ext uri="{28A0092B-C50C-407E-A947-70E740481C1C}">
+                <a14:useLocalDpi xmlns:a14="http://schemas.microsoft.com/office/drawing/2010/main" val="0"/>
+              </a:ext>
+            </a:extLst>
+          </a:blip>
+          <a:srcRect/>
+          <a:stretch>
+            <a:fillRect/>
+          </a:stretch>
+        </p:blipFill>
+        <p:spPr bwMode="auto">
+          <a:xfrm>
+            <a:off x="703034" y="667389"/>
+            <a:ext cx="10809104" cy="5511927"/>
+          </a:xfrm>
+          <a:prstGeom prst="rect">
+            <a:avLst/>
+          </a:prstGeom>
+          <a:noFill/>
+          <a:ln>
+            <a:noFill/>
+          </a:ln>
+          <a:extLst>
+            <a:ext uri="{909E8E84-426E-40DD-AFC4-6F175D3DCCD1}">
+              <a14:hiddenFill xmlns:a14="http://schemas.microsoft.com/office/drawing/2010/main">
+                <a:solidFill>
+                  <a:srgbClr val="FFFFFF"/>
+                </a:solidFill>
+              </a14:hiddenFill>
+            </a:ext>
+            <a:ext uri="{91240B29-F687-4F45-9708-019B960494DF}">
+              <a14:hiddenLine xmlns:a14="http://schemas.microsoft.com/office/drawing/2010/main" w="9525">
+                <a:solidFill>
+                  <a:srgbClr val="000000"/>
+                </a:solidFill>
+                <a:miter lim="800000"/>
+                <a:headEnd/>
+                <a:tailEnd/>
+              </a14:hiddenLine>
+            </a:ext>
+          </a:extLst>
+        </p:spPr>
+      </p:pic>
     </p:spTree>
     <p:extLst>
       <p:ext uri="{BB962C8B-B14F-4D97-AF65-F5344CB8AC3E}">
-        <p14:creationId xmlns:p14="http://schemas.microsoft.com/office/powerpoint/2010/main" xmlns="" val="1786163146"/>
+        <p14:creationId xmlns:p14="http://schemas.microsoft.com/office/powerpoint/2010/main" val="3107900357"/>
       </p:ext>
     </p:extLst>
   </p:cSld>
@@ -15577,7 +16304,83 @@
   <p:timing>
     <p:tnLst>
       <p:par>
-        <p:cTn id="1" dur="indefinite" restart="never" nodeType="tmRoot"/>
+        <p:cTn id="1" dur="indefinite" restart="never" nodeType="tmRoot">
+          <p:childTnLst>
+            <p:seq concurrent="1" nextAc="seek">
+              <p:cTn id="2" dur="indefinite" nodeType="mainSeq">
+                <p:childTnLst>
+                  <p:par>
+                    <p:cTn id="3" fill="hold">
+                      <p:stCondLst>
+                        <p:cond delay="indefinite"/>
+                      </p:stCondLst>
+                      <p:childTnLst>
+                        <p:par>
+                          <p:cTn id="4" fill="hold">
+                            <p:stCondLst>
+                              <p:cond delay="0"/>
+                            </p:stCondLst>
+                            <p:childTnLst>
+                              <p:par>
+                                <p:cTn id="5" presetID="10" presetClass="entr" presetSubtype="0" fill="hold" nodeType="clickEffect">
+                                  <p:stCondLst>
+                                    <p:cond delay="0"/>
+                                  </p:stCondLst>
+                                  <p:childTnLst>
+                                    <p:set>
+                                      <p:cBhvr>
+                                        <p:cTn id="6" dur="1" fill="hold">
+                                          <p:stCondLst>
+                                            <p:cond delay="0"/>
+                                          </p:stCondLst>
+                                        </p:cTn>
+                                        <p:tgtEl>
+                                          <p:spTgt spid="10"/>
+                                        </p:tgtEl>
+                                        <p:attrNameLst>
+                                          <p:attrName>style.visibility</p:attrName>
+                                        </p:attrNameLst>
+                                      </p:cBhvr>
+                                      <p:to>
+                                        <p:strVal val="visible"/>
+                                      </p:to>
+                                    </p:set>
+                                    <p:animEffect transition="in" filter="fade">
+                                      <p:cBhvr>
+                                        <p:cTn id="7" dur="500"/>
+                                        <p:tgtEl>
+                                          <p:spTgt spid="10"/>
+                                        </p:tgtEl>
+                                      </p:cBhvr>
+                                    </p:animEffect>
+                                  </p:childTnLst>
+                                </p:cTn>
+                              </p:par>
+                            </p:childTnLst>
+                          </p:cTn>
+                        </p:par>
+                      </p:childTnLst>
+                    </p:cTn>
+                  </p:par>
+                </p:childTnLst>
+              </p:cTn>
+              <p:prevCondLst>
+                <p:cond evt="onPrev" delay="0">
+                  <p:tgtEl>
+                    <p:sldTgt/>
+                  </p:tgtEl>
+                </p:cond>
+              </p:prevCondLst>
+              <p:nextCondLst>
+                <p:cond evt="onNext" delay="0">
+                  <p:tgtEl>
+                    <p:sldTgt/>
+                  </p:tgtEl>
+                </p:cond>
+              </p:nextCondLst>
+            </p:seq>
+          </p:childTnLst>
+        </p:cTn>
       </p:par>
     </p:tnLst>
   </p:timing>
@@ -15611,20 +16414,14 @@
             <p:ph type="title"/>
           </p:nvPr>
         </p:nvSpPr>
-        <p:spPr>
-          <a:xfrm>
-            <a:off x="1154953" y="2370667"/>
-            <a:ext cx="9469503" cy="1822514"/>
-          </a:xfrm>
-        </p:spPr>
+        <p:spPr/>
         <p:txBody>
           <a:bodyPr/>
           <a:lstStyle/>
           <a:p>
-            <a:pPr algn="ctr"/>
             <a:r>
               <a:rPr lang="de-DE" dirty="0" smtClean="0"/>
-              <a:t>Vielen Dank für eure Aufmerksamkeit!</a:t>
+              <a:t>Werkzeugeinsatz</a:t>
             </a:r>
             <a:endParaRPr lang="de-DE" dirty="0"/>
           </a:p>
@@ -15632,12 +16429,12 @@
       </p:sp>
       <p:sp>
         <p:nvSpPr>
-          <p:cNvPr id="5" name="Foliennummernplatzhalter 4"/>
+          <p:cNvPr id="3" name="Inhaltsplatzhalter 2"/>
           <p:cNvSpPr>
             <a:spLocks noGrp="1"/>
           </p:cNvSpPr>
           <p:nvPr>
-            <p:ph type="sldNum" sz="quarter" idx="12"/>
+            <p:ph idx="1"/>
           </p:nvPr>
         </p:nvSpPr>
         <p:spPr/>
@@ -15645,12 +16442,100 @@
           <a:bodyPr/>
           <a:lstStyle/>
           <a:p>
-            <a:fld id="{D57F1E4F-1CFF-5643-939E-217C01CDF565}" type="slidenum">
-              <a:rPr lang="en-US" smtClean="0"/>
-              <a:pPr/>
-              <a:t>12</a:t>
-            </a:fld>
-            <a:endParaRPr lang="en-US" dirty="0"/>
+            <a:r>
+              <a:rPr lang="de-DE" dirty="0" err="1" smtClean="0"/>
+              <a:t>Gradle</a:t>
+            </a:r>
+            <a:endParaRPr lang="de-DE" dirty="0" smtClean="0"/>
+          </a:p>
+          <a:p>
+            <a:pPr lvl="1"/>
+            <a:r>
+              <a:rPr lang="de-DE" dirty="0" smtClean="0"/>
+              <a:t>Auslieferung zusammen mit Android Studio</a:t>
+            </a:r>
+          </a:p>
+          <a:p>
+            <a:pPr lvl="1"/>
+            <a:r>
+              <a:rPr lang="de-DE" dirty="0" smtClean="0"/>
+              <a:t>Keine Konfiguration notwendig</a:t>
+            </a:r>
+          </a:p>
+          <a:p>
+            <a:pPr lvl="1"/>
+            <a:r>
+              <a:rPr lang="de-DE" dirty="0" smtClean="0"/>
+              <a:t>Einstellungsmöglichkeiten über </a:t>
+            </a:r>
+            <a:r>
+              <a:rPr lang="de-DE" dirty="0" err="1" smtClean="0"/>
+              <a:t>build.gradle</a:t>
+            </a:r>
+            <a:r>
+              <a:rPr lang="de-DE" dirty="0" smtClean="0"/>
+              <a:t>-Datei möglich</a:t>
+            </a:r>
+          </a:p>
+          <a:p>
+            <a:r>
+              <a:rPr lang="de-DE" dirty="0" err="1" smtClean="0"/>
+              <a:t>UnitTesting</a:t>
+            </a:r>
+            <a:endParaRPr lang="de-DE" dirty="0" smtClean="0"/>
+          </a:p>
+          <a:p>
+            <a:pPr lvl="1"/>
+            <a:r>
+              <a:rPr lang="de-DE" dirty="0"/>
+              <a:t>Auslieferung zusammen mit Android Studio</a:t>
+            </a:r>
+          </a:p>
+          <a:p>
+            <a:pPr lvl="1"/>
+            <a:r>
+              <a:rPr lang="de-DE" dirty="0" smtClean="0"/>
+              <a:t>Android-SDK stellt eigenes </a:t>
+            </a:r>
+            <a:r>
+              <a:rPr lang="de-DE" dirty="0" err="1" smtClean="0"/>
+              <a:t>Testpackage</a:t>
+            </a:r>
+            <a:r>
+              <a:rPr lang="de-DE" dirty="0" smtClean="0"/>
+              <a:t> </a:t>
+            </a:r>
+            <a:r>
+              <a:rPr lang="de-DE" dirty="0" err="1" smtClean="0"/>
+              <a:t>basierent</a:t>
+            </a:r>
+            <a:r>
+              <a:rPr lang="de-DE" dirty="0" smtClean="0"/>
+              <a:t> auf </a:t>
+            </a:r>
+            <a:r>
+              <a:rPr lang="de-DE" dirty="0" err="1" smtClean="0"/>
+              <a:t>JUnit</a:t>
+            </a:r>
+            <a:r>
+              <a:rPr lang="de-DE" dirty="0" smtClean="0"/>
+              <a:t> bereit</a:t>
+            </a:r>
+          </a:p>
+          <a:p>
+            <a:pPr lvl="1"/>
+            <a:r>
+              <a:rPr lang="de-DE" dirty="0" smtClean="0"/>
+              <a:t>Ausführung der Tests im </a:t>
+            </a:r>
+            <a:r>
+              <a:rPr lang="de-DE" smtClean="0"/>
+              <a:t>Android Emulator</a:t>
+            </a:r>
+            <a:endParaRPr lang="de-DE" dirty="0" smtClean="0"/>
+          </a:p>
+          <a:p>
+            <a:endParaRPr lang="de-DE" dirty="0"/>
           </a:p>
         </p:txBody>
       </p:sp>
@@ -15666,7 +16551,7 @@
           <a:blip r:embed="rId3">
             <a:extLst>
               <a:ext uri="{28A0092B-C50C-407E-A947-70E740481C1C}">
-                <a14:useLocalDpi xmlns:a14="http://schemas.microsoft.com/office/drawing/2010/main" xmlns="" val="0"/>
+                <a14:useLocalDpi xmlns:a14="http://schemas.microsoft.com/office/drawing/2010/main" val="0"/>
               </a:ext>
             </a:extLst>
           </a:blip>
@@ -15686,6 +16571,30 @@
       </p:pic>
       <p:sp>
         <p:nvSpPr>
+          <p:cNvPr id="5" name="Foliennummernplatzhalter 4"/>
+          <p:cNvSpPr>
+            <a:spLocks noGrp="1"/>
+          </p:cNvSpPr>
+          <p:nvPr>
+            <p:ph type="sldNum" sz="quarter" idx="12"/>
+          </p:nvPr>
+        </p:nvSpPr>
+        <p:spPr/>
+        <p:txBody>
+          <a:bodyPr/>
+          <a:lstStyle/>
+          <a:p>
+            <a:fld id="{D57F1E4F-1CFF-5643-939E-217C01CDF565}" type="slidenum">
+              <a:rPr lang="en-US" smtClean="0"/>
+              <a:pPr/>
+              <a:t>12</a:t>
+            </a:fld>
+            <a:endParaRPr lang="en-US" dirty="0"/>
+          </a:p>
+        </p:txBody>
+      </p:sp>
+      <p:sp>
+        <p:nvSpPr>
           <p:cNvPr id="6" name="Textfeld 5"/>
           <p:cNvSpPr txBox="1"/>
           <p:nvPr/>
@@ -15717,7 +16626,7 @@
     </p:spTree>
     <p:extLst>
       <p:ext uri="{BB962C8B-B14F-4D97-AF65-F5344CB8AC3E}">
-        <p14:creationId xmlns:p14="http://schemas.microsoft.com/office/powerpoint/2010/main" xmlns="" val="1278744805"/>
+        <p14:creationId xmlns:p14="http://schemas.microsoft.com/office/powerpoint/2010/main" val="1376954338"/>
       </p:ext>
     </p:extLst>
   </p:cSld>
@@ -15768,7 +16677,7 @@
           <a:p>
             <a:r>
               <a:rPr lang="de-DE" dirty="0" smtClean="0"/>
-              <a:t>Quellen</a:t>
+              <a:t>Demo</a:t>
             </a:r>
             <a:endParaRPr lang="de-DE" dirty="0"/>
           </a:p>
@@ -15789,25 +16698,7 @@
           <a:bodyPr/>
           <a:lstStyle/>
           <a:p>
-            <a:r>
-              <a:rPr lang="de-DE" dirty="0" smtClean="0">
-                <a:hlinkClick r:id="rId3"/>
-              </a:rPr>
-              <a:t>www.elcomsoft.com</a:t>
-            </a:r>
-            <a:endParaRPr lang="de-DE" dirty="0" smtClean="0"/>
-          </a:p>
-          <a:p>
-            <a:r>
-              <a:rPr lang="de-DE" dirty="0" smtClean="0">
-                <a:hlinkClick r:id="rId4"/>
-              </a:rPr>
-              <a:t>www.elcomsoft.com/WP/BH-EU-2012-WP.pdf</a:t>
-            </a:r>
-            <a:endParaRPr lang="de-DE" dirty="0" smtClean="0"/>
-          </a:p>
-          <a:p>
-            <a:endParaRPr lang="de-DE" dirty="0" smtClean="0"/>
+            <a:endParaRPr lang="de-DE" dirty="0"/>
           </a:p>
         </p:txBody>
       </p:sp>
@@ -15820,10 +16711,10 @@
           <p:nvPr/>
         </p:nvPicPr>
         <p:blipFill>
-          <a:blip r:embed="rId5">
+          <a:blip r:embed="rId3">
             <a:extLst>
               <a:ext uri="{28A0092B-C50C-407E-A947-70E740481C1C}">
-                <a14:useLocalDpi xmlns:a14="http://schemas.microsoft.com/office/drawing/2010/main" xmlns="" val="0"/>
+                <a14:useLocalDpi xmlns:a14="http://schemas.microsoft.com/office/drawing/2010/main" val="0"/>
               </a:ext>
             </a:extLst>
           </a:blip>
@@ -15898,7 +16789,671 @@
     </p:spTree>
     <p:extLst>
       <p:ext uri="{BB962C8B-B14F-4D97-AF65-F5344CB8AC3E}">
-        <p14:creationId xmlns:p14="http://schemas.microsoft.com/office/powerpoint/2010/main" xmlns="" val="3216998357"/>
+        <p14:creationId xmlns:p14="http://schemas.microsoft.com/office/powerpoint/2010/main" val="3667091251"/>
+      </p:ext>
+    </p:extLst>
+  </p:cSld>
+  <p:clrMapOvr>
+    <a:masterClrMapping/>
+  </p:clrMapOvr>
+  <mc:AlternateContent xmlns:mc="http://schemas.openxmlformats.org/markup-compatibility/2006" xmlns:p14="http://schemas.microsoft.com/office/powerpoint/2010/main">
+    <mc:Choice Requires="p14">
+      <p:transition spd="slow" p14:dur="2000"/>
+    </mc:Choice>
+    <mc:Fallback xmlns="">
+      <p:transition spd="slow"/>
+    </mc:Fallback>
+  </mc:AlternateContent>
+  <p:timing>
+    <p:tnLst>
+      <p:par>
+        <p:cTn id="1" dur="indefinite" restart="never" nodeType="tmRoot"/>
+      </p:par>
+    </p:tnLst>
+  </p:timing>
+</p:sld>
+</file>
+
+<file path=ppt/slides/slide14.xml><?xml version="1.0" encoding="utf-8"?>
+<p:sld xmlns:a="http://schemas.openxmlformats.org/drawingml/2006/main" xmlns:r="http://schemas.openxmlformats.org/officeDocument/2006/relationships" xmlns:p="http://schemas.openxmlformats.org/presentationml/2006/main">
+  <p:cSld>
+    <p:spTree>
+      <p:nvGrpSpPr>
+        <p:cNvPr id="1" name=""/>
+        <p:cNvGrpSpPr/>
+        <p:nvPr/>
+      </p:nvGrpSpPr>
+      <p:grpSpPr>
+        <a:xfrm>
+          <a:off x="0" y="0"/>
+          <a:ext cx="0" cy="0"/>
+          <a:chOff x="0" y="0"/>
+          <a:chExt cx="0" cy="0"/>
+        </a:xfrm>
+      </p:grpSpPr>
+      <p:sp>
+        <p:nvSpPr>
+          <p:cNvPr id="2" name="Titel 1"/>
+          <p:cNvSpPr>
+            <a:spLocks noGrp="1"/>
+          </p:cNvSpPr>
+          <p:nvPr>
+            <p:ph type="title"/>
+          </p:nvPr>
+        </p:nvSpPr>
+        <p:spPr/>
+        <p:txBody>
+          <a:bodyPr/>
+          <a:lstStyle/>
+          <a:p>
+            <a:r>
+              <a:rPr lang="de-DE" dirty="0" smtClean="0"/>
+              <a:t>Reflexion</a:t>
+            </a:r>
+            <a:endParaRPr lang="de-DE" dirty="0"/>
+          </a:p>
+        </p:txBody>
+      </p:sp>
+      <p:sp>
+        <p:nvSpPr>
+          <p:cNvPr id="3" name="Inhaltsplatzhalter 2"/>
+          <p:cNvSpPr>
+            <a:spLocks noGrp="1"/>
+          </p:cNvSpPr>
+          <p:nvPr>
+            <p:ph idx="1"/>
+          </p:nvPr>
+        </p:nvSpPr>
+        <p:spPr/>
+        <p:txBody>
+          <a:bodyPr/>
+          <a:lstStyle/>
+          <a:p>
+            <a:r>
+              <a:rPr lang="de-DE" dirty="0" smtClean="0"/>
+              <a:t>Kurze Werkzeugbewertung</a:t>
+            </a:r>
+          </a:p>
+          <a:p>
+            <a:r>
+              <a:rPr lang="de-DE" dirty="0" smtClean="0"/>
+              <a:t>Vorgehen im Team</a:t>
+            </a:r>
+          </a:p>
+          <a:p>
+            <a:endParaRPr lang="de-DE" dirty="0" smtClean="0"/>
+          </a:p>
+        </p:txBody>
+      </p:sp>
+      <p:pic>
+        <p:nvPicPr>
+          <p:cNvPr id="4" name="Grafik 3"/>
+          <p:cNvPicPr>
+            <a:picLocks noChangeAspect="1"/>
+          </p:cNvPicPr>
+          <p:nvPr/>
+        </p:nvPicPr>
+        <p:blipFill>
+          <a:blip r:embed="rId3">
+            <a:extLst>
+              <a:ext uri="{28A0092B-C50C-407E-A947-70E740481C1C}">
+                <a14:useLocalDpi xmlns:a14="http://schemas.microsoft.com/office/drawing/2010/main" val="0"/>
+              </a:ext>
+            </a:extLst>
+          </a:blip>
+          <a:stretch>
+            <a:fillRect/>
+          </a:stretch>
+        </p:blipFill>
+        <p:spPr>
+          <a:xfrm>
+            <a:off x="11248792" y="5909733"/>
+            <a:ext cx="827314" cy="827314"/>
+          </a:xfrm>
+          <a:prstGeom prst="rect">
+            <a:avLst/>
+          </a:prstGeom>
+        </p:spPr>
+      </p:pic>
+      <p:sp>
+        <p:nvSpPr>
+          <p:cNvPr id="5" name="Foliennummernplatzhalter 4"/>
+          <p:cNvSpPr>
+            <a:spLocks noGrp="1"/>
+          </p:cNvSpPr>
+          <p:nvPr>
+            <p:ph type="sldNum" sz="quarter" idx="12"/>
+          </p:nvPr>
+        </p:nvSpPr>
+        <p:spPr/>
+        <p:txBody>
+          <a:bodyPr/>
+          <a:lstStyle/>
+          <a:p>
+            <a:fld id="{D57F1E4F-1CFF-5643-939E-217C01CDF565}" type="slidenum">
+              <a:rPr lang="en-US" smtClean="0"/>
+              <a:pPr/>
+              <a:t>14</a:t>
+            </a:fld>
+            <a:endParaRPr lang="en-US" dirty="0"/>
+          </a:p>
+        </p:txBody>
+      </p:sp>
+      <p:sp>
+        <p:nvSpPr>
+          <p:cNvPr id="6" name="Textfeld 5"/>
+          <p:cNvSpPr txBox="1"/>
+          <p:nvPr/>
+        </p:nvSpPr>
+        <p:spPr>
+          <a:xfrm>
+            <a:off x="372650" y="6156167"/>
+            <a:ext cx="10876142" cy="338554"/>
+          </a:xfrm>
+          <a:prstGeom prst="rect">
+            <a:avLst/>
+          </a:prstGeom>
+          <a:noFill/>
+        </p:spPr>
+        <p:txBody>
+          <a:bodyPr wrap="square" rtlCol="0">
+            <a:spAutoFit/>
+          </a:bodyPr>
+          <a:lstStyle/>
+          <a:p>
+            <a:r>
+              <a:rPr lang="de-DE" sz="1600" dirty="0" smtClean="0"/>
+              <a:t>13.02.2015  |  Software Engineering I  |  Nadine Feldmann, Lukas Huwe, Michael Kerkhoff, Sebastian Ochtrup</a:t>
+            </a:r>
+            <a:endParaRPr lang="de-DE" sz="1600" dirty="0"/>
+          </a:p>
+        </p:txBody>
+      </p:sp>
+    </p:spTree>
+    <p:extLst>
+      <p:ext uri="{BB962C8B-B14F-4D97-AF65-F5344CB8AC3E}">
+        <p14:creationId xmlns:p14="http://schemas.microsoft.com/office/powerpoint/2010/main" val="3216998357"/>
+      </p:ext>
+    </p:extLst>
+  </p:cSld>
+  <p:clrMapOvr>
+    <a:masterClrMapping/>
+  </p:clrMapOvr>
+  <p:timing>
+    <p:tnLst>
+      <p:par>
+        <p:cTn id="1" dur="indefinite" restart="never" nodeType="tmRoot"/>
+      </p:par>
+    </p:tnLst>
+  </p:timing>
+</p:sld>
+</file>
+
+<file path=ppt/slides/slide15.xml><?xml version="1.0" encoding="utf-8"?>
+<p:sld xmlns:a="http://schemas.openxmlformats.org/drawingml/2006/main" xmlns:r="http://schemas.openxmlformats.org/officeDocument/2006/relationships" xmlns:p="http://schemas.openxmlformats.org/presentationml/2006/main">
+  <p:cSld>
+    <p:spTree>
+      <p:nvGrpSpPr>
+        <p:cNvPr id="1" name=""/>
+        <p:cNvGrpSpPr/>
+        <p:nvPr/>
+      </p:nvGrpSpPr>
+      <p:grpSpPr>
+        <a:xfrm>
+          <a:off x="0" y="0"/>
+          <a:ext cx="0" cy="0"/>
+          <a:chOff x="0" y="0"/>
+          <a:chExt cx="0" cy="0"/>
+        </a:xfrm>
+      </p:grpSpPr>
+      <p:sp>
+        <p:nvSpPr>
+          <p:cNvPr id="2" name="Titel 1"/>
+          <p:cNvSpPr>
+            <a:spLocks noGrp="1"/>
+          </p:cNvSpPr>
+          <p:nvPr>
+            <p:ph type="title"/>
+          </p:nvPr>
+        </p:nvSpPr>
+        <p:spPr>
+          <a:xfrm>
+            <a:off x="1154953" y="2370667"/>
+            <a:ext cx="9469503" cy="1822514"/>
+          </a:xfrm>
+        </p:spPr>
+        <p:txBody>
+          <a:bodyPr/>
+          <a:lstStyle/>
+          <a:p>
+            <a:pPr algn="ctr"/>
+            <a:r>
+              <a:rPr lang="de-DE" sz="5400" dirty="0" smtClean="0"/>
+              <a:t>Noch Fragen?</a:t>
+            </a:r>
+            <a:endParaRPr lang="de-DE" sz="5400" dirty="0"/>
+          </a:p>
+        </p:txBody>
+      </p:sp>
+      <p:sp>
+        <p:nvSpPr>
+          <p:cNvPr id="5" name="Foliennummernplatzhalter 4"/>
+          <p:cNvSpPr>
+            <a:spLocks noGrp="1"/>
+          </p:cNvSpPr>
+          <p:nvPr>
+            <p:ph type="sldNum" sz="quarter" idx="12"/>
+          </p:nvPr>
+        </p:nvSpPr>
+        <p:spPr/>
+        <p:txBody>
+          <a:bodyPr/>
+          <a:lstStyle/>
+          <a:p>
+            <a:fld id="{D57F1E4F-1CFF-5643-939E-217C01CDF565}" type="slidenum">
+              <a:rPr lang="en-US" smtClean="0"/>
+              <a:pPr/>
+              <a:t>15</a:t>
+            </a:fld>
+            <a:endParaRPr lang="en-US" dirty="0"/>
+          </a:p>
+        </p:txBody>
+      </p:sp>
+      <p:pic>
+        <p:nvPicPr>
+          <p:cNvPr id="4" name="Grafik 3"/>
+          <p:cNvPicPr>
+            <a:picLocks noChangeAspect="1"/>
+          </p:cNvPicPr>
+          <p:nvPr/>
+        </p:nvPicPr>
+        <p:blipFill>
+          <a:blip r:embed="rId3">
+            <a:extLst>
+              <a:ext uri="{28A0092B-C50C-407E-A947-70E740481C1C}">
+                <a14:useLocalDpi xmlns:a14="http://schemas.microsoft.com/office/drawing/2010/main" val="0"/>
+              </a:ext>
+            </a:extLst>
+          </a:blip>
+          <a:stretch>
+            <a:fillRect/>
+          </a:stretch>
+        </p:blipFill>
+        <p:spPr>
+          <a:xfrm>
+            <a:off x="11248792" y="5909733"/>
+            <a:ext cx="827314" cy="827314"/>
+          </a:xfrm>
+          <a:prstGeom prst="rect">
+            <a:avLst/>
+          </a:prstGeom>
+        </p:spPr>
+      </p:pic>
+      <p:sp>
+        <p:nvSpPr>
+          <p:cNvPr id="6" name="Textfeld 5"/>
+          <p:cNvSpPr txBox="1"/>
+          <p:nvPr/>
+        </p:nvSpPr>
+        <p:spPr>
+          <a:xfrm>
+            <a:off x="372650" y="6156167"/>
+            <a:ext cx="10876142" cy="338554"/>
+          </a:xfrm>
+          <a:prstGeom prst="rect">
+            <a:avLst/>
+          </a:prstGeom>
+          <a:noFill/>
+        </p:spPr>
+        <p:txBody>
+          <a:bodyPr wrap="square" rtlCol="0">
+            <a:spAutoFit/>
+          </a:bodyPr>
+          <a:lstStyle/>
+          <a:p>
+            <a:r>
+              <a:rPr lang="de-DE" sz="1600" dirty="0" smtClean="0"/>
+              <a:t>13.02.2015  |  Software Engineering I  |  Nadine Feldmann, Lukas Huwe, Michael Kerkhoff, Sebastian Ochtrup</a:t>
+            </a:r>
+            <a:endParaRPr lang="de-DE" sz="1600" dirty="0"/>
+          </a:p>
+        </p:txBody>
+      </p:sp>
+    </p:spTree>
+    <p:extLst>
+      <p:ext uri="{BB962C8B-B14F-4D97-AF65-F5344CB8AC3E}">
+        <p14:creationId xmlns:p14="http://schemas.microsoft.com/office/powerpoint/2010/main" val="1786163146"/>
+      </p:ext>
+    </p:extLst>
+  </p:cSld>
+  <p:clrMapOvr>
+    <a:masterClrMapping/>
+  </p:clrMapOvr>
+  <p:timing>
+    <p:tnLst>
+      <p:par>
+        <p:cTn id="1" dur="indefinite" restart="never" nodeType="tmRoot"/>
+      </p:par>
+    </p:tnLst>
+  </p:timing>
+</p:sld>
+</file>
+
+<file path=ppt/slides/slide16.xml><?xml version="1.0" encoding="utf-8"?>
+<p:sld xmlns:a="http://schemas.openxmlformats.org/drawingml/2006/main" xmlns:r="http://schemas.openxmlformats.org/officeDocument/2006/relationships" xmlns:p="http://schemas.openxmlformats.org/presentationml/2006/main">
+  <p:cSld>
+    <p:spTree>
+      <p:nvGrpSpPr>
+        <p:cNvPr id="1" name=""/>
+        <p:cNvGrpSpPr/>
+        <p:nvPr/>
+      </p:nvGrpSpPr>
+      <p:grpSpPr>
+        <a:xfrm>
+          <a:off x="0" y="0"/>
+          <a:ext cx="0" cy="0"/>
+          <a:chOff x="0" y="0"/>
+          <a:chExt cx="0" cy="0"/>
+        </a:xfrm>
+      </p:grpSpPr>
+      <p:sp>
+        <p:nvSpPr>
+          <p:cNvPr id="2" name="Titel 1"/>
+          <p:cNvSpPr>
+            <a:spLocks noGrp="1"/>
+          </p:cNvSpPr>
+          <p:nvPr>
+            <p:ph type="title"/>
+          </p:nvPr>
+        </p:nvSpPr>
+        <p:spPr>
+          <a:xfrm>
+            <a:off x="1154953" y="2370667"/>
+            <a:ext cx="9469503" cy="1822514"/>
+          </a:xfrm>
+        </p:spPr>
+        <p:txBody>
+          <a:bodyPr/>
+          <a:lstStyle/>
+          <a:p>
+            <a:pPr algn="ctr"/>
+            <a:r>
+              <a:rPr lang="de-DE" dirty="0" smtClean="0"/>
+              <a:t>Vielen Dank für eure Aufmerksamkeit!</a:t>
+            </a:r>
+            <a:endParaRPr lang="de-DE" dirty="0"/>
+          </a:p>
+        </p:txBody>
+      </p:sp>
+      <p:sp>
+        <p:nvSpPr>
+          <p:cNvPr id="5" name="Foliennummernplatzhalter 4"/>
+          <p:cNvSpPr>
+            <a:spLocks noGrp="1"/>
+          </p:cNvSpPr>
+          <p:nvPr>
+            <p:ph type="sldNum" sz="quarter" idx="12"/>
+          </p:nvPr>
+        </p:nvSpPr>
+        <p:spPr/>
+        <p:txBody>
+          <a:bodyPr/>
+          <a:lstStyle/>
+          <a:p>
+            <a:fld id="{D57F1E4F-1CFF-5643-939E-217C01CDF565}" type="slidenum">
+              <a:rPr lang="en-US" smtClean="0"/>
+              <a:pPr/>
+              <a:t>16</a:t>
+            </a:fld>
+            <a:endParaRPr lang="en-US" dirty="0"/>
+          </a:p>
+        </p:txBody>
+      </p:sp>
+      <p:pic>
+        <p:nvPicPr>
+          <p:cNvPr id="4" name="Grafik 3"/>
+          <p:cNvPicPr>
+            <a:picLocks noChangeAspect="1"/>
+          </p:cNvPicPr>
+          <p:nvPr/>
+        </p:nvPicPr>
+        <p:blipFill>
+          <a:blip r:embed="rId3">
+            <a:extLst>
+              <a:ext uri="{28A0092B-C50C-407E-A947-70E740481C1C}">
+                <a14:useLocalDpi xmlns:a14="http://schemas.microsoft.com/office/drawing/2010/main" val="0"/>
+              </a:ext>
+            </a:extLst>
+          </a:blip>
+          <a:stretch>
+            <a:fillRect/>
+          </a:stretch>
+        </p:blipFill>
+        <p:spPr>
+          <a:xfrm>
+            <a:off x="11248792" y="5909733"/>
+            <a:ext cx="827314" cy="827314"/>
+          </a:xfrm>
+          <a:prstGeom prst="rect">
+            <a:avLst/>
+          </a:prstGeom>
+        </p:spPr>
+      </p:pic>
+      <p:sp>
+        <p:nvSpPr>
+          <p:cNvPr id="6" name="Textfeld 5"/>
+          <p:cNvSpPr txBox="1"/>
+          <p:nvPr/>
+        </p:nvSpPr>
+        <p:spPr>
+          <a:xfrm>
+            <a:off x="372650" y="6156167"/>
+            <a:ext cx="10876142" cy="338554"/>
+          </a:xfrm>
+          <a:prstGeom prst="rect">
+            <a:avLst/>
+          </a:prstGeom>
+          <a:noFill/>
+        </p:spPr>
+        <p:txBody>
+          <a:bodyPr wrap="square" rtlCol="0">
+            <a:spAutoFit/>
+          </a:bodyPr>
+          <a:lstStyle/>
+          <a:p>
+            <a:r>
+              <a:rPr lang="de-DE" sz="1600" dirty="0" smtClean="0"/>
+              <a:t>13.02.2015  |  Software Engineering I  |  Nadine Feldmann, Lukas Huwe, Michael Kerkhoff, Sebastian Ochtrup</a:t>
+            </a:r>
+            <a:endParaRPr lang="de-DE" sz="1600" dirty="0"/>
+          </a:p>
+        </p:txBody>
+      </p:sp>
+    </p:spTree>
+    <p:extLst>
+      <p:ext uri="{BB962C8B-B14F-4D97-AF65-F5344CB8AC3E}">
+        <p14:creationId xmlns:p14="http://schemas.microsoft.com/office/powerpoint/2010/main" val="1278744805"/>
+      </p:ext>
+    </p:extLst>
+  </p:cSld>
+  <p:clrMapOvr>
+    <a:masterClrMapping/>
+  </p:clrMapOvr>
+  <p:timing>
+    <p:tnLst>
+      <p:par>
+        <p:cTn id="1" dur="indefinite" restart="never" nodeType="tmRoot"/>
+      </p:par>
+    </p:tnLst>
+  </p:timing>
+</p:sld>
+</file>
+
+<file path=ppt/slides/slide17.xml><?xml version="1.0" encoding="utf-8"?>
+<p:sld xmlns:a="http://schemas.openxmlformats.org/drawingml/2006/main" xmlns:r="http://schemas.openxmlformats.org/officeDocument/2006/relationships" xmlns:p="http://schemas.openxmlformats.org/presentationml/2006/main">
+  <p:cSld>
+    <p:spTree>
+      <p:nvGrpSpPr>
+        <p:cNvPr id="1" name=""/>
+        <p:cNvGrpSpPr/>
+        <p:nvPr/>
+      </p:nvGrpSpPr>
+      <p:grpSpPr>
+        <a:xfrm>
+          <a:off x="0" y="0"/>
+          <a:ext cx="0" cy="0"/>
+          <a:chOff x="0" y="0"/>
+          <a:chExt cx="0" cy="0"/>
+        </a:xfrm>
+      </p:grpSpPr>
+      <p:sp>
+        <p:nvSpPr>
+          <p:cNvPr id="2" name="Titel 1"/>
+          <p:cNvSpPr>
+            <a:spLocks noGrp="1"/>
+          </p:cNvSpPr>
+          <p:nvPr>
+            <p:ph type="title"/>
+          </p:nvPr>
+        </p:nvSpPr>
+        <p:spPr/>
+        <p:txBody>
+          <a:bodyPr/>
+          <a:lstStyle/>
+          <a:p>
+            <a:r>
+              <a:rPr lang="de-DE" dirty="0" smtClean="0"/>
+              <a:t>Quellen</a:t>
+            </a:r>
+            <a:endParaRPr lang="de-DE" dirty="0"/>
+          </a:p>
+        </p:txBody>
+      </p:sp>
+      <p:sp>
+        <p:nvSpPr>
+          <p:cNvPr id="3" name="Inhaltsplatzhalter 2"/>
+          <p:cNvSpPr>
+            <a:spLocks noGrp="1"/>
+          </p:cNvSpPr>
+          <p:nvPr>
+            <p:ph idx="1"/>
+          </p:nvPr>
+        </p:nvSpPr>
+        <p:spPr/>
+        <p:txBody>
+          <a:bodyPr/>
+          <a:lstStyle/>
+          <a:p>
+            <a:r>
+              <a:rPr lang="de-DE" dirty="0" smtClean="0">
+                <a:hlinkClick r:id="rId3"/>
+              </a:rPr>
+              <a:t>www.elcomsoft.com</a:t>
+            </a:r>
+            <a:endParaRPr lang="de-DE" dirty="0" smtClean="0"/>
+          </a:p>
+          <a:p>
+            <a:r>
+              <a:rPr lang="de-DE" dirty="0" smtClean="0">
+                <a:hlinkClick r:id="rId4"/>
+              </a:rPr>
+              <a:t>www.elcomsoft.com/WP/BH-EU-2012-WP.pdf</a:t>
+            </a:r>
+            <a:endParaRPr lang="de-DE" dirty="0" smtClean="0"/>
+          </a:p>
+          <a:p>
+            <a:endParaRPr lang="de-DE" dirty="0" smtClean="0"/>
+          </a:p>
+        </p:txBody>
+      </p:sp>
+      <p:pic>
+        <p:nvPicPr>
+          <p:cNvPr id="4" name="Grafik 3"/>
+          <p:cNvPicPr>
+            <a:picLocks noChangeAspect="1"/>
+          </p:cNvPicPr>
+          <p:nvPr/>
+        </p:nvPicPr>
+        <p:blipFill>
+          <a:blip r:embed="rId5">
+            <a:extLst>
+              <a:ext uri="{28A0092B-C50C-407E-A947-70E740481C1C}">
+                <a14:useLocalDpi xmlns:a14="http://schemas.microsoft.com/office/drawing/2010/main" val="0"/>
+              </a:ext>
+            </a:extLst>
+          </a:blip>
+          <a:stretch>
+            <a:fillRect/>
+          </a:stretch>
+        </p:blipFill>
+        <p:spPr>
+          <a:xfrm>
+            <a:off x="11248792" y="5909733"/>
+            <a:ext cx="827314" cy="827314"/>
+          </a:xfrm>
+          <a:prstGeom prst="rect">
+            <a:avLst/>
+          </a:prstGeom>
+        </p:spPr>
+      </p:pic>
+      <p:sp>
+        <p:nvSpPr>
+          <p:cNvPr id="5" name="Foliennummernplatzhalter 4"/>
+          <p:cNvSpPr>
+            <a:spLocks noGrp="1"/>
+          </p:cNvSpPr>
+          <p:nvPr>
+            <p:ph type="sldNum" sz="quarter" idx="12"/>
+          </p:nvPr>
+        </p:nvSpPr>
+        <p:spPr/>
+        <p:txBody>
+          <a:bodyPr/>
+          <a:lstStyle/>
+          <a:p>
+            <a:fld id="{D57F1E4F-1CFF-5643-939E-217C01CDF565}" type="slidenum">
+              <a:rPr lang="en-US" smtClean="0"/>
+              <a:pPr/>
+              <a:t>17</a:t>
+            </a:fld>
+            <a:endParaRPr lang="en-US" dirty="0"/>
+          </a:p>
+        </p:txBody>
+      </p:sp>
+      <p:sp>
+        <p:nvSpPr>
+          <p:cNvPr id="6" name="Textfeld 5"/>
+          <p:cNvSpPr txBox="1"/>
+          <p:nvPr/>
+        </p:nvSpPr>
+        <p:spPr>
+          <a:xfrm>
+            <a:off x="372650" y="6156167"/>
+            <a:ext cx="10876142" cy="338554"/>
+          </a:xfrm>
+          <a:prstGeom prst="rect">
+            <a:avLst/>
+          </a:prstGeom>
+          <a:noFill/>
+        </p:spPr>
+        <p:txBody>
+          <a:bodyPr wrap="square" rtlCol="0">
+            <a:spAutoFit/>
+          </a:bodyPr>
+          <a:lstStyle/>
+          <a:p>
+            <a:r>
+              <a:rPr lang="de-DE" sz="1600" dirty="0" smtClean="0"/>
+              <a:t>13.02.2015  |  Software Engineering I  |  Nadine Feldmann, Lukas Huwe, Michael Kerkhoff, Sebastian Ochtrup</a:t>
+            </a:r>
+            <a:endParaRPr lang="de-DE" sz="1600" dirty="0"/>
+          </a:p>
+        </p:txBody>
+      </p:sp>
+    </p:spTree>
+    <p:extLst>
+      <p:ext uri="{BB962C8B-B14F-4D97-AF65-F5344CB8AC3E}">
+        <p14:creationId xmlns:p14="http://schemas.microsoft.com/office/powerpoint/2010/main" val="3216998357"/>
       </p:ext>
     </p:extLst>
   </p:cSld>
@@ -16017,7 +17572,7 @@
           <a:blip r:embed="rId3">
             <a:extLst>
               <a:ext uri="{28A0092B-C50C-407E-A947-70E740481C1C}">
-                <a14:useLocalDpi xmlns:a14="http://schemas.microsoft.com/office/drawing/2010/main" xmlns="" val="0"/>
+                <a14:useLocalDpi xmlns:a14="http://schemas.microsoft.com/office/drawing/2010/main" val="0"/>
               </a:ext>
             </a:extLst>
           </a:blip>
@@ -16092,7 +17647,7 @@
     </p:spTree>
     <p:extLst>
       <p:ext uri="{BB962C8B-B14F-4D97-AF65-F5344CB8AC3E}">
-        <p14:creationId xmlns:p14="http://schemas.microsoft.com/office/powerpoint/2010/main" xmlns="" val="2132460779"/>
+        <p14:creationId xmlns:p14="http://schemas.microsoft.com/office/powerpoint/2010/main" val="2132460779"/>
       </p:ext>
     </p:extLst>
   </p:cSld>
@@ -16180,7 +17735,7 @@
           <a:blip r:embed="rId3">
             <a:extLst>
               <a:ext uri="{28A0092B-C50C-407E-A947-70E740481C1C}">
-                <a14:useLocalDpi xmlns:a14="http://schemas.microsoft.com/office/drawing/2010/main" xmlns="" val="0"/>
+                <a14:useLocalDpi xmlns:a14="http://schemas.microsoft.com/office/drawing/2010/main" val="0"/>
               </a:ext>
             </a:extLst>
           </a:blip>
@@ -16255,7 +17810,7 @@
     </p:spTree>
     <p:extLst>
       <p:ext uri="{BB962C8B-B14F-4D97-AF65-F5344CB8AC3E}">
-        <p14:creationId xmlns:p14="http://schemas.microsoft.com/office/powerpoint/2010/main" xmlns="" val="1662249724"/>
+        <p14:creationId xmlns:p14="http://schemas.microsoft.com/office/powerpoint/2010/main" val="1662249724"/>
       </p:ext>
     </p:extLst>
   </p:cSld>
@@ -16331,7 +17886,6 @@
               <a:rPr lang="de-DE" dirty="0" smtClean="0"/>
               <a:t>Zunehmender Gefahrenanstieg</a:t>
             </a:r>
-            <a:endParaRPr lang="de-DE" dirty="0" smtClean="0"/>
           </a:p>
           <a:p>
             <a:pPr lvl="1"/>
@@ -16368,15 +17922,7 @@
             <a:pPr lvl="1"/>
             <a:r>
               <a:rPr lang="de-DE" dirty="0" smtClean="0"/>
-              <a:t>Durch gezielte Angriffe erhöht sich das Risiko weiter</a:t>
-            </a:r>
-            <a:r>
-              <a:rPr lang="de-DE" dirty="0" smtClean="0"/>
-              <a:t> </a:t>
-            </a:r>
-            <a:r>
-              <a:rPr lang="de-DE" dirty="0" smtClean="0"/>
-              <a:t>(Wörterbuchangriff)</a:t>
+              <a:t>Durch gezielte Angriffe erhöht sich das Risiko weiter (Wörterbuchangriff)</a:t>
             </a:r>
           </a:p>
           <a:p>
@@ -16399,7 +17945,6 @@
               <a:rPr lang="de-DE" dirty="0" smtClean="0"/>
               <a:t> ausnahmslos in kurzer Zeit geknackt werden können</a:t>
             </a:r>
-            <a:endParaRPr lang="de-DE" dirty="0" smtClean="0"/>
           </a:p>
           <a:p>
             <a:endParaRPr lang="de-DE" dirty="0" smtClean="0"/>
@@ -16418,7 +17963,7 @@
           <a:blip r:embed="rId3">
             <a:extLst>
               <a:ext uri="{28A0092B-C50C-407E-A947-70E740481C1C}">
-                <a14:useLocalDpi xmlns:a14="http://schemas.microsoft.com/office/drawing/2010/main" xmlns="" val="0"/>
+                <a14:useLocalDpi xmlns:a14="http://schemas.microsoft.com/office/drawing/2010/main" val="0"/>
               </a:ext>
             </a:extLst>
           </a:blip>
@@ -16493,7 +18038,7 @@
     </p:spTree>
     <p:extLst>
       <p:ext uri="{BB962C8B-B14F-4D97-AF65-F5344CB8AC3E}">
-        <p14:creationId xmlns:p14="http://schemas.microsoft.com/office/powerpoint/2010/main" xmlns="" val="4975384"/>
+        <p14:creationId xmlns:p14="http://schemas.microsoft.com/office/powerpoint/2010/main" val="4975384"/>
       </p:ext>
     </p:extLst>
   </p:cSld>
@@ -16611,7 +18156,7 @@
           <a:blip r:embed="rId3">
             <a:extLst>
               <a:ext uri="{28A0092B-C50C-407E-A947-70E740481C1C}">
-                <a14:useLocalDpi xmlns:a14="http://schemas.microsoft.com/office/drawing/2010/main" xmlns="" val="0"/>
+                <a14:useLocalDpi xmlns:a14="http://schemas.microsoft.com/office/drawing/2010/main" val="0"/>
               </a:ext>
             </a:extLst>
           </a:blip>
@@ -16686,7 +18231,7 @@
     </p:spTree>
     <p:extLst>
       <p:ext uri="{BB962C8B-B14F-4D97-AF65-F5344CB8AC3E}">
-        <p14:creationId xmlns:p14="http://schemas.microsoft.com/office/powerpoint/2010/main" xmlns="" val="4975384"/>
+        <p14:creationId xmlns:p14="http://schemas.microsoft.com/office/powerpoint/2010/main" val="4975384"/>
       </p:ext>
     </p:extLst>
   </p:cSld>
@@ -16755,7 +18300,7 @@
           <a:blip r:embed="rId3">
             <a:extLst>
               <a:ext uri="{28A0092B-C50C-407E-A947-70E740481C1C}">
-                <a14:useLocalDpi xmlns:a14="http://schemas.microsoft.com/office/drawing/2010/main" xmlns="" val="0"/>
+                <a14:useLocalDpi xmlns:a14="http://schemas.microsoft.com/office/drawing/2010/main" val="0"/>
               </a:ext>
             </a:extLst>
           </a:blip>
@@ -17007,7 +18552,7 @@
     </p:spTree>
     <p:extLst>
       <p:ext uri="{BB962C8B-B14F-4D97-AF65-F5344CB8AC3E}">
-        <p14:creationId xmlns:p14="http://schemas.microsoft.com/office/powerpoint/2010/main" xmlns="" val="4975384"/>
+        <p14:creationId xmlns:p14="http://schemas.microsoft.com/office/powerpoint/2010/main" val="4975384"/>
       </p:ext>
     </p:extLst>
   </p:cSld>
@@ -17076,7 +18621,7 @@
           <a:blip r:embed="rId3">
             <a:extLst>
               <a:ext uri="{28A0092B-C50C-407E-A947-70E740481C1C}">
-                <a14:useLocalDpi xmlns:a14="http://schemas.microsoft.com/office/drawing/2010/main" xmlns="" val="0"/>
+                <a14:useLocalDpi xmlns:a14="http://schemas.microsoft.com/office/drawing/2010/main" val="0"/>
               </a:ext>
             </a:extLst>
           </a:blip>
@@ -17332,7 +18877,7 @@
     </p:spTree>
     <p:extLst>
       <p:ext uri="{BB962C8B-B14F-4D97-AF65-F5344CB8AC3E}">
-        <p14:creationId xmlns:p14="http://schemas.microsoft.com/office/powerpoint/2010/main" xmlns="" val="4975384"/>
+        <p14:creationId xmlns:p14="http://schemas.microsoft.com/office/powerpoint/2010/main" val="4975384"/>
       </p:ext>
     </p:extLst>
   </p:cSld>
@@ -17404,6 +18949,48 @@
           <a:bodyPr/>
           <a:lstStyle/>
           <a:p>
+            <a:r>
+              <a:rPr lang="de-DE" dirty="0" err="1" smtClean="0"/>
+              <a:t>Git</a:t>
+            </a:r>
+            <a:r>
+              <a:rPr lang="de-DE" dirty="0" smtClean="0"/>
+              <a:t>/ </a:t>
+            </a:r>
+            <a:r>
+              <a:rPr lang="de-DE" dirty="0" err="1" smtClean="0"/>
+              <a:t>GitHub</a:t>
+            </a:r>
+            <a:endParaRPr lang="de-DE" dirty="0" smtClean="0"/>
+          </a:p>
+          <a:p>
+            <a:r>
+              <a:rPr lang="de-DE" dirty="0" err="1" smtClean="0"/>
+              <a:t>SourceTree</a:t>
+            </a:r>
+            <a:endParaRPr lang="de-DE" dirty="0" smtClean="0"/>
+          </a:p>
+          <a:p>
+            <a:r>
+              <a:rPr lang="de-DE" dirty="0" smtClean="0"/>
+              <a:t>Android Studio</a:t>
+            </a:r>
+          </a:p>
+          <a:p>
+            <a:r>
+              <a:rPr lang="de-DE" dirty="0" err="1" smtClean="0"/>
+              <a:t>Gradle</a:t>
+            </a:r>
+            <a:endParaRPr lang="de-DE" dirty="0" smtClean="0"/>
+          </a:p>
+          <a:p>
+            <a:r>
+              <a:rPr lang="de-DE" dirty="0" err="1" smtClean="0"/>
+              <a:t>UnitTesting</a:t>
+            </a:r>
+            <a:endParaRPr lang="de-DE" dirty="0" smtClean="0"/>
+          </a:p>
+          <a:p>
             <a:endParaRPr lang="de-DE" dirty="0"/>
           </a:p>
         </p:txBody>
@@ -17420,7 +19007,7 @@
           <a:blip r:embed="rId3">
             <a:extLst>
               <a:ext uri="{28A0092B-C50C-407E-A947-70E740481C1C}">
-                <a14:useLocalDpi xmlns:a14="http://schemas.microsoft.com/office/drawing/2010/main" xmlns="" val="0"/>
+                <a14:useLocalDpi xmlns:a14="http://schemas.microsoft.com/office/drawing/2010/main" val="0"/>
               </a:ext>
             </a:extLst>
           </a:blip>
@@ -17495,7 +19082,7 @@
     </p:spTree>
     <p:extLst>
       <p:ext uri="{BB962C8B-B14F-4D97-AF65-F5344CB8AC3E}">
-        <p14:creationId xmlns:p14="http://schemas.microsoft.com/office/powerpoint/2010/main" xmlns="" val="14036120"/>
+        <p14:creationId xmlns:p14="http://schemas.microsoft.com/office/powerpoint/2010/main" val="14036120"/>
       </p:ext>
     </p:extLst>
   </p:cSld>
@@ -17546,7 +19133,7 @@
           <a:p>
             <a:r>
               <a:rPr lang="de-DE" dirty="0" smtClean="0"/>
-              <a:t>Demo</a:t>
+              <a:t>Werkzeugeinsatz</a:t>
             </a:r>
             <a:endParaRPr lang="de-DE" dirty="0"/>
           </a:p>
@@ -17566,6 +19153,71 @@
         <p:txBody>
           <a:bodyPr/>
           <a:lstStyle/>
+          <a:p>
+            <a:r>
+              <a:rPr lang="de-DE" dirty="0" err="1" smtClean="0"/>
+              <a:t>Git</a:t>
+            </a:r>
+            <a:endParaRPr lang="de-DE" dirty="0"/>
+          </a:p>
+          <a:p>
+            <a:pPr lvl="1"/>
+            <a:r>
+              <a:rPr lang="de-DE" dirty="0" smtClean="0"/>
+              <a:t>Dezentrale Speicherung</a:t>
+            </a:r>
+          </a:p>
+          <a:p>
+            <a:pPr lvl="1"/>
+            <a:r>
+              <a:rPr lang="de-DE" dirty="0" smtClean="0"/>
+              <a:t>Einfache Möglichkeit </a:t>
+            </a:r>
+            <a:r>
+              <a:rPr lang="de-DE" dirty="0" err="1" smtClean="0"/>
+              <a:t>Branches</a:t>
+            </a:r>
+            <a:r>
+              <a:rPr lang="de-DE" dirty="0" smtClean="0"/>
+              <a:t> zu bilden</a:t>
+            </a:r>
+            <a:endParaRPr lang="de-DE" dirty="0" smtClean="0"/>
+          </a:p>
+          <a:p>
+            <a:pPr lvl="1"/>
+            <a:r>
+              <a:rPr lang="de-DE" dirty="0" smtClean="0"/>
+              <a:t>Für ¾ der Gruppe neu</a:t>
+            </a:r>
+          </a:p>
+          <a:p>
+            <a:r>
+              <a:rPr lang="de-DE" dirty="0" err="1" smtClean="0"/>
+              <a:t>GitHub</a:t>
+            </a:r>
+            <a:endParaRPr lang="de-DE" dirty="0" smtClean="0"/>
+          </a:p>
+          <a:p>
+            <a:pPr lvl="1"/>
+            <a:r>
+              <a:rPr lang="de-DE" dirty="0" smtClean="0"/>
+              <a:t>Kostenfrei</a:t>
+            </a:r>
+          </a:p>
+          <a:p>
+            <a:pPr lvl="1"/>
+            <a:r>
+              <a:rPr lang="de-DE" dirty="0" smtClean="0"/>
+              <a:t>Einfach und zentral</a:t>
+            </a:r>
+          </a:p>
+          <a:p>
+            <a:pPr lvl="1"/>
+            <a:r>
+              <a:rPr lang="de-DE" dirty="0" smtClean="0"/>
+              <a:t>Unterstützung durch viele Tools</a:t>
+            </a:r>
+          </a:p>
           <a:p>
             <a:endParaRPr lang="de-DE" dirty="0"/>
           </a:p>
@@ -17583,7 +19235,7 @@
           <a:blip r:embed="rId3">
             <a:extLst>
               <a:ext uri="{28A0092B-C50C-407E-A947-70E740481C1C}">
-                <a14:useLocalDpi xmlns:a14="http://schemas.microsoft.com/office/drawing/2010/main" xmlns="" val="0"/>
+                <a14:useLocalDpi xmlns:a14="http://schemas.microsoft.com/office/drawing/2010/main" val="0"/>
               </a:ext>
             </a:extLst>
           </a:blip>
@@ -17655,24 +19307,98 @@
           </a:p>
         </p:txBody>
       </p:sp>
+      <p:pic>
+        <p:nvPicPr>
+          <p:cNvPr id="1026" name="Picture 2" descr="http://git-scm.com/images/logo%402x.png"/>
+          <p:cNvPicPr>
+            <a:picLocks noChangeAspect="1" noChangeArrowheads="1"/>
+          </p:cNvPicPr>
+          <p:nvPr/>
+        </p:nvPicPr>
+        <p:blipFill>
+          <a:blip r:embed="rId4">
+            <a:extLst>
+              <a:ext uri="{28A0092B-C50C-407E-A947-70E740481C1C}">
+                <a14:useLocalDpi xmlns:a14="http://schemas.microsoft.com/office/drawing/2010/main" val="0"/>
+              </a:ext>
+            </a:extLst>
+          </a:blip>
+          <a:srcRect/>
+          <a:stretch>
+            <a:fillRect/>
+          </a:stretch>
+        </p:blipFill>
+        <p:spPr bwMode="auto">
+          <a:xfrm>
+            <a:off x="8257040" y="2424883"/>
+            <a:ext cx="2095500" cy="876300"/>
+          </a:xfrm>
+          <a:prstGeom prst="rect">
+            <a:avLst/>
+          </a:prstGeom>
+          <a:noFill/>
+          <a:extLst>
+            <a:ext uri="{909E8E84-426E-40DD-AFC4-6F175D3DCCD1}">
+              <a14:hiddenFill xmlns:a14="http://schemas.microsoft.com/office/drawing/2010/main">
+                <a:solidFill>
+                  <a:srgbClr val="FFFFFF"/>
+                </a:solidFill>
+              </a14:hiddenFill>
+            </a:ext>
+          </a:extLst>
+        </p:spPr>
+      </p:pic>
+      <p:pic>
+        <p:nvPicPr>
+          <p:cNvPr id="1028" name="Picture 4" descr="https://assets-cdn.github.com/images/modules/logos_page/GitHub-Logo.png"/>
+          <p:cNvPicPr>
+            <a:picLocks noChangeAspect="1" noChangeArrowheads="1"/>
+          </p:cNvPicPr>
+          <p:nvPr/>
+        </p:nvPicPr>
+        <p:blipFill>
+          <a:blip r:embed="rId5">
+            <a:extLst>
+              <a:ext uri="{28A0092B-C50C-407E-A947-70E740481C1C}">
+                <a14:useLocalDpi xmlns:a14="http://schemas.microsoft.com/office/drawing/2010/main" val="0"/>
+              </a:ext>
+            </a:extLst>
+          </a:blip>
+          <a:srcRect/>
+          <a:stretch>
+            <a:fillRect/>
+          </a:stretch>
+        </p:blipFill>
+        <p:spPr bwMode="auto">
+          <a:xfrm>
+            <a:off x="7665929" y="4184677"/>
+            <a:ext cx="2686611" cy="701877"/>
+          </a:xfrm>
+          <a:prstGeom prst="rect">
+            <a:avLst/>
+          </a:prstGeom>
+          <a:noFill/>
+          <a:extLst>
+            <a:ext uri="{909E8E84-426E-40DD-AFC4-6F175D3DCCD1}">
+              <a14:hiddenFill xmlns:a14="http://schemas.microsoft.com/office/drawing/2010/main">
+                <a:solidFill>
+                  <a:srgbClr val="FFFFFF"/>
+                </a:solidFill>
+              </a14:hiddenFill>
+            </a:ext>
+          </a:extLst>
+        </p:spPr>
+      </p:pic>
     </p:spTree>
     <p:extLst>
       <p:ext uri="{BB962C8B-B14F-4D97-AF65-F5344CB8AC3E}">
-        <p14:creationId xmlns:p14="http://schemas.microsoft.com/office/powerpoint/2010/main" xmlns="" val="3667091251"/>
+        <p14:creationId xmlns:p14="http://schemas.microsoft.com/office/powerpoint/2010/main" val="1932109761"/>
       </p:ext>
     </p:extLst>
   </p:cSld>
   <p:clrMapOvr>
     <a:masterClrMapping/>
   </p:clrMapOvr>
-  <mc:AlternateContent xmlns:mc="http://schemas.openxmlformats.org/markup-compatibility/2006">
-    <mc:Choice xmlns:p14="http://schemas.microsoft.com/office/powerpoint/2010/main" xmlns="" Requires="p14">
-      <p:transition spd="slow" p14:dur="2000"/>
-    </mc:Choice>
-    <mc:Fallback>
-      <p:transition spd="slow"/>
-    </mc:Fallback>
-  </mc:AlternateContent>
   <p:timing>
     <p:tnLst>
       <p:par>
@@ -17942,7 +19668,7 @@
   <a:extraClrSchemeLst/>
   <a:extLst>
     <a:ext uri="{05A4C25C-085E-4340-85A3-A5531E510DB2}">
-      <thm15:themeFamily xmlns:thm15="http://schemas.microsoft.com/office/thememl/2012/main" xmlns="" name="Ion Boardroom" id="{FC33163D-4339-46B1-8EED-24C834239D99}" vid="{A3AB87EF-B655-4FFF-8D05-F333AD7F2789}"/>
+      <thm15:themeFamily xmlns:thm15="http://schemas.microsoft.com/office/thememl/2012/main" name="Ion Boardroom" id="{FC33163D-4339-46B1-8EED-24C834239D99}" vid="{A3AB87EF-B655-4FFF-8D05-F333AD7F2789}"/>
     </a:ext>
   </a:extLst>
 </a:theme>
@@ -18203,7 +19929,7 @@
   <a:extraClrSchemeLst/>
   <a:extLst>
     <a:ext uri="{05A4C25C-085E-4340-85A3-A5531E510DB2}">
-      <thm15:themeFamily xmlns:thm15="http://schemas.microsoft.com/office/thememl/2012/main" xmlns="" name="Office Theme" id="{62F939B6-93AF-4DB8-9C6B-D6C7DFDC589F}" vid="{4A3C46E8-61CC-4603-A589-7422A47A8E4A}"/>
+      <thm15:themeFamily xmlns:thm15="http://schemas.microsoft.com/office/thememl/2012/main" name="Office Theme" id="{62F939B6-93AF-4DB8-9C6B-D6C7DFDC589F}" vid="{4A3C46E8-61CC-4603-A589-7422A47A8E4A}"/>
     </a:ext>
   </a:extLst>
 </a:theme>

--- a/Dokumentation/PWSafe Präsentation.pptx
+++ b/Dokumentation/PWSafe Präsentation.pptx
@@ -5,7 +5,7 @@
     <p:sldMasterId id="2147483648" r:id="rId1"/>
   </p:sldMasterIdLst>
   <p:notesMasterIdLst>
-    <p:notesMasterId r:id="rId19"/>
+    <p:notesMasterId r:id="rId29"/>
   </p:notesMasterIdLst>
   <p:sldIdLst>
     <p:sldId id="256" r:id="rId2"/>
@@ -21,10 +21,20 @@
     <p:sldId id="272" r:id="rId12"/>
     <p:sldId id="273" r:id="rId13"/>
     <p:sldId id="261" r:id="rId14"/>
-    <p:sldId id="262" r:id="rId15"/>
-    <p:sldId id="263" r:id="rId16"/>
-    <p:sldId id="264" r:id="rId17"/>
-    <p:sldId id="265" r:id="rId18"/>
+    <p:sldId id="284" r:id="rId15"/>
+    <p:sldId id="274" r:id="rId16"/>
+    <p:sldId id="275" r:id="rId17"/>
+    <p:sldId id="276" r:id="rId18"/>
+    <p:sldId id="277" r:id="rId19"/>
+    <p:sldId id="278" r:id="rId20"/>
+    <p:sldId id="279" r:id="rId21"/>
+    <p:sldId id="280" r:id="rId22"/>
+    <p:sldId id="281" r:id="rId23"/>
+    <p:sldId id="282" r:id="rId24"/>
+    <p:sldId id="283" r:id="rId25"/>
+    <p:sldId id="263" r:id="rId26"/>
+    <p:sldId id="264" r:id="rId27"/>
+    <p:sldId id="265" r:id="rId28"/>
   </p:sldIdLst>
   <p:sldSz cx="12192000" cy="6858000"/>
   <p:notesSz cx="6858000" cy="9144000"/>
@@ -228,7 +238,7 @@
             <a:fld id="{B4AA8B1B-A85F-43ED-A41A-985067DF8577}" type="datetimeFigureOut">
               <a:rPr lang="de-DE" smtClean="0"/>
               <a:pPr/>
-              <a:t>09.02.2015</a:t>
+              <a:t>10.02.2015</a:t>
             </a:fld>
             <a:endParaRPr lang="de-DE"/>
           </a:p>
@@ -902,7 +912,6 @@
           <a:p>
             <a:fld id="{05D1FABD-69C2-49F9-BD91-F05E017FE538}" type="slidenum">
               <a:rPr lang="de-DE" smtClean="0"/>
-              <a:pPr/>
               <a:t>14</a:t>
             </a:fld>
             <a:endParaRPr lang="de-DE"/>
@@ -912,7 +921,7 @@
     </p:spTree>
     <p:extLst>
       <p:ext uri="{BB962C8B-B14F-4D97-AF65-F5344CB8AC3E}">
-        <p14:creationId xmlns:p14="http://schemas.microsoft.com/office/powerpoint/2010/main" val="1066156749"/>
+        <p14:creationId xmlns:p14="http://schemas.microsoft.com/office/powerpoint/2010/main" val="1949970788"/>
       </p:ext>
     </p:extLst>
   </p:cSld>
@@ -987,7 +996,6 @@
           <a:p>
             <a:fld id="{05D1FABD-69C2-49F9-BD91-F05E017FE538}" type="slidenum">
               <a:rPr lang="de-DE" smtClean="0"/>
-              <a:pPr/>
               <a:t>15</a:t>
             </a:fld>
             <a:endParaRPr lang="de-DE"/>
@@ -997,7 +1005,7 @@
     </p:spTree>
     <p:extLst>
       <p:ext uri="{BB962C8B-B14F-4D97-AF65-F5344CB8AC3E}">
-        <p14:creationId xmlns:p14="http://schemas.microsoft.com/office/powerpoint/2010/main" val="3297351362"/>
+        <p14:creationId xmlns:p14="http://schemas.microsoft.com/office/powerpoint/2010/main" val="1223020845"/>
       </p:ext>
     </p:extLst>
   </p:cSld>
@@ -1072,7 +1080,6 @@
           <a:p>
             <a:fld id="{05D1FABD-69C2-49F9-BD91-F05E017FE538}" type="slidenum">
               <a:rPr lang="de-DE" smtClean="0"/>
-              <a:pPr/>
               <a:t>16</a:t>
             </a:fld>
             <a:endParaRPr lang="de-DE"/>
@@ -1082,7 +1089,7 @@
     </p:spTree>
     <p:extLst>
       <p:ext uri="{BB962C8B-B14F-4D97-AF65-F5344CB8AC3E}">
-        <p14:creationId xmlns:p14="http://schemas.microsoft.com/office/powerpoint/2010/main" val="784737350"/>
+        <p14:creationId xmlns:p14="http://schemas.microsoft.com/office/powerpoint/2010/main" val="1120374715"/>
       </p:ext>
     </p:extLst>
   </p:cSld>
@@ -1157,7 +1164,6 @@
           <a:p>
             <a:fld id="{05D1FABD-69C2-49F9-BD91-F05E017FE538}" type="slidenum">
               <a:rPr lang="de-DE" smtClean="0"/>
-              <a:pPr/>
               <a:t>17</a:t>
             </a:fld>
             <a:endParaRPr lang="de-DE"/>
@@ -1167,7 +1173,259 @@
     </p:spTree>
     <p:extLst>
       <p:ext uri="{BB962C8B-B14F-4D97-AF65-F5344CB8AC3E}">
-        <p14:creationId xmlns:p14="http://schemas.microsoft.com/office/powerpoint/2010/main" val="1066156749"/>
+        <p14:creationId xmlns:p14="http://schemas.microsoft.com/office/powerpoint/2010/main" val="229866248"/>
+      </p:ext>
+    </p:extLst>
+  </p:cSld>
+  <p:clrMapOvr>
+    <a:masterClrMapping/>
+  </p:clrMapOvr>
+</p:notes>
+</file>
+
+<file path=ppt/notesSlides/notesSlide17.xml><?xml version="1.0" encoding="utf-8"?>
+<p:notes xmlns:a="http://schemas.openxmlformats.org/drawingml/2006/main" xmlns:r="http://schemas.openxmlformats.org/officeDocument/2006/relationships" xmlns:p="http://schemas.openxmlformats.org/presentationml/2006/main">
+  <p:cSld>
+    <p:spTree>
+      <p:nvGrpSpPr>
+        <p:cNvPr id="1" name=""/>
+        <p:cNvGrpSpPr/>
+        <p:nvPr/>
+      </p:nvGrpSpPr>
+      <p:grpSpPr>
+        <a:xfrm>
+          <a:off x="0" y="0"/>
+          <a:ext cx="0" cy="0"/>
+          <a:chOff x="0" y="0"/>
+          <a:chExt cx="0" cy="0"/>
+        </a:xfrm>
+      </p:grpSpPr>
+      <p:sp>
+        <p:nvSpPr>
+          <p:cNvPr id="2" name="Folienbildplatzhalter 1"/>
+          <p:cNvSpPr>
+            <a:spLocks noGrp="1" noRot="1" noChangeAspect="1"/>
+          </p:cNvSpPr>
+          <p:nvPr>
+            <p:ph type="sldImg"/>
+          </p:nvPr>
+        </p:nvSpPr>
+        <p:spPr/>
+      </p:sp>
+      <p:sp>
+        <p:nvSpPr>
+          <p:cNvPr id="3" name="Notizenplatzhalter 2"/>
+          <p:cNvSpPr>
+            <a:spLocks noGrp="1"/>
+          </p:cNvSpPr>
+          <p:nvPr>
+            <p:ph type="body" idx="1"/>
+          </p:nvPr>
+        </p:nvSpPr>
+        <p:spPr/>
+        <p:txBody>
+          <a:bodyPr/>
+          <a:lstStyle/>
+          <a:p>
+            <a:endParaRPr lang="de-DE"/>
+          </a:p>
+        </p:txBody>
+      </p:sp>
+      <p:sp>
+        <p:nvSpPr>
+          <p:cNvPr id="4" name="Foliennummernplatzhalter 3"/>
+          <p:cNvSpPr>
+            <a:spLocks noGrp="1"/>
+          </p:cNvSpPr>
+          <p:nvPr>
+            <p:ph type="sldNum" sz="quarter" idx="10"/>
+          </p:nvPr>
+        </p:nvSpPr>
+        <p:spPr/>
+        <p:txBody>
+          <a:bodyPr/>
+          <a:lstStyle/>
+          <a:p>
+            <a:fld id="{05D1FABD-69C2-49F9-BD91-F05E017FE538}" type="slidenum">
+              <a:rPr lang="de-DE" smtClean="0"/>
+              <a:t>18</a:t>
+            </a:fld>
+            <a:endParaRPr lang="de-DE"/>
+          </a:p>
+        </p:txBody>
+      </p:sp>
+    </p:spTree>
+    <p:extLst>
+      <p:ext uri="{BB962C8B-B14F-4D97-AF65-F5344CB8AC3E}">
+        <p14:creationId xmlns:p14="http://schemas.microsoft.com/office/powerpoint/2010/main" val="1395052422"/>
+      </p:ext>
+    </p:extLst>
+  </p:cSld>
+  <p:clrMapOvr>
+    <a:masterClrMapping/>
+  </p:clrMapOvr>
+</p:notes>
+</file>
+
+<file path=ppt/notesSlides/notesSlide18.xml><?xml version="1.0" encoding="utf-8"?>
+<p:notes xmlns:a="http://schemas.openxmlformats.org/drawingml/2006/main" xmlns:r="http://schemas.openxmlformats.org/officeDocument/2006/relationships" xmlns:p="http://schemas.openxmlformats.org/presentationml/2006/main">
+  <p:cSld>
+    <p:spTree>
+      <p:nvGrpSpPr>
+        <p:cNvPr id="1" name=""/>
+        <p:cNvGrpSpPr/>
+        <p:nvPr/>
+      </p:nvGrpSpPr>
+      <p:grpSpPr>
+        <a:xfrm>
+          <a:off x="0" y="0"/>
+          <a:ext cx="0" cy="0"/>
+          <a:chOff x="0" y="0"/>
+          <a:chExt cx="0" cy="0"/>
+        </a:xfrm>
+      </p:grpSpPr>
+      <p:sp>
+        <p:nvSpPr>
+          <p:cNvPr id="2" name="Folienbildplatzhalter 1"/>
+          <p:cNvSpPr>
+            <a:spLocks noGrp="1" noRot="1" noChangeAspect="1"/>
+          </p:cNvSpPr>
+          <p:nvPr>
+            <p:ph type="sldImg"/>
+          </p:nvPr>
+        </p:nvSpPr>
+        <p:spPr/>
+      </p:sp>
+      <p:sp>
+        <p:nvSpPr>
+          <p:cNvPr id="3" name="Notizenplatzhalter 2"/>
+          <p:cNvSpPr>
+            <a:spLocks noGrp="1"/>
+          </p:cNvSpPr>
+          <p:nvPr>
+            <p:ph type="body" idx="1"/>
+          </p:nvPr>
+        </p:nvSpPr>
+        <p:spPr/>
+        <p:txBody>
+          <a:bodyPr/>
+          <a:lstStyle/>
+          <a:p>
+            <a:endParaRPr lang="de-DE"/>
+          </a:p>
+        </p:txBody>
+      </p:sp>
+      <p:sp>
+        <p:nvSpPr>
+          <p:cNvPr id="4" name="Foliennummernplatzhalter 3"/>
+          <p:cNvSpPr>
+            <a:spLocks noGrp="1"/>
+          </p:cNvSpPr>
+          <p:nvPr>
+            <p:ph type="sldNum" sz="quarter" idx="10"/>
+          </p:nvPr>
+        </p:nvSpPr>
+        <p:spPr/>
+        <p:txBody>
+          <a:bodyPr/>
+          <a:lstStyle/>
+          <a:p>
+            <a:fld id="{05D1FABD-69C2-49F9-BD91-F05E017FE538}" type="slidenum">
+              <a:rPr lang="de-DE" smtClean="0"/>
+              <a:t>19</a:t>
+            </a:fld>
+            <a:endParaRPr lang="de-DE"/>
+          </a:p>
+        </p:txBody>
+      </p:sp>
+    </p:spTree>
+    <p:extLst>
+      <p:ext uri="{BB962C8B-B14F-4D97-AF65-F5344CB8AC3E}">
+        <p14:creationId xmlns:p14="http://schemas.microsoft.com/office/powerpoint/2010/main" val="3401759754"/>
+      </p:ext>
+    </p:extLst>
+  </p:cSld>
+  <p:clrMapOvr>
+    <a:masterClrMapping/>
+  </p:clrMapOvr>
+</p:notes>
+</file>
+
+<file path=ppt/notesSlides/notesSlide19.xml><?xml version="1.0" encoding="utf-8"?>
+<p:notes xmlns:a="http://schemas.openxmlformats.org/drawingml/2006/main" xmlns:r="http://schemas.openxmlformats.org/officeDocument/2006/relationships" xmlns:p="http://schemas.openxmlformats.org/presentationml/2006/main">
+  <p:cSld>
+    <p:spTree>
+      <p:nvGrpSpPr>
+        <p:cNvPr id="1" name=""/>
+        <p:cNvGrpSpPr/>
+        <p:nvPr/>
+      </p:nvGrpSpPr>
+      <p:grpSpPr>
+        <a:xfrm>
+          <a:off x="0" y="0"/>
+          <a:ext cx="0" cy="0"/>
+          <a:chOff x="0" y="0"/>
+          <a:chExt cx="0" cy="0"/>
+        </a:xfrm>
+      </p:grpSpPr>
+      <p:sp>
+        <p:nvSpPr>
+          <p:cNvPr id="2" name="Folienbildplatzhalter 1"/>
+          <p:cNvSpPr>
+            <a:spLocks noGrp="1" noRot="1" noChangeAspect="1"/>
+          </p:cNvSpPr>
+          <p:nvPr>
+            <p:ph type="sldImg"/>
+          </p:nvPr>
+        </p:nvSpPr>
+        <p:spPr/>
+      </p:sp>
+      <p:sp>
+        <p:nvSpPr>
+          <p:cNvPr id="3" name="Notizenplatzhalter 2"/>
+          <p:cNvSpPr>
+            <a:spLocks noGrp="1"/>
+          </p:cNvSpPr>
+          <p:nvPr>
+            <p:ph type="body" idx="1"/>
+          </p:nvPr>
+        </p:nvSpPr>
+        <p:spPr/>
+        <p:txBody>
+          <a:bodyPr/>
+          <a:lstStyle/>
+          <a:p>
+            <a:endParaRPr lang="de-DE"/>
+          </a:p>
+        </p:txBody>
+      </p:sp>
+      <p:sp>
+        <p:nvSpPr>
+          <p:cNvPr id="4" name="Foliennummernplatzhalter 3"/>
+          <p:cNvSpPr>
+            <a:spLocks noGrp="1"/>
+          </p:cNvSpPr>
+          <p:nvPr>
+            <p:ph type="sldNum" sz="quarter" idx="10"/>
+          </p:nvPr>
+        </p:nvSpPr>
+        <p:spPr/>
+        <p:txBody>
+          <a:bodyPr/>
+          <a:lstStyle/>
+          <a:p>
+            <a:fld id="{05D1FABD-69C2-49F9-BD91-F05E017FE538}" type="slidenum">
+              <a:rPr lang="de-DE" smtClean="0"/>
+              <a:t>20</a:t>
+            </a:fld>
+            <a:endParaRPr lang="de-DE"/>
+          </a:p>
+        </p:txBody>
+      </p:sp>
+    </p:spTree>
+    <p:extLst>
+      <p:ext uri="{BB962C8B-B14F-4D97-AF65-F5344CB8AC3E}">
+        <p14:creationId xmlns:p14="http://schemas.microsoft.com/office/powerpoint/2010/main" val="3922393296"/>
       </p:ext>
     </p:extLst>
   </p:cSld>
@@ -1253,6 +1511,597 @@
     <p:extLst>
       <p:ext uri="{BB962C8B-B14F-4D97-AF65-F5344CB8AC3E}">
         <p14:creationId xmlns:p14="http://schemas.microsoft.com/office/powerpoint/2010/main" val="930434972"/>
+      </p:ext>
+    </p:extLst>
+  </p:cSld>
+  <p:clrMapOvr>
+    <a:masterClrMapping/>
+  </p:clrMapOvr>
+</p:notes>
+</file>
+
+<file path=ppt/notesSlides/notesSlide20.xml><?xml version="1.0" encoding="utf-8"?>
+<p:notes xmlns:a="http://schemas.openxmlformats.org/drawingml/2006/main" xmlns:r="http://schemas.openxmlformats.org/officeDocument/2006/relationships" xmlns:p="http://schemas.openxmlformats.org/presentationml/2006/main">
+  <p:cSld>
+    <p:spTree>
+      <p:nvGrpSpPr>
+        <p:cNvPr id="1" name=""/>
+        <p:cNvGrpSpPr/>
+        <p:nvPr/>
+      </p:nvGrpSpPr>
+      <p:grpSpPr>
+        <a:xfrm>
+          <a:off x="0" y="0"/>
+          <a:ext cx="0" cy="0"/>
+          <a:chOff x="0" y="0"/>
+          <a:chExt cx="0" cy="0"/>
+        </a:xfrm>
+      </p:grpSpPr>
+      <p:sp>
+        <p:nvSpPr>
+          <p:cNvPr id="2" name="Folienbildplatzhalter 1"/>
+          <p:cNvSpPr>
+            <a:spLocks noGrp="1" noRot="1" noChangeAspect="1"/>
+          </p:cNvSpPr>
+          <p:nvPr>
+            <p:ph type="sldImg"/>
+          </p:nvPr>
+        </p:nvSpPr>
+        <p:spPr/>
+      </p:sp>
+      <p:sp>
+        <p:nvSpPr>
+          <p:cNvPr id="3" name="Notizenplatzhalter 2"/>
+          <p:cNvSpPr>
+            <a:spLocks noGrp="1"/>
+          </p:cNvSpPr>
+          <p:nvPr>
+            <p:ph type="body" idx="1"/>
+          </p:nvPr>
+        </p:nvSpPr>
+        <p:spPr/>
+        <p:txBody>
+          <a:bodyPr/>
+          <a:lstStyle/>
+          <a:p>
+            <a:endParaRPr lang="de-DE"/>
+          </a:p>
+        </p:txBody>
+      </p:sp>
+      <p:sp>
+        <p:nvSpPr>
+          <p:cNvPr id="4" name="Foliennummernplatzhalter 3"/>
+          <p:cNvSpPr>
+            <a:spLocks noGrp="1"/>
+          </p:cNvSpPr>
+          <p:nvPr>
+            <p:ph type="sldNum" sz="quarter" idx="10"/>
+          </p:nvPr>
+        </p:nvSpPr>
+        <p:spPr/>
+        <p:txBody>
+          <a:bodyPr/>
+          <a:lstStyle/>
+          <a:p>
+            <a:fld id="{05D1FABD-69C2-49F9-BD91-F05E017FE538}" type="slidenum">
+              <a:rPr lang="de-DE" smtClean="0"/>
+              <a:t>21</a:t>
+            </a:fld>
+            <a:endParaRPr lang="de-DE"/>
+          </a:p>
+        </p:txBody>
+      </p:sp>
+    </p:spTree>
+    <p:extLst>
+      <p:ext uri="{BB962C8B-B14F-4D97-AF65-F5344CB8AC3E}">
+        <p14:creationId xmlns:p14="http://schemas.microsoft.com/office/powerpoint/2010/main" val="2754737602"/>
+      </p:ext>
+    </p:extLst>
+  </p:cSld>
+  <p:clrMapOvr>
+    <a:masterClrMapping/>
+  </p:clrMapOvr>
+</p:notes>
+</file>
+
+<file path=ppt/notesSlides/notesSlide21.xml><?xml version="1.0" encoding="utf-8"?>
+<p:notes xmlns:a="http://schemas.openxmlformats.org/drawingml/2006/main" xmlns:r="http://schemas.openxmlformats.org/officeDocument/2006/relationships" xmlns:p="http://schemas.openxmlformats.org/presentationml/2006/main">
+  <p:cSld>
+    <p:spTree>
+      <p:nvGrpSpPr>
+        <p:cNvPr id="1" name=""/>
+        <p:cNvGrpSpPr/>
+        <p:nvPr/>
+      </p:nvGrpSpPr>
+      <p:grpSpPr>
+        <a:xfrm>
+          <a:off x="0" y="0"/>
+          <a:ext cx="0" cy="0"/>
+          <a:chOff x="0" y="0"/>
+          <a:chExt cx="0" cy="0"/>
+        </a:xfrm>
+      </p:grpSpPr>
+      <p:sp>
+        <p:nvSpPr>
+          <p:cNvPr id="2" name="Folienbildplatzhalter 1"/>
+          <p:cNvSpPr>
+            <a:spLocks noGrp="1" noRot="1" noChangeAspect="1"/>
+          </p:cNvSpPr>
+          <p:nvPr>
+            <p:ph type="sldImg"/>
+          </p:nvPr>
+        </p:nvSpPr>
+        <p:spPr/>
+      </p:sp>
+      <p:sp>
+        <p:nvSpPr>
+          <p:cNvPr id="3" name="Notizenplatzhalter 2"/>
+          <p:cNvSpPr>
+            <a:spLocks noGrp="1"/>
+          </p:cNvSpPr>
+          <p:nvPr>
+            <p:ph type="body" idx="1"/>
+          </p:nvPr>
+        </p:nvSpPr>
+        <p:spPr/>
+        <p:txBody>
+          <a:bodyPr/>
+          <a:lstStyle/>
+          <a:p>
+            <a:endParaRPr lang="de-DE"/>
+          </a:p>
+        </p:txBody>
+      </p:sp>
+      <p:sp>
+        <p:nvSpPr>
+          <p:cNvPr id="4" name="Foliennummernplatzhalter 3"/>
+          <p:cNvSpPr>
+            <a:spLocks noGrp="1"/>
+          </p:cNvSpPr>
+          <p:nvPr>
+            <p:ph type="sldNum" sz="quarter" idx="10"/>
+          </p:nvPr>
+        </p:nvSpPr>
+        <p:spPr/>
+        <p:txBody>
+          <a:bodyPr/>
+          <a:lstStyle/>
+          <a:p>
+            <a:fld id="{05D1FABD-69C2-49F9-BD91-F05E017FE538}" type="slidenum">
+              <a:rPr lang="de-DE" smtClean="0"/>
+              <a:t>22</a:t>
+            </a:fld>
+            <a:endParaRPr lang="de-DE"/>
+          </a:p>
+        </p:txBody>
+      </p:sp>
+    </p:spTree>
+    <p:extLst>
+      <p:ext uri="{BB962C8B-B14F-4D97-AF65-F5344CB8AC3E}">
+        <p14:creationId xmlns:p14="http://schemas.microsoft.com/office/powerpoint/2010/main" val="657275192"/>
+      </p:ext>
+    </p:extLst>
+  </p:cSld>
+  <p:clrMapOvr>
+    <a:masterClrMapping/>
+  </p:clrMapOvr>
+</p:notes>
+</file>
+
+<file path=ppt/notesSlides/notesSlide22.xml><?xml version="1.0" encoding="utf-8"?>
+<p:notes xmlns:a="http://schemas.openxmlformats.org/drawingml/2006/main" xmlns:r="http://schemas.openxmlformats.org/officeDocument/2006/relationships" xmlns:p="http://schemas.openxmlformats.org/presentationml/2006/main">
+  <p:cSld>
+    <p:spTree>
+      <p:nvGrpSpPr>
+        <p:cNvPr id="1" name=""/>
+        <p:cNvGrpSpPr/>
+        <p:nvPr/>
+      </p:nvGrpSpPr>
+      <p:grpSpPr>
+        <a:xfrm>
+          <a:off x="0" y="0"/>
+          <a:ext cx="0" cy="0"/>
+          <a:chOff x="0" y="0"/>
+          <a:chExt cx="0" cy="0"/>
+        </a:xfrm>
+      </p:grpSpPr>
+      <p:sp>
+        <p:nvSpPr>
+          <p:cNvPr id="2" name="Folienbildplatzhalter 1"/>
+          <p:cNvSpPr>
+            <a:spLocks noGrp="1" noRot="1" noChangeAspect="1"/>
+          </p:cNvSpPr>
+          <p:nvPr>
+            <p:ph type="sldImg"/>
+          </p:nvPr>
+        </p:nvSpPr>
+        <p:spPr/>
+      </p:sp>
+      <p:sp>
+        <p:nvSpPr>
+          <p:cNvPr id="3" name="Notizenplatzhalter 2"/>
+          <p:cNvSpPr>
+            <a:spLocks noGrp="1"/>
+          </p:cNvSpPr>
+          <p:nvPr>
+            <p:ph type="body" idx="1"/>
+          </p:nvPr>
+        </p:nvSpPr>
+        <p:spPr/>
+        <p:txBody>
+          <a:bodyPr/>
+          <a:lstStyle/>
+          <a:p>
+            <a:endParaRPr lang="de-DE"/>
+          </a:p>
+        </p:txBody>
+      </p:sp>
+      <p:sp>
+        <p:nvSpPr>
+          <p:cNvPr id="4" name="Foliennummernplatzhalter 3"/>
+          <p:cNvSpPr>
+            <a:spLocks noGrp="1"/>
+          </p:cNvSpPr>
+          <p:nvPr>
+            <p:ph type="sldNum" sz="quarter" idx="10"/>
+          </p:nvPr>
+        </p:nvSpPr>
+        <p:spPr/>
+        <p:txBody>
+          <a:bodyPr/>
+          <a:lstStyle/>
+          <a:p>
+            <a:fld id="{05D1FABD-69C2-49F9-BD91-F05E017FE538}" type="slidenum">
+              <a:rPr lang="de-DE" smtClean="0"/>
+              <a:t>23</a:t>
+            </a:fld>
+            <a:endParaRPr lang="de-DE"/>
+          </a:p>
+        </p:txBody>
+      </p:sp>
+    </p:spTree>
+    <p:extLst>
+      <p:ext uri="{BB962C8B-B14F-4D97-AF65-F5344CB8AC3E}">
+        <p14:creationId xmlns:p14="http://schemas.microsoft.com/office/powerpoint/2010/main" val="183309910"/>
+      </p:ext>
+    </p:extLst>
+  </p:cSld>
+  <p:clrMapOvr>
+    <a:masterClrMapping/>
+  </p:clrMapOvr>
+</p:notes>
+</file>
+
+<file path=ppt/notesSlides/notesSlide23.xml><?xml version="1.0" encoding="utf-8"?>
+<p:notes xmlns:a="http://schemas.openxmlformats.org/drawingml/2006/main" xmlns:r="http://schemas.openxmlformats.org/officeDocument/2006/relationships" xmlns:p="http://schemas.openxmlformats.org/presentationml/2006/main">
+  <p:cSld>
+    <p:spTree>
+      <p:nvGrpSpPr>
+        <p:cNvPr id="1" name=""/>
+        <p:cNvGrpSpPr/>
+        <p:nvPr/>
+      </p:nvGrpSpPr>
+      <p:grpSpPr>
+        <a:xfrm>
+          <a:off x="0" y="0"/>
+          <a:ext cx="0" cy="0"/>
+          <a:chOff x="0" y="0"/>
+          <a:chExt cx="0" cy="0"/>
+        </a:xfrm>
+      </p:grpSpPr>
+      <p:sp>
+        <p:nvSpPr>
+          <p:cNvPr id="2" name="Folienbildplatzhalter 1"/>
+          <p:cNvSpPr>
+            <a:spLocks noGrp="1" noRot="1" noChangeAspect="1"/>
+          </p:cNvSpPr>
+          <p:nvPr>
+            <p:ph type="sldImg"/>
+          </p:nvPr>
+        </p:nvSpPr>
+        <p:spPr/>
+      </p:sp>
+      <p:sp>
+        <p:nvSpPr>
+          <p:cNvPr id="3" name="Notizenplatzhalter 2"/>
+          <p:cNvSpPr>
+            <a:spLocks noGrp="1"/>
+          </p:cNvSpPr>
+          <p:nvPr>
+            <p:ph type="body" idx="1"/>
+          </p:nvPr>
+        </p:nvSpPr>
+        <p:spPr/>
+        <p:txBody>
+          <a:bodyPr/>
+          <a:lstStyle/>
+          <a:p>
+            <a:endParaRPr lang="de-DE"/>
+          </a:p>
+        </p:txBody>
+      </p:sp>
+      <p:sp>
+        <p:nvSpPr>
+          <p:cNvPr id="4" name="Foliennummernplatzhalter 3"/>
+          <p:cNvSpPr>
+            <a:spLocks noGrp="1"/>
+          </p:cNvSpPr>
+          <p:nvPr>
+            <p:ph type="sldNum" sz="quarter" idx="10"/>
+          </p:nvPr>
+        </p:nvSpPr>
+        <p:spPr/>
+        <p:txBody>
+          <a:bodyPr/>
+          <a:lstStyle/>
+          <a:p>
+            <a:fld id="{05D1FABD-69C2-49F9-BD91-F05E017FE538}" type="slidenum">
+              <a:rPr lang="de-DE" smtClean="0"/>
+              <a:t>24</a:t>
+            </a:fld>
+            <a:endParaRPr lang="de-DE"/>
+          </a:p>
+        </p:txBody>
+      </p:sp>
+    </p:spTree>
+    <p:extLst>
+      <p:ext uri="{BB962C8B-B14F-4D97-AF65-F5344CB8AC3E}">
+        <p14:creationId xmlns:p14="http://schemas.microsoft.com/office/powerpoint/2010/main" val="1748681489"/>
+      </p:ext>
+    </p:extLst>
+  </p:cSld>
+  <p:clrMapOvr>
+    <a:masterClrMapping/>
+  </p:clrMapOvr>
+</p:notes>
+</file>
+
+<file path=ppt/notesSlides/notesSlide24.xml><?xml version="1.0" encoding="utf-8"?>
+<p:notes xmlns:a="http://schemas.openxmlformats.org/drawingml/2006/main" xmlns:r="http://schemas.openxmlformats.org/officeDocument/2006/relationships" xmlns:p="http://schemas.openxmlformats.org/presentationml/2006/main">
+  <p:cSld>
+    <p:spTree>
+      <p:nvGrpSpPr>
+        <p:cNvPr id="1" name=""/>
+        <p:cNvGrpSpPr/>
+        <p:nvPr/>
+      </p:nvGrpSpPr>
+      <p:grpSpPr>
+        <a:xfrm>
+          <a:off x="0" y="0"/>
+          <a:ext cx="0" cy="0"/>
+          <a:chOff x="0" y="0"/>
+          <a:chExt cx="0" cy="0"/>
+        </a:xfrm>
+      </p:grpSpPr>
+      <p:sp>
+        <p:nvSpPr>
+          <p:cNvPr id="2" name="Folienbildplatzhalter 1"/>
+          <p:cNvSpPr>
+            <a:spLocks noGrp="1" noRot="1" noChangeAspect="1"/>
+          </p:cNvSpPr>
+          <p:nvPr>
+            <p:ph type="sldImg"/>
+          </p:nvPr>
+        </p:nvSpPr>
+        <p:spPr/>
+      </p:sp>
+      <p:sp>
+        <p:nvSpPr>
+          <p:cNvPr id="3" name="Notizenplatzhalter 2"/>
+          <p:cNvSpPr>
+            <a:spLocks noGrp="1"/>
+          </p:cNvSpPr>
+          <p:nvPr>
+            <p:ph type="body" idx="1"/>
+          </p:nvPr>
+        </p:nvSpPr>
+        <p:spPr/>
+        <p:txBody>
+          <a:bodyPr/>
+          <a:lstStyle/>
+          <a:p>
+            <a:endParaRPr lang="de-DE"/>
+          </a:p>
+        </p:txBody>
+      </p:sp>
+      <p:sp>
+        <p:nvSpPr>
+          <p:cNvPr id="4" name="Foliennummernplatzhalter 3"/>
+          <p:cNvSpPr>
+            <a:spLocks noGrp="1"/>
+          </p:cNvSpPr>
+          <p:nvPr>
+            <p:ph type="sldNum" sz="quarter" idx="10"/>
+          </p:nvPr>
+        </p:nvSpPr>
+        <p:spPr/>
+        <p:txBody>
+          <a:bodyPr/>
+          <a:lstStyle/>
+          <a:p>
+            <a:fld id="{05D1FABD-69C2-49F9-BD91-F05E017FE538}" type="slidenum">
+              <a:rPr lang="de-DE" smtClean="0"/>
+              <a:pPr/>
+              <a:t>25</a:t>
+            </a:fld>
+            <a:endParaRPr lang="de-DE"/>
+          </a:p>
+        </p:txBody>
+      </p:sp>
+    </p:spTree>
+    <p:extLst>
+      <p:ext uri="{BB962C8B-B14F-4D97-AF65-F5344CB8AC3E}">
+        <p14:creationId xmlns:p14="http://schemas.microsoft.com/office/powerpoint/2010/main" val="3297351362"/>
+      </p:ext>
+    </p:extLst>
+  </p:cSld>
+  <p:clrMapOvr>
+    <a:masterClrMapping/>
+  </p:clrMapOvr>
+</p:notes>
+</file>
+
+<file path=ppt/notesSlides/notesSlide25.xml><?xml version="1.0" encoding="utf-8"?>
+<p:notes xmlns:a="http://schemas.openxmlformats.org/drawingml/2006/main" xmlns:r="http://schemas.openxmlformats.org/officeDocument/2006/relationships" xmlns:p="http://schemas.openxmlformats.org/presentationml/2006/main">
+  <p:cSld>
+    <p:spTree>
+      <p:nvGrpSpPr>
+        <p:cNvPr id="1" name=""/>
+        <p:cNvGrpSpPr/>
+        <p:nvPr/>
+      </p:nvGrpSpPr>
+      <p:grpSpPr>
+        <a:xfrm>
+          <a:off x="0" y="0"/>
+          <a:ext cx="0" cy="0"/>
+          <a:chOff x="0" y="0"/>
+          <a:chExt cx="0" cy="0"/>
+        </a:xfrm>
+      </p:grpSpPr>
+      <p:sp>
+        <p:nvSpPr>
+          <p:cNvPr id="2" name="Folienbildplatzhalter 1"/>
+          <p:cNvSpPr>
+            <a:spLocks noGrp="1" noRot="1" noChangeAspect="1"/>
+          </p:cNvSpPr>
+          <p:nvPr>
+            <p:ph type="sldImg"/>
+          </p:nvPr>
+        </p:nvSpPr>
+        <p:spPr/>
+      </p:sp>
+      <p:sp>
+        <p:nvSpPr>
+          <p:cNvPr id="3" name="Notizenplatzhalter 2"/>
+          <p:cNvSpPr>
+            <a:spLocks noGrp="1"/>
+          </p:cNvSpPr>
+          <p:nvPr>
+            <p:ph type="body" idx="1"/>
+          </p:nvPr>
+        </p:nvSpPr>
+        <p:spPr/>
+        <p:txBody>
+          <a:bodyPr/>
+          <a:lstStyle/>
+          <a:p>
+            <a:endParaRPr lang="de-DE"/>
+          </a:p>
+        </p:txBody>
+      </p:sp>
+      <p:sp>
+        <p:nvSpPr>
+          <p:cNvPr id="4" name="Foliennummernplatzhalter 3"/>
+          <p:cNvSpPr>
+            <a:spLocks noGrp="1"/>
+          </p:cNvSpPr>
+          <p:nvPr>
+            <p:ph type="sldNum" sz="quarter" idx="10"/>
+          </p:nvPr>
+        </p:nvSpPr>
+        <p:spPr/>
+        <p:txBody>
+          <a:bodyPr/>
+          <a:lstStyle/>
+          <a:p>
+            <a:fld id="{05D1FABD-69C2-49F9-BD91-F05E017FE538}" type="slidenum">
+              <a:rPr lang="de-DE" smtClean="0"/>
+              <a:pPr/>
+              <a:t>26</a:t>
+            </a:fld>
+            <a:endParaRPr lang="de-DE"/>
+          </a:p>
+        </p:txBody>
+      </p:sp>
+    </p:spTree>
+    <p:extLst>
+      <p:ext uri="{BB962C8B-B14F-4D97-AF65-F5344CB8AC3E}">
+        <p14:creationId xmlns:p14="http://schemas.microsoft.com/office/powerpoint/2010/main" val="784737350"/>
+      </p:ext>
+    </p:extLst>
+  </p:cSld>
+  <p:clrMapOvr>
+    <a:masterClrMapping/>
+  </p:clrMapOvr>
+</p:notes>
+</file>
+
+<file path=ppt/notesSlides/notesSlide26.xml><?xml version="1.0" encoding="utf-8"?>
+<p:notes xmlns:a="http://schemas.openxmlformats.org/drawingml/2006/main" xmlns:r="http://schemas.openxmlformats.org/officeDocument/2006/relationships" xmlns:p="http://schemas.openxmlformats.org/presentationml/2006/main">
+  <p:cSld>
+    <p:spTree>
+      <p:nvGrpSpPr>
+        <p:cNvPr id="1" name=""/>
+        <p:cNvGrpSpPr/>
+        <p:nvPr/>
+      </p:nvGrpSpPr>
+      <p:grpSpPr>
+        <a:xfrm>
+          <a:off x="0" y="0"/>
+          <a:ext cx="0" cy="0"/>
+          <a:chOff x="0" y="0"/>
+          <a:chExt cx="0" cy="0"/>
+        </a:xfrm>
+      </p:grpSpPr>
+      <p:sp>
+        <p:nvSpPr>
+          <p:cNvPr id="2" name="Folienbildplatzhalter 1"/>
+          <p:cNvSpPr>
+            <a:spLocks noGrp="1" noRot="1" noChangeAspect="1"/>
+          </p:cNvSpPr>
+          <p:nvPr>
+            <p:ph type="sldImg"/>
+          </p:nvPr>
+        </p:nvSpPr>
+        <p:spPr/>
+      </p:sp>
+      <p:sp>
+        <p:nvSpPr>
+          <p:cNvPr id="3" name="Notizenplatzhalter 2"/>
+          <p:cNvSpPr>
+            <a:spLocks noGrp="1"/>
+          </p:cNvSpPr>
+          <p:nvPr>
+            <p:ph type="body" idx="1"/>
+          </p:nvPr>
+        </p:nvSpPr>
+        <p:spPr/>
+        <p:txBody>
+          <a:bodyPr/>
+          <a:lstStyle/>
+          <a:p>
+            <a:endParaRPr lang="de-DE"/>
+          </a:p>
+        </p:txBody>
+      </p:sp>
+      <p:sp>
+        <p:nvSpPr>
+          <p:cNvPr id="4" name="Foliennummernplatzhalter 3"/>
+          <p:cNvSpPr>
+            <a:spLocks noGrp="1"/>
+          </p:cNvSpPr>
+          <p:nvPr>
+            <p:ph type="sldNum" sz="quarter" idx="10"/>
+          </p:nvPr>
+        </p:nvSpPr>
+        <p:spPr/>
+        <p:txBody>
+          <a:bodyPr/>
+          <a:lstStyle/>
+          <a:p>
+            <a:fld id="{05D1FABD-69C2-49F9-BD91-F05E017FE538}" type="slidenum">
+              <a:rPr lang="de-DE" smtClean="0"/>
+              <a:pPr/>
+              <a:t>27</a:t>
+            </a:fld>
+            <a:endParaRPr lang="de-DE"/>
+          </a:p>
+        </p:txBody>
+      </p:sp>
+    </p:spTree>
+    <p:extLst>
+      <p:ext uri="{BB962C8B-B14F-4D97-AF65-F5344CB8AC3E}">
+        <p14:creationId xmlns:p14="http://schemas.microsoft.com/office/powerpoint/2010/main" val="1066156749"/>
       </p:ext>
     </p:extLst>
   </p:cSld>
@@ -2523,7 +3372,7 @@
             <a:fld id="{9EE47043-14B9-45DE-A7CA-B819D3DB7940}" type="datetime1">
               <a:rPr lang="en-US" smtClean="0"/>
               <a:pPr/>
-              <a:t>2/9/2015</a:t>
+              <a:t>2/10/2015</a:t>
             </a:fld>
             <a:endParaRPr lang="en-US" dirty="0"/>
           </a:p>
@@ -3644,7 +4493,7 @@
             <a:fld id="{15FDD389-1C4B-4991-9D1B-BD9CD8DAD448}" type="datetime1">
               <a:rPr lang="en-US" smtClean="0"/>
               <a:pPr/>
-              <a:t>2/9/2015</a:t>
+              <a:t>2/10/2015</a:t>
             </a:fld>
             <a:endParaRPr lang="en-US" dirty="0"/>
           </a:p>
@@ -4656,7 +5505,7 @@
             <a:fld id="{DBEDE645-84E4-46C4-8BBB-B45E79B0BDF2}" type="datetime1">
               <a:rPr lang="en-US" smtClean="0"/>
               <a:pPr/>
-              <a:t>2/9/2015</a:t>
+              <a:t>2/10/2015</a:t>
             </a:fld>
             <a:endParaRPr lang="en-US" dirty="0"/>
           </a:p>
@@ -5827,7 +6676,7 @@
             <a:fld id="{FD30094F-A1C4-4AA8-B240-0E360656DACC}" type="datetime1">
               <a:rPr lang="en-US" smtClean="0"/>
               <a:pPr/>
-              <a:t>2/9/2015</a:t>
+              <a:t>2/10/2015</a:t>
             </a:fld>
             <a:endParaRPr lang="en-US" dirty="0"/>
           </a:p>
@@ -6889,7 +7738,7 @@
             <a:fld id="{114DEC2F-D236-4161-B7A9-058AD50973F4}" type="datetime1">
               <a:rPr lang="en-US" smtClean="0"/>
               <a:pPr/>
-              <a:t>2/9/2015</a:t>
+              <a:t>2/10/2015</a:t>
             </a:fld>
             <a:endParaRPr lang="en-US" dirty="0"/>
           </a:p>
@@ -7536,7 +8385,7 @@
             <a:fld id="{7246F925-6776-418A-B9D5-2FE6DDC7FF5E}" type="datetime1">
               <a:rPr lang="en-US" smtClean="0"/>
               <a:pPr/>
-              <a:t>2/9/2015</a:t>
+              <a:t>2/10/2015</a:t>
             </a:fld>
             <a:endParaRPr lang="en-US" dirty="0"/>
           </a:p>
@@ -8384,7 +9233,7 @@
             <a:fld id="{AA091E32-8210-42E1-A5E3-AE4F3B2BA67C}" type="datetime1">
               <a:rPr lang="en-US" smtClean="0"/>
               <a:pPr/>
-              <a:t>2/9/2015</a:t>
+              <a:t>2/10/2015</a:t>
             </a:fld>
             <a:endParaRPr lang="en-US" dirty="0"/>
           </a:p>
@@ -8560,7 +9409,7 @@
             <a:fld id="{A8F96028-6369-409B-B015-BD4E873D97AE}" type="datetime1">
               <a:rPr lang="en-US" smtClean="0"/>
               <a:pPr/>
-              <a:t>2/9/2015</a:t>
+              <a:t>2/10/2015</a:t>
             </a:fld>
             <a:endParaRPr lang="en-US" dirty="0"/>
           </a:p>
@@ -9559,7 +10408,7 @@
             <a:fld id="{1EC1EEDA-5C8D-4FAD-B380-0B1111C6C6FD}" type="datetime1">
               <a:rPr lang="en-US" smtClean="0"/>
               <a:pPr/>
-              <a:t>2/9/2015</a:t>
+              <a:t>2/10/2015</a:t>
             </a:fld>
             <a:endParaRPr lang="en-US" dirty="0"/>
           </a:p>
@@ -9766,7 +10615,7 @@
             <a:fld id="{17201E69-94FE-46D8-8C9F-233CA2EAF49D}" type="datetime1">
               <a:rPr lang="en-US" smtClean="0"/>
               <a:pPr/>
-              <a:t>2/9/2015</a:t>
+              <a:t>2/10/2015</a:t>
             </a:fld>
             <a:endParaRPr lang="en-US" dirty="0"/>
           </a:p>
@@ -10829,7 +11678,7 @@
             <a:fld id="{9229E780-8742-4F41-A7DD-8A533C34BC62}" type="datetime1">
               <a:rPr lang="en-US" smtClean="0"/>
               <a:pPr/>
-              <a:t>2/9/2015</a:t>
+              <a:t>2/10/2015</a:t>
             </a:fld>
             <a:endParaRPr lang="en-US" dirty="0"/>
           </a:p>
@@ -11102,7 +11951,7 @@
             <a:fld id="{3B91D532-264E-494B-BCB4-085A06E95C4C}" type="datetime1">
               <a:rPr lang="en-US" smtClean="0"/>
               <a:pPr/>
-              <a:t>2/9/2015</a:t>
+              <a:t>2/10/2015</a:t>
             </a:fld>
             <a:endParaRPr lang="en-US" dirty="0"/>
           </a:p>
@@ -11485,7 +12334,7 @@
             <a:fld id="{13078452-A4DA-42F9-8E52-EBBBBBF20BDF}" type="datetime1">
               <a:rPr lang="en-US" smtClean="0"/>
               <a:pPr/>
-              <a:t>2/9/2015</a:t>
+              <a:t>2/10/2015</a:t>
             </a:fld>
             <a:endParaRPr lang="en-US" dirty="0"/>
           </a:p>
@@ -11604,7 +12453,7 @@
             <a:fld id="{1433EC71-6044-490A-9B40-8B48B52B7377}" type="datetime1">
               <a:rPr lang="en-US" smtClean="0"/>
               <a:pPr/>
-              <a:t>2/9/2015</a:t>
+              <a:t>2/10/2015</a:t>
             </a:fld>
             <a:endParaRPr lang="en-US" dirty="0"/>
           </a:p>
@@ -11700,7 +12549,7 @@
             <a:fld id="{05B9864E-D461-4420-9A61-69708EA906EF}" type="datetime1">
               <a:rPr lang="en-US" smtClean="0"/>
               <a:pPr/>
-              <a:t>2/9/2015</a:t>
+              <a:t>2/10/2015</a:t>
             </a:fld>
             <a:endParaRPr lang="en-US" dirty="0"/>
           </a:p>
@@ -12810,7 +13659,7 @@
             <a:fld id="{B45F0798-91BD-41E8-A317-14713D4B5C46}" type="datetime1">
               <a:rPr lang="en-US" smtClean="0"/>
               <a:pPr/>
-              <a:t>2/9/2015</a:t>
+              <a:t>2/10/2015</a:t>
             </a:fld>
             <a:endParaRPr lang="en-US" dirty="0"/>
           </a:p>
@@ -13944,7 +14793,7 @@
             <a:fld id="{2A2492AA-6B4D-44C1-A4C5-776C8CBEDC88}" type="datetime1">
               <a:rPr lang="en-US" smtClean="0"/>
               <a:pPr/>
-              <a:t>2/9/2015</a:t>
+              <a:t>2/10/2015</a:t>
             </a:fld>
             <a:endParaRPr lang="en-US" dirty="0"/>
           </a:p>
@@ -14973,7 +15822,7 @@
             <a:fld id="{D718F47C-7328-41EC-B5EF-37975657BEDE}" type="datetime1">
               <a:rPr lang="en-US" smtClean="0"/>
               <a:pPr/>
-              <a:t>2/9/2015</a:t>
+              <a:t>2/10/2015</a:t>
             </a:fld>
             <a:endParaRPr lang="en-US" dirty="0"/>
           </a:p>
@@ -15875,11 +16724,11 @@
   <p:clrMapOvr>
     <a:masterClrMapping/>
   </p:clrMapOvr>
-  <mc:AlternateContent xmlns:mc="http://schemas.openxmlformats.org/markup-compatibility/2006">
-    <mc:Choice xmlns:p14="http://schemas.microsoft.com/office/powerpoint/2010/main" Requires="p14">
+  <mc:AlternateContent xmlns:mc="http://schemas.openxmlformats.org/markup-compatibility/2006" xmlns:p14="http://schemas.microsoft.com/office/powerpoint/2010/main">
+    <mc:Choice Requires="p14">
       <p:transition spd="slow" p14:dur="2000"/>
     </mc:Choice>
-    <mc:Fallback>
+    <mc:Fallback xmlns="">
       <p:transition spd="slow"/>
     </mc:Fallback>
   </mc:AlternateContent>
@@ -16875,6 +17724,64 @@
             </a:r>
           </a:p>
           <a:p>
+            <a:pPr lvl="1"/>
+            <a:r>
+              <a:rPr lang="de-DE" dirty="0" err="1" smtClean="0"/>
+              <a:t>Git</a:t>
+            </a:r>
+            <a:endParaRPr lang="de-DE" dirty="0"/>
+          </a:p>
+          <a:p>
+            <a:pPr lvl="1"/>
+            <a:r>
+              <a:rPr lang="de-DE" dirty="0"/>
+              <a:t>Source </a:t>
+            </a:r>
+            <a:r>
+              <a:rPr lang="de-DE" dirty="0" err="1" smtClean="0"/>
+              <a:t>Tree</a:t>
+            </a:r>
+            <a:endParaRPr lang="de-DE" dirty="0"/>
+          </a:p>
+          <a:p>
+            <a:pPr lvl="1"/>
+            <a:r>
+              <a:rPr lang="de-DE" dirty="0"/>
+              <a:t>Android </a:t>
+            </a:r>
+            <a:r>
+              <a:rPr lang="de-DE" dirty="0" smtClean="0"/>
+              <a:t>Studio</a:t>
+            </a:r>
+            <a:endParaRPr lang="de-DE" dirty="0"/>
+          </a:p>
+          <a:p>
+            <a:pPr lvl="1"/>
+            <a:r>
+              <a:rPr lang="de-DE" dirty="0" err="1" smtClean="0"/>
+              <a:t>Gradle</a:t>
+            </a:r>
+            <a:endParaRPr lang="de-DE" dirty="0"/>
+          </a:p>
+          <a:p>
+            <a:pPr lvl="1"/>
+            <a:r>
+              <a:rPr lang="de-DE" dirty="0"/>
+              <a:t>Unit </a:t>
+            </a:r>
+            <a:r>
+              <a:rPr lang="de-DE" dirty="0" err="1" smtClean="0"/>
+              <a:t>Testing</a:t>
+            </a:r>
+            <a:endParaRPr lang="de-DE" dirty="0"/>
+          </a:p>
+          <a:p>
+            <a:pPr marL="457200" lvl="1" indent="0">
+              <a:buNone/>
+            </a:pPr>
+            <a:endParaRPr lang="de-DE" dirty="0" smtClean="0"/>
+          </a:p>
+          <a:p>
             <a:r>
               <a:rPr lang="de-DE" dirty="0" smtClean="0"/>
               <a:t>Vorgehen im Team</a:t>
@@ -16972,7 +17879,7 @@
     </p:spTree>
     <p:extLst>
       <p:ext uri="{BB962C8B-B14F-4D97-AF65-F5344CB8AC3E}">
-        <p14:creationId xmlns:p14="http://schemas.microsoft.com/office/powerpoint/2010/main" val="3216998357"/>
+        <p14:creationId xmlns:p14="http://schemas.microsoft.com/office/powerpoint/2010/main" val="393556103"/>
       </p:ext>
     </p:extLst>
   </p:cSld>
@@ -17016,46 +17923,97 @@
             <p:ph type="title"/>
           </p:nvPr>
         </p:nvSpPr>
-        <p:spPr>
-          <a:xfrm>
-            <a:off x="1154953" y="2370667"/>
-            <a:ext cx="9469503" cy="1822514"/>
-          </a:xfrm>
-        </p:spPr>
+        <p:spPr/>
         <p:txBody>
           <a:bodyPr/>
           <a:lstStyle/>
           <a:p>
-            <a:pPr algn="ctr"/>
-            <a:r>
-              <a:rPr lang="de-DE" sz="5400" dirty="0" smtClean="0"/>
-              <a:t>Noch Fragen?</a:t>
-            </a:r>
-            <a:endParaRPr lang="de-DE" sz="5400" dirty="0"/>
-          </a:p>
-        </p:txBody>
-      </p:sp>
-      <p:sp>
-        <p:nvSpPr>
-          <p:cNvPr id="5" name="Foliennummernplatzhalter 4"/>
-          <p:cNvSpPr>
-            <a:spLocks noGrp="1"/>
-          </p:cNvSpPr>
-          <p:nvPr>
-            <p:ph type="sldNum" sz="quarter" idx="12"/>
+            <a:r>
+              <a:rPr lang="de-DE" dirty="0"/>
+              <a:t>Reflexion: Werkzeuge</a:t>
+            </a:r>
+          </a:p>
+        </p:txBody>
+      </p:sp>
+      <p:sp>
+        <p:nvSpPr>
+          <p:cNvPr id="3" name="Inhaltsplatzhalter 2"/>
+          <p:cNvSpPr>
+            <a:spLocks noGrp="1"/>
+          </p:cNvSpPr>
+          <p:nvPr>
+            <p:ph idx="1"/>
           </p:nvPr>
         </p:nvSpPr>
         <p:spPr/>
         <p:txBody>
-          <a:bodyPr/>
+          <a:bodyPr>
+            <a:normAutofit/>
+          </a:bodyPr>
           <a:lstStyle/>
           <a:p>
-            <a:fld id="{D57F1E4F-1CFF-5643-939E-217C01CDF565}" type="slidenum">
-              <a:rPr lang="en-US" smtClean="0"/>
-              <a:pPr/>
-              <a:t>15</a:t>
-            </a:fld>
-            <a:endParaRPr lang="en-US" dirty="0"/>
+            <a:pPr marL="0" indent="0">
+              <a:buNone/>
+            </a:pPr>
+            <a:r>
+              <a:rPr lang="de-DE" dirty="0" err="1" smtClean="0"/>
+              <a:t>Git</a:t>
+            </a:r>
+            <a:r>
+              <a:rPr lang="de-DE" dirty="0" smtClean="0"/>
+              <a:t>: </a:t>
+            </a:r>
+          </a:p>
+          <a:p>
+            <a:r>
+              <a:rPr lang="de-DE" dirty="0" smtClean="0"/>
+              <a:t>¾  der Gruppe: </a:t>
+            </a:r>
+            <a:r>
+              <a:rPr lang="de-DE" dirty="0" err="1" smtClean="0"/>
+              <a:t>Git</a:t>
+            </a:r>
+            <a:r>
+              <a:rPr lang="de-DE" dirty="0" smtClean="0"/>
+              <a:t>-Anfänger</a:t>
+            </a:r>
+          </a:p>
+          <a:p>
+            <a:r>
+              <a:rPr lang="de-DE" dirty="0" smtClean="0"/>
+              <a:t>Entdecken eines neuen Tools</a:t>
+            </a:r>
+          </a:p>
+          <a:p>
+            <a:r>
+              <a:rPr lang="de-DE" dirty="0" err="1" smtClean="0"/>
+              <a:t>GitHub</a:t>
+            </a:r>
+            <a:r>
+              <a:rPr lang="de-DE" dirty="0" smtClean="0"/>
+              <a:t> schnell &amp; einfach</a:t>
+            </a:r>
+          </a:p>
+          <a:p>
+            <a:r>
+              <a:rPr lang="de-DE" dirty="0" smtClean="0"/>
+              <a:t>Sehr praktisch: mitgelieferte </a:t>
+            </a:r>
+            <a:r>
+              <a:rPr lang="de-DE" i="1" dirty="0" err="1" smtClean="0"/>
+              <a:t>gitignore</a:t>
+            </a:r>
+            <a:r>
+              <a:rPr lang="de-DE" i="1" dirty="0" smtClean="0"/>
+              <a:t>-Files</a:t>
+            </a:r>
+          </a:p>
+          <a:p>
+            <a:r>
+              <a:rPr lang="de-DE" dirty="0" smtClean="0"/>
+              <a:t>i.d.R. direktes Pushen -&gt; Commit nicht wirklich genutzt</a:t>
+            </a:r>
+            <a:endParaRPr lang="de-DE" dirty="0"/>
           </a:p>
         </p:txBody>
       </p:sp>
@@ -17091,6 +18049,30 @@
       </p:pic>
       <p:sp>
         <p:nvSpPr>
+          <p:cNvPr id="5" name="Foliennummernplatzhalter 4"/>
+          <p:cNvSpPr>
+            <a:spLocks noGrp="1"/>
+          </p:cNvSpPr>
+          <p:nvPr>
+            <p:ph type="sldNum" sz="quarter" idx="12"/>
+          </p:nvPr>
+        </p:nvSpPr>
+        <p:spPr/>
+        <p:txBody>
+          <a:bodyPr/>
+          <a:lstStyle/>
+          <a:p>
+            <a:fld id="{D57F1E4F-1CFF-5643-939E-217C01CDF565}" type="slidenum">
+              <a:rPr lang="en-US" smtClean="0"/>
+              <a:pPr/>
+              <a:t>15</a:t>
+            </a:fld>
+            <a:endParaRPr lang="en-US" dirty="0"/>
+          </a:p>
+        </p:txBody>
+      </p:sp>
+      <p:sp>
+        <p:nvSpPr>
           <p:cNvPr id="6" name="Textfeld 5"/>
           <p:cNvSpPr txBox="1"/>
           <p:nvPr/>
@@ -17122,7 +18104,7 @@
     </p:spTree>
     <p:extLst>
       <p:ext uri="{BB962C8B-B14F-4D97-AF65-F5344CB8AC3E}">
-        <p14:creationId xmlns:p14="http://schemas.microsoft.com/office/powerpoint/2010/main" val="1786163146"/>
+        <p14:creationId xmlns:p14="http://schemas.microsoft.com/office/powerpoint/2010/main" val="898148447"/>
       </p:ext>
     </p:extLst>
   </p:cSld>
@@ -17166,46 +18148,142 @@
             <p:ph type="title"/>
           </p:nvPr>
         </p:nvSpPr>
-        <p:spPr>
-          <a:xfrm>
-            <a:off x="1154953" y="2370667"/>
-            <a:ext cx="9469503" cy="1822514"/>
-          </a:xfrm>
-        </p:spPr>
+        <p:spPr/>
         <p:txBody>
           <a:bodyPr/>
           <a:lstStyle/>
           <a:p>
-            <a:pPr algn="ctr"/>
+            <a:r>
+              <a:rPr lang="de-DE" dirty="0"/>
+              <a:t>Reflexion: Werkzeuge</a:t>
+            </a:r>
+          </a:p>
+        </p:txBody>
+      </p:sp>
+      <p:sp>
+        <p:nvSpPr>
+          <p:cNvPr id="3" name="Inhaltsplatzhalter 2"/>
+          <p:cNvSpPr>
+            <a:spLocks noGrp="1"/>
+          </p:cNvSpPr>
+          <p:nvPr>
+            <p:ph idx="1"/>
+          </p:nvPr>
+        </p:nvSpPr>
+        <p:spPr/>
+        <p:txBody>
+          <a:bodyPr>
+            <a:normAutofit/>
+          </a:bodyPr>
+          <a:lstStyle/>
+          <a:p>
+            <a:pPr marL="0" indent="0">
+              <a:buNone/>
+            </a:pPr>
             <a:r>
               <a:rPr lang="de-DE" dirty="0" smtClean="0"/>
-              <a:t>Vielen Dank für eure Aufmerksamkeit!</a:t>
+              <a:t>Source </a:t>
+            </a:r>
+            <a:r>
+              <a:rPr lang="de-DE" dirty="0" err="1" smtClean="0"/>
+              <a:t>Tree</a:t>
+            </a:r>
+            <a:r>
+              <a:rPr lang="de-DE" dirty="0" smtClean="0"/>
+              <a:t>:</a:t>
+            </a:r>
+          </a:p>
+          <a:p>
+            <a:r>
+              <a:rPr lang="de-DE" dirty="0" smtClean="0"/>
+              <a:t>+ Gute Unterstützt für normalen </a:t>
+            </a:r>
+            <a:r>
+              <a:rPr lang="de-DE" dirty="0"/>
+              <a:t>Ablauf des </a:t>
+            </a:r>
+            <a:r>
+              <a:rPr lang="de-DE" dirty="0" err="1"/>
+              <a:t>Git</a:t>
+            </a:r>
+            <a:r>
+              <a:rPr lang="de-DE" dirty="0"/>
+              <a:t>-Servers </a:t>
+            </a:r>
+            <a:r>
+              <a:rPr lang="de-DE" dirty="0" smtClean="0"/>
+              <a:t>+ Zusatzfunktionen</a:t>
+            </a:r>
+          </a:p>
+          <a:p>
+            <a:r>
+              <a:rPr lang="de-DE" dirty="0" smtClean="0"/>
+              <a:t>+ grafische </a:t>
+            </a:r>
+            <a:r>
+              <a:rPr lang="de-DE" dirty="0"/>
+              <a:t>Darstellung des Projektverlaufes </a:t>
+            </a:r>
+            <a:r>
+              <a:rPr lang="de-DE" dirty="0" smtClean="0"/>
+              <a:t>übersichtlich</a:t>
+            </a:r>
+          </a:p>
+          <a:p>
+            <a:r>
+              <a:rPr lang="de-DE" dirty="0" smtClean="0"/>
+              <a:t>+ Intuitive Nutzung</a:t>
             </a:r>
             <a:endParaRPr lang="de-DE" dirty="0"/>
           </a:p>
-        </p:txBody>
-      </p:sp>
-      <p:sp>
-        <p:nvSpPr>
-          <p:cNvPr id="5" name="Foliennummernplatzhalter 4"/>
-          <p:cNvSpPr>
-            <a:spLocks noGrp="1"/>
-          </p:cNvSpPr>
-          <p:nvPr>
-            <p:ph type="sldNum" sz="quarter" idx="12"/>
-          </p:nvPr>
-        </p:nvSpPr>
-        <p:spPr/>
-        <p:txBody>
-          <a:bodyPr/>
-          <a:lstStyle/>
-          <a:p>
-            <a:fld id="{D57F1E4F-1CFF-5643-939E-217C01CDF565}" type="slidenum">
-              <a:rPr lang="en-US" smtClean="0"/>
-              <a:pPr/>
-              <a:t>16</a:t>
-            </a:fld>
-            <a:endParaRPr lang="en-US" dirty="0"/>
+          <a:p>
+            <a:r>
+              <a:rPr lang="de-DE" dirty="0" smtClean="0"/>
+              <a:t>- keine </a:t>
+            </a:r>
+            <a:r>
+              <a:rPr lang="de-DE" dirty="0" err="1" smtClean="0"/>
+              <a:t>Merge</a:t>
+            </a:r>
+            <a:r>
+              <a:rPr lang="de-DE" dirty="0" smtClean="0"/>
+              <a:t>-Funktion</a:t>
+            </a:r>
+          </a:p>
+          <a:p>
+            <a:r>
+              <a:rPr lang="de-DE" dirty="0" smtClean="0"/>
+              <a:t>- mögliche </a:t>
+            </a:r>
+            <a:r>
+              <a:rPr lang="de-DE" dirty="0" err="1" smtClean="0"/>
+              <a:t>Pulls</a:t>
+            </a:r>
+            <a:r>
+              <a:rPr lang="de-DE" dirty="0" smtClean="0"/>
+              <a:t> nicht immer angezeigt</a:t>
+            </a:r>
+            <a:endParaRPr lang="de-DE" dirty="0"/>
+          </a:p>
+          <a:p>
+            <a:r>
+              <a:rPr lang="de-DE" dirty="0"/>
+              <a:t>Nicht vollumfänglich genutzt (Bsp. </a:t>
+            </a:r>
+            <a:r>
+              <a:rPr lang="de-DE" dirty="0" err="1"/>
+              <a:t>GitFlow</a:t>
+            </a:r>
+            <a:r>
+              <a:rPr lang="de-DE" dirty="0"/>
+              <a:t>)</a:t>
+            </a:r>
+          </a:p>
+          <a:p>
+            <a:endParaRPr lang="de-DE" dirty="0"/>
+          </a:p>
+          <a:p>
+            <a:endParaRPr lang="de-DE" dirty="0" smtClean="0"/>
           </a:p>
         </p:txBody>
       </p:sp>
@@ -17241,6 +18319,30 @@
       </p:pic>
       <p:sp>
         <p:nvSpPr>
+          <p:cNvPr id="5" name="Foliennummernplatzhalter 4"/>
+          <p:cNvSpPr>
+            <a:spLocks noGrp="1"/>
+          </p:cNvSpPr>
+          <p:nvPr>
+            <p:ph type="sldNum" sz="quarter" idx="12"/>
+          </p:nvPr>
+        </p:nvSpPr>
+        <p:spPr/>
+        <p:txBody>
+          <a:bodyPr/>
+          <a:lstStyle/>
+          <a:p>
+            <a:fld id="{D57F1E4F-1CFF-5643-939E-217C01CDF565}" type="slidenum">
+              <a:rPr lang="en-US" smtClean="0"/>
+              <a:pPr/>
+              <a:t>16</a:t>
+            </a:fld>
+            <a:endParaRPr lang="en-US" dirty="0"/>
+          </a:p>
+        </p:txBody>
+      </p:sp>
+      <p:sp>
+        <p:nvSpPr>
           <p:cNvPr id="6" name="Textfeld 5"/>
           <p:cNvSpPr txBox="1"/>
           <p:nvPr/>
@@ -17272,7 +18374,7 @@
     </p:spTree>
     <p:extLst>
       <p:ext uri="{BB962C8B-B14F-4D97-AF65-F5344CB8AC3E}">
-        <p14:creationId xmlns:p14="http://schemas.microsoft.com/office/powerpoint/2010/main" val="1278744805"/>
+        <p14:creationId xmlns:p14="http://schemas.microsoft.com/office/powerpoint/2010/main" val="3641255888"/>
       </p:ext>
     </p:extLst>
   </p:cSld>
@@ -17322,47 +18424,103 @@
           <a:lstStyle/>
           <a:p>
             <a:r>
+              <a:rPr lang="de-DE" dirty="0"/>
+              <a:t>Reflexion: Werkzeuge</a:t>
+            </a:r>
+          </a:p>
+        </p:txBody>
+      </p:sp>
+      <p:sp>
+        <p:nvSpPr>
+          <p:cNvPr id="3" name="Inhaltsplatzhalter 2"/>
+          <p:cNvSpPr>
+            <a:spLocks noGrp="1"/>
+          </p:cNvSpPr>
+          <p:nvPr>
+            <p:ph idx="1"/>
+          </p:nvPr>
+        </p:nvSpPr>
+        <p:spPr/>
+        <p:txBody>
+          <a:bodyPr>
+            <a:normAutofit/>
+          </a:bodyPr>
+          <a:lstStyle/>
+          <a:p>
+            <a:pPr marL="0" indent="0">
+              <a:buNone/>
+            </a:pPr>
+            <a:r>
               <a:rPr lang="de-DE" dirty="0" smtClean="0"/>
-              <a:t>Quellen</a:t>
+              <a:t>Android Studio:</a:t>
+            </a:r>
+          </a:p>
+          <a:p>
+            <a:r>
+              <a:rPr lang="de-DE" dirty="0"/>
+              <a:t>+ viele </a:t>
+            </a:r>
+            <a:r>
+              <a:rPr lang="de-DE" dirty="0" smtClean="0"/>
+              <a:t>hilfreiche </a:t>
+            </a:r>
+            <a:r>
+              <a:rPr lang="de-DE" dirty="0"/>
+              <a:t>Funktionen für Entwicklung von Android Applikationen</a:t>
+            </a:r>
+          </a:p>
+          <a:p>
+            <a:r>
+              <a:rPr lang="de-DE" dirty="0"/>
+              <a:t>+ Emulators -&gt; kein eigenes Android-Gerät für Debugging nötig</a:t>
+            </a:r>
+          </a:p>
+          <a:p>
+            <a:r>
+              <a:rPr lang="de-DE" dirty="0"/>
+              <a:t>+ Integration von </a:t>
+            </a:r>
+            <a:r>
+              <a:rPr lang="de-DE" dirty="0" err="1"/>
+              <a:t>Gradle</a:t>
+            </a:r>
+            <a:r>
+              <a:rPr lang="de-DE" dirty="0"/>
+              <a:t> einfach: </a:t>
+            </a:r>
+            <a:r>
+              <a:rPr lang="de-DE" dirty="0" err="1"/>
+              <a:t>Build</a:t>
+            </a:r>
+            <a:r>
+              <a:rPr lang="de-DE" dirty="0"/>
+              <a:t>-File von Anfang an vordefiniert &amp; dem Projekt </a:t>
+            </a:r>
+            <a:r>
+              <a:rPr lang="de-DE" dirty="0" smtClean="0"/>
+              <a:t>beigefügt</a:t>
+            </a:r>
+          </a:p>
+          <a:p>
+            <a:r>
+              <a:rPr lang="de-DE" dirty="0" smtClean="0"/>
+              <a:t>+ </a:t>
+            </a:r>
+            <a:r>
+              <a:rPr lang="de-DE" dirty="0"/>
+              <a:t>Oberfläche des Android Studios -&gt; gut für schnellen Zugriff auf die wichtigsten Elemente</a:t>
+            </a:r>
+          </a:p>
+          <a:p>
+            <a:r>
+              <a:rPr lang="de-DE" dirty="0"/>
+              <a:t>+ Codeeditor </a:t>
+            </a:r>
+            <a:r>
+              <a:rPr lang="de-DE" dirty="0" smtClean="0"/>
+              <a:t>hilfreich</a:t>
             </a:r>
             <a:endParaRPr lang="de-DE" dirty="0"/>
-          </a:p>
-        </p:txBody>
-      </p:sp>
-      <p:sp>
-        <p:nvSpPr>
-          <p:cNvPr id="3" name="Inhaltsplatzhalter 2"/>
-          <p:cNvSpPr>
-            <a:spLocks noGrp="1"/>
-          </p:cNvSpPr>
-          <p:nvPr>
-            <p:ph idx="1"/>
-          </p:nvPr>
-        </p:nvSpPr>
-        <p:spPr/>
-        <p:txBody>
-          <a:bodyPr/>
-          <a:lstStyle/>
-          <a:p>
-            <a:r>
-              <a:rPr lang="de-DE" dirty="0" smtClean="0">
-                <a:hlinkClick r:id="rId3"/>
-              </a:rPr>
-              <a:t>www.elcomsoft.com</a:t>
-            </a:r>
-            <a:endParaRPr lang="de-DE" dirty="0" smtClean="0"/>
-          </a:p>
-          <a:p>
-            <a:r>
-              <a:rPr lang="de-DE" dirty="0" smtClean="0">
-                <a:hlinkClick r:id="rId4"/>
-              </a:rPr>
-              <a:t>www.elcomsoft.com/WP/BH-EU-2012-WP.pdf</a:t>
-            </a:r>
-            <a:endParaRPr lang="de-DE" dirty="0" smtClean="0"/>
-          </a:p>
-          <a:p>
-            <a:endParaRPr lang="de-DE" dirty="0" smtClean="0"/>
           </a:p>
         </p:txBody>
       </p:sp>
@@ -17375,7 +18533,7 @@
           <p:nvPr/>
         </p:nvPicPr>
         <p:blipFill>
-          <a:blip r:embed="rId5">
+          <a:blip r:embed="rId3">
             <a:extLst>
               <a:ext uri="{28A0092B-C50C-407E-A947-70E740481C1C}">
                 <a14:useLocalDpi xmlns:a14="http://schemas.microsoft.com/office/drawing/2010/main" val="0"/>
@@ -17453,7 +18611,489 @@
     </p:spTree>
     <p:extLst>
       <p:ext uri="{BB962C8B-B14F-4D97-AF65-F5344CB8AC3E}">
-        <p14:creationId xmlns:p14="http://schemas.microsoft.com/office/powerpoint/2010/main" val="3216998357"/>
+        <p14:creationId xmlns:p14="http://schemas.microsoft.com/office/powerpoint/2010/main" val="2949815318"/>
+      </p:ext>
+    </p:extLst>
+  </p:cSld>
+  <p:clrMapOvr>
+    <a:masterClrMapping/>
+  </p:clrMapOvr>
+  <p:timing>
+    <p:tnLst>
+      <p:par>
+        <p:cTn id="1" dur="indefinite" restart="never" nodeType="tmRoot"/>
+      </p:par>
+    </p:tnLst>
+  </p:timing>
+</p:sld>
+</file>
+
+<file path=ppt/slides/slide18.xml><?xml version="1.0" encoding="utf-8"?>
+<p:sld xmlns:a="http://schemas.openxmlformats.org/drawingml/2006/main" xmlns:r="http://schemas.openxmlformats.org/officeDocument/2006/relationships" xmlns:p="http://schemas.openxmlformats.org/presentationml/2006/main">
+  <p:cSld>
+    <p:spTree>
+      <p:nvGrpSpPr>
+        <p:cNvPr id="1" name=""/>
+        <p:cNvGrpSpPr/>
+        <p:nvPr/>
+      </p:nvGrpSpPr>
+      <p:grpSpPr>
+        <a:xfrm>
+          <a:off x="0" y="0"/>
+          <a:ext cx="0" cy="0"/>
+          <a:chOff x="0" y="0"/>
+          <a:chExt cx="0" cy="0"/>
+        </a:xfrm>
+      </p:grpSpPr>
+      <p:sp>
+        <p:nvSpPr>
+          <p:cNvPr id="2" name="Titel 1"/>
+          <p:cNvSpPr>
+            <a:spLocks noGrp="1"/>
+          </p:cNvSpPr>
+          <p:nvPr>
+            <p:ph type="title"/>
+          </p:nvPr>
+        </p:nvSpPr>
+        <p:spPr/>
+        <p:txBody>
+          <a:bodyPr/>
+          <a:lstStyle/>
+          <a:p>
+            <a:r>
+              <a:rPr lang="de-DE" dirty="0"/>
+              <a:t>Reflexion: Werkzeuge</a:t>
+            </a:r>
+          </a:p>
+        </p:txBody>
+      </p:sp>
+      <p:sp>
+        <p:nvSpPr>
+          <p:cNvPr id="3" name="Inhaltsplatzhalter 2"/>
+          <p:cNvSpPr>
+            <a:spLocks noGrp="1"/>
+          </p:cNvSpPr>
+          <p:nvPr>
+            <p:ph idx="1"/>
+          </p:nvPr>
+        </p:nvSpPr>
+        <p:spPr/>
+        <p:txBody>
+          <a:bodyPr>
+            <a:normAutofit fontScale="92500" lnSpcReduction="20000"/>
+          </a:bodyPr>
+          <a:lstStyle/>
+          <a:p>
+            <a:pPr marL="0" indent="0">
+              <a:buNone/>
+            </a:pPr>
+            <a:r>
+              <a:rPr lang="de-DE" dirty="0" smtClean="0"/>
+              <a:t>Android Studio:</a:t>
+            </a:r>
+          </a:p>
+          <a:p>
+            <a:r>
+              <a:rPr lang="de-DE" dirty="0" smtClean="0"/>
+              <a:t>- </a:t>
+            </a:r>
+            <a:r>
+              <a:rPr lang="de-DE" dirty="0"/>
+              <a:t>Android Studio-Update: ohne Hinweis auch </a:t>
+            </a:r>
+            <a:r>
+              <a:rPr lang="de-DE" dirty="0" err="1"/>
+              <a:t>Gradle</a:t>
+            </a:r>
+            <a:r>
+              <a:rPr lang="de-DE" dirty="0"/>
+              <a:t>-Update</a:t>
+            </a:r>
+          </a:p>
+          <a:p>
+            <a:pPr marL="0" indent="0">
+              <a:buNone/>
+            </a:pPr>
+            <a:r>
+              <a:rPr lang="de-DE" dirty="0" smtClean="0"/>
+              <a:t>	-&gt; </a:t>
+            </a:r>
+            <a:r>
+              <a:rPr lang="de-DE" dirty="0" err="1"/>
+              <a:t>Compilefehler</a:t>
+            </a:r>
+            <a:r>
+              <a:rPr lang="de-DE" dirty="0"/>
+              <a:t> innerhalb der </a:t>
+            </a:r>
+            <a:r>
+              <a:rPr lang="de-DE" dirty="0" err="1"/>
+              <a:t>Builddatei</a:t>
+            </a:r>
+            <a:endParaRPr lang="de-DE" dirty="0"/>
+          </a:p>
+          <a:p>
+            <a:r>
+              <a:rPr lang="de-DE" dirty="0"/>
+              <a:t> - Version auch nicht </a:t>
+            </a:r>
+            <a:r>
+              <a:rPr lang="de-DE" dirty="0" smtClean="0"/>
+              <a:t>abwärtskompatibel</a:t>
+            </a:r>
+            <a:endParaRPr lang="de-DE" dirty="0"/>
+          </a:p>
+          <a:p>
+            <a:r>
+              <a:rPr lang="de-DE" dirty="0"/>
+              <a:t>- Erstellung der Benutzeroberfläche relativ kompliziert (korrekte relative Ausrichtung auf verschiedenen Geräten)</a:t>
+            </a:r>
+          </a:p>
+          <a:p>
+            <a:r>
+              <a:rPr lang="de-DE" dirty="0" smtClean="0"/>
+              <a:t>- </a:t>
+            </a:r>
+            <a:r>
+              <a:rPr lang="de-DE" dirty="0"/>
+              <a:t>Emulator sehr langsam, </a:t>
+            </a:r>
+            <a:r>
+              <a:rPr lang="de-DE" dirty="0" smtClean="0"/>
+              <a:t>Konfiguration </a:t>
+            </a:r>
+            <a:r>
+              <a:rPr lang="de-DE" dirty="0"/>
+              <a:t>nicht ganz trivial</a:t>
+            </a:r>
+          </a:p>
+          <a:p>
+            <a:r>
+              <a:rPr lang="de-DE" dirty="0"/>
+              <a:t>- Bug im </a:t>
+            </a:r>
+            <a:r>
+              <a:rPr lang="de-DE" dirty="0" smtClean="0"/>
+              <a:t>Zusammenhang </a:t>
+            </a:r>
+            <a:r>
+              <a:rPr lang="de-DE" dirty="0"/>
+              <a:t>mit </a:t>
+            </a:r>
+            <a:r>
+              <a:rPr lang="de-DE" dirty="0" smtClean="0"/>
+              <a:t>Konfiguration </a:t>
+            </a:r>
+            <a:r>
+              <a:rPr lang="de-DE" dirty="0"/>
+              <a:t>einer SD-Karte</a:t>
+            </a:r>
+          </a:p>
+          <a:p>
+            <a:r>
+              <a:rPr lang="de-DE" dirty="0"/>
+              <a:t>- über den Emulator keinen Zugriff auf die SD-Karte</a:t>
+            </a:r>
+          </a:p>
+          <a:p>
+            <a:r>
+              <a:rPr lang="de-DE" dirty="0"/>
+              <a:t>- Debugging &amp; Testen auf tatsächlicher Hardware deutlich performanter &amp; leichter</a:t>
+            </a:r>
+          </a:p>
+        </p:txBody>
+      </p:sp>
+      <p:pic>
+        <p:nvPicPr>
+          <p:cNvPr id="4" name="Grafik 3"/>
+          <p:cNvPicPr>
+            <a:picLocks noChangeAspect="1"/>
+          </p:cNvPicPr>
+          <p:nvPr/>
+        </p:nvPicPr>
+        <p:blipFill>
+          <a:blip r:embed="rId3">
+            <a:extLst>
+              <a:ext uri="{28A0092B-C50C-407E-A947-70E740481C1C}">
+                <a14:useLocalDpi xmlns:a14="http://schemas.microsoft.com/office/drawing/2010/main" val="0"/>
+              </a:ext>
+            </a:extLst>
+          </a:blip>
+          <a:stretch>
+            <a:fillRect/>
+          </a:stretch>
+        </p:blipFill>
+        <p:spPr>
+          <a:xfrm>
+            <a:off x="11248792" y="5909733"/>
+            <a:ext cx="827314" cy="827314"/>
+          </a:xfrm>
+          <a:prstGeom prst="rect">
+            <a:avLst/>
+          </a:prstGeom>
+        </p:spPr>
+      </p:pic>
+      <p:sp>
+        <p:nvSpPr>
+          <p:cNvPr id="5" name="Foliennummernplatzhalter 4"/>
+          <p:cNvSpPr>
+            <a:spLocks noGrp="1"/>
+          </p:cNvSpPr>
+          <p:nvPr>
+            <p:ph type="sldNum" sz="quarter" idx="12"/>
+          </p:nvPr>
+        </p:nvSpPr>
+        <p:spPr/>
+        <p:txBody>
+          <a:bodyPr/>
+          <a:lstStyle/>
+          <a:p>
+            <a:fld id="{D57F1E4F-1CFF-5643-939E-217C01CDF565}" type="slidenum">
+              <a:rPr lang="en-US" smtClean="0"/>
+              <a:pPr/>
+              <a:t>18</a:t>
+            </a:fld>
+            <a:endParaRPr lang="en-US" dirty="0"/>
+          </a:p>
+        </p:txBody>
+      </p:sp>
+      <p:sp>
+        <p:nvSpPr>
+          <p:cNvPr id="6" name="Textfeld 5"/>
+          <p:cNvSpPr txBox="1"/>
+          <p:nvPr/>
+        </p:nvSpPr>
+        <p:spPr>
+          <a:xfrm>
+            <a:off x="372650" y="6156167"/>
+            <a:ext cx="10876142" cy="338554"/>
+          </a:xfrm>
+          <a:prstGeom prst="rect">
+            <a:avLst/>
+          </a:prstGeom>
+          <a:noFill/>
+        </p:spPr>
+        <p:txBody>
+          <a:bodyPr wrap="square" rtlCol="0">
+            <a:spAutoFit/>
+          </a:bodyPr>
+          <a:lstStyle/>
+          <a:p>
+            <a:r>
+              <a:rPr lang="de-DE" sz="1600" dirty="0" smtClean="0"/>
+              <a:t>13.02.2015  |  Software Engineering I  |  Nadine Feldmann, Lukas Huwe, Michael Kerkhoff, Sebastian Ochtrup</a:t>
+            </a:r>
+            <a:endParaRPr lang="de-DE" sz="1600" dirty="0"/>
+          </a:p>
+        </p:txBody>
+      </p:sp>
+    </p:spTree>
+    <p:extLst>
+      <p:ext uri="{BB962C8B-B14F-4D97-AF65-F5344CB8AC3E}">
+        <p14:creationId xmlns:p14="http://schemas.microsoft.com/office/powerpoint/2010/main" val="1771326033"/>
+      </p:ext>
+    </p:extLst>
+  </p:cSld>
+  <p:clrMapOvr>
+    <a:masterClrMapping/>
+  </p:clrMapOvr>
+  <p:timing>
+    <p:tnLst>
+      <p:par>
+        <p:cTn id="1" dur="indefinite" restart="never" nodeType="tmRoot"/>
+      </p:par>
+    </p:tnLst>
+  </p:timing>
+</p:sld>
+</file>
+
+<file path=ppt/slides/slide19.xml><?xml version="1.0" encoding="utf-8"?>
+<p:sld xmlns:a="http://schemas.openxmlformats.org/drawingml/2006/main" xmlns:r="http://schemas.openxmlformats.org/officeDocument/2006/relationships" xmlns:p="http://schemas.openxmlformats.org/presentationml/2006/main">
+  <p:cSld>
+    <p:spTree>
+      <p:nvGrpSpPr>
+        <p:cNvPr id="1" name=""/>
+        <p:cNvGrpSpPr/>
+        <p:nvPr/>
+      </p:nvGrpSpPr>
+      <p:grpSpPr>
+        <a:xfrm>
+          <a:off x="0" y="0"/>
+          <a:ext cx="0" cy="0"/>
+          <a:chOff x="0" y="0"/>
+          <a:chExt cx="0" cy="0"/>
+        </a:xfrm>
+      </p:grpSpPr>
+      <p:sp>
+        <p:nvSpPr>
+          <p:cNvPr id="2" name="Titel 1"/>
+          <p:cNvSpPr>
+            <a:spLocks noGrp="1"/>
+          </p:cNvSpPr>
+          <p:nvPr>
+            <p:ph type="title"/>
+          </p:nvPr>
+        </p:nvSpPr>
+        <p:spPr/>
+        <p:txBody>
+          <a:bodyPr/>
+          <a:lstStyle/>
+          <a:p>
+            <a:r>
+              <a:rPr lang="de-DE" dirty="0"/>
+              <a:t>Reflexion: Werkzeuge</a:t>
+            </a:r>
+          </a:p>
+        </p:txBody>
+      </p:sp>
+      <p:sp>
+        <p:nvSpPr>
+          <p:cNvPr id="3" name="Inhaltsplatzhalter 2"/>
+          <p:cNvSpPr>
+            <a:spLocks noGrp="1"/>
+          </p:cNvSpPr>
+          <p:nvPr>
+            <p:ph idx="1"/>
+          </p:nvPr>
+        </p:nvSpPr>
+        <p:spPr/>
+        <p:txBody>
+          <a:bodyPr/>
+          <a:lstStyle/>
+          <a:p>
+            <a:pPr marL="0" indent="0">
+              <a:buNone/>
+            </a:pPr>
+            <a:r>
+              <a:rPr lang="de-DE" dirty="0" err="1" smtClean="0"/>
+              <a:t>Gradle</a:t>
+            </a:r>
+            <a:r>
+              <a:rPr lang="de-DE" dirty="0" smtClean="0"/>
+              <a:t>:</a:t>
+            </a:r>
+          </a:p>
+          <a:p>
+            <a:r>
+              <a:rPr lang="de-DE" dirty="0" smtClean="0"/>
+              <a:t>+ funktionierte </a:t>
+            </a:r>
+            <a:r>
+              <a:rPr lang="de-DE" dirty="0"/>
+              <a:t>von Anfang </a:t>
+            </a:r>
+            <a:r>
+              <a:rPr lang="de-DE" dirty="0" smtClean="0"/>
+              <a:t>an</a:t>
+            </a:r>
+          </a:p>
+          <a:p>
+            <a:r>
+              <a:rPr lang="de-DE" dirty="0" smtClean="0"/>
+              <a:t>+ Mit Android Studio sehr pflegeleicht</a:t>
+            </a:r>
+            <a:endParaRPr lang="de-DE" dirty="0"/>
+          </a:p>
+          <a:p>
+            <a:r>
+              <a:rPr lang="de-DE" dirty="0" smtClean="0"/>
+              <a:t>- Nur Update sehr ärgerlich &amp; zeitraubend</a:t>
+            </a:r>
+            <a:endParaRPr lang="de-DE" dirty="0"/>
+          </a:p>
+          <a:p>
+            <a:endParaRPr lang="de-DE" dirty="0" smtClean="0"/>
+          </a:p>
+        </p:txBody>
+      </p:sp>
+      <p:pic>
+        <p:nvPicPr>
+          <p:cNvPr id="4" name="Grafik 3"/>
+          <p:cNvPicPr>
+            <a:picLocks noChangeAspect="1"/>
+          </p:cNvPicPr>
+          <p:nvPr/>
+        </p:nvPicPr>
+        <p:blipFill>
+          <a:blip r:embed="rId3">
+            <a:extLst>
+              <a:ext uri="{28A0092B-C50C-407E-A947-70E740481C1C}">
+                <a14:useLocalDpi xmlns:a14="http://schemas.microsoft.com/office/drawing/2010/main" val="0"/>
+              </a:ext>
+            </a:extLst>
+          </a:blip>
+          <a:stretch>
+            <a:fillRect/>
+          </a:stretch>
+        </p:blipFill>
+        <p:spPr>
+          <a:xfrm>
+            <a:off x="11248792" y="5909733"/>
+            <a:ext cx="827314" cy="827314"/>
+          </a:xfrm>
+          <a:prstGeom prst="rect">
+            <a:avLst/>
+          </a:prstGeom>
+        </p:spPr>
+      </p:pic>
+      <p:sp>
+        <p:nvSpPr>
+          <p:cNvPr id="5" name="Foliennummernplatzhalter 4"/>
+          <p:cNvSpPr>
+            <a:spLocks noGrp="1"/>
+          </p:cNvSpPr>
+          <p:nvPr>
+            <p:ph type="sldNum" sz="quarter" idx="12"/>
+          </p:nvPr>
+        </p:nvSpPr>
+        <p:spPr/>
+        <p:txBody>
+          <a:bodyPr/>
+          <a:lstStyle/>
+          <a:p>
+            <a:fld id="{D57F1E4F-1CFF-5643-939E-217C01CDF565}" type="slidenum">
+              <a:rPr lang="en-US" smtClean="0"/>
+              <a:pPr/>
+              <a:t>19</a:t>
+            </a:fld>
+            <a:endParaRPr lang="en-US" dirty="0"/>
+          </a:p>
+        </p:txBody>
+      </p:sp>
+      <p:sp>
+        <p:nvSpPr>
+          <p:cNvPr id="6" name="Textfeld 5"/>
+          <p:cNvSpPr txBox="1"/>
+          <p:nvPr/>
+        </p:nvSpPr>
+        <p:spPr>
+          <a:xfrm>
+            <a:off x="372650" y="6156167"/>
+            <a:ext cx="10876142" cy="338554"/>
+          </a:xfrm>
+          <a:prstGeom prst="rect">
+            <a:avLst/>
+          </a:prstGeom>
+          <a:noFill/>
+        </p:spPr>
+        <p:txBody>
+          <a:bodyPr wrap="square" rtlCol="0">
+            <a:spAutoFit/>
+          </a:bodyPr>
+          <a:lstStyle/>
+          <a:p>
+            <a:r>
+              <a:rPr lang="de-DE" sz="1600" dirty="0" smtClean="0"/>
+              <a:t>13.02.2015  |  Software Engineering I  |  Nadine Feldmann, Lukas Huwe, Michael Kerkhoff, Sebastian Ochtrup</a:t>
+            </a:r>
+            <a:endParaRPr lang="de-DE" sz="1600" dirty="0"/>
+          </a:p>
+        </p:txBody>
+      </p:sp>
+    </p:spTree>
+    <p:extLst>
+      <p:ext uri="{BB962C8B-B14F-4D97-AF65-F5344CB8AC3E}">
+        <p14:creationId xmlns:p14="http://schemas.microsoft.com/office/powerpoint/2010/main" val="1786185408"/>
       </p:ext>
     </p:extLst>
   </p:cSld>
@@ -17648,6 +19288,1704 @@
     <p:extLst>
       <p:ext uri="{BB962C8B-B14F-4D97-AF65-F5344CB8AC3E}">
         <p14:creationId xmlns:p14="http://schemas.microsoft.com/office/powerpoint/2010/main" val="2132460779"/>
+      </p:ext>
+    </p:extLst>
+  </p:cSld>
+  <p:clrMapOvr>
+    <a:masterClrMapping/>
+  </p:clrMapOvr>
+  <p:timing>
+    <p:tnLst>
+      <p:par>
+        <p:cTn id="1" dur="indefinite" restart="never" nodeType="tmRoot"/>
+      </p:par>
+    </p:tnLst>
+  </p:timing>
+</p:sld>
+</file>
+
+<file path=ppt/slides/slide20.xml><?xml version="1.0" encoding="utf-8"?>
+<p:sld xmlns:a="http://schemas.openxmlformats.org/drawingml/2006/main" xmlns:r="http://schemas.openxmlformats.org/officeDocument/2006/relationships" xmlns:p="http://schemas.openxmlformats.org/presentationml/2006/main">
+  <p:cSld>
+    <p:spTree>
+      <p:nvGrpSpPr>
+        <p:cNvPr id="1" name=""/>
+        <p:cNvGrpSpPr/>
+        <p:nvPr/>
+      </p:nvGrpSpPr>
+      <p:grpSpPr>
+        <a:xfrm>
+          <a:off x="0" y="0"/>
+          <a:ext cx="0" cy="0"/>
+          <a:chOff x="0" y="0"/>
+          <a:chExt cx="0" cy="0"/>
+        </a:xfrm>
+      </p:grpSpPr>
+      <p:sp>
+        <p:nvSpPr>
+          <p:cNvPr id="2" name="Titel 1"/>
+          <p:cNvSpPr>
+            <a:spLocks noGrp="1"/>
+          </p:cNvSpPr>
+          <p:nvPr>
+            <p:ph type="title"/>
+          </p:nvPr>
+        </p:nvSpPr>
+        <p:spPr/>
+        <p:txBody>
+          <a:bodyPr/>
+          <a:lstStyle/>
+          <a:p>
+            <a:r>
+              <a:rPr lang="de-DE" dirty="0"/>
+              <a:t>Reflexion: Werkzeuge</a:t>
+            </a:r>
+          </a:p>
+        </p:txBody>
+      </p:sp>
+      <p:sp>
+        <p:nvSpPr>
+          <p:cNvPr id="3" name="Inhaltsplatzhalter 2"/>
+          <p:cNvSpPr>
+            <a:spLocks noGrp="1"/>
+          </p:cNvSpPr>
+          <p:nvPr>
+            <p:ph idx="1"/>
+          </p:nvPr>
+        </p:nvSpPr>
+        <p:spPr/>
+        <p:txBody>
+          <a:bodyPr/>
+          <a:lstStyle/>
+          <a:p>
+            <a:pPr marL="0" indent="0">
+              <a:buNone/>
+            </a:pPr>
+            <a:r>
+              <a:rPr lang="de-DE" dirty="0" smtClean="0"/>
+              <a:t>Unit </a:t>
+            </a:r>
+            <a:r>
+              <a:rPr lang="de-DE" dirty="0" err="1" smtClean="0"/>
+              <a:t>Testing</a:t>
+            </a:r>
+            <a:r>
+              <a:rPr lang="de-DE" dirty="0" smtClean="0"/>
+              <a:t>:</a:t>
+            </a:r>
+          </a:p>
+          <a:p>
+            <a:r>
+              <a:rPr lang="de-DE" dirty="0" smtClean="0"/>
+              <a:t>Modultests </a:t>
+            </a:r>
+            <a:r>
+              <a:rPr lang="de-DE" dirty="0"/>
+              <a:t>boten sich </a:t>
+            </a:r>
+            <a:r>
+              <a:rPr lang="de-DE" dirty="0" smtClean="0"/>
+              <a:t>nur </a:t>
+            </a:r>
+            <a:r>
+              <a:rPr lang="de-DE" dirty="0"/>
+              <a:t>selten </a:t>
+            </a:r>
+            <a:r>
+              <a:rPr lang="de-DE" dirty="0" smtClean="0"/>
+              <a:t>an (größtenteils Oberflächennavigation)</a:t>
+            </a:r>
+          </a:p>
+          <a:p>
+            <a:r>
+              <a:rPr lang="de-DE" dirty="0" smtClean="0"/>
+              <a:t>+ Implementierte </a:t>
+            </a:r>
+            <a:r>
+              <a:rPr lang="de-DE" dirty="0"/>
+              <a:t>Modultests </a:t>
+            </a:r>
+            <a:r>
+              <a:rPr lang="de-DE" dirty="0" smtClean="0"/>
+              <a:t>sehr </a:t>
+            </a:r>
+            <a:r>
+              <a:rPr lang="de-DE" dirty="0"/>
+              <a:t>schnell </a:t>
+            </a:r>
+            <a:r>
+              <a:rPr lang="de-DE" dirty="0" smtClean="0"/>
+              <a:t>konfiguriert</a:t>
+            </a:r>
+          </a:p>
+          <a:p>
+            <a:r>
+              <a:rPr lang="de-DE" dirty="0" smtClean="0"/>
+              <a:t>+ Unterstützung </a:t>
+            </a:r>
+            <a:r>
+              <a:rPr lang="de-DE" dirty="0"/>
+              <a:t>des Android Studios </a:t>
+            </a:r>
+            <a:r>
+              <a:rPr lang="de-DE" dirty="0" smtClean="0"/>
+              <a:t>sehr </a:t>
+            </a:r>
+            <a:r>
+              <a:rPr lang="de-DE" dirty="0"/>
+              <a:t>gut </a:t>
+            </a:r>
+            <a:r>
+              <a:rPr lang="de-DE" dirty="0" smtClean="0"/>
+              <a:t>&amp; übersichtlich</a:t>
+            </a:r>
+          </a:p>
+          <a:p>
+            <a:r>
+              <a:rPr lang="de-DE" dirty="0" smtClean="0"/>
+              <a:t>- Notwendigkeit </a:t>
+            </a:r>
+            <a:r>
+              <a:rPr lang="de-DE" dirty="0"/>
+              <a:t>des Emulators verlangsamt </a:t>
+            </a:r>
+            <a:r>
+              <a:rPr lang="de-DE" dirty="0" smtClean="0"/>
+              <a:t>Testdurchlauf &amp; </a:t>
+            </a:r>
+            <a:r>
+              <a:rPr lang="de-DE" dirty="0"/>
+              <a:t>mindert die </a:t>
+            </a:r>
+            <a:r>
+              <a:rPr lang="de-DE" dirty="0" smtClean="0"/>
+              <a:t>Motivation</a:t>
+            </a:r>
+            <a:endParaRPr lang="de-DE" dirty="0"/>
+          </a:p>
+          <a:p>
+            <a:endParaRPr lang="de-DE" dirty="0" smtClean="0"/>
+          </a:p>
+        </p:txBody>
+      </p:sp>
+      <p:pic>
+        <p:nvPicPr>
+          <p:cNvPr id="4" name="Grafik 3"/>
+          <p:cNvPicPr>
+            <a:picLocks noChangeAspect="1"/>
+          </p:cNvPicPr>
+          <p:nvPr/>
+        </p:nvPicPr>
+        <p:blipFill>
+          <a:blip r:embed="rId3">
+            <a:extLst>
+              <a:ext uri="{28A0092B-C50C-407E-A947-70E740481C1C}">
+                <a14:useLocalDpi xmlns:a14="http://schemas.microsoft.com/office/drawing/2010/main" val="0"/>
+              </a:ext>
+            </a:extLst>
+          </a:blip>
+          <a:stretch>
+            <a:fillRect/>
+          </a:stretch>
+        </p:blipFill>
+        <p:spPr>
+          <a:xfrm>
+            <a:off x="11248792" y="5909733"/>
+            <a:ext cx="827314" cy="827314"/>
+          </a:xfrm>
+          <a:prstGeom prst="rect">
+            <a:avLst/>
+          </a:prstGeom>
+        </p:spPr>
+      </p:pic>
+      <p:sp>
+        <p:nvSpPr>
+          <p:cNvPr id="5" name="Foliennummernplatzhalter 4"/>
+          <p:cNvSpPr>
+            <a:spLocks noGrp="1"/>
+          </p:cNvSpPr>
+          <p:nvPr>
+            <p:ph type="sldNum" sz="quarter" idx="12"/>
+          </p:nvPr>
+        </p:nvSpPr>
+        <p:spPr/>
+        <p:txBody>
+          <a:bodyPr/>
+          <a:lstStyle/>
+          <a:p>
+            <a:fld id="{D57F1E4F-1CFF-5643-939E-217C01CDF565}" type="slidenum">
+              <a:rPr lang="en-US" smtClean="0"/>
+              <a:pPr/>
+              <a:t>20</a:t>
+            </a:fld>
+            <a:endParaRPr lang="en-US" dirty="0"/>
+          </a:p>
+        </p:txBody>
+      </p:sp>
+      <p:sp>
+        <p:nvSpPr>
+          <p:cNvPr id="6" name="Textfeld 5"/>
+          <p:cNvSpPr txBox="1"/>
+          <p:nvPr/>
+        </p:nvSpPr>
+        <p:spPr>
+          <a:xfrm>
+            <a:off x="372650" y="6156167"/>
+            <a:ext cx="10876142" cy="338554"/>
+          </a:xfrm>
+          <a:prstGeom prst="rect">
+            <a:avLst/>
+          </a:prstGeom>
+          <a:noFill/>
+        </p:spPr>
+        <p:txBody>
+          <a:bodyPr wrap="square" rtlCol="0">
+            <a:spAutoFit/>
+          </a:bodyPr>
+          <a:lstStyle/>
+          <a:p>
+            <a:r>
+              <a:rPr lang="de-DE" sz="1600" dirty="0" smtClean="0"/>
+              <a:t>13.02.2015  |  Software Engineering I  |  Nadine Feldmann, Lukas Huwe, Michael Kerkhoff, Sebastian Ochtrup</a:t>
+            </a:r>
+            <a:endParaRPr lang="de-DE" sz="1600" dirty="0"/>
+          </a:p>
+        </p:txBody>
+      </p:sp>
+    </p:spTree>
+    <p:extLst>
+      <p:ext uri="{BB962C8B-B14F-4D97-AF65-F5344CB8AC3E}">
+        <p14:creationId xmlns:p14="http://schemas.microsoft.com/office/powerpoint/2010/main" val="3312458868"/>
+      </p:ext>
+    </p:extLst>
+  </p:cSld>
+  <p:clrMapOvr>
+    <a:masterClrMapping/>
+  </p:clrMapOvr>
+  <p:timing>
+    <p:tnLst>
+      <p:par>
+        <p:cTn id="1" dur="indefinite" restart="never" nodeType="tmRoot"/>
+      </p:par>
+    </p:tnLst>
+  </p:timing>
+</p:sld>
+</file>
+
+<file path=ppt/slides/slide21.xml><?xml version="1.0" encoding="utf-8"?>
+<p:sld xmlns:a="http://schemas.openxmlformats.org/drawingml/2006/main" xmlns:r="http://schemas.openxmlformats.org/officeDocument/2006/relationships" xmlns:p="http://schemas.openxmlformats.org/presentationml/2006/main">
+  <p:cSld>
+    <p:spTree>
+      <p:nvGrpSpPr>
+        <p:cNvPr id="1" name=""/>
+        <p:cNvGrpSpPr/>
+        <p:nvPr/>
+      </p:nvGrpSpPr>
+      <p:grpSpPr>
+        <a:xfrm>
+          <a:off x="0" y="0"/>
+          <a:ext cx="0" cy="0"/>
+          <a:chOff x="0" y="0"/>
+          <a:chExt cx="0" cy="0"/>
+        </a:xfrm>
+      </p:grpSpPr>
+      <p:sp>
+        <p:nvSpPr>
+          <p:cNvPr id="2" name="Titel 1"/>
+          <p:cNvSpPr>
+            <a:spLocks noGrp="1"/>
+          </p:cNvSpPr>
+          <p:nvPr>
+            <p:ph type="title"/>
+          </p:nvPr>
+        </p:nvSpPr>
+        <p:spPr/>
+        <p:txBody>
+          <a:bodyPr/>
+          <a:lstStyle/>
+          <a:p>
+            <a:r>
+              <a:rPr lang="de-DE" dirty="0" smtClean="0"/>
+              <a:t>Reflexion: Vorgehen</a:t>
+            </a:r>
+            <a:endParaRPr lang="de-DE" dirty="0"/>
+          </a:p>
+        </p:txBody>
+      </p:sp>
+      <p:sp>
+        <p:nvSpPr>
+          <p:cNvPr id="3" name="Inhaltsplatzhalter 2"/>
+          <p:cNvSpPr>
+            <a:spLocks noGrp="1"/>
+          </p:cNvSpPr>
+          <p:nvPr>
+            <p:ph idx="1"/>
+          </p:nvPr>
+        </p:nvSpPr>
+        <p:spPr/>
+        <p:txBody>
+          <a:bodyPr>
+            <a:normAutofit/>
+          </a:bodyPr>
+          <a:lstStyle/>
+          <a:p>
+            <a:pPr marL="0" indent="0">
+              <a:buNone/>
+            </a:pPr>
+            <a:r>
+              <a:rPr lang="de-DE" dirty="0" smtClean="0"/>
+              <a:t>Ausgangspunkt</a:t>
+            </a:r>
+            <a:r>
+              <a:rPr lang="de-DE" dirty="0"/>
+              <a:t>:</a:t>
+            </a:r>
+          </a:p>
+          <a:p>
+            <a:r>
+              <a:rPr lang="de-DE" dirty="0" smtClean="0"/>
+              <a:t>App </a:t>
+            </a:r>
+            <a:r>
+              <a:rPr lang="de-DE" dirty="0"/>
+              <a:t>Entwicklung für alle neu</a:t>
+            </a:r>
+          </a:p>
+          <a:p>
+            <a:pPr marL="0" indent="0">
+              <a:buNone/>
+            </a:pPr>
+            <a:r>
+              <a:rPr lang="de-DE" dirty="0" smtClean="0"/>
+              <a:t>	-&gt;  - Zusätzlicher </a:t>
+            </a:r>
+            <a:r>
+              <a:rPr lang="de-DE" dirty="0"/>
+              <a:t>Einarbeitungsaufwand</a:t>
+            </a:r>
+          </a:p>
+          <a:p>
+            <a:pPr marL="0" indent="0">
+              <a:buNone/>
+            </a:pPr>
+            <a:r>
+              <a:rPr lang="de-DE" dirty="0" smtClean="0"/>
+              <a:t>	-&gt; + Chance</a:t>
+            </a:r>
+            <a:r>
+              <a:rPr lang="de-DE" dirty="0"/>
+              <a:t>, neue Technologie kennenzulernen</a:t>
+            </a:r>
+          </a:p>
+          <a:p>
+            <a:r>
+              <a:rPr lang="de-DE" dirty="0" smtClean="0"/>
+              <a:t>Unterschiedliche </a:t>
+            </a:r>
+            <a:r>
+              <a:rPr lang="de-DE" dirty="0"/>
+              <a:t>Kompetenzen im Team: 3 Anwendungsentwickler + 1 </a:t>
+            </a:r>
+            <a:r>
+              <a:rPr lang="de-DE" dirty="0" smtClean="0"/>
+              <a:t>Systemintegrator</a:t>
+            </a:r>
+            <a:endParaRPr lang="de-DE" dirty="0"/>
+          </a:p>
+        </p:txBody>
+      </p:sp>
+      <p:pic>
+        <p:nvPicPr>
+          <p:cNvPr id="4" name="Grafik 3"/>
+          <p:cNvPicPr>
+            <a:picLocks noChangeAspect="1"/>
+          </p:cNvPicPr>
+          <p:nvPr/>
+        </p:nvPicPr>
+        <p:blipFill>
+          <a:blip r:embed="rId3">
+            <a:extLst>
+              <a:ext uri="{28A0092B-C50C-407E-A947-70E740481C1C}">
+                <a14:useLocalDpi xmlns:a14="http://schemas.microsoft.com/office/drawing/2010/main" val="0"/>
+              </a:ext>
+            </a:extLst>
+          </a:blip>
+          <a:stretch>
+            <a:fillRect/>
+          </a:stretch>
+        </p:blipFill>
+        <p:spPr>
+          <a:xfrm>
+            <a:off x="11248792" y="5909733"/>
+            <a:ext cx="827314" cy="827314"/>
+          </a:xfrm>
+          <a:prstGeom prst="rect">
+            <a:avLst/>
+          </a:prstGeom>
+        </p:spPr>
+      </p:pic>
+      <p:sp>
+        <p:nvSpPr>
+          <p:cNvPr id="5" name="Foliennummernplatzhalter 4"/>
+          <p:cNvSpPr>
+            <a:spLocks noGrp="1"/>
+          </p:cNvSpPr>
+          <p:nvPr>
+            <p:ph type="sldNum" sz="quarter" idx="12"/>
+          </p:nvPr>
+        </p:nvSpPr>
+        <p:spPr/>
+        <p:txBody>
+          <a:bodyPr/>
+          <a:lstStyle/>
+          <a:p>
+            <a:fld id="{D57F1E4F-1CFF-5643-939E-217C01CDF565}" type="slidenum">
+              <a:rPr lang="en-US" smtClean="0"/>
+              <a:pPr/>
+              <a:t>21</a:t>
+            </a:fld>
+            <a:endParaRPr lang="en-US" dirty="0"/>
+          </a:p>
+        </p:txBody>
+      </p:sp>
+      <p:sp>
+        <p:nvSpPr>
+          <p:cNvPr id="6" name="Textfeld 5"/>
+          <p:cNvSpPr txBox="1"/>
+          <p:nvPr/>
+        </p:nvSpPr>
+        <p:spPr>
+          <a:xfrm>
+            <a:off x="372650" y="6156167"/>
+            <a:ext cx="10876142" cy="338554"/>
+          </a:xfrm>
+          <a:prstGeom prst="rect">
+            <a:avLst/>
+          </a:prstGeom>
+          <a:noFill/>
+        </p:spPr>
+        <p:txBody>
+          <a:bodyPr wrap="square" rtlCol="0">
+            <a:spAutoFit/>
+          </a:bodyPr>
+          <a:lstStyle/>
+          <a:p>
+            <a:r>
+              <a:rPr lang="de-DE" sz="1600" dirty="0" smtClean="0"/>
+              <a:t>13.02.2015  |  Software Engineering I  |  Nadine Feldmann, Lukas Huwe, Michael Kerkhoff, Sebastian Ochtrup</a:t>
+            </a:r>
+            <a:endParaRPr lang="de-DE" sz="1600" dirty="0"/>
+          </a:p>
+        </p:txBody>
+      </p:sp>
+    </p:spTree>
+    <p:extLst>
+      <p:ext uri="{BB962C8B-B14F-4D97-AF65-F5344CB8AC3E}">
+        <p14:creationId xmlns:p14="http://schemas.microsoft.com/office/powerpoint/2010/main" val="3197597498"/>
+      </p:ext>
+    </p:extLst>
+  </p:cSld>
+  <p:clrMapOvr>
+    <a:masterClrMapping/>
+  </p:clrMapOvr>
+  <p:timing>
+    <p:tnLst>
+      <p:par>
+        <p:cTn id="1" dur="indefinite" restart="never" nodeType="tmRoot"/>
+      </p:par>
+    </p:tnLst>
+  </p:timing>
+</p:sld>
+</file>
+
+<file path=ppt/slides/slide22.xml><?xml version="1.0" encoding="utf-8"?>
+<p:sld xmlns:a="http://schemas.openxmlformats.org/drawingml/2006/main" xmlns:r="http://schemas.openxmlformats.org/officeDocument/2006/relationships" xmlns:p="http://schemas.openxmlformats.org/presentationml/2006/main">
+  <p:cSld>
+    <p:spTree>
+      <p:nvGrpSpPr>
+        <p:cNvPr id="1" name=""/>
+        <p:cNvGrpSpPr/>
+        <p:nvPr/>
+      </p:nvGrpSpPr>
+      <p:grpSpPr>
+        <a:xfrm>
+          <a:off x="0" y="0"/>
+          <a:ext cx="0" cy="0"/>
+          <a:chOff x="0" y="0"/>
+          <a:chExt cx="0" cy="0"/>
+        </a:xfrm>
+      </p:grpSpPr>
+      <p:sp>
+        <p:nvSpPr>
+          <p:cNvPr id="2" name="Titel 1"/>
+          <p:cNvSpPr>
+            <a:spLocks noGrp="1"/>
+          </p:cNvSpPr>
+          <p:nvPr>
+            <p:ph type="title"/>
+          </p:nvPr>
+        </p:nvSpPr>
+        <p:spPr/>
+        <p:txBody>
+          <a:bodyPr/>
+          <a:lstStyle/>
+          <a:p>
+            <a:r>
+              <a:rPr lang="de-DE" dirty="0"/>
+              <a:t>Reflexion: Vorgehen</a:t>
+            </a:r>
+          </a:p>
+        </p:txBody>
+      </p:sp>
+      <p:sp>
+        <p:nvSpPr>
+          <p:cNvPr id="3" name="Inhaltsplatzhalter 2"/>
+          <p:cNvSpPr>
+            <a:spLocks noGrp="1"/>
+          </p:cNvSpPr>
+          <p:nvPr>
+            <p:ph idx="1"/>
+          </p:nvPr>
+        </p:nvSpPr>
+        <p:spPr/>
+        <p:txBody>
+          <a:bodyPr>
+            <a:normAutofit/>
+          </a:bodyPr>
+          <a:lstStyle/>
+          <a:p>
+            <a:pPr marL="0" indent="0">
+              <a:buNone/>
+            </a:pPr>
+            <a:r>
+              <a:rPr lang="de-DE" dirty="0" smtClean="0"/>
+              <a:t>Verlauf</a:t>
+            </a:r>
+            <a:r>
+              <a:rPr lang="de-DE" dirty="0"/>
+              <a:t>:</a:t>
+            </a:r>
+          </a:p>
+          <a:p>
+            <a:r>
+              <a:rPr lang="de-DE" dirty="0" smtClean="0"/>
+              <a:t>Inkrementelles </a:t>
+            </a:r>
+            <a:r>
+              <a:rPr lang="de-DE" dirty="0"/>
+              <a:t>Vorgehen</a:t>
+            </a:r>
+          </a:p>
+          <a:p>
+            <a:r>
+              <a:rPr lang="de-DE" dirty="0"/>
+              <a:t>+ </a:t>
+            </a:r>
+            <a:r>
+              <a:rPr lang="de-DE" dirty="0" smtClean="0"/>
+              <a:t>Regelmäßige Absprachen</a:t>
+            </a:r>
+            <a:endParaRPr lang="de-DE" dirty="0"/>
+          </a:p>
+          <a:p>
+            <a:r>
+              <a:rPr lang="de-DE" dirty="0"/>
+              <a:t>+ </a:t>
+            </a:r>
+            <a:r>
+              <a:rPr lang="de-DE" dirty="0" smtClean="0"/>
+              <a:t>Jeder </a:t>
+            </a:r>
+            <a:r>
+              <a:rPr lang="de-DE" dirty="0"/>
+              <a:t>konnte etwas beitragen</a:t>
+            </a:r>
+          </a:p>
+          <a:p>
+            <a:r>
+              <a:rPr lang="de-DE" dirty="0"/>
+              <a:t>+ Zwischenzeitliche Tests -&gt; Ermitteln &amp; Beheben von Bugs</a:t>
+            </a:r>
+          </a:p>
+          <a:p>
+            <a:r>
+              <a:rPr lang="de-DE" dirty="0"/>
+              <a:t>+ </a:t>
+            </a:r>
+            <a:r>
+              <a:rPr lang="de-DE" dirty="0" smtClean="0"/>
+              <a:t>Klare </a:t>
+            </a:r>
+            <a:r>
+              <a:rPr lang="de-DE" dirty="0"/>
+              <a:t>Aufgabenteilung + rege Kommunikation </a:t>
+            </a:r>
+            <a:endParaRPr lang="de-DE" dirty="0" smtClean="0"/>
+          </a:p>
+          <a:p>
+            <a:pPr marL="0" indent="0">
+              <a:buNone/>
+            </a:pPr>
+            <a:r>
+              <a:rPr lang="de-DE" dirty="0" smtClean="0"/>
+              <a:t>	-&gt; Nur </a:t>
+            </a:r>
+            <a:r>
+              <a:rPr lang="de-DE" dirty="0"/>
+              <a:t>wenig </a:t>
+            </a:r>
+            <a:r>
+              <a:rPr lang="de-DE" dirty="0" err="1"/>
+              <a:t>Mergekonflikte</a:t>
+            </a:r>
+            <a:endParaRPr lang="de-DE" dirty="0"/>
+          </a:p>
+          <a:p>
+            <a:r>
+              <a:rPr lang="de-DE" dirty="0"/>
+              <a:t>+ </a:t>
+            </a:r>
+            <a:r>
+              <a:rPr lang="de-DE" dirty="0" smtClean="0"/>
+              <a:t>Klare </a:t>
+            </a:r>
+            <a:r>
+              <a:rPr lang="de-DE" dirty="0"/>
+              <a:t>Definition von </a:t>
+            </a:r>
+            <a:r>
+              <a:rPr lang="de-DE" dirty="0" smtClean="0"/>
+              <a:t>Deadlines</a:t>
+            </a:r>
+            <a:endParaRPr lang="de-DE" dirty="0"/>
+          </a:p>
+        </p:txBody>
+      </p:sp>
+      <p:pic>
+        <p:nvPicPr>
+          <p:cNvPr id="4" name="Grafik 3"/>
+          <p:cNvPicPr>
+            <a:picLocks noChangeAspect="1"/>
+          </p:cNvPicPr>
+          <p:nvPr/>
+        </p:nvPicPr>
+        <p:blipFill>
+          <a:blip r:embed="rId3">
+            <a:extLst>
+              <a:ext uri="{28A0092B-C50C-407E-A947-70E740481C1C}">
+                <a14:useLocalDpi xmlns:a14="http://schemas.microsoft.com/office/drawing/2010/main" val="0"/>
+              </a:ext>
+            </a:extLst>
+          </a:blip>
+          <a:stretch>
+            <a:fillRect/>
+          </a:stretch>
+        </p:blipFill>
+        <p:spPr>
+          <a:xfrm>
+            <a:off x="11248792" y="5909733"/>
+            <a:ext cx="827314" cy="827314"/>
+          </a:xfrm>
+          <a:prstGeom prst="rect">
+            <a:avLst/>
+          </a:prstGeom>
+        </p:spPr>
+      </p:pic>
+      <p:sp>
+        <p:nvSpPr>
+          <p:cNvPr id="5" name="Foliennummernplatzhalter 4"/>
+          <p:cNvSpPr>
+            <a:spLocks noGrp="1"/>
+          </p:cNvSpPr>
+          <p:nvPr>
+            <p:ph type="sldNum" sz="quarter" idx="12"/>
+          </p:nvPr>
+        </p:nvSpPr>
+        <p:spPr/>
+        <p:txBody>
+          <a:bodyPr/>
+          <a:lstStyle/>
+          <a:p>
+            <a:fld id="{D57F1E4F-1CFF-5643-939E-217C01CDF565}" type="slidenum">
+              <a:rPr lang="en-US" smtClean="0"/>
+              <a:pPr/>
+              <a:t>22</a:t>
+            </a:fld>
+            <a:endParaRPr lang="en-US" dirty="0"/>
+          </a:p>
+        </p:txBody>
+      </p:sp>
+      <p:sp>
+        <p:nvSpPr>
+          <p:cNvPr id="6" name="Textfeld 5"/>
+          <p:cNvSpPr txBox="1"/>
+          <p:nvPr/>
+        </p:nvSpPr>
+        <p:spPr>
+          <a:xfrm>
+            <a:off x="372650" y="6156167"/>
+            <a:ext cx="10876142" cy="338554"/>
+          </a:xfrm>
+          <a:prstGeom prst="rect">
+            <a:avLst/>
+          </a:prstGeom>
+          <a:noFill/>
+        </p:spPr>
+        <p:txBody>
+          <a:bodyPr wrap="square" rtlCol="0">
+            <a:spAutoFit/>
+          </a:bodyPr>
+          <a:lstStyle/>
+          <a:p>
+            <a:r>
+              <a:rPr lang="de-DE" sz="1600" dirty="0" smtClean="0"/>
+              <a:t>13.02.2015  |  Software Engineering I  |  Nadine Feldmann, Lukas Huwe, Michael Kerkhoff, Sebastian Ochtrup</a:t>
+            </a:r>
+            <a:endParaRPr lang="de-DE" sz="1600" dirty="0"/>
+          </a:p>
+        </p:txBody>
+      </p:sp>
+    </p:spTree>
+    <p:extLst>
+      <p:ext uri="{BB962C8B-B14F-4D97-AF65-F5344CB8AC3E}">
+        <p14:creationId xmlns:p14="http://schemas.microsoft.com/office/powerpoint/2010/main" val="3509070595"/>
+      </p:ext>
+    </p:extLst>
+  </p:cSld>
+  <p:clrMapOvr>
+    <a:masterClrMapping/>
+  </p:clrMapOvr>
+  <p:timing>
+    <p:tnLst>
+      <p:par>
+        <p:cTn id="1" dur="indefinite" restart="never" nodeType="tmRoot"/>
+      </p:par>
+    </p:tnLst>
+  </p:timing>
+</p:sld>
+</file>
+
+<file path=ppt/slides/slide23.xml><?xml version="1.0" encoding="utf-8"?>
+<p:sld xmlns:a="http://schemas.openxmlformats.org/drawingml/2006/main" xmlns:r="http://schemas.openxmlformats.org/officeDocument/2006/relationships" xmlns:p="http://schemas.openxmlformats.org/presentationml/2006/main">
+  <p:cSld>
+    <p:spTree>
+      <p:nvGrpSpPr>
+        <p:cNvPr id="1" name=""/>
+        <p:cNvGrpSpPr/>
+        <p:nvPr/>
+      </p:nvGrpSpPr>
+      <p:grpSpPr>
+        <a:xfrm>
+          <a:off x="0" y="0"/>
+          <a:ext cx="0" cy="0"/>
+          <a:chOff x="0" y="0"/>
+          <a:chExt cx="0" cy="0"/>
+        </a:xfrm>
+      </p:grpSpPr>
+      <p:sp>
+        <p:nvSpPr>
+          <p:cNvPr id="2" name="Titel 1"/>
+          <p:cNvSpPr>
+            <a:spLocks noGrp="1"/>
+          </p:cNvSpPr>
+          <p:nvPr>
+            <p:ph type="title"/>
+          </p:nvPr>
+        </p:nvSpPr>
+        <p:spPr/>
+        <p:txBody>
+          <a:bodyPr/>
+          <a:lstStyle/>
+          <a:p>
+            <a:r>
+              <a:rPr lang="de-DE" dirty="0"/>
+              <a:t>Reflexion: Vorgehen</a:t>
+            </a:r>
+          </a:p>
+        </p:txBody>
+      </p:sp>
+      <p:sp>
+        <p:nvSpPr>
+          <p:cNvPr id="3" name="Inhaltsplatzhalter 2"/>
+          <p:cNvSpPr>
+            <a:spLocks noGrp="1"/>
+          </p:cNvSpPr>
+          <p:nvPr>
+            <p:ph idx="1"/>
+          </p:nvPr>
+        </p:nvSpPr>
+        <p:spPr/>
+        <p:txBody>
+          <a:bodyPr>
+            <a:normAutofit/>
+          </a:bodyPr>
+          <a:lstStyle/>
+          <a:p>
+            <a:pPr marL="0" indent="0">
+              <a:buNone/>
+            </a:pPr>
+            <a:r>
+              <a:rPr lang="de-DE" dirty="0" smtClean="0"/>
+              <a:t>Schwierigkeiten</a:t>
+            </a:r>
+            <a:r>
+              <a:rPr lang="de-DE" dirty="0"/>
+              <a:t>:</a:t>
+            </a:r>
+          </a:p>
+          <a:p>
+            <a:r>
+              <a:rPr lang="de-DE" dirty="0"/>
+              <a:t>- Themenfestlegung zunächst schwierig</a:t>
+            </a:r>
+          </a:p>
+          <a:p>
+            <a:r>
+              <a:rPr lang="de-DE" dirty="0"/>
+              <a:t>- Startschwierigkeiten</a:t>
+            </a:r>
+          </a:p>
+          <a:p>
+            <a:r>
+              <a:rPr lang="de-DE" dirty="0"/>
+              <a:t>- </a:t>
+            </a:r>
+            <a:r>
+              <a:rPr lang="de-DE" dirty="0" smtClean="0"/>
+              <a:t>Mit </a:t>
+            </a:r>
+            <a:r>
+              <a:rPr lang="de-DE" dirty="0"/>
+              <a:t>Tutorials &amp; Foren Einblick verschafft &amp; Gelerntes umgesetzt</a:t>
+            </a:r>
+          </a:p>
+          <a:p>
+            <a:r>
+              <a:rPr lang="de-DE" dirty="0"/>
+              <a:t>- Gestaltung eines einheitlichen Layouts </a:t>
+            </a:r>
+            <a:r>
+              <a:rPr lang="de-DE" dirty="0" smtClean="0"/>
+              <a:t>schwierig </a:t>
+            </a:r>
+            <a:r>
+              <a:rPr lang="de-DE" dirty="0"/>
+              <a:t>(viele Geräte</a:t>
+            </a:r>
+            <a:r>
+              <a:rPr lang="de-DE" dirty="0" smtClean="0"/>
+              <a:t>)</a:t>
+            </a:r>
+          </a:p>
+        </p:txBody>
+      </p:sp>
+      <p:pic>
+        <p:nvPicPr>
+          <p:cNvPr id="4" name="Grafik 3"/>
+          <p:cNvPicPr>
+            <a:picLocks noChangeAspect="1"/>
+          </p:cNvPicPr>
+          <p:nvPr/>
+        </p:nvPicPr>
+        <p:blipFill>
+          <a:blip r:embed="rId3">
+            <a:extLst>
+              <a:ext uri="{28A0092B-C50C-407E-A947-70E740481C1C}">
+                <a14:useLocalDpi xmlns:a14="http://schemas.microsoft.com/office/drawing/2010/main" val="0"/>
+              </a:ext>
+            </a:extLst>
+          </a:blip>
+          <a:stretch>
+            <a:fillRect/>
+          </a:stretch>
+        </p:blipFill>
+        <p:spPr>
+          <a:xfrm>
+            <a:off x="11248792" y="5909733"/>
+            <a:ext cx="827314" cy="827314"/>
+          </a:xfrm>
+          <a:prstGeom prst="rect">
+            <a:avLst/>
+          </a:prstGeom>
+        </p:spPr>
+      </p:pic>
+      <p:sp>
+        <p:nvSpPr>
+          <p:cNvPr id="5" name="Foliennummernplatzhalter 4"/>
+          <p:cNvSpPr>
+            <a:spLocks noGrp="1"/>
+          </p:cNvSpPr>
+          <p:nvPr>
+            <p:ph type="sldNum" sz="quarter" idx="12"/>
+          </p:nvPr>
+        </p:nvSpPr>
+        <p:spPr/>
+        <p:txBody>
+          <a:bodyPr/>
+          <a:lstStyle/>
+          <a:p>
+            <a:fld id="{D57F1E4F-1CFF-5643-939E-217C01CDF565}" type="slidenum">
+              <a:rPr lang="en-US" smtClean="0"/>
+              <a:pPr/>
+              <a:t>23</a:t>
+            </a:fld>
+            <a:endParaRPr lang="en-US" dirty="0"/>
+          </a:p>
+        </p:txBody>
+      </p:sp>
+      <p:sp>
+        <p:nvSpPr>
+          <p:cNvPr id="6" name="Textfeld 5"/>
+          <p:cNvSpPr txBox="1"/>
+          <p:nvPr/>
+        </p:nvSpPr>
+        <p:spPr>
+          <a:xfrm>
+            <a:off x="372650" y="6156167"/>
+            <a:ext cx="10876142" cy="338554"/>
+          </a:xfrm>
+          <a:prstGeom prst="rect">
+            <a:avLst/>
+          </a:prstGeom>
+          <a:noFill/>
+        </p:spPr>
+        <p:txBody>
+          <a:bodyPr wrap="square" rtlCol="0">
+            <a:spAutoFit/>
+          </a:bodyPr>
+          <a:lstStyle/>
+          <a:p>
+            <a:r>
+              <a:rPr lang="de-DE" sz="1600" dirty="0" smtClean="0"/>
+              <a:t>13.02.2015  |  Software Engineering I  |  Nadine Feldmann, Lukas Huwe, Michael Kerkhoff, Sebastian Ochtrup</a:t>
+            </a:r>
+            <a:endParaRPr lang="de-DE" sz="1600" dirty="0"/>
+          </a:p>
+        </p:txBody>
+      </p:sp>
+    </p:spTree>
+    <p:extLst>
+      <p:ext uri="{BB962C8B-B14F-4D97-AF65-F5344CB8AC3E}">
+        <p14:creationId xmlns:p14="http://schemas.microsoft.com/office/powerpoint/2010/main" val="2650556501"/>
+      </p:ext>
+    </p:extLst>
+  </p:cSld>
+  <p:clrMapOvr>
+    <a:masterClrMapping/>
+  </p:clrMapOvr>
+  <p:timing>
+    <p:tnLst>
+      <p:par>
+        <p:cTn id="1" dur="indefinite" restart="never" nodeType="tmRoot"/>
+      </p:par>
+    </p:tnLst>
+  </p:timing>
+</p:sld>
+</file>
+
+<file path=ppt/slides/slide24.xml><?xml version="1.0" encoding="utf-8"?>
+<p:sld xmlns:a="http://schemas.openxmlformats.org/drawingml/2006/main" xmlns:r="http://schemas.openxmlformats.org/officeDocument/2006/relationships" xmlns:p="http://schemas.openxmlformats.org/presentationml/2006/main">
+  <p:cSld>
+    <p:spTree>
+      <p:nvGrpSpPr>
+        <p:cNvPr id="1" name=""/>
+        <p:cNvGrpSpPr/>
+        <p:nvPr/>
+      </p:nvGrpSpPr>
+      <p:grpSpPr>
+        <a:xfrm>
+          <a:off x="0" y="0"/>
+          <a:ext cx="0" cy="0"/>
+          <a:chOff x="0" y="0"/>
+          <a:chExt cx="0" cy="0"/>
+        </a:xfrm>
+      </p:grpSpPr>
+      <p:sp>
+        <p:nvSpPr>
+          <p:cNvPr id="2" name="Titel 1"/>
+          <p:cNvSpPr>
+            <a:spLocks noGrp="1"/>
+          </p:cNvSpPr>
+          <p:nvPr>
+            <p:ph type="title"/>
+          </p:nvPr>
+        </p:nvSpPr>
+        <p:spPr/>
+        <p:txBody>
+          <a:bodyPr/>
+          <a:lstStyle/>
+          <a:p>
+            <a:r>
+              <a:rPr lang="de-DE" dirty="0"/>
+              <a:t>Reflexion: Vorgehen</a:t>
+            </a:r>
+          </a:p>
+        </p:txBody>
+      </p:sp>
+      <p:sp>
+        <p:nvSpPr>
+          <p:cNvPr id="3" name="Inhaltsplatzhalter 2"/>
+          <p:cNvSpPr>
+            <a:spLocks noGrp="1"/>
+          </p:cNvSpPr>
+          <p:nvPr>
+            <p:ph idx="1"/>
+          </p:nvPr>
+        </p:nvSpPr>
+        <p:spPr/>
+        <p:txBody>
+          <a:bodyPr>
+            <a:normAutofit/>
+          </a:bodyPr>
+          <a:lstStyle/>
+          <a:p>
+            <a:pPr marL="0" indent="0">
+              <a:buNone/>
+            </a:pPr>
+            <a:r>
+              <a:rPr lang="de-DE" dirty="0" smtClean="0"/>
+              <a:t>Verbesserungen</a:t>
+            </a:r>
+            <a:r>
+              <a:rPr lang="de-DE" dirty="0"/>
+              <a:t>:</a:t>
+            </a:r>
+          </a:p>
+          <a:p>
+            <a:r>
+              <a:rPr lang="de-DE" dirty="0" smtClean="0"/>
+              <a:t>Rechtzeitige Einarbeitung in </a:t>
+            </a:r>
+            <a:r>
+              <a:rPr lang="de-DE" dirty="0"/>
+              <a:t>das </a:t>
+            </a:r>
+            <a:r>
+              <a:rPr lang="de-DE" dirty="0" smtClean="0"/>
+              <a:t>Thema</a:t>
+            </a:r>
+            <a:endParaRPr lang="de-DE" dirty="0"/>
+          </a:p>
+          <a:p>
+            <a:r>
+              <a:rPr lang="de-DE" dirty="0" smtClean="0"/>
+              <a:t>In </a:t>
+            </a:r>
+            <a:r>
+              <a:rPr lang="de-DE" dirty="0"/>
+              <a:t>der Entwicklungsphase: Ziele anhand fachlicher Anforderungen </a:t>
+            </a:r>
+            <a:r>
+              <a:rPr lang="de-DE" dirty="0" smtClean="0"/>
+              <a:t>definieren</a:t>
+            </a:r>
+            <a:endParaRPr lang="de-DE" dirty="0"/>
+          </a:p>
+          <a:p>
+            <a:pPr marL="0" indent="0">
+              <a:buNone/>
+            </a:pPr>
+            <a:r>
+              <a:rPr lang="de-DE" dirty="0" smtClean="0"/>
+              <a:t>	-&gt; Sich </a:t>
+            </a:r>
+            <a:r>
+              <a:rPr lang="de-DE" dirty="0"/>
+              <a:t>ergebende Aufgaben sinnvoll unter den Projektbeteiligten aufteilen </a:t>
+            </a:r>
+          </a:p>
+          <a:p>
+            <a:pPr marL="0" indent="0">
+              <a:buNone/>
+            </a:pPr>
+            <a:r>
+              <a:rPr lang="de-DE" smtClean="0"/>
+              <a:t>	-&gt; </a:t>
+            </a:r>
+            <a:r>
+              <a:rPr lang="de-DE" dirty="0" smtClean="0"/>
+              <a:t>Weniger </a:t>
+            </a:r>
+            <a:r>
+              <a:rPr lang="de-DE" dirty="0"/>
+              <a:t>technische Abhängigkeiten + konstanter Fokus auf fachliche Anforderungen</a:t>
+            </a:r>
+            <a:endParaRPr lang="de-DE" dirty="0" smtClean="0"/>
+          </a:p>
+          <a:p>
+            <a:endParaRPr lang="de-DE" dirty="0" smtClean="0"/>
+          </a:p>
+        </p:txBody>
+      </p:sp>
+      <p:pic>
+        <p:nvPicPr>
+          <p:cNvPr id="4" name="Grafik 3"/>
+          <p:cNvPicPr>
+            <a:picLocks noChangeAspect="1"/>
+          </p:cNvPicPr>
+          <p:nvPr/>
+        </p:nvPicPr>
+        <p:blipFill>
+          <a:blip r:embed="rId3">
+            <a:extLst>
+              <a:ext uri="{28A0092B-C50C-407E-A947-70E740481C1C}">
+                <a14:useLocalDpi xmlns:a14="http://schemas.microsoft.com/office/drawing/2010/main" val="0"/>
+              </a:ext>
+            </a:extLst>
+          </a:blip>
+          <a:stretch>
+            <a:fillRect/>
+          </a:stretch>
+        </p:blipFill>
+        <p:spPr>
+          <a:xfrm>
+            <a:off x="11248792" y="5909733"/>
+            <a:ext cx="827314" cy="827314"/>
+          </a:xfrm>
+          <a:prstGeom prst="rect">
+            <a:avLst/>
+          </a:prstGeom>
+        </p:spPr>
+      </p:pic>
+      <p:sp>
+        <p:nvSpPr>
+          <p:cNvPr id="5" name="Foliennummernplatzhalter 4"/>
+          <p:cNvSpPr>
+            <a:spLocks noGrp="1"/>
+          </p:cNvSpPr>
+          <p:nvPr>
+            <p:ph type="sldNum" sz="quarter" idx="12"/>
+          </p:nvPr>
+        </p:nvSpPr>
+        <p:spPr/>
+        <p:txBody>
+          <a:bodyPr/>
+          <a:lstStyle/>
+          <a:p>
+            <a:fld id="{D57F1E4F-1CFF-5643-939E-217C01CDF565}" type="slidenum">
+              <a:rPr lang="en-US" smtClean="0"/>
+              <a:pPr/>
+              <a:t>24</a:t>
+            </a:fld>
+            <a:endParaRPr lang="en-US" dirty="0"/>
+          </a:p>
+        </p:txBody>
+      </p:sp>
+      <p:sp>
+        <p:nvSpPr>
+          <p:cNvPr id="6" name="Textfeld 5"/>
+          <p:cNvSpPr txBox="1"/>
+          <p:nvPr/>
+        </p:nvSpPr>
+        <p:spPr>
+          <a:xfrm>
+            <a:off x="372650" y="6156167"/>
+            <a:ext cx="10876142" cy="338554"/>
+          </a:xfrm>
+          <a:prstGeom prst="rect">
+            <a:avLst/>
+          </a:prstGeom>
+          <a:noFill/>
+        </p:spPr>
+        <p:txBody>
+          <a:bodyPr wrap="square" rtlCol="0">
+            <a:spAutoFit/>
+          </a:bodyPr>
+          <a:lstStyle/>
+          <a:p>
+            <a:r>
+              <a:rPr lang="de-DE" sz="1600" dirty="0" smtClean="0"/>
+              <a:t>13.02.2015  |  Software Engineering I  |  Nadine Feldmann, Lukas Huwe, Michael Kerkhoff, Sebastian Ochtrup</a:t>
+            </a:r>
+            <a:endParaRPr lang="de-DE" sz="1600" dirty="0"/>
+          </a:p>
+        </p:txBody>
+      </p:sp>
+    </p:spTree>
+    <p:extLst>
+      <p:ext uri="{BB962C8B-B14F-4D97-AF65-F5344CB8AC3E}">
+        <p14:creationId xmlns:p14="http://schemas.microsoft.com/office/powerpoint/2010/main" val="1648445864"/>
+      </p:ext>
+    </p:extLst>
+  </p:cSld>
+  <p:clrMapOvr>
+    <a:masterClrMapping/>
+  </p:clrMapOvr>
+  <p:timing>
+    <p:tnLst>
+      <p:par>
+        <p:cTn id="1" dur="indefinite" restart="never" nodeType="tmRoot"/>
+      </p:par>
+    </p:tnLst>
+  </p:timing>
+</p:sld>
+</file>
+
+<file path=ppt/slides/slide25.xml><?xml version="1.0" encoding="utf-8"?>
+<p:sld xmlns:a="http://schemas.openxmlformats.org/drawingml/2006/main" xmlns:r="http://schemas.openxmlformats.org/officeDocument/2006/relationships" xmlns:p="http://schemas.openxmlformats.org/presentationml/2006/main">
+  <p:cSld>
+    <p:spTree>
+      <p:nvGrpSpPr>
+        <p:cNvPr id="1" name=""/>
+        <p:cNvGrpSpPr/>
+        <p:nvPr/>
+      </p:nvGrpSpPr>
+      <p:grpSpPr>
+        <a:xfrm>
+          <a:off x="0" y="0"/>
+          <a:ext cx="0" cy="0"/>
+          <a:chOff x="0" y="0"/>
+          <a:chExt cx="0" cy="0"/>
+        </a:xfrm>
+      </p:grpSpPr>
+      <p:sp>
+        <p:nvSpPr>
+          <p:cNvPr id="2" name="Titel 1"/>
+          <p:cNvSpPr>
+            <a:spLocks noGrp="1"/>
+          </p:cNvSpPr>
+          <p:nvPr>
+            <p:ph type="title"/>
+          </p:nvPr>
+        </p:nvSpPr>
+        <p:spPr>
+          <a:xfrm>
+            <a:off x="1154953" y="2370667"/>
+            <a:ext cx="9469503" cy="1822514"/>
+          </a:xfrm>
+        </p:spPr>
+        <p:txBody>
+          <a:bodyPr/>
+          <a:lstStyle/>
+          <a:p>
+            <a:pPr algn="ctr"/>
+            <a:r>
+              <a:rPr lang="de-DE" sz="5400" dirty="0" smtClean="0"/>
+              <a:t>Noch Fragen?</a:t>
+            </a:r>
+            <a:endParaRPr lang="de-DE" sz="5400" dirty="0"/>
+          </a:p>
+        </p:txBody>
+      </p:sp>
+      <p:sp>
+        <p:nvSpPr>
+          <p:cNvPr id="5" name="Foliennummernplatzhalter 4"/>
+          <p:cNvSpPr>
+            <a:spLocks noGrp="1"/>
+          </p:cNvSpPr>
+          <p:nvPr>
+            <p:ph type="sldNum" sz="quarter" idx="12"/>
+          </p:nvPr>
+        </p:nvSpPr>
+        <p:spPr/>
+        <p:txBody>
+          <a:bodyPr/>
+          <a:lstStyle/>
+          <a:p>
+            <a:fld id="{D57F1E4F-1CFF-5643-939E-217C01CDF565}" type="slidenum">
+              <a:rPr lang="en-US" smtClean="0"/>
+              <a:pPr/>
+              <a:t>25</a:t>
+            </a:fld>
+            <a:endParaRPr lang="en-US" dirty="0"/>
+          </a:p>
+        </p:txBody>
+      </p:sp>
+      <p:pic>
+        <p:nvPicPr>
+          <p:cNvPr id="4" name="Grafik 3"/>
+          <p:cNvPicPr>
+            <a:picLocks noChangeAspect="1"/>
+          </p:cNvPicPr>
+          <p:nvPr/>
+        </p:nvPicPr>
+        <p:blipFill>
+          <a:blip r:embed="rId3">
+            <a:extLst>
+              <a:ext uri="{28A0092B-C50C-407E-A947-70E740481C1C}">
+                <a14:useLocalDpi xmlns:a14="http://schemas.microsoft.com/office/drawing/2010/main" val="0"/>
+              </a:ext>
+            </a:extLst>
+          </a:blip>
+          <a:stretch>
+            <a:fillRect/>
+          </a:stretch>
+        </p:blipFill>
+        <p:spPr>
+          <a:xfrm>
+            <a:off x="11248792" y="5909733"/>
+            <a:ext cx="827314" cy="827314"/>
+          </a:xfrm>
+          <a:prstGeom prst="rect">
+            <a:avLst/>
+          </a:prstGeom>
+        </p:spPr>
+      </p:pic>
+      <p:sp>
+        <p:nvSpPr>
+          <p:cNvPr id="6" name="Textfeld 5"/>
+          <p:cNvSpPr txBox="1"/>
+          <p:nvPr/>
+        </p:nvSpPr>
+        <p:spPr>
+          <a:xfrm>
+            <a:off x="372650" y="6156167"/>
+            <a:ext cx="10876142" cy="338554"/>
+          </a:xfrm>
+          <a:prstGeom prst="rect">
+            <a:avLst/>
+          </a:prstGeom>
+          <a:noFill/>
+        </p:spPr>
+        <p:txBody>
+          <a:bodyPr wrap="square" rtlCol="0">
+            <a:spAutoFit/>
+          </a:bodyPr>
+          <a:lstStyle/>
+          <a:p>
+            <a:r>
+              <a:rPr lang="de-DE" sz="1600" dirty="0" smtClean="0"/>
+              <a:t>13.02.2015  |  Software Engineering I  |  Nadine Feldmann, Lukas Huwe, Michael Kerkhoff, Sebastian Ochtrup</a:t>
+            </a:r>
+            <a:endParaRPr lang="de-DE" sz="1600" dirty="0"/>
+          </a:p>
+        </p:txBody>
+      </p:sp>
+    </p:spTree>
+    <p:extLst>
+      <p:ext uri="{BB962C8B-B14F-4D97-AF65-F5344CB8AC3E}">
+        <p14:creationId xmlns:p14="http://schemas.microsoft.com/office/powerpoint/2010/main" val="1786163146"/>
+      </p:ext>
+    </p:extLst>
+  </p:cSld>
+  <p:clrMapOvr>
+    <a:masterClrMapping/>
+  </p:clrMapOvr>
+  <p:timing>
+    <p:tnLst>
+      <p:par>
+        <p:cTn id="1" dur="indefinite" restart="never" nodeType="tmRoot"/>
+      </p:par>
+    </p:tnLst>
+  </p:timing>
+</p:sld>
+</file>
+
+<file path=ppt/slides/slide26.xml><?xml version="1.0" encoding="utf-8"?>
+<p:sld xmlns:a="http://schemas.openxmlformats.org/drawingml/2006/main" xmlns:r="http://schemas.openxmlformats.org/officeDocument/2006/relationships" xmlns:p="http://schemas.openxmlformats.org/presentationml/2006/main">
+  <p:cSld>
+    <p:spTree>
+      <p:nvGrpSpPr>
+        <p:cNvPr id="1" name=""/>
+        <p:cNvGrpSpPr/>
+        <p:nvPr/>
+      </p:nvGrpSpPr>
+      <p:grpSpPr>
+        <a:xfrm>
+          <a:off x="0" y="0"/>
+          <a:ext cx="0" cy="0"/>
+          <a:chOff x="0" y="0"/>
+          <a:chExt cx="0" cy="0"/>
+        </a:xfrm>
+      </p:grpSpPr>
+      <p:sp>
+        <p:nvSpPr>
+          <p:cNvPr id="2" name="Titel 1"/>
+          <p:cNvSpPr>
+            <a:spLocks noGrp="1"/>
+          </p:cNvSpPr>
+          <p:nvPr>
+            <p:ph type="title"/>
+          </p:nvPr>
+        </p:nvSpPr>
+        <p:spPr>
+          <a:xfrm>
+            <a:off x="1154953" y="2370667"/>
+            <a:ext cx="9469503" cy="1822514"/>
+          </a:xfrm>
+        </p:spPr>
+        <p:txBody>
+          <a:bodyPr/>
+          <a:lstStyle/>
+          <a:p>
+            <a:pPr algn="ctr"/>
+            <a:r>
+              <a:rPr lang="de-DE" dirty="0" smtClean="0"/>
+              <a:t>Vielen Dank für eure Aufmerksamkeit!</a:t>
+            </a:r>
+            <a:endParaRPr lang="de-DE" dirty="0"/>
+          </a:p>
+        </p:txBody>
+      </p:sp>
+      <p:sp>
+        <p:nvSpPr>
+          <p:cNvPr id="5" name="Foliennummernplatzhalter 4"/>
+          <p:cNvSpPr>
+            <a:spLocks noGrp="1"/>
+          </p:cNvSpPr>
+          <p:nvPr>
+            <p:ph type="sldNum" sz="quarter" idx="12"/>
+          </p:nvPr>
+        </p:nvSpPr>
+        <p:spPr/>
+        <p:txBody>
+          <a:bodyPr/>
+          <a:lstStyle/>
+          <a:p>
+            <a:fld id="{D57F1E4F-1CFF-5643-939E-217C01CDF565}" type="slidenum">
+              <a:rPr lang="en-US" smtClean="0"/>
+              <a:pPr/>
+              <a:t>26</a:t>
+            </a:fld>
+            <a:endParaRPr lang="en-US" dirty="0"/>
+          </a:p>
+        </p:txBody>
+      </p:sp>
+      <p:pic>
+        <p:nvPicPr>
+          <p:cNvPr id="4" name="Grafik 3"/>
+          <p:cNvPicPr>
+            <a:picLocks noChangeAspect="1"/>
+          </p:cNvPicPr>
+          <p:nvPr/>
+        </p:nvPicPr>
+        <p:blipFill>
+          <a:blip r:embed="rId3">
+            <a:extLst>
+              <a:ext uri="{28A0092B-C50C-407E-A947-70E740481C1C}">
+                <a14:useLocalDpi xmlns:a14="http://schemas.microsoft.com/office/drawing/2010/main" val="0"/>
+              </a:ext>
+            </a:extLst>
+          </a:blip>
+          <a:stretch>
+            <a:fillRect/>
+          </a:stretch>
+        </p:blipFill>
+        <p:spPr>
+          <a:xfrm>
+            <a:off x="11248792" y="5909733"/>
+            <a:ext cx="827314" cy="827314"/>
+          </a:xfrm>
+          <a:prstGeom prst="rect">
+            <a:avLst/>
+          </a:prstGeom>
+        </p:spPr>
+      </p:pic>
+      <p:sp>
+        <p:nvSpPr>
+          <p:cNvPr id="6" name="Textfeld 5"/>
+          <p:cNvSpPr txBox="1"/>
+          <p:nvPr/>
+        </p:nvSpPr>
+        <p:spPr>
+          <a:xfrm>
+            <a:off x="372650" y="6156167"/>
+            <a:ext cx="10876142" cy="338554"/>
+          </a:xfrm>
+          <a:prstGeom prst="rect">
+            <a:avLst/>
+          </a:prstGeom>
+          <a:noFill/>
+        </p:spPr>
+        <p:txBody>
+          <a:bodyPr wrap="square" rtlCol="0">
+            <a:spAutoFit/>
+          </a:bodyPr>
+          <a:lstStyle/>
+          <a:p>
+            <a:r>
+              <a:rPr lang="de-DE" sz="1600" dirty="0" smtClean="0"/>
+              <a:t>13.02.2015  |  Software Engineering I  |  Nadine Feldmann, Lukas Huwe, Michael Kerkhoff, Sebastian Ochtrup</a:t>
+            </a:r>
+            <a:endParaRPr lang="de-DE" sz="1600" dirty="0"/>
+          </a:p>
+        </p:txBody>
+      </p:sp>
+    </p:spTree>
+    <p:extLst>
+      <p:ext uri="{BB962C8B-B14F-4D97-AF65-F5344CB8AC3E}">
+        <p14:creationId xmlns:p14="http://schemas.microsoft.com/office/powerpoint/2010/main" val="1278744805"/>
+      </p:ext>
+    </p:extLst>
+  </p:cSld>
+  <p:clrMapOvr>
+    <a:masterClrMapping/>
+  </p:clrMapOvr>
+  <p:timing>
+    <p:tnLst>
+      <p:par>
+        <p:cTn id="1" dur="indefinite" restart="never" nodeType="tmRoot"/>
+      </p:par>
+    </p:tnLst>
+  </p:timing>
+</p:sld>
+</file>
+
+<file path=ppt/slides/slide27.xml><?xml version="1.0" encoding="utf-8"?>
+<p:sld xmlns:a="http://schemas.openxmlformats.org/drawingml/2006/main" xmlns:r="http://schemas.openxmlformats.org/officeDocument/2006/relationships" xmlns:p="http://schemas.openxmlformats.org/presentationml/2006/main">
+  <p:cSld>
+    <p:spTree>
+      <p:nvGrpSpPr>
+        <p:cNvPr id="1" name=""/>
+        <p:cNvGrpSpPr/>
+        <p:nvPr/>
+      </p:nvGrpSpPr>
+      <p:grpSpPr>
+        <a:xfrm>
+          <a:off x="0" y="0"/>
+          <a:ext cx="0" cy="0"/>
+          <a:chOff x="0" y="0"/>
+          <a:chExt cx="0" cy="0"/>
+        </a:xfrm>
+      </p:grpSpPr>
+      <p:sp>
+        <p:nvSpPr>
+          <p:cNvPr id="2" name="Titel 1"/>
+          <p:cNvSpPr>
+            <a:spLocks noGrp="1"/>
+          </p:cNvSpPr>
+          <p:nvPr>
+            <p:ph type="title"/>
+          </p:nvPr>
+        </p:nvSpPr>
+        <p:spPr/>
+        <p:txBody>
+          <a:bodyPr/>
+          <a:lstStyle/>
+          <a:p>
+            <a:r>
+              <a:rPr lang="de-DE" dirty="0" smtClean="0"/>
+              <a:t>Quellen</a:t>
+            </a:r>
+            <a:endParaRPr lang="de-DE" dirty="0"/>
+          </a:p>
+        </p:txBody>
+      </p:sp>
+      <p:sp>
+        <p:nvSpPr>
+          <p:cNvPr id="3" name="Inhaltsplatzhalter 2"/>
+          <p:cNvSpPr>
+            <a:spLocks noGrp="1"/>
+          </p:cNvSpPr>
+          <p:nvPr>
+            <p:ph idx="1"/>
+          </p:nvPr>
+        </p:nvSpPr>
+        <p:spPr/>
+        <p:txBody>
+          <a:bodyPr/>
+          <a:lstStyle/>
+          <a:p>
+            <a:r>
+              <a:rPr lang="de-DE" dirty="0" smtClean="0">
+                <a:hlinkClick r:id="rId3"/>
+              </a:rPr>
+              <a:t>www.elcomsoft.com</a:t>
+            </a:r>
+            <a:endParaRPr lang="de-DE" dirty="0" smtClean="0"/>
+          </a:p>
+          <a:p>
+            <a:r>
+              <a:rPr lang="de-DE" dirty="0" smtClean="0">
+                <a:hlinkClick r:id="rId4"/>
+              </a:rPr>
+              <a:t>www.elcomsoft.com/WP/BH-EU-2012-WP.pdf</a:t>
+            </a:r>
+            <a:endParaRPr lang="de-DE" dirty="0" smtClean="0"/>
+          </a:p>
+          <a:p>
+            <a:endParaRPr lang="de-DE" dirty="0" smtClean="0"/>
+          </a:p>
+        </p:txBody>
+      </p:sp>
+      <p:pic>
+        <p:nvPicPr>
+          <p:cNvPr id="4" name="Grafik 3"/>
+          <p:cNvPicPr>
+            <a:picLocks noChangeAspect="1"/>
+          </p:cNvPicPr>
+          <p:nvPr/>
+        </p:nvPicPr>
+        <p:blipFill>
+          <a:blip r:embed="rId5">
+            <a:extLst>
+              <a:ext uri="{28A0092B-C50C-407E-A947-70E740481C1C}">
+                <a14:useLocalDpi xmlns:a14="http://schemas.microsoft.com/office/drawing/2010/main" val="0"/>
+              </a:ext>
+            </a:extLst>
+          </a:blip>
+          <a:stretch>
+            <a:fillRect/>
+          </a:stretch>
+        </p:blipFill>
+        <p:spPr>
+          <a:xfrm>
+            <a:off x="11248792" y="5909733"/>
+            <a:ext cx="827314" cy="827314"/>
+          </a:xfrm>
+          <a:prstGeom prst="rect">
+            <a:avLst/>
+          </a:prstGeom>
+        </p:spPr>
+      </p:pic>
+      <p:sp>
+        <p:nvSpPr>
+          <p:cNvPr id="5" name="Foliennummernplatzhalter 4"/>
+          <p:cNvSpPr>
+            <a:spLocks noGrp="1"/>
+          </p:cNvSpPr>
+          <p:nvPr>
+            <p:ph type="sldNum" sz="quarter" idx="12"/>
+          </p:nvPr>
+        </p:nvSpPr>
+        <p:spPr/>
+        <p:txBody>
+          <a:bodyPr/>
+          <a:lstStyle/>
+          <a:p>
+            <a:fld id="{D57F1E4F-1CFF-5643-939E-217C01CDF565}" type="slidenum">
+              <a:rPr lang="en-US" smtClean="0"/>
+              <a:pPr/>
+              <a:t>27</a:t>
+            </a:fld>
+            <a:endParaRPr lang="en-US" dirty="0"/>
+          </a:p>
+        </p:txBody>
+      </p:sp>
+      <p:sp>
+        <p:nvSpPr>
+          <p:cNvPr id="6" name="Textfeld 5"/>
+          <p:cNvSpPr txBox="1"/>
+          <p:nvPr/>
+        </p:nvSpPr>
+        <p:spPr>
+          <a:xfrm>
+            <a:off x="372650" y="6156167"/>
+            <a:ext cx="10876142" cy="338554"/>
+          </a:xfrm>
+          <a:prstGeom prst="rect">
+            <a:avLst/>
+          </a:prstGeom>
+          <a:noFill/>
+        </p:spPr>
+        <p:txBody>
+          <a:bodyPr wrap="square" rtlCol="0">
+            <a:spAutoFit/>
+          </a:bodyPr>
+          <a:lstStyle/>
+          <a:p>
+            <a:r>
+              <a:rPr lang="de-DE" sz="1600" dirty="0" smtClean="0"/>
+              <a:t>13.02.2015  |  Software Engineering I  |  Nadine Feldmann, Lukas Huwe, Michael Kerkhoff, Sebastian Ochtrup</a:t>
+            </a:r>
+            <a:endParaRPr lang="de-DE" sz="1600" dirty="0"/>
+          </a:p>
+        </p:txBody>
+      </p:sp>
+    </p:spTree>
+    <p:extLst>
+      <p:ext uri="{BB962C8B-B14F-4D97-AF65-F5344CB8AC3E}">
+        <p14:creationId xmlns:p14="http://schemas.microsoft.com/office/powerpoint/2010/main" val="3216998357"/>
       </p:ext>
     </p:extLst>
   </p:cSld>
@@ -19181,7 +22519,6 @@
               <a:rPr lang="de-DE" dirty="0" smtClean="0"/>
               <a:t> zu bilden</a:t>
             </a:r>
-            <a:endParaRPr lang="de-DE" dirty="0" smtClean="0"/>
           </a:p>
           <a:p>
             <a:pPr lvl="1"/>

--- a/Dokumentation/PWSafe Präsentation.pptx
+++ b/Dokumentation/PWSafe Präsentation.pptx
@@ -5,12 +5,12 @@
     <p:sldMasterId id="2147483648" r:id="rId1"/>
   </p:sldMasterIdLst>
   <p:notesMasterIdLst>
-    <p:notesMasterId r:id="rId29"/>
+    <p:notesMasterId r:id="rId22"/>
   </p:notesMasterIdLst>
   <p:sldIdLst>
     <p:sldId id="256" r:id="rId2"/>
-    <p:sldId id="257" r:id="rId3"/>
-    <p:sldId id="258" r:id="rId4"/>
+    <p:sldId id="285" r:id="rId3"/>
+    <p:sldId id="286" r:id="rId4"/>
     <p:sldId id="259" r:id="rId5"/>
     <p:sldId id="266" r:id="rId6"/>
     <p:sldId id="268" r:id="rId7"/>
@@ -21,20 +21,13 @@
     <p:sldId id="272" r:id="rId12"/>
     <p:sldId id="273" r:id="rId13"/>
     <p:sldId id="261" r:id="rId14"/>
-    <p:sldId id="284" r:id="rId15"/>
-    <p:sldId id="274" r:id="rId16"/>
-    <p:sldId id="275" r:id="rId17"/>
-    <p:sldId id="276" r:id="rId18"/>
-    <p:sldId id="277" r:id="rId19"/>
-    <p:sldId id="278" r:id="rId20"/>
-    <p:sldId id="279" r:id="rId21"/>
-    <p:sldId id="280" r:id="rId22"/>
-    <p:sldId id="281" r:id="rId23"/>
-    <p:sldId id="282" r:id="rId24"/>
-    <p:sldId id="283" r:id="rId25"/>
-    <p:sldId id="263" r:id="rId26"/>
-    <p:sldId id="264" r:id="rId27"/>
-    <p:sldId id="265" r:id="rId28"/>
+    <p:sldId id="280" r:id="rId15"/>
+    <p:sldId id="281" r:id="rId16"/>
+    <p:sldId id="282" r:id="rId17"/>
+    <p:sldId id="283" r:id="rId18"/>
+    <p:sldId id="263" r:id="rId19"/>
+    <p:sldId id="264" r:id="rId20"/>
+    <p:sldId id="265" r:id="rId21"/>
   </p:sldIdLst>
   <p:sldSz cx="12192000" cy="6858000"/>
   <p:notesSz cx="6858000" cy="9144000"/>
@@ -582,7 +575,7 @@
     </p:spTree>
     <p:extLst>
       <p:ext uri="{BB962C8B-B14F-4D97-AF65-F5344CB8AC3E}">
-        <p14:creationId xmlns:p14="http://schemas.microsoft.com/office/powerpoint/2010/main" val="855943066"/>
+        <p14:creationId xmlns:p14="http://schemas.microsoft.com/office/powerpoint/2010/main" val="2124923709"/>
       </p:ext>
     </p:extLst>
   </p:cSld>
@@ -636,7 +629,89 @@
           <a:bodyPr/>
           <a:lstStyle/>
           <a:p>
-            <a:endParaRPr lang="de-DE"/>
+            <a:pPr marL="0" indent="0">
+              <a:buNone/>
+            </a:pPr>
+            <a:r>
+              <a:rPr lang="de-DE" dirty="0" smtClean="0"/>
+              <a:t>Android Studio:</a:t>
+            </a:r>
+          </a:p>
+          <a:p>
+            <a:pPr marL="0" indent="0">
+              <a:buNone/>
+            </a:pPr>
+            <a:r>
+              <a:rPr lang="de-DE" dirty="0" smtClean="0"/>
+              <a:t>+ Emulator </a:t>
+            </a:r>
+            <a:r>
+              <a:rPr lang="de-DE" dirty="0" smtClean="0">
+                <a:sym typeface="Wingdings" panose="05000000000000000000" pitchFamily="2" charset="2"/>
+              </a:rPr>
+              <a:t></a:t>
+            </a:r>
+            <a:r>
+              <a:rPr lang="de-DE" dirty="0" smtClean="0"/>
+              <a:t> kein separates Android-Gerät für Debugging nötig</a:t>
+            </a:r>
+          </a:p>
+          <a:p>
+            <a:pPr marL="0" indent="0">
+              <a:buNone/>
+            </a:pPr>
+            <a:r>
+              <a:rPr lang="de-DE" dirty="0" smtClean="0"/>
+              <a:t>+ Gradle-Integration</a:t>
+            </a:r>
+          </a:p>
+          <a:p>
+            <a:pPr marL="0" indent="0">
+              <a:buNone/>
+            </a:pPr>
+            <a:r>
+              <a:rPr lang="de-DE" dirty="0" smtClean="0"/>
+              <a:t>+ Intuitive, komfortable Oberfläche</a:t>
+            </a:r>
+          </a:p>
+          <a:p>
+            <a:pPr marL="0" indent="0">
+              <a:buNone/>
+            </a:pPr>
+            <a:r>
+              <a:rPr lang="de-DE" dirty="0" smtClean="0"/>
+              <a:t>+ Umfangreicher Codeeditor</a:t>
+            </a:r>
+          </a:p>
+          <a:p>
+            <a:pPr marL="0" indent="0">
+              <a:buNone/>
+            </a:pPr>
+            <a:r>
+              <a:rPr lang="de-DE" dirty="0" smtClean="0"/>
+              <a:t>- Update: ohne Hinweis auch Gradle-Update</a:t>
+            </a:r>
+          </a:p>
+          <a:p>
+            <a:pPr marL="0" indent="0">
+              <a:buNone/>
+            </a:pPr>
+            <a:r>
+              <a:rPr lang="de-DE" dirty="0" smtClean="0"/>
+              <a:t>- Erstellung der Benutzeroberfläche relativ kompliziert (korrekte relative Ausrichtung auf verschiedenen Geräten)</a:t>
+            </a:r>
+          </a:p>
+          <a:p>
+            <a:pPr marL="0" indent="0">
+              <a:buNone/>
+            </a:pPr>
+            <a:r>
+              <a:rPr lang="de-DE" dirty="0" smtClean="0"/>
+              <a:t>- Emulator sehr langsam, Konfiguration komplex</a:t>
+            </a:r>
+          </a:p>
+          <a:p>
+            <a:endParaRPr lang="de-DE" dirty="0"/>
           </a:p>
         </p:txBody>
       </p:sp>
@@ -721,7 +796,93 @@
           <a:bodyPr/>
           <a:lstStyle/>
           <a:p>
-            <a:endParaRPr lang="de-DE"/>
+            <a:pPr marL="0" indent="0">
+              <a:buNone/>
+            </a:pPr>
+            <a:r>
+              <a:rPr lang="de-DE" dirty="0" smtClean="0"/>
+              <a:t>Gradle:</a:t>
+            </a:r>
+          </a:p>
+          <a:p>
+            <a:pPr marL="0" indent="0">
+              <a:buNone/>
+            </a:pPr>
+            <a:r>
+              <a:rPr lang="de-DE" dirty="0" smtClean="0"/>
+              <a:t>+ Funktionierte von Anfang an</a:t>
+            </a:r>
+          </a:p>
+          <a:p>
+            <a:pPr marL="0" indent="0">
+              <a:buNone/>
+            </a:pPr>
+            <a:r>
+              <a:rPr lang="de-DE" dirty="0" smtClean="0"/>
+              <a:t>+ Mit Android Studio sehr pflegeleicht</a:t>
+            </a:r>
+          </a:p>
+          <a:p>
+            <a:pPr marL="0" indent="0">
+              <a:buNone/>
+            </a:pPr>
+            <a:r>
+              <a:rPr lang="de-DE" dirty="0" smtClean="0"/>
+              <a:t>- Nur Update sehr ärgerlich &amp; zeitraubend</a:t>
+            </a:r>
+          </a:p>
+          <a:p>
+            <a:pPr marL="0" indent="0">
+              <a:buNone/>
+            </a:pPr>
+            <a:endParaRPr lang="de-DE" dirty="0" smtClean="0"/>
+          </a:p>
+          <a:p>
+            <a:pPr marL="0" indent="0">
+              <a:buNone/>
+            </a:pPr>
+            <a:r>
+              <a:rPr lang="de-DE" dirty="0" smtClean="0"/>
+              <a:t>Unit </a:t>
+            </a:r>
+            <a:r>
+              <a:rPr lang="de-DE" dirty="0" err="1" smtClean="0"/>
+              <a:t>Testing</a:t>
+            </a:r>
+            <a:r>
+              <a:rPr lang="de-DE" dirty="0" smtClean="0"/>
+              <a:t>:</a:t>
+            </a:r>
+          </a:p>
+          <a:p>
+            <a:pPr marL="0" indent="0">
+              <a:buNone/>
+            </a:pPr>
+            <a:r>
+              <a:rPr lang="de-DE" dirty="0" smtClean="0"/>
+              <a:t>+ Implementierte Modultests sehr schnell konfiguriert</a:t>
+            </a:r>
+          </a:p>
+          <a:p>
+            <a:pPr marL="0" indent="0">
+              <a:buNone/>
+            </a:pPr>
+            <a:r>
+              <a:rPr lang="de-DE" dirty="0" smtClean="0"/>
+              <a:t>+ Unterstützung des Android Studios sehr gut &amp; übersichtlich</a:t>
+            </a:r>
+          </a:p>
+          <a:p>
+            <a:pPr marL="0" indent="0">
+              <a:buNone/>
+            </a:pPr>
+            <a:r>
+              <a:rPr lang="de-DE" dirty="0" smtClean="0"/>
+              <a:t>- Notwendigkeit des Emulators verlangsamt Testdurchlauf &amp; mindert die Motivation</a:t>
+            </a:r>
+          </a:p>
+          <a:p>
+            <a:endParaRPr lang="de-DE" dirty="0"/>
           </a:p>
         </p:txBody>
       </p:sp>
@@ -921,7 +1082,7 @@
     </p:spTree>
     <p:extLst>
       <p:ext uri="{BB962C8B-B14F-4D97-AF65-F5344CB8AC3E}">
-        <p14:creationId xmlns:p14="http://schemas.microsoft.com/office/powerpoint/2010/main" val="1949970788"/>
+        <p14:creationId xmlns:p14="http://schemas.microsoft.com/office/powerpoint/2010/main" val="2754737602"/>
       </p:ext>
     </p:extLst>
   </p:cSld>
@@ -1005,7 +1166,7 @@
     </p:spTree>
     <p:extLst>
       <p:ext uri="{BB962C8B-B14F-4D97-AF65-F5344CB8AC3E}">
-        <p14:creationId xmlns:p14="http://schemas.microsoft.com/office/powerpoint/2010/main" val="1223020845"/>
+        <p14:creationId xmlns:p14="http://schemas.microsoft.com/office/powerpoint/2010/main" val="657275192"/>
       </p:ext>
     </p:extLst>
   </p:cSld>
@@ -1089,7 +1250,7 @@
     </p:spTree>
     <p:extLst>
       <p:ext uri="{BB962C8B-B14F-4D97-AF65-F5344CB8AC3E}">
-        <p14:creationId xmlns:p14="http://schemas.microsoft.com/office/powerpoint/2010/main" val="1120374715"/>
+        <p14:creationId xmlns:p14="http://schemas.microsoft.com/office/powerpoint/2010/main" val="183309910"/>
       </p:ext>
     </p:extLst>
   </p:cSld>
@@ -1173,7 +1334,7 @@
     </p:spTree>
     <p:extLst>
       <p:ext uri="{BB962C8B-B14F-4D97-AF65-F5344CB8AC3E}">
-        <p14:creationId xmlns:p14="http://schemas.microsoft.com/office/powerpoint/2010/main" val="229866248"/>
+        <p14:creationId xmlns:p14="http://schemas.microsoft.com/office/powerpoint/2010/main" val="1748681489"/>
       </p:ext>
     </p:extLst>
   </p:cSld>
@@ -1248,6 +1409,7 @@
           <a:p>
             <a:fld id="{05D1FABD-69C2-49F9-BD91-F05E017FE538}" type="slidenum">
               <a:rPr lang="de-DE" smtClean="0"/>
+              <a:pPr/>
               <a:t>18</a:t>
             </a:fld>
             <a:endParaRPr lang="de-DE"/>
@@ -1257,7 +1419,7 @@
     </p:spTree>
     <p:extLst>
       <p:ext uri="{BB962C8B-B14F-4D97-AF65-F5344CB8AC3E}">
-        <p14:creationId xmlns:p14="http://schemas.microsoft.com/office/powerpoint/2010/main" val="1395052422"/>
+        <p14:creationId xmlns:p14="http://schemas.microsoft.com/office/powerpoint/2010/main" val="3297351362"/>
       </p:ext>
     </p:extLst>
   </p:cSld>
@@ -1332,6 +1494,7 @@
           <a:p>
             <a:fld id="{05D1FABD-69C2-49F9-BD91-F05E017FE538}" type="slidenum">
               <a:rPr lang="de-DE" smtClean="0"/>
+              <a:pPr/>
               <a:t>19</a:t>
             </a:fld>
             <a:endParaRPr lang="de-DE"/>
@@ -1341,7 +1504,7 @@
     </p:spTree>
     <p:extLst>
       <p:ext uri="{BB962C8B-B14F-4D97-AF65-F5344CB8AC3E}">
-        <p14:creationId xmlns:p14="http://schemas.microsoft.com/office/powerpoint/2010/main" val="3401759754"/>
+        <p14:creationId xmlns:p14="http://schemas.microsoft.com/office/powerpoint/2010/main" val="784737350"/>
       </p:ext>
     </p:extLst>
   </p:cSld>
@@ -1416,6 +1579,7 @@
           <a:p>
             <a:fld id="{05D1FABD-69C2-49F9-BD91-F05E017FE538}" type="slidenum">
               <a:rPr lang="de-DE" smtClean="0"/>
+              <a:pPr/>
               <a:t>20</a:t>
             </a:fld>
             <a:endParaRPr lang="de-DE"/>
@@ -1425,7 +1589,7 @@
     </p:spTree>
     <p:extLst>
       <p:ext uri="{BB962C8B-B14F-4D97-AF65-F5344CB8AC3E}">
-        <p14:creationId xmlns:p14="http://schemas.microsoft.com/office/powerpoint/2010/main" val="3922393296"/>
+        <p14:creationId xmlns:p14="http://schemas.microsoft.com/office/powerpoint/2010/main" val="1066156749"/>
       </p:ext>
     </p:extLst>
   </p:cSld>
@@ -1510,598 +1674,7 @@
     </p:spTree>
     <p:extLst>
       <p:ext uri="{BB962C8B-B14F-4D97-AF65-F5344CB8AC3E}">
-        <p14:creationId xmlns:p14="http://schemas.microsoft.com/office/powerpoint/2010/main" val="930434972"/>
-      </p:ext>
-    </p:extLst>
-  </p:cSld>
-  <p:clrMapOvr>
-    <a:masterClrMapping/>
-  </p:clrMapOvr>
-</p:notes>
-</file>
-
-<file path=ppt/notesSlides/notesSlide20.xml><?xml version="1.0" encoding="utf-8"?>
-<p:notes xmlns:a="http://schemas.openxmlformats.org/drawingml/2006/main" xmlns:r="http://schemas.openxmlformats.org/officeDocument/2006/relationships" xmlns:p="http://schemas.openxmlformats.org/presentationml/2006/main">
-  <p:cSld>
-    <p:spTree>
-      <p:nvGrpSpPr>
-        <p:cNvPr id="1" name=""/>
-        <p:cNvGrpSpPr/>
-        <p:nvPr/>
-      </p:nvGrpSpPr>
-      <p:grpSpPr>
-        <a:xfrm>
-          <a:off x="0" y="0"/>
-          <a:ext cx="0" cy="0"/>
-          <a:chOff x="0" y="0"/>
-          <a:chExt cx="0" cy="0"/>
-        </a:xfrm>
-      </p:grpSpPr>
-      <p:sp>
-        <p:nvSpPr>
-          <p:cNvPr id="2" name="Folienbildplatzhalter 1"/>
-          <p:cNvSpPr>
-            <a:spLocks noGrp="1" noRot="1" noChangeAspect="1"/>
-          </p:cNvSpPr>
-          <p:nvPr>
-            <p:ph type="sldImg"/>
-          </p:nvPr>
-        </p:nvSpPr>
-        <p:spPr/>
-      </p:sp>
-      <p:sp>
-        <p:nvSpPr>
-          <p:cNvPr id="3" name="Notizenplatzhalter 2"/>
-          <p:cNvSpPr>
-            <a:spLocks noGrp="1"/>
-          </p:cNvSpPr>
-          <p:nvPr>
-            <p:ph type="body" idx="1"/>
-          </p:nvPr>
-        </p:nvSpPr>
-        <p:spPr/>
-        <p:txBody>
-          <a:bodyPr/>
-          <a:lstStyle/>
-          <a:p>
-            <a:endParaRPr lang="de-DE"/>
-          </a:p>
-        </p:txBody>
-      </p:sp>
-      <p:sp>
-        <p:nvSpPr>
-          <p:cNvPr id="4" name="Foliennummernplatzhalter 3"/>
-          <p:cNvSpPr>
-            <a:spLocks noGrp="1"/>
-          </p:cNvSpPr>
-          <p:nvPr>
-            <p:ph type="sldNum" sz="quarter" idx="10"/>
-          </p:nvPr>
-        </p:nvSpPr>
-        <p:spPr/>
-        <p:txBody>
-          <a:bodyPr/>
-          <a:lstStyle/>
-          <a:p>
-            <a:fld id="{05D1FABD-69C2-49F9-BD91-F05E017FE538}" type="slidenum">
-              <a:rPr lang="de-DE" smtClean="0"/>
-              <a:t>21</a:t>
-            </a:fld>
-            <a:endParaRPr lang="de-DE"/>
-          </a:p>
-        </p:txBody>
-      </p:sp>
-    </p:spTree>
-    <p:extLst>
-      <p:ext uri="{BB962C8B-B14F-4D97-AF65-F5344CB8AC3E}">
-        <p14:creationId xmlns:p14="http://schemas.microsoft.com/office/powerpoint/2010/main" val="2754737602"/>
-      </p:ext>
-    </p:extLst>
-  </p:cSld>
-  <p:clrMapOvr>
-    <a:masterClrMapping/>
-  </p:clrMapOvr>
-</p:notes>
-</file>
-
-<file path=ppt/notesSlides/notesSlide21.xml><?xml version="1.0" encoding="utf-8"?>
-<p:notes xmlns:a="http://schemas.openxmlformats.org/drawingml/2006/main" xmlns:r="http://schemas.openxmlformats.org/officeDocument/2006/relationships" xmlns:p="http://schemas.openxmlformats.org/presentationml/2006/main">
-  <p:cSld>
-    <p:spTree>
-      <p:nvGrpSpPr>
-        <p:cNvPr id="1" name=""/>
-        <p:cNvGrpSpPr/>
-        <p:nvPr/>
-      </p:nvGrpSpPr>
-      <p:grpSpPr>
-        <a:xfrm>
-          <a:off x="0" y="0"/>
-          <a:ext cx="0" cy="0"/>
-          <a:chOff x="0" y="0"/>
-          <a:chExt cx="0" cy="0"/>
-        </a:xfrm>
-      </p:grpSpPr>
-      <p:sp>
-        <p:nvSpPr>
-          <p:cNvPr id="2" name="Folienbildplatzhalter 1"/>
-          <p:cNvSpPr>
-            <a:spLocks noGrp="1" noRot="1" noChangeAspect="1"/>
-          </p:cNvSpPr>
-          <p:nvPr>
-            <p:ph type="sldImg"/>
-          </p:nvPr>
-        </p:nvSpPr>
-        <p:spPr/>
-      </p:sp>
-      <p:sp>
-        <p:nvSpPr>
-          <p:cNvPr id="3" name="Notizenplatzhalter 2"/>
-          <p:cNvSpPr>
-            <a:spLocks noGrp="1"/>
-          </p:cNvSpPr>
-          <p:nvPr>
-            <p:ph type="body" idx="1"/>
-          </p:nvPr>
-        </p:nvSpPr>
-        <p:spPr/>
-        <p:txBody>
-          <a:bodyPr/>
-          <a:lstStyle/>
-          <a:p>
-            <a:endParaRPr lang="de-DE"/>
-          </a:p>
-        </p:txBody>
-      </p:sp>
-      <p:sp>
-        <p:nvSpPr>
-          <p:cNvPr id="4" name="Foliennummernplatzhalter 3"/>
-          <p:cNvSpPr>
-            <a:spLocks noGrp="1"/>
-          </p:cNvSpPr>
-          <p:nvPr>
-            <p:ph type="sldNum" sz="quarter" idx="10"/>
-          </p:nvPr>
-        </p:nvSpPr>
-        <p:spPr/>
-        <p:txBody>
-          <a:bodyPr/>
-          <a:lstStyle/>
-          <a:p>
-            <a:fld id="{05D1FABD-69C2-49F9-BD91-F05E017FE538}" type="slidenum">
-              <a:rPr lang="de-DE" smtClean="0"/>
-              <a:t>22</a:t>
-            </a:fld>
-            <a:endParaRPr lang="de-DE"/>
-          </a:p>
-        </p:txBody>
-      </p:sp>
-    </p:spTree>
-    <p:extLst>
-      <p:ext uri="{BB962C8B-B14F-4D97-AF65-F5344CB8AC3E}">
-        <p14:creationId xmlns:p14="http://schemas.microsoft.com/office/powerpoint/2010/main" val="657275192"/>
-      </p:ext>
-    </p:extLst>
-  </p:cSld>
-  <p:clrMapOvr>
-    <a:masterClrMapping/>
-  </p:clrMapOvr>
-</p:notes>
-</file>
-
-<file path=ppt/notesSlides/notesSlide22.xml><?xml version="1.0" encoding="utf-8"?>
-<p:notes xmlns:a="http://schemas.openxmlformats.org/drawingml/2006/main" xmlns:r="http://schemas.openxmlformats.org/officeDocument/2006/relationships" xmlns:p="http://schemas.openxmlformats.org/presentationml/2006/main">
-  <p:cSld>
-    <p:spTree>
-      <p:nvGrpSpPr>
-        <p:cNvPr id="1" name=""/>
-        <p:cNvGrpSpPr/>
-        <p:nvPr/>
-      </p:nvGrpSpPr>
-      <p:grpSpPr>
-        <a:xfrm>
-          <a:off x="0" y="0"/>
-          <a:ext cx="0" cy="0"/>
-          <a:chOff x="0" y="0"/>
-          <a:chExt cx="0" cy="0"/>
-        </a:xfrm>
-      </p:grpSpPr>
-      <p:sp>
-        <p:nvSpPr>
-          <p:cNvPr id="2" name="Folienbildplatzhalter 1"/>
-          <p:cNvSpPr>
-            <a:spLocks noGrp="1" noRot="1" noChangeAspect="1"/>
-          </p:cNvSpPr>
-          <p:nvPr>
-            <p:ph type="sldImg"/>
-          </p:nvPr>
-        </p:nvSpPr>
-        <p:spPr/>
-      </p:sp>
-      <p:sp>
-        <p:nvSpPr>
-          <p:cNvPr id="3" name="Notizenplatzhalter 2"/>
-          <p:cNvSpPr>
-            <a:spLocks noGrp="1"/>
-          </p:cNvSpPr>
-          <p:nvPr>
-            <p:ph type="body" idx="1"/>
-          </p:nvPr>
-        </p:nvSpPr>
-        <p:spPr/>
-        <p:txBody>
-          <a:bodyPr/>
-          <a:lstStyle/>
-          <a:p>
-            <a:endParaRPr lang="de-DE"/>
-          </a:p>
-        </p:txBody>
-      </p:sp>
-      <p:sp>
-        <p:nvSpPr>
-          <p:cNvPr id="4" name="Foliennummernplatzhalter 3"/>
-          <p:cNvSpPr>
-            <a:spLocks noGrp="1"/>
-          </p:cNvSpPr>
-          <p:nvPr>
-            <p:ph type="sldNum" sz="quarter" idx="10"/>
-          </p:nvPr>
-        </p:nvSpPr>
-        <p:spPr/>
-        <p:txBody>
-          <a:bodyPr/>
-          <a:lstStyle/>
-          <a:p>
-            <a:fld id="{05D1FABD-69C2-49F9-BD91-F05E017FE538}" type="slidenum">
-              <a:rPr lang="de-DE" smtClean="0"/>
-              <a:t>23</a:t>
-            </a:fld>
-            <a:endParaRPr lang="de-DE"/>
-          </a:p>
-        </p:txBody>
-      </p:sp>
-    </p:spTree>
-    <p:extLst>
-      <p:ext uri="{BB962C8B-B14F-4D97-AF65-F5344CB8AC3E}">
-        <p14:creationId xmlns:p14="http://schemas.microsoft.com/office/powerpoint/2010/main" val="183309910"/>
-      </p:ext>
-    </p:extLst>
-  </p:cSld>
-  <p:clrMapOvr>
-    <a:masterClrMapping/>
-  </p:clrMapOvr>
-</p:notes>
-</file>
-
-<file path=ppt/notesSlides/notesSlide23.xml><?xml version="1.0" encoding="utf-8"?>
-<p:notes xmlns:a="http://schemas.openxmlformats.org/drawingml/2006/main" xmlns:r="http://schemas.openxmlformats.org/officeDocument/2006/relationships" xmlns:p="http://schemas.openxmlformats.org/presentationml/2006/main">
-  <p:cSld>
-    <p:spTree>
-      <p:nvGrpSpPr>
-        <p:cNvPr id="1" name=""/>
-        <p:cNvGrpSpPr/>
-        <p:nvPr/>
-      </p:nvGrpSpPr>
-      <p:grpSpPr>
-        <a:xfrm>
-          <a:off x="0" y="0"/>
-          <a:ext cx="0" cy="0"/>
-          <a:chOff x="0" y="0"/>
-          <a:chExt cx="0" cy="0"/>
-        </a:xfrm>
-      </p:grpSpPr>
-      <p:sp>
-        <p:nvSpPr>
-          <p:cNvPr id="2" name="Folienbildplatzhalter 1"/>
-          <p:cNvSpPr>
-            <a:spLocks noGrp="1" noRot="1" noChangeAspect="1"/>
-          </p:cNvSpPr>
-          <p:nvPr>
-            <p:ph type="sldImg"/>
-          </p:nvPr>
-        </p:nvSpPr>
-        <p:spPr/>
-      </p:sp>
-      <p:sp>
-        <p:nvSpPr>
-          <p:cNvPr id="3" name="Notizenplatzhalter 2"/>
-          <p:cNvSpPr>
-            <a:spLocks noGrp="1"/>
-          </p:cNvSpPr>
-          <p:nvPr>
-            <p:ph type="body" idx="1"/>
-          </p:nvPr>
-        </p:nvSpPr>
-        <p:spPr/>
-        <p:txBody>
-          <a:bodyPr/>
-          <a:lstStyle/>
-          <a:p>
-            <a:endParaRPr lang="de-DE"/>
-          </a:p>
-        </p:txBody>
-      </p:sp>
-      <p:sp>
-        <p:nvSpPr>
-          <p:cNvPr id="4" name="Foliennummernplatzhalter 3"/>
-          <p:cNvSpPr>
-            <a:spLocks noGrp="1"/>
-          </p:cNvSpPr>
-          <p:nvPr>
-            <p:ph type="sldNum" sz="quarter" idx="10"/>
-          </p:nvPr>
-        </p:nvSpPr>
-        <p:spPr/>
-        <p:txBody>
-          <a:bodyPr/>
-          <a:lstStyle/>
-          <a:p>
-            <a:fld id="{05D1FABD-69C2-49F9-BD91-F05E017FE538}" type="slidenum">
-              <a:rPr lang="de-DE" smtClean="0"/>
-              <a:t>24</a:t>
-            </a:fld>
-            <a:endParaRPr lang="de-DE"/>
-          </a:p>
-        </p:txBody>
-      </p:sp>
-    </p:spTree>
-    <p:extLst>
-      <p:ext uri="{BB962C8B-B14F-4D97-AF65-F5344CB8AC3E}">
-        <p14:creationId xmlns:p14="http://schemas.microsoft.com/office/powerpoint/2010/main" val="1748681489"/>
-      </p:ext>
-    </p:extLst>
-  </p:cSld>
-  <p:clrMapOvr>
-    <a:masterClrMapping/>
-  </p:clrMapOvr>
-</p:notes>
-</file>
-
-<file path=ppt/notesSlides/notesSlide24.xml><?xml version="1.0" encoding="utf-8"?>
-<p:notes xmlns:a="http://schemas.openxmlformats.org/drawingml/2006/main" xmlns:r="http://schemas.openxmlformats.org/officeDocument/2006/relationships" xmlns:p="http://schemas.openxmlformats.org/presentationml/2006/main">
-  <p:cSld>
-    <p:spTree>
-      <p:nvGrpSpPr>
-        <p:cNvPr id="1" name=""/>
-        <p:cNvGrpSpPr/>
-        <p:nvPr/>
-      </p:nvGrpSpPr>
-      <p:grpSpPr>
-        <a:xfrm>
-          <a:off x="0" y="0"/>
-          <a:ext cx="0" cy="0"/>
-          <a:chOff x="0" y="0"/>
-          <a:chExt cx="0" cy="0"/>
-        </a:xfrm>
-      </p:grpSpPr>
-      <p:sp>
-        <p:nvSpPr>
-          <p:cNvPr id="2" name="Folienbildplatzhalter 1"/>
-          <p:cNvSpPr>
-            <a:spLocks noGrp="1" noRot="1" noChangeAspect="1"/>
-          </p:cNvSpPr>
-          <p:nvPr>
-            <p:ph type="sldImg"/>
-          </p:nvPr>
-        </p:nvSpPr>
-        <p:spPr/>
-      </p:sp>
-      <p:sp>
-        <p:nvSpPr>
-          <p:cNvPr id="3" name="Notizenplatzhalter 2"/>
-          <p:cNvSpPr>
-            <a:spLocks noGrp="1"/>
-          </p:cNvSpPr>
-          <p:nvPr>
-            <p:ph type="body" idx="1"/>
-          </p:nvPr>
-        </p:nvSpPr>
-        <p:spPr/>
-        <p:txBody>
-          <a:bodyPr/>
-          <a:lstStyle/>
-          <a:p>
-            <a:endParaRPr lang="de-DE"/>
-          </a:p>
-        </p:txBody>
-      </p:sp>
-      <p:sp>
-        <p:nvSpPr>
-          <p:cNvPr id="4" name="Foliennummernplatzhalter 3"/>
-          <p:cNvSpPr>
-            <a:spLocks noGrp="1"/>
-          </p:cNvSpPr>
-          <p:nvPr>
-            <p:ph type="sldNum" sz="quarter" idx="10"/>
-          </p:nvPr>
-        </p:nvSpPr>
-        <p:spPr/>
-        <p:txBody>
-          <a:bodyPr/>
-          <a:lstStyle/>
-          <a:p>
-            <a:fld id="{05D1FABD-69C2-49F9-BD91-F05E017FE538}" type="slidenum">
-              <a:rPr lang="de-DE" smtClean="0"/>
-              <a:pPr/>
-              <a:t>25</a:t>
-            </a:fld>
-            <a:endParaRPr lang="de-DE"/>
-          </a:p>
-        </p:txBody>
-      </p:sp>
-    </p:spTree>
-    <p:extLst>
-      <p:ext uri="{BB962C8B-B14F-4D97-AF65-F5344CB8AC3E}">
-        <p14:creationId xmlns:p14="http://schemas.microsoft.com/office/powerpoint/2010/main" val="3297351362"/>
-      </p:ext>
-    </p:extLst>
-  </p:cSld>
-  <p:clrMapOvr>
-    <a:masterClrMapping/>
-  </p:clrMapOvr>
-</p:notes>
-</file>
-
-<file path=ppt/notesSlides/notesSlide25.xml><?xml version="1.0" encoding="utf-8"?>
-<p:notes xmlns:a="http://schemas.openxmlformats.org/drawingml/2006/main" xmlns:r="http://schemas.openxmlformats.org/officeDocument/2006/relationships" xmlns:p="http://schemas.openxmlformats.org/presentationml/2006/main">
-  <p:cSld>
-    <p:spTree>
-      <p:nvGrpSpPr>
-        <p:cNvPr id="1" name=""/>
-        <p:cNvGrpSpPr/>
-        <p:nvPr/>
-      </p:nvGrpSpPr>
-      <p:grpSpPr>
-        <a:xfrm>
-          <a:off x="0" y="0"/>
-          <a:ext cx="0" cy="0"/>
-          <a:chOff x="0" y="0"/>
-          <a:chExt cx="0" cy="0"/>
-        </a:xfrm>
-      </p:grpSpPr>
-      <p:sp>
-        <p:nvSpPr>
-          <p:cNvPr id="2" name="Folienbildplatzhalter 1"/>
-          <p:cNvSpPr>
-            <a:spLocks noGrp="1" noRot="1" noChangeAspect="1"/>
-          </p:cNvSpPr>
-          <p:nvPr>
-            <p:ph type="sldImg"/>
-          </p:nvPr>
-        </p:nvSpPr>
-        <p:spPr/>
-      </p:sp>
-      <p:sp>
-        <p:nvSpPr>
-          <p:cNvPr id="3" name="Notizenplatzhalter 2"/>
-          <p:cNvSpPr>
-            <a:spLocks noGrp="1"/>
-          </p:cNvSpPr>
-          <p:nvPr>
-            <p:ph type="body" idx="1"/>
-          </p:nvPr>
-        </p:nvSpPr>
-        <p:spPr/>
-        <p:txBody>
-          <a:bodyPr/>
-          <a:lstStyle/>
-          <a:p>
-            <a:endParaRPr lang="de-DE"/>
-          </a:p>
-        </p:txBody>
-      </p:sp>
-      <p:sp>
-        <p:nvSpPr>
-          <p:cNvPr id="4" name="Foliennummernplatzhalter 3"/>
-          <p:cNvSpPr>
-            <a:spLocks noGrp="1"/>
-          </p:cNvSpPr>
-          <p:nvPr>
-            <p:ph type="sldNum" sz="quarter" idx="10"/>
-          </p:nvPr>
-        </p:nvSpPr>
-        <p:spPr/>
-        <p:txBody>
-          <a:bodyPr/>
-          <a:lstStyle/>
-          <a:p>
-            <a:fld id="{05D1FABD-69C2-49F9-BD91-F05E017FE538}" type="slidenum">
-              <a:rPr lang="de-DE" smtClean="0"/>
-              <a:pPr/>
-              <a:t>26</a:t>
-            </a:fld>
-            <a:endParaRPr lang="de-DE"/>
-          </a:p>
-        </p:txBody>
-      </p:sp>
-    </p:spTree>
-    <p:extLst>
-      <p:ext uri="{BB962C8B-B14F-4D97-AF65-F5344CB8AC3E}">
-        <p14:creationId xmlns:p14="http://schemas.microsoft.com/office/powerpoint/2010/main" val="784737350"/>
-      </p:ext>
-    </p:extLst>
-  </p:cSld>
-  <p:clrMapOvr>
-    <a:masterClrMapping/>
-  </p:clrMapOvr>
-</p:notes>
-</file>
-
-<file path=ppt/notesSlides/notesSlide26.xml><?xml version="1.0" encoding="utf-8"?>
-<p:notes xmlns:a="http://schemas.openxmlformats.org/drawingml/2006/main" xmlns:r="http://schemas.openxmlformats.org/officeDocument/2006/relationships" xmlns:p="http://schemas.openxmlformats.org/presentationml/2006/main">
-  <p:cSld>
-    <p:spTree>
-      <p:nvGrpSpPr>
-        <p:cNvPr id="1" name=""/>
-        <p:cNvGrpSpPr/>
-        <p:nvPr/>
-      </p:nvGrpSpPr>
-      <p:grpSpPr>
-        <a:xfrm>
-          <a:off x="0" y="0"/>
-          <a:ext cx="0" cy="0"/>
-          <a:chOff x="0" y="0"/>
-          <a:chExt cx="0" cy="0"/>
-        </a:xfrm>
-      </p:grpSpPr>
-      <p:sp>
-        <p:nvSpPr>
-          <p:cNvPr id="2" name="Folienbildplatzhalter 1"/>
-          <p:cNvSpPr>
-            <a:spLocks noGrp="1" noRot="1" noChangeAspect="1"/>
-          </p:cNvSpPr>
-          <p:nvPr>
-            <p:ph type="sldImg"/>
-          </p:nvPr>
-        </p:nvSpPr>
-        <p:spPr/>
-      </p:sp>
-      <p:sp>
-        <p:nvSpPr>
-          <p:cNvPr id="3" name="Notizenplatzhalter 2"/>
-          <p:cNvSpPr>
-            <a:spLocks noGrp="1"/>
-          </p:cNvSpPr>
-          <p:nvPr>
-            <p:ph type="body" idx="1"/>
-          </p:nvPr>
-        </p:nvSpPr>
-        <p:spPr/>
-        <p:txBody>
-          <a:bodyPr/>
-          <a:lstStyle/>
-          <a:p>
-            <a:endParaRPr lang="de-DE"/>
-          </a:p>
-        </p:txBody>
-      </p:sp>
-      <p:sp>
-        <p:nvSpPr>
-          <p:cNvPr id="4" name="Foliennummernplatzhalter 3"/>
-          <p:cNvSpPr>
-            <a:spLocks noGrp="1"/>
-          </p:cNvSpPr>
-          <p:nvPr>
-            <p:ph type="sldNum" sz="quarter" idx="10"/>
-          </p:nvPr>
-        </p:nvSpPr>
-        <p:spPr/>
-        <p:txBody>
-          <a:bodyPr/>
-          <a:lstStyle/>
-          <a:p>
-            <a:fld id="{05D1FABD-69C2-49F9-BD91-F05E017FE538}" type="slidenum">
-              <a:rPr lang="de-DE" smtClean="0"/>
-              <a:pPr/>
-              <a:t>27</a:t>
-            </a:fld>
-            <a:endParaRPr lang="de-DE"/>
-          </a:p>
-        </p:txBody>
-      </p:sp>
-    </p:spTree>
-    <p:extLst>
-      <p:ext uri="{BB962C8B-B14F-4D97-AF65-F5344CB8AC3E}">
-        <p14:creationId xmlns:p14="http://schemas.microsoft.com/office/powerpoint/2010/main" val="1066156749"/>
+        <p14:creationId xmlns:p14="http://schemas.microsoft.com/office/powerpoint/2010/main" val="617600904"/>
       </p:ext>
     </p:extLst>
   </p:cSld>
@@ -2684,7 +2257,58 @@
           <a:bodyPr/>
           <a:lstStyle/>
           <a:p>
-            <a:endParaRPr lang="de-DE"/>
+            <a:pPr marL="0" indent="0">
+              <a:buNone/>
+            </a:pPr>
+            <a:r>
+              <a:rPr lang="de-DE" dirty="0" smtClean="0"/>
+              <a:t>+ Gute Unterstützung im normalen Ablauf des </a:t>
+            </a:r>
+            <a:r>
+              <a:rPr lang="de-DE" dirty="0" err="1" smtClean="0"/>
+              <a:t>Git</a:t>
+            </a:r>
+            <a:r>
+              <a:rPr lang="de-DE" dirty="0" smtClean="0"/>
+              <a:t>-Servers</a:t>
+            </a:r>
+          </a:p>
+          <a:p>
+            <a:pPr marL="0" indent="0">
+              <a:buNone/>
+            </a:pPr>
+            <a:r>
+              <a:rPr lang="de-DE" dirty="0" smtClean="0"/>
+              <a:t>- Keine </a:t>
+            </a:r>
+            <a:r>
+              <a:rPr lang="de-DE" dirty="0" err="1" smtClean="0"/>
+              <a:t>Merge</a:t>
+            </a:r>
+            <a:r>
+              <a:rPr lang="de-DE" dirty="0" smtClean="0"/>
+              <a:t>-Funktion</a:t>
+            </a:r>
+          </a:p>
+          <a:p>
+            <a:pPr marL="0" indent="0">
+              <a:buNone/>
+            </a:pPr>
+            <a:r>
+              <a:rPr lang="de-DE" dirty="0" smtClean="0"/>
+              <a:t>- Mögliche </a:t>
+            </a:r>
+            <a:r>
+              <a:rPr lang="de-DE" dirty="0" err="1" smtClean="0"/>
+              <a:t>Pulls</a:t>
+            </a:r>
+            <a:r>
+              <a:rPr lang="de-DE" dirty="0" smtClean="0"/>
+              <a:t> nicht immer angezeigt</a:t>
+            </a:r>
+          </a:p>
+          <a:p>
+            <a:endParaRPr lang="de-DE" dirty="0"/>
           </a:p>
         </p:txBody>
       </p:sp>
@@ -16692,7 +16316,7 @@
       </p:pic>
       <p:pic>
         <p:nvPicPr>
-          <p:cNvPr id="9" name="Grafik 8"/>
+          <p:cNvPr id="12" name="Grafik 11"/>
           <p:cNvPicPr>
             <a:picLocks noChangeAspect="1"/>
           </p:cNvPicPr>
@@ -16801,7 +16425,7 @@
                                           </p:stCondLst>
                                         </p:cTn>
                                         <p:tgtEl>
-                                          <p:spTgt spid="9"/>
+                                          <p:spTgt spid="12"/>
                                         </p:tgtEl>
                                         <p:attrNameLst>
                                           <p:attrName>style.visibility</p:attrName>
@@ -16815,7 +16439,7 @@
                                       <p:cBhvr>
                                         <p:cTn id="10" dur="500"/>
                                         <p:tgtEl>
-                                          <p:spTgt spid="9"/>
+                                          <p:spTgt spid="12"/>
                                         </p:tgtEl>
                                       </p:cBhvr>
                                     </p:animEffect>
@@ -16905,74 +16529,79 @@
         </p:nvSpPr>
         <p:spPr/>
         <p:txBody>
-          <a:bodyPr/>
+          <a:bodyPr>
+            <a:normAutofit/>
+          </a:bodyPr>
           <a:lstStyle/>
           <a:p>
             <a:r>
+              <a:rPr lang="de-DE" dirty="0"/>
+              <a:t>Android Studio</a:t>
+            </a:r>
+          </a:p>
+          <a:p>
+            <a:pPr marL="742950" lvl="2" indent="-342900"/>
+            <a:r>
+              <a:rPr lang="de-DE" dirty="0"/>
+              <a:t>Kostenfreie offizielle IDE zur Android Entwicklung</a:t>
+            </a:r>
+          </a:p>
+          <a:p>
+            <a:pPr marL="742950" lvl="2" indent="-342900"/>
+            <a:r>
               <a:rPr lang="de-DE" dirty="0" smtClean="0"/>
-              <a:t>Android Studio</a:t>
-            </a:r>
-          </a:p>
-          <a:p>
-            <a:pPr lvl="1"/>
+              <a:t>Basiert </a:t>
+            </a:r>
+            <a:r>
+              <a:rPr lang="de-DE" dirty="0"/>
+              <a:t>auf IntelliJ IDEA</a:t>
+            </a:r>
+          </a:p>
+          <a:p>
+            <a:pPr marL="742950" lvl="2" indent="-342900"/>
             <a:r>
               <a:rPr lang="de-DE" dirty="0" smtClean="0"/>
-              <a:t>Kostenfreie offizielle IDE zur Android Entwicklung</a:t>
-            </a:r>
-          </a:p>
-          <a:p>
-            <a:pPr lvl="1"/>
+              <a:t>Zu Projektbeginn noch im </a:t>
+            </a:r>
+            <a:r>
+              <a:rPr lang="de-DE" dirty="0"/>
+              <a:t>Beta-Status</a:t>
+            </a:r>
+          </a:p>
+          <a:p>
+            <a:pPr marL="742950" lvl="2" indent="-342900"/>
+            <a:r>
+              <a:rPr lang="de-DE" dirty="0"/>
+              <a:t>Grafischer GUI-Editor</a:t>
+            </a:r>
+          </a:p>
+          <a:p>
+            <a:pPr marL="742950" lvl="2" indent="-342900"/>
+            <a:r>
+              <a:rPr lang="de-DE" dirty="0"/>
+              <a:t>Code-</a:t>
+            </a:r>
+            <a:r>
+              <a:rPr lang="de-DE" dirty="0" err="1"/>
+              <a:t>Highlighting</a:t>
+            </a:r>
+            <a:r>
+              <a:rPr lang="de-DE" dirty="0"/>
+              <a:t> </a:t>
+            </a:r>
+          </a:p>
+          <a:p>
+            <a:pPr marL="742950" lvl="2" indent="-342900"/>
             <a:r>
               <a:rPr lang="de-DE" dirty="0" smtClean="0"/>
-              <a:t>Basiert auf </a:t>
-            </a:r>
-            <a:r>
-              <a:rPr lang="de-DE" dirty="0" err="1" smtClean="0"/>
-              <a:t>IntelliJ</a:t>
-            </a:r>
+              <a:t>Gradle Integration</a:t>
+            </a:r>
+          </a:p>
+          <a:p>
+            <a:pPr marL="742950" lvl="2" indent="-342900"/>
             <a:r>
               <a:rPr lang="de-DE" dirty="0" smtClean="0"/>
-              <a:t> IDEA IDE</a:t>
-            </a:r>
-          </a:p>
-          <a:p>
-            <a:pPr lvl="1"/>
-            <a:r>
-              <a:rPr lang="de-DE" dirty="0" smtClean="0"/>
-              <a:t>Während Projektdurchführung noch im Beta-Status</a:t>
-            </a:r>
-          </a:p>
-          <a:p>
-            <a:pPr lvl="1"/>
-            <a:r>
-              <a:rPr lang="de-DE" dirty="0" smtClean="0"/>
-              <a:t>Grafischer GUI-Editor</a:t>
-            </a:r>
-          </a:p>
-          <a:p>
-            <a:pPr lvl="1"/>
-            <a:r>
-              <a:rPr lang="de-DE" dirty="0" smtClean="0"/>
-              <a:t>Code-</a:t>
-            </a:r>
-            <a:r>
-              <a:rPr lang="de-DE" dirty="0" err="1" smtClean="0"/>
-              <a:t>Highlighting</a:t>
-            </a:r>
-            <a:r>
-              <a:rPr lang="de-DE" dirty="0" smtClean="0"/>
-              <a:t> </a:t>
-            </a:r>
-          </a:p>
-          <a:p>
-            <a:pPr lvl="1"/>
-            <a:r>
-              <a:rPr lang="de-DE" dirty="0" err="1" smtClean="0"/>
-              <a:t>GitHub</a:t>
-            </a:r>
-            <a:r>
-              <a:rPr lang="de-DE" dirty="0" smtClean="0"/>
-              <a:t> Integration möglich</a:t>
+              <a:t>Emulator enthalten</a:t>
             </a:r>
             <a:endParaRPr lang="de-DE" dirty="0"/>
           </a:p>
@@ -17088,7 +16717,7 @@
       </p:pic>
       <p:pic>
         <p:nvPicPr>
-          <p:cNvPr id="10" name="Picture 2" descr="Oberflaeche_gestalten"/>
+          <p:cNvPr id="14" name="Picture 2" descr="Oberflaeche_gestalten"/>
           <p:cNvPicPr>
             <a:picLocks noChangeAspect="1" noChangeArrowheads="1"/>
           </p:cNvPicPr>
@@ -17109,7 +16738,7 @@
         </p:blipFill>
         <p:spPr bwMode="auto">
           <a:xfrm>
-            <a:off x="703034" y="667389"/>
+            <a:off x="693091" y="679572"/>
             <a:ext cx="10809104" cy="5511927"/>
           </a:xfrm>
           <a:prstGeom prst="rect">
@@ -17184,7 +16813,7 @@
                                           </p:stCondLst>
                                         </p:cTn>
                                         <p:tgtEl>
-                                          <p:spTgt spid="10"/>
+                                          <p:spTgt spid="14"/>
                                         </p:tgtEl>
                                         <p:attrNameLst>
                                           <p:attrName>style.visibility</p:attrName>
@@ -17198,7 +16827,7 @@
                                       <p:cBhvr>
                                         <p:cTn id="7" dur="500"/>
                                         <p:tgtEl>
-                                          <p:spTgt spid="10"/>
+                                          <p:spTgt spid="14"/>
                                         </p:tgtEl>
                                       </p:cBhvr>
                                     </p:animEffect>
@@ -17323,8 +16952,16 @@
             </a:r>
             <a:r>
               <a:rPr lang="de-DE" dirty="0" smtClean="0"/>
-              <a:t>-Datei möglich</a:t>
-            </a:r>
+              <a:t>-Datei </a:t>
+            </a:r>
+            <a:r>
+              <a:rPr lang="de-DE" dirty="0" smtClean="0"/>
+              <a:t>möglich</a:t>
+            </a:r>
+          </a:p>
+          <a:p>
+            <a:pPr lvl="1"/>
+            <a:endParaRPr lang="de-DE" dirty="0" smtClean="0"/>
           </a:p>
           <a:p>
             <a:r>
@@ -17336,9 +16973,10 @@
           <a:p>
             <a:pPr lvl="1"/>
             <a:r>
-              <a:rPr lang="de-DE" dirty="0"/>
-              <a:t>Auslieferung zusammen mit Android Studio</a:t>
-            </a:r>
+              <a:rPr lang="de-DE" dirty="0" smtClean="0"/>
+              <a:t>Testwerkzeuge im Android Studio enthalten</a:t>
+            </a:r>
+            <a:endParaRPr lang="de-DE" dirty="0"/>
           </a:p>
           <a:p>
             <a:pPr lvl="1"/>
@@ -17355,33 +16993,20 @@
               <a:t> </a:t>
             </a:r>
             <a:r>
-              <a:rPr lang="de-DE" dirty="0" err="1" smtClean="0"/>
-              <a:t>basierent</a:t>
-            </a:r>
-            <a:r>
               <a:rPr lang="de-DE" dirty="0" smtClean="0"/>
-              <a:t> auf </a:t>
-            </a:r>
-            <a:r>
-              <a:rPr lang="de-DE" dirty="0" err="1" smtClean="0"/>
-              <a:t>JUnit</a:t>
+              <a:t>basierend </a:t>
             </a:r>
             <a:r>
               <a:rPr lang="de-DE" dirty="0" smtClean="0"/>
-              <a:t> bereit</a:t>
+              <a:t>auf JUnit bereit</a:t>
             </a:r>
           </a:p>
           <a:p>
             <a:pPr lvl="1"/>
             <a:r>
               <a:rPr lang="de-DE" dirty="0" smtClean="0"/>
-              <a:t>Ausführung der Tests im </a:t>
-            </a:r>
-            <a:r>
-              <a:rPr lang="de-DE" smtClean="0"/>
-              <a:t>Android Emulator</a:t>
-            </a:r>
-            <a:endParaRPr lang="de-DE" dirty="0" smtClean="0"/>
+              <a:t>Ausführung der Tests im Android Emulator</a:t>
+            </a:r>
           </a:p>
           <a:p>
             <a:endParaRPr lang="de-DE" dirty="0"/>
@@ -17472,6 +17097,88 @@
           </a:p>
         </p:txBody>
       </p:sp>
+      <p:pic>
+        <p:nvPicPr>
+          <p:cNvPr id="4098" name="Picture 2" descr="http://www.agilearts.nl/wp-content/uploads/2013/03/gradle.png"/>
+          <p:cNvPicPr>
+            <a:picLocks noChangeAspect="1" noChangeArrowheads="1"/>
+          </p:cNvPicPr>
+          <p:nvPr/>
+        </p:nvPicPr>
+        <p:blipFill>
+          <a:blip r:embed="rId4">
+            <a:extLst>
+              <a:ext uri="{28A0092B-C50C-407E-A947-70E740481C1C}">
+                <a14:useLocalDpi xmlns:a14="http://schemas.microsoft.com/office/drawing/2010/main" val="0"/>
+              </a:ext>
+            </a:extLst>
+          </a:blip>
+          <a:srcRect/>
+          <a:stretch>
+            <a:fillRect/>
+          </a:stretch>
+        </p:blipFill>
+        <p:spPr bwMode="auto">
+          <a:xfrm>
+            <a:off x="8955313" y="2603500"/>
+            <a:ext cx="1397227" cy="390525"/>
+          </a:xfrm>
+          <a:prstGeom prst="rect">
+            <a:avLst/>
+          </a:prstGeom>
+          <a:noFill/>
+          <a:extLst>
+            <a:ext uri="{909E8E84-426E-40DD-AFC4-6F175D3DCCD1}">
+              <a14:hiddenFill xmlns:a14="http://schemas.microsoft.com/office/drawing/2010/main">
+                <a:solidFill>
+                  <a:srgbClr val="FFFFFF"/>
+                </a:solidFill>
+              </a14:hiddenFill>
+            </a:ext>
+          </a:extLst>
+        </p:spPr>
+      </p:pic>
+      <p:pic>
+        <p:nvPicPr>
+          <p:cNvPr id="4100" name="Picture 4" descr="http://junit.org/images/junit-logo.png"/>
+          <p:cNvPicPr>
+            <a:picLocks noChangeAspect="1" noChangeArrowheads="1"/>
+          </p:cNvPicPr>
+          <p:nvPr/>
+        </p:nvPicPr>
+        <p:blipFill>
+          <a:blip r:embed="rId5">
+            <a:extLst>
+              <a:ext uri="{28A0092B-C50C-407E-A947-70E740481C1C}">
+                <a14:useLocalDpi xmlns:a14="http://schemas.microsoft.com/office/drawing/2010/main" val="0"/>
+              </a:ext>
+            </a:extLst>
+          </a:blip>
+          <a:srcRect/>
+          <a:stretch>
+            <a:fillRect/>
+          </a:stretch>
+        </p:blipFill>
+        <p:spPr bwMode="auto">
+          <a:xfrm>
+            <a:off x="8955313" y="4534109"/>
+            <a:ext cx="1524000" cy="609600"/>
+          </a:xfrm>
+          <a:prstGeom prst="rect">
+            <a:avLst/>
+          </a:prstGeom>
+          <a:noFill/>
+          <a:extLst>
+            <a:ext uri="{909E8E84-426E-40DD-AFC4-6F175D3DCCD1}">
+              <a14:hiddenFill xmlns:a14="http://schemas.microsoft.com/office/drawing/2010/main">
+                <a:solidFill>
+                  <a:srgbClr val="FFFFFF"/>
+                </a:solidFill>
+              </a14:hiddenFill>
+            </a:ext>
+          </a:extLst>
+        </p:spPr>
+      </p:pic>
     </p:spTree>
     <p:extLst>
       <p:ext uri="{BB962C8B-B14F-4D97-AF65-F5344CB8AC3E}">
@@ -17532,25 +17239,6 @@
           </a:p>
         </p:txBody>
       </p:sp>
-      <p:sp>
-        <p:nvSpPr>
-          <p:cNvPr id="3" name="Inhaltsplatzhalter 2"/>
-          <p:cNvSpPr>
-            <a:spLocks noGrp="1"/>
-          </p:cNvSpPr>
-          <p:nvPr>
-            <p:ph idx="1"/>
-          </p:nvPr>
-        </p:nvSpPr>
-        <p:spPr/>
-        <p:txBody>
-          <a:bodyPr/>
-          <a:lstStyle/>
-          <a:p>
-            <a:endParaRPr lang="de-DE" dirty="0"/>
-          </a:p>
-        </p:txBody>
-      </p:sp>
       <p:pic>
         <p:nvPicPr>
           <p:cNvPr id="4" name="Grafik 3"/>
@@ -17635,6 +17323,47 @@
           </a:p>
         </p:txBody>
       </p:sp>
+      <p:pic>
+        <p:nvPicPr>
+          <p:cNvPr id="2050" name="Picture 2" descr="http://www.fancyicons.com/free-icons/103/pretty-office-5/png/256/start_256.png"/>
+          <p:cNvPicPr>
+            <a:picLocks noChangeAspect="1" noChangeArrowheads="1"/>
+          </p:cNvPicPr>
+          <p:nvPr/>
+        </p:nvPicPr>
+        <p:blipFill>
+          <a:blip r:embed="rId4">
+            <a:extLst>
+              <a:ext uri="{28A0092B-C50C-407E-A947-70E740481C1C}">
+                <a14:useLocalDpi xmlns:a14="http://schemas.microsoft.com/office/drawing/2010/main" val="0"/>
+              </a:ext>
+            </a:extLst>
+          </a:blip>
+          <a:srcRect/>
+          <a:stretch>
+            <a:fillRect/>
+          </a:stretch>
+        </p:blipFill>
+        <p:spPr bwMode="auto">
+          <a:xfrm>
+            <a:off x="4812416" y="2705365"/>
+            <a:ext cx="2691319" cy="2691319"/>
+          </a:xfrm>
+          <a:prstGeom prst="rect">
+            <a:avLst/>
+          </a:prstGeom>
+          <a:noFill/>
+          <a:extLst>
+            <a:ext uri="{909E8E84-426E-40DD-AFC4-6F175D3DCCD1}">
+              <a14:hiddenFill xmlns:a14="http://schemas.microsoft.com/office/drawing/2010/main">
+                <a:solidFill>
+                  <a:srgbClr val="FFFFFF"/>
+                </a:solidFill>
+              </a14:hiddenFill>
+            </a:ext>
+          </a:extLst>
+        </p:spPr>
+      </p:pic>
     </p:spTree>
     <p:extLst>
       <p:ext uri="{BB962C8B-B14F-4D97-AF65-F5344CB8AC3E}">
@@ -17697,7 +17426,11 @@
           <a:p>
             <a:r>
               <a:rPr lang="de-DE" dirty="0" smtClean="0"/>
-              <a:t>Reflexion</a:t>
+              <a:t>Reflexion: </a:t>
+            </a:r>
+            <a:r>
+              <a:rPr lang="de-DE" dirty="0" smtClean="0"/>
+              <a:t>Ausgangspunkt</a:t>
             </a:r>
             <a:endParaRPr lang="de-DE" dirty="0"/>
           </a:p>
@@ -17715,80 +17448,108 @@
         </p:nvSpPr>
         <p:spPr/>
         <p:txBody>
-          <a:bodyPr/>
+          <a:bodyPr>
+            <a:normAutofit/>
+          </a:bodyPr>
           <a:lstStyle/>
           <a:p>
             <a:r>
               <a:rPr lang="de-DE" dirty="0" smtClean="0"/>
-              <a:t>Kurze Werkzeugbewertung</a:t>
+              <a:t>App </a:t>
+            </a:r>
+            <a:r>
+              <a:rPr lang="de-DE" dirty="0"/>
+              <a:t>Entwicklung für alle </a:t>
+            </a:r>
+            <a:r>
+              <a:rPr lang="de-DE" dirty="0" smtClean="0"/>
+              <a:t>neu</a:t>
+            </a:r>
+            <a:endParaRPr lang="de-DE" dirty="0"/>
+          </a:p>
+          <a:p>
+            <a:pPr marL="0" indent="0">
+              <a:buNone/>
+            </a:pPr>
+            <a:r>
+              <a:rPr lang="de-DE" dirty="0" smtClean="0"/>
+              <a:t>	</a:t>
+            </a:r>
+            <a:r>
+              <a:rPr lang="de-DE" dirty="0" smtClean="0"/>
+              <a:t>  - </a:t>
+            </a:r>
+            <a:r>
+              <a:rPr lang="de-DE" dirty="0" smtClean="0"/>
+              <a:t>Zusätzlicher </a:t>
+            </a:r>
+            <a:r>
+              <a:rPr lang="de-DE" dirty="0"/>
+              <a:t>Einarbeitungsaufwand</a:t>
+            </a:r>
+          </a:p>
+          <a:p>
+            <a:pPr marL="0" indent="0">
+              <a:buNone/>
+            </a:pPr>
+            <a:r>
+              <a:rPr lang="de-DE" dirty="0" smtClean="0"/>
+              <a:t>	</a:t>
+            </a:r>
+            <a:r>
+              <a:rPr lang="de-DE" dirty="0" smtClean="0"/>
+              <a:t> + </a:t>
+            </a:r>
+            <a:r>
+              <a:rPr lang="de-DE" dirty="0" smtClean="0"/>
+              <a:t>Chance</a:t>
+            </a:r>
+            <a:r>
+              <a:rPr lang="de-DE" dirty="0"/>
+              <a:t>, neue Technologie kennenzulernen</a:t>
+            </a:r>
+          </a:p>
+          <a:p>
+            <a:r>
+              <a:rPr lang="de-DE" dirty="0" smtClean="0"/>
+              <a:t>Unterschiedliche </a:t>
+            </a:r>
+            <a:r>
+              <a:rPr lang="de-DE" dirty="0"/>
+              <a:t>Kompetenzen im </a:t>
+            </a:r>
+            <a:r>
+              <a:rPr lang="de-DE" dirty="0" smtClean="0"/>
+              <a:t>Team</a:t>
             </a:r>
           </a:p>
           <a:p>
             <a:pPr lvl="1"/>
             <a:r>
-              <a:rPr lang="de-DE" dirty="0" err="1" smtClean="0"/>
-              <a:t>Git</a:t>
+              <a:rPr lang="de-DE" dirty="0" smtClean="0"/>
+              <a:t> </a:t>
+            </a:r>
+            <a:r>
+              <a:rPr lang="de-DE" dirty="0"/>
+              <a:t>3 Anwendungsentwickler </a:t>
+            </a:r>
+            <a:endParaRPr lang="de-DE" dirty="0" smtClean="0"/>
+          </a:p>
+          <a:p>
+            <a:pPr lvl="1"/>
+            <a:r>
+              <a:rPr lang="de-DE" dirty="0" smtClean="0"/>
+              <a:t> </a:t>
+            </a:r>
+            <a:r>
+              <a:rPr lang="de-DE" dirty="0"/>
+              <a:t>1 </a:t>
+            </a:r>
+            <a:r>
+              <a:rPr lang="de-DE" dirty="0" smtClean="0"/>
+              <a:t>Systemintegrator</a:t>
             </a:r>
             <a:endParaRPr lang="de-DE" dirty="0"/>
-          </a:p>
-          <a:p>
-            <a:pPr lvl="1"/>
-            <a:r>
-              <a:rPr lang="de-DE" dirty="0"/>
-              <a:t>Source </a:t>
-            </a:r>
-            <a:r>
-              <a:rPr lang="de-DE" dirty="0" err="1" smtClean="0"/>
-              <a:t>Tree</a:t>
-            </a:r>
-            <a:endParaRPr lang="de-DE" dirty="0"/>
-          </a:p>
-          <a:p>
-            <a:pPr lvl="1"/>
-            <a:r>
-              <a:rPr lang="de-DE" dirty="0"/>
-              <a:t>Android </a:t>
-            </a:r>
-            <a:r>
-              <a:rPr lang="de-DE" dirty="0" smtClean="0"/>
-              <a:t>Studio</a:t>
-            </a:r>
-            <a:endParaRPr lang="de-DE" dirty="0"/>
-          </a:p>
-          <a:p>
-            <a:pPr lvl="1"/>
-            <a:r>
-              <a:rPr lang="de-DE" dirty="0" err="1" smtClean="0"/>
-              <a:t>Gradle</a:t>
-            </a:r>
-            <a:endParaRPr lang="de-DE" dirty="0"/>
-          </a:p>
-          <a:p>
-            <a:pPr lvl="1"/>
-            <a:r>
-              <a:rPr lang="de-DE" dirty="0"/>
-              <a:t>Unit </a:t>
-            </a:r>
-            <a:r>
-              <a:rPr lang="de-DE" dirty="0" err="1" smtClean="0"/>
-              <a:t>Testing</a:t>
-            </a:r>
-            <a:endParaRPr lang="de-DE" dirty="0"/>
-          </a:p>
-          <a:p>
-            <a:pPr marL="457200" lvl="1" indent="0">
-              <a:buNone/>
-            </a:pPr>
-            <a:endParaRPr lang="de-DE" dirty="0" smtClean="0"/>
-          </a:p>
-          <a:p>
-            <a:r>
-              <a:rPr lang="de-DE" dirty="0" smtClean="0"/>
-              <a:t>Vorgehen im Team</a:t>
-            </a:r>
-          </a:p>
-          <a:p>
-            <a:endParaRPr lang="de-DE" dirty="0" smtClean="0"/>
           </a:p>
         </p:txBody>
       </p:sp>
@@ -17879,7 +17640,7 @@
     </p:spTree>
     <p:extLst>
       <p:ext uri="{BB962C8B-B14F-4D97-AF65-F5344CB8AC3E}">
-        <p14:creationId xmlns:p14="http://schemas.microsoft.com/office/powerpoint/2010/main" val="393556103"/>
+        <p14:creationId xmlns:p14="http://schemas.microsoft.com/office/powerpoint/2010/main" val="3197597498"/>
       </p:ext>
     </p:extLst>
   </p:cSld>
@@ -17930,8 +17691,13 @@
           <a:p>
             <a:r>
               <a:rPr lang="de-DE" dirty="0"/>
-              <a:t>Reflexion: Werkzeuge</a:t>
-            </a:r>
+              <a:t>Reflexion: </a:t>
+            </a:r>
+            <a:r>
+              <a:rPr lang="de-DE" dirty="0" smtClean="0"/>
+              <a:t>Positives</a:t>
+            </a:r>
+            <a:endParaRPr lang="de-DE" dirty="0"/>
           </a:p>
         </p:txBody>
       </p:sp>
@@ -17952,66 +17718,95 @@
           </a:bodyPr>
           <a:lstStyle/>
           <a:p>
-            <a:pPr marL="0" indent="0">
-              <a:buNone/>
-            </a:pPr>
-            <a:r>
-              <a:rPr lang="de-DE" dirty="0" err="1" smtClean="0"/>
-              <a:t>Git</a:t>
-            </a:r>
             <a:r>
               <a:rPr lang="de-DE" dirty="0" smtClean="0"/>
-              <a:t>: </a:t>
-            </a:r>
-          </a:p>
-          <a:p>
+              <a:t>Regelmäßige </a:t>
+            </a:r>
             <a:r>
               <a:rPr lang="de-DE" dirty="0" smtClean="0"/>
-              <a:t>¾  der Gruppe: </a:t>
-            </a:r>
-            <a:r>
-              <a:rPr lang="de-DE" dirty="0" err="1" smtClean="0"/>
-              <a:t>Git</a:t>
-            </a:r>
+              <a:t>Absprachen</a:t>
+            </a:r>
+            <a:endParaRPr lang="de-DE" dirty="0"/>
+          </a:p>
+          <a:p>
             <a:r>
               <a:rPr lang="de-DE" dirty="0" smtClean="0"/>
-              <a:t>-Anfänger</a:t>
+              <a:t>Jeder </a:t>
+            </a:r>
+            <a:r>
+              <a:rPr lang="de-DE" dirty="0"/>
+              <a:t>konnte etwas beitragen</a:t>
             </a:r>
           </a:p>
           <a:p>
             <a:r>
               <a:rPr lang="de-DE" dirty="0" smtClean="0"/>
-              <a:t>Entdecken eines neuen Tools</a:t>
-            </a:r>
-          </a:p>
-          <a:p>
-            <a:r>
-              <a:rPr lang="de-DE" dirty="0" err="1" smtClean="0"/>
-              <a:t>GitHub</a:t>
-            </a:r>
+              <a:t>Zwischenzeitliche </a:t>
+            </a:r>
+            <a:r>
+              <a:rPr lang="de-DE" dirty="0"/>
+              <a:t>Tests </a:t>
+            </a:r>
+            <a:endParaRPr lang="de-DE" dirty="0" smtClean="0"/>
+          </a:p>
+          <a:p>
+            <a:pPr lvl="1"/>
             <a:r>
               <a:rPr lang="de-DE" dirty="0" smtClean="0"/>
-              <a:t> schnell &amp; einfach</a:t>
+              <a:t>Ermitteln </a:t>
+            </a:r>
+            <a:r>
+              <a:rPr lang="de-DE" dirty="0"/>
+              <a:t>&amp; Beheben von Bugs</a:t>
             </a:r>
           </a:p>
           <a:p>
             <a:r>
               <a:rPr lang="de-DE" dirty="0" smtClean="0"/>
-              <a:t>Sehr praktisch: mitgelieferte </a:t>
-            </a:r>
-            <a:r>
-              <a:rPr lang="de-DE" i="1" dirty="0" err="1" smtClean="0"/>
-              <a:t>gitignore</a:t>
-            </a:r>
-            <a:r>
-              <a:rPr lang="de-DE" i="1" dirty="0" smtClean="0"/>
-              <a:t>-Files</a:t>
-            </a:r>
-          </a:p>
-          <a:p>
+              <a:t>Klare </a:t>
+            </a:r>
+            <a:r>
+              <a:rPr lang="de-DE" dirty="0"/>
+              <a:t>Aufgabenteilung </a:t>
+            </a:r>
             <a:r>
               <a:rPr lang="de-DE" dirty="0" smtClean="0"/>
-              <a:t>i.d.R. direktes Pushen -&gt; Commit nicht wirklich genutzt</a:t>
+              <a:t>&amp; </a:t>
+            </a:r>
+            <a:r>
+              <a:rPr lang="de-DE" dirty="0"/>
+              <a:t>rege Kommunikation </a:t>
+            </a:r>
+            <a:endParaRPr lang="de-DE" dirty="0" smtClean="0"/>
+          </a:p>
+          <a:p>
+            <a:pPr lvl="1"/>
+            <a:r>
+              <a:rPr lang="de-DE" dirty="0" smtClean="0"/>
+              <a:t>Nur </a:t>
+            </a:r>
+            <a:r>
+              <a:rPr lang="de-DE" dirty="0"/>
+              <a:t>wenig </a:t>
+            </a:r>
+            <a:r>
+              <a:rPr lang="de-DE" dirty="0" err="1"/>
+              <a:t>Mergekonflikte</a:t>
+            </a:r>
+            <a:endParaRPr lang="de-DE" dirty="0"/>
+          </a:p>
+          <a:p>
+            <a:r>
+              <a:rPr lang="de-DE" dirty="0" smtClean="0"/>
+              <a:t>Klare </a:t>
+            </a:r>
+            <a:r>
+              <a:rPr lang="de-DE" dirty="0"/>
+              <a:t>Definition von </a:t>
+            </a:r>
+            <a:r>
+              <a:rPr lang="de-DE" dirty="0" smtClean="0"/>
+              <a:t>Deadlines</a:t>
             </a:r>
             <a:endParaRPr lang="de-DE" dirty="0"/>
           </a:p>
@@ -18104,7 +17899,7 @@
     </p:spTree>
     <p:extLst>
       <p:ext uri="{BB962C8B-B14F-4D97-AF65-F5344CB8AC3E}">
-        <p14:creationId xmlns:p14="http://schemas.microsoft.com/office/powerpoint/2010/main" val="898148447"/>
+        <p14:creationId xmlns:p14="http://schemas.microsoft.com/office/powerpoint/2010/main" val="3509070595"/>
       </p:ext>
     </p:extLst>
   </p:cSld>
@@ -18155,8 +17950,13 @@
           <a:p>
             <a:r>
               <a:rPr lang="de-DE" dirty="0"/>
-              <a:t>Reflexion: Werkzeuge</a:t>
-            </a:r>
+              <a:t>Reflexion: </a:t>
+            </a:r>
+            <a:r>
+              <a:rPr lang="de-DE" dirty="0" smtClean="0"/>
+              <a:t>Schwierigkeiten</a:t>
+            </a:r>
+            <a:endParaRPr lang="de-DE" dirty="0"/>
           </a:p>
         </p:txBody>
       </p:sp>
@@ -18177,113 +17977,52 @@
           </a:bodyPr>
           <a:lstStyle/>
           <a:p>
-            <a:pPr marL="0" indent="0">
-              <a:buNone/>
-            </a:pPr>
             <a:r>
               <a:rPr lang="de-DE" dirty="0" smtClean="0"/>
-              <a:t>Source </a:t>
-            </a:r>
-            <a:r>
-              <a:rPr lang="de-DE" dirty="0" err="1" smtClean="0"/>
-              <a:t>Tree</a:t>
-            </a:r>
+              <a:t>Themenfindung</a:t>
+            </a:r>
+            <a:endParaRPr lang="de-DE" dirty="0"/>
+          </a:p>
+          <a:p>
             <a:r>
               <a:rPr lang="de-DE" dirty="0" smtClean="0"/>
-              <a:t>:</a:t>
+              <a:t>Hoher Einarbeitungsaufwand</a:t>
             </a:r>
           </a:p>
           <a:p>
             <a:r>
               <a:rPr lang="de-DE" dirty="0" smtClean="0"/>
-              <a:t>+ Gute Unterstützt für normalen </a:t>
+              <a:t>Zeitmangel</a:t>
+            </a:r>
+            <a:endParaRPr lang="de-DE" dirty="0" smtClean="0"/>
+          </a:p>
+          <a:p>
+            <a:r>
+              <a:rPr lang="de-DE" dirty="0" smtClean="0"/>
+              <a:t>Mit Tutorials &amp; Foren Einblick verschafft &amp; Gelerntes umgesetzt</a:t>
+            </a:r>
+          </a:p>
+          <a:p>
+            <a:r>
+              <a:rPr lang="de-DE" dirty="0" smtClean="0"/>
+              <a:t>Gestaltung </a:t>
             </a:r>
             <a:r>
               <a:rPr lang="de-DE" dirty="0"/>
-              <a:t>Ablauf des </a:t>
-            </a:r>
-            <a:r>
-              <a:rPr lang="de-DE" dirty="0" err="1"/>
-              <a:t>Git</a:t>
+              <a:t>eines einheitlichen Layouts </a:t>
+            </a:r>
+            <a:r>
+              <a:rPr lang="de-DE" dirty="0" smtClean="0"/>
+              <a:t>schwierig </a:t>
             </a:r>
             <a:r>
               <a:rPr lang="de-DE" dirty="0"/>
-              <a:t>-Servers </a:t>
+              <a:t>(viele Geräte</a:t>
             </a:r>
             <a:r>
               <a:rPr lang="de-DE" dirty="0" smtClean="0"/>
-              <a:t>+ Zusatzfunktionen</a:t>
-            </a:r>
-          </a:p>
-          <a:p>
-            <a:r>
-              <a:rPr lang="de-DE" dirty="0" smtClean="0"/>
-              <a:t>+ grafische </a:t>
-            </a:r>
-            <a:r>
-              <a:rPr lang="de-DE" dirty="0"/>
-              <a:t>Darstellung des Projektverlaufes </a:t>
-            </a:r>
-            <a:r>
-              <a:rPr lang="de-DE" dirty="0" smtClean="0"/>
-              <a:t>übersichtlich</a:t>
-            </a:r>
-          </a:p>
-          <a:p>
-            <a:r>
-              <a:rPr lang="de-DE" dirty="0" smtClean="0"/>
-              <a:t>+ Intuitive Nutzung</a:t>
-            </a:r>
-            <a:endParaRPr lang="de-DE" dirty="0"/>
-          </a:p>
-          <a:p>
-            <a:r>
-              <a:rPr lang="de-DE" dirty="0" smtClean="0"/>
-              <a:t>- keine </a:t>
-            </a:r>
-            <a:r>
-              <a:rPr lang="de-DE" dirty="0" err="1" smtClean="0"/>
-              <a:t>Merge</a:t>
-            </a:r>
-            <a:r>
-              <a:rPr lang="de-DE" dirty="0" smtClean="0"/>
-              <a:t>-Funktion</a:t>
-            </a:r>
-          </a:p>
-          <a:p>
-            <a:r>
-              <a:rPr lang="de-DE" dirty="0" smtClean="0"/>
-              <a:t>- mögliche </a:t>
-            </a:r>
-            <a:r>
-              <a:rPr lang="de-DE" dirty="0" err="1" smtClean="0"/>
-              <a:t>Pulls</a:t>
-            </a:r>
-            <a:r>
-              <a:rPr lang="de-DE" dirty="0" smtClean="0"/>
-              <a:t> nicht immer angezeigt</a:t>
-            </a:r>
-            <a:endParaRPr lang="de-DE" dirty="0"/>
-          </a:p>
-          <a:p>
-            <a:r>
-              <a:rPr lang="de-DE" dirty="0"/>
-              <a:t>Nicht vollumfänglich genutzt (Bsp. </a:t>
-            </a:r>
-            <a:r>
-              <a:rPr lang="de-DE" dirty="0" err="1"/>
-              <a:t>GitFlow</a:t>
-            </a:r>
-            <a:r>
-              <a:rPr lang="de-DE" dirty="0"/>
               <a:t>)</a:t>
             </a:r>
-          </a:p>
-          <a:p>
-            <a:endParaRPr lang="de-DE" dirty="0"/>
-          </a:p>
-          <a:p>
-            <a:endParaRPr lang="de-DE" dirty="0" smtClean="0"/>
           </a:p>
         </p:txBody>
       </p:sp>
@@ -18374,7 +18113,7 @@
     </p:spTree>
     <p:extLst>
       <p:ext uri="{BB962C8B-B14F-4D97-AF65-F5344CB8AC3E}">
-        <p14:creationId xmlns:p14="http://schemas.microsoft.com/office/powerpoint/2010/main" val="3641255888"/>
+        <p14:creationId xmlns:p14="http://schemas.microsoft.com/office/powerpoint/2010/main" val="2650556501"/>
       </p:ext>
     </p:extLst>
   </p:cSld>
@@ -18425,8 +18164,13 @@
           <a:p>
             <a:r>
               <a:rPr lang="de-DE" dirty="0"/>
-              <a:t>Reflexion: Werkzeuge</a:t>
-            </a:r>
+              <a:t>Reflexion: </a:t>
+            </a:r>
+            <a:r>
+              <a:rPr lang="de-DE" dirty="0" smtClean="0"/>
+              <a:t>Verbesserungen</a:t>
+            </a:r>
+            <a:endParaRPr lang="de-DE" dirty="0"/>
           </a:p>
         </p:txBody>
       </p:sp>
@@ -18447,80 +18191,79 @@
           </a:bodyPr>
           <a:lstStyle/>
           <a:p>
-            <a:pPr marL="0" indent="0">
-              <a:buNone/>
-            </a:pPr>
             <a:r>
               <a:rPr lang="de-DE" dirty="0" smtClean="0"/>
-              <a:t>Android Studio:</a:t>
-            </a:r>
-          </a:p>
-          <a:p>
+              <a:t>Frühzeitige Einarbeitung</a:t>
+            </a:r>
+            <a:endParaRPr lang="de-DE" dirty="0"/>
+          </a:p>
+          <a:p>
+            <a:r>
+              <a:rPr lang="de-DE" dirty="0" smtClean="0"/>
+              <a:t>In </a:t>
+            </a:r>
             <a:r>
               <a:rPr lang="de-DE" dirty="0"/>
-              <a:t>+ viele </a:t>
+              <a:t>der Entwicklungsphase: Ziele anhand fachlicher Anforderungen </a:t>
             </a:r>
             <a:r>
               <a:rPr lang="de-DE" dirty="0" smtClean="0"/>
-              <a:t>hilfreiche </a:t>
+              <a:t>definieren</a:t>
+            </a:r>
+          </a:p>
+          <a:p>
+            <a:pPr lvl="1"/>
+            <a:r>
+              <a:rPr lang="de-DE" dirty="0" smtClean="0"/>
+              <a:t>Sich </a:t>
             </a:r>
             <a:r>
               <a:rPr lang="de-DE" dirty="0"/>
-              <a:t>Funktionen für Entwicklung von Android Applikationen</a:t>
-            </a:r>
-          </a:p>
-          <a:p>
+              <a:t>ergebende Aufgaben sinnvoll unter den Projektbeteiligten </a:t>
+            </a:r>
+            <a:r>
+              <a:rPr lang="de-DE" dirty="0" smtClean="0"/>
+              <a:t>aufteilen </a:t>
+            </a:r>
+            <a:endParaRPr lang="de-DE" sz="1800" dirty="0"/>
+          </a:p>
+          <a:p>
+            <a:pPr lvl="1"/>
+            <a:r>
+              <a:rPr lang="de-DE" dirty="0" smtClean="0"/>
+              <a:t>Weniger </a:t>
+            </a:r>
             <a:r>
               <a:rPr lang="de-DE" dirty="0"/>
-              <a:t>+ Emulators -&gt; kein eigenes Android-Gerät für Debugging nötig</a:t>
-            </a:r>
-          </a:p>
-          <a:p>
+              <a:t>technische </a:t>
+            </a:r>
+            <a:r>
+              <a:rPr lang="de-DE" dirty="0" smtClean="0"/>
+              <a:t>Abhängigkeiten</a:t>
+            </a:r>
+          </a:p>
+          <a:p>
+            <a:pPr lvl="1"/>
+            <a:r>
+              <a:rPr lang="de-DE" dirty="0" smtClean="0"/>
+              <a:t>Konstanter </a:t>
+            </a:r>
             <a:r>
               <a:rPr lang="de-DE" dirty="0"/>
-              <a:t>+ Integration von </a:t>
-            </a:r>
-            <a:r>
-              <a:rPr lang="de-DE" dirty="0" err="1"/>
-              <a:t>Gradle</a:t>
+              <a:t>Fokus auf </a:t>
+            </a:r>
+            <a:r>
+              <a:rPr lang="de-DE" dirty="0" smtClean="0"/>
+              <a:t>fachliche </a:t>
             </a:r>
             <a:r>
               <a:rPr lang="de-DE" dirty="0"/>
-              <a:t> einfach: </a:t>
-            </a:r>
-            <a:r>
-              <a:rPr lang="de-DE" dirty="0" err="1"/>
-              <a:t>Build</a:t>
-            </a:r>
-            <a:r>
-              <a:rPr lang="de-DE" dirty="0"/>
-              <a:t>-File von Anfang an vordefiniert &amp; dem Projekt </a:t>
-            </a:r>
-            <a:r>
-              <a:rPr lang="de-DE" dirty="0" smtClean="0"/>
-              <a:t>beigefügt</a:t>
-            </a:r>
-          </a:p>
-          <a:p>
-            <a:r>
-              <a:rPr lang="de-DE" dirty="0" smtClean="0"/>
-              <a:t>+ </a:t>
-            </a:r>
-            <a:r>
-              <a:rPr lang="de-DE" dirty="0"/>
-              <a:t>Oberfläche des Android Studios -&gt; gut für schnellen Zugriff auf die wichtigsten Elemente</a:t>
-            </a:r>
-          </a:p>
-          <a:p>
-            <a:r>
-              <a:rPr lang="de-DE" dirty="0"/>
-              <a:t>+ Codeeditor </a:t>
-            </a:r>
-            <a:r>
-              <a:rPr lang="de-DE" dirty="0" smtClean="0"/>
-              <a:t>hilfreich</a:t>
-            </a:r>
-            <a:endParaRPr lang="de-DE" dirty="0"/>
+              <a:t>Anforderungen</a:t>
+            </a:r>
+            <a:endParaRPr lang="de-DE" dirty="0" smtClean="0"/>
+          </a:p>
+          <a:p>
+            <a:endParaRPr lang="de-DE" dirty="0" smtClean="0"/>
           </a:p>
         </p:txBody>
       </p:sp>
@@ -18611,7 +18354,7 @@
     </p:spTree>
     <p:extLst>
       <p:ext uri="{BB962C8B-B14F-4D97-AF65-F5344CB8AC3E}">
-        <p14:creationId xmlns:p14="http://schemas.microsoft.com/office/powerpoint/2010/main" val="2949815318"/>
+        <p14:creationId xmlns:p14="http://schemas.microsoft.com/office/powerpoint/2010/main" val="1648445864"/>
       </p:ext>
     </p:extLst>
   </p:cSld>
@@ -18655,151 +18398,46 @@
             <p:ph type="title"/>
           </p:nvPr>
         </p:nvSpPr>
-        <p:spPr/>
+        <p:spPr>
+          <a:xfrm>
+            <a:off x="1154953" y="2370667"/>
+            <a:ext cx="9469503" cy="1822514"/>
+          </a:xfrm>
+        </p:spPr>
         <p:txBody>
           <a:bodyPr/>
           <a:lstStyle/>
           <a:p>
-            <a:r>
-              <a:rPr lang="de-DE" dirty="0"/>
-              <a:t>Reflexion: Werkzeuge</a:t>
-            </a:r>
-          </a:p>
-        </p:txBody>
-      </p:sp>
-      <p:sp>
-        <p:nvSpPr>
-          <p:cNvPr id="3" name="Inhaltsplatzhalter 2"/>
+            <a:pPr algn="ctr"/>
+            <a:r>
+              <a:rPr lang="de-DE" sz="5400" dirty="0" smtClean="0"/>
+              <a:t>Noch Fragen?</a:t>
+            </a:r>
+            <a:endParaRPr lang="de-DE" sz="5400" dirty="0"/>
+          </a:p>
+        </p:txBody>
+      </p:sp>
+      <p:sp>
+        <p:nvSpPr>
+          <p:cNvPr id="5" name="Foliennummernplatzhalter 4"/>
           <p:cNvSpPr>
             <a:spLocks noGrp="1"/>
           </p:cNvSpPr>
           <p:nvPr>
-            <p:ph idx="1"/>
+            <p:ph type="sldNum" sz="quarter" idx="12"/>
           </p:nvPr>
         </p:nvSpPr>
         <p:spPr/>
         <p:txBody>
-          <a:bodyPr>
-            <a:normAutofit fontScale="92500" lnSpcReduction="20000"/>
-          </a:bodyPr>
+          <a:bodyPr/>
           <a:lstStyle/>
           <a:p>
-            <a:pPr marL="0" indent="0">
-              <a:buNone/>
-            </a:pPr>
-            <a:r>
-              <a:rPr lang="de-DE" dirty="0" smtClean="0"/>
-              <a:t>Android Studio:</a:t>
-            </a:r>
-          </a:p>
-          <a:p>
-            <a:r>
-              <a:rPr lang="de-DE" dirty="0" smtClean="0"/>
-              <a:t>- </a:t>
-            </a:r>
-            <a:r>
-              <a:rPr lang="de-DE" dirty="0"/>
-              <a:t>Android Studio-Update: ohne Hinweis auch </a:t>
-            </a:r>
-            <a:r>
-              <a:rPr lang="de-DE" dirty="0" err="1"/>
-              <a:t>Gradle</a:t>
-            </a:r>
-            <a:r>
-              <a:rPr lang="de-DE" dirty="0"/>
-              <a:t>-Update</a:t>
-            </a:r>
-          </a:p>
-          <a:p>
-            <a:pPr marL="0" indent="0">
-              <a:buNone/>
-            </a:pPr>
-            <a:r>
-              <a:rPr lang="de-DE" dirty="0" smtClean="0"/>
-              <a:t>	-&gt; </a:t>
-            </a:r>
-            <a:r>
-              <a:rPr lang="de-DE" dirty="0" err="1"/>
-              <a:t>Compilefehler</a:t>
-            </a:r>
-            <a:r>
-              <a:rPr lang="de-DE" dirty="0"/>
-              <a:t> innerhalb der </a:t>
-            </a:r>
-            <a:r>
-              <a:rPr lang="de-DE" dirty="0" err="1"/>
-              <a:t>Builddatei</a:t>
-            </a:r>
-            <a:endParaRPr lang="de-DE" dirty="0"/>
-          </a:p>
-          <a:p>
-            <a:r>
-              <a:rPr lang="de-DE" dirty="0"/>
-              <a:t> - Version auch nicht </a:t>
-            </a:r>
-            <a:r>
-              <a:rPr lang="de-DE" dirty="0" smtClean="0"/>
-              <a:t>abwärtskompatibel</a:t>
-            </a:r>
-            <a:endParaRPr lang="de-DE" dirty="0"/>
-          </a:p>
-          <a:p>
-            <a:r>
-              <a:rPr lang="de-DE" dirty="0"/>
-              <a:t>- Erstellung der Benutzeroberfläche relativ kompliziert (korrekte relative Ausrichtung auf verschiedenen Geräten)</a:t>
-            </a:r>
-          </a:p>
-          <a:p>
-            <a:r>
-              <a:rPr lang="de-DE" dirty="0" smtClean="0"/>
-              <a:t>- </a:t>
-            </a:r>
-            <a:r>
-              <a:rPr lang="de-DE" dirty="0"/>
-              <a:t>Emulator sehr langsam, </a:t>
-            </a:r>
-            <a:r>
-              <a:rPr lang="de-DE" dirty="0" smtClean="0"/>
-              <a:t>Konfiguration </a:t>
-            </a:r>
-            <a:r>
-              <a:rPr lang="de-DE" dirty="0"/>
-              <a:t>nicht ganz trivial</a:t>
-            </a:r>
-          </a:p>
-          <a:p>
-            <a:r>
-              <a:rPr lang="de-DE" dirty="0"/>
-              <a:t>- Bug im </a:t>
-            </a:r>
-            <a:r>
-              <a:rPr lang="de-DE" dirty="0" smtClean="0"/>
-              <a:t>Zusammenhang </a:t>
-            </a:r>
-            <a:r>
-              <a:rPr lang="de-DE" dirty="0"/>
-              <a:t>mit </a:t>
-            </a:r>
-            <a:r>
-              <a:rPr lang="de-DE" dirty="0" smtClean="0"/>
-              <a:t>Konfiguration </a:t>
-            </a:r>
-            <a:r>
-              <a:rPr lang="de-DE" dirty="0"/>
-              <a:t>einer SD-Karte</a:t>
-            </a:r>
-          </a:p>
-          <a:p>
-            <a:r>
-              <a:rPr lang="de-DE" dirty="0"/>
-              <a:t>- über den Emulator keinen Zugriff auf die SD-Karte</a:t>
-            </a:r>
-          </a:p>
-          <a:p>
-            <a:r>
-              <a:rPr lang="de-DE" dirty="0"/>
-              <a:t>- Debugging &amp; Testen auf tatsächlicher Hardware deutlich performanter &amp; leichter</a:t>
-            </a:r>
+            <a:fld id="{D57F1E4F-1CFF-5643-939E-217C01CDF565}" type="slidenum">
+              <a:rPr lang="en-US" smtClean="0"/>
+              <a:pPr/>
+              <a:t>18</a:t>
+            </a:fld>
+            <a:endParaRPr lang="en-US" dirty="0"/>
           </a:p>
         </p:txBody>
       </p:sp>
@@ -18835,30 +18473,6 @@
       </p:pic>
       <p:sp>
         <p:nvSpPr>
-          <p:cNvPr id="5" name="Foliennummernplatzhalter 4"/>
-          <p:cNvSpPr>
-            <a:spLocks noGrp="1"/>
-          </p:cNvSpPr>
-          <p:nvPr>
-            <p:ph type="sldNum" sz="quarter" idx="12"/>
-          </p:nvPr>
-        </p:nvSpPr>
-        <p:spPr/>
-        <p:txBody>
-          <a:bodyPr/>
-          <a:lstStyle/>
-          <a:p>
-            <a:fld id="{D57F1E4F-1CFF-5643-939E-217C01CDF565}" type="slidenum">
-              <a:rPr lang="en-US" smtClean="0"/>
-              <a:pPr/>
-              <a:t>18</a:t>
-            </a:fld>
-            <a:endParaRPr lang="en-US" dirty="0"/>
-          </a:p>
-        </p:txBody>
-      </p:sp>
-      <p:sp>
-        <p:nvSpPr>
           <p:cNvPr id="6" name="Textfeld 5"/>
           <p:cNvSpPr txBox="1"/>
           <p:nvPr/>
@@ -18890,7 +18504,7 @@
     </p:spTree>
     <p:extLst>
       <p:ext uri="{BB962C8B-B14F-4D97-AF65-F5344CB8AC3E}">
-        <p14:creationId xmlns:p14="http://schemas.microsoft.com/office/powerpoint/2010/main" val="1771326033"/>
+        <p14:creationId xmlns:p14="http://schemas.microsoft.com/office/powerpoint/2010/main" val="1786163146"/>
       </p:ext>
     </p:extLst>
   </p:cSld>
@@ -18934,26 +18548,33 @@
             <p:ph type="title"/>
           </p:nvPr>
         </p:nvSpPr>
-        <p:spPr/>
+        <p:spPr>
+          <a:xfrm>
+            <a:off x="1154953" y="2370667"/>
+            <a:ext cx="9469503" cy="1822514"/>
+          </a:xfrm>
+        </p:spPr>
         <p:txBody>
           <a:bodyPr/>
           <a:lstStyle/>
           <a:p>
-            <a:r>
-              <a:rPr lang="de-DE" dirty="0"/>
-              <a:t>Reflexion: Werkzeuge</a:t>
-            </a:r>
-          </a:p>
-        </p:txBody>
-      </p:sp>
-      <p:sp>
-        <p:nvSpPr>
-          <p:cNvPr id="3" name="Inhaltsplatzhalter 2"/>
+            <a:pPr algn="ctr"/>
+            <a:r>
+              <a:rPr lang="de-DE" dirty="0" smtClean="0"/>
+              <a:t>Vielen Dank für eure Aufmerksamkeit!</a:t>
+            </a:r>
+            <a:endParaRPr lang="de-DE" dirty="0"/>
+          </a:p>
+        </p:txBody>
+      </p:sp>
+      <p:sp>
+        <p:nvSpPr>
+          <p:cNvPr id="5" name="Foliennummernplatzhalter 4"/>
           <p:cNvSpPr>
             <a:spLocks noGrp="1"/>
           </p:cNvSpPr>
           <p:nvPr>
-            <p:ph idx="1"/>
+            <p:ph type="sldNum" sz="quarter" idx="12"/>
           </p:nvPr>
         </p:nvSpPr>
         <p:spPr/>
@@ -18961,48 +18582,12 @@
           <a:bodyPr/>
           <a:lstStyle/>
           <a:p>
-            <a:pPr marL="0" indent="0">
-              <a:buNone/>
-            </a:pPr>
-            <a:r>
-              <a:rPr lang="de-DE" dirty="0" err="1" smtClean="0"/>
-              <a:t>Gradle</a:t>
-            </a:r>
-            <a:r>
-              <a:rPr lang="de-DE" dirty="0" smtClean="0"/>
-              <a:t>:</a:t>
-            </a:r>
-          </a:p>
-          <a:p>
-            <a:r>
-              <a:rPr lang="de-DE" dirty="0" smtClean="0"/>
-              <a:t>+ funktionierte </a:t>
-            </a:r>
-            <a:r>
-              <a:rPr lang="de-DE" dirty="0"/>
-              <a:t>von Anfang </a:t>
-            </a:r>
-            <a:r>
-              <a:rPr lang="de-DE" dirty="0" smtClean="0"/>
-              <a:t>an</a:t>
-            </a:r>
-          </a:p>
-          <a:p>
-            <a:r>
-              <a:rPr lang="de-DE" dirty="0" smtClean="0"/>
-              <a:t>+ Mit Android Studio sehr pflegeleicht</a:t>
-            </a:r>
-            <a:endParaRPr lang="de-DE" dirty="0"/>
-          </a:p>
-          <a:p>
-            <a:r>
-              <a:rPr lang="de-DE" dirty="0" smtClean="0"/>
-              <a:t>- Nur Update sehr ärgerlich &amp; zeitraubend</a:t>
-            </a:r>
-            <a:endParaRPr lang="de-DE" dirty="0"/>
-          </a:p>
-          <a:p>
-            <a:endParaRPr lang="de-DE" dirty="0" smtClean="0"/>
+            <a:fld id="{D57F1E4F-1CFF-5643-939E-217C01CDF565}" type="slidenum">
+              <a:rPr lang="en-US" smtClean="0"/>
+              <a:pPr/>
+              <a:t>19</a:t>
+            </a:fld>
+            <a:endParaRPr lang="en-US" dirty="0"/>
           </a:p>
         </p:txBody>
       </p:sp>
@@ -19038,30 +18623,6 @@
       </p:pic>
       <p:sp>
         <p:nvSpPr>
-          <p:cNvPr id="5" name="Foliennummernplatzhalter 4"/>
-          <p:cNvSpPr>
-            <a:spLocks noGrp="1"/>
-          </p:cNvSpPr>
-          <p:nvPr>
-            <p:ph type="sldNum" sz="quarter" idx="12"/>
-          </p:nvPr>
-        </p:nvSpPr>
-        <p:spPr/>
-        <p:txBody>
-          <a:bodyPr/>
-          <a:lstStyle/>
-          <a:p>
-            <a:fld id="{D57F1E4F-1CFF-5643-939E-217C01CDF565}" type="slidenum">
-              <a:rPr lang="en-US" smtClean="0"/>
-              <a:pPr/>
-              <a:t>19</a:t>
-            </a:fld>
-            <a:endParaRPr lang="en-US" dirty="0"/>
-          </a:p>
-        </p:txBody>
-      </p:sp>
-      <p:sp>
-        <p:nvSpPr>
           <p:cNvPr id="6" name="Textfeld 5"/>
           <p:cNvSpPr txBox="1"/>
           <p:nvPr/>
@@ -19093,7 +18654,7 @@
     </p:spTree>
     <p:extLst>
       <p:ext uri="{BB962C8B-B14F-4D97-AF65-F5344CB8AC3E}">
-        <p14:creationId xmlns:p14="http://schemas.microsoft.com/office/powerpoint/2010/main" val="1786185408"/>
+        <p14:creationId xmlns:p14="http://schemas.microsoft.com/office/powerpoint/2010/main" val="1278744805"/>
       </p:ext>
     </p:extLst>
   </p:cSld>
@@ -19144,58 +18705,8 @@
           <a:p>
             <a:r>
               <a:rPr lang="de-DE" dirty="0" smtClean="0"/>
-              <a:t>Inhalt</a:t>
-            </a:r>
-            <a:endParaRPr lang="de-DE" dirty="0"/>
-          </a:p>
-        </p:txBody>
-      </p:sp>
-      <p:sp>
-        <p:nvSpPr>
-          <p:cNvPr id="3" name="Inhaltsplatzhalter 2"/>
-          <p:cNvSpPr>
-            <a:spLocks noGrp="1"/>
-          </p:cNvSpPr>
-          <p:nvPr>
-            <p:ph idx="1"/>
-          </p:nvPr>
-        </p:nvSpPr>
-        <p:spPr/>
-        <p:txBody>
-          <a:bodyPr/>
-          <a:lstStyle/>
-          <a:p>
-            <a:r>
-              <a:rPr lang="de-DE" smtClean="0"/>
-              <a:t>Motivation (Lukas)</a:t>
-            </a:r>
-            <a:endParaRPr lang="de-DE" dirty="0" smtClean="0"/>
-          </a:p>
-          <a:p>
-            <a:r>
-              <a:rPr lang="de-DE" dirty="0" smtClean="0"/>
-              <a:t>Konzept (Michael)</a:t>
-            </a:r>
-          </a:p>
-          <a:p>
-            <a:r>
-              <a:rPr lang="de-DE" dirty="0" smtClean="0"/>
-              <a:t>Werkzeugeinsatz (Sebastian)</a:t>
-            </a:r>
-          </a:p>
-          <a:p>
-            <a:r>
-              <a:rPr lang="de-DE" dirty="0" smtClean="0"/>
-              <a:t>Demo (Lukas)</a:t>
-            </a:r>
-          </a:p>
-          <a:p>
-            <a:r>
-              <a:rPr lang="de-DE" dirty="0" smtClean="0"/>
-              <a:t>Reflexion (Nadine)</a:t>
-            </a:r>
-          </a:p>
-          <a:p>
+              <a:t>Motivation</a:t>
+            </a:r>
             <a:endParaRPr lang="de-DE" dirty="0"/>
           </a:p>
         </p:txBody>
@@ -19284,10 +18795,416 @@
           </a:p>
         </p:txBody>
       </p:sp>
+      <p:pic>
+        <p:nvPicPr>
+          <p:cNvPr id="1026" name="Picture 2" descr="http://g-ecx.images-amazon.com/images/G/03/careers/home/karriere1._V375547151_.jpg"/>
+          <p:cNvPicPr>
+            <a:picLocks noChangeAspect="1" noChangeArrowheads="1"/>
+          </p:cNvPicPr>
+          <p:nvPr/>
+        </p:nvPicPr>
+        <p:blipFill>
+          <a:blip r:embed="rId4">
+            <a:extLst>
+              <a:ext uri="{28A0092B-C50C-407E-A947-70E740481C1C}">
+                <a14:useLocalDpi xmlns:a14="http://schemas.microsoft.com/office/drawing/2010/main" val="0"/>
+              </a:ext>
+            </a:extLst>
+          </a:blip>
+          <a:srcRect/>
+          <a:stretch>
+            <a:fillRect/>
+          </a:stretch>
+        </p:blipFill>
+        <p:spPr bwMode="auto">
+          <a:xfrm>
+            <a:off x="892666" y="4114861"/>
+            <a:ext cx="1354009" cy="1471748"/>
+          </a:xfrm>
+          <a:prstGeom prst="rect">
+            <a:avLst/>
+          </a:prstGeom>
+          <a:noFill/>
+          <a:extLst>
+            <a:ext uri="{909E8E84-426E-40DD-AFC4-6F175D3DCCD1}">
+              <a14:hiddenFill xmlns:a14="http://schemas.microsoft.com/office/drawing/2010/main">
+                <a:solidFill>
+                  <a:srgbClr val="FFFFFF"/>
+                </a:solidFill>
+              </a14:hiddenFill>
+            </a:ext>
+          </a:extLst>
+        </p:spPr>
+      </p:pic>
+      <p:pic>
+        <p:nvPicPr>
+          <p:cNvPr id="1028" name="Picture 4" descr="http://techhive.de/blog/wp-content/uploads/2014/12/Facebook_logo-4.png"/>
+          <p:cNvPicPr>
+            <a:picLocks noChangeAspect="1" noChangeArrowheads="1"/>
+          </p:cNvPicPr>
+          <p:nvPr/>
+        </p:nvPicPr>
+        <p:blipFill>
+          <a:blip r:embed="rId5">
+            <a:extLst>
+              <a:ext uri="{28A0092B-C50C-407E-A947-70E740481C1C}">
+                <a14:useLocalDpi xmlns:a14="http://schemas.microsoft.com/office/drawing/2010/main" val="0"/>
+              </a:ext>
+            </a:extLst>
+          </a:blip>
+          <a:srcRect/>
+          <a:stretch>
+            <a:fillRect/>
+          </a:stretch>
+        </p:blipFill>
+        <p:spPr bwMode="auto">
+          <a:xfrm>
+            <a:off x="5182556" y="2940611"/>
+            <a:ext cx="4719554" cy="1774832"/>
+          </a:xfrm>
+          <a:prstGeom prst="rect">
+            <a:avLst/>
+          </a:prstGeom>
+          <a:noFill/>
+          <a:extLst>
+            <a:ext uri="{909E8E84-426E-40DD-AFC4-6F175D3DCCD1}">
+              <a14:hiddenFill xmlns:a14="http://schemas.microsoft.com/office/drawing/2010/main">
+                <a:solidFill>
+                  <a:srgbClr val="FFFFFF"/>
+                </a:solidFill>
+              </a14:hiddenFill>
+            </a:ext>
+          </a:extLst>
+        </p:spPr>
+      </p:pic>
+      <p:pic>
+        <p:nvPicPr>
+          <p:cNvPr id="1030" name="Picture 6" descr="http://i.forbesimg.com/media/lists/companies/google_416x416.jpg"/>
+          <p:cNvPicPr>
+            <a:picLocks noChangeAspect="1" noChangeArrowheads="1"/>
+          </p:cNvPicPr>
+          <p:nvPr/>
+        </p:nvPicPr>
+        <p:blipFill>
+          <a:blip r:embed="rId6">
+            <a:extLst>
+              <a:ext uri="{28A0092B-C50C-407E-A947-70E740481C1C}">
+                <a14:useLocalDpi xmlns:a14="http://schemas.microsoft.com/office/drawing/2010/main" val="0"/>
+              </a:ext>
+            </a:extLst>
+          </a:blip>
+          <a:srcRect/>
+          <a:stretch>
+            <a:fillRect/>
+          </a:stretch>
+        </p:blipFill>
+        <p:spPr bwMode="auto">
+          <a:xfrm>
+            <a:off x="6003076" y="4436655"/>
+            <a:ext cx="1751866" cy="1751866"/>
+          </a:xfrm>
+          <a:prstGeom prst="rect">
+            <a:avLst/>
+          </a:prstGeom>
+          <a:noFill/>
+          <a:extLst>
+            <a:ext uri="{909E8E84-426E-40DD-AFC4-6F175D3DCCD1}">
+              <a14:hiddenFill xmlns:a14="http://schemas.microsoft.com/office/drawing/2010/main">
+                <a:solidFill>
+                  <a:srgbClr val="FFFFFF"/>
+                </a:solidFill>
+              </a14:hiddenFill>
+            </a:ext>
+          </a:extLst>
+        </p:spPr>
+      </p:pic>
+      <p:pic>
+        <p:nvPicPr>
+          <p:cNvPr id="1032" name="Picture 8" descr="http://upload.wikimedia.org/wikipedia/commons/thumb/f/fa/Apple_logo_black.svg/2000px-Apple_logo_black.svg.png"/>
+          <p:cNvPicPr>
+            <a:picLocks noChangeAspect="1" noChangeArrowheads="1"/>
+          </p:cNvPicPr>
+          <p:nvPr/>
+        </p:nvPicPr>
+        <p:blipFill>
+          <a:blip r:embed="rId7">
+            <a:extLst>
+              <a:ext uri="{28A0092B-C50C-407E-A947-70E740481C1C}">
+                <a14:useLocalDpi xmlns:a14="http://schemas.microsoft.com/office/drawing/2010/main" val="0"/>
+              </a:ext>
+            </a:extLst>
+          </a:blip>
+          <a:srcRect/>
+          <a:stretch>
+            <a:fillRect/>
+          </a:stretch>
+        </p:blipFill>
+        <p:spPr bwMode="auto">
+          <a:xfrm>
+            <a:off x="3248745" y="3726703"/>
+            <a:ext cx="1512804" cy="1859906"/>
+          </a:xfrm>
+          <a:prstGeom prst="rect">
+            <a:avLst/>
+          </a:prstGeom>
+          <a:noFill/>
+          <a:extLst>
+            <a:ext uri="{909E8E84-426E-40DD-AFC4-6F175D3DCCD1}">
+              <a14:hiddenFill xmlns:a14="http://schemas.microsoft.com/office/drawing/2010/main">
+                <a:solidFill>
+                  <a:srgbClr val="FFFFFF"/>
+                </a:solidFill>
+              </a14:hiddenFill>
+            </a:ext>
+          </a:extLst>
+        </p:spPr>
+      </p:pic>
+      <p:pic>
+        <p:nvPicPr>
+          <p:cNvPr id="1034" name="Picture 10" descr="http://upload.wikimedia.org/wikipedia/de/thumb/5/5f/Web.de_logo.svg/200px-Web.de_logo.svg.png"/>
+          <p:cNvPicPr>
+            <a:picLocks noChangeAspect="1" noChangeArrowheads="1"/>
+          </p:cNvPicPr>
+          <p:nvPr/>
+        </p:nvPicPr>
+        <p:blipFill>
+          <a:blip r:embed="rId8">
+            <a:extLst>
+              <a:ext uri="{28A0092B-C50C-407E-A947-70E740481C1C}">
+                <a14:useLocalDpi xmlns:a14="http://schemas.microsoft.com/office/drawing/2010/main" val="0"/>
+              </a:ext>
+            </a:extLst>
+          </a:blip>
+          <a:srcRect/>
+          <a:stretch>
+            <a:fillRect/>
+          </a:stretch>
+        </p:blipFill>
+        <p:spPr bwMode="auto">
+          <a:xfrm>
+            <a:off x="9719409" y="2291292"/>
+            <a:ext cx="1905000" cy="1809751"/>
+          </a:xfrm>
+          <a:prstGeom prst="rect">
+            <a:avLst/>
+          </a:prstGeom>
+          <a:noFill/>
+          <a:extLst>
+            <a:ext uri="{909E8E84-426E-40DD-AFC4-6F175D3DCCD1}">
+              <a14:hiddenFill xmlns:a14="http://schemas.microsoft.com/office/drawing/2010/main">
+                <a:solidFill>
+                  <a:srgbClr val="FFFFFF"/>
+                </a:solidFill>
+              </a14:hiddenFill>
+            </a:ext>
+          </a:extLst>
+        </p:spPr>
+      </p:pic>
+      <p:pic>
+        <p:nvPicPr>
+          <p:cNvPr id="1038" name="Picture 14" descr="https://cf.dropboxstatic.com/static/images/brand/glyph%402x-vflJ1vxbq.png"/>
+          <p:cNvPicPr>
+            <a:picLocks noChangeAspect="1" noChangeArrowheads="1"/>
+          </p:cNvPicPr>
+          <p:nvPr/>
+        </p:nvPicPr>
+        <p:blipFill>
+          <a:blip r:embed="rId9">
+            <a:extLst>
+              <a:ext uri="{28A0092B-C50C-407E-A947-70E740481C1C}">
+                <a14:useLocalDpi xmlns:a14="http://schemas.microsoft.com/office/drawing/2010/main" val="0"/>
+              </a:ext>
+            </a:extLst>
+          </a:blip>
+          <a:srcRect/>
+          <a:stretch>
+            <a:fillRect/>
+          </a:stretch>
+        </p:blipFill>
+        <p:spPr bwMode="auto">
+          <a:xfrm>
+            <a:off x="247518" y="2049903"/>
+            <a:ext cx="2038350" cy="1905000"/>
+          </a:xfrm>
+          <a:prstGeom prst="rect">
+            <a:avLst/>
+          </a:prstGeom>
+          <a:noFill/>
+          <a:extLst>
+            <a:ext uri="{909E8E84-426E-40DD-AFC4-6F175D3DCCD1}">
+              <a14:hiddenFill xmlns:a14="http://schemas.microsoft.com/office/drawing/2010/main">
+                <a:solidFill>
+                  <a:srgbClr val="FFFFFF"/>
+                </a:solidFill>
+              </a14:hiddenFill>
+            </a:ext>
+          </a:extLst>
+        </p:spPr>
+      </p:pic>
+      <p:sp>
+        <p:nvSpPr>
+          <p:cNvPr id="3" name="AutoShape 2" descr="data:image/jpeg;base64,/9j/4AAQSkZJRgABAQAAAQABAAD/2wCEAAkGBxAQEBUPDxAUDxAPFQ8QEBUQFBQYEA8PFBQWFxQVFBQYHSggGBolHBUUITEhJikrLi4vFx8zODMsNygtOisBCgoKDg0OGxAQGywkICQ0LC8tLzAtLCwsNCwuLCwsLC0sLC8sLC8sLCwsLCwsLCwsLC8uLCwsLCwsLCwsLCwsLP/AABEIAOEA4QMBEQACEQEDEQH/xAAbAAEAAgMBAQAAAAAAAAAAAAAABgcCBAUDAf/EAEEQAAICAAIGBQkGBQMFAQAAAAABAgMEEQUGITFRYRJBcYGREyIyQlJiobHBByMzcoKSFEOiwtFEsuEkNFNUkxX/xAAbAQEAAgMBAQAAAAAAAAAAAAAABQYBAwQCB//EADkRAAIBAgIGCQQABQQDAAAAAAABAgMEBRESITFBUdETIjJxgZGhsfBCYcHhBhQjM1IVNENTJJLx/9oADAMBAAIRAxEAPwC8QAAAAAAAAAAAAAAAAAAAAAAAAAAAAAAAAAAAAAAAAAAAAAAAAAAcXSutGFw+cXPyk16te1p83uXjmdlCxrVdaWS4sj7nE7e31N5vgtf6IvjdfL5bKa4VrjLOUvol4MkqeE012236EJWx+q/7cUu/XyOTdrPjZb8RJflUY/JHVGxt19PucMsVu5fX6Jfg8f8A9/F/+zb+5nv+Uof4I1/6jdf9jNmjWvGw/nOS4TjF59+WZrlh9vL6fc3Qxi7j9WfekdnA6/TWy+lSXXKp5P8AbLf4o46mEr/jl5/PwSNH+IHsqw8VyfMlWi9OYfE/hWJy64S2TXc9/asyMrWtWj2147ibtr2hcf25a+G/yN6y6EfSlGP5ml8zQot7EdLko7Wa0tMYVbHiaV22Q/ybVb1Xsg/Jml3dutTnHzRitM4V/wCpp/8ArD/I/lq3+D8mY/nLf/sj/wCy5mzVi65+hZCX5ZJ/I1yhKO1NG6NSEuy0z2PJ7AAAAAAAAAAAAAAAAAAAAAABrY/HV0QdlslGK8W+CXWz3TpyqS0YrNmqtWhRg5zeSK60/rZdiM4Vt007sk/PmvekvkviWC2w+FLXLW/TwKlfYvVr9Wn1Y+r7+S9SOkgQ4AAAAAAAPsW0808mtqa3phrMym080G89r2tgNt62fAYAAANvDaUxFX4d1kMupSfR8NxqnQpT7UU/A6ad3Xp9ibXj+Dt4HXfFQ2WdG5e8ujLxjs+BxVMLoy7Oa9fnmSVHHbiHbSl6P05Em0brnhbclZnRJ+3thn+dfXIjq2G1oa4619tvkTFvjVvV1S6r++zz55EirmpJSi1JPamnmmuTOBpp5Mlk01mjIwZAAAAAAAAAAAAAAANfSGNhRXK2x5Rgs3xb6kubPdOnKpJRjtZqrVoUYOc3kkVTp3TNmLs6c9kVmq4LdCP1fFlntraNCOS272Ue+vp3U9KWzcuH7OadJxAAAAAAAAAAAAAAAAAAAAAG/ovTF+GedNjit7i9sJdsfrvNFa2p1l1147zrtr2tbv8ApvVw3eRPNBa4U35QtyptexZv7ub92XU+T+JCXOHTpdaOtepaLLGKVfqz6svR9z/HuSUjiXAAAAAAAAAAAAABWeuumv4i7yUH91S2lwnZulL6Lv4liw626OGm9r9inYze9NV6OPZj6v5qX7I2SJDAAAAAAAAAAAAAAAAAAAAAAAAAAk+rets6Mqr87Kdye+da5cVy8OBG3eHxqdanqfoycw/GJUcoVdceO9c18XAsXD3wsip1yUoSWcWtzRASi4vRktZbITjOKlF5pnoeT0AAAAAAAAAcbWzSX8PhZSi8pz+7hxUpda7Fm+46rOj0tZRezazhxG5/l7eU1t2LvfLaVQWkoYAAAAAAAAAAAAAAAAAAAAAAAAAAAAO3q1rBPCTyecqZPz4cPejwfz+XFeWca8c1qluf4ZJ4diM7WWT1xe1flfNZaGFxELYKyuSlCazi11orc4OEnGW1F0hOM4qUXmmep5PYAAAAAAAK/wDtHxedtdKeyEXN9snkvgn4k5hNPqyn4FX/AIgrZyhS8fwvYh5LldAAAAAAAAAAB7YXC2Wy6FUJWS4QTb78tyPM6kYLOTyNlKlOq9GCbf2JDgtSMVPbY4UrhJ9KfhHZ8SPqYpRj2c2S9HArieubUfV+nM69GoFS/EvnL8kYx+eZyyxaf0xXvyO+H8P0125t92S5m1DUXCLfK2XbKP0ianitZ7l88TdHArZbXJ+K5GM9RMK907Y/qhl8YmVitbel68zEsBtnscl4rkaOJ1A66sR2KyH9yf0N8MW/yj5M5qn8Pr6J+a/P6OFj9VcZTtdXlIrrqfS/p9L4HbSv6FTfl36v0RdfCbqlr0c19tfpt9DitZbHsa38jsI5rLUz4DAAAAAABI9T9YHhrPJWP7ix7c/5cn6y5cfEjr+06WOnHtL1+biZwnEegn0c31H6Pj3cfMsxMrpcT6AAAAAAAVTrlb0sbb7rjFdiiv8AksuHRyt4/fP3KTjM3K7kuGS9DincRYAAAAAAAABK9WtUJXJXYjOup5OMVsnYuPux+L5bGRd3iKp9Snrfoidw/B3VSqVtUdy3vkvUn2DwddMehVBVxXVFb+bfW+bIOpUlUecnmy00qMKUdGCyR7ng2AAAAAAAA5ultBYfEr72C6XVOOyxd/X2PNHRQuqtHsvVw3HHc2NC4XXWvjv+d5XusOrVuE8/8SnPZNLbHPcprq7dxPWt7Cvq2S4ciqX+F1LXrbY8eZwztIwAAAAAAsLUPTXlIfw1j8+pZ1t+tXw7V8siAxK20JdJHY9vf+y3YLe9LT6Ge2Ozu/RLiLJwAAAAAAqPWn/vLvz/AERZ7D/bx+byj4t/vJ+HsjlHYRwAAAAAAAJPqRoNYix3WrOqlrJPdOzek+KWxtc1zI3ELp0o6Edr9iawewVefSTXVj6v9FlFeLeAAAADxliq1sdkU+ckelCT2Jnh1ILa0ZwsjL0ZKXY0zDTW09KSexmZgyAAAY2QUk4ySlGSaaazTT3poym080YlFSWT2FW626E/hLvM/BtzlXn6rW+DfLNZcmWWxuunhr2rbzKVilj/AC1TOPZezkcI7SLAMgAAGxo/GSothdD0q2pLmutdjWa7zXVpqrBwe83W9aVCrGpHavnqXFgsTG2uNsHnGaUl3lSnBwk4vaj6BTqRqQU47HrPc8nsAAAAFV67U9DGz99Rn8MvoWPDZZ0EuDfP8lNxuGjdN8Un+PwcI7yIAAAAAAABb+rmCVGFqryyfRUp/nl50vi8u4qt1V6StKRfrGj0NvGH21971s6RznWADiaz6fjg4LJKdtmfk4vcst8pcuXX45dlnaOvLgltI7Eb+NpDVrk9i/L+ayt9I6YxGIbdtspJ+qnlBdkVsLBSt6VJdVcyo172vXfXk+7d5GibjlPsJNPOLaa3NbGu8NJrJmVJp5o7uidbcVQ0pTd8OuNjzeXKe9fFcjhrWFGpsWT+3IlLbF7ii8pPSXB8yxND6WqxVflKnu2Si/ShLg19SBr0J0ZaMi12t1TuYacHzRvmk6QARvX+lSwbk99c65R7W+i/hJkhhkmq+XFPmRONQUrVt7mn+PyVkWIpgAAAAABPvs50j0oTw0ntrfTh+WXpLue39RBYrRymqi37e9fr2LXgNxpU3Sf0613P9+5MyKJ4AAAAEF+0jB7a71zrl819fEl8KqZSlDjrK9j9HOEaq3an47Pn3IOTZWAAAAAADKqPSko+00vFmJPJZnqEdKSXEvApx9GAAAKv19sk8bJPdGNcY/l6PS+bkWPDUlQWX3KbjUm7pp7ksvneR07yJAAAABvaG0rZhbVbW+UovdOPWn/nqNFehGtDRkdVpdTtqmnHxXFFraJ0rViq1ZVLP2ov04PhJdRWq1CdGWjJF2trqncQ04Pmu83WzSdBANe9YIWpYamSnGL6Vko+i2t0U+vi+4nMOtJQfSTWXArGM38Ki6Gm8+L/AAQ0livAAAAAAHX1UxvkcXXLPZJ+Tl2T2fPJ9xyX1PpKEvtr8iRwqt0V1Hg9Xn+8i2ysF3AAAABztP6PWIw86utrOPKS2o20arpTU1uNNxQVelKm9/xFP2RcW4vY4tp8mt5a4yUkmt5QJwcJOL2rUYmTwAAAAD7GWTzW9bUHrMp5PNF4VzUoqS3SSa7GU9rJ5H0ZPNZoyMGQARvW7Vr+LSsqajdBdHzvRshvyb6mtuT5+HfZXnQ9WWxkTieG/wA0lOGqS9UVzjsBdRLo3VyrfvLY+x7n3E9TqwqLODzKpWt6tF5VItGsbDQAAAADOm+cH0oSlCXGLafijEoqSyazPcJyg84tp/Y9sRpG+xdGy6yxcJ2SkvBs8RpU4vOMUvA2TuK01lKbfe2axsNAAAAAAAAPsZNPNbGtq5MPXqZlNp5ourR2I8rTCxevCEvFZlQnHRk48D6JTmpwU1vSfmbB5PYAABhdLKLfBN/AApC2xyk5PfJuT7W8y3xWikuB87nLTk5PfrMT0eAAAAAAC1NSNJK/CRi359GVUlyXoPwy70yt39Ho6ze56+ZdMJuFWt0t8dT/AB6EgOIkwAADGyuMl0ZJST3prNPuZlNp5ow0msmcfF6qYKza6FB8a245dy2fA6oX1eH1Z9+s4auF2tTbDLu1exxMX9n1b/BvlHlZFS+KyyOuGKy+qPlq5kdUwCm+xNrv18jjYvUfGQ9BQuXuSyfhLL5nXDEqMtua+fY4KuCXMezk/HnkcTGaLxFP4tM4Jdbi+j+7cdcK9OfZkmR9W0rUu3Frw1eZqZm05wAAAAAAAAAAAC2NS7ungqn7KlD9smvoVi9jo15L5r1l5w2enawf2y8nkdw5TuAAANXSssqLHwhP5M9QWcl3nio8oN/ZlJlvPngMAAAA+gHwA6WgdMTwlythti9lkeqcOHJ8H/yaLihGtDRfgddndztqmnHZvXFFsaL0nVia1ZTLpLrXrQfCS6mVutRnSloyRdLe4p14adN6vm03DUbwAAAAAAAADj6T1ZwmIz6dShJ+vX5s8+Ly2PvTOqleVqex6uD1nDcYdb1u1HJ8VqfzvILrBqjdhk7IPy1KzbaXnwXvR4c18CYtr+FXqvUyu3uE1KCc49aPqu/n7EbzO4iRmAABmAMwAAAC0Ps9lng0uE5/PMruI/334Fywd/8AiR8fckxwkoAAAaml1nh7V7k/kz3T7a70eKizg+5lKFtPngAAAAAAAABsYDHW0T8pTN1y4rc1waexrkzxUpwqLRms0bqNepRlpU3kyaaK+0BbI4qrb7dW7vg3s7n3ETWwvfTfg+ZP2+OrZWj4rkSjA6fwl34d8G36sn0Z/tlkyPqW1Wn2osl6V7b1exNez8mdI0HUAAAAAAAAAV5rzq0qv+qojlW397FboSe6UVwb2ZdTy7puwvHP+nPbuKxi2HKH9amtW9fkhhKkAAAAAAAACz/s8X/R9s5/MruI/wB9+BcsH/2kfH3JOcJKAAAHliYdKEo8YyXwGwZZlHSi02nvTafai3p5rNHzuUXGTT3HwGAAMwAAAAAAAADINzBaVxFP4V04JdSk+j+3caZ0ac+1FM6KV1WpdiTXt5HdwWvmLhssULl15royffHZ8DknhtKXZzRI0sbrx7aT9H88DvYL7QMPLZbXOp8VlOK79j+Bxzwuouy0/QkaWOUZdtNeq+eB38BpzC35Kq+EpPdFvKb/AEyyZxVLarT7UWSVK8oVexJP38jomk6QAADzxFMbISrms4zTjJcU1kz1GTi01uPM4KcXGWxlKaRwrptnTLfXKUM+KT2PvWT7y1U6inBSW8oNek6VSUHuZrns1AAZgAAGQWvqLV0cDX73Tl4yeRWr6WdeXzcXbDIaNrBePm2yQHId4AAAYBS+n8P5PFWw4Tk+6XnL5lntJ6VGL+3tqKPiFPo7ma++fnr/ACc86DiAAAGYAAN7Reib8S8qK3PL0nsUI9sns7t5pq16dJdd5HTb2lau8qcc/bzOtdqRjoxzUYT5Rmul8cl8TnjiNBvLN+R2ywa5SzWT8SP30yrk4Ti4TjslGSyafNHbGSks09RGThKEtGSyZ5mTwAAAAAATXUjWaxWRwt8nOFnm1yk85Qn1Rze9Pdy2EVfWcdF1ILJraT+FYjPTVGo809j/AAWGQpZgAACqdfqujjpv241z/pUf7Sw4fLOgvtmU/GYaN03xSf4/BHTuIoAAAAAAtbUTSEbsJGK2So+7kuz0X3r45lcvqTp1n99ZdMLrqrbx4x1Pw/RIjjJEAAAAFZ/aPg+hiY2pbLY/1R/4a8CbwypnBw4fkrGO0cqkanFZeX/0iRJkEAAAAD0w9TnOMI75yjBdsnkvmYlJRTb3HunBzkorfqLs0bgYYeqNNayjBZc2+tvm95ValSVSTlLeXyjRjRgoR2I2TwbTga26uxxlfSiksRWvu5e0vYly4cH359lpdOjLJ9l7eZHYhYRuYZrtLY/w/moqeyDi3GScZRbjJPY01saa4liTTWaKbKLi8ntMQYAAAABvaChKWKpUd/lau7KabfclmarhpUpN8GdNnFyuIJcV7l1lWL2AAAVX9oVieOkl6kK4vty6X9yLBhyyoeLKjjUk7nLglzI0dxEgAAAAAEo+z3H+Txfk2/Nvi4/rjti/9y7yPxKnpUtLgTGC1tCvobpL1WvmWiQJbAAAAARvXzR3lsK5JZypflF2Lf8ADM67Kr0dZZ7HqI/E7fprdpbVrXh+iqixlLAAAAB64O/ydkLN/k5wn29GSf0PM46UXHibKM9CpGXBpl5VzUkpReakk01uae5lUayeTL+mms0ZGDIAIprdqmsTnfRlG9Lzk9kbkuL6pc/HlIWd70XUn2fYiMRwxXHXp6pe/wCytsXhrKpuu2Eq5repLJ9vNcychOM1nF5oq1SlOnLRmsmeR6NYAMqoSk1GKcpS2JRTcm+CS3mG0lmz1GLk8orNljak6rSw7/icQsrWmq4f+JPe5P2mtmXUs+OyFvrxVOpDZv8AuWfC8NdF9LU7W5cP2TEjCbAB8by2sApXTmO8vibblunNuP5Fsj/SkWmhT6OnGPAol3W6atKfF+m40TacwAAAAABsaNxHk7q7N3QnCXcpLM11o6VOUeKZvtp9HWhLg0XgmVUvp9AAAAMbIKScXuaaYBTWsejHhsROvLzc+lDnB7vDcWS0r9LTTe1amUvEbXoK7S2PWvn2OYdJwAAAAAsf7PtPqytYSx5WVr7rP1616q5x4cOxkLiFs4y6SOx7e/8AZaMIvVOHQyetbPuv17EzIwmwAADwxeErtj0ba42R4Timl2ZnqE5QecXkeJ04VFlNJr7nGu1MwEnn5Hot+zOaXhnkdSv66+r0RxSwq1k89H1ZhDUnALfVKXbZP6NGXiFfj6I8rCbX/H1Z2MBouij8GqFeexuMV0muct7OapWnU7TbOylb0qXYikbZrNwAABEtftPKmp4at/e3LKWX8up72+b3ePIkLC3056b2L3IjFrxUqfRx7UvRfsrInSpjMyAYAAGZkAwD4zIL2wjzri+MY/IqJ9DR6gAAAAAjOvOhP4inykF97Vm1xlHrR12dx0NTXse3mR+I2n8xSyXaWtcvEqpliKa1kfAAAADOqyUZKUW4yi04tPJprc0+ow0msmZjJxea2lh6t68wmlVjGoT3K3+XP83svnu7CGucPa61PWuG8stli8ZpQranx3ePD27iaQmpJOLTT2pramuTI1rLUybTTWaMjBkAAAAAAAAAimsuudWHTrw7V121ZrbXW/ea3vku/I77axlU609S9SJvcVp0erT1y9F38is8TiJ2TlZZJznN5yb3tk5GKitFLUVWpUlUk5SebZ5Ho8gAAAAAAAyhFtpLe2ku1mG8lmZjFykkt5e2HjlCK4JL4FTPoJ6AAAAAANAFZa9auumbxFS+7m85pepJ9fYyYsLrNdFLw5FcxewyfT01q38+ZECVIAAAAAAA6GjNNYnDP7i2UF1x3wf6Xs795pq0KdXtI6aF5WodiXhu8iU4H7RbFkr6Iy4yrk4v9rzz8UcE8Mj9EvMlqWOy/wCSPly/Z2cPr7gpel5Sv80M/wDa2c0sOrLZkzuhjNtLbmvDlmbkNcdHv/UZdsLF84mt2NdfT6o3LFLV/X6PkZT1uwC34hd0bH8omFZV39PsZeJWq+v35GtdrzgY7rJ2flrl/cke1h9d7svE1Sxe1WyWfgzk437RY7qMO3ztkll+mOefidEMLf1y8jjq47H/AI4efxkX0trPi8SnGyzowe+Ffmwa4PrkuTbO+laUqWtLXxZFXGI16+qTyXBajjHScIAAAAAAAAAAOlq5hfK4qqHvxk+yPnP5HNdz0KMn4eeo7cOpdJcwX3z8tZdSK2XUAAAAAAAHliaI2RcJrpRksmmE8jDSayZVGtWrk8JPpRTlTJ+a/Z5MnrO8VVaMu17lUxLDnQenDsv0/XB+HfHzvIkAAAAAAAAAAAAAAAAAAAAAAAAAAAAE5+zTRuc54mS2RXk4dr2yfy+JEYnV2U13v8FiwO3yUqz7l+SwyJLAAAAAAAAAAeOKw0LYOFkVKMlk0zKbTzRhpNZMrLWjVKzDt2Upzpe3Z6UP8ombW/UurU28StX+EuH9Sis1vW9d3FEWJMgwAAAAAAAAAAAAAAAAAAAAAAAAAe+Bwk7rI1QWcptJcubNdWpGnByluN1vQlWqKnHf8zLo0No+OGphTH1Vt5y62VmpNzk5Pay8UqUaUFCOxG6eDYAAAAAAAAAAD5KKayazT4gEO1i1JhbnZh/u573H1ZP6Hbb306Wp60Rl5hdOv1o9WXo+9fn3K/x+jraJdG2Di/g+xk1Rr06qzi+ZWbi0q27ymvHd5mqbjmAAAAAAAAAAAAAAAAAAAAAMoRbaSWbexJb2zDaSzZmMXJqMVm2WfqTq3/Dx8tavvpr9keBX7y6daWS7K+Zlww6xVtDOXae3kSs4yRAAAAAAAAAAAAAAANfGYKu6PRsgpp8UZTaeaMNKSyewiGltQISzlh59B+y9sTvpYjUhqlr9yJuMHoVNcOq/Ty5ETx+rGLp9KpyXGG1EhTv6Mtry7yIrYRcw2LSX25HInW4vKScXzWTOuMoyWcXmR06c4PKSa79RiejwAAAAAAAAAAAAAAAe+Dwdl0lCqLnJ8Ort4GurVhSjpTZuoW9SvLRprP5vLJ1V1Rjh8rbsp29XCHYQV1dyrPJalw5lrscOhbLN65ceRLDjJEAAAAAAAAAAAAAAAAAAAHxoA1cRo2mz064y7kE8thhpPUzmX6oYKX8pR7Nhvjc1o7JPzOeVnby2wXkac9RMI/aX6mbFfV/8vRcjQ8LtH9Hq+Z8WoWE979zH89X/AMvRch/pVp/h6vmbNOpmCj/L6Xazw7qs/qZtjYW0dkF5Z+5jpLU3C2xyjHyUlucRTu6tN5p+esxXsKFaOUo5d2pkP0lqRia83XlbHlsfgSVPE4PtrL1IWtgdRa6Us+/U+XscG/R18HlOqa/S/odkbmjLZJexHVLC5htg/f2Nd1vg/A2qUXvOd0prbF+RlGmT3Rb7EzDqQW1rzPUaFWWyLfgzewmgsTa/Mplt62sl8TRO9oR+rPu1nVSwu5qfTl36v36Em0VqBN5SxE+ivZjv8Tgq4m3qprL7slbfBIrXVln9ls89vsTbRmiacPHo1QUefW+8jZzlN5yebJunThTjowWSN48nsAAAAAAAAAAAAAAAAAAAAAAAAAAAAAAAAAwnXF70n2oA8nganvrj4IA+wwda3Qiu5AHsopblkAfQAAAAAAAAAAAAAAAAAAAAAAAAAAAAAAAAAAAAAAAAAAAAAAAAAAAAAf/Z"/>
+          <p:cNvSpPr>
+            <a:spLocks noChangeAspect="1" noChangeArrowheads="1"/>
+          </p:cNvSpPr>
+          <p:nvPr/>
+        </p:nvSpPr>
+        <p:spPr bwMode="auto">
+          <a:xfrm>
+            <a:off x="155575" y="-144463"/>
+            <a:ext cx="304800" cy="304801"/>
+          </a:xfrm>
+          <a:prstGeom prst="rect">
+            <a:avLst/>
+          </a:prstGeom>
+          <a:noFill/>
+          <a:extLst>
+            <a:ext uri="{909E8E84-426E-40DD-AFC4-6F175D3DCCD1}">
+              <a14:hiddenFill xmlns:a14="http://schemas.microsoft.com/office/drawing/2010/main">
+                <a:solidFill>
+                  <a:srgbClr val="FFFFFF"/>
+                </a:solidFill>
+              </a14:hiddenFill>
+            </a:ext>
+          </a:extLst>
+        </p:spPr>
+        <p:txBody>
+          <a:bodyPr vert="horz" wrap="square" lIns="91440" tIns="45720" rIns="91440" bIns="45720" numCol="1" anchor="t" anchorCtr="0" compatLnSpc="1">
+            <a:prstTxWarp prst="textNoShape">
+              <a:avLst/>
+            </a:prstTxWarp>
+          </a:bodyPr>
+          <a:lstStyle/>
+          <a:p>
+            <a:endParaRPr lang="de-DE"/>
+          </a:p>
+        </p:txBody>
+      </p:sp>
+      <p:sp>
+        <p:nvSpPr>
+          <p:cNvPr id="7" name="AutoShape 4" descr="data:image/jpeg;base64,/9j/4AAQSkZJRgABAQAAAQABAAD/2wCEAAkGBxAQEBUPDxAUDxAPFQ8QEBUQFBQYEA8PFBQWFxQVFBQYHSggGBolHBUUITEhJikrLi4vFx8zODMsNygtOisBCgoKDg0OGxAQGywkICQ0LC8tLzAtLCwsNCwuLCwsLC0sLC8sLC8sLCwsLCwsLCwsLC8uLCwsLCwsLCwsLCwsLP/AABEIAOEA4QMBEQACEQEDEQH/xAAbAAEAAgMBAQAAAAAAAAAAAAAABgcCBAUDAf/EAEEQAAICAAIGBQkGBQMFAQAAAAABAgMEEQUGITFRYRJBcYGREyIyQlJiobHBByMzcoKSFEOiwtFEsuEkNFNUkxX/xAAbAQEAAgMBAQAAAAAAAAAAAAAABQYBAwQCB//EADkRAAIBAgIGCQQABQQDAAAAAAABAgMEBRESITFBUdETIjJxgZGhsfBCYcHhBhQjM1IVNENTJJLx/9oADAMBAAIRAxEAPwC8QAAAAAAAAAAAAAAAAAAAAAAAAAAAAAAAAAAAAAAAAAAAAAAAAAAcXSutGFw+cXPyk16te1p83uXjmdlCxrVdaWS4sj7nE7e31N5vgtf6IvjdfL5bKa4VrjLOUvol4MkqeE012236EJWx+q/7cUu/XyOTdrPjZb8RJflUY/JHVGxt19PucMsVu5fX6Jfg8f8A9/F/+zb+5nv+Uof4I1/6jdf9jNmjWvGw/nOS4TjF59+WZrlh9vL6fc3Qxi7j9WfekdnA6/TWy+lSXXKp5P8AbLf4o46mEr/jl5/PwSNH+IHsqw8VyfMlWi9OYfE/hWJy64S2TXc9/asyMrWtWj2147ibtr2hcf25a+G/yN6y6EfSlGP5ml8zQot7EdLko7Wa0tMYVbHiaV22Q/ybVb1Xsg/Jml3dutTnHzRitM4V/wCpp/8ArD/I/lq3+D8mY/nLf/sj/wCy5mzVi65+hZCX5ZJ/I1yhKO1NG6NSEuy0z2PJ7AAAAAAAAAAAAAAAAAAAAAABrY/HV0QdlslGK8W+CXWz3TpyqS0YrNmqtWhRg5zeSK60/rZdiM4Vt007sk/PmvekvkviWC2w+FLXLW/TwKlfYvVr9Wn1Y+r7+S9SOkgQ4AAAAAAAPsW0808mtqa3phrMym080G89r2tgNt62fAYAAANvDaUxFX4d1kMupSfR8NxqnQpT7UU/A6ad3Xp9ibXj+Dt4HXfFQ2WdG5e8ujLxjs+BxVMLoy7Oa9fnmSVHHbiHbSl6P05Em0brnhbclZnRJ+3thn+dfXIjq2G1oa4619tvkTFvjVvV1S6r++zz55EirmpJSi1JPamnmmuTOBpp5Mlk01mjIwZAAAAAAAAAAAAAAANfSGNhRXK2x5Rgs3xb6kubPdOnKpJRjtZqrVoUYOc3kkVTp3TNmLs6c9kVmq4LdCP1fFlntraNCOS272Ue+vp3U9KWzcuH7OadJxAAAAAAAAAAAAAAAAAAAAAG/ovTF+GedNjit7i9sJdsfrvNFa2p1l1147zrtr2tbv8ApvVw3eRPNBa4U35QtyptexZv7ub92XU+T+JCXOHTpdaOtepaLLGKVfqz6svR9z/HuSUjiXAAAAAAAAAAAAABWeuumv4i7yUH91S2lwnZulL6Lv4liw626OGm9r9inYze9NV6OPZj6v5qX7I2SJDAAAAAAAAAAAAAAAAAAAAAAAAAAk+rets6Mqr87Kdye+da5cVy8OBG3eHxqdanqfoycw/GJUcoVdceO9c18XAsXD3wsip1yUoSWcWtzRASi4vRktZbITjOKlF5pnoeT0AAAAAAAAAcbWzSX8PhZSi8pz+7hxUpda7Fm+46rOj0tZRezazhxG5/l7eU1t2LvfLaVQWkoYAAAAAAAAAAAAAAAAAAAAAAAAAAAAO3q1rBPCTyecqZPz4cPejwfz+XFeWca8c1qluf4ZJ4diM7WWT1xe1flfNZaGFxELYKyuSlCazi11orc4OEnGW1F0hOM4qUXmmep5PYAAAAAAAK/wDtHxedtdKeyEXN9snkvgn4k5hNPqyn4FX/AIgrZyhS8fwvYh5LldAAAAAAAAAAB7YXC2Wy6FUJWS4QTb78tyPM6kYLOTyNlKlOq9GCbf2JDgtSMVPbY4UrhJ9KfhHZ8SPqYpRj2c2S9HArieubUfV+nM69GoFS/EvnL8kYx+eZyyxaf0xXvyO+H8P0125t92S5m1DUXCLfK2XbKP0ianitZ7l88TdHArZbXJ+K5GM9RMK907Y/qhl8YmVitbel68zEsBtnscl4rkaOJ1A66sR2KyH9yf0N8MW/yj5M5qn8Pr6J+a/P6OFj9VcZTtdXlIrrqfS/p9L4HbSv6FTfl36v0RdfCbqlr0c19tfpt9DitZbHsa38jsI5rLUz4DAAAAAABI9T9YHhrPJWP7ix7c/5cn6y5cfEjr+06WOnHtL1+biZwnEegn0c31H6Pj3cfMsxMrpcT6AAAAAAAVTrlb0sbb7rjFdiiv8AksuHRyt4/fP3KTjM3K7kuGS9DincRYAAAAAAAABK9WtUJXJXYjOup5OMVsnYuPux+L5bGRd3iKp9Snrfoidw/B3VSqVtUdy3vkvUn2DwddMehVBVxXVFb+bfW+bIOpUlUecnmy00qMKUdGCyR7ng2AAAAAAAA5ultBYfEr72C6XVOOyxd/X2PNHRQuqtHsvVw3HHc2NC4XXWvjv+d5XusOrVuE8/8SnPZNLbHPcprq7dxPWt7Cvq2S4ciqX+F1LXrbY8eZwztIwAAAAAAsLUPTXlIfw1j8+pZ1t+tXw7V8siAxK20JdJHY9vf+y3YLe9LT6Ge2Ozu/RLiLJwAAAAAAqPWn/vLvz/AERZ7D/bx+byj4t/vJ+HsjlHYRwAAAAAAAJPqRoNYix3WrOqlrJPdOzek+KWxtc1zI3ELp0o6Edr9iawewVefSTXVj6v9FlFeLeAAAADxliq1sdkU+ckelCT2Jnh1ILa0ZwsjL0ZKXY0zDTW09KSexmZgyAAAY2QUk4ySlGSaaazTT3poym080YlFSWT2FW626E/hLvM/BtzlXn6rW+DfLNZcmWWxuunhr2rbzKVilj/AC1TOPZezkcI7SLAMgAAGxo/GSothdD0q2pLmutdjWa7zXVpqrBwe83W9aVCrGpHavnqXFgsTG2uNsHnGaUl3lSnBwk4vaj6BTqRqQU47HrPc8nsAAAAFV67U9DGz99Rn8MvoWPDZZ0EuDfP8lNxuGjdN8Un+PwcI7yIAAAAAAABb+rmCVGFqryyfRUp/nl50vi8u4qt1V6StKRfrGj0NvGH21971s6RznWADiaz6fjg4LJKdtmfk4vcst8pcuXX45dlnaOvLgltI7Eb+NpDVrk9i/L+ayt9I6YxGIbdtspJ+qnlBdkVsLBSt6VJdVcyo172vXfXk+7d5GibjlPsJNPOLaa3NbGu8NJrJmVJp5o7uidbcVQ0pTd8OuNjzeXKe9fFcjhrWFGpsWT+3IlLbF7ii8pPSXB8yxND6WqxVflKnu2Si/ShLg19SBr0J0ZaMi12t1TuYacHzRvmk6QARvX+lSwbk99c65R7W+i/hJkhhkmq+XFPmRONQUrVt7mn+PyVkWIpgAAAAABPvs50j0oTw0ntrfTh+WXpLue39RBYrRymqi37e9fr2LXgNxpU3Sf0613P9+5MyKJ4AAAAEF+0jB7a71zrl819fEl8KqZSlDjrK9j9HOEaq3an47Pn3IOTZWAAAAAADKqPSko+00vFmJPJZnqEdKSXEvApx9GAAAKv19sk8bJPdGNcY/l6PS+bkWPDUlQWX3KbjUm7pp7ksvneR07yJAAAABvaG0rZhbVbW+UovdOPWn/nqNFehGtDRkdVpdTtqmnHxXFFraJ0rViq1ZVLP2ov04PhJdRWq1CdGWjJF2trqncQ04Pmu83WzSdBANe9YIWpYamSnGL6Vko+i2t0U+vi+4nMOtJQfSTWXArGM38Ki6Gm8+L/AAQ0livAAAAAAHX1UxvkcXXLPZJ+Tl2T2fPJ9xyX1PpKEvtr8iRwqt0V1Hg9Xn+8i2ysF3AAAABztP6PWIw86utrOPKS2o20arpTU1uNNxQVelKm9/xFP2RcW4vY4tp8mt5a4yUkmt5QJwcJOL2rUYmTwAAAAD7GWTzW9bUHrMp5PNF4VzUoqS3SSa7GU9rJ5H0ZPNZoyMGQARvW7Vr+LSsqajdBdHzvRshvyb6mtuT5+HfZXnQ9WWxkTieG/wA0lOGqS9UVzjsBdRLo3VyrfvLY+x7n3E9TqwqLODzKpWt6tF5VItGsbDQAAAADOm+cH0oSlCXGLafijEoqSyazPcJyg84tp/Y9sRpG+xdGy6yxcJ2SkvBs8RpU4vOMUvA2TuK01lKbfe2axsNAAAAAAAAPsZNPNbGtq5MPXqZlNp5ourR2I8rTCxevCEvFZlQnHRk48D6JTmpwU1vSfmbB5PYAABhdLKLfBN/AApC2xyk5PfJuT7W8y3xWikuB87nLTk5PfrMT0eAAAAAAC1NSNJK/CRi359GVUlyXoPwy70yt39Ho6ze56+ZdMJuFWt0t8dT/AB6EgOIkwAADGyuMl0ZJST3prNPuZlNp5ow0msmcfF6qYKza6FB8a245dy2fA6oX1eH1Z9+s4auF2tTbDLu1exxMX9n1b/BvlHlZFS+KyyOuGKy+qPlq5kdUwCm+xNrv18jjYvUfGQ9BQuXuSyfhLL5nXDEqMtua+fY4KuCXMezk/HnkcTGaLxFP4tM4Jdbi+j+7cdcK9OfZkmR9W0rUu3Frw1eZqZm05wAAAAAAAAAAAC2NS7ungqn7KlD9smvoVi9jo15L5r1l5w2enawf2y8nkdw5TuAAANXSssqLHwhP5M9QWcl3nio8oN/ZlJlvPngMAAAA+gHwA6WgdMTwlythti9lkeqcOHJ8H/yaLihGtDRfgddndztqmnHZvXFFsaL0nVia1ZTLpLrXrQfCS6mVutRnSloyRdLe4p14adN6vm03DUbwAAAAAAAADj6T1ZwmIz6dShJ+vX5s8+Ly2PvTOqleVqex6uD1nDcYdb1u1HJ8VqfzvILrBqjdhk7IPy1KzbaXnwXvR4c18CYtr+FXqvUyu3uE1KCc49aPqu/n7EbzO4iRmAABmAMwAAAC0Ps9lng0uE5/PMruI/334Fywd/8AiR8fckxwkoAAAaml1nh7V7k/kz3T7a70eKizg+5lKFtPngAAAAAAAABsYDHW0T8pTN1y4rc1waexrkzxUpwqLRms0bqNepRlpU3kyaaK+0BbI4qrb7dW7vg3s7n3ETWwvfTfg+ZP2+OrZWj4rkSjA6fwl34d8G36sn0Z/tlkyPqW1Wn2osl6V7b1exNez8mdI0HUAAAAAAAAAV5rzq0qv+qojlW397FboSe6UVwb2ZdTy7puwvHP+nPbuKxi2HKH9amtW9fkhhKkAAAAAAAACz/s8X/R9s5/MruI/wB9+BcsH/2kfH3JOcJKAAAHliYdKEo8YyXwGwZZlHSi02nvTafai3p5rNHzuUXGTT3HwGAAMwAAAAAAAADINzBaVxFP4V04JdSk+j+3caZ0ac+1FM6KV1WpdiTXt5HdwWvmLhssULl15royffHZ8DknhtKXZzRI0sbrx7aT9H88DvYL7QMPLZbXOp8VlOK79j+Bxzwuouy0/QkaWOUZdtNeq+eB38BpzC35Kq+EpPdFvKb/AEyyZxVLarT7UWSVK8oVexJP38jomk6QAADzxFMbISrms4zTjJcU1kz1GTi01uPM4KcXGWxlKaRwrptnTLfXKUM+KT2PvWT7y1U6inBSW8oNek6VSUHuZrns1AAZgAAGQWvqLV0cDX73Tl4yeRWr6WdeXzcXbDIaNrBePm2yQHId4AAAYBS+n8P5PFWw4Tk+6XnL5lntJ6VGL+3tqKPiFPo7ma++fnr/ACc86DiAAAGYAAN7Reib8S8qK3PL0nsUI9sns7t5pq16dJdd5HTb2lau8qcc/bzOtdqRjoxzUYT5Rmul8cl8TnjiNBvLN+R2ywa5SzWT8SP30yrk4Ti4TjslGSyafNHbGSks09RGThKEtGSyZ5mTwAAAAAATXUjWaxWRwt8nOFnm1yk85Qn1Rze9Pdy2EVfWcdF1ILJraT+FYjPTVGo809j/AAWGQpZgAACqdfqujjpv241z/pUf7Sw4fLOgvtmU/GYaN03xSf4/BHTuIoAAAAAAtbUTSEbsJGK2So+7kuz0X3r45lcvqTp1n99ZdMLrqrbx4x1Pw/RIjjJEAAAAFZ/aPg+hiY2pbLY/1R/4a8CbwypnBw4fkrGO0cqkanFZeX/0iRJkEAAAAD0w9TnOMI75yjBdsnkvmYlJRTb3HunBzkorfqLs0bgYYeqNNayjBZc2+tvm95ValSVSTlLeXyjRjRgoR2I2TwbTga26uxxlfSiksRWvu5e0vYly4cH359lpdOjLJ9l7eZHYhYRuYZrtLY/w/moqeyDi3GScZRbjJPY01saa4liTTWaKbKLi8ntMQYAAAABvaChKWKpUd/lau7KabfclmarhpUpN8GdNnFyuIJcV7l1lWL2AAAVX9oVieOkl6kK4vty6X9yLBhyyoeLKjjUk7nLglzI0dxEgAAAAAEo+z3H+Txfk2/Nvi4/rjti/9y7yPxKnpUtLgTGC1tCvobpL1WvmWiQJbAAAAARvXzR3lsK5JZypflF2Lf8ADM67Kr0dZZ7HqI/E7fprdpbVrXh+iqixlLAAAAB64O/ydkLN/k5wn29GSf0PM46UXHibKM9CpGXBpl5VzUkpReakk01uae5lUayeTL+mms0ZGDIAIprdqmsTnfRlG9Lzk9kbkuL6pc/HlIWd70XUn2fYiMRwxXHXp6pe/wCytsXhrKpuu2Eq5repLJ9vNcychOM1nF5oq1SlOnLRmsmeR6NYAMqoSk1GKcpS2JRTcm+CS3mG0lmz1GLk8orNljak6rSw7/icQsrWmq4f+JPe5P2mtmXUs+OyFvrxVOpDZv8AuWfC8NdF9LU7W5cP2TEjCbAB8by2sApXTmO8vibblunNuP5Fsj/SkWmhT6OnGPAol3W6atKfF+m40TacwAAAAABsaNxHk7q7N3QnCXcpLM11o6VOUeKZvtp9HWhLg0XgmVUvp9AAAAMbIKScXuaaYBTWsejHhsROvLzc+lDnB7vDcWS0r9LTTe1amUvEbXoK7S2PWvn2OYdJwAAAAAsf7PtPqytYSx5WVr7rP1616q5x4cOxkLiFs4y6SOx7e/8AZaMIvVOHQyetbPuv17EzIwmwAADwxeErtj0ba42R4Timl2ZnqE5QecXkeJ04VFlNJr7nGu1MwEnn5Hot+zOaXhnkdSv66+r0RxSwq1k89H1ZhDUnALfVKXbZP6NGXiFfj6I8rCbX/H1Z2MBouij8GqFeexuMV0muct7OapWnU7TbOylb0qXYikbZrNwAABEtftPKmp4at/e3LKWX8up72+b3ePIkLC3056b2L3IjFrxUqfRx7UvRfsrInSpjMyAYAAGZkAwD4zIL2wjzri+MY/IqJ9DR6gAAAAAjOvOhP4inykF97Vm1xlHrR12dx0NTXse3mR+I2n8xSyXaWtcvEqpliKa1kfAAAADOqyUZKUW4yi04tPJprc0+ow0msmZjJxea2lh6t68wmlVjGoT3K3+XP83svnu7CGucPa61PWuG8stli8ZpQranx3ePD27iaQmpJOLTT2pramuTI1rLUybTTWaMjBkAAAAAAAAAimsuudWHTrw7V121ZrbXW/ea3vku/I77axlU609S9SJvcVp0erT1y9F38is8TiJ2TlZZJznN5yb3tk5GKitFLUVWpUlUk5SebZ5Ho8gAAAAAAAyhFtpLe2ku1mG8lmZjFykkt5e2HjlCK4JL4FTPoJ6AAAAAANAFZa9auumbxFS+7m85pepJ9fYyYsLrNdFLw5FcxewyfT01q38+ZECVIAAAAAAA6GjNNYnDP7i2UF1x3wf6Xs795pq0KdXtI6aF5WodiXhu8iU4H7RbFkr6Iy4yrk4v9rzz8UcE8Mj9EvMlqWOy/wCSPly/Z2cPr7gpel5Sv80M/wDa2c0sOrLZkzuhjNtLbmvDlmbkNcdHv/UZdsLF84mt2NdfT6o3LFLV/X6PkZT1uwC34hd0bH8omFZV39PsZeJWq+v35GtdrzgY7rJ2flrl/cke1h9d7svE1Sxe1WyWfgzk437RY7qMO3ztkll+mOefidEMLf1y8jjq47H/AI4efxkX0trPi8SnGyzowe+Ffmwa4PrkuTbO+laUqWtLXxZFXGI16+qTyXBajjHScIAAAAAAAAAAOlq5hfK4qqHvxk+yPnP5HNdz0KMn4eeo7cOpdJcwX3z8tZdSK2XUAAAAAAAHliaI2RcJrpRksmmE8jDSayZVGtWrk8JPpRTlTJ+a/Z5MnrO8VVaMu17lUxLDnQenDsv0/XB+HfHzvIkAAAAAAAAAAAAAAAAAAAAAAAAAAAAE5+zTRuc54mS2RXk4dr2yfy+JEYnV2U13v8FiwO3yUqz7l+SwyJLAAAAAAAAAAeOKw0LYOFkVKMlk0zKbTzRhpNZMrLWjVKzDt2Upzpe3Z6UP8ombW/UurU28StX+EuH9Sis1vW9d3FEWJMgwAAAAAAAAAAAAAAAAAAAAAAAAAe+Bwk7rI1QWcptJcubNdWpGnByluN1vQlWqKnHf8zLo0No+OGphTH1Vt5y62VmpNzk5Pay8UqUaUFCOxG6eDYAAAAAAAAAAD5KKayazT4gEO1i1JhbnZh/u573H1ZP6Hbb306Wp60Rl5hdOv1o9WXo+9fn3K/x+jraJdG2Di/g+xk1Rr06qzi+ZWbi0q27ymvHd5mqbjmAAAAAAAAAAAAAAAAAAAAAMoRbaSWbexJb2zDaSzZmMXJqMVm2WfqTq3/Dx8tavvpr9keBX7y6daWS7K+Zlww6xVtDOXae3kSs4yRAAAAAAAAAAAAAAANfGYKu6PRsgpp8UZTaeaMNKSyewiGltQISzlh59B+y9sTvpYjUhqlr9yJuMHoVNcOq/Ty5ETx+rGLp9KpyXGG1EhTv6Mtry7yIrYRcw2LSX25HInW4vKScXzWTOuMoyWcXmR06c4PKSa79RiejwAAAAAAAAAAAAAAAe+Dwdl0lCqLnJ8Ort4GurVhSjpTZuoW9SvLRprP5vLJ1V1Rjh8rbsp29XCHYQV1dyrPJalw5lrscOhbLN65ceRLDjJEAAAAAAAAAAAAAAAAAAAHxoA1cRo2mz064y7kE8thhpPUzmX6oYKX8pR7Nhvjc1o7JPzOeVnby2wXkac9RMI/aX6mbFfV/8vRcjQ8LtH9Hq+Z8WoWE979zH89X/AMvRch/pVp/h6vmbNOpmCj/L6Xazw7qs/qZtjYW0dkF5Z+5jpLU3C2xyjHyUlucRTu6tN5p+esxXsKFaOUo5d2pkP0lqRia83XlbHlsfgSVPE4PtrL1IWtgdRa6Us+/U+XscG/R18HlOqa/S/odkbmjLZJexHVLC5htg/f2Nd1vg/A2qUXvOd0prbF+RlGmT3Rb7EzDqQW1rzPUaFWWyLfgzewmgsTa/Mplt62sl8TRO9oR+rPu1nVSwu5qfTl36v36Em0VqBN5SxE+ivZjv8Tgq4m3qprL7slbfBIrXVln9ls89vsTbRmiacPHo1QUefW+8jZzlN5yebJunThTjowWSN48nsAAAAAAAAAAAAAAAAAAAAAAAAAAAAAAAAAwnXF70n2oA8nganvrj4IA+wwda3Qiu5AHsopblkAfQAAAAAAAAAAAAAAAAAAAAAAAAAAAAAAAAAAAAAAAAAAAAAAAAAAAAAf/Z"/>
+          <p:cNvSpPr>
+            <a:spLocks noChangeAspect="1" noChangeArrowheads="1"/>
+          </p:cNvSpPr>
+          <p:nvPr/>
+        </p:nvSpPr>
+        <p:spPr bwMode="auto">
+          <a:xfrm>
+            <a:off x="307975" y="7937"/>
+            <a:ext cx="304800" cy="304801"/>
+          </a:xfrm>
+          <a:prstGeom prst="rect">
+            <a:avLst/>
+          </a:prstGeom>
+          <a:noFill/>
+          <a:extLst>
+            <a:ext uri="{909E8E84-426E-40DD-AFC4-6F175D3DCCD1}">
+              <a14:hiddenFill xmlns:a14="http://schemas.microsoft.com/office/drawing/2010/main">
+                <a:solidFill>
+                  <a:srgbClr val="FFFFFF"/>
+                </a:solidFill>
+              </a14:hiddenFill>
+            </a:ext>
+          </a:extLst>
+        </p:spPr>
+        <p:txBody>
+          <a:bodyPr vert="horz" wrap="square" lIns="91440" tIns="45720" rIns="91440" bIns="45720" numCol="1" anchor="t" anchorCtr="0" compatLnSpc="1">
+            <a:prstTxWarp prst="textNoShape">
+              <a:avLst/>
+            </a:prstTxWarp>
+          </a:bodyPr>
+          <a:lstStyle/>
+          <a:p>
+            <a:endParaRPr lang="de-DE"/>
+          </a:p>
+        </p:txBody>
+      </p:sp>
+      <p:pic>
+        <p:nvPicPr>
+          <p:cNvPr id="8" name="Picture 6" descr="http://img.clubic.com/05523479-photo-logo-skype.jpg"/>
+          <p:cNvPicPr>
+            <a:picLocks noChangeAspect="1" noChangeArrowheads="1"/>
+          </p:cNvPicPr>
+          <p:nvPr/>
+        </p:nvPicPr>
+        <p:blipFill>
+          <a:blip r:embed="rId10">
+            <a:extLst>
+              <a:ext uri="{28A0092B-C50C-407E-A947-70E740481C1C}">
+                <a14:useLocalDpi xmlns:a14="http://schemas.microsoft.com/office/drawing/2010/main" val="0"/>
+              </a:ext>
+            </a:extLst>
+          </a:blip>
+          <a:srcRect/>
+          <a:stretch>
+            <a:fillRect/>
+          </a:stretch>
+        </p:blipFill>
+        <p:spPr bwMode="auto">
+          <a:xfrm>
+            <a:off x="8575461" y="4583084"/>
+            <a:ext cx="1326649" cy="1326649"/>
+          </a:xfrm>
+          <a:prstGeom prst="rect">
+            <a:avLst/>
+          </a:prstGeom>
+          <a:noFill/>
+          <a:extLst>
+            <a:ext uri="{909E8E84-426E-40DD-AFC4-6F175D3DCCD1}">
+              <a14:hiddenFill xmlns:a14="http://schemas.microsoft.com/office/drawing/2010/main">
+                <a:solidFill>
+                  <a:srgbClr val="FFFFFF"/>
+                </a:solidFill>
+              </a14:hiddenFill>
+            </a:ext>
+          </a:extLst>
+        </p:spPr>
+      </p:pic>
+      <p:pic>
+        <p:nvPicPr>
+          <p:cNvPr id="9" name="Picture 8" descr="http://upload.wikimedia.org/wikipedia/commons/thumb/1/1b/EBay_logo.svg/318px-EBay_logo.svg.png"/>
+          <p:cNvPicPr>
+            <a:picLocks noChangeAspect="1" noChangeArrowheads="1"/>
+          </p:cNvPicPr>
+          <p:nvPr/>
+        </p:nvPicPr>
+        <p:blipFill>
+          <a:blip r:embed="rId11">
+            <a:extLst>
+              <a:ext uri="{28A0092B-C50C-407E-A947-70E740481C1C}">
+                <a14:useLocalDpi xmlns:a14="http://schemas.microsoft.com/office/drawing/2010/main" val="0"/>
+              </a:ext>
+            </a:extLst>
+          </a:blip>
+          <a:srcRect/>
+          <a:stretch>
+            <a:fillRect/>
+          </a:stretch>
+        </p:blipFill>
+        <p:spPr bwMode="auto">
+          <a:xfrm>
+            <a:off x="2715146" y="2307250"/>
+            <a:ext cx="3028950" cy="1209676"/>
+          </a:xfrm>
+          <a:prstGeom prst="rect">
+            <a:avLst/>
+          </a:prstGeom>
+          <a:noFill/>
+          <a:extLst>
+            <a:ext uri="{909E8E84-426E-40DD-AFC4-6F175D3DCCD1}">
+              <a14:hiddenFill xmlns:a14="http://schemas.microsoft.com/office/drawing/2010/main">
+                <a:solidFill>
+                  <a:srgbClr val="FFFFFF"/>
+                </a:solidFill>
+              </a14:hiddenFill>
+            </a:ext>
+          </a:extLst>
+        </p:spPr>
+      </p:pic>
     </p:spTree>
     <p:extLst>
       <p:ext uri="{BB962C8B-B14F-4D97-AF65-F5344CB8AC3E}">
-        <p14:creationId xmlns:p14="http://schemas.microsoft.com/office/powerpoint/2010/main" val="2132460779"/>
+        <p14:creationId xmlns:p14="http://schemas.microsoft.com/office/powerpoint/2010/main" val="1449714526"/>
       </p:ext>
     </p:extLst>
   </p:cSld>
@@ -19305,6 +19222,195 @@
 </file>
 
 <file path=ppt/slides/slide20.xml><?xml version="1.0" encoding="utf-8"?>
+<p:sld xmlns:a="http://schemas.openxmlformats.org/drawingml/2006/main" xmlns:r="http://schemas.openxmlformats.org/officeDocument/2006/relationships" xmlns:p="http://schemas.openxmlformats.org/presentationml/2006/main" show="0">
+  <p:cSld>
+    <p:spTree>
+      <p:nvGrpSpPr>
+        <p:cNvPr id="1" name=""/>
+        <p:cNvGrpSpPr/>
+        <p:nvPr/>
+      </p:nvGrpSpPr>
+      <p:grpSpPr>
+        <a:xfrm>
+          <a:off x="0" y="0"/>
+          <a:ext cx="0" cy="0"/>
+          <a:chOff x="0" y="0"/>
+          <a:chExt cx="0" cy="0"/>
+        </a:xfrm>
+      </p:grpSpPr>
+      <p:sp>
+        <p:nvSpPr>
+          <p:cNvPr id="2" name="Titel 1"/>
+          <p:cNvSpPr>
+            <a:spLocks noGrp="1"/>
+          </p:cNvSpPr>
+          <p:nvPr>
+            <p:ph type="title"/>
+          </p:nvPr>
+        </p:nvSpPr>
+        <p:spPr/>
+        <p:txBody>
+          <a:bodyPr/>
+          <a:lstStyle/>
+          <a:p>
+            <a:r>
+              <a:rPr lang="de-DE" dirty="0" smtClean="0"/>
+              <a:t>Quellen</a:t>
+            </a:r>
+            <a:endParaRPr lang="de-DE" dirty="0"/>
+          </a:p>
+        </p:txBody>
+      </p:sp>
+      <p:sp>
+        <p:nvSpPr>
+          <p:cNvPr id="3" name="Inhaltsplatzhalter 2"/>
+          <p:cNvSpPr>
+            <a:spLocks noGrp="1"/>
+          </p:cNvSpPr>
+          <p:nvPr>
+            <p:ph idx="1"/>
+          </p:nvPr>
+        </p:nvSpPr>
+        <p:spPr/>
+        <p:txBody>
+          <a:bodyPr/>
+          <a:lstStyle/>
+          <a:p>
+            <a:r>
+              <a:rPr lang="de-DE" dirty="0" smtClean="0">
+                <a:hlinkClick r:id="rId3"/>
+              </a:rPr>
+              <a:t>www.elcomsoft.com</a:t>
+            </a:r>
+            <a:endParaRPr lang="de-DE" dirty="0" smtClean="0"/>
+          </a:p>
+          <a:p>
+            <a:r>
+              <a:rPr lang="de-DE" dirty="0" smtClean="0">
+                <a:hlinkClick r:id="rId4"/>
+              </a:rPr>
+              <a:t>www.elcomsoft.com/WP/BH-EU-2012-WP.pdf</a:t>
+            </a:r>
+            <a:endParaRPr lang="de-DE" dirty="0" smtClean="0"/>
+          </a:p>
+          <a:p>
+            <a:endParaRPr lang="de-DE" dirty="0" smtClean="0"/>
+          </a:p>
+        </p:txBody>
+      </p:sp>
+      <p:pic>
+        <p:nvPicPr>
+          <p:cNvPr id="4" name="Grafik 3"/>
+          <p:cNvPicPr>
+            <a:picLocks noChangeAspect="1"/>
+          </p:cNvPicPr>
+          <p:nvPr/>
+        </p:nvPicPr>
+        <p:blipFill>
+          <a:blip r:embed="rId5">
+            <a:extLst>
+              <a:ext uri="{28A0092B-C50C-407E-A947-70E740481C1C}">
+                <a14:useLocalDpi xmlns:a14="http://schemas.microsoft.com/office/drawing/2010/main" val="0"/>
+              </a:ext>
+            </a:extLst>
+          </a:blip>
+          <a:stretch>
+            <a:fillRect/>
+          </a:stretch>
+        </p:blipFill>
+        <p:spPr>
+          <a:xfrm>
+            <a:off x="11248792" y="5909733"/>
+            <a:ext cx="827314" cy="827314"/>
+          </a:xfrm>
+          <a:prstGeom prst="rect">
+            <a:avLst/>
+          </a:prstGeom>
+        </p:spPr>
+      </p:pic>
+      <p:sp>
+        <p:nvSpPr>
+          <p:cNvPr id="5" name="Foliennummernplatzhalter 4"/>
+          <p:cNvSpPr>
+            <a:spLocks noGrp="1"/>
+          </p:cNvSpPr>
+          <p:nvPr>
+            <p:ph type="sldNum" sz="quarter" idx="12"/>
+          </p:nvPr>
+        </p:nvSpPr>
+        <p:spPr/>
+        <p:txBody>
+          <a:bodyPr/>
+          <a:lstStyle/>
+          <a:p>
+            <a:fld id="{D57F1E4F-1CFF-5643-939E-217C01CDF565}" type="slidenum">
+              <a:rPr lang="en-US" smtClean="0"/>
+              <a:pPr/>
+              <a:t>20</a:t>
+            </a:fld>
+            <a:endParaRPr lang="en-US" dirty="0"/>
+          </a:p>
+        </p:txBody>
+      </p:sp>
+      <p:sp>
+        <p:nvSpPr>
+          <p:cNvPr id="6" name="Textfeld 5"/>
+          <p:cNvSpPr txBox="1"/>
+          <p:nvPr/>
+        </p:nvSpPr>
+        <p:spPr>
+          <a:xfrm>
+            <a:off x="372650" y="6156167"/>
+            <a:ext cx="10876142" cy="338554"/>
+          </a:xfrm>
+          <a:prstGeom prst="rect">
+            <a:avLst/>
+          </a:prstGeom>
+          <a:noFill/>
+        </p:spPr>
+        <p:txBody>
+          <a:bodyPr wrap="square" rtlCol="0">
+            <a:spAutoFit/>
+          </a:bodyPr>
+          <a:lstStyle/>
+          <a:p>
+            <a:r>
+              <a:rPr lang="de-DE" sz="1600" dirty="0" smtClean="0"/>
+              <a:t>13.02.2015  |  Software Engineering I  |  Nadine Feldmann, Lukas Huwe, Michael Kerkhoff, Sebastian Ochtrup</a:t>
+            </a:r>
+            <a:endParaRPr lang="de-DE" sz="1600" dirty="0"/>
+          </a:p>
+        </p:txBody>
+      </p:sp>
+    </p:spTree>
+    <p:extLst>
+      <p:ext uri="{BB962C8B-B14F-4D97-AF65-F5344CB8AC3E}">
+        <p14:creationId xmlns:p14="http://schemas.microsoft.com/office/powerpoint/2010/main" val="3216998357"/>
+      </p:ext>
+    </p:extLst>
+  </p:cSld>
+  <p:clrMapOvr>
+    <a:masterClrMapping/>
+  </p:clrMapOvr>
+  <mc:AlternateContent xmlns:mc="http://schemas.openxmlformats.org/markup-compatibility/2006">
+    <mc:Choice xmlns:p14="http://schemas.microsoft.com/office/powerpoint/2010/main" Requires="p14">
+      <p:transition spd="slow" p14:dur="2000"/>
+    </mc:Choice>
+    <mc:Fallback>
+      <p:transition spd="slow"/>
+    </mc:Fallback>
+  </mc:AlternateContent>
+  <p:timing>
+    <p:tnLst>
+      <p:par>
+        <p:cTn id="1" dur="indefinite" restart="never" nodeType="tmRoot"/>
+      </p:par>
+    </p:tnLst>
+  </p:timing>
+</p:sld>
+</file>
+
+<file path=ppt/slides/slide3.xml><?xml version="1.0" encoding="utf-8"?>
 <p:sld xmlns:a="http://schemas.openxmlformats.org/drawingml/2006/main" xmlns:r="http://schemas.openxmlformats.org/officeDocument/2006/relationships" xmlns:p="http://schemas.openxmlformats.org/presentationml/2006/main">
   <p:cSld>
     <p:spTree>
@@ -19337,9 +19443,10 @@
           <a:lstStyle/>
           <a:p>
             <a:r>
-              <a:rPr lang="de-DE" dirty="0"/>
-              <a:t>Reflexion: Werkzeuge</a:t>
-            </a:r>
+              <a:rPr lang="de-DE" dirty="0" smtClean="0"/>
+              <a:t>Motivation</a:t>
+            </a:r>
+            <a:endParaRPr lang="de-DE" dirty="0"/>
           </a:p>
         </p:txBody>
       </p:sp>
@@ -19358,113 +19465,63 @@
           <a:bodyPr/>
           <a:lstStyle/>
           <a:p>
-            <a:pPr marL="0" indent="0">
-              <a:buNone/>
-            </a:pPr>
             <a:r>
               <a:rPr lang="de-DE" dirty="0" smtClean="0"/>
-              <a:t>Unit </a:t>
-            </a:r>
-            <a:r>
-              <a:rPr lang="de-DE" dirty="0" err="1" smtClean="0"/>
-              <a:t>Testing</a:t>
-            </a:r>
+              <a:t>Rasanter Anstieg der zu merkenden Passwörter</a:t>
+            </a:r>
+          </a:p>
+          <a:p>
+            <a:pPr lvl="1"/>
             <a:r>
               <a:rPr lang="de-DE" dirty="0" smtClean="0"/>
-              <a:t>:</a:t>
-            </a:r>
-          </a:p>
-          <a:p>
+              <a:t>Komplexer</a:t>
+            </a:r>
+          </a:p>
+          <a:p>
+            <a:pPr lvl="1"/>
             <a:r>
               <a:rPr lang="de-DE" dirty="0" smtClean="0"/>
-              <a:t>Modultests </a:t>
-            </a:r>
+              <a:t>Länger</a:t>
+            </a:r>
+            <a:endParaRPr lang="de-DE" dirty="0" smtClean="0"/>
+          </a:p>
+          <a:p>
             <a:r>
               <a:rPr lang="de-DE" dirty="0"/>
-              <a:t>boten sich </a:t>
+              <a:t>Alltäglicher </a:t>
             </a:r>
             <a:r>
               <a:rPr lang="de-DE" dirty="0" smtClean="0"/>
-              <a:t>nur </a:t>
+              <a:t>Nutzen</a:t>
+            </a:r>
+            <a:endParaRPr lang="de-DE" dirty="0"/>
+          </a:p>
+          <a:p>
+            <a:r>
+              <a:rPr lang="de-DE" dirty="0" smtClean="0"/>
+              <a:t>Etwas </a:t>
             </a:r>
             <a:r>
               <a:rPr lang="de-DE" dirty="0"/>
-              <a:t>selten </a:t>
+              <a:t>Neues kennen </a:t>
             </a:r>
             <a:r>
               <a:rPr lang="de-DE" dirty="0" smtClean="0"/>
-              <a:t>an (größtenteils Oberflächennavigation)</a:t>
+              <a:t>lernen (Android)</a:t>
             </a:r>
           </a:p>
           <a:p>
             <a:r>
               <a:rPr lang="de-DE" dirty="0" smtClean="0"/>
-              <a:t>+ Implementierte </a:t>
-            </a:r>
-            <a:r>
-              <a:rPr lang="de-DE" dirty="0"/>
-              <a:t>Modultests </a:t>
-            </a:r>
-            <a:r>
-              <a:rPr lang="de-DE" dirty="0" smtClean="0"/>
-              <a:t>sehr </a:t>
-            </a:r>
-            <a:r>
-              <a:rPr lang="de-DE" dirty="0"/>
-              <a:t>schnell </a:t>
-            </a:r>
-            <a:r>
-              <a:rPr lang="de-DE" dirty="0" smtClean="0"/>
-              <a:t>konfiguriert</a:t>
-            </a:r>
-          </a:p>
-          <a:p>
-            <a:r>
-              <a:rPr lang="de-DE" dirty="0" smtClean="0"/>
-              <a:t>+ Unterstützung </a:t>
-            </a:r>
-            <a:r>
-              <a:rPr lang="de-DE" dirty="0"/>
-              <a:t>des Android Studios </a:t>
-            </a:r>
-            <a:r>
-              <a:rPr lang="de-DE" dirty="0" smtClean="0"/>
-              <a:t>sehr </a:t>
-            </a:r>
-            <a:r>
-              <a:rPr lang="de-DE" dirty="0"/>
-              <a:t>gut </a:t>
-            </a:r>
-            <a:r>
-              <a:rPr lang="de-DE" dirty="0" smtClean="0"/>
-              <a:t>&amp; übersichtlich</a:t>
-            </a:r>
-          </a:p>
-          <a:p>
-            <a:r>
-              <a:rPr lang="de-DE" dirty="0" smtClean="0"/>
-              <a:t>- Notwendigkeit </a:t>
-            </a:r>
-            <a:r>
-              <a:rPr lang="de-DE" dirty="0"/>
-              <a:t>des Emulators verlangsamt </a:t>
-            </a:r>
-            <a:r>
-              <a:rPr lang="de-DE" dirty="0" smtClean="0"/>
-              <a:t>Testdurchlauf &amp; </a:t>
-            </a:r>
-            <a:r>
-              <a:rPr lang="de-DE" dirty="0"/>
-              <a:t>mindert die </a:t>
-            </a:r>
-            <a:r>
-              <a:rPr lang="de-DE" dirty="0" smtClean="0"/>
-              <a:t>Motivation</a:t>
-            </a:r>
+              <a:t>„Immer zur Hand“ (Smartphone)</a:t>
+            </a:r>
+            <a:endParaRPr lang="de-DE" dirty="0" smtClean="0"/>
+          </a:p>
+          <a:p>
             <a:endParaRPr lang="de-DE" dirty="0"/>
           </a:p>
           <a:p>
-            <a:endParaRPr lang="de-DE" dirty="0" smtClean="0"/>
+            <a:endParaRPr lang="de-DE" dirty="0"/>
           </a:p>
         </p:txBody>
       </p:sp>
@@ -19516,7 +19573,7 @@
             <a:fld id="{D57F1E4F-1CFF-5643-939E-217C01CDF565}" type="slidenum">
               <a:rPr lang="en-US" smtClean="0"/>
               <a:pPr/>
-              <a:t>20</a:t>
+              <a:t>3</a:t>
             </a:fld>
             <a:endParaRPr lang="en-US" dirty="0"/>
           </a:p>
@@ -19555,1600 +19612,7 @@
     </p:spTree>
     <p:extLst>
       <p:ext uri="{BB962C8B-B14F-4D97-AF65-F5344CB8AC3E}">
-        <p14:creationId xmlns:p14="http://schemas.microsoft.com/office/powerpoint/2010/main" val="3312458868"/>
-      </p:ext>
-    </p:extLst>
-  </p:cSld>
-  <p:clrMapOvr>
-    <a:masterClrMapping/>
-  </p:clrMapOvr>
-  <p:timing>
-    <p:tnLst>
-      <p:par>
-        <p:cTn id="1" dur="indefinite" restart="never" nodeType="tmRoot"/>
-      </p:par>
-    </p:tnLst>
-  </p:timing>
-</p:sld>
-</file>
-
-<file path=ppt/slides/slide21.xml><?xml version="1.0" encoding="utf-8"?>
-<p:sld xmlns:a="http://schemas.openxmlformats.org/drawingml/2006/main" xmlns:r="http://schemas.openxmlformats.org/officeDocument/2006/relationships" xmlns:p="http://schemas.openxmlformats.org/presentationml/2006/main">
-  <p:cSld>
-    <p:spTree>
-      <p:nvGrpSpPr>
-        <p:cNvPr id="1" name=""/>
-        <p:cNvGrpSpPr/>
-        <p:nvPr/>
-      </p:nvGrpSpPr>
-      <p:grpSpPr>
-        <a:xfrm>
-          <a:off x="0" y="0"/>
-          <a:ext cx="0" cy="0"/>
-          <a:chOff x="0" y="0"/>
-          <a:chExt cx="0" cy="0"/>
-        </a:xfrm>
-      </p:grpSpPr>
-      <p:sp>
-        <p:nvSpPr>
-          <p:cNvPr id="2" name="Titel 1"/>
-          <p:cNvSpPr>
-            <a:spLocks noGrp="1"/>
-          </p:cNvSpPr>
-          <p:nvPr>
-            <p:ph type="title"/>
-          </p:nvPr>
-        </p:nvSpPr>
-        <p:spPr/>
-        <p:txBody>
-          <a:bodyPr/>
-          <a:lstStyle/>
-          <a:p>
-            <a:r>
-              <a:rPr lang="de-DE" dirty="0" smtClean="0"/>
-              <a:t>Reflexion: Vorgehen</a:t>
-            </a:r>
-            <a:endParaRPr lang="de-DE" dirty="0"/>
-          </a:p>
-        </p:txBody>
-      </p:sp>
-      <p:sp>
-        <p:nvSpPr>
-          <p:cNvPr id="3" name="Inhaltsplatzhalter 2"/>
-          <p:cNvSpPr>
-            <a:spLocks noGrp="1"/>
-          </p:cNvSpPr>
-          <p:nvPr>
-            <p:ph idx="1"/>
-          </p:nvPr>
-        </p:nvSpPr>
-        <p:spPr/>
-        <p:txBody>
-          <a:bodyPr>
-            <a:normAutofit/>
-          </a:bodyPr>
-          <a:lstStyle/>
-          <a:p>
-            <a:pPr marL="0" indent="0">
-              <a:buNone/>
-            </a:pPr>
-            <a:r>
-              <a:rPr lang="de-DE" dirty="0" smtClean="0"/>
-              <a:t>Ausgangspunkt</a:t>
-            </a:r>
-            <a:r>
-              <a:rPr lang="de-DE" dirty="0"/>
-              <a:t>:</a:t>
-            </a:r>
-          </a:p>
-          <a:p>
-            <a:r>
-              <a:rPr lang="de-DE" dirty="0" smtClean="0"/>
-              <a:t>App </a:t>
-            </a:r>
-            <a:r>
-              <a:rPr lang="de-DE" dirty="0"/>
-              <a:t>Entwicklung für alle neu</a:t>
-            </a:r>
-          </a:p>
-          <a:p>
-            <a:pPr marL="0" indent="0">
-              <a:buNone/>
-            </a:pPr>
-            <a:r>
-              <a:rPr lang="de-DE" dirty="0" smtClean="0"/>
-              <a:t>	-&gt;  - Zusätzlicher </a:t>
-            </a:r>
-            <a:r>
-              <a:rPr lang="de-DE" dirty="0"/>
-              <a:t>Einarbeitungsaufwand</a:t>
-            </a:r>
-          </a:p>
-          <a:p>
-            <a:pPr marL="0" indent="0">
-              <a:buNone/>
-            </a:pPr>
-            <a:r>
-              <a:rPr lang="de-DE" dirty="0" smtClean="0"/>
-              <a:t>	-&gt; + Chance</a:t>
-            </a:r>
-            <a:r>
-              <a:rPr lang="de-DE" dirty="0"/>
-              <a:t>, neue Technologie kennenzulernen</a:t>
-            </a:r>
-          </a:p>
-          <a:p>
-            <a:r>
-              <a:rPr lang="de-DE" dirty="0" smtClean="0"/>
-              <a:t>Unterschiedliche </a:t>
-            </a:r>
-            <a:r>
-              <a:rPr lang="de-DE" dirty="0"/>
-              <a:t>Kompetenzen im Team: 3 Anwendungsentwickler + 1 </a:t>
-            </a:r>
-            <a:r>
-              <a:rPr lang="de-DE" dirty="0" smtClean="0"/>
-              <a:t>Systemintegrator</a:t>
-            </a:r>
-            <a:endParaRPr lang="de-DE" dirty="0"/>
-          </a:p>
-        </p:txBody>
-      </p:sp>
-      <p:pic>
-        <p:nvPicPr>
-          <p:cNvPr id="4" name="Grafik 3"/>
-          <p:cNvPicPr>
-            <a:picLocks noChangeAspect="1"/>
-          </p:cNvPicPr>
-          <p:nvPr/>
-        </p:nvPicPr>
-        <p:blipFill>
-          <a:blip r:embed="rId3">
-            <a:extLst>
-              <a:ext uri="{28A0092B-C50C-407E-A947-70E740481C1C}">
-                <a14:useLocalDpi xmlns:a14="http://schemas.microsoft.com/office/drawing/2010/main" val="0"/>
-              </a:ext>
-            </a:extLst>
-          </a:blip>
-          <a:stretch>
-            <a:fillRect/>
-          </a:stretch>
-        </p:blipFill>
-        <p:spPr>
-          <a:xfrm>
-            <a:off x="11248792" y="5909733"/>
-            <a:ext cx="827314" cy="827314"/>
-          </a:xfrm>
-          <a:prstGeom prst="rect">
-            <a:avLst/>
-          </a:prstGeom>
-        </p:spPr>
-      </p:pic>
-      <p:sp>
-        <p:nvSpPr>
-          <p:cNvPr id="5" name="Foliennummernplatzhalter 4"/>
-          <p:cNvSpPr>
-            <a:spLocks noGrp="1"/>
-          </p:cNvSpPr>
-          <p:nvPr>
-            <p:ph type="sldNum" sz="quarter" idx="12"/>
-          </p:nvPr>
-        </p:nvSpPr>
-        <p:spPr/>
-        <p:txBody>
-          <a:bodyPr/>
-          <a:lstStyle/>
-          <a:p>
-            <a:fld id="{D57F1E4F-1CFF-5643-939E-217C01CDF565}" type="slidenum">
-              <a:rPr lang="en-US" smtClean="0"/>
-              <a:pPr/>
-              <a:t>21</a:t>
-            </a:fld>
-            <a:endParaRPr lang="en-US" dirty="0"/>
-          </a:p>
-        </p:txBody>
-      </p:sp>
-      <p:sp>
-        <p:nvSpPr>
-          <p:cNvPr id="6" name="Textfeld 5"/>
-          <p:cNvSpPr txBox="1"/>
-          <p:nvPr/>
-        </p:nvSpPr>
-        <p:spPr>
-          <a:xfrm>
-            <a:off x="372650" y="6156167"/>
-            <a:ext cx="10876142" cy="338554"/>
-          </a:xfrm>
-          <a:prstGeom prst="rect">
-            <a:avLst/>
-          </a:prstGeom>
-          <a:noFill/>
-        </p:spPr>
-        <p:txBody>
-          <a:bodyPr wrap="square" rtlCol="0">
-            <a:spAutoFit/>
-          </a:bodyPr>
-          <a:lstStyle/>
-          <a:p>
-            <a:r>
-              <a:rPr lang="de-DE" sz="1600" dirty="0" smtClean="0"/>
-              <a:t>13.02.2015  |  Software Engineering I  |  Nadine Feldmann, Lukas Huwe, Michael Kerkhoff, Sebastian Ochtrup</a:t>
-            </a:r>
-            <a:endParaRPr lang="de-DE" sz="1600" dirty="0"/>
-          </a:p>
-        </p:txBody>
-      </p:sp>
-    </p:spTree>
-    <p:extLst>
-      <p:ext uri="{BB962C8B-B14F-4D97-AF65-F5344CB8AC3E}">
-        <p14:creationId xmlns:p14="http://schemas.microsoft.com/office/powerpoint/2010/main" val="3197597498"/>
-      </p:ext>
-    </p:extLst>
-  </p:cSld>
-  <p:clrMapOvr>
-    <a:masterClrMapping/>
-  </p:clrMapOvr>
-  <p:timing>
-    <p:tnLst>
-      <p:par>
-        <p:cTn id="1" dur="indefinite" restart="never" nodeType="tmRoot"/>
-      </p:par>
-    </p:tnLst>
-  </p:timing>
-</p:sld>
-</file>
-
-<file path=ppt/slides/slide22.xml><?xml version="1.0" encoding="utf-8"?>
-<p:sld xmlns:a="http://schemas.openxmlformats.org/drawingml/2006/main" xmlns:r="http://schemas.openxmlformats.org/officeDocument/2006/relationships" xmlns:p="http://schemas.openxmlformats.org/presentationml/2006/main">
-  <p:cSld>
-    <p:spTree>
-      <p:nvGrpSpPr>
-        <p:cNvPr id="1" name=""/>
-        <p:cNvGrpSpPr/>
-        <p:nvPr/>
-      </p:nvGrpSpPr>
-      <p:grpSpPr>
-        <a:xfrm>
-          <a:off x="0" y="0"/>
-          <a:ext cx="0" cy="0"/>
-          <a:chOff x="0" y="0"/>
-          <a:chExt cx="0" cy="0"/>
-        </a:xfrm>
-      </p:grpSpPr>
-      <p:sp>
-        <p:nvSpPr>
-          <p:cNvPr id="2" name="Titel 1"/>
-          <p:cNvSpPr>
-            <a:spLocks noGrp="1"/>
-          </p:cNvSpPr>
-          <p:nvPr>
-            <p:ph type="title"/>
-          </p:nvPr>
-        </p:nvSpPr>
-        <p:spPr/>
-        <p:txBody>
-          <a:bodyPr/>
-          <a:lstStyle/>
-          <a:p>
-            <a:r>
-              <a:rPr lang="de-DE" dirty="0"/>
-              <a:t>Reflexion: Vorgehen</a:t>
-            </a:r>
-          </a:p>
-        </p:txBody>
-      </p:sp>
-      <p:sp>
-        <p:nvSpPr>
-          <p:cNvPr id="3" name="Inhaltsplatzhalter 2"/>
-          <p:cNvSpPr>
-            <a:spLocks noGrp="1"/>
-          </p:cNvSpPr>
-          <p:nvPr>
-            <p:ph idx="1"/>
-          </p:nvPr>
-        </p:nvSpPr>
-        <p:spPr/>
-        <p:txBody>
-          <a:bodyPr>
-            <a:normAutofit/>
-          </a:bodyPr>
-          <a:lstStyle/>
-          <a:p>
-            <a:pPr marL="0" indent="0">
-              <a:buNone/>
-            </a:pPr>
-            <a:r>
-              <a:rPr lang="de-DE" dirty="0" smtClean="0"/>
-              <a:t>Verlauf</a:t>
-            </a:r>
-            <a:r>
-              <a:rPr lang="de-DE" dirty="0"/>
-              <a:t>:</a:t>
-            </a:r>
-          </a:p>
-          <a:p>
-            <a:r>
-              <a:rPr lang="de-DE" dirty="0" smtClean="0"/>
-              <a:t>Inkrementelles </a:t>
-            </a:r>
-            <a:r>
-              <a:rPr lang="de-DE" dirty="0"/>
-              <a:t>Vorgehen</a:t>
-            </a:r>
-          </a:p>
-          <a:p>
-            <a:r>
-              <a:rPr lang="de-DE" dirty="0"/>
-              <a:t>+ </a:t>
-            </a:r>
-            <a:r>
-              <a:rPr lang="de-DE" dirty="0" smtClean="0"/>
-              <a:t>Regelmäßige Absprachen</a:t>
-            </a:r>
-            <a:endParaRPr lang="de-DE" dirty="0"/>
-          </a:p>
-          <a:p>
-            <a:r>
-              <a:rPr lang="de-DE" dirty="0"/>
-              <a:t>+ </a:t>
-            </a:r>
-            <a:r>
-              <a:rPr lang="de-DE" dirty="0" smtClean="0"/>
-              <a:t>Jeder </a:t>
-            </a:r>
-            <a:r>
-              <a:rPr lang="de-DE" dirty="0"/>
-              <a:t>konnte etwas beitragen</a:t>
-            </a:r>
-          </a:p>
-          <a:p>
-            <a:r>
-              <a:rPr lang="de-DE" dirty="0"/>
-              <a:t>+ Zwischenzeitliche Tests -&gt; Ermitteln &amp; Beheben von Bugs</a:t>
-            </a:r>
-          </a:p>
-          <a:p>
-            <a:r>
-              <a:rPr lang="de-DE" dirty="0"/>
-              <a:t>+ </a:t>
-            </a:r>
-            <a:r>
-              <a:rPr lang="de-DE" dirty="0" smtClean="0"/>
-              <a:t>Klare </a:t>
-            </a:r>
-            <a:r>
-              <a:rPr lang="de-DE" dirty="0"/>
-              <a:t>Aufgabenteilung + rege Kommunikation </a:t>
-            </a:r>
-            <a:endParaRPr lang="de-DE" dirty="0" smtClean="0"/>
-          </a:p>
-          <a:p>
-            <a:pPr marL="0" indent="0">
-              <a:buNone/>
-            </a:pPr>
-            <a:r>
-              <a:rPr lang="de-DE" dirty="0" smtClean="0"/>
-              <a:t>	-&gt; Nur </a:t>
-            </a:r>
-            <a:r>
-              <a:rPr lang="de-DE" dirty="0"/>
-              <a:t>wenig </a:t>
-            </a:r>
-            <a:r>
-              <a:rPr lang="de-DE" dirty="0" err="1"/>
-              <a:t>Mergekonflikte</a:t>
-            </a:r>
-            <a:endParaRPr lang="de-DE" dirty="0"/>
-          </a:p>
-          <a:p>
-            <a:r>
-              <a:rPr lang="de-DE" dirty="0"/>
-              <a:t>+ </a:t>
-            </a:r>
-            <a:r>
-              <a:rPr lang="de-DE" dirty="0" smtClean="0"/>
-              <a:t>Klare </a:t>
-            </a:r>
-            <a:r>
-              <a:rPr lang="de-DE" dirty="0"/>
-              <a:t>Definition von </a:t>
-            </a:r>
-            <a:r>
-              <a:rPr lang="de-DE" dirty="0" smtClean="0"/>
-              <a:t>Deadlines</a:t>
-            </a:r>
-            <a:endParaRPr lang="de-DE" dirty="0"/>
-          </a:p>
-        </p:txBody>
-      </p:sp>
-      <p:pic>
-        <p:nvPicPr>
-          <p:cNvPr id="4" name="Grafik 3"/>
-          <p:cNvPicPr>
-            <a:picLocks noChangeAspect="1"/>
-          </p:cNvPicPr>
-          <p:nvPr/>
-        </p:nvPicPr>
-        <p:blipFill>
-          <a:blip r:embed="rId3">
-            <a:extLst>
-              <a:ext uri="{28A0092B-C50C-407E-A947-70E740481C1C}">
-                <a14:useLocalDpi xmlns:a14="http://schemas.microsoft.com/office/drawing/2010/main" val="0"/>
-              </a:ext>
-            </a:extLst>
-          </a:blip>
-          <a:stretch>
-            <a:fillRect/>
-          </a:stretch>
-        </p:blipFill>
-        <p:spPr>
-          <a:xfrm>
-            <a:off x="11248792" y="5909733"/>
-            <a:ext cx="827314" cy="827314"/>
-          </a:xfrm>
-          <a:prstGeom prst="rect">
-            <a:avLst/>
-          </a:prstGeom>
-        </p:spPr>
-      </p:pic>
-      <p:sp>
-        <p:nvSpPr>
-          <p:cNvPr id="5" name="Foliennummernplatzhalter 4"/>
-          <p:cNvSpPr>
-            <a:spLocks noGrp="1"/>
-          </p:cNvSpPr>
-          <p:nvPr>
-            <p:ph type="sldNum" sz="quarter" idx="12"/>
-          </p:nvPr>
-        </p:nvSpPr>
-        <p:spPr/>
-        <p:txBody>
-          <a:bodyPr/>
-          <a:lstStyle/>
-          <a:p>
-            <a:fld id="{D57F1E4F-1CFF-5643-939E-217C01CDF565}" type="slidenum">
-              <a:rPr lang="en-US" smtClean="0"/>
-              <a:pPr/>
-              <a:t>22</a:t>
-            </a:fld>
-            <a:endParaRPr lang="en-US" dirty="0"/>
-          </a:p>
-        </p:txBody>
-      </p:sp>
-      <p:sp>
-        <p:nvSpPr>
-          <p:cNvPr id="6" name="Textfeld 5"/>
-          <p:cNvSpPr txBox="1"/>
-          <p:nvPr/>
-        </p:nvSpPr>
-        <p:spPr>
-          <a:xfrm>
-            <a:off x="372650" y="6156167"/>
-            <a:ext cx="10876142" cy="338554"/>
-          </a:xfrm>
-          <a:prstGeom prst="rect">
-            <a:avLst/>
-          </a:prstGeom>
-          <a:noFill/>
-        </p:spPr>
-        <p:txBody>
-          <a:bodyPr wrap="square" rtlCol="0">
-            <a:spAutoFit/>
-          </a:bodyPr>
-          <a:lstStyle/>
-          <a:p>
-            <a:r>
-              <a:rPr lang="de-DE" sz="1600" dirty="0" smtClean="0"/>
-              <a:t>13.02.2015  |  Software Engineering I  |  Nadine Feldmann, Lukas Huwe, Michael Kerkhoff, Sebastian Ochtrup</a:t>
-            </a:r>
-            <a:endParaRPr lang="de-DE" sz="1600" dirty="0"/>
-          </a:p>
-        </p:txBody>
-      </p:sp>
-    </p:spTree>
-    <p:extLst>
-      <p:ext uri="{BB962C8B-B14F-4D97-AF65-F5344CB8AC3E}">
-        <p14:creationId xmlns:p14="http://schemas.microsoft.com/office/powerpoint/2010/main" val="3509070595"/>
-      </p:ext>
-    </p:extLst>
-  </p:cSld>
-  <p:clrMapOvr>
-    <a:masterClrMapping/>
-  </p:clrMapOvr>
-  <p:timing>
-    <p:tnLst>
-      <p:par>
-        <p:cTn id="1" dur="indefinite" restart="never" nodeType="tmRoot"/>
-      </p:par>
-    </p:tnLst>
-  </p:timing>
-</p:sld>
-</file>
-
-<file path=ppt/slides/slide23.xml><?xml version="1.0" encoding="utf-8"?>
-<p:sld xmlns:a="http://schemas.openxmlformats.org/drawingml/2006/main" xmlns:r="http://schemas.openxmlformats.org/officeDocument/2006/relationships" xmlns:p="http://schemas.openxmlformats.org/presentationml/2006/main">
-  <p:cSld>
-    <p:spTree>
-      <p:nvGrpSpPr>
-        <p:cNvPr id="1" name=""/>
-        <p:cNvGrpSpPr/>
-        <p:nvPr/>
-      </p:nvGrpSpPr>
-      <p:grpSpPr>
-        <a:xfrm>
-          <a:off x="0" y="0"/>
-          <a:ext cx="0" cy="0"/>
-          <a:chOff x="0" y="0"/>
-          <a:chExt cx="0" cy="0"/>
-        </a:xfrm>
-      </p:grpSpPr>
-      <p:sp>
-        <p:nvSpPr>
-          <p:cNvPr id="2" name="Titel 1"/>
-          <p:cNvSpPr>
-            <a:spLocks noGrp="1"/>
-          </p:cNvSpPr>
-          <p:nvPr>
-            <p:ph type="title"/>
-          </p:nvPr>
-        </p:nvSpPr>
-        <p:spPr/>
-        <p:txBody>
-          <a:bodyPr/>
-          <a:lstStyle/>
-          <a:p>
-            <a:r>
-              <a:rPr lang="de-DE" dirty="0"/>
-              <a:t>Reflexion: Vorgehen</a:t>
-            </a:r>
-          </a:p>
-        </p:txBody>
-      </p:sp>
-      <p:sp>
-        <p:nvSpPr>
-          <p:cNvPr id="3" name="Inhaltsplatzhalter 2"/>
-          <p:cNvSpPr>
-            <a:spLocks noGrp="1"/>
-          </p:cNvSpPr>
-          <p:nvPr>
-            <p:ph idx="1"/>
-          </p:nvPr>
-        </p:nvSpPr>
-        <p:spPr/>
-        <p:txBody>
-          <a:bodyPr>
-            <a:normAutofit/>
-          </a:bodyPr>
-          <a:lstStyle/>
-          <a:p>
-            <a:pPr marL="0" indent="0">
-              <a:buNone/>
-            </a:pPr>
-            <a:r>
-              <a:rPr lang="de-DE" dirty="0" smtClean="0"/>
-              <a:t>Schwierigkeiten</a:t>
-            </a:r>
-            <a:r>
-              <a:rPr lang="de-DE" dirty="0"/>
-              <a:t>:</a:t>
-            </a:r>
-          </a:p>
-          <a:p>
-            <a:r>
-              <a:rPr lang="de-DE" dirty="0"/>
-              <a:t>- Themenfestlegung zunächst schwierig</a:t>
-            </a:r>
-          </a:p>
-          <a:p>
-            <a:r>
-              <a:rPr lang="de-DE" dirty="0"/>
-              <a:t>- Startschwierigkeiten</a:t>
-            </a:r>
-          </a:p>
-          <a:p>
-            <a:r>
-              <a:rPr lang="de-DE" dirty="0"/>
-              <a:t>- </a:t>
-            </a:r>
-            <a:r>
-              <a:rPr lang="de-DE" dirty="0" smtClean="0"/>
-              <a:t>Mit </a:t>
-            </a:r>
-            <a:r>
-              <a:rPr lang="de-DE" dirty="0"/>
-              <a:t>Tutorials &amp; Foren Einblick verschafft &amp; Gelerntes umgesetzt</a:t>
-            </a:r>
-          </a:p>
-          <a:p>
-            <a:r>
-              <a:rPr lang="de-DE" dirty="0"/>
-              <a:t>- Gestaltung eines einheitlichen Layouts </a:t>
-            </a:r>
-            <a:r>
-              <a:rPr lang="de-DE" dirty="0" smtClean="0"/>
-              <a:t>schwierig </a:t>
-            </a:r>
-            <a:r>
-              <a:rPr lang="de-DE" dirty="0"/>
-              <a:t>(viele Geräte</a:t>
-            </a:r>
-            <a:r>
-              <a:rPr lang="de-DE" dirty="0" smtClean="0"/>
-              <a:t>)</a:t>
-            </a:r>
-          </a:p>
-        </p:txBody>
-      </p:sp>
-      <p:pic>
-        <p:nvPicPr>
-          <p:cNvPr id="4" name="Grafik 3"/>
-          <p:cNvPicPr>
-            <a:picLocks noChangeAspect="1"/>
-          </p:cNvPicPr>
-          <p:nvPr/>
-        </p:nvPicPr>
-        <p:blipFill>
-          <a:blip r:embed="rId3">
-            <a:extLst>
-              <a:ext uri="{28A0092B-C50C-407E-A947-70E740481C1C}">
-                <a14:useLocalDpi xmlns:a14="http://schemas.microsoft.com/office/drawing/2010/main" val="0"/>
-              </a:ext>
-            </a:extLst>
-          </a:blip>
-          <a:stretch>
-            <a:fillRect/>
-          </a:stretch>
-        </p:blipFill>
-        <p:spPr>
-          <a:xfrm>
-            <a:off x="11248792" y="5909733"/>
-            <a:ext cx="827314" cy="827314"/>
-          </a:xfrm>
-          <a:prstGeom prst="rect">
-            <a:avLst/>
-          </a:prstGeom>
-        </p:spPr>
-      </p:pic>
-      <p:sp>
-        <p:nvSpPr>
-          <p:cNvPr id="5" name="Foliennummernplatzhalter 4"/>
-          <p:cNvSpPr>
-            <a:spLocks noGrp="1"/>
-          </p:cNvSpPr>
-          <p:nvPr>
-            <p:ph type="sldNum" sz="quarter" idx="12"/>
-          </p:nvPr>
-        </p:nvSpPr>
-        <p:spPr/>
-        <p:txBody>
-          <a:bodyPr/>
-          <a:lstStyle/>
-          <a:p>
-            <a:fld id="{D57F1E4F-1CFF-5643-939E-217C01CDF565}" type="slidenum">
-              <a:rPr lang="en-US" smtClean="0"/>
-              <a:pPr/>
-              <a:t>23</a:t>
-            </a:fld>
-            <a:endParaRPr lang="en-US" dirty="0"/>
-          </a:p>
-        </p:txBody>
-      </p:sp>
-      <p:sp>
-        <p:nvSpPr>
-          <p:cNvPr id="6" name="Textfeld 5"/>
-          <p:cNvSpPr txBox="1"/>
-          <p:nvPr/>
-        </p:nvSpPr>
-        <p:spPr>
-          <a:xfrm>
-            <a:off x="372650" y="6156167"/>
-            <a:ext cx="10876142" cy="338554"/>
-          </a:xfrm>
-          <a:prstGeom prst="rect">
-            <a:avLst/>
-          </a:prstGeom>
-          <a:noFill/>
-        </p:spPr>
-        <p:txBody>
-          <a:bodyPr wrap="square" rtlCol="0">
-            <a:spAutoFit/>
-          </a:bodyPr>
-          <a:lstStyle/>
-          <a:p>
-            <a:r>
-              <a:rPr lang="de-DE" sz="1600" dirty="0" smtClean="0"/>
-              <a:t>13.02.2015  |  Software Engineering I  |  Nadine Feldmann, Lukas Huwe, Michael Kerkhoff, Sebastian Ochtrup</a:t>
-            </a:r>
-            <a:endParaRPr lang="de-DE" sz="1600" dirty="0"/>
-          </a:p>
-        </p:txBody>
-      </p:sp>
-    </p:spTree>
-    <p:extLst>
-      <p:ext uri="{BB962C8B-B14F-4D97-AF65-F5344CB8AC3E}">
-        <p14:creationId xmlns:p14="http://schemas.microsoft.com/office/powerpoint/2010/main" val="2650556501"/>
-      </p:ext>
-    </p:extLst>
-  </p:cSld>
-  <p:clrMapOvr>
-    <a:masterClrMapping/>
-  </p:clrMapOvr>
-  <p:timing>
-    <p:tnLst>
-      <p:par>
-        <p:cTn id="1" dur="indefinite" restart="never" nodeType="tmRoot"/>
-      </p:par>
-    </p:tnLst>
-  </p:timing>
-</p:sld>
-</file>
-
-<file path=ppt/slides/slide24.xml><?xml version="1.0" encoding="utf-8"?>
-<p:sld xmlns:a="http://schemas.openxmlformats.org/drawingml/2006/main" xmlns:r="http://schemas.openxmlformats.org/officeDocument/2006/relationships" xmlns:p="http://schemas.openxmlformats.org/presentationml/2006/main">
-  <p:cSld>
-    <p:spTree>
-      <p:nvGrpSpPr>
-        <p:cNvPr id="1" name=""/>
-        <p:cNvGrpSpPr/>
-        <p:nvPr/>
-      </p:nvGrpSpPr>
-      <p:grpSpPr>
-        <a:xfrm>
-          <a:off x="0" y="0"/>
-          <a:ext cx="0" cy="0"/>
-          <a:chOff x="0" y="0"/>
-          <a:chExt cx="0" cy="0"/>
-        </a:xfrm>
-      </p:grpSpPr>
-      <p:sp>
-        <p:nvSpPr>
-          <p:cNvPr id="2" name="Titel 1"/>
-          <p:cNvSpPr>
-            <a:spLocks noGrp="1"/>
-          </p:cNvSpPr>
-          <p:nvPr>
-            <p:ph type="title"/>
-          </p:nvPr>
-        </p:nvSpPr>
-        <p:spPr/>
-        <p:txBody>
-          <a:bodyPr/>
-          <a:lstStyle/>
-          <a:p>
-            <a:r>
-              <a:rPr lang="de-DE" dirty="0"/>
-              <a:t>Reflexion: Vorgehen</a:t>
-            </a:r>
-          </a:p>
-        </p:txBody>
-      </p:sp>
-      <p:sp>
-        <p:nvSpPr>
-          <p:cNvPr id="3" name="Inhaltsplatzhalter 2"/>
-          <p:cNvSpPr>
-            <a:spLocks noGrp="1"/>
-          </p:cNvSpPr>
-          <p:nvPr>
-            <p:ph idx="1"/>
-          </p:nvPr>
-        </p:nvSpPr>
-        <p:spPr/>
-        <p:txBody>
-          <a:bodyPr>
-            <a:normAutofit/>
-          </a:bodyPr>
-          <a:lstStyle/>
-          <a:p>
-            <a:pPr marL="0" indent="0">
-              <a:buNone/>
-            </a:pPr>
-            <a:r>
-              <a:rPr lang="de-DE" dirty="0" smtClean="0"/>
-              <a:t>Verbesserungen</a:t>
-            </a:r>
-            <a:r>
-              <a:rPr lang="de-DE" dirty="0"/>
-              <a:t>:</a:t>
-            </a:r>
-          </a:p>
-          <a:p>
-            <a:r>
-              <a:rPr lang="de-DE" dirty="0" smtClean="0"/>
-              <a:t>Rechtzeitige Einarbeitung in </a:t>
-            </a:r>
-            <a:r>
-              <a:rPr lang="de-DE" dirty="0"/>
-              <a:t>das </a:t>
-            </a:r>
-            <a:r>
-              <a:rPr lang="de-DE" dirty="0" smtClean="0"/>
-              <a:t>Thema</a:t>
-            </a:r>
-            <a:endParaRPr lang="de-DE" dirty="0"/>
-          </a:p>
-          <a:p>
-            <a:r>
-              <a:rPr lang="de-DE" dirty="0" smtClean="0"/>
-              <a:t>In </a:t>
-            </a:r>
-            <a:r>
-              <a:rPr lang="de-DE" dirty="0"/>
-              <a:t>der Entwicklungsphase: Ziele anhand fachlicher Anforderungen </a:t>
-            </a:r>
-            <a:r>
-              <a:rPr lang="de-DE" dirty="0" smtClean="0"/>
-              <a:t>definieren</a:t>
-            </a:r>
-            <a:endParaRPr lang="de-DE" dirty="0"/>
-          </a:p>
-          <a:p>
-            <a:pPr marL="0" indent="0">
-              <a:buNone/>
-            </a:pPr>
-            <a:r>
-              <a:rPr lang="de-DE" dirty="0" smtClean="0"/>
-              <a:t>	-&gt; Sich </a:t>
-            </a:r>
-            <a:r>
-              <a:rPr lang="de-DE" dirty="0"/>
-              <a:t>ergebende Aufgaben sinnvoll unter den Projektbeteiligten aufteilen </a:t>
-            </a:r>
-          </a:p>
-          <a:p>
-            <a:pPr marL="0" indent="0">
-              <a:buNone/>
-            </a:pPr>
-            <a:r>
-              <a:rPr lang="de-DE" smtClean="0"/>
-              <a:t>	-&gt; </a:t>
-            </a:r>
-            <a:r>
-              <a:rPr lang="de-DE" dirty="0" smtClean="0"/>
-              <a:t>Weniger </a:t>
-            </a:r>
-            <a:r>
-              <a:rPr lang="de-DE" dirty="0"/>
-              <a:t>technische Abhängigkeiten + konstanter Fokus auf fachliche Anforderungen</a:t>
-            </a:r>
-            <a:endParaRPr lang="de-DE" dirty="0" smtClean="0"/>
-          </a:p>
-          <a:p>
-            <a:endParaRPr lang="de-DE" dirty="0" smtClean="0"/>
-          </a:p>
-        </p:txBody>
-      </p:sp>
-      <p:pic>
-        <p:nvPicPr>
-          <p:cNvPr id="4" name="Grafik 3"/>
-          <p:cNvPicPr>
-            <a:picLocks noChangeAspect="1"/>
-          </p:cNvPicPr>
-          <p:nvPr/>
-        </p:nvPicPr>
-        <p:blipFill>
-          <a:blip r:embed="rId3">
-            <a:extLst>
-              <a:ext uri="{28A0092B-C50C-407E-A947-70E740481C1C}">
-                <a14:useLocalDpi xmlns:a14="http://schemas.microsoft.com/office/drawing/2010/main" val="0"/>
-              </a:ext>
-            </a:extLst>
-          </a:blip>
-          <a:stretch>
-            <a:fillRect/>
-          </a:stretch>
-        </p:blipFill>
-        <p:spPr>
-          <a:xfrm>
-            <a:off x="11248792" y="5909733"/>
-            <a:ext cx="827314" cy="827314"/>
-          </a:xfrm>
-          <a:prstGeom prst="rect">
-            <a:avLst/>
-          </a:prstGeom>
-        </p:spPr>
-      </p:pic>
-      <p:sp>
-        <p:nvSpPr>
-          <p:cNvPr id="5" name="Foliennummernplatzhalter 4"/>
-          <p:cNvSpPr>
-            <a:spLocks noGrp="1"/>
-          </p:cNvSpPr>
-          <p:nvPr>
-            <p:ph type="sldNum" sz="quarter" idx="12"/>
-          </p:nvPr>
-        </p:nvSpPr>
-        <p:spPr/>
-        <p:txBody>
-          <a:bodyPr/>
-          <a:lstStyle/>
-          <a:p>
-            <a:fld id="{D57F1E4F-1CFF-5643-939E-217C01CDF565}" type="slidenum">
-              <a:rPr lang="en-US" smtClean="0"/>
-              <a:pPr/>
-              <a:t>24</a:t>
-            </a:fld>
-            <a:endParaRPr lang="en-US" dirty="0"/>
-          </a:p>
-        </p:txBody>
-      </p:sp>
-      <p:sp>
-        <p:nvSpPr>
-          <p:cNvPr id="6" name="Textfeld 5"/>
-          <p:cNvSpPr txBox="1"/>
-          <p:nvPr/>
-        </p:nvSpPr>
-        <p:spPr>
-          <a:xfrm>
-            <a:off x="372650" y="6156167"/>
-            <a:ext cx="10876142" cy="338554"/>
-          </a:xfrm>
-          <a:prstGeom prst="rect">
-            <a:avLst/>
-          </a:prstGeom>
-          <a:noFill/>
-        </p:spPr>
-        <p:txBody>
-          <a:bodyPr wrap="square" rtlCol="0">
-            <a:spAutoFit/>
-          </a:bodyPr>
-          <a:lstStyle/>
-          <a:p>
-            <a:r>
-              <a:rPr lang="de-DE" sz="1600" dirty="0" smtClean="0"/>
-              <a:t>13.02.2015  |  Software Engineering I  |  Nadine Feldmann, Lukas Huwe, Michael Kerkhoff, Sebastian Ochtrup</a:t>
-            </a:r>
-            <a:endParaRPr lang="de-DE" sz="1600" dirty="0"/>
-          </a:p>
-        </p:txBody>
-      </p:sp>
-    </p:spTree>
-    <p:extLst>
-      <p:ext uri="{BB962C8B-B14F-4D97-AF65-F5344CB8AC3E}">
-        <p14:creationId xmlns:p14="http://schemas.microsoft.com/office/powerpoint/2010/main" val="1648445864"/>
-      </p:ext>
-    </p:extLst>
-  </p:cSld>
-  <p:clrMapOvr>
-    <a:masterClrMapping/>
-  </p:clrMapOvr>
-  <p:timing>
-    <p:tnLst>
-      <p:par>
-        <p:cTn id="1" dur="indefinite" restart="never" nodeType="tmRoot"/>
-      </p:par>
-    </p:tnLst>
-  </p:timing>
-</p:sld>
-</file>
-
-<file path=ppt/slides/slide25.xml><?xml version="1.0" encoding="utf-8"?>
-<p:sld xmlns:a="http://schemas.openxmlformats.org/drawingml/2006/main" xmlns:r="http://schemas.openxmlformats.org/officeDocument/2006/relationships" xmlns:p="http://schemas.openxmlformats.org/presentationml/2006/main">
-  <p:cSld>
-    <p:spTree>
-      <p:nvGrpSpPr>
-        <p:cNvPr id="1" name=""/>
-        <p:cNvGrpSpPr/>
-        <p:nvPr/>
-      </p:nvGrpSpPr>
-      <p:grpSpPr>
-        <a:xfrm>
-          <a:off x="0" y="0"/>
-          <a:ext cx="0" cy="0"/>
-          <a:chOff x="0" y="0"/>
-          <a:chExt cx="0" cy="0"/>
-        </a:xfrm>
-      </p:grpSpPr>
-      <p:sp>
-        <p:nvSpPr>
-          <p:cNvPr id="2" name="Titel 1"/>
-          <p:cNvSpPr>
-            <a:spLocks noGrp="1"/>
-          </p:cNvSpPr>
-          <p:nvPr>
-            <p:ph type="title"/>
-          </p:nvPr>
-        </p:nvSpPr>
-        <p:spPr>
-          <a:xfrm>
-            <a:off x="1154953" y="2370667"/>
-            <a:ext cx="9469503" cy="1822514"/>
-          </a:xfrm>
-        </p:spPr>
-        <p:txBody>
-          <a:bodyPr/>
-          <a:lstStyle/>
-          <a:p>
-            <a:pPr algn="ctr"/>
-            <a:r>
-              <a:rPr lang="de-DE" sz="5400" dirty="0" smtClean="0"/>
-              <a:t>Noch Fragen?</a:t>
-            </a:r>
-            <a:endParaRPr lang="de-DE" sz="5400" dirty="0"/>
-          </a:p>
-        </p:txBody>
-      </p:sp>
-      <p:sp>
-        <p:nvSpPr>
-          <p:cNvPr id="5" name="Foliennummernplatzhalter 4"/>
-          <p:cNvSpPr>
-            <a:spLocks noGrp="1"/>
-          </p:cNvSpPr>
-          <p:nvPr>
-            <p:ph type="sldNum" sz="quarter" idx="12"/>
-          </p:nvPr>
-        </p:nvSpPr>
-        <p:spPr/>
-        <p:txBody>
-          <a:bodyPr/>
-          <a:lstStyle/>
-          <a:p>
-            <a:fld id="{D57F1E4F-1CFF-5643-939E-217C01CDF565}" type="slidenum">
-              <a:rPr lang="en-US" smtClean="0"/>
-              <a:pPr/>
-              <a:t>25</a:t>
-            </a:fld>
-            <a:endParaRPr lang="en-US" dirty="0"/>
-          </a:p>
-        </p:txBody>
-      </p:sp>
-      <p:pic>
-        <p:nvPicPr>
-          <p:cNvPr id="4" name="Grafik 3"/>
-          <p:cNvPicPr>
-            <a:picLocks noChangeAspect="1"/>
-          </p:cNvPicPr>
-          <p:nvPr/>
-        </p:nvPicPr>
-        <p:blipFill>
-          <a:blip r:embed="rId3">
-            <a:extLst>
-              <a:ext uri="{28A0092B-C50C-407E-A947-70E740481C1C}">
-                <a14:useLocalDpi xmlns:a14="http://schemas.microsoft.com/office/drawing/2010/main" val="0"/>
-              </a:ext>
-            </a:extLst>
-          </a:blip>
-          <a:stretch>
-            <a:fillRect/>
-          </a:stretch>
-        </p:blipFill>
-        <p:spPr>
-          <a:xfrm>
-            <a:off x="11248792" y="5909733"/>
-            <a:ext cx="827314" cy="827314"/>
-          </a:xfrm>
-          <a:prstGeom prst="rect">
-            <a:avLst/>
-          </a:prstGeom>
-        </p:spPr>
-      </p:pic>
-      <p:sp>
-        <p:nvSpPr>
-          <p:cNvPr id="6" name="Textfeld 5"/>
-          <p:cNvSpPr txBox="1"/>
-          <p:nvPr/>
-        </p:nvSpPr>
-        <p:spPr>
-          <a:xfrm>
-            <a:off x="372650" y="6156167"/>
-            <a:ext cx="10876142" cy="338554"/>
-          </a:xfrm>
-          <a:prstGeom prst="rect">
-            <a:avLst/>
-          </a:prstGeom>
-          <a:noFill/>
-        </p:spPr>
-        <p:txBody>
-          <a:bodyPr wrap="square" rtlCol="0">
-            <a:spAutoFit/>
-          </a:bodyPr>
-          <a:lstStyle/>
-          <a:p>
-            <a:r>
-              <a:rPr lang="de-DE" sz="1600" dirty="0" smtClean="0"/>
-              <a:t>13.02.2015  |  Software Engineering I  |  Nadine Feldmann, Lukas Huwe, Michael Kerkhoff, Sebastian Ochtrup</a:t>
-            </a:r>
-            <a:endParaRPr lang="de-DE" sz="1600" dirty="0"/>
-          </a:p>
-        </p:txBody>
-      </p:sp>
-    </p:spTree>
-    <p:extLst>
-      <p:ext uri="{BB962C8B-B14F-4D97-AF65-F5344CB8AC3E}">
-        <p14:creationId xmlns:p14="http://schemas.microsoft.com/office/powerpoint/2010/main" val="1786163146"/>
-      </p:ext>
-    </p:extLst>
-  </p:cSld>
-  <p:clrMapOvr>
-    <a:masterClrMapping/>
-  </p:clrMapOvr>
-  <p:timing>
-    <p:tnLst>
-      <p:par>
-        <p:cTn id="1" dur="indefinite" restart="never" nodeType="tmRoot"/>
-      </p:par>
-    </p:tnLst>
-  </p:timing>
-</p:sld>
-</file>
-
-<file path=ppt/slides/slide26.xml><?xml version="1.0" encoding="utf-8"?>
-<p:sld xmlns:a="http://schemas.openxmlformats.org/drawingml/2006/main" xmlns:r="http://schemas.openxmlformats.org/officeDocument/2006/relationships" xmlns:p="http://schemas.openxmlformats.org/presentationml/2006/main">
-  <p:cSld>
-    <p:spTree>
-      <p:nvGrpSpPr>
-        <p:cNvPr id="1" name=""/>
-        <p:cNvGrpSpPr/>
-        <p:nvPr/>
-      </p:nvGrpSpPr>
-      <p:grpSpPr>
-        <a:xfrm>
-          <a:off x="0" y="0"/>
-          <a:ext cx="0" cy="0"/>
-          <a:chOff x="0" y="0"/>
-          <a:chExt cx="0" cy="0"/>
-        </a:xfrm>
-      </p:grpSpPr>
-      <p:sp>
-        <p:nvSpPr>
-          <p:cNvPr id="2" name="Titel 1"/>
-          <p:cNvSpPr>
-            <a:spLocks noGrp="1"/>
-          </p:cNvSpPr>
-          <p:nvPr>
-            <p:ph type="title"/>
-          </p:nvPr>
-        </p:nvSpPr>
-        <p:spPr>
-          <a:xfrm>
-            <a:off x="1154953" y="2370667"/>
-            <a:ext cx="9469503" cy="1822514"/>
-          </a:xfrm>
-        </p:spPr>
-        <p:txBody>
-          <a:bodyPr/>
-          <a:lstStyle/>
-          <a:p>
-            <a:pPr algn="ctr"/>
-            <a:r>
-              <a:rPr lang="de-DE" dirty="0" smtClean="0"/>
-              <a:t>Vielen Dank für eure Aufmerksamkeit!</a:t>
-            </a:r>
-            <a:endParaRPr lang="de-DE" dirty="0"/>
-          </a:p>
-        </p:txBody>
-      </p:sp>
-      <p:sp>
-        <p:nvSpPr>
-          <p:cNvPr id="5" name="Foliennummernplatzhalter 4"/>
-          <p:cNvSpPr>
-            <a:spLocks noGrp="1"/>
-          </p:cNvSpPr>
-          <p:nvPr>
-            <p:ph type="sldNum" sz="quarter" idx="12"/>
-          </p:nvPr>
-        </p:nvSpPr>
-        <p:spPr/>
-        <p:txBody>
-          <a:bodyPr/>
-          <a:lstStyle/>
-          <a:p>
-            <a:fld id="{D57F1E4F-1CFF-5643-939E-217C01CDF565}" type="slidenum">
-              <a:rPr lang="en-US" smtClean="0"/>
-              <a:pPr/>
-              <a:t>26</a:t>
-            </a:fld>
-            <a:endParaRPr lang="en-US" dirty="0"/>
-          </a:p>
-        </p:txBody>
-      </p:sp>
-      <p:pic>
-        <p:nvPicPr>
-          <p:cNvPr id="4" name="Grafik 3"/>
-          <p:cNvPicPr>
-            <a:picLocks noChangeAspect="1"/>
-          </p:cNvPicPr>
-          <p:nvPr/>
-        </p:nvPicPr>
-        <p:blipFill>
-          <a:blip r:embed="rId3">
-            <a:extLst>
-              <a:ext uri="{28A0092B-C50C-407E-A947-70E740481C1C}">
-                <a14:useLocalDpi xmlns:a14="http://schemas.microsoft.com/office/drawing/2010/main" val="0"/>
-              </a:ext>
-            </a:extLst>
-          </a:blip>
-          <a:stretch>
-            <a:fillRect/>
-          </a:stretch>
-        </p:blipFill>
-        <p:spPr>
-          <a:xfrm>
-            <a:off x="11248792" y="5909733"/>
-            <a:ext cx="827314" cy="827314"/>
-          </a:xfrm>
-          <a:prstGeom prst="rect">
-            <a:avLst/>
-          </a:prstGeom>
-        </p:spPr>
-      </p:pic>
-      <p:sp>
-        <p:nvSpPr>
-          <p:cNvPr id="6" name="Textfeld 5"/>
-          <p:cNvSpPr txBox="1"/>
-          <p:nvPr/>
-        </p:nvSpPr>
-        <p:spPr>
-          <a:xfrm>
-            <a:off x="372650" y="6156167"/>
-            <a:ext cx="10876142" cy="338554"/>
-          </a:xfrm>
-          <a:prstGeom prst="rect">
-            <a:avLst/>
-          </a:prstGeom>
-          <a:noFill/>
-        </p:spPr>
-        <p:txBody>
-          <a:bodyPr wrap="square" rtlCol="0">
-            <a:spAutoFit/>
-          </a:bodyPr>
-          <a:lstStyle/>
-          <a:p>
-            <a:r>
-              <a:rPr lang="de-DE" sz="1600" dirty="0" smtClean="0"/>
-              <a:t>13.02.2015  |  Software Engineering I  |  Nadine Feldmann, Lukas Huwe, Michael Kerkhoff, Sebastian Ochtrup</a:t>
-            </a:r>
-            <a:endParaRPr lang="de-DE" sz="1600" dirty="0"/>
-          </a:p>
-        </p:txBody>
-      </p:sp>
-    </p:spTree>
-    <p:extLst>
-      <p:ext uri="{BB962C8B-B14F-4D97-AF65-F5344CB8AC3E}">
-        <p14:creationId xmlns:p14="http://schemas.microsoft.com/office/powerpoint/2010/main" val="1278744805"/>
-      </p:ext>
-    </p:extLst>
-  </p:cSld>
-  <p:clrMapOvr>
-    <a:masterClrMapping/>
-  </p:clrMapOvr>
-  <p:timing>
-    <p:tnLst>
-      <p:par>
-        <p:cTn id="1" dur="indefinite" restart="never" nodeType="tmRoot"/>
-      </p:par>
-    </p:tnLst>
-  </p:timing>
-</p:sld>
-</file>
-
-<file path=ppt/slides/slide27.xml><?xml version="1.0" encoding="utf-8"?>
-<p:sld xmlns:a="http://schemas.openxmlformats.org/drawingml/2006/main" xmlns:r="http://schemas.openxmlformats.org/officeDocument/2006/relationships" xmlns:p="http://schemas.openxmlformats.org/presentationml/2006/main">
-  <p:cSld>
-    <p:spTree>
-      <p:nvGrpSpPr>
-        <p:cNvPr id="1" name=""/>
-        <p:cNvGrpSpPr/>
-        <p:nvPr/>
-      </p:nvGrpSpPr>
-      <p:grpSpPr>
-        <a:xfrm>
-          <a:off x="0" y="0"/>
-          <a:ext cx="0" cy="0"/>
-          <a:chOff x="0" y="0"/>
-          <a:chExt cx="0" cy="0"/>
-        </a:xfrm>
-      </p:grpSpPr>
-      <p:sp>
-        <p:nvSpPr>
-          <p:cNvPr id="2" name="Titel 1"/>
-          <p:cNvSpPr>
-            <a:spLocks noGrp="1"/>
-          </p:cNvSpPr>
-          <p:nvPr>
-            <p:ph type="title"/>
-          </p:nvPr>
-        </p:nvSpPr>
-        <p:spPr/>
-        <p:txBody>
-          <a:bodyPr/>
-          <a:lstStyle/>
-          <a:p>
-            <a:r>
-              <a:rPr lang="de-DE" dirty="0" smtClean="0"/>
-              <a:t>Quellen</a:t>
-            </a:r>
-            <a:endParaRPr lang="de-DE" dirty="0"/>
-          </a:p>
-        </p:txBody>
-      </p:sp>
-      <p:sp>
-        <p:nvSpPr>
-          <p:cNvPr id="3" name="Inhaltsplatzhalter 2"/>
-          <p:cNvSpPr>
-            <a:spLocks noGrp="1"/>
-          </p:cNvSpPr>
-          <p:nvPr>
-            <p:ph idx="1"/>
-          </p:nvPr>
-        </p:nvSpPr>
-        <p:spPr/>
-        <p:txBody>
-          <a:bodyPr/>
-          <a:lstStyle/>
-          <a:p>
-            <a:r>
-              <a:rPr lang="de-DE" dirty="0" smtClean="0">
-                <a:hlinkClick r:id="rId3"/>
-              </a:rPr>
-              <a:t>www.elcomsoft.com</a:t>
-            </a:r>
-            <a:endParaRPr lang="de-DE" dirty="0" smtClean="0"/>
-          </a:p>
-          <a:p>
-            <a:r>
-              <a:rPr lang="de-DE" dirty="0" smtClean="0">
-                <a:hlinkClick r:id="rId4"/>
-              </a:rPr>
-              <a:t>www.elcomsoft.com/WP/BH-EU-2012-WP.pdf</a:t>
-            </a:r>
-            <a:endParaRPr lang="de-DE" dirty="0" smtClean="0"/>
-          </a:p>
-          <a:p>
-            <a:endParaRPr lang="de-DE" dirty="0" smtClean="0"/>
-          </a:p>
-        </p:txBody>
-      </p:sp>
-      <p:pic>
-        <p:nvPicPr>
-          <p:cNvPr id="4" name="Grafik 3"/>
-          <p:cNvPicPr>
-            <a:picLocks noChangeAspect="1"/>
-          </p:cNvPicPr>
-          <p:nvPr/>
-        </p:nvPicPr>
-        <p:blipFill>
-          <a:blip r:embed="rId5">
-            <a:extLst>
-              <a:ext uri="{28A0092B-C50C-407E-A947-70E740481C1C}">
-                <a14:useLocalDpi xmlns:a14="http://schemas.microsoft.com/office/drawing/2010/main" val="0"/>
-              </a:ext>
-            </a:extLst>
-          </a:blip>
-          <a:stretch>
-            <a:fillRect/>
-          </a:stretch>
-        </p:blipFill>
-        <p:spPr>
-          <a:xfrm>
-            <a:off x="11248792" y="5909733"/>
-            <a:ext cx="827314" cy="827314"/>
-          </a:xfrm>
-          <a:prstGeom prst="rect">
-            <a:avLst/>
-          </a:prstGeom>
-        </p:spPr>
-      </p:pic>
-      <p:sp>
-        <p:nvSpPr>
-          <p:cNvPr id="5" name="Foliennummernplatzhalter 4"/>
-          <p:cNvSpPr>
-            <a:spLocks noGrp="1"/>
-          </p:cNvSpPr>
-          <p:nvPr>
-            <p:ph type="sldNum" sz="quarter" idx="12"/>
-          </p:nvPr>
-        </p:nvSpPr>
-        <p:spPr/>
-        <p:txBody>
-          <a:bodyPr/>
-          <a:lstStyle/>
-          <a:p>
-            <a:fld id="{D57F1E4F-1CFF-5643-939E-217C01CDF565}" type="slidenum">
-              <a:rPr lang="en-US" smtClean="0"/>
-              <a:pPr/>
-              <a:t>27</a:t>
-            </a:fld>
-            <a:endParaRPr lang="en-US" dirty="0"/>
-          </a:p>
-        </p:txBody>
-      </p:sp>
-      <p:sp>
-        <p:nvSpPr>
-          <p:cNvPr id="6" name="Textfeld 5"/>
-          <p:cNvSpPr txBox="1"/>
-          <p:nvPr/>
-        </p:nvSpPr>
-        <p:spPr>
-          <a:xfrm>
-            <a:off x="372650" y="6156167"/>
-            <a:ext cx="10876142" cy="338554"/>
-          </a:xfrm>
-          <a:prstGeom prst="rect">
-            <a:avLst/>
-          </a:prstGeom>
-          <a:noFill/>
-        </p:spPr>
-        <p:txBody>
-          <a:bodyPr wrap="square" rtlCol="0">
-            <a:spAutoFit/>
-          </a:bodyPr>
-          <a:lstStyle/>
-          <a:p>
-            <a:r>
-              <a:rPr lang="de-DE" sz="1600" dirty="0" smtClean="0"/>
-              <a:t>13.02.2015  |  Software Engineering I  |  Nadine Feldmann, Lukas Huwe, Michael Kerkhoff, Sebastian Ochtrup</a:t>
-            </a:r>
-            <a:endParaRPr lang="de-DE" sz="1600" dirty="0"/>
-          </a:p>
-        </p:txBody>
-      </p:sp>
-    </p:spTree>
-    <p:extLst>
-      <p:ext uri="{BB962C8B-B14F-4D97-AF65-F5344CB8AC3E}">
-        <p14:creationId xmlns:p14="http://schemas.microsoft.com/office/powerpoint/2010/main" val="3216998357"/>
-      </p:ext>
-    </p:extLst>
-  </p:cSld>
-  <p:clrMapOvr>
-    <a:masterClrMapping/>
-  </p:clrMapOvr>
-  <p:timing>
-    <p:tnLst>
-      <p:par>
-        <p:cTn id="1" dur="indefinite" restart="never" nodeType="tmRoot"/>
-      </p:par>
-    </p:tnLst>
-  </p:timing>
-</p:sld>
-</file>
-
-<file path=ppt/slides/slide3.xml><?xml version="1.0" encoding="utf-8"?>
-<p:sld xmlns:a="http://schemas.openxmlformats.org/drawingml/2006/main" xmlns:r="http://schemas.openxmlformats.org/officeDocument/2006/relationships" xmlns:p="http://schemas.openxmlformats.org/presentationml/2006/main">
-  <p:cSld>
-    <p:spTree>
-      <p:nvGrpSpPr>
-        <p:cNvPr id="1" name=""/>
-        <p:cNvGrpSpPr/>
-        <p:nvPr/>
-      </p:nvGrpSpPr>
-      <p:grpSpPr>
-        <a:xfrm>
-          <a:off x="0" y="0"/>
-          <a:ext cx="0" cy="0"/>
-          <a:chOff x="0" y="0"/>
-          <a:chExt cx="0" cy="0"/>
-        </a:xfrm>
-      </p:grpSpPr>
-      <p:sp>
-        <p:nvSpPr>
-          <p:cNvPr id="2" name="Titel 1"/>
-          <p:cNvSpPr>
-            <a:spLocks noGrp="1"/>
-          </p:cNvSpPr>
-          <p:nvPr>
-            <p:ph type="title"/>
-          </p:nvPr>
-        </p:nvSpPr>
-        <p:spPr/>
-        <p:txBody>
-          <a:bodyPr/>
-          <a:lstStyle/>
-          <a:p>
-            <a:r>
-              <a:rPr lang="de-DE" dirty="0" smtClean="0"/>
-              <a:t>Motivation</a:t>
-            </a:r>
-            <a:endParaRPr lang="de-DE" dirty="0"/>
-          </a:p>
-        </p:txBody>
-      </p:sp>
-      <p:sp>
-        <p:nvSpPr>
-          <p:cNvPr id="3" name="Inhaltsplatzhalter 2"/>
-          <p:cNvSpPr>
-            <a:spLocks noGrp="1"/>
-          </p:cNvSpPr>
-          <p:nvPr>
-            <p:ph idx="1"/>
-          </p:nvPr>
-        </p:nvSpPr>
-        <p:spPr/>
-        <p:txBody>
-          <a:bodyPr/>
-          <a:lstStyle/>
-          <a:p>
-            <a:endParaRPr lang="de-DE" dirty="0"/>
-          </a:p>
-        </p:txBody>
-      </p:sp>
-      <p:pic>
-        <p:nvPicPr>
-          <p:cNvPr id="4" name="Grafik 3"/>
-          <p:cNvPicPr>
-            <a:picLocks noChangeAspect="1"/>
-          </p:cNvPicPr>
-          <p:nvPr/>
-        </p:nvPicPr>
-        <p:blipFill>
-          <a:blip r:embed="rId3">
-            <a:extLst>
-              <a:ext uri="{28A0092B-C50C-407E-A947-70E740481C1C}">
-                <a14:useLocalDpi xmlns:a14="http://schemas.microsoft.com/office/drawing/2010/main" val="0"/>
-              </a:ext>
-            </a:extLst>
-          </a:blip>
-          <a:stretch>
-            <a:fillRect/>
-          </a:stretch>
-        </p:blipFill>
-        <p:spPr>
-          <a:xfrm>
-            <a:off x="11248792" y="5909733"/>
-            <a:ext cx="827314" cy="827314"/>
-          </a:xfrm>
-          <a:prstGeom prst="rect">
-            <a:avLst/>
-          </a:prstGeom>
-        </p:spPr>
-      </p:pic>
-      <p:sp>
-        <p:nvSpPr>
-          <p:cNvPr id="5" name="Foliennummernplatzhalter 4"/>
-          <p:cNvSpPr>
-            <a:spLocks noGrp="1"/>
-          </p:cNvSpPr>
-          <p:nvPr>
-            <p:ph type="sldNum" sz="quarter" idx="12"/>
-          </p:nvPr>
-        </p:nvSpPr>
-        <p:spPr/>
-        <p:txBody>
-          <a:bodyPr/>
-          <a:lstStyle/>
-          <a:p>
-            <a:fld id="{D57F1E4F-1CFF-5643-939E-217C01CDF565}" type="slidenum">
-              <a:rPr lang="en-US" smtClean="0"/>
-              <a:pPr/>
-              <a:t>3</a:t>
-            </a:fld>
-            <a:endParaRPr lang="en-US" dirty="0"/>
-          </a:p>
-        </p:txBody>
-      </p:sp>
-      <p:sp>
-        <p:nvSpPr>
-          <p:cNvPr id="6" name="Textfeld 5"/>
-          <p:cNvSpPr txBox="1"/>
-          <p:nvPr/>
-        </p:nvSpPr>
-        <p:spPr>
-          <a:xfrm>
-            <a:off x="372650" y="6156167"/>
-            <a:ext cx="10876142" cy="338554"/>
-          </a:xfrm>
-          <a:prstGeom prst="rect">
-            <a:avLst/>
-          </a:prstGeom>
-          <a:noFill/>
-        </p:spPr>
-        <p:txBody>
-          <a:bodyPr wrap="square" rtlCol="0">
-            <a:spAutoFit/>
-          </a:bodyPr>
-          <a:lstStyle/>
-          <a:p>
-            <a:r>
-              <a:rPr lang="de-DE" sz="1600" dirty="0" smtClean="0"/>
-              <a:t>13.02.2015  |  Software Engineering I  |  Nadine Feldmann, Lukas Huwe, Michael Kerkhoff, Sebastian Ochtrup</a:t>
-            </a:r>
-            <a:endParaRPr lang="de-DE" sz="1600" dirty="0"/>
-          </a:p>
-        </p:txBody>
-      </p:sp>
-    </p:spTree>
-    <p:extLst>
-      <p:ext uri="{BB962C8B-B14F-4D97-AF65-F5344CB8AC3E}">
-        <p14:creationId xmlns:p14="http://schemas.microsoft.com/office/powerpoint/2010/main" val="1662249724"/>
+        <p14:creationId xmlns:p14="http://schemas.microsoft.com/office/powerpoint/2010/main" val="537447969"/>
       </p:ext>
     </p:extLst>
   </p:cSld>
@@ -21199,7 +19663,7 @@
           <a:p>
             <a:r>
               <a:rPr lang="de-DE" dirty="0" smtClean="0"/>
-              <a:t>Konzept</a:t>
+              <a:t>Motivation</a:t>
             </a:r>
             <a:endParaRPr lang="de-DE" dirty="0"/>
           </a:p>
@@ -21233,56 +19697,68 @@
             </a:r>
             <a:r>
               <a:rPr lang="de-DE" dirty="0" smtClean="0"/>
-              <a:t> Force Angriffe sind durch eingeschränkten Schlüsselraum und zunehmende Rechenkapazität immer schneller</a:t>
-            </a:r>
+              <a:t> Force Angriffe </a:t>
+            </a:r>
+            <a:r>
+              <a:rPr lang="de-DE" dirty="0" smtClean="0"/>
+              <a:t>immer bedrohlicher</a:t>
+            </a:r>
+            <a:endParaRPr lang="de-DE" dirty="0" smtClean="0"/>
           </a:p>
           <a:p>
             <a:pPr lvl="1"/>
             <a:r>
               <a:rPr lang="de-DE" dirty="0" smtClean="0"/>
-              <a:t>Rechenkapazität lässt sich schon heute durch </a:t>
+              <a:t>Zusätzliche Rechenkapazität durch </a:t>
+            </a:r>
+            <a:r>
+              <a:rPr lang="de-DE" dirty="0" smtClean="0"/>
+              <a:t>Cloud </a:t>
+            </a:r>
+            <a:r>
+              <a:rPr lang="de-DE" dirty="0" smtClean="0"/>
+              <a:t>Computing</a:t>
+            </a:r>
+            <a:endParaRPr lang="de-DE" dirty="0" smtClean="0"/>
+          </a:p>
+          <a:p>
+            <a:pPr lvl="1"/>
+            <a:r>
+              <a:rPr lang="de-DE" dirty="0" smtClean="0"/>
+              <a:t>Wörterbuchangriffe erhöhen Risiko weiter</a:t>
+            </a:r>
+            <a:endParaRPr lang="de-DE" dirty="0" smtClean="0"/>
+          </a:p>
+          <a:p>
+            <a:pPr lvl="2"/>
+            <a:r>
+              <a:rPr lang="de-DE" dirty="0" smtClean="0"/>
+              <a:t>40 </a:t>
+            </a:r>
+            <a:r>
+              <a:rPr lang="de-DE" dirty="0" smtClean="0"/>
+              <a:t>% aller geschäftlich genutzten Passwörter </a:t>
+            </a:r>
+            <a:r>
+              <a:rPr lang="de-DE" dirty="0" smtClean="0"/>
+              <a:t>in Wörterbüchern auffindbar</a:t>
+            </a:r>
+            <a:endParaRPr lang="de-DE" dirty="0" smtClean="0"/>
+          </a:p>
+          <a:p>
+            <a:r>
+              <a:rPr lang="de-DE" dirty="0" smtClean="0"/>
+              <a:t>Studie: Konventionelle </a:t>
+            </a:r>
+            <a:r>
+              <a:rPr lang="de-DE" dirty="0" smtClean="0"/>
+              <a:t>Passwort Manager Apps ausnahmslos in kurzer Zeit </a:t>
             </a:r>
             <a:r>
               <a:rPr lang="de-DE" dirty="0" err="1" smtClean="0"/>
-              <a:t>Cloud</a:t>
-            </a:r>
-            <a:r>
-              <a:rPr lang="de-DE" dirty="0" smtClean="0"/>
-              <a:t> Computing flexibel </a:t>
-            </a:r>
-            <a:r>
-              <a:rPr lang="de-DE" dirty="0" err="1" smtClean="0"/>
-              <a:t>dazubuchen</a:t>
+              <a:t>knackbar</a:t>
             </a:r>
             <a:endParaRPr lang="de-DE" dirty="0" smtClean="0"/>
-          </a:p>
-          <a:p>
-            <a:pPr lvl="1"/>
-            <a:r>
-              <a:rPr lang="de-DE" dirty="0" smtClean="0"/>
-              <a:t>Durch gezielte Angriffe erhöht sich das Risiko weiter (Wörterbuchangriff)</a:t>
-            </a:r>
-          </a:p>
-          <a:p>
-            <a:pPr lvl="1"/>
-            <a:r>
-              <a:rPr lang="de-DE" dirty="0" smtClean="0"/>
-              <a:t>Untersuchungen haben ergeben, dass 40 % aller geschäftlich genutzten Passwörter in Wörterbüchern zu finden sind</a:t>
-            </a:r>
-          </a:p>
-          <a:p>
-            <a:r>
-              <a:rPr lang="de-DE" dirty="0" smtClean="0"/>
-              <a:t>Studie zeigt, dass konventionelle Passwort Manager </a:t>
-            </a:r>
-            <a:r>
-              <a:rPr lang="de-DE" dirty="0" err="1" smtClean="0"/>
-              <a:t>Apps</a:t>
-            </a:r>
-            <a:r>
-              <a:rPr lang="de-DE" dirty="0" smtClean="0"/>
-              <a:t> ausnahmslos in kurzer Zeit geknackt werden können</a:t>
-            </a:r>
           </a:p>
           <a:p>
             <a:endParaRPr lang="de-DE" dirty="0" smtClean="0"/>
@@ -21470,15 +19946,19 @@
             <a:pPr lvl="1"/>
             <a:r>
               <a:rPr lang="de-DE" dirty="0" smtClean="0"/>
-              <a:t>Unabhängig der Korrektheit des Passworts werden die verwalteten Passwörter mit diesem Schlüssel entschlüsselt</a:t>
+              <a:t>Keine Rückmeldung zur Korrektheit</a:t>
             </a:r>
           </a:p>
           <a:p>
             <a:pPr lvl="1"/>
             <a:r>
               <a:rPr lang="de-DE" dirty="0" smtClean="0"/>
-              <a:t>So erhält der Angreifer keine Rückmeldung zur Korrektheit des Passworts und weiß nicht ob der Angriff erfolgreich war</a:t>
-            </a:r>
+              <a:t>Entschlüsselung unabhängig der Korrektheit des Passworts</a:t>
+            </a:r>
+          </a:p>
+          <a:p>
+            <a:pPr lvl="1"/>
+            <a:endParaRPr lang="de-DE" dirty="0" smtClean="0"/>
           </a:p>
         </p:txBody>
       </p:sp>
@@ -22417,6 +20897,47 @@
           </a:p>
         </p:txBody>
       </p:sp>
+      <p:pic>
+        <p:nvPicPr>
+          <p:cNvPr id="3074" name="Picture 2" descr="http://www.peppauf.de/WebRoot/Store2/Shops/62361801/4F1E/6232/80C0/D7B1/E951/C0A8/28BA/8FBD/Schraubenzieher_schwarz.jpg"/>
+          <p:cNvPicPr>
+            <a:picLocks noChangeAspect="1" noChangeArrowheads="1"/>
+          </p:cNvPicPr>
+          <p:nvPr/>
+        </p:nvPicPr>
+        <p:blipFill>
+          <a:blip r:embed="rId4">
+            <a:extLst>
+              <a:ext uri="{28A0092B-C50C-407E-A947-70E740481C1C}">
+                <a14:useLocalDpi xmlns:a14="http://schemas.microsoft.com/office/drawing/2010/main" val="0"/>
+              </a:ext>
+            </a:extLst>
+          </a:blip>
+          <a:srcRect/>
+          <a:stretch>
+            <a:fillRect/>
+          </a:stretch>
+        </p:blipFill>
+        <p:spPr bwMode="auto">
+          <a:xfrm>
+            <a:off x="8526850" y="2696946"/>
+            <a:ext cx="1825690" cy="1825690"/>
+          </a:xfrm>
+          <a:prstGeom prst="rect">
+            <a:avLst/>
+          </a:prstGeom>
+          <a:noFill/>
+          <a:extLst>
+            <a:ext uri="{909E8E84-426E-40DD-AFC4-6F175D3DCCD1}">
+              <a14:hiddenFill xmlns:a14="http://schemas.microsoft.com/office/drawing/2010/main">
+                <a:solidFill>
+                  <a:srgbClr val="FFFFFF"/>
+                </a:solidFill>
+              </a14:hiddenFill>
+            </a:ext>
+          </a:extLst>
+        </p:spPr>
+      </p:pic>
     </p:spTree>
     <p:extLst>
       <p:ext uri="{BB962C8B-B14F-4D97-AF65-F5344CB8AC3E}">
@@ -22552,8 +21073,28 @@
             <a:pPr lvl="1"/>
             <a:r>
               <a:rPr lang="de-DE" dirty="0" smtClean="0"/>
-              <a:t>Unterstützung durch viele Tools</a:t>
-            </a:r>
+              <a:t>Unterstützung durch viele </a:t>
+            </a:r>
+            <a:r>
+              <a:rPr lang="de-DE" dirty="0" smtClean="0"/>
+              <a:t>Tools</a:t>
+            </a:r>
+          </a:p>
+          <a:p>
+            <a:pPr lvl="1"/>
+            <a:r>
+              <a:rPr lang="de-DE" dirty="0" smtClean="0"/>
+              <a:t>Mitgelieferte </a:t>
+            </a:r>
+            <a:r>
+              <a:rPr lang="de-DE" i="1" dirty="0" err="1" smtClean="0"/>
+              <a:t>gitignore</a:t>
+            </a:r>
+            <a:r>
+              <a:rPr lang="de-DE" i="1" dirty="0" smtClean="0"/>
+              <a:t>-Files</a:t>
+            </a:r>
+            <a:endParaRPr lang="de-DE" i="1" dirty="0" smtClean="0"/>
           </a:p>
           <a:p>
             <a:endParaRPr lang="de-DE" dirty="0"/>

--- a/Dokumentation/PWSafe Präsentation.pptx
+++ b/Dokumentation/PWSafe Präsentation.pptx
@@ -128,7 +128,7 @@
   </p:defaultTextStyle>
   <p:extLst>
     <p:ext uri="{EFAFB233-063F-42B5-8137-9DF3F51BA10A}">
-      <p15:sldGuideLst xmlns:p15="http://schemas.microsoft.com/office/powerpoint/2012/main">
+      <p15:sldGuideLst xmlns:p15="http://schemas.microsoft.com/office/powerpoint/2012/main" xmlns="">
         <p15:guide id="1" orient="horz" pos="2160">
           <p15:clr>
             <a:srgbClr val="A4A3A4"/>
@@ -142,7 +142,7 @@
       </p15:sldGuideLst>
     </p:ext>
     <p:ext uri="{2D200454-40CA-4A62-9FC3-DE9A4176ACB9}">
-      <p15:notesGuideLst xmlns:p15="http://schemas.microsoft.com/office/powerpoint/2012/main"/>
+      <p15:notesGuideLst xmlns:p15="http://schemas.microsoft.com/office/powerpoint/2012/main" xmlns=""/>
     </p:ext>
   </p:extLst>
 </p:presentation>
@@ -231,7 +231,7 @@
             <a:fld id="{B4AA8B1B-A85F-43ED-A41A-985067DF8577}" type="datetimeFigureOut">
               <a:rPr lang="de-DE" smtClean="0"/>
               <a:pPr/>
-              <a:t>10.02.2015</a:t>
+              <a:t>12.02.2015</a:t>
             </a:fld>
             <a:endParaRPr lang="de-DE"/>
           </a:p>
@@ -400,7 +400,7 @@
     </p:spTree>
     <p:extLst>
       <p:ext uri="{BB962C8B-B14F-4D97-AF65-F5344CB8AC3E}">
-        <p14:creationId xmlns:p14="http://schemas.microsoft.com/office/powerpoint/2010/main" val="2805633478"/>
+        <p14:creationId xmlns:p14="http://schemas.microsoft.com/office/powerpoint/2010/main" xmlns="" val="2805633478"/>
       </p:ext>
     </p:extLst>
   </p:cSld>
@@ -575,7 +575,7 @@
     </p:spTree>
     <p:extLst>
       <p:ext uri="{BB962C8B-B14F-4D97-AF65-F5344CB8AC3E}">
-        <p14:creationId xmlns:p14="http://schemas.microsoft.com/office/powerpoint/2010/main" val="2124923709"/>
+        <p14:creationId xmlns:p14="http://schemas.microsoft.com/office/powerpoint/2010/main" xmlns="" val="2124923709"/>
       </p:ext>
     </p:extLst>
   </p:cSld>
@@ -742,7 +742,7 @@
     </p:spTree>
     <p:extLst>
       <p:ext uri="{BB962C8B-B14F-4D97-AF65-F5344CB8AC3E}">
-        <p14:creationId xmlns:p14="http://schemas.microsoft.com/office/powerpoint/2010/main" val="2145289091"/>
+        <p14:creationId xmlns:p14="http://schemas.microsoft.com/office/powerpoint/2010/main" xmlns="" val="2145289091"/>
       </p:ext>
     </p:extLst>
   </p:cSld>
@@ -913,7 +913,7 @@
     </p:spTree>
     <p:extLst>
       <p:ext uri="{BB962C8B-B14F-4D97-AF65-F5344CB8AC3E}">
-        <p14:creationId xmlns:p14="http://schemas.microsoft.com/office/powerpoint/2010/main" val="461146694"/>
+        <p14:creationId xmlns:p14="http://schemas.microsoft.com/office/powerpoint/2010/main" xmlns="" val="461146694"/>
       </p:ext>
     </p:extLst>
   </p:cSld>
@@ -998,7 +998,7 @@
     </p:spTree>
     <p:extLst>
       <p:ext uri="{BB962C8B-B14F-4D97-AF65-F5344CB8AC3E}">
-        <p14:creationId xmlns:p14="http://schemas.microsoft.com/office/powerpoint/2010/main" val="4219797847"/>
+        <p14:creationId xmlns:p14="http://schemas.microsoft.com/office/powerpoint/2010/main" xmlns="" val="4219797847"/>
       </p:ext>
     </p:extLst>
   </p:cSld>
@@ -1073,6 +1073,7 @@
           <a:p>
             <a:fld id="{05D1FABD-69C2-49F9-BD91-F05E017FE538}" type="slidenum">
               <a:rPr lang="de-DE" smtClean="0"/>
+              <a:pPr/>
               <a:t>14</a:t>
             </a:fld>
             <a:endParaRPr lang="de-DE"/>
@@ -1082,7 +1083,7 @@
     </p:spTree>
     <p:extLst>
       <p:ext uri="{BB962C8B-B14F-4D97-AF65-F5344CB8AC3E}">
-        <p14:creationId xmlns:p14="http://schemas.microsoft.com/office/powerpoint/2010/main" val="2754737602"/>
+        <p14:creationId xmlns:p14="http://schemas.microsoft.com/office/powerpoint/2010/main" xmlns="" val="2754737602"/>
       </p:ext>
     </p:extLst>
   </p:cSld>
@@ -1157,6 +1158,7 @@
           <a:p>
             <a:fld id="{05D1FABD-69C2-49F9-BD91-F05E017FE538}" type="slidenum">
               <a:rPr lang="de-DE" smtClean="0"/>
+              <a:pPr/>
               <a:t>15</a:t>
             </a:fld>
             <a:endParaRPr lang="de-DE"/>
@@ -1166,7 +1168,7 @@
     </p:spTree>
     <p:extLst>
       <p:ext uri="{BB962C8B-B14F-4D97-AF65-F5344CB8AC3E}">
-        <p14:creationId xmlns:p14="http://schemas.microsoft.com/office/powerpoint/2010/main" val="657275192"/>
+        <p14:creationId xmlns:p14="http://schemas.microsoft.com/office/powerpoint/2010/main" xmlns="" val="657275192"/>
       </p:ext>
     </p:extLst>
   </p:cSld>
@@ -1241,6 +1243,7 @@
           <a:p>
             <a:fld id="{05D1FABD-69C2-49F9-BD91-F05E017FE538}" type="slidenum">
               <a:rPr lang="de-DE" smtClean="0"/>
+              <a:pPr/>
               <a:t>16</a:t>
             </a:fld>
             <a:endParaRPr lang="de-DE"/>
@@ -1250,7 +1253,7 @@
     </p:spTree>
     <p:extLst>
       <p:ext uri="{BB962C8B-B14F-4D97-AF65-F5344CB8AC3E}">
-        <p14:creationId xmlns:p14="http://schemas.microsoft.com/office/powerpoint/2010/main" val="183309910"/>
+        <p14:creationId xmlns:p14="http://schemas.microsoft.com/office/powerpoint/2010/main" xmlns="" val="183309910"/>
       </p:ext>
     </p:extLst>
   </p:cSld>
@@ -1325,6 +1328,7 @@
           <a:p>
             <a:fld id="{05D1FABD-69C2-49F9-BD91-F05E017FE538}" type="slidenum">
               <a:rPr lang="de-DE" smtClean="0"/>
+              <a:pPr/>
               <a:t>17</a:t>
             </a:fld>
             <a:endParaRPr lang="de-DE"/>
@@ -1334,7 +1338,7 @@
     </p:spTree>
     <p:extLst>
       <p:ext uri="{BB962C8B-B14F-4D97-AF65-F5344CB8AC3E}">
-        <p14:creationId xmlns:p14="http://schemas.microsoft.com/office/powerpoint/2010/main" val="1748681489"/>
+        <p14:creationId xmlns:p14="http://schemas.microsoft.com/office/powerpoint/2010/main" xmlns="" val="1748681489"/>
       </p:ext>
     </p:extLst>
   </p:cSld>
@@ -1419,7 +1423,7 @@
     </p:spTree>
     <p:extLst>
       <p:ext uri="{BB962C8B-B14F-4D97-AF65-F5344CB8AC3E}">
-        <p14:creationId xmlns:p14="http://schemas.microsoft.com/office/powerpoint/2010/main" val="3297351362"/>
+        <p14:creationId xmlns:p14="http://schemas.microsoft.com/office/powerpoint/2010/main" xmlns="" val="3297351362"/>
       </p:ext>
     </p:extLst>
   </p:cSld>
@@ -1504,7 +1508,7 @@
     </p:spTree>
     <p:extLst>
       <p:ext uri="{BB962C8B-B14F-4D97-AF65-F5344CB8AC3E}">
-        <p14:creationId xmlns:p14="http://schemas.microsoft.com/office/powerpoint/2010/main" val="784737350"/>
+        <p14:creationId xmlns:p14="http://schemas.microsoft.com/office/powerpoint/2010/main" xmlns="" val="784737350"/>
       </p:ext>
     </p:extLst>
   </p:cSld>
@@ -1589,7 +1593,7 @@
     </p:spTree>
     <p:extLst>
       <p:ext uri="{BB962C8B-B14F-4D97-AF65-F5344CB8AC3E}">
-        <p14:creationId xmlns:p14="http://schemas.microsoft.com/office/powerpoint/2010/main" val="1066156749"/>
+        <p14:creationId xmlns:p14="http://schemas.microsoft.com/office/powerpoint/2010/main" xmlns="" val="1066156749"/>
       </p:ext>
     </p:extLst>
   </p:cSld>
@@ -1674,7 +1678,7 @@
     </p:spTree>
     <p:extLst>
       <p:ext uri="{BB962C8B-B14F-4D97-AF65-F5344CB8AC3E}">
-        <p14:creationId xmlns:p14="http://schemas.microsoft.com/office/powerpoint/2010/main" val="617600904"/>
+        <p14:creationId xmlns:p14="http://schemas.microsoft.com/office/powerpoint/2010/main" xmlns="" val="617600904"/>
       </p:ext>
     </p:extLst>
   </p:cSld>
@@ -1728,26 +1732,111 @@
           <a:bodyPr/>
           <a:lstStyle/>
           <a:p>
+            <a:pPr>
+              <a:buFontTx/>
+              <a:buChar char="-"/>
+            </a:pPr>
             <a:r>
               <a:rPr lang="de-DE" dirty="0" smtClean="0"/>
-              <a:t>Grundlage</a:t>
+              <a:t>Zunehmender Gefahrenanstieg</a:t>
+            </a:r>
+          </a:p>
+          <a:p>
+            <a:pPr lvl="1">
+              <a:buFontTx/>
+              <a:buChar char="-"/>
+            </a:pPr>
+            <a:r>
+              <a:rPr lang="de-DE" dirty="0" err="1" smtClean="0"/>
+              <a:t>Brute</a:t>
+            </a:r>
+            <a:r>
+              <a:rPr lang="de-DE" dirty="0" smtClean="0"/>
+              <a:t> Force Angriffe:</a:t>
             </a:r>
             <a:r>
               <a:rPr lang="de-DE" baseline="0" dirty="0" smtClean="0"/>
-              <a:t> der Studie: 17 </a:t>
+              <a:t> E</a:t>
+            </a:r>
+            <a:r>
+              <a:rPr lang="de-DE" dirty="0" smtClean="0"/>
+              <a:t>ingeschränkter Schlüsselraum und zunehmende Rechenkapazität</a:t>
+            </a:r>
+          </a:p>
+          <a:p>
+            <a:pPr lvl="1">
+              <a:buFontTx/>
+              <a:buChar char="-"/>
+            </a:pPr>
+            <a:r>
+              <a:rPr lang="de-DE" dirty="0" err="1" smtClean="0"/>
+              <a:t>Cloud</a:t>
+            </a:r>
+            <a:r>
+              <a:rPr lang="de-DE" dirty="0" smtClean="0"/>
+              <a:t> Computing: Rechenkapazität flexibel </a:t>
+            </a:r>
+            <a:r>
+              <a:rPr lang="de-DE" dirty="0" err="1" smtClean="0"/>
+              <a:t>dazubuchbar</a:t>
+            </a:r>
+            <a:endParaRPr lang="de-DE" dirty="0" smtClean="0"/>
+          </a:p>
+          <a:p>
+            <a:pPr lvl="1">
+              <a:buFontTx/>
+              <a:buChar char="-"/>
+            </a:pPr>
+            <a:r>
+              <a:rPr lang="de-DE" dirty="0" smtClean="0"/>
+              <a:t>Wörterbuchangriff:</a:t>
+            </a:r>
+            <a:r>
+              <a:rPr lang="de-DE" baseline="0" dirty="0" smtClean="0"/>
+              <a:t> Gezielter Angriff (Standardpasswörter, wie „Passwort“, „Geheim“, …)</a:t>
+            </a:r>
+          </a:p>
+          <a:p>
+            <a:pPr lvl="1">
+              <a:buFontTx/>
+              <a:buChar char="-"/>
+            </a:pPr>
+            <a:r>
+              <a:rPr lang="de-DE" baseline="0" dirty="0" smtClean="0"/>
+              <a:t>Studie: 40% in Wörterbüchern auffindbar (Nicht nur Privatpersonen sondern auch Unternehmungen !)</a:t>
+            </a:r>
+          </a:p>
+          <a:p>
+            <a:pPr lvl="0">
+              <a:buFontTx/>
+              <a:buChar char="-"/>
+            </a:pPr>
+            <a:r>
+              <a:rPr lang="de-DE" dirty="0" smtClean="0"/>
+              <a:t>Studie:</a:t>
+            </a:r>
+            <a:r>
+              <a:rPr lang="de-DE" baseline="0" dirty="0" smtClean="0"/>
+              <a:t> 17 </a:t>
             </a:r>
             <a:r>
               <a:rPr lang="de-DE" baseline="0" dirty="0" err="1" smtClean="0"/>
               <a:t>Apps</a:t>
             </a:r>
-            <a:endParaRPr lang="de-DE" baseline="0" dirty="0" smtClean="0"/>
-          </a:p>
-          <a:p>
             <a:r>
               <a:rPr lang="de-DE" baseline="0" dirty="0" smtClean="0"/>
-              <a:t>Innerhalb eines Tages geknackt</a:t>
-            </a:r>
-            <a:endParaRPr lang="de-DE" dirty="0"/>
+              <a:t> innerhalb eines Tages geknackt</a:t>
+            </a:r>
+          </a:p>
+          <a:p>
+            <a:pPr lvl="1">
+              <a:buFontTx/>
+              <a:buChar char="-"/>
+            </a:pPr>
+            <a:r>
+              <a:rPr lang="de-DE" baseline="0" dirty="0" smtClean="0"/>
+              <a:t> Hohe Relevanz durch Zugangsdaten für Online Banking, Amazon, …</a:t>
+            </a:r>
           </a:p>
         </p:txBody>
       </p:sp>
@@ -1778,7 +1867,7 @@
     </p:spTree>
     <p:extLst>
       <p:ext uri="{BB962C8B-B14F-4D97-AF65-F5344CB8AC3E}">
-        <p14:creationId xmlns:p14="http://schemas.microsoft.com/office/powerpoint/2010/main" val="1928648976"/>
+        <p14:creationId xmlns:p14="http://schemas.microsoft.com/office/powerpoint/2010/main" xmlns="" val="1928648976"/>
       </p:ext>
     </p:extLst>
   </p:cSld>
@@ -1832,7 +1921,63 @@
           <a:bodyPr/>
           <a:lstStyle/>
           <a:p>
-            <a:endParaRPr lang="de-DE" dirty="0"/>
+            <a:pPr>
+              <a:buFontTx/>
+              <a:buChar char="-"/>
+            </a:pPr>
+            <a:r>
+              <a:rPr lang="de-DE" dirty="0" smtClean="0"/>
+              <a:t>Schwächen konventioneller Passwort Manager</a:t>
+            </a:r>
+          </a:p>
+          <a:p>
+            <a:pPr lvl="1">
+              <a:buFontTx/>
+              <a:buChar char="-"/>
+            </a:pPr>
+            <a:r>
+              <a:rPr lang="de-DE" dirty="0" smtClean="0"/>
+              <a:t>Rückmeldung an den Angreifer zur Korrektheit des Passworts</a:t>
+            </a:r>
+          </a:p>
+          <a:p>
+            <a:pPr lvl="0">
+              <a:buFontTx/>
+              <a:buChar char="-"/>
+            </a:pPr>
+            <a:r>
+              <a:rPr lang="de-DE" dirty="0" smtClean="0"/>
+              <a:t>Der Clou</a:t>
+            </a:r>
+          </a:p>
+          <a:p>
+            <a:pPr lvl="1">
+              <a:buFontTx/>
+              <a:buChar char="-"/>
+            </a:pPr>
+            <a:r>
+              <a:rPr lang="de-DE" dirty="0" smtClean="0"/>
+              <a:t>Keine</a:t>
+            </a:r>
+            <a:r>
+              <a:rPr lang="de-DE" baseline="0" dirty="0" smtClean="0"/>
+              <a:t> Rückmeldung: Angreifer weiß nicht ob Angriff erfolgreich war</a:t>
+            </a:r>
+          </a:p>
+          <a:p>
+            <a:pPr lvl="1">
+              <a:buFontTx/>
+              <a:buChar char="-"/>
+            </a:pPr>
+            <a:r>
+              <a:rPr lang="de-DE" baseline="0" dirty="0" err="1" smtClean="0"/>
+              <a:t>Entschlüsslung</a:t>
+            </a:r>
+            <a:r>
+              <a:rPr lang="de-DE" baseline="0" dirty="0" smtClean="0"/>
+              <a:t>: In jedem Fall mit dem (ggfs. falschen) Schlüssel</a:t>
+            </a:r>
+            <a:endParaRPr lang="de-DE" dirty="0" smtClean="0"/>
           </a:p>
         </p:txBody>
       </p:sp>
@@ -1863,7 +2008,7 @@
     </p:spTree>
     <p:extLst>
       <p:ext uri="{BB962C8B-B14F-4D97-AF65-F5344CB8AC3E}">
-        <p14:creationId xmlns:p14="http://schemas.microsoft.com/office/powerpoint/2010/main" val="1928648976"/>
+        <p14:creationId xmlns:p14="http://schemas.microsoft.com/office/powerpoint/2010/main" xmlns="" val="1928648976"/>
       </p:ext>
     </p:extLst>
   </p:cSld>
@@ -1948,7 +2093,7 @@
     </p:spTree>
     <p:extLst>
       <p:ext uri="{BB962C8B-B14F-4D97-AF65-F5344CB8AC3E}">
-        <p14:creationId xmlns:p14="http://schemas.microsoft.com/office/powerpoint/2010/main" val="1928648976"/>
+        <p14:creationId xmlns:p14="http://schemas.microsoft.com/office/powerpoint/2010/main" xmlns="" val="1928648976"/>
       </p:ext>
     </p:extLst>
   </p:cSld>
@@ -2002,6 +2147,18 @@
           <a:bodyPr/>
           <a:lstStyle/>
           <a:p>
+            <a:r>
+              <a:rPr lang="de-DE" dirty="0" smtClean="0"/>
+              <a:t>- Hinterlegte Passwörter </a:t>
+            </a:r>
+            <a:r>
+              <a:rPr lang="de-DE" dirty="0" err="1" smtClean="0"/>
+              <a:t>optimalerweise</a:t>
+            </a:r>
+            <a:r>
+              <a:rPr lang="de-DE" dirty="0" smtClean="0"/>
+              <a:t> kryptisch</a:t>
+            </a:r>
             <a:endParaRPr lang="de-DE" dirty="0"/>
           </a:p>
         </p:txBody>
@@ -2033,7 +2190,7 @@
     </p:spTree>
     <p:extLst>
       <p:ext uri="{BB962C8B-B14F-4D97-AF65-F5344CB8AC3E}">
-        <p14:creationId xmlns:p14="http://schemas.microsoft.com/office/powerpoint/2010/main" val="1928648976"/>
+        <p14:creationId xmlns:p14="http://schemas.microsoft.com/office/powerpoint/2010/main" xmlns="" val="1928648976"/>
       </p:ext>
     </p:extLst>
   </p:cSld>
@@ -2118,7 +2275,7 @@
     </p:spTree>
     <p:extLst>
       <p:ext uri="{BB962C8B-B14F-4D97-AF65-F5344CB8AC3E}">
-        <p14:creationId xmlns:p14="http://schemas.microsoft.com/office/powerpoint/2010/main" val="1705752707"/>
+        <p14:creationId xmlns:p14="http://schemas.microsoft.com/office/powerpoint/2010/main" xmlns="" val="1705752707"/>
       </p:ext>
     </p:extLst>
   </p:cSld>
@@ -2203,7 +2360,7 @@
     </p:spTree>
     <p:extLst>
       <p:ext uri="{BB962C8B-B14F-4D97-AF65-F5344CB8AC3E}">
-        <p14:creationId xmlns:p14="http://schemas.microsoft.com/office/powerpoint/2010/main" val="562466078"/>
+        <p14:creationId xmlns:p14="http://schemas.microsoft.com/office/powerpoint/2010/main" xmlns="" val="562466078"/>
       </p:ext>
     </p:extLst>
   </p:cSld>
@@ -2339,7 +2496,7 @@
     </p:spTree>
     <p:extLst>
       <p:ext uri="{BB962C8B-B14F-4D97-AF65-F5344CB8AC3E}">
-        <p14:creationId xmlns:p14="http://schemas.microsoft.com/office/powerpoint/2010/main" val="3199242385"/>
+        <p14:creationId xmlns:p14="http://schemas.microsoft.com/office/powerpoint/2010/main" xmlns="" val="3199242385"/>
       </p:ext>
     </p:extLst>
   </p:cSld>
@@ -2996,7 +3153,7 @@
             <a:fld id="{9EE47043-14B9-45DE-A7CA-B819D3DB7940}" type="datetime1">
               <a:rPr lang="en-US" smtClean="0"/>
               <a:pPr/>
-              <a:t>2/10/2015</a:t>
+              <a:t>2/12/2015</a:t>
             </a:fld>
             <a:endParaRPr lang="en-US" dirty="0"/>
           </a:p>
@@ -4117,7 +4274,7 @@
             <a:fld id="{15FDD389-1C4B-4991-9D1B-BD9CD8DAD448}" type="datetime1">
               <a:rPr lang="en-US" smtClean="0"/>
               <a:pPr/>
-              <a:t>2/10/2015</a:t>
+              <a:t>2/12/2015</a:t>
             </a:fld>
             <a:endParaRPr lang="en-US" dirty="0"/>
           </a:p>
@@ -5129,7 +5286,7 @@
             <a:fld id="{DBEDE645-84E4-46C4-8BBB-B45E79B0BDF2}" type="datetime1">
               <a:rPr lang="en-US" smtClean="0"/>
               <a:pPr/>
-              <a:t>2/10/2015</a:t>
+              <a:t>2/12/2015</a:t>
             </a:fld>
             <a:endParaRPr lang="en-US" dirty="0"/>
           </a:p>
@@ -6300,7 +6457,7 @@
             <a:fld id="{FD30094F-A1C4-4AA8-B240-0E360656DACC}" type="datetime1">
               <a:rPr lang="en-US" smtClean="0"/>
               <a:pPr/>
-              <a:t>2/10/2015</a:t>
+              <a:t>2/12/2015</a:t>
             </a:fld>
             <a:endParaRPr lang="en-US" dirty="0"/>
           </a:p>
@@ -7362,7 +7519,7 @@
             <a:fld id="{114DEC2F-D236-4161-B7A9-058AD50973F4}" type="datetime1">
               <a:rPr lang="en-US" smtClean="0"/>
               <a:pPr/>
-              <a:t>2/10/2015</a:t>
+              <a:t>2/12/2015</a:t>
             </a:fld>
             <a:endParaRPr lang="en-US" dirty="0"/>
           </a:p>
@@ -8009,7 +8166,7 @@
             <a:fld id="{7246F925-6776-418A-B9D5-2FE6DDC7FF5E}" type="datetime1">
               <a:rPr lang="en-US" smtClean="0"/>
               <a:pPr/>
-              <a:t>2/10/2015</a:t>
+              <a:t>2/12/2015</a:t>
             </a:fld>
             <a:endParaRPr lang="en-US" dirty="0"/>
           </a:p>
@@ -8857,7 +9014,7 @@
             <a:fld id="{AA091E32-8210-42E1-A5E3-AE4F3B2BA67C}" type="datetime1">
               <a:rPr lang="en-US" smtClean="0"/>
               <a:pPr/>
-              <a:t>2/10/2015</a:t>
+              <a:t>2/12/2015</a:t>
             </a:fld>
             <a:endParaRPr lang="en-US" dirty="0"/>
           </a:p>
@@ -9033,7 +9190,7 @@
             <a:fld id="{A8F96028-6369-409B-B015-BD4E873D97AE}" type="datetime1">
               <a:rPr lang="en-US" smtClean="0"/>
               <a:pPr/>
-              <a:t>2/10/2015</a:t>
+              <a:t>2/12/2015</a:t>
             </a:fld>
             <a:endParaRPr lang="en-US" dirty="0"/>
           </a:p>
@@ -10032,7 +10189,7 @@
             <a:fld id="{1EC1EEDA-5C8D-4FAD-B380-0B1111C6C6FD}" type="datetime1">
               <a:rPr lang="en-US" smtClean="0"/>
               <a:pPr/>
-              <a:t>2/10/2015</a:t>
+              <a:t>2/12/2015</a:t>
             </a:fld>
             <a:endParaRPr lang="en-US" dirty="0"/>
           </a:p>
@@ -10239,7 +10396,7 @@
             <a:fld id="{17201E69-94FE-46D8-8C9F-233CA2EAF49D}" type="datetime1">
               <a:rPr lang="en-US" smtClean="0"/>
               <a:pPr/>
-              <a:t>2/10/2015</a:t>
+              <a:t>2/12/2015</a:t>
             </a:fld>
             <a:endParaRPr lang="en-US" dirty="0"/>
           </a:p>
@@ -11302,7 +11459,7 @@
             <a:fld id="{9229E780-8742-4F41-A7DD-8A533C34BC62}" type="datetime1">
               <a:rPr lang="en-US" smtClean="0"/>
               <a:pPr/>
-              <a:t>2/10/2015</a:t>
+              <a:t>2/12/2015</a:t>
             </a:fld>
             <a:endParaRPr lang="en-US" dirty="0"/>
           </a:p>
@@ -11575,7 +11732,7 @@
             <a:fld id="{3B91D532-264E-494B-BCB4-085A06E95C4C}" type="datetime1">
               <a:rPr lang="en-US" smtClean="0"/>
               <a:pPr/>
-              <a:t>2/10/2015</a:t>
+              <a:t>2/12/2015</a:t>
             </a:fld>
             <a:endParaRPr lang="en-US" dirty="0"/>
           </a:p>
@@ -11958,7 +12115,7 @@
             <a:fld id="{13078452-A4DA-42F9-8E52-EBBBBBF20BDF}" type="datetime1">
               <a:rPr lang="en-US" smtClean="0"/>
               <a:pPr/>
-              <a:t>2/10/2015</a:t>
+              <a:t>2/12/2015</a:t>
             </a:fld>
             <a:endParaRPr lang="en-US" dirty="0"/>
           </a:p>
@@ -12077,7 +12234,7 @@
             <a:fld id="{1433EC71-6044-490A-9B40-8B48B52B7377}" type="datetime1">
               <a:rPr lang="en-US" smtClean="0"/>
               <a:pPr/>
-              <a:t>2/10/2015</a:t>
+              <a:t>2/12/2015</a:t>
             </a:fld>
             <a:endParaRPr lang="en-US" dirty="0"/>
           </a:p>
@@ -12173,7 +12330,7 @@
             <a:fld id="{05B9864E-D461-4420-9A61-69708EA906EF}" type="datetime1">
               <a:rPr lang="en-US" smtClean="0"/>
               <a:pPr/>
-              <a:t>2/10/2015</a:t>
+              <a:t>2/12/2015</a:t>
             </a:fld>
             <a:endParaRPr lang="en-US" dirty="0"/>
           </a:p>
@@ -13283,7 +13440,7 @@
             <a:fld id="{B45F0798-91BD-41E8-A317-14713D4B5C46}" type="datetime1">
               <a:rPr lang="en-US" smtClean="0"/>
               <a:pPr/>
-              <a:t>2/10/2015</a:t>
+              <a:t>2/12/2015</a:t>
             </a:fld>
             <a:endParaRPr lang="en-US" dirty="0"/>
           </a:p>
@@ -14417,7 +14574,7 @@
             <a:fld id="{2A2492AA-6B4D-44C1-A4C5-776C8CBEDC88}" type="datetime1">
               <a:rPr lang="en-US" smtClean="0"/>
               <a:pPr/>
-              <a:t>2/10/2015</a:t>
+              <a:t>2/12/2015</a:t>
             </a:fld>
             <a:endParaRPr lang="en-US" dirty="0"/>
           </a:p>
@@ -15446,7 +15603,7 @@
             <a:fld id="{D718F47C-7328-41EC-B5EF-37975657BEDE}" type="datetime1">
               <a:rPr lang="en-US" smtClean="0"/>
               <a:pPr/>
-              <a:t>2/10/2015</a:t>
+              <a:t>2/12/2015</a:t>
             </a:fld>
             <a:endParaRPr lang="en-US" dirty="0"/>
           </a:p>
@@ -16049,7 +16206,7 @@
           <a:blip r:embed="rId2">
             <a:extLst>
               <a:ext uri="{28A0092B-C50C-407E-A947-70E740481C1C}">
-                <a14:useLocalDpi xmlns:a14="http://schemas.microsoft.com/office/drawing/2010/main" val="0"/>
+                <a14:useLocalDpi xmlns:a14="http://schemas.microsoft.com/office/drawing/2010/main" xmlns="" val="0"/>
               </a:ext>
             </a:extLst>
           </a:blip>
@@ -16070,7 +16227,7 @@
     </p:spTree>
     <p:extLst>
       <p:ext uri="{BB962C8B-B14F-4D97-AF65-F5344CB8AC3E}">
-        <p14:creationId xmlns:p14="http://schemas.microsoft.com/office/powerpoint/2010/main" val="3428906391"/>
+        <p14:creationId xmlns:p14="http://schemas.microsoft.com/office/powerpoint/2010/main" xmlns="" val="3428906391"/>
       </p:ext>
     </p:extLst>
   </p:cSld>
@@ -16218,7 +16375,7 @@
           <a:blip r:embed="rId3">
             <a:extLst>
               <a:ext uri="{28A0092B-C50C-407E-A947-70E740481C1C}">
-                <a14:useLocalDpi xmlns:a14="http://schemas.microsoft.com/office/drawing/2010/main" val="0"/>
+                <a14:useLocalDpi xmlns:a14="http://schemas.microsoft.com/office/drawing/2010/main" xmlns="" val="0"/>
               </a:ext>
             </a:extLst>
           </a:blip>
@@ -16341,18 +16498,18 @@
     </p:spTree>
     <p:extLst>
       <p:ext uri="{BB962C8B-B14F-4D97-AF65-F5344CB8AC3E}">
-        <p14:creationId xmlns:p14="http://schemas.microsoft.com/office/powerpoint/2010/main" val="29256383"/>
+        <p14:creationId xmlns:p14="http://schemas.microsoft.com/office/powerpoint/2010/main" xmlns="" val="29256383"/>
       </p:ext>
     </p:extLst>
   </p:cSld>
   <p:clrMapOvr>
     <a:masterClrMapping/>
   </p:clrMapOvr>
-  <mc:AlternateContent xmlns:mc="http://schemas.openxmlformats.org/markup-compatibility/2006" xmlns:p14="http://schemas.microsoft.com/office/powerpoint/2010/main">
-    <mc:Choice Requires="p14">
+  <mc:AlternateContent xmlns:mc="http://schemas.openxmlformats.org/markup-compatibility/2006">
+    <mc:Choice xmlns:p14="http://schemas.microsoft.com/office/powerpoint/2010/main" xmlns="" Requires="p14">
       <p:transition spd="slow" p14:dur="2000"/>
     </mc:Choice>
-    <mc:Fallback xmlns="">
+    <mc:Fallback>
       <p:transition spd="slow"/>
     </mc:Fallback>
   </mc:AlternateContent>
@@ -16619,7 +16776,7 @@
           <a:blip r:embed="rId3">
             <a:extLst>
               <a:ext uri="{28A0092B-C50C-407E-A947-70E740481C1C}">
-                <a14:useLocalDpi xmlns:a14="http://schemas.microsoft.com/office/drawing/2010/main" val="0"/>
+                <a14:useLocalDpi xmlns:a14="http://schemas.microsoft.com/office/drawing/2010/main" xmlns="" val="0"/>
               </a:ext>
             </a:extLst>
           </a:blip>
@@ -16727,7 +16884,7 @@
           <a:blip r:embed="rId5">
             <a:extLst>
               <a:ext uri="{28A0092B-C50C-407E-A947-70E740481C1C}">
-                <a14:useLocalDpi xmlns:a14="http://schemas.microsoft.com/office/drawing/2010/main" val="0"/>
+                <a14:useLocalDpi xmlns:a14="http://schemas.microsoft.com/office/drawing/2010/main" xmlns="" val="0"/>
               </a:ext>
             </a:extLst>
           </a:blip>
@@ -16750,14 +16907,14 @@
           </a:ln>
           <a:extLst>
             <a:ext uri="{909E8E84-426E-40DD-AFC4-6F175D3DCCD1}">
-              <a14:hiddenFill xmlns:a14="http://schemas.microsoft.com/office/drawing/2010/main">
+              <a14:hiddenFill xmlns:a14="http://schemas.microsoft.com/office/drawing/2010/main" xmlns="">
                 <a:solidFill>
                   <a:srgbClr val="FFFFFF"/>
                 </a:solidFill>
               </a14:hiddenFill>
             </a:ext>
             <a:ext uri="{91240B29-F687-4F45-9708-019B960494DF}">
-              <a14:hiddenLine xmlns:a14="http://schemas.microsoft.com/office/drawing/2010/main" w="9525">
+              <a14:hiddenLine xmlns:a14="http://schemas.microsoft.com/office/drawing/2010/main" xmlns="" w="9525">
                 <a:solidFill>
                   <a:srgbClr val="000000"/>
                 </a:solidFill>
@@ -16772,7 +16929,7 @@
     </p:spTree>
     <p:extLst>
       <p:ext uri="{BB962C8B-B14F-4D97-AF65-F5344CB8AC3E}">
-        <p14:creationId xmlns:p14="http://schemas.microsoft.com/office/powerpoint/2010/main" val="3107900357"/>
+        <p14:creationId xmlns:p14="http://schemas.microsoft.com/office/powerpoint/2010/main" xmlns="" val="3107900357"/>
       </p:ext>
     </p:extLst>
   </p:cSld>
@@ -16952,11 +17109,7 @@
             </a:r>
             <a:r>
               <a:rPr lang="de-DE" dirty="0" smtClean="0"/>
-              <a:t>-Datei </a:t>
-            </a:r>
-            <a:r>
-              <a:rPr lang="de-DE" dirty="0" smtClean="0"/>
-              <a:t>möglich</a:t>
+              <a:t>-Datei möglich</a:t>
             </a:r>
           </a:p>
           <a:p>
@@ -16990,15 +17143,7 @@
             </a:r>
             <a:r>
               <a:rPr lang="de-DE" dirty="0" smtClean="0"/>
-              <a:t> </a:t>
-            </a:r>
-            <a:r>
-              <a:rPr lang="de-DE" dirty="0" smtClean="0"/>
-              <a:t>basierend </a:t>
-            </a:r>
-            <a:r>
-              <a:rPr lang="de-DE" dirty="0" smtClean="0"/>
-              <a:t>auf JUnit bereit</a:t>
+              <a:t> basierend auf JUnit bereit</a:t>
             </a:r>
           </a:p>
           <a:p>
@@ -17025,7 +17170,7 @@
           <a:blip r:embed="rId3">
             <a:extLst>
               <a:ext uri="{28A0092B-C50C-407E-A947-70E740481C1C}">
-                <a14:useLocalDpi xmlns:a14="http://schemas.microsoft.com/office/drawing/2010/main" val="0"/>
+                <a14:useLocalDpi xmlns:a14="http://schemas.microsoft.com/office/drawing/2010/main" xmlns="" val="0"/>
               </a:ext>
             </a:extLst>
           </a:blip>
@@ -17109,7 +17254,7 @@
           <a:blip r:embed="rId4">
             <a:extLst>
               <a:ext uri="{28A0092B-C50C-407E-A947-70E740481C1C}">
-                <a14:useLocalDpi xmlns:a14="http://schemas.microsoft.com/office/drawing/2010/main" val="0"/>
+                <a14:useLocalDpi xmlns:a14="http://schemas.microsoft.com/office/drawing/2010/main" xmlns="" val="0"/>
               </a:ext>
             </a:extLst>
           </a:blip>
@@ -17129,7 +17274,7 @@
           <a:noFill/>
           <a:extLst>
             <a:ext uri="{909E8E84-426E-40DD-AFC4-6F175D3DCCD1}">
-              <a14:hiddenFill xmlns:a14="http://schemas.microsoft.com/office/drawing/2010/main">
+              <a14:hiddenFill xmlns:a14="http://schemas.microsoft.com/office/drawing/2010/main" xmlns="">
                 <a:solidFill>
                   <a:srgbClr val="FFFFFF"/>
                 </a:solidFill>
@@ -17150,7 +17295,7 @@
           <a:blip r:embed="rId5">
             <a:extLst>
               <a:ext uri="{28A0092B-C50C-407E-A947-70E740481C1C}">
-                <a14:useLocalDpi xmlns:a14="http://schemas.microsoft.com/office/drawing/2010/main" val="0"/>
+                <a14:useLocalDpi xmlns:a14="http://schemas.microsoft.com/office/drawing/2010/main" xmlns="" val="0"/>
               </a:ext>
             </a:extLst>
           </a:blip>
@@ -17170,7 +17315,7 @@
           <a:noFill/>
           <a:extLst>
             <a:ext uri="{909E8E84-426E-40DD-AFC4-6F175D3DCCD1}">
-              <a14:hiddenFill xmlns:a14="http://schemas.microsoft.com/office/drawing/2010/main">
+              <a14:hiddenFill xmlns:a14="http://schemas.microsoft.com/office/drawing/2010/main" xmlns="">
                 <a:solidFill>
                   <a:srgbClr val="FFFFFF"/>
                 </a:solidFill>
@@ -17182,7 +17327,7 @@
     </p:spTree>
     <p:extLst>
       <p:ext uri="{BB962C8B-B14F-4D97-AF65-F5344CB8AC3E}">
-        <p14:creationId xmlns:p14="http://schemas.microsoft.com/office/powerpoint/2010/main" val="1376954338"/>
+        <p14:creationId xmlns:p14="http://schemas.microsoft.com/office/powerpoint/2010/main" xmlns="" val="1376954338"/>
       </p:ext>
     </p:extLst>
   </p:cSld>
@@ -17251,7 +17396,7 @@
           <a:blip r:embed="rId3">
             <a:extLst>
               <a:ext uri="{28A0092B-C50C-407E-A947-70E740481C1C}">
-                <a14:useLocalDpi xmlns:a14="http://schemas.microsoft.com/office/drawing/2010/main" val="0"/>
+                <a14:useLocalDpi xmlns:a14="http://schemas.microsoft.com/office/drawing/2010/main" xmlns="" val="0"/>
               </a:ext>
             </a:extLst>
           </a:blip>
@@ -17335,7 +17480,7 @@
           <a:blip r:embed="rId4">
             <a:extLst>
               <a:ext uri="{28A0092B-C50C-407E-A947-70E740481C1C}">
-                <a14:useLocalDpi xmlns:a14="http://schemas.microsoft.com/office/drawing/2010/main" val="0"/>
+                <a14:useLocalDpi xmlns:a14="http://schemas.microsoft.com/office/drawing/2010/main" xmlns="" val="0"/>
               </a:ext>
             </a:extLst>
           </a:blip>
@@ -17355,7 +17500,7 @@
           <a:noFill/>
           <a:extLst>
             <a:ext uri="{909E8E84-426E-40DD-AFC4-6F175D3DCCD1}">
-              <a14:hiddenFill xmlns:a14="http://schemas.microsoft.com/office/drawing/2010/main">
+              <a14:hiddenFill xmlns:a14="http://schemas.microsoft.com/office/drawing/2010/main" xmlns="">
                 <a:solidFill>
                   <a:srgbClr val="FFFFFF"/>
                 </a:solidFill>
@@ -17367,18 +17512,18 @@
     </p:spTree>
     <p:extLst>
       <p:ext uri="{BB962C8B-B14F-4D97-AF65-F5344CB8AC3E}">
-        <p14:creationId xmlns:p14="http://schemas.microsoft.com/office/powerpoint/2010/main" val="3667091251"/>
+        <p14:creationId xmlns:p14="http://schemas.microsoft.com/office/powerpoint/2010/main" xmlns="" val="3667091251"/>
       </p:ext>
     </p:extLst>
   </p:cSld>
   <p:clrMapOvr>
     <a:masterClrMapping/>
   </p:clrMapOvr>
-  <mc:AlternateContent xmlns:mc="http://schemas.openxmlformats.org/markup-compatibility/2006" xmlns:p14="http://schemas.microsoft.com/office/powerpoint/2010/main">
-    <mc:Choice Requires="p14">
+  <mc:AlternateContent xmlns:mc="http://schemas.openxmlformats.org/markup-compatibility/2006">
+    <mc:Choice xmlns:p14="http://schemas.microsoft.com/office/powerpoint/2010/main" xmlns="" Requires="p14">
       <p:transition spd="slow" p14:dur="2000"/>
     </mc:Choice>
-    <mc:Fallback xmlns="">
+    <mc:Fallback>
       <p:transition spd="slow"/>
     </mc:Fallback>
   </mc:AlternateContent>
@@ -17426,11 +17571,7 @@
           <a:p>
             <a:r>
               <a:rPr lang="de-DE" dirty="0" smtClean="0"/>
-              <a:t>Reflexion: </a:t>
-            </a:r>
-            <a:r>
-              <a:rPr lang="de-DE" dirty="0" smtClean="0"/>
-              <a:t>Ausgangspunkt</a:t>
+              <a:t>Reflexion: Ausgangspunkt</a:t>
             </a:r>
             <a:endParaRPr lang="de-DE" dirty="0"/>
           </a:p>
@@ -17473,15 +17614,7 @@
             </a:pPr>
             <a:r>
               <a:rPr lang="de-DE" dirty="0" smtClean="0"/>
-              <a:t>	</a:t>
-            </a:r>
-            <a:r>
-              <a:rPr lang="de-DE" dirty="0" smtClean="0"/>
-              <a:t>  - </a:t>
-            </a:r>
-            <a:r>
-              <a:rPr lang="de-DE" dirty="0" smtClean="0"/>
-              <a:t>Zusätzlicher </a:t>
+              <a:t>	  - Zusätzlicher </a:t>
             </a:r>
             <a:r>
               <a:rPr lang="de-DE" dirty="0"/>
@@ -17494,15 +17627,7 @@
             </a:pPr>
             <a:r>
               <a:rPr lang="de-DE" dirty="0" smtClean="0"/>
-              <a:t>	</a:t>
-            </a:r>
-            <a:r>
-              <a:rPr lang="de-DE" dirty="0" smtClean="0"/>
-              <a:t> + </a:t>
-            </a:r>
-            <a:r>
-              <a:rPr lang="de-DE" dirty="0" smtClean="0"/>
-              <a:t>Chance</a:t>
+              <a:t>	 + Chance</a:t>
             </a:r>
             <a:r>
               <a:rPr lang="de-DE" dirty="0"/>
@@ -17565,7 +17690,7 @@
           <a:blip r:embed="rId3">
             <a:extLst>
               <a:ext uri="{28A0092B-C50C-407E-A947-70E740481C1C}">
-                <a14:useLocalDpi xmlns:a14="http://schemas.microsoft.com/office/drawing/2010/main" val="0"/>
+                <a14:useLocalDpi xmlns:a14="http://schemas.microsoft.com/office/drawing/2010/main" xmlns="" val="0"/>
               </a:ext>
             </a:extLst>
           </a:blip>
@@ -17640,7 +17765,7 @@
     </p:spTree>
     <p:extLst>
       <p:ext uri="{BB962C8B-B14F-4D97-AF65-F5344CB8AC3E}">
-        <p14:creationId xmlns:p14="http://schemas.microsoft.com/office/powerpoint/2010/main" val="3197597498"/>
+        <p14:creationId xmlns:p14="http://schemas.microsoft.com/office/powerpoint/2010/main" xmlns="" val="3197597498"/>
       </p:ext>
     </p:extLst>
   </p:cSld>
@@ -17720,11 +17845,7 @@
           <a:p>
             <a:r>
               <a:rPr lang="de-DE" dirty="0" smtClean="0"/>
-              <a:t>Regelmäßige </a:t>
-            </a:r>
-            <a:r>
-              <a:rPr lang="de-DE" dirty="0" smtClean="0"/>
-              <a:t>Absprachen</a:t>
+              <a:t>Regelmäßige Absprachen</a:t>
             </a:r>
             <a:endParaRPr lang="de-DE" dirty="0"/>
           </a:p>
@@ -17824,7 +17945,7 @@
           <a:blip r:embed="rId3">
             <a:extLst>
               <a:ext uri="{28A0092B-C50C-407E-A947-70E740481C1C}">
-                <a14:useLocalDpi xmlns:a14="http://schemas.microsoft.com/office/drawing/2010/main" val="0"/>
+                <a14:useLocalDpi xmlns:a14="http://schemas.microsoft.com/office/drawing/2010/main" xmlns="" val="0"/>
               </a:ext>
             </a:extLst>
           </a:blip>
@@ -17899,7 +18020,7 @@
     </p:spTree>
     <p:extLst>
       <p:ext uri="{BB962C8B-B14F-4D97-AF65-F5344CB8AC3E}">
-        <p14:creationId xmlns:p14="http://schemas.microsoft.com/office/powerpoint/2010/main" val="3509070595"/>
+        <p14:creationId xmlns:p14="http://schemas.microsoft.com/office/powerpoint/2010/main" xmlns="" val="3509070595"/>
       </p:ext>
     </p:extLst>
   </p:cSld>
@@ -17994,7 +18115,6 @@
               <a:rPr lang="de-DE" dirty="0" smtClean="0"/>
               <a:t>Zeitmangel</a:t>
             </a:r>
-            <a:endParaRPr lang="de-DE" dirty="0" smtClean="0"/>
           </a:p>
           <a:p>
             <a:r>
@@ -18038,7 +18158,7 @@
           <a:blip r:embed="rId3">
             <a:extLst>
               <a:ext uri="{28A0092B-C50C-407E-A947-70E740481C1C}">
-                <a14:useLocalDpi xmlns:a14="http://schemas.microsoft.com/office/drawing/2010/main" val="0"/>
+                <a14:useLocalDpi xmlns:a14="http://schemas.microsoft.com/office/drawing/2010/main" xmlns="" val="0"/>
               </a:ext>
             </a:extLst>
           </a:blip>
@@ -18113,7 +18233,7 @@
     </p:spTree>
     <p:extLst>
       <p:ext uri="{BB962C8B-B14F-4D97-AF65-F5344CB8AC3E}">
-        <p14:creationId xmlns:p14="http://schemas.microsoft.com/office/powerpoint/2010/main" val="2650556501"/>
+        <p14:creationId xmlns:p14="http://schemas.microsoft.com/office/powerpoint/2010/main" xmlns="" val="2650556501"/>
       </p:ext>
     </p:extLst>
   </p:cSld>
@@ -18279,7 +18399,7 @@
           <a:blip r:embed="rId3">
             <a:extLst>
               <a:ext uri="{28A0092B-C50C-407E-A947-70E740481C1C}">
-                <a14:useLocalDpi xmlns:a14="http://schemas.microsoft.com/office/drawing/2010/main" val="0"/>
+                <a14:useLocalDpi xmlns:a14="http://schemas.microsoft.com/office/drawing/2010/main" xmlns="" val="0"/>
               </a:ext>
             </a:extLst>
           </a:blip>
@@ -18354,7 +18474,7 @@
     </p:spTree>
     <p:extLst>
       <p:ext uri="{BB962C8B-B14F-4D97-AF65-F5344CB8AC3E}">
-        <p14:creationId xmlns:p14="http://schemas.microsoft.com/office/powerpoint/2010/main" val="1648445864"/>
+        <p14:creationId xmlns:p14="http://schemas.microsoft.com/office/powerpoint/2010/main" xmlns="" val="1648445864"/>
       </p:ext>
     </p:extLst>
   </p:cSld>
@@ -18453,7 +18573,7 @@
           <a:blip r:embed="rId3">
             <a:extLst>
               <a:ext uri="{28A0092B-C50C-407E-A947-70E740481C1C}">
-                <a14:useLocalDpi xmlns:a14="http://schemas.microsoft.com/office/drawing/2010/main" val="0"/>
+                <a14:useLocalDpi xmlns:a14="http://schemas.microsoft.com/office/drawing/2010/main" xmlns="" val="0"/>
               </a:ext>
             </a:extLst>
           </a:blip>
@@ -18504,7 +18624,7 @@
     </p:spTree>
     <p:extLst>
       <p:ext uri="{BB962C8B-B14F-4D97-AF65-F5344CB8AC3E}">
-        <p14:creationId xmlns:p14="http://schemas.microsoft.com/office/powerpoint/2010/main" val="1786163146"/>
+        <p14:creationId xmlns:p14="http://schemas.microsoft.com/office/powerpoint/2010/main" xmlns="" val="1786163146"/>
       </p:ext>
     </p:extLst>
   </p:cSld>
@@ -18603,7 +18723,7 @@
           <a:blip r:embed="rId3">
             <a:extLst>
               <a:ext uri="{28A0092B-C50C-407E-A947-70E740481C1C}">
-                <a14:useLocalDpi xmlns:a14="http://schemas.microsoft.com/office/drawing/2010/main" val="0"/>
+                <a14:useLocalDpi xmlns:a14="http://schemas.microsoft.com/office/drawing/2010/main" xmlns="" val="0"/>
               </a:ext>
             </a:extLst>
           </a:blip>
@@ -18654,7 +18774,7 @@
     </p:spTree>
     <p:extLst>
       <p:ext uri="{BB962C8B-B14F-4D97-AF65-F5344CB8AC3E}">
-        <p14:creationId xmlns:p14="http://schemas.microsoft.com/office/powerpoint/2010/main" val="1278744805"/>
+        <p14:creationId xmlns:p14="http://schemas.microsoft.com/office/powerpoint/2010/main" xmlns="" val="1278744805"/>
       </p:ext>
     </p:extLst>
   </p:cSld>
@@ -18723,7 +18843,7 @@
           <a:blip r:embed="rId3">
             <a:extLst>
               <a:ext uri="{28A0092B-C50C-407E-A947-70E740481C1C}">
-                <a14:useLocalDpi xmlns:a14="http://schemas.microsoft.com/office/drawing/2010/main" val="0"/>
+                <a14:useLocalDpi xmlns:a14="http://schemas.microsoft.com/office/drawing/2010/main" xmlns="" val="0"/>
               </a:ext>
             </a:extLst>
           </a:blip>
@@ -18807,7 +18927,7 @@
           <a:blip r:embed="rId4">
             <a:extLst>
               <a:ext uri="{28A0092B-C50C-407E-A947-70E740481C1C}">
-                <a14:useLocalDpi xmlns:a14="http://schemas.microsoft.com/office/drawing/2010/main" val="0"/>
+                <a14:useLocalDpi xmlns:a14="http://schemas.microsoft.com/office/drawing/2010/main" xmlns="" val="0"/>
               </a:ext>
             </a:extLst>
           </a:blip>
@@ -18827,7 +18947,7 @@
           <a:noFill/>
           <a:extLst>
             <a:ext uri="{909E8E84-426E-40DD-AFC4-6F175D3DCCD1}">
-              <a14:hiddenFill xmlns:a14="http://schemas.microsoft.com/office/drawing/2010/main">
+              <a14:hiddenFill xmlns:a14="http://schemas.microsoft.com/office/drawing/2010/main" xmlns="">
                 <a:solidFill>
                   <a:srgbClr val="FFFFFF"/>
                 </a:solidFill>
@@ -18848,7 +18968,7 @@
           <a:blip r:embed="rId5">
             <a:extLst>
               <a:ext uri="{28A0092B-C50C-407E-A947-70E740481C1C}">
-                <a14:useLocalDpi xmlns:a14="http://schemas.microsoft.com/office/drawing/2010/main" val="0"/>
+                <a14:useLocalDpi xmlns:a14="http://schemas.microsoft.com/office/drawing/2010/main" xmlns="" val="0"/>
               </a:ext>
             </a:extLst>
           </a:blip>
@@ -18868,7 +18988,7 @@
           <a:noFill/>
           <a:extLst>
             <a:ext uri="{909E8E84-426E-40DD-AFC4-6F175D3DCCD1}">
-              <a14:hiddenFill xmlns:a14="http://schemas.microsoft.com/office/drawing/2010/main">
+              <a14:hiddenFill xmlns:a14="http://schemas.microsoft.com/office/drawing/2010/main" xmlns="">
                 <a:solidFill>
                   <a:srgbClr val="FFFFFF"/>
                 </a:solidFill>
@@ -18889,7 +19009,7 @@
           <a:blip r:embed="rId6">
             <a:extLst>
               <a:ext uri="{28A0092B-C50C-407E-A947-70E740481C1C}">
-                <a14:useLocalDpi xmlns:a14="http://schemas.microsoft.com/office/drawing/2010/main" val="0"/>
+                <a14:useLocalDpi xmlns:a14="http://schemas.microsoft.com/office/drawing/2010/main" xmlns="" val="0"/>
               </a:ext>
             </a:extLst>
           </a:blip>
@@ -18909,7 +19029,7 @@
           <a:noFill/>
           <a:extLst>
             <a:ext uri="{909E8E84-426E-40DD-AFC4-6F175D3DCCD1}">
-              <a14:hiddenFill xmlns:a14="http://schemas.microsoft.com/office/drawing/2010/main">
+              <a14:hiddenFill xmlns:a14="http://schemas.microsoft.com/office/drawing/2010/main" xmlns="">
                 <a:solidFill>
                   <a:srgbClr val="FFFFFF"/>
                 </a:solidFill>
@@ -18930,7 +19050,7 @@
           <a:blip r:embed="rId7">
             <a:extLst>
               <a:ext uri="{28A0092B-C50C-407E-A947-70E740481C1C}">
-                <a14:useLocalDpi xmlns:a14="http://schemas.microsoft.com/office/drawing/2010/main" val="0"/>
+                <a14:useLocalDpi xmlns:a14="http://schemas.microsoft.com/office/drawing/2010/main" xmlns="" val="0"/>
               </a:ext>
             </a:extLst>
           </a:blip>
@@ -18950,7 +19070,7 @@
           <a:noFill/>
           <a:extLst>
             <a:ext uri="{909E8E84-426E-40DD-AFC4-6F175D3DCCD1}">
-              <a14:hiddenFill xmlns:a14="http://schemas.microsoft.com/office/drawing/2010/main">
+              <a14:hiddenFill xmlns:a14="http://schemas.microsoft.com/office/drawing/2010/main" xmlns="">
                 <a:solidFill>
                   <a:srgbClr val="FFFFFF"/>
                 </a:solidFill>
@@ -18971,7 +19091,7 @@
           <a:blip r:embed="rId8">
             <a:extLst>
               <a:ext uri="{28A0092B-C50C-407E-A947-70E740481C1C}">
-                <a14:useLocalDpi xmlns:a14="http://schemas.microsoft.com/office/drawing/2010/main" val="0"/>
+                <a14:useLocalDpi xmlns:a14="http://schemas.microsoft.com/office/drawing/2010/main" xmlns="" val="0"/>
               </a:ext>
             </a:extLst>
           </a:blip>
@@ -18991,7 +19111,7 @@
           <a:noFill/>
           <a:extLst>
             <a:ext uri="{909E8E84-426E-40DD-AFC4-6F175D3DCCD1}">
-              <a14:hiddenFill xmlns:a14="http://schemas.microsoft.com/office/drawing/2010/main">
+              <a14:hiddenFill xmlns:a14="http://schemas.microsoft.com/office/drawing/2010/main" xmlns="">
                 <a:solidFill>
                   <a:srgbClr val="FFFFFF"/>
                 </a:solidFill>
@@ -19012,7 +19132,7 @@
           <a:blip r:embed="rId9">
             <a:extLst>
               <a:ext uri="{28A0092B-C50C-407E-A947-70E740481C1C}">
-                <a14:useLocalDpi xmlns:a14="http://schemas.microsoft.com/office/drawing/2010/main" val="0"/>
+                <a14:useLocalDpi xmlns:a14="http://schemas.microsoft.com/office/drawing/2010/main" xmlns="" val="0"/>
               </a:ext>
             </a:extLst>
           </a:blip>
@@ -19032,7 +19152,7 @@
           <a:noFill/>
           <a:extLst>
             <a:ext uri="{909E8E84-426E-40DD-AFC4-6F175D3DCCD1}">
-              <a14:hiddenFill xmlns:a14="http://schemas.microsoft.com/office/drawing/2010/main">
+              <a14:hiddenFill xmlns:a14="http://schemas.microsoft.com/office/drawing/2010/main" xmlns="">
                 <a:solidFill>
                   <a:srgbClr val="FFFFFF"/>
                 </a:solidFill>
@@ -19060,7 +19180,7 @@
           <a:noFill/>
           <a:extLst>
             <a:ext uri="{909E8E84-426E-40DD-AFC4-6F175D3DCCD1}">
-              <a14:hiddenFill xmlns:a14="http://schemas.microsoft.com/office/drawing/2010/main">
+              <a14:hiddenFill xmlns:a14="http://schemas.microsoft.com/office/drawing/2010/main" xmlns="">
                 <a:solidFill>
                   <a:srgbClr val="FFFFFF"/>
                 </a:solidFill>
@@ -19099,7 +19219,7 @@
           <a:noFill/>
           <a:extLst>
             <a:ext uri="{909E8E84-426E-40DD-AFC4-6F175D3DCCD1}">
-              <a14:hiddenFill xmlns:a14="http://schemas.microsoft.com/office/drawing/2010/main">
+              <a14:hiddenFill xmlns:a14="http://schemas.microsoft.com/office/drawing/2010/main" xmlns="">
                 <a:solidFill>
                   <a:srgbClr val="FFFFFF"/>
                 </a:solidFill>
@@ -19131,7 +19251,7 @@
           <a:blip r:embed="rId10">
             <a:extLst>
               <a:ext uri="{28A0092B-C50C-407E-A947-70E740481C1C}">
-                <a14:useLocalDpi xmlns:a14="http://schemas.microsoft.com/office/drawing/2010/main" val="0"/>
+                <a14:useLocalDpi xmlns:a14="http://schemas.microsoft.com/office/drawing/2010/main" xmlns="" val="0"/>
               </a:ext>
             </a:extLst>
           </a:blip>
@@ -19151,7 +19271,7 @@
           <a:noFill/>
           <a:extLst>
             <a:ext uri="{909E8E84-426E-40DD-AFC4-6F175D3DCCD1}">
-              <a14:hiddenFill xmlns:a14="http://schemas.microsoft.com/office/drawing/2010/main">
+              <a14:hiddenFill xmlns:a14="http://schemas.microsoft.com/office/drawing/2010/main" xmlns="">
                 <a:solidFill>
                   <a:srgbClr val="FFFFFF"/>
                 </a:solidFill>
@@ -19172,7 +19292,7 @@
           <a:blip r:embed="rId11">
             <a:extLst>
               <a:ext uri="{28A0092B-C50C-407E-A947-70E740481C1C}">
-                <a14:useLocalDpi xmlns:a14="http://schemas.microsoft.com/office/drawing/2010/main" val="0"/>
+                <a14:useLocalDpi xmlns:a14="http://schemas.microsoft.com/office/drawing/2010/main" xmlns="" val="0"/>
               </a:ext>
             </a:extLst>
           </a:blip>
@@ -19192,7 +19312,7 @@
           <a:noFill/>
           <a:extLst>
             <a:ext uri="{909E8E84-426E-40DD-AFC4-6F175D3DCCD1}">
-              <a14:hiddenFill xmlns:a14="http://schemas.microsoft.com/office/drawing/2010/main">
+              <a14:hiddenFill xmlns:a14="http://schemas.microsoft.com/office/drawing/2010/main" xmlns="">
                 <a:solidFill>
                   <a:srgbClr val="FFFFFF"/>
                 </a:solidFill>
@@ -19204,7 +19324,7 @@
     </p:spTree>
     <p:extLst>
       <p:ext uri="{BB962C8B-B14F-4D97-AF65-F5344CB8AC3E}">
-        <p14:creationId xmlns:p14="http://schemas.microsoft.com/office/powerpoint/2010/main" val="1449714526"/>
+        <p14:creationId xmlns:p14="http://schemas.microsoft.com/office/powerpoint/2010/main" xmlns="" val="1449714526"/>
       </p:ext>
     </p:extLst>
   </p:cSld>
@@ -19310,7 +19430,7 @@
           <a:blip r:embed="rId5">
             <a:extLst>
               <a:ext uri="{28A0092B-C50C-407E-A947-70E740481C1C}">
-                <a14:useLocalDpi xmlns:a14="http://schemas.microsoft.com/office/drawing/2010/main" val="0"/>
+                <a14:useLocalDpi xmlns:a14="http://schemas.microsoft.com/office/drawing/2010/main" xmlns="" val="0"/>
               </a:ext>
             </a:extLst>
           </a:blip>
@@ -19385,7 +19505,7 @@
     </p:spTree>
     <p:extLst>
       <p:ext uri="{BB962C8B-B14F-4D97-AF65-F5344CB8AC3E}">
-        <p14:creationId xmlns:p14="http://schemas.microsoft.com/office/powerpoint/2010/main" val="3216998357"/>
+        <p14:creationId xmlns:p14="http://schemas.microsoft.com/office/powerpoint/2010/main" xmlns="" val="3216998357"/>
       </p:ext>
     </p:extLst>
   </p:cSld>
@@ -19393,7 +19513,7 @@
     <a:masterClrMapping/>
   </p:clrMapOvr>
   <mc:AlternateContent xmlns:mc="http://schemas.openxmlformats.org/markup-compatibility/2006">
-    <mc:Choice xmlns:p14="http://schemas.microsoft.com/office/powerpoint/2010/main" Requires="p14">
+    <mc:Choice xmlns:p14="http://schemas.microsoft.com/office/powerpoint/2010/main" xmlns="" Requires="p14">
       <p:transition spd="slow" p14:dur="2000"/>
     </mc:Choice>
     <mc:Fallback>
@@ -19483,7 +19603,6 @@
               <a:rPr lang="de-DE" dirty="0" smtClean="0"/>
               <a:t>Länger</a:t>
             </a:r>
-            <a:endParaRPr lang="de-DE" dirty="0" smtClean="0"/>
           </a:p>
           <a:p>
             <a:r>
@@ -19515,7 +19634,6 @@
               <a:rPr lang="de-DE" dirty="0" smtClean="0"/>
               <a:t>„Immer zur Hand“ (Smartphone)</a:t>
             </a:r>
-            <a:endParaRPr lang="de-DE" dirty="0" smtClean="0"/>
           </a:p>
           <a:p>
             <a:endParaRPr lang="de-DE" dirty="0"/>
@@ -19537,7 +19655,7 @@
           <a:blip r:embed="rId3">
             <a:extLst>
               <a:ext uri="{28A0092B-C50C-407E-A947-70E740481C1C}">
-                <a14:useLocalDpi xmlns:a14="http://schemas.microsoft.com/office/drawing/2010/main" val="0"/>
+                <a14:useLocalDpi xmlns:a14="http://schemas.microsoft.com/office/drawing/2010/main" xmlns="" val="0"/>
               </a:ext>
             </a:extLst>
           </a:blip>
@@ -19612,7 +19730,7 @@
     </p:spTree>
     <p:extLst>
       <p:ext uri="{BB962C8B-B14F-4D97-AF65-F5344CB8AC3E}">
-        <p14:creationId xmlns:p14="http://schemas.microsoft.com/office/powerpoint/2010/main" val="537447969"/>
+        <p14:creationId xmlns:p14="http://schemas.microsoft.com/office/powerpoint/2010/main" xmlns="" val="537447969"/>
       </p:ext>
     </p:extLst>
   </p:cSld>
@@ -19697,29 +19815,15 @@
             </a:r>
             <a:r>
               <a:rPr lang="de-DE" dirty="0" smtClean="0"/>
-              <a:t> Force Angriffe </a:t>
-            </a:r>
+              <a:t> Force Angriffe immer bedrohlicher</a:t>
+            </a:r>
+          </a:p>
+          <a:p>
+            <a:pPr lvl="1"/>
             <a:r>
               <a:rPr lang="de-DE" dirty="0" smtClean="0"/>
-              <a:t>immer bedrohlicher</a:t>
-            </a:r>
-            <a:endParaRPr lang="de-DE" dirty="0" smtClean="0"/>
-          </a:p>
-          <a:p>
-            <a:pPr lvl="1"/>
-            <a:r>
-              <a:rPr lang="de-DE" dirty="0" smtClean="0"/>
-              <a:t>Zusätzliche Rechenkapazität durch </a:t>
-            </a:r>
-            <a:r>
-              <a:rPr lang="de-DE" dirty="0" smtClean="0"/>
-              <a:t>Cloud </a:t>
-            </a:r>
-            <a:r>
-              <a:rPr lang="de-DE" dirty="0" smtClean="0"/>
-              <a:t>Computing</a:t>
-            </a:r>
-            <a:endParaRPr lang="de-DE" dirty="0" smtClean="0"/>
+              <a:t>Zusätzliche Rechenkapazität durch Cloud Computing</a:t>
+            </a:r>
           </a:p>
           <a:p>
             <a:pPr lvl="1"/>
@@ -19727,32 +19831,18 @@
               <a:rPr lang="de-DE" dirty="0" smtClean="0"/>
               <a:t>Wörterbuchangriffe erhöhen Risiko weiter</a:t>
             </a:r>
-            <a:endParaRPr lang="de-DE" dirty="0" smtClean="0"/>
           </a:p>
           <a:p>
             <a:pPr lvl="2"/>
             <a:r>
               <a:rPr lang="de-DE" dirty="0" smtClean="0"/>
-              <a:t>40 </a:t>
-            </a:r>
+              <a:t>40 % aller geschäftlich genutzten Passwörter in Wörterbüchern auffindbar</a:t>
+            </a:r>
+          </a:p>
+          <a:p>
             <a:r>
               <a:rPr lang="de-DE" dirty="0" smtClean="0"/>
-              <a:t>% aller geschäftlich genutzten Passwörter </a:t>
-            </a:r>
-            <a:r>
-              <a:rPr lang="de-DE" dirty="0" smtClean="0"/>
-              <a:t>in Wörterbüchern auffindbar</a:t>
-            </a:r>
-            <a:endParaRPr lang="de-DE" dirty="0" smtClean="0"/>
-          </a:p>
-          <a:p>
-            <a:r>
-              <a:rPr lang="de-DE" dirty="0" smtClean="0"/>
-              <a:t>Studie: Konventionelle </a:t>
-            </a:r>
-            <a:r>
-              <a:rPr lang="de-DE" dirty="0" smtClean="0"/>
-              <a:t>Passwort Manager Apps ausnahmslos in kurzer Zeit </a:t>
+              <a:t>Studie: Konventionelle Passwort Manager Apps ausnahmslos in kurzer Zeit </a:t>
             </a:r>
             <a:r>
               <a:rPr lang="de-DE" dirty="0" err="1" smtClean="0"/>
@@ -19777,7 +19867,7 @@
           <a:blip r:embed="rId3">
             <a:extLst>
               <a:ext uri="{28A0092B-C50C-407E-A947-70E740481C1C}">
-                <a14:useLocalDpi xmlns:a14="http://schemas.microsoft.com/office/drawing/2010/main" val="0"/>
+                <a14:useLocalDpi xmlns:a14="http://schemas.microsoft.com/office/drawing/2010/main" xmlns="" val="0"/>
               </a:ext>
             </a:extLst>
           </a:blip>
@@ -19852,7 +19942,7 @@
     </p:spTree>
     <p:extLst>
       <p:ext uri="{BB962C8B-B14F-4D97-AF65-F5344CB8AC3E}">
-        <p14:creationId xmlns:p14="http://schemas.microsoft.com/office/powerpoint/2010/main" val="4975384"/>
+        <p14:creationId xmlns:p14="http://schemas.microsoft.com/office/powerpoint/2010/main" xmlns="" val="4975384"/>
       </p:ext>
     </p:extLst>
   </p:cSld>
@@ -19974,7 +20064,7 @@
           <a:blip r:embed="rId3">
             <a:extLst>
               <a:ext uri="{28A0092B-C50C-407E-A947-70E740481C1C}">
-                <a14:useLocalDpi xmlns:a14="http://schemas.microsoft.com/office/drawing/2010/main" val="0"/>
+                <a14:useLocalDpi xmlns:a14="http://schemas.microsoft.com/office/drawing/2010/main" xmlns="" val="0"/>
               </a:ext>
             </a:extLst>
           </a:blip>
@@ -20049,7 +20139,7 @@
     </p:spTree>
     <p:extLst>
       <p:ext uri="{BB962C8B-B14F-4D97-AF65-F5344CB8AC3E}">
-        <p14:creationId xmlns:p14="http://schemas.microsoft.com/office/powerpoint/2010/main" val="4975384"/>
+        <p14:creationId xmlns:p14="http://schemas.microsoft.com/office/powerpoint/2010/main" xmlns="" val="4975384"/>
       </p:ext>
     </p:extLst>
   </p:cSld>
@@ -20118,7 +20208,7 @@
           <a:blip r:embed="rId3">
             <a:extLst>
               <a:ext uri="{28A0092B-C50C-407E-A947-70E740481C1C}">
-                <a14:useLocalDpi xmlns:a14="http://schemas.microsoft.com/office/drawing/2010/main" val="0"/>
+                <a14:useLocalDpi xmlns:a14="http://schemas.microsoft.com/office/drawing/2010/main" xmlns="" val="0"/>
               </a:ext>
             </a:extLst>
           </a:blip>
@@ -20370,7 +20460,7 @@
     </p:spTree>
     <p:extLst>
       <p:ext uri="{BB962C8B-B14F-4D97-AF65-F5344CB8AC3E}">
-        <p14:creationId xmlns:p14="http://schemas.microsoft.com/office/powerpoint/2010/main" val="4975384"/>
+        <p14:creationId xmlns:p14="http://schemas.microsoft.com/office/powerpoint/2010/main" xmlns="" val="4975384"/>
       </p:ext>
     </p:extLst>
   </p:cSld>
@@ -20439,7 +20529,7 @@
           <a:blip r:embed="rId3">
             <a:extLst>
               <a:ext uri="{28A0092B-C50C-407E-A947-70E740481C1C}">
-                <a14:useLocalDpi xmlns:a14="http://schemas.microsoft.com/office/drawing/2010/main" val="0"/>
+                <a14:useLocalDpi xmlns:a14="http://schemas.microsoft.com/office/drawing/2010/main" xmlns="" val="0"/>
               </a:ext>
             </a:extLst>
           </a:blip>
@@ -20695,7 +20785,7 @@
     </p:spTree>
     <p:extLst>
       <p:ext uri="{BB962C8B-B14F-4D97-AF65-F5344CB8AC3E}">
-        <p14:creationId xmlns:p14="http://schemas.microsoft.com/office/powerpoint/2010/main" val="4975384"/>
+        <p14:creationId xmlns:p14="http://schemas.microsoft.com/office/powerpoint/2010/main" xmlns="" val="4975384"/>
       </p:ext>
     </p:extLst>
   </p:cSld>
@@ -20825,7 +20915,7 @@
           <a:blip r:embed="rId3">
             <a:extLst>
               <a:ext uri="{28A0092B-C50C-407E-A947-70E740481C1C}">
-                <a14:useLocalDpi xmlns:a14="http://schemas.microsoft.com/office/drawing/2010/main" val="0"/>
+                <a14:useLocalDpi xmlns:a14="http://schemas.microsoft.com/office/drawing/2010/main" xmlns="" val="0"/>
               </a:ext>
             </a:extLst>
           </a:blip>
@@ -20909,7 +20999,7 @@
           <a:blip r:embed="rId4">
             <a:extLst>
               <a:ext uri="{28A0092B-C50C-407E-A947-70E740481C1C}">
-                <a14:useLocalDpi xmlns:a14="http://schemas.microsoft.com/office/drawing/2010/main" val="0"/>
+                <a14:useLocalDpi xmlns:a14="http://schemas.microsoft.com/office/drawing/2010/main" xmlns="" val="0"/>
               </a:ext>
             </a:extLst>
           </a:blip>
@@ -20929,7 +21019,7 @@
           <a:noFill/>
           <a:extLst>
             <a:ext uri="{909E8E84-426E-40DD-AFC4-6F175D3DCCD1}">
-              <a14:hiddenFill xmlns:a14="http://schemas.microsoft.com/office/drawing/2010/main">
+              <a14:hiddenFill xmlns:a14="http://schemas.microsoft.com/office/drawing/2010/main" xmlns="">
                 <a:solidFill>
                   <a:srgbClr val="FFFFFF"/>
                 </a:solidFill>
@@ -20941,7 +21031,7 @@
     </p:spTree>
     <p:extLst>
       <p:ext uri="{BB962C8B-B14F-4D97-AF65-F5344CB8AC3E}">
-        <p14:creationId xmlns:p14="http://schemas.microsoft.com/office/powerpoint/2010/main" val="14036120"/>
+        <p14:creationId xmlns:p14="http://schemas.microsoft.com/office/powerpoint/2010/main" xmlns="" val="14036120"/>
       </p:ext>
     </p:extLst>
   </p:cSld>
@@ -21073,11 +21163,7 @@
             <a:pPr lvl="1"/>
             <a:r>
               <a:rPr lang="de-DE" dirty="0" smtClean="0"/>
-              <a:t>Unterstützung durch viele </a:t>
-            </a:r>
-            <a:r>
-              <a:rPr lang="de-DE" dirty="0" smtClean="0"/>
-              <a:t>Tools</a:t>
+              <a:t>Unterstützung durch viele Tools</a:t>
             </a:r>
           </a:p>
           <a:p>
@@ -21094,7 +21180,6 @@
               <a:rPr lang="de-DE" i="1" dirty="0" smtClean="0"/>
               <a:t>-Files</a:t>
             </a:r>
-            <a:endParaRPr lang="de-DE" i="1" dirty="0" smtClean="0"/>
           </a:p>
           <a:p>
             <a:endParaRPr lang="de-DE" dirty="0"/>
@@ -21113,7 +21198,7 @@
           <a:blip r:embed="rId3">
             <a:extLst>
               <a:ext uri="{28A0092B-C50C-407E-A947-70E740481C1C}">
-                <a14:useLocalDpi xmlns:a14="http://schemas.microsoft.com/office/drawing/2010/main" val="0"/>
+                <a14:useLocalDpi xmlns:a14="http://schemas.microsoft.com/office/drawing/2010/main" xmlns="" val="0"/>
               </a:ext>
             </a:extLst>
           </a:blip>
@@ -21197,7 +21282,7 @@
           <a:blip r:embed="rId4">
             <a:extLst>
               <a:ext uri="{28A0092B-C50C-407E-A947-70E740481C1C}">
-                <a14:useLocalDpi xmlns:a14="http://schemas.microsoft.com/office/drawing/2010/main" val="0"/>
+                <a14:useLocalDpi xmlns:a14="http://schemas.microsoft.com/office/drawing/2010/main" xmlns="" val="0"/>
               </a:ext>
             </a:extLst>
           </a:blip>
@@ -21217,7 +21302,7 @@
           <a:noFill/>
           <a:extLst>
             <a:ext uri="{909E8E84-426E-40DD-AFC4-6F175D3DCCD1}">
-              <a14:hiddenFill xmlns:a14="http://schemas.microsoft.com/office/drawing/2010/main">
+              <a14:hiddenFill xmlns:a14="http://schemas.microsoft.com/office/drawing/2010/main" xmlns="">
                 <a:solidFill>
                   <a:srgbClr val="FFFFFF"/>
                 </a:solidFill>
@@ -21238,7 +21323,7 @@
           <a:blip r:embed="rId5">
             <a:extLst>
               <a:ext uri="{28A0092B-C50C-407E-A947-70E740481C1C}">
-                <a14:useLocalDpi xmlns:a14="http://schemas.microsoft.com/office/drawing/2010/main" val="0"/>
+                <a14:useLocalDpi xmlns:a14="http://schemas.microsoft.com/office/drawing/2010/main" xmlns="" val="0"/>
               </a:ext>
             </a:extLst>
           </a:blip>
@@ -21258,7 +21343,7 @@
           <a:noFill/>
           <a:extLst>
             <a:ext uri="{909E8E84-426E-40DD-AFC4-6F175D3DCCD1}">
-              <a14:hiddenFill xmlns:a14="http://schemas.microsoft.com/office/drawing/2010/main">
+              <a14:hiddenFill xmlns:a14="http://schemas.microsoft.com/office/drawing/2010/main" xmlns="">
                 <a:solidFill>
                   <a:srgbClr val="FFFFFF"/>
                 </a:solidFill>
@@ -21270,7 +21355,7 @@
     </p:spTree>
     <p:extLst>
       <p:ext uri="{BB962C8B-B14F-4D97-AF65-F5344CB8AC3E}">
-        <p14:creationId xmlns:p14="http://schemas.microsoft.com/office/powerpoint/2010/main" val="1932109761"/>
+        <p14:creationId xmlns:p14="http://schemas.microsoft.com/office/powerpoint/2010/main" xmlns="" val="1932109761"/>
       </p:ext>
     </p:extLst>
   </p:cSld>
@@ -21546,7 +21631,7 @@
   <a:extraClrSchemeLst/>
   <a:extLst>
     <a:ext uri="{05A4C25C-085E-4340-85A3-A5531E510DB2}">
-      <thm15:themeFamily xmlns:thm15="http://schemas.microsoft.com/office/thememl/2012/main" name="Ion Boardroom" id="{FC33163D-4339-46B1-8EED-24C834239D99}" vid="{A3AB87EF-B655-4FFF-8D05-F333AD7F2789}"/>
+      <thm15:themeFamily xmlns:thm15="http://schemas.microsoft.com/office/thememl/2012/main" xmlns="" name="Ion Boardroom" id="{FC33163D-4339-46B1-8EED-24C834239D99}" vid="{A3AB87EF-B655-4FFF-8D05-F333AD7F2789}"/>
     </a:ext>
   </a:extLst>
 </a:theme>
@@ -21807,7 +21892,7 @@
   <a:extraClrSchemeLst/>
   <a:extLst>
     <a:ext uri="{05A4C25C-085E-4340-85A3-A5531E510DB2}">
-      <thm15:themeFamily xmlns:thm15="http://schemas.microsoft.com/office/thememl/2012/main" name="Office Theme" id="{62F939B6-93AF-4DB8-9C6B-D6C7DFDC589F}" vid="{4A3C46E8-61CC-4603-A589-7422A47A8E4A}"/>
+      <thm15:themeFamily xmlns:thm15="http://schemas.microsoft.com/office/thememl/2012/main" xmlns="" name="Office Theme" id="{62F939B6-93AF-4DB8-9C6B-D6C7DFDC589F}" vid="{4A3C46E8-61CC-4603-A589-7422A47A8E4A}"/>
     </a:ext>
   </a:extLst>
 </a:theme>

--- a/Dokumentation/PWSafe Präsentation.pptx
+++ b/Dokumentation/PWSafe Präsentation.pptx
@@ -128,7 +128,7 @@
   </p:defaultTextStyle>
   <p:extLst>
     <p:ext uri="{EFAFB233-063F-42B5-8137-9DF3F51BA10A}">
-      <p15:sldGuideLst xmlns:p15="http://schemas.microsoft.com/office/powerpoint/2012/main" xmlns="">
+      <p15:sldGuideLst xmlns:p15="http://schemas.microsoft.com/office/powerpoint/2012/main">
         <p15:guide id="1" orient="horz" pos="2160">
           <p15:clr>
             <a:srgbClr val="A4A3A4"/>
@@ -142,7 +142,7 @@
       </p15:sldGuideLst>
     </p:ext>
     <p:ext uri="{2D200454-40CA-4A62-9FC3-DE9A4176ACB9}">
-      <p15:notesGuideLst xmlns:p15="http://schemas.microsoft.com/office/powerpoint/2012/main" xmlns=""/>
+      <p15:notesGuideLst xmlns:p15="http://schemas.microsoft.com/office/powerpoint/2012/main"/>
     </p:ext>
   </p:extLst>
 </p:presentation>
@@ -400,7 +400,7 @@
     </p:spTree>
     <p:extLst>
       <p:ext uri="{BB962C8B-B14F-4D97-AF65-F5344CB8AC3E}">
-        <p14:creationId xmlns:p14="http://schemas.microsoft.com/office/powerpoint/2010/main" xmlns="" val="2805633478"/>
+        <p14:creationId xmlns:p14="http://schemas.microsoft.com/office/powerpoint/2010/main" val="2805633478"/>
       </p:ext>
     </p:extLst>
   </p:cSld>
@@ -575,7 +575,7 @@
     </p:spTree>
     <p:extLst>
       <p:ext uri="{BB962C8B-B14F-4D97-AF65-F5344CB8AC3E}">
-        <p14:creationId xmlns:p14="http://schemas.microsoft.com/office/powerpoint/2010/main" xmlns="" val="2124923709"/>
+        <p14:creationId xmlns:p14="http://schemas.microsoft.com/office/powerpoint/2010/main" val="2124923709"/>
       </p:ext>
     </p:extLst>
   </p:cSld>
@@ -742,7 +742,7 @@
     </p:spTree>
     <p:extLst>
       <p:ext uri="{BB962C8B-B14F-4D97-AF65-F5344CB8AC3E}">
-        <p14:creationId xmlns:p14="http://schemas.microsoft.com/office/powerpoint/2010/main" xmlns="" val="2145289091"/>
+        <p14:creationId xmlns:p14="http://schemas.microsoft.com/office/powerpoint/2010/main" val="2145289091"/>
       </p:ext>
     </p:extLst>
   </p:cSld>
@@ -913,7 +913,7 @@
     </p:spTree>
     <p:extLst>
       <p:ext uri="{BB962C8B-B14F-4D97-AF65-F5344CB8AC3E}">
-        <p14:creationId xmlns:p14="http://schemas.microsoft.com/office/powerpoint/2010/main" xmlns="" val="461146694"/>
+        <p14:creationId xmlns:p14="http://schemas.microsoft.com/office/powerpoint/2010/main" val="461146694"/>
       </p:ext>
     </p:extLst>
   </p:cSld>
@@ -998,7 +998,7 @@
     </p:spTree>
     <p:extLst>
       <p:ext uri="{BB962C8B-B14F-4D97-AF65-F5344CB8AC3E}">
-        <p14:creationId xmlns:p14="http://schemas.microsoft.com/office/powerpoint/2010/main" xmlns="" val="4219797847"/>
+        <p14:creationId xmlns:p14="http://schemas.microsoft.com/office/powerpoint/2010/main" val="4219797847"/>
       </p:ext>
     </p:extLst>
   </p:cSld>
@@ -1083,7 +1083,7 @@
     </p:spTree>
     <p:extLst>
       <p:ext uri="{BB962C8B-B14F-4D97-AF65-F5344CB8AC3E}">
-        <p14:creationId xmlns:p14="http://schemas.microsoft.com/office/powerpoint/2010/main" xmlns="" val="2754737602"/>
+        <p14:creationId xmlns:p14="http://schemas.microsoft.com/office/powerpoint/2010/main" val="2754737602"/>
       </p:ext>
     </p:extLst>
   </p:cSld>
@@ -1168,7 +1168,7 @@
     </p:spTree>
     <p:extLst>
       <p:ext uri="{BB962C8B-B14F-4D97-AF65-F5344CB8AC3E}">
-        <p14:creationId xmlns:p14="http://schemas.microsoft.com/office/powerpoint/2010/main" xmlns="" val="657275192"/>
+        <p14:creationId xmlns:p14="http://schemas.microsoft.com/office/powerpoint/2010/main" val="657275192"/>
       </p:ext>
     </p:extLst>
   </p:cSld>
@@ -1253,7 +1253,7 @@
     </p:spTree>
     <p:extLst>
       <p:ext uri="{BB962C8B-B14F-4D97-AF65-F5344CB8AC3E}">
-        <p14:creationId xmlns:p14="http://schemas.microsoft.com/office/powerpoint/2010/main" xmlns="" val="183309910"/>
+        <p14:creationId xmlns:p14="http://schemas.microsoft.com/office/powerpoint/2010/main" val="183309910"/>
       </p:ext>
     </p:extLst>
   </p:cSld>
@@ -1338,7 +1338,7 @@
     </p:spTree>
     <p:extLst>
       <p:ext uri="{BB962C8B-B14F-4D97-AF65-F5344CB8AC3E}">
-        <p14:creationId xmlns:p14="http://schemas.microsoft.com/office/powerpoint/2010/main" xmlns="" val="1748681489"/>
+        <p14:creationId xmlns:p14="http://schemas.microsoft.com/office/powerpoint/2010/main" val="1748681489"/>
       </p:ext>
     </p:extLst>
   </p:cSld>
@@ -1423,7 +1423,7 @@
     </p:spTree>
     <p:extLst>
       <p:ext uri="{BB962C8B-B14F-4D97-AF65-F5344CB8AC3E}">
-        <p14:creationId xmlns:p14="http://schemas.microsoft.com/office/powerpoint/2010/main" xmlns="" val="3297351362"/>
+        <p14:creationId xmlns:p14="http://schemas.microsoft.com/office/powerpoint/2010/main" val="3297351362"/>
       </p:ext>
     </p:extLst>
   </p:cSld>
@@ -1508,7 +1508,7 @@
     </p:spTree>
     <p:extLst>
       <p:ext uri="{BB962C8B-B14F-4D97-AF65-F5344CB8AC3E}">
-        <p14:creationId xmlns:p14="http://schemas.microsoft.com/office/powerpoint/2010/main" xmlns="" val="784737350"/>
+        <p14:creationId xmlns:p14="http://schemas.microsoft.com/office/powerpoint/2010/main" val="784737350"/>
       </p:ext>
     </p:extLst>
   </p:cSld>
@@ -1593,7 +1593,7 @@
     </p:spTree>
     <p:extLst>
       <p:ext uri="{BB962C8B-B14F-4D97-AF65-F5344CB8AC3E}">
-        <p14:creationId xmlns:p14="http://schemas.microsoft.com/office/powerpoint/2010/main" xmlns="" val="1066156749"/>
+        <p14:creationId xmlns:p14="http://schemas.microsoft.com/office/powerpoint/2010/main" val="1066156749"/>
       </p:ext>
     </p:extLst>
   </p:cSld>
@@ -1678,7 +1678,7 @@
     </p:spTree>
     <p:extLst>
       <p:ext uri="{BB962C8B-B14F-4D97-AF65-F5344CB8AC3E}">
-        <p14:creationId xmlns:p14="http://schemas.microsoft.com/office/powerpoint/2010/main" xmlns="" val="617600904"/>
+        <p14:creationId xmlns:p14="http://schemas.microsoft.com/office/powerpoint/2010/main" val="617600904"/>
       </p:ext>
     </p:extLst>
   </p:cSld>
@@ -1867,7 +1867,7 @@
     </p:spTree>
     <p:extLst>
       <p:ext uri="{BB962C8B-B14F-4D97-AF65-F5344CB8AC3E}">
-        <p14:creationId xmlns:p14="http://schemas.microsoft.com/office/powerpoint/2010/main" xmlns="" val="1928648976"/>
+        <p14:creationId xmlns:p14="http://schemas.microsoft.com/office/powerpoint/2010/main" val="1928648976"/>
       </p:ext>
     </p:extLst>
   </p:cSld>
@@ -2008,7 +2008,7 @@
     </p:spTree>
     <p:extLst>
       <p:ext uri="{BB962C8B-B14F-4D97-AF65-F5344CB8AC3E}">
-        <p14:creationId xmlns:p14="http://schemas.microsoft.com/office/powerpoint/2010/main" xmlns="" val="1928648976"/>
+        <p14:creationId xmlns:p14="http://schemas.microsoft.com/office/powerpoint/2010/main" val="1928648976"/>
       </p:ext>
     </p:extLst>
   </p:cSld>
@@ -2093,7 +2093,7 @@
     </p:spTree>
     <p:extLst>
       <p:ext uri="{BB962C8B-B14F-4D97-AF65-F5344CB8AC3E}">
-        <p14:creationId xmlns:p14="http://schemas.microsoft.com/office/powerpoint/2010/main" xmlns="" val="1928648976"/>
+        <p14:creationId xmlns:p14="http://schemas.microsoft.com/office/powerpoint/2010/main" val="1928648976"/>
       </p:ext>
     </p:extLst>
   </p:cSld>
@@ -2190,7 +2190,7 @@
     </p:spTree>
     <p:extLst>
       <p:ext uri="{BB962C8B-B14F-4D97-AF65-F5344CB8AC3E}">
-        <p14:creationId xmlns:p14="http://schemas.microsoft.com/office/powerpoint/2010/main" xmlns="" val="1928648976"/>
+        <p14:creationId xmlns:p14="http://schemas.microsoft.com/office/powerpoint/2010/main" val="1928648976"/>
       </p:ext>
     </p:extLst>
   </p:cSld>
@@ -2275,7 +2275,7 @@
     </p:spTree>
     <p:extLst>
       <p:ext uri="{BB962C8B-B14F-4D97-AF65-F5344CB8AC3E}">
-        <p14:creationId xmlns:p14="http://schemas.microsoft.com/office/powerpoint/2010/main" xmlns="" val="1705752707"/>
+        <p14:creationId xmlns:p14="http://schemas.microsoft.com/office/powerpoint/2010/main" val="1705752707"/>
       </p:ext>
     </p:extLst>
   </p:cSld>
@@ -2360,7 +2360,7 @@
     </p:spTree>
     <p:extLst>
       <p:ext uri="{BB962C8B-B14F-4D97-AF65-F5344CB8AC3E}">
-        <p14:creationId xmlns:p14="http://schemas.microsoft.com/office/powerpoint/2010/main" xmlns="" val="562466078"/>
+        <p14:creationId xmlns:p14="http://schemas.microsoft.com/office/powerpoint/2010/main" val="562466078"/>
       </p:ext>
     </p:extLst>
   </p:cSld>
@@ -2496,7 +2496,7 @@
     </p:spTree>
     <p:extLst>
       <p:ext uri="{BB962C8B-B14F-4D97-AF65-F5344CB8AC3E}">
-        <p14:creationId xmlns:p14="http://schemas.microsoft.com/office/powerpoint/2010/main" xmlns="" val="3199242385"/>
+        <p14:creationId xmlns:p14="http://schemas.microsoft.com/office/powerpoint/2010/main" val="3199242385"/>
       </p:ext>
     </p:extLst>
   </p:cSld>
@@ -16206,7 +16206,7 @@
           <a:blip r:embed="rId2">
             <a:extLst>
               <a:ext uri="{28A0092B-C50C-407E-A947-70E740481C1C}">
-                <a14:useLocalDpi xmlns:a14="http://schemas.microsoft.com/office/drawing/2010/main" xmlns="" val="0"/>
+                <a14:useLocalDpi xmlns:a14="http://schemas.microsoft.com/office/drawing/2010/main" val="0"/>
               </a:ext>
             </a:extLst>
           </a:blip>
@@ -16227,7 +16227,7 @@
     </p:spTree>
     <p:extLst>
       <p:ext uri="{BB962C8B-B14F-4D97-AF65-F5344CB8AC3E}">
-        <p14:creationId xmlns:p14="http://schemas.microsoft.com/office/powerpoint/2010/main" xmlns="" val="3428906391"/>
+        <p14:creationId xmlns:p14="http://schemas.microsoft.com/office/powerpoint/2010/main" val="3428906391"/>
       </p:ext>
     </p:extLst>
   </p:cSld>
@@ -16375,7 +16375,7 @@
           <a:blip r:embed="rId3">
             <a:extLst>
               <a:ext uri="{28A0092B-C50C-407E-A947-70E740481C1C}">
-                <a14:useLocalDpi xmlns:a14="http://schemas.microsoft.com/office/drawing/2010/main" xmlns="" val="0"/>
+                <a14:useLocalDpi xmlns:a14="http://schemas.microsoft.com/office/drawing/2010/main" val="0"/>
               </a:ext>
             </a:extLst>
           </a:blip>
@@ -16498,18 +16498,18 @@
     </p:spTree>
     <p:extLst>
       <p:ext uri="{BB962C8B-B14F-4D97-AF65-F5344CB8AC3E}">
-        <p14:creationId xmlns:p14="http://schemas.microsoft.com/office/powerpoint/2010/main" xmlns="" val="29256383"/>
+        <p14:creationId xmlns:p14="http://schemas.microsoft.com/office/powerpoint/2010/main" val="29256383"/>
       </p:ext>
     </p:extLst>
   </p:cSld>
   <p:clrMapOvr>
     <a:masterClrMapping/>
   </p:clrMapOvr>
-  <mc:AlternateContent xmlns:mc="http://schemas.openxmlformats.org/markup-compatibility/2006">
-    <mc:Choice xmlns:p14="http://schemas.microsoft.com/office/powerpoint/2010/main" xmlns="" Requires="p14">
+  <mc:AlternateContent xmlns:mc="http://schemas.openxmlformats.org/markup-compatibility/2006" xmlns:p14="http://schemas.microsoft.com/office/powerpoint/2010/main">
+    <mc:Choice Requires="p14">
       <p:transition spd="slow" p14:dur="2000"/>
     </mc:Choice>
-    <mc:Fallback>
+    <mc:Fallback xmlns="">
       <p:transition spd="slow"/>
     </mc:Fallback>
   </mc:AlternateContent>
@@ -16776,7 +16776,7 @@
           <a:blip r:embed="rId3">
             <a:extLst>
               <a:ext uri="{28A0092B-C50C-407E-A947-70E740481C1C}">
-                <a14:useLocalDpi xmlns:a14="http://schemas.microsoft.com/office/drawing/2010/main" xmlns="" val="0"/>
+                <a14:useLocalDpi xmlns:a14="http://schemas.microsoft.com/office/drawing/2010/main" val="0"/>
               </a:ext>
             </a:extLst>
           </a:blip>
@@ -16884,7 +16884,7 @@
           <a:blip r:embed="rId5">
             <a:extLst>
               <a:ext uri="{28A0092B-C50C-407E-A947-70E740481C1C}">
-                <a14:useLocalDpi xmlns:a14="http://schemas.microsoft.com/office/drawing/2010/main" xmlns="" val="0"/>
+                <a14:useLocalDpi xmlns:a14="http://schemas.microsoft.com/office/drawing/2010/main" val="0"/>
               </a:ext>
             </a:extLst>
           </a:blip>
@@ -16907,14 +16907,14 @@
           </a:ln>
           <a:extLst>
             <a:ext uri="{909E8E84-426E-40DD-AFC4-6F175D3DCCD1}">
-              <a14:hiddenFill xmlns:a14="http://schemas.microsoft.com/office/drawing/2010/main" xmlns="">
+              <a14:hiddenFill xmlns:a14="http://schemas.microsoft.com/office/drawing/2010/main">
                 <a:solidFill>
                   <a:srgbClr val="FFFFFF"/>
                 </a:solidFill>
               </a14:hiddenFill>
             </a:ext>
             <a:ext uri="{91240B29-F687-4F45-9708-019B960494DF}">
-              <a14:hiddenLine xmlns:a14="http://schemas.microsoft.com/office/drawing/2010/main" xmlns="" w="9525">
+              <a14:hiddenLine xmlns:a14="http://schemas.microsoft.com/office/drawing/2010/main" w="9525">
                 <a:solidFill>
                   <a:srgbClr val="000000"/>
                 </a:solidFill>
@@ -16929,7 +16929,7 @@
     </p:spTree>
     <p:extLst>
       <p:ext uri="{BB962C8B-B14F-4D97-AF65-F5344CB8AC3E}">
-        <p14:creationId xmlns:p14="http://schemas.microsoft.com/office/powerpoint/2010/main" xmlns="" val="3107900357"/>
+        <p14:creationId xmlns:p14="http://schemas.microsoft.com/office/powerpoint/2010/main" val="3107900357"/>
       </p:ext>
     </p:extLst>
   </p:cSld>
@@ -17170,7 +17170,7 @@
           <a:blip r:embed="rId3">
             <a:extLst>
               <a:ext uri="{28A0092B-C50C-407E-A947-70E740481C1C}">
-                <a14:useLocalDpi xmlns:a14="http://schemas.microsoft.com/office/drawing/2010/main" xmlns="" val="0"/>
+                <a14:useLocalDpi xmlns:a14="http://schemas.microsoft.com/office/drawing/2010/main" val="0"/>
               </a:ext>
             </a:extLst>
           </a:blip>
@@ -17254,7 +17254,7 @@
           <a:blip r:embed="rId4">
             <a:extLst>
               <a:ext uri="{28A0092B-C50C-407E-A947-70E740481C1C}">
-                <a14:useLocalDpi xmlns:a14="http://schemas.microsoft.com/office/drawing/2010/main" xmlns="" val="0"/>
+                <a14:useLocalDpi xmlns:a14="http://schemas.microsoft.com/office/drawing/2010/main" val="0"/>
               </a:ext>
             </a:extLst>
           </a:blip>
@@ -17274,7 +17274,7 @@
           <a:noFill/>
           <a:extLst>
             <a:ext uri="{909E8E84-426E-40DD-AFC4-6F175D3DCCD1}">
-              <a14:hiddenFill xmlns:a14="http://schemas.microsoft.com/office/drawing/2010/main" xmlns="">
+              <a14:hiddenFill xmlns:a14="http://schemas.microsoft.com/office/drawing/2010/main">
                 <a:solidFill>
                   <a:srgbClr val="FFFFFF"/>
                 </a:solidFill>
@@ -17295,7 +17295,7 @@
           <a:blip r:embed="rId5">
             <a:extLst>
               <a:ext uri="{28A0092B-C50C-407E-A947-70E740481C1C}">
-                <a14:useLocalDpi xmlns:a14="http://schemas.microsoft.com/office/drawing/2010/main" xmlns="" val="0"/>
+                <a14:useLocalDpi xmlns:a14="http://schemas.microsoft.com/office/drawing/2010/main" val="0"/>
               </a:ext>
             </a:extLst>
           </a:blip>
@@ -17315,7 +17315,7 @@
           <a:noFill/>
           <a:extLst>
             <a:ext uri="{909E8E84-426E-40DD-AFC4-6F175D3DCCD1}">
-              <a14:hiddenFill xmlns:a14="http://schemas.microsoft.com/office/drawing/2010/main" xmlns="">
+              <a14:hiddenFill xmlns:a14="http://schemas.microsoft.com/office/drawing/2010/main">
                 <a:solidFill>
                   <a:srgbClr val="FFFFFF"/>
                 </a:solidFill>
@@ -17327,7 +17327,7 @@
     </p:spTree>
     <p:extLst>
       <p:ext uri="{BB962C8B-B14F-4D97-AF65-F5344CB8AC3E}">
-        <p14:creationId xmlns:p14="http://schemas.microsoft.com/office/powerpoint/2010/main" xmlns="" val="1376954338"/>
+        <p14:creationId xmlns:p14="http://schemas.microsoft.com/office/powerpoint/2010/main" val="1376954338"/>
       </p:ext>
     </p:extLst>
   </p:cSld>
@@ -17396,7 +17396,7 @@
           <a:blip r:embed="rId3">
             <a:extLst>
               <a:ext uri="{28A0092B-C50C-407E-A947-70E740481C1C}">
-                <a14:useLocalDpi xmlns:a14="http://schemas.microsoft.com/office/drawing/2010/main" xmlns="" val="0"/>
+                <a14:useLocalDpi xmlns:a14="http://schemas.microsoft.com/office/drawing/2010/main" val="0"/>
               </a:ext>
             </a:extLst>
           </a:blip>
@@ -17480,7 +17480,7 @@
           <a:blip r:embed="rId4">
             <a:extLst>
               <a:ext uri="{28A0092B-C50C-407E-A947-70E740481C1C}">
-                <a14:useLocalDpi xmlns:a14="http://schemas.microsoft.com/office/drawing/2010/main" xmlns="" val="0"/>
+                <a14:useLocalDpi xmlns:a14="http://schemas.microsoft.com/office/drawing/2010/main" val="0"/>
               </a:ext>
             </a:extLst>
           </a:blip>
@@ -17500,7 +17500,7 @@
           <a:noFill/>
           <a:extLst>
             <a:ext uri="{909E8E84-426E-40DD-AFC4-6F175D3DCCD1}">
-              <a14:hiddenFill xmlns:a14="http://schemas.microsoft.com/office/drawing/2010/main" xmlns="">
+              <a14:hiddenFill xmlns:a14="http://schemas.microsoft.com/office/drawing/2010/main">
                 <a:solidFill>
                   <a:srgbClr val="FFFFFF"/>
                 </a:solidFill>
@@ -17512,18 +17512,18 @@
     </p:spTree>
     <p:extLst>
       <p:ext uri="{BB962C8B-B14F-4D97-AF65-F5344CB8AC3E}">
-        <p14:creationId xmlns:p14="http://schemas.microsoft.com/office/powerpoint/2010/main" xmlns="" val="3667091251"/>
+        <p14:creationId xmlns:p14="http://schemas.microsoft.com/office/powerpoint/2010/main" val="3667091251"/>
       </p:ext>
     </p:extLst>
   </p:cSld>
   <p:clrMapOvr>
     <a:masterClrMapping/>
   </p:clrMapOvr>
-  <mc:AlternateContent xmlns:mc="http://schemas.openxmlformats.org/markup-compatibility/2006">
-    <mc:Choice xmlns:p14="http://schemas.microsoft.com/office/powerpoint/2010/main" xmlns="" Requires="p14">
+  <mc:AlternateContent xmlns:mc="http://schemas.openxmlformats.org/markup-compatibility/2006" xmlns:p14="http://schemas.microsoft.com/office/powerpoint/2010/main">
+    <mc:Choice Requires="p14">
       <p:transition spd="slow" p14:dur="2000"/>
     </mc:Choice>
-    <mc:Fallback>
+    <mc:Fallback xmlns="">
       <p:transition spd="slow"/>
     </mc:Fallback>
   </mc:AlternateContent>
@@ -17690,7 +17690,7 @@
           <a:blip r:embed="rId3">
             <a:extLst>
               <a:ext uri="{28A0092B-C50C-407E-A947-70E740481C1C}">
-                <a14:useLocalDpi xmlns:a14="http://schemas.microsoft.com/office/drawing/2010/main" xmlns="" val="0"/>
+                <a14:useLocalDpi xmlns:a14="http://schemas.microsoft.com/office/drawing/2010/main" val="0"/>
               </a:ext>
             </a:extLst>
           </a:blip>
@@ -17765,7 +17765,7 @@
     </p:spTree>
     <p:extLst>
       <p:ext uri="{BB962C8B-B14F-4D97-AF65-F5344CB8AC3E}">
-        <p14:creationId xmlns:p14="http://schemas.microsoft.com/office/powerpoint/2010/main" xmlns="" val="3197597498"/>
+        <p14:creationId xmlns:p14="http://schemas.microsoft.com/office/powerpoint/2010/main" val="3197597498"/>
       </p:ext>
     </p:extLst>
   </p:cSld>
@@ -17851,6 +17851,30 @@
           </a:p>
           <a:p>
             <a:r>
+              <a:rPr lang="de-DE" dirty="0"/>
+              <a:t>Klare Aufgabenteilung &amp; rege Kommunikation </a:t>
+            </a:r>
+          </a:p>
+          <a:p>
+            <a:pPr lvl="1"/>
+            <a:r>
+              <a:rPr lang="de-DE" dirty="0"/>
+              <a:t>Nur wenig </a:t>
+            </a:r>
+            <a:r>
+              <a:rPr lang="de-DE" dirty="0" err="1"/>
+              <a:t>Mergekonflikte</a:t>
+            </a:r>
+            <a:endParaRPr lang="de-DE" dirty="0"/>
+          </a:p>
+          <a:p>
+            <a:r>
+              <a:rPr lang="de-DE" dirty="0"/>
+              <a:t>Klare Definition von Deadlines</a:t>
+            </a:r>
+          </a:p>
+          <a:p>
+            <a:r>
               <a:rPr lang="de-DE" dirty="0" smtClean="0"/>
               <a:t>Jeder </a:t>
             </a:r>
@@ -17878,56 +17902,11 @@
             </a:r>
             <a:r>
               <a:rPr lang="de-DE" dirty="0"/>
-              <a:t>&amp; Beheben von Bugs</a:t>
-            </a:r>
-          </a:p>
-          <a:p>
+              <a:t>&amp; Beheben von </a:t>
+            </a:r>
             <a:r>
               <a:rPr lang="de-DE" dirty="0" smtClean="0"/>
-              <a:t>Klare </a:t>
-            </a:r>
-            <a:r>
-              <a:rPr lang="de-DE" dirty="0"/>
-              <a:t>Aufgabenteilung </a:t>
-            </a:r>
-            <a:r>
-              <a:rPr lang="de-DE" dirty="0" smtClean="0"/>
-              <a:t>&amp; </a:t>
-            </a:r>
-            <a:r>
-              <a:rPr lang="de-DE" dirty="0"/>
-              <a:t>rege Kommunikation </a:t>
-            </a:r>
-            <a:endParaRPr lang="de-DE" dirty="0" smtClean="0"/>
-          </a:p>
-          <a:p>
-            <a:pPr lvl="1"/>
-            <a:r>
-              <a:rPr lang="de-DE" dirty="0" smtClean="0"/>
-              <a:t>Nur </a:t>
-            </a:r>
-            <a:r>
-              <a:rPr lang="de-DE" dirty="0"/>
-              <a:t>wenig </a:t>
-            </a:r>
-            <a:r>
-              <a:rPr lang="de-DE" dirty="0" err="1"/>
-              <a:t>Mergekonflikte</a:t>
-            </a:r>
-            <a:endParaRPr lang="de-DE" dirty="0"/>
-          </a:p>
-          <a:p>
-            <a:r>
-              <a:rPr lang="de-DE" dirty="0" smtClean="0"/>
-              <a:t>Klare </a:t>
-            </a:r>
-            <a:r>
-              <a:rPr lang="de-DE" dirty="0"/>
-              <a:t>Definition von </a:t>
-            </a:r>
-            <a:r>
-              <a:rPr lang="de-DE" dirty="0" smtClean="0"/>
-              <a:t>Deadlines</a:t>
+              <a:t>Bugs</a:t>
             </a:r>
             <a:endParaRPr lang="de-DE" dirty="0"/>
           </a:p>
@@ -17945,7 +17924,7 @@
           <a:blip r:embed="rId3">
             <a:extLst>
               <a:ext uri="{28A0092B-C50C-407E-A947-70E740481C1C}">
-                <a14:useLocalDpi xmlns:a14="http://schemas.microsoft.com/office/drawing/2010/main" xmlns="" val="0"/>
+                <a14:useLocalDpi xmlns:a14="http://schemas.microsoft.com/office/drawing/2010/main" val="0"/>
               </a:ext>
             </a:extLst>
           </a:blip>
@@ -18020,7 +17999,7 @@
     </p:spTree>
     <p:extLst>
       <p:ext uri="{BB962C8B-B14F-4D97-AF65-F5344CB8AC3E}">
-        <p14:creationId xmlns:p14="http://schemas.microsoft.com/office/powerpoint/2010/main" xmlns="" val="3509070595"/>
+        <p14:creationId xmlns:p14="http://schemas.microsoft.com/office/powerpoint/2010/main" val="3509070595"/>
       </p:ext>
     </p:extLst>
   </p:cSld>
@@ -18107,19 +18086,33 @@
           <a:p>
             <a:r>
               <a:rPr lang="de-DE" dirty="0" smtClean="0"/>
-              <a:t>Hoher Einarbeitungsaufwand</a:t>
-            </a:r>
+              <a:t>Hoher </a:t>
+            </a:r>
+            <a:r>
+              <a:rPr lang="de-DE" dirty="0" smtClean="0"/>
+              <a:t>Einarbeitungsaufwand</a:t>
+            </a:r>
+          </a:p>
+          <a:p>
+            <a:pPr lvl="1"/>
+            <a:r>
+              <a:rPr lang="de-DE" dirty="0" smtClean="0"/>
+              <a:t>Mit </a:t>
+            </a:r>
+            <a:r>
+              <a:rPr lang="de-DE" dirty="0"/>
+              <a:t>Tutorials &amp; Foren Einblick </a:t>
+            </a:r>
+            <a:r>
+              <a:rPr lang="de-DE" dirty="0" smtClean="0"/>
+              <a:t>verschafft</a:t>
+            </a:r>
+            <a:endParaRPr lang="de-DE" dirty="0" smtClean="0"/>
           </a:p>
           <a:p>
             <a:r>
               <a:rPr lang="de-DE" dirty="0" smtClean="0"/>
               <a:t>Zeitmangel</a:t>
-            </a:r>
-          </a:p>
-          <a:p>
-            <a:r>
-              <a:rPr lang="de-DE" dirty="0" smtClean="0"/>
-              <a:t>Mit Tutorials &amp; Foren Einblick verschafft &amp; Gelerntes umgesetzt</a:t>
             </a:r>
           </a:p>
           <a:p>
@@ -18158,7 +18151,7 @@
           <a:blip r:embed="rId3">
             <a:extLst>
               <a:ext uri="{28A0092B-C50C-407E-A947-70E740481C1C}">
-                <a14:useLocalDpi xmlns:a14="http://schemas.microsoft.com/office/drawing/2010/main" xmlns="" val="0"/>
+                <a14:useLocalDpi xmlns:a14="http://schemas.microsoft.com/office/drawing/2010/main" val="0"/>
               </a:ext>
             </a:extLst>
           </a:blip>
@@ -18233,7 +18226,7 @@
     </p:spTree>
     <p:extLst>
       <p:ext uri="{BB962C8B-B14F-4D97-AF65-F5344CB8AC3E}">
-        <p14:creationId xmlns:p14="http://schemas.microsoft.com/office/powerpoint/2010/main" xmlns="" val="2650556501"/>
+        <p14:creationId xmlns:p14="http://schemas.microsoft.com/office/powerpoint/2010/main" val="2650556501"/>
       </p:ext>
     </p:extLst>
   </p:cSld>
@@ -18399,7 +18392,7 @@
           <a:blip r:embed="rId3">
             <a:extLst>
               <a:ext uri="{28A0092B-C50C-407E-A947-70E740481C1C}">
-                <a14:useLocalDpi xmlns:a14="http://schemas.microsoft.com/office/drawing/2010/main" xmlns="" val="0"/>
+                <a14:useLocalDpi xmlns:a14="http://schemas.microsoft.com/office/drawing/2010/main" val="0"/>
               </a:ext>
             </a:extLst>
           </a:blip>
@@ -18474,7 +18467,7 @@
     </p:spTree>
     <p:extLst>
       <p:ext uri="{BB962C8B-B14F-4D97-AF65-F5344CB8AC3E}">
-        <p14:creationId xmlns:p14="http://schemas.microsoft.com/office/powerpoint/2010/main" xmlns="" val="1648445864"/>
+        <p14:creationId xmlns:p14="http://schemas.microsoft.com/office/powerpoint/2010/main" val="1648445864"/>
       </p:ext>
     </p:extLst>
   </p:cSld>
@@ -18573,7 +18566,7 @@
           <a:blip r:embed="rId3">
             <a:extLst>
               <a:ext uri="{28A0092B-C50C-407E-A947-70E740481C1C}">
-                <a14:useLocalDpi xmlns:a14="http://schemas.microsoft.com/office/drawing/2010/main" xmlns="" val="0"/>
+                <a14:useLocalDpi xmlns:a14="http://schemas.microsoft.com/office/drawing/2010/main" val="0"/>
               </a:ext>
             </a:extLst>
           </a:blip>
@@ -18624,7 +18617,7 @@
     </p:spTree>
     <p:extLst>
       <p:ext uri="{BB962C8B-B14F-4D97-AF65-F5344CB8AC3E}">
-        <p14:creationId xmlns:p14="http://schemas.microsoft.com/office/powerpoint/2010/main" xmlns="" val="1786163146"/>
+        <p14:creationId xmlns:p14="http://schemas.microsoft.com/office/powerpoint/2010/main" val="1786163146"/>
       </p:ext>
     </p:extLst>
   </p:cSld>
@@ -18723,7 +18716,7 @@
           <a:blip r:embed="rId3">
             <a:extLst>
               <a:ext uri="{28A0092B-C50C-407E-A947-70E740481C1C}">
-                <a14:useLocalDpi xmlns:a14="http://schemas.microsoft.com/office/drawing/2010/main" xmlns="" val="0"/>
+                <a14:useLocalDpi xmlns:a14="http://schemas.microsoft.com/office/drawing/2010/main" val="0"/>
               </a:ext>
             </a:extLst>
           </a:blip>
@@ -18774,7 +18767,7 @@
     </p:spTree>
     <p:extLst>
       <p:ext uri="{BB962C8B-B14F-4D97-AF65-F5344CB8AC3E}">
-        <p14:creationId xmlns:p14="http://schemas.microsoft.com/office/powerpoint/2010/main" xmlns="" val="1278744805"/>
+        <p14:creationId xmlns:p14="http://schemas.microsoft.com/office/powerpoint/2010/main" val="1278744805"/>
       </p:ext>
     </p:extLst>
   </p:cSld>
@@ -18843,7 +18836,7 @@
           <a:blip r:embed="rId3">
             <a:extLst>
               <a:ext uri="{28A0092B-C50C-407E-A947-70E740481C1C}">
-                <a14:useLocalDpi xmlns:a14="http://schemas.microsoft.com/office/drawing/2010/main" xmlns="" val="0"/>
+                <a14:useLocalDpi xmlns:a14="http://schemas.microsoft.com/office/drawing/2010/main" val="0"/>
               </a:ext>
             </a:extLst>
           </a:blip>
@@ -18927,7 +18920,7 @@
           <a:blip r:embed="rId4">
             <a:extLst>
               <a:ext uri="{28A0092B-C50C-407E-A947-70E740481C1C}">
-                <a14:useLocalDpi xmlns:a14="http://schemas.microsoft.com/office/drawing/2010/main" xmlns="" val="0"/>
+                <a14:useLocalDpi xmlns:a14="http://schemas.microsoft.com/office/drawing/2010/main" val="0"/>
               </a:ext>
             </a:extLst>
           </a:blip>
@@ -18947,7 +18940,7 @@
           <a:noFill/>
           <a:extLst>
             <a:ext uri="{909E8E84-426E-40DD-AFC4-6F175D3DCCD1}">
-              <a14:hiddenFill xmlns:a14="http://schemas.microsoft.com/office/drawing/2010/main" xmlns="">
+              <a14:hiddenFill xmlns:a14="http://schemas.microsoft.com/office/drawing/2010/main">
                 <a:solidFill>
                   <a:srgbClr val="FFFFFF"/>
                 </a:solidFill>
@@ -18968,7 +18961,7 @@
           <a:blip r:embed="rId5">
             <a:extLst>
               <a:ext uri="{28A0092B-C50C-407E-A947-70E740481C1C}">
-                <a14:useLocalDpi xmlns:a14="http://schemas.microsoft.com/office/drawing/2010/main" xmlns="" val="0"/>
+                <a14:useLocalDpi xmlns:a14="http://schemas.microsoft.com/office/drawing/2010/main" val="0"/>
               </a:ext>
             </a:extLst>
           </a:blip>
@@ -18988,7 +18981,7 @@
           <a:noFill/>
           <a:extLst>
             <a:ext uri="{909E8E84-426E-40DD-AFC4-6F175D3DCCD1}">
-              <a14:hiddenFill xmlns:a14="http://schemas.microsoft.com/office/drawing/2010/main" xmlns="">
+              <a14:hiddenFill xmlns:a14="http://schemas.microsoft.com/office/drawing/2010/main">
                 <a:solidFill>
                   <a:srgbClr val="FFFFFF"/>
                 </a:solidFill>
@@ -19009,7 +19002,7 @@
           <a:blip r:embed="rId6">
             <a:extLst>
               <a:ext uri="{28A0092B-C50C-407E-A947-70E740481C1C}">
-                <a14:useLocalDpi xmlns:a14="http://schemas.microsoft.com/office/drawing/2010/main" xmlns="" val="0"/>
+                <a14:useLocalDpi xmlns:a14="http://schemas.microsoft.com/office/drawing/2010/main" val="0"/>
               </a:ext>
             </a:extLst>
           </a:blip>
@@ -19029,7 +19022,7 @@
           <a:noFill/>
           <a:extLst>
             <a:ext uri="{909E8E84-426E-40DD-AFC4-6F175D3DCCD1}">
-              <a14:hiddenFill xmlns:a14="http://schemas.microsoft.com/office/drawing/2010/main" xmlns="">
+              <a14:hiddenFill xmlns:a14="http://schemas.microsoft.com/office/drawing/2010/main">
                 <a:solidFill>
                   <a:srgbClr val="FFFFFF"/>
                 </a:solidFill>
@@ -19050,7 +19043,7 @@
           <a:blip r:embed="rId7">
             <a:extLst>
               <a:ext uri="{28A0092B-C50C-407E-A947-70E740481C1C}">
-                <a14:useLocalDpi xmlns:a14="http://schemas.microsoft.com/office/drawing/2010/main" xmlns="" val="0"/>
+                <a14:useLocalDpi xmlns:a14="http://schemas.microsoft.com/office/drawing/2010/main" val="0"/>
               </a:ext>
             </a:extLst>
           </a:blip>
@@ -19070,7 +19063,7 @@
           <a:noFill/>
           <a:extLst>
             <a:ext uri="{909E8E84-426E-40DD-AFC4-6F175D3DCCD1}">
-              <a14:hiddenFill xmlns:a14="http://schemas.microsoft.com/office/drawing/2010/main" xmlns="">
+              <a14:hiddenFill xmlns:a14="http://schemas.microsoft.com/office/drawing/2010/main">
                 <a:solidFill>
                   <a:srgbClr val="FFFFFF"/>
                 </a:solidFill>
@@ -19091,7 +19084,7 @@
           <a:blip r:embed="rId8">
             <a:extLst>
               <a:ext uri="{28A0092B-C50C-407E-A947-70E740481C1C}">
-                <a14:useLocalDpi xmlns:a14="http://schemas.microsoft.com/office/drawing/2010/main" xmlns="" val="0"/>
+                <a14:useLocalDpi xmlns:a14="http://schemas.microsoft.com/office/drawing/2010/main" val="0"/>
               </a:ext>
             </a:extLst>
           </a:blip>
@@ -19111,7 +19104,7 @@
           <a:noFill/>
           <a:extLst>
             <a:ext uri="{909E8E84-426E-40DD-AFC4-6F175D3DCCD1}">
-              <a14:hiddenFill xmlns:a14="http://schemas.microsoft.com/office/drawing/2010/main" xmlns="">
+              <a14:hiddenFill xmlns:a14="http://schemas.microsoft.com/office/drawing/2010/main">
                 <a:solidFill>
                   <a:srgbClr val="FFFFFF"/>
                 </a:solidFill>
@@ -19132,7 +19125,7 @@
           <a:blip r:embed="rId9">
             <a:extLst>
               <a:ext uri="{28A0092B-C50C-407E-A947-70E740481C1C}">
-                <a14:useLocalDpi xmlns:a14="http://schemas.microsoft.com/office/drawing/2010/main" xmlns="" val="0"/>
+                <a14:useLocalDpi xmlns:a14="http://schemas.microsoft.com/office/drawing/2010/main" val="0"/>
               </a:ext>
             </a:extLst>
           </a:blip>
@@ -19152,7 +19145,7 @@
           <a:noFill/>
           <a:extLst>
             <a:ext uri="{909E8E84-426E-40DD-AFC4-6F175D3DCCD1}">
-              <a14:hiddenFill xmlns:a14="http://schemas.microsoft.com/office/drawing/2010/main" xmlns="">
+              <a14:hiddenFill xmlns:a14="http://schemas.microsoft.com/office/drawing/2010/main">
                 <a:solidFill>
                   <a:srgbClr val="FFFFFF"/>
                 </a:solidFill>
@@ -19180,7 +19173,7 @@
           <a:noFill/>
           <a:extLst>
             <a:ext uri="{909E8E84-426E-40DD-AFC4-6F175D3DCCD1}">
-              <a14:hiddenFill xmlns:a14="http://schemas.microsoft.com/office/drawing/2010/main" xmlns="">
+              <a14:hiddenFill xmlns:a14="http://schemas.microsoft.com/office/drawing/2010/main">
                 <a:solidFill>
                   <a:srgbClr val="FFFFFF"/>
                 </a:solidFill>
@@ -19219,7 +19212,7 @@
           <a:noFill/>
           <a:extLst>
             <a:ext uri="{909E8E84-426E-40DD-AFC4-6F175D3DCCD1}">
-              <a14:hiddenFill xmlns:a14="http://schemas.microsoft.com/office/drawing/2010/main" xmlns="">
+              <a14:hiddenFill xmlns:a14="http://schemas.microsoft.com/office/drawing/2010/main">
                 <a:solidFill>
                   <a:srgbClr val="FFFFFF"/>
                 </a:solidFill>
@@ -19251,7 +19244,7 @@
           <a:blip r:embed="rId10">
             <a:extLst>
               <a:ext uri="{28A0092B-C50C-407E-A947-70E740481C1C}">
-                <a14:useLocalDpi xmlns:a14="http://schemas.microsoft.com/office/drawing/2010/main" xmlns="" val="0"/>
+                <a14:useLocalDpi xmlns:a14="http://schemas.microsoft.com/office/drawing/2010/main" val="0"/>
               </a:ext>
             </a:extLst>
           </a:blip>
@@ -19271,7 +19264,7 @@
           <a:noFill/>
           <a:extLst>
             <a:ext uri="{909E8E84-426E-40DD-AFC4-6F175D3DCCD1}">
-              <a14:hiddenFill xmlns:a14="http://schemas.microsoft.com/office/drawing/2010/main" xmlns="">
+              <a14:hiddenFill xmlns:a14="http://schemas.microsoft.com/office/drawing/2010/main">
                 <a:solidFill>
                   <a:srgbClr val="FFFFFF"/>
                 </a:solidFill>
@@ -19292,7 +19285,7 @@
           <a:blip r:embed="rId11">
             <a:extLst>
               <a:ext uri="{28A0092B-C50C-407E-A947-70E740481C1C}">
-                <a14:useLocalDpi xmlns:a14="http://schemas.microsoft.com/office/drawing/2010/main" xmlns="" val="0"/>
+                <a14:useLocalDpi xmlns:a14="http://schemas.microsoft.com/office/drawing/2010/main" val="0"/>
               </a:ext>
             </a:extLst>
           </a:blip>
@@ -19312,7 +19305,7 @@
           <a:noFill/>
           <a:extLst>
             <a:ext uri="{909E8E84-426E-40DD-AFC4-6F175D3DCCD1}">
-              <a14:hiddenFill xmlns:a14="http://schemas.microsoft.com/office/drawing/2010/main" xmlns="">
+              <a14:hiddenFill xmlns:a14="http://schemas.microsoft.com/office/drawing/2010/main">
                 <a:solidFill>
                   <a:srgbClr val="FFFFFF"/>
                 </a:solidFill>
@@ -19324,7 +19317,7 @@
     </p:spTree>
     <p:extLst>
       <p:ext uri="{BB962C8B-B14F-4D97-AF65-F5344CB8AC3E}">
-        <p14:creationId xmlns:p14="http://schemas.microsoft.com/office/powerpoint/2010/main" xmlns="" val="1449714526"/>
+        <p14:creationId xmlns:p14="http://schemas.microsoft.com/office/powerpoint/2010/main" val="1449714526"/>
       </p:ext>
     </p:extLst>
   </p:cSld>
@@ -19430,7 +19423,7 @@
           <a:blip r:embed="rId5">
             <a:extLst>
               <a:ext uri="{28A0092B-C50C-407E-A947-70E740481C1C}">
-                <a14:useLocalDpi xmlns:a14="http://schemas.microsoft.com/office/drawing/2010/main" xmlns="" val="0"/>
+                <a14:useLocalDpi xmlns:a14="http://schemas.microsoft.com/office/drawing/2010/main" val="0"/>
               </a:ext>
             </a:extLst>
           </a:blip>
@@ -19505,18 +19498,18 @@
     </p:spTree>
     <p:extLst>
       <p:ext uri="{BB962C8B-B14F-4D97-AF65-F5344CB8AC3E}">
-        <p14:creationId xmlns:p14="http://schemas.microsoft.com/office/powerpoint/2010/main" xmlns="" val="3216998357"/>
+        <p14:creationId xmlns:p14="http://schemas.microsoft.com/office/powerpoint/2010/main" val="3216998357"/>
       </p:ext>
     </p:extLst>
   </p:cSld>
   <p:clrMapOvr>
     <a:masterClrMapping/>
   </p:clrMapOvr>
-  <mc:AlternateContent xmlns:mc="http://schemas.openxmlformats.org/markup-compatibility/2006">
-    <mc:Choice xmlns:p14="http://schemas.microsoft.com/office/powerpoint/2010/main" xmlns="" Requires="p14">
+  <mc:AlternateContent xmlns:mc="http://schemas.openxmlformats.org/markup-compatibility/2006" xmlns:p14="http://schemas.microsoft.com/office/powerpoint/2010/main">
+    <mc:Choice Requires="p14">
       <p:transition spd="slow" p14:dur="2000"/>
     </mc:Choice>
-    <mc:Fallback>
+    <mc:Fallback xmlns="">
       <p:transition spd="slow"/>
     </mc:Fallback>
   </mc:AlternateContent>
@@ -19655,7 +19648,7 @@
           <a:blip r:embed="rId3">
             <a:extLst>
               <a:ext uri="{28A0092B-C50C-407E-A947-70E740481C1C}">
-                <a14:useLocalDpi xmlns:a14="http://schemas.microsoft.com/office/drawing/2010/main" xmlns="" val="0"/>
+                <a14:useLocalDpi xmlns:a14="http://schemas.microsoft.com/office/drawing/2010/main" val="0"/>
               </a:ext>
             </a:extLst>
           </a:blip>
@@ -19730,7 +19723,7 @@
     </p:spTree>
     <p:extLst>
       <p:ext uri="{BB962C8B-B14F-4D97-AF65-F5344CB8AC3E}">
-        <p14:creationId xmlns:p14="http://schemas.microsoft.com/office/powerpoint/2010/main" xmlns="" val="537447969"/>
+        <p14:creationId xmlns:p14="http://schemas.microsoft.com/office/powerpoint/2010/main" val="537447969"/>
       </p:ext>
     </p:extLst>
   </p:cSld>
@@ -19867,7 +19860,7 @@
           <a:blip r:embed="rId3">
             <a:extLst>
               <a:ext uri="{28A0092B-C50C-407E-A947-70E740481C1C}">
-                <a14:useLocalDpi xmlns:a14="http://schemas.microsoft.com/office/drawing/2010/main" xmlns="" val="0"/>
+                <a14:useLocalDpi xmlns:a14="http://schemas.microsoft.com/office/drawing/2010/main" val="0"/>
               </a:ext>
             </a:extLst>
           </a:blip>
@@ -19942,7 +19935,7 @@
     </p:spTree>
     <p:extLst>
       <p:ext uri="{BB962C8B-B14F-4D97-AF65-F5344CB8AC3E}">
-        <p14:creationId xmlns:p14="http://schemas.microsoft.com/office/powerpoint/2010/main" xmlns="" val="4975384"/>
+        <p14:creationId xmlns:p14="http://schemas.microsoft.com/office/powerpoint/2010/main" val="4975384"/>
       </p:ext>
     </p:extLst>
   </p:cSld>
@@ -20064,7 +20057,7 @@
           <a:blip r:embed="rId3">
             <a:extLst>
               <a:ext uri="{28A0092B-C50C-407E-A947-70E740481C1C}">
-                <a14:useLocalDpi xmlns:a14="http://schemas.microsoft.com/office/drawing/2010/main" xmlns="" val="0"/>
+                <a14:useLocalDpi xmlns:a14="http://schemas.microsoft.com/office/drawing/2010/main" val="0"/>
               </a:ext>
             </a:extLst>
           </a:blip>
@@ -20139,7 +20132,7 @@
     </p:spTree>
     <p:extLst>
       <p:ext uri="{BB962C8B-B14F-4D97-AF65-F5344CB8AC3E}">
-        <p14:creationId xmlns:p14="http://schemas.microsoft.com/office/powerpoint/2010/main" xmlns="" val="4975384"/>
+        <p14:creationId xmlns:p14="http://schemas.microsoft.com/office/powerpoint/2010/main" val="4975384"/>
       </p:ext>
     </p:extLst>
   </p:cSld>
@@ -20208,7 +20201,7 @@
           <a:blip r:embed="rId3">
             <a:extLst>
               <a:ext uri="{28A0092B-C50C-407E-A947-70E740481C1C}">
-                <a14:useLocalDpi xmlns:a14="http://schemas.microsoft.com/office/drawing/2010/main" xmlns="" val="0"/>
+                <a14:useLocalDpi xmlns:a14="http://schemas.microsoft.com/office/drawing/2010/main" val="0"/>
               </a:ext>
             </a:extLst>
           </a:blip>
@@ -20460,7 +20453,7 @@
     </p:spTree>
     <p:extLst>
       <p:ext uri="{BB962C8B-B14F-4D97-AF65-F5344CB8AC3E}">
-        <p14:creationId xmlns:p14="http://schemas.microsoft.com/office/powerpoint/2010/main" xmlns="" val="4975384"/>
+        <p14:creationId xmlns:p14="http://schemas.microsoft.com/office/powerpoint/2010/main" val="4975384"/>
       </p:ext>
     </p:extLst>
   </p:cSld>
@@ -20529,7 +20522,7 @@
           <a:blip r:embed="rId3">
             <a:extLst>
               <a:ext uri="{28A0092B-C50C-407E-A947-70E740481C1C}">
-                <a14:useLocalDpi xmlns:a14="http://schemas.microsoft.com/office/drawing/2010/main" xmlns="" val="0"/>
+                <a14:useLocalDpi xmlns:a14="http://schemas.microsoft.com/office/drawing/2010/main" val="0"/>
               </a:ext>
             </a:extLst>
           </a:blip>
@@ -20785,7 +20778,7 @@
     </p:spTree>
     <p:extLst>
       <p:ext uri="{BB962C8B-B14F-4D97-AF65-F5344CB8AC3E}">
-        <p14:creationId xmlns:p14="http://schemas.microsoft.com/office/powerpoint/2010/main" xmlns="" val="4975384"/>
+        <p14:creationId xmlns:p14="http://schemas.microsoft.com/office/powerpoint/2010/main" val="4975384"/>
       </p:ext>
     </p:extLst>
   </p:cSld>
@@ -20915,7 +20908,7 @@
           <a:blip r:embed="rId3">
             <a:extLst>
               <a:ext uri="{28A0092B-C50C-407E-A947-70E740481C1C}">
-                <a14:useLocalDpi xmlns:a14="http://schemas.microsoft.com/office/drawing/2010/main" xmlns="" val="0"/>
+                <a14:useLocalDpi xmlns:a14="http://schemas.microsoft.com/office/drawing/2010/main" val="0"/>
               </a:ext>
             </a:extLst>
           </a:blip>
@@ -20999,7 +20992,7 @@
           <a:blip r:embed="rId4">
             <a:extLst>
               <a:ext uri="{28A0092B-C50C-407E-A947-70E740481C1C}">
-                <a14:useLocalDpi xmlns:a14="http://schemas.microsoft.com/office/drawing/2010/main" xmlns="" val="0"/>
+                <a14:useLocalDpi xmlns:a14="http://schemas.microsoft.com/office/drawing/2010/main" val="0"/>
               </a:ext>
             </a:extLst>
           </a:blip>
@@ -21019,7 +21012,7 @@
           <a:noFill/>
           <a:extLst>
             <a:ext uri="{909E8E84-426E-40DD-AFC4-6F175D3DCCD1}">
-              <a14:hiddenFill xmlns:a14="http://schemas.microsoft.com/office/drawing/2010/main" xmlns="">
+              <a14:hiddenFill xmlns:a14="http://schemas.microsoft.com/office/drawing/2010/main">
                 <a:solidFill>
                   <a:srgbClr val="FFFFFF"/>
                 </a:solidFill>
@@ -21031,7 +21024,7 @@
     </p:spTree>
     <p:extLst>
       <p:ext uri="{BB962C8B-B14F-4D97-AF65-F5344CB8AC3E}">
-        <p14:creationId xmlns:p14="http://schemas.microsoft.com/office/powerpoint/2010/main" xmlns="" val="14036120"/>
+        <p14:creationId xmlns:p14="http://schemas.microsoft.com/office/powerpoint/2010/main" val="14036120"/>
       </p:ext>
     </p:extLst>
   </p:cSld>
@@ -21198,7 +21191,7 @@
           <a:blip r:embed="rId3">
             <a:extLst>
               <a:ext uri="{28A0092B-C50C-407E-A947-70E740481C1C}">
-                <a14:useLocalDpi xmlns:a14="http://schemas.microsoft.com/office/drawing/2010/main" xmlns="" val="0"/>
+                <a14:useLocalDpi xmlns:a14="http://schemas.microsoft.com/office/drawing/2010/main" val="0"/>
               </a:ext>
             </a:extLst>
           </a:blip>
@@ -21282,7 +21275,7 @@
           <a:blip r:embed="rId4">
             <a:extLst>
               <a:ext uri="{28A0092B-C50C-407E-A947-70E740481C1C}">
-                <a14:useLocalDpi xmlns:a14="http://schemas.microsoft.com/office/drawing/2010/main" xmlns="" val="0"/>
+                <a14:useLocalDpi xmlns:a14="http://schemas.microsoft.com/office/drawing/2010/main" val="0"/>
               </a:ext>
             </a:extLst>
           </a:blip>
@@ -21302,7 +21295,7 @@
           <a:noFill/>
           <a:extLst>
             <a:ext uri="{909E8E84-426E-40DD-AFC4-6F175D3DCCD1}">
-              <a14:hiddenFill xmlns:a14="http://schemas.microsoft.com/office/drawing/2010/main" xmlns="">
+              <a14:hiddenFill xmlns:a14="http://schemas.microsoft.com/office/drawing/2010/main">
                 <a:solidFill>
                   <a:srgbClr val="FFFFFF"/>
                 </a:solidFill>
@@ -21323,7 +21316,7 @@
           <a:blip r:embed="rId5">
             <a:extLst>
               <a:ext uri="{28A0092B-C50C-407E-A947-70E740481C1C}">
-                <a14:useLocalDpi xmlns:a14="http://schemas.microsoft.com/office/drawing/2010/main" xmlns="" val="0"/>
+                <a14:useLocalDpi xmlns:a14="http://schemas.microsoft.com/office/drawing/2010/main" val="0"/>
               </a:ext>
             </a:extLst>
           </a:blip>
@@ -21343,7 +21336,7 @@
           <a:noFill/>
           <a:extLst>
             <a:ext uri="{909E8E84-426E-40DD-AFC4-6F175D3DCCD1}">
-              <a14:hiddenFill xmlns:a14="http://schemas.microsoft.com/office/drawing/2010/main" xmlns="">
+              <a14:hiddenFill xmlns:a14="http://schemas.microsoft.com/office/drawing/2010/main">
                 <a:solidFill>
                   <a:srgbClr val="FFFFFF"/>
                 </a:solidFill>
@@ -21355,7 +21348,7 @@
     </p:spTree>
     <p:extLst>
       <p:ext uri="{BB962C8B-B14F-4D97-AF65-F5344CB8AC3E}">
-        <p14:creationId xmlns:p14="http://schemas.microsoft.com/office/powerpoint/2010/main" xmlns="" val="1932109761"/>
+        <p14:creationId xmlns:p14="http://schemas.microsoft.com/office/powerpoint/2010/main" val="1932109761"/>
       </p:ext>
     </p:extLst>
   </p:cSld>
@@ -21631,7 +21624,7 @@
   <a:extraClrSchemeLst/>
   <a:extLst>
     <a:ext uri="{05A4C25C-085E-4340-85A3-A5531E510DB2}">
-      <thm15:themeFamily xmlns:thm15="http://schemas.microsoft.com/office/thememl/2012/main" xmlns="" name="Ion Boardroom" id="{FC33163D-4339-46B1-8EED-24C834239D99}" vid="{A3AB87EF-B655-4FFF-8D05-F333AD7F2789}"/>
+      <thm15:themeFamily xmlns:thm15="http://schemas.microsoft.com/office/thememl/2012/main" name="Ion Boardroom" id="{FC33163D-4339-46B1-8EED-24C834239D99}" vid="{A3AB87EF-B655-4FFF-8D05-F333AD7F2789}"/>
     </a:ext>
   </a:extLst>
 </a:theme>
@@ -21892,7 +21885,7 @@
   <a:extraClrSchemeLst/>
   <a:extLst>
     <a:ext uri="{05A4C25C-085E-4340-85A3-A5531E510DB2}">
-      <thm15:themeFamily xmlns:thm15="http://schemas.microsoft.com/office/thememl/2012/main" xmlns="" name="Office Theme" id="{62F939B6-93AF-4DB8-9C6B-D6C7DFDC589F}" vid="{4A3C46E8-61CC-4603-A589-7422A47A8E4A}"/>
+      <thm15:themeFamily xmlns:thm15="http://schemas.microsoft.com/office/thememl/2012/main" name="Office Theme" id="{62F939B6-93AF-4DB8-9C6B-D6C7DFDC589F}" vid="{4A3C46E8-61CC-4603-A589-7422A47A8E4A}"/>
     </a:ext>
   </a:extLst>
 </a:theme>

--- a/Dokumentation/PWSafe Präsentation.pptx
+++ b/Dokumentation/PWSafe Präsentation.pptx
@@ -5,29 +5,30 @@
     <p:sldMasterId id="2147483648" r:id="rId1"/>
   </p:sldMasterIdLst>
   <p:notesMasterIdLst>
-    <p:notesMasterId r:id="rId22"/>
+    <p:notesMasterId r:id="rId23"/>
   </p:notesMasterIdLst>
   <p:sldIdLst>
     <p:sldId id="256" r:id="rId2"/>
-    <p:sldId id="285" r:id="rId3"/>
-    <p:sldId id="286" r:id="rId4"/>
-    <p:sldId id="259" r:id="rId5"/>
-    <p:sldId id="266" r:id="rId6"/>
-    <p:sldId id="268" r:id="rId7"/>
-    <p:sldId id="269" r:id="rId8"/>
-    <p:sldId id="260" r:id="rId9"/>
-    <p:sldId id="270" r:id="rId10"/>
-    <p:sldId id="271" r:id="rId11"/>
-    <p:sldId id="272" r:id="rId12"/>
-    <p:sldId id="273" r:id="rId13"/>
-    <p:sldId id="261" r:id="rId14"/>
-    <p:sldId id="280" r:id="rId15"/>
-    <p:sldId id="281" r:id="rId16"/>
-    <p:sldId id="282" r:id="rId17"/>
-    <p:sldId id="283" r:id="rId18"/>
-    <p:sldId id="263" r:id="rId19"/>
-    <p:sldId id="264" r:id="rId20"/>
-    <p:sldId id="265" r:id="rId21"/>
+    <p:sldId id="287" r:id="rId3"/>
+    <p:sldId id="285" r:id="rId4"/>
+    <p:sldId id="286" r:id="rId5"/>
+    <p:sldId id="259" r:id="rId6"/>
+    <p:sldId id="266" r:id="rId7"/>
+    <p:sldId id="268" r:id="rId8"/>
+    <p:sldId id="269" r:id="rId9"/>
+    <p:sldId id="260" r:id="rId10"/>
+    <p:sldId id="270" r:id="rId11"/>
+    <p:sldId id="271" r:id="rId12"/>
+    <p:sldId id="272" r:id="rId13"/>
+    <p:sldId id="273" r:id="rId14"/>
+    <p:sldId id="261" r:id="rId15"/>
+    <p:sldId id="280" r:id="rId16"/>
+    <p:sldId id="281" r:id="rId17"/>
+    <p:sldId id="282" r:id="rId18"/>
+    <p:sldId id="283" r:id="rId19"/>
+    <p:sldId id="263" r:id="rId20"/>
+    <p:sldId id="264" r:id="rId21"/>
+    <p:sldId id="265" r:id="rId22"/>
   </p:sldIdLst>
   <p:sldSz cx="12192000" cy="6858000"/>
   <p:notesSz cx="6858000" cy="9144000"/>
@@ -231,7 +232,7 @@
             <a:fld id="{B4AA8B1B-A85F-43ED-A41A-985067DF8577}" type="datetimeFigureOut">
               <a:rPr lang="de-DE" smtClean="0"/>
               <a:pPr/>
-              <a:t>12.02.2015</a:t>
+              <a:t>13.02.2015</a:t>
             </a:fld>
             <a:endParaRPr lang="de-DE"/>
           </a:p>
@@ -575,7 +576,7 @@
     </p:spTree>
     <p:extLst>
       <p:ext uri="{BB962C8B-B14F-4D97-AF65-F5344CB8AC3E}">
-        <p14:creationId xmlns:p14="http://schemas.microsoft.com/office/powerpoint/2010/main" val="2124923709"/>
+        <p14:creationId xmlns:p14="http://schemas.microsoft.com/office/powerpoint/2010/main" val="433641927"/>
       </p:ext>
     </p:extLst>
   </p:cSld>
@@ -634,7 +635,15 @@
             </a:pPr>
             <a:r>
               <a:rPr lang="de-DE" dirty="0" smtClean="0"/>
-              <a:t>Android Studio:</a:t>
+              <a:t>+ Gute Unterstützung im normalen Ablauf des </a:t>
+            </a:r>
+            <a:r>
+              <a:rPr lang="de-DE" dirty="0" err="1" smtClean="0"/>
+              <a:t>Git</a:t>
+            </a:r>
+            <a:r>
+              <a:rPr lang="de-DE" dirty="0" smtClean="0"/>
+              <a:t>-Servers</a:t>
             </a:r>
           </a:p>
           <a:p>
@@ -643,17 +652,15 @@
             </a:pPr>
             <a:r>
               <a:rPr lang="de-DE" dirty="0" smtClean="0"/>
-              <a:t>+ Emulator </a:t>
-            </a:r>
-            <a:r>
-              <a:rPr lang="de-DE" dirty="0" smtClean="0">
-                <a:sym typeface="Wingdings" panose="05000000000000000000" pitchFamily="2" charset="2"/>
-              </a:rPr>
-              <a:t></a:t>
+              <a:t>- Keine </a:t>
+            </a:r>
+            <a:r>
+              <a:rPr lang="de-DE" dirty="0" err="1" smtClean="0"/>
+              <a:t>Merge</a:t>
             </a:r>
             <a:r>
               <a:rPr lang="de-DE" dirty="0" smtClean="0"/>
-              <a:t> kein separates Android-Gerät für Debugging nötig</a:t>
+              <a:t>-Funktion</a:t>
             </a:r>
           </a:p>
           <a:p>
@@ -662,52 +669,15 @@
             </a:pPr>
             <a:r>
               <a:rPr lang="de-DE" dirty="0" smtClean="0"/>
-              <a:t>+ Gradle-Integration</a:t>
-            </a:r>
-          </a:p>
-          <a:p>
-            <a:pPr marL="0" indent="0">
-              <a:buNone/>
-            </a:pPr>
+              <a:t>- Mögliche </a:t>
+            </a:r>
+            <a:r>
+              <a:rPr lang="de-DE" dirty="0" err="1" smtClean="0"/>
+              <a:t>Pulls</a:t>
+            </a:r>
             <a:r>
               <a:rPr lang="de-DE" dirty="0" smtClean="0"/>
-              <a:t>+ Intuitive, komfortable Oberfläche</a:t>
-            </a:r>
-          </a:p>
-          <a:p>
-            <a:pPr marL="0" indent="0">
-              <a:buNone/>
-            </a:pPr>
-            <a:r>
-              <a:rPr lang="de-DE" dirty="0" smtClean="0"/>
-              <a:t>+ Umfangreicher Codeeditor</a:t>
-            </a:r>
-          </a:p>
-          <a:p>
-            <a:pPr marL="0" indent="0">
-              <a:buNone/>
-            </a:pPr>
-            <a:r>
-              <a:rPr lang="de-DE" dirty="0" smtClean="0"/>
-              <a:t>- Update: ohne Hinweis auch Gradle-Update</a:t>
-            </a:r>
-          </a:p>
-          <a:p>
-            <a:pPr marL="0" indent="0">
-              <a:buNone/>
-            </a:pPr>
-            <a:r>
-              <a:rPr lang="de-DE" dirty="0" smtClean="0"/>
-              <a:t>- Erstellung der Benutzeroberfläche relativ kompliziert (korrekte relative Ausrichtung auf verschiedenen Geräten)</a:t>
-            </a:r>
-          </a:p>
-          <a:p>
-            <a:pPr marL="0" indent="0">
-              <a:buNone/>
-            </a:pPr>
-            <a:r>
-              <a:rPr lang="de-DE" dirty="0" smtClean="0"/>
-              <a:t>- Emulator sehr langsam, Konfiguration komplex</a:t>
+              <a:t> nicht immer angezeigt</a:t>
             </a:r>
           </a:p>
           <a:p>
@@ -742,7 +712,7 @@
     </p:spTree>
     <p:extLst>
       <p:ext uri="{BB962C8B-B14F-4D97-AF65-F5344CB8AC3E}">
-        <p14:creationId xmlns:p14="http://schemas.microsoft.com/office/powerpoint/2010/main" val="2145289091"/>
+        <p14:creationId xmlns:p14="http://schemas.microsoft.com/office/powerpoint/2010/main" val="3199242385"/>
       </p:ext>
     </p:extLst>
   </p:cSld>
@@ -801,7 +771,7 @@
             </a:pPr>
             <a:r>
               <a:rPr lang="de-DE" dirty="0" smtClean="0"/>
-              <a:t>Gradle:</a:t>
+              <a:t>Android Studio:</a:t>
             </a:r>
           </a:p>
           <a:p>
@@ -810,7 +780,17 @@
             </a:pPr>
             <a:r>
               <a:rPr lang="de-DE" dirty="0" smtClean="0"/>
-              <a:t>+ Funktionierte von Anfang an</a:t>
+              <a:t>+ Emulator </a:t>
+            </a:r>
+            <a:r>
+              <a:rPr lang="de-DE" dirty="0" smtClean="0">
+                <a:sym typeface="Wingdings" panose="05000000000000000000" pitchFamily="2" charset="2"/>
+              </a:rPr>
+              <a:t></a:t>
+            </a:r>
+            <a:r>
+              <a:rPr lang="de-DE" dirty="0" smtClean="0"/>
+              <a:t> kein separates Android-Gerät für Debugging nötig</a:t>
             </a:r>
           </a:p>
           <a:p>
@@ -819,7 +799,7 @@
             </a:pPr>
             <a:r>
               <a:rPr lang="de-DE" dirty="0" smtClean="0"/>
-              <a:t>+ Mit Android Studio sehr pflegeleicht</a:t>
+              <a:t>+ Gradle-Integration</a:t>
             </a:r>
           </a:p>
           <a:p>
@@ -828,14 +808,17 @@
             </a:pPr>
             <a:r>
               <a:rPr lang="de-DE" dirty="0" smtClean="0"/>
-              <a:t>- Nur Update sehr ärgerlich &amp; zeitraubend</a:t>
+              <a:t>+ Intuitive, komfortable Oberfläche</a:t>
             </a:r>
           </a:p>
           <a:p>
             <a:pPr marL="0" indent="0">
               <a:buNone/>
             </a:pPr>
-            <a:endParaRPr lang="de-DE" dirty="0" smtClean="0"/>
+            <a:r>
+              <a:rPr lang="de-DE" dirty="0" smtClean="0"/>
+              <a:t>+ Umfangreicher Codeeditor</a:t>
+            </a:r>
           </a:p>
           <a:p>
             <a:pPr marL="0" indent="0">
@@ -843,15 +826,16 @@
             </a:pPr>
             <a:r>
               <a:rPr lang="de-DE" dirty="0" smtClean="0"/>
-              <a:t>Unit </a:t>
-            </a:r>
-            <a:r>
-              <a:rPr lang="de-DE" dirty="0" err="1" smtClean="0"/>
-              <a:t>Testing</a:t>
-            </a:r>
+              <a:t>- Update: ohne Hinweis auch Gradle-Update</a:t>
+            </a:r>
+          </a:p>
+          <a:p>
+            <a:pPr marL="0" indent="0">
+              <a:buNone/>
+            </a:pPr>
             <a:r>
               <a:rPr lang="de-DE" dirty="0" smtClean="0"/>
-              <a:t>:</a:t>
+              <a:t>- Erstellung der Benutzeroberfläche relativ kompliziert (korrekte relative Ausrichtung auf verschiedenen Geräten)</a:t>
             </a:r>
           </a:p>
           <a:p>
@@ -860,25 +844,7 @@
             </a:pPr>
             <a:r>
               <a:rPr lang="de-DE" dirty="0" smtClean="0"/>
-              <a:t>+ Implementierte Modultests sehr schnell konfiguriert</a:t>
-            </a:r>
-          </a:p>
-          <a:p>
-            <a:pPr marL="0" indent="0">
-              <a:buNone/>
-            </a:pPr>
-            <a:r>
-              <a:rPr lang="de-DE" dirty="0" smtClean="0"/>
-              <a:t>+ Unterstützung des Android Studios sehr gut &amp; übersichtlich</a:t>
-            </a:r>
-          </a:p>
-          <a:p>
-            <a:pPr marL="0" indent="0">
-              <a:buNone/>
-            </a:pPr>
-            <a:r>
-              <a:rPr lang="de-DE" dirty="0" smtClean="0"/>
-              <a:t>- Notwendigkeit des Emulators verlangsamt Testdurchlauf &amp; mindert die Motivation</a:t>
+              <a:t>- Emulator sehr langsam, Konfiguration komplex</a:t>
             </a:r>
           </a:p>
           <a:p>
@@ -913,7 +879,7 @@
     </p:spTree>
     <p:extLst>
       <p:ext uri="{BB962C8B-B14F-4D97-AF65-F5344CB8AC3E}">
-        <p14:creationId xmlns:p14="http://schemas.microsoft.com/office/powerpoint/2010/main" val="461146694"/>
+        <p14:creationId xmlns:p14="http://schemas.microsoft.com/office/powerpoint/2010/main" val="2145289091"/>
       </p:ext>
     </p:extLst>
   </p:cSld>
@@ -967,7 +933,93 @@
           <a:bodyPr/>
           <a:lstStyle/>
           <a:p>
-            <a:endParaRPr lang="de-DE"/>
+            <a:pPr marL="0" indent="0">
+              <a:buNone/>
+            </a:pPr>
+            <a:r>
+              <a:rPr lang="de-DE" dirty="0" smtClean="0"/>
+              <a:t>Gradle:</a:t>
+            </a:r>
+          </a:p>
+          <a:p>
+            <a:pPr marL="0" indent="0">
+              <a:buNone/>
+            </a:pPr>
+            <a:r>
+              <a:rPr lang="de-DE" dirty="0" smtClean="0"/>
+              <a:t>+ Funktionierte von Anfang an</a:t>
+            </a:r>
+          </a:p>
+          <a:p>
+            <a:pPr marL="0" indent="0">
+              <a:buNone/>
+            </a:pPr>
+            <a:r>
+              <a:rPr lang="de-DE" dirty="0" smtClean="0"/>
+              <a:t>+ Mit Android Studio sehr pflegeleicht</a:t>
+            </a:r>
+          </a:p>
+          <a:p>
+            <a:pPr marL="0" indent="0">
+              <a:buNone/>
+            </a:pPr>
+            <a:r>
+              <a:rPr lang="de-DE" dirty="0" smtClean="0"/>
+              <a:t>- Nur Update sehr ärgerlich &amp; zeitraubend</a:t>
+            </a:r>
+          </a:p>
+          <a:p>
+            <a:pPr marL="0" indent="0">
+              <a:buNone/>
+            </a:pPr>
+            <a:endParaRPr lang="de-DE" dirty="0" smtClean="0"/>
+          </a:p>
+          <a:p>
+            <a:pPr marL="0" indent="0">
+              <a:buNone/>
+            </a:pPr>
+            <a:r>
+              <a:rPr lang="de-DE" dirty="0" smtClean="0"/>
+              <a:t>Unit </a:t>
+            </a:r>
+            <a:r>
+              <a:rPr lang="de-DE" dirty="0" err="1" smtClean="0"/>
+              <a:t>Testing</a:t>
+            </a:r>
+            <a:r>
+              <a:rPr lang="de-DE" dirty="0" smtClean="0"/>
+              <a:t>:</a:t>
+            </a:r>
+          </a:p>
+          <a:p>
+            <a:pPr marL="0" indent="0">
+              <a:buNone/>
+            </a:pPr>
+            <a:r>
+              <a:rPr lang="de-DE" dirty="0" smtClean="0"/>
+              <a:t>+ Implementierte Modultests sehr schnell konfiguriert</a:t>
+            </a:r>
+          </a:p>
+          <a:p>
+            <a:pPr marL="0" indent="0">
+              <a:buNone/>
+            </a:pPr>
+            <a:r>
+              <a:rPr lang="de-DE" dirty="0" smtClean="0"/>
+              <a:t>+ Unterstützung des Android Studios sehr gut &amp; übersichtlich</a:t>
+            </a:r>
+          </a:p>
+          <a:p>
+            <a:pPr marL="0" indent="0">
+              <a:buNone/>
+            </a:pPr>
+            <a:r>
+              <a:rPr lang="de-DE" dirty="0" smtClean="0"/>
+              <a:t>- Notwendigkeit des Emulators verlangsamt Testdurchlauf &amp; mindert die Motivation</a:t>
+            </a:r>
+          </a:p>
+          <a:p>
+            <a:endParaRPr lang="de-DE" dirty="0"/>
           </a:p>
         </p:txBody>
       </p:sp>
@@ -998,7 +1050,7 @@
     </p:spTree>
     <p:extLst>
       <p:ext uri="{BB962C8B-B14F-4D97-AF65-F5344CB8AC3E}">
-        <p14:creationId xmlns:p14="http://schemas.microsoft.com/office/powerpoint/2010/main" val="4219797847"/>
+        <p14:creationId xmlns:p14="http://schemas.microsoft.com/office/powerpoint/2010/main" val="461146694"/>
       </p:ext>
     </p:extLst>
   </p:cSld>
@@ -1083,7 +1135,7 @@
     </p:spTree>
     <p:extLst>
       <p:ext uri="{BB962C8B-B14F-4D97-AF65-F5344CB8AC3E}">
-        <p14:creationId xmlns:p14="http://schemas.microsoft.com/office/powerpoint/2010/main" val="2754737602"/>
+        <p14:creationId xmlns:p14="http://schemas.microsoft.com/office/powerpoint/2010/main" val="4219797847"/>
       </p:ext>
     </p:extLst>
   </p:cSld>
@@ -1168,7 +1220,7 @@
     </p:spTree>
     <p:extLst>
       <p:ext uri="{BB962C8B-B14F-4D97-AF65-F5344CB8AC3E}">
-        <p14:creationId xmlns:p14="http://schemas.microsoft.com/office/powerpoint/2010/main" val="657275192"/>
+        <p14:creationId xmlns:p14="http://schemas.microsoft.com/office/powerpoint/2010/main" val="2754737602"/>
       </p:ext>
     </p:extLst>
   </p:cSld>
@@ -1253,7 +1305,7 @@
     </p:spTree>
     <p:extLst>
       <p:ext uri="{BB962C8B-B14F-4D97-AF65-F5344CB8AC3E}">
-        <p14:creationId xmlns:p14="http://schemas.microsoft.com/office/powerpoint/2010/main" val="183309910"/>
+        <p14:creationId xmlns:p14="http://schemas.microsoft.com/office/powerpoint/2010/main" val="657275192"/>
       </p:ext>
     </p:extLst>
   </p:cSld>
@@ -1338,7 +1390,7 @@
     </p:spTree>
     <p:extLst>
       <p:ext uri="{BB962C8B-B14F-4D97-AF65-F5344CB8AC3E}">
-        <p14:creationId xmlns:p14="http://schemas.microsoft.com/office/powerpoint/2010/main" val="1748681489"/>
+        <p14:creationId xmlns:p14="http://schemas.microsoft.com/office/powerpoint/2010/main" val="183309910"/>
       </p:ext>
     </p:extLst>
   </p:cSld>
@@ -1423,7 +1475,7 @@
     </p:spTree>
     <p:extLst>
       <p:ext uri="{BB962C8B-B14F-4D97-AF65-F5344CB8AC3E}">
-        <p14:creationId xmlns:p14="http://schemas.microsoft.com/office/powerpoint/2010/main" val="3297351362"/>
+        <p14:creationId xmlns:p14="http://schemas.microsoft.com/office/powerpoint/2010/main" val="1748681489"/>
       </p:ext>
     </p:extLst>
   </p:cSld>
@@ -1508,7 +1560,7 @@
     </p:spTree>
     <p:extLst>
       <p:ext uri="{BB962C8B-B14F-4D97-AF65-F5344CB8AC3E}">
-        <p14:creationId xmlns:p14="http://schemas.microsoft.com/office/powerpoint/2010/main" val="784737350"/>
+        <p14:creationId xmlns:p14="http://schemas.microsoft.com/office/powerpoint/2010/main" val="3297351362"/>
       </p:ext>
     </p:extLst>
   </p:cSld>
@@ -1593,7 +1645,7 @@
     </p:spTree>
     <p:extLst>
       <p:ext uri="{BB962C8B-B14F-4D97-AF65-F5344CB8AC3E}">
-        <p14:creationId xmlns:p14="http://schemas.microsoft.com/office/powerpoint/2010/main" val="1066156749"/>
+        <p14:creationId xmlns:p14="http://schemas.microsoft.com/office/powerpoint/2010/main" val="784737350"/>
       </p:ext>
     </p:extLst>
   </p:cSld>
@@ -1678,7 +1730,92 @@
     </p:spTree>
     <p:extLst>
       <p:ext uri="{BB962C8B-B14F-4D97-AF65-F5344CB8AC3E}">
-        <p14:creationId xmlns:p14="http://schemas.microsoft.com/office/powerpoint/2010/main" val="617600904"/>
+        <p14:creationId xmlns:p14="http://schemas.microsoft.com/office/powerpoint/2010/main" val="2124923709"/>
+      </p:ext>
+    </p:extLst>
+  </p:cSld>
+  <p:clrMapOvr>
+    <a:masterClrMapping/>
+  </p:clrMapOvr>
+</p:notes>
+</file>
+
+<file path=ppt/notesSlides/notesSlide20.xml><?xml version="1.0" encoding="utf-8"?>
+<p:notes xmlns:a="http://schemas.openxmlformats.org/drawingml/2006/main" xmlns:r="http://schemas.openxmlformats.org/officeDocument/2006/relationships" xmlns:p="http://schemas.openxmlformats.org/presentationml/2006/main">
+  <p:cSld>
+    <p:spTree>
+      <p:nvGrpSpPr>
+        <p:cNvPr id="1" name=""/>
+        <p:cNvGrpSpPr/>
+        <p:nvPr/>
+      </p:nvGrpSpPr>
+      <p:grpSpPr>
+        <a:xfrm>
+          <a:off x="0" y="0"/>
+          <a:ext cx="0" cy="0"/>
+          <a:chOff x="0" y="0"/>
+          <a:chExt cx="0" cy="0"/>
+        </a:xfrm>
+      </p:grpSpPr>
+      <p:sp>
+        <p:nvSpPr>
+          <p:cNvPr id="2" name="Folienbildplatzhalter 1"/>
+          <p:cNvSpPr>
+            <a:spLocks noGrp="1" noRot="1" noChangeAspect="1"/>
+          </p:cNvSpPr>
+          <p:nvPr>
+            <p:ph type="sldImg"/>
+          </p:nvPr>
+        </p:nvSpPr>
+        <p:spPr/>
+      </p:sp>
+      <p:sp>
+        <p:nvSpPr>
+          <p:cNvPr id="3" name="Notizenplatzhalter 2"/>
+          <p:cNvSpPr>
+            <a:spLocks noGrp="1"/>
+          </p:cNvSpPr>
+          <p:nvPr>
+            <p:ph type="body" idx="1"/>
+          </p:nvPr>
+        </p:nvSpPr>
+        <p:spPr/>
+        <p:txBody>
+          <a:bodyPr/>
+          <a:lstStyle/>
+          <a:p>
+            <a:endParaRPr lang="de-DE"/>
+          </a:p>
+        </p:txBody>
+      </p:sp>
+      <p:sp>
+        <p:nvSpPr>
+          <p:cNvPr id="4" name="Foliennummernplatzhalter 3"/>
+          <p:cNvSpPr>
+            <a:spLocks noGrp="1"/>
+          </p:cNvSpPr>
+          <p:nvPr>
+            <p:ph type="sldNum" sz="quarter" idx="10"/>
+          </p:nvPr>
+        </p:nvSpPr>
+        <p:spPr/>
+        <p:txBody>
+          <a:bodyPr/>
+          <a:lstStyle/>
+          <a:p>
+            <a:fld id="{05D1FABD-69C2-49F9-BD91-F05E017FE538}" type="slidenum">
+              <a:rPr lang="de-DE" smtClean="0"/>
+              <a:pPr/>
+              <a:t>21</a:t>
+            </a:fld>
+            <a:endParaRPr lang="de-DE"/>
+          </a:p>
+        </p:txBody>
+      </p:sp>
+    </p:spTree>
+    <p:extLst>
+      <p:ext uri="{BB962C8B-B14F-4D97-AF65-F5344CB8AC3E}">
+        <p14:creationId xmlns:p14="http://schemas.microsoft.com/office/powerpoint/2010/main" val="1066156749"/>
       </p:ext>
     </p:extLst>
   </p:cSld>
@@ -1732,111 +1869,7 @@
           <a:bodyPr/>
           <a:lstStyle/>
           <a:p>
-            <a:pPr>
-              <a:buFontTx/>
-              <a:buChar char="-"/>
-            </a:pPr>
-            <a:r>
-              <a:rPr lang="de-DE" dirty="0" smtClean="0"/>
-              <a:t>Zunehmender Gefahrenanstieg</a:t>
-            </a:r>
-          </a:p>
-          <a:p>
-            <a:pPr lvl="1">
-              <a:buFontTx/>
-              <a:buChar char="-"/>
-            </a:pPr>
-            <a:r>
-              <a:rPr lang="de-DE" dirty="0" err="1" smtClean="0"/>
-              <a:t>Brute</a:t>
-            </a:r>
-            <a:r>
-              <a:rPr lang="de-DE" dirty="0" smtClean="0"/>
-              <a:t> Force Angriffe:</a:t>
-            </a:r>
-            <a:r>
-              <a:rPr lang="de-DE" baseline="0" dirty="0" smtClean="0"/>
-              <a:t> E</a:t>
-            </a:r>
-            <a:r>
-              <a:rPr lang="de-DE" dirty="0" smtClean="0"/>
-              <a:t>ingeschränkter Schlüsselraum und zunehmende Rechenkapazität</a:t>
-            </a:r>
-          </a:p>
-          <a:p>
-            <a:pPr lvl="1">
-              <a:buFontTx/>
-              <a:buChar char="-"/>
-            </a:pPr>
-            <a:r>
-              <a:rPr lang="de-DE" dirty="0" err="1" smtClean="0"/>
-              <a:t>Cloud</a:t>
-            </a:r>
-            <a:r>
-              <a:rPr lang="de-DE" dirty="0" smtClean="0"/>
-              <a:t> Computing: Rechenkapazität flexibel </a:t>
-            </a:r>
-            <a:r>
-              <a:rPr lang="de-DE" dirty="0" err="1" smtClean="0"/>
-              <a:t>dazubuchbar</a:t>
-            </a:r>
-            <a:endParaRPr lang="de-DE" dirty="0" smtClean="0"/>
-          </a:p>
-          <a:p>
-            <a:pPr lvl="1">
-              <a:buFontTx/>
-              <a:buChar char="-"/>
-            </a:pPr>
-            <a:r>
-              <a:rPr lang="de-DE" dirty="0" smtClean="0"/>
-              <a:t>Wörterbuchangriff:</a:t>
-            </a:r>
-            <a:r>
-              <a:rPr lang="de-DE" baseline="0" dirty="0" smtClean="0"/>
-              <a:t> Gezielter Angriff (Standardpasswörter, wie „Passwort“, „Geheim“, …)</a:t>
-            </a:r>
-          </a:p>
-          <a:p>
-            <a:pPr lvl="1">
-              <a:buFontTx/>
-              <a:buChar char="-"/>
-            </a:pPr>
-            <a:r>
-              <a:rPr lang="de-DE" baseline="0" dirty="0" smtClean="0"/>
-              <a:t>Studie: 40% in Wörterbüchern auffindbar (Nicht nur Privatpersonen sondern auch Unternehmungen !)</a:t>
-            </a:r>
-          </a:p>
-          <a:p>
-            <a:pPr lvl="0">
-              <a:buFontTx/>
-              <a:buChar char="-"/>
-            </a:pPr>
-            <a:r>
-              <a:rPr lang="de-DE" dirty="0" smtClean="0"/>
-              <a:t>Studie:</a:t>
-            </a:r>
-            <a:r>
-              <a:rPr lang="de-DE" baseline="0" dirty="0" smtClean="0"/>
-              <a:t> 17 </a:t>
-            </a:r>
-            <a:r>
-              <a:rPr lang="de-DE" baseline="0" dirty="0" err="1" smtClean="0"/>
-              <a:t>Apps</a:t>
-            </a:r>
-            <a:r>
-              <a:rPr lang="de-DE" baseline="0" dirty="0" smtClean="0"/>
-              <a:t> innerhalb eines Tages geknackt</a:t>
-            </a:r>
-          </a:p>
-          <a:p>
-            <a:pPr lvl="1">
-              <a:buFontTx/>
-              <a:buChar char="-"/>
-            </a:pPr>
-            <a:r>
-              <a:rPr lang="de-DE" baseline="0" dirty="0" smtClean="0"/>
-              <a:t> Hohe Relevanz durch Zugangsdaten für Online Banking, Amazon, …</a:t>
-            </a:r>
+            <a:endParaRPr lang="de-DE"/>
           </a:p>
         </p:txBody>
       </p:sp>
@@ -1867,7 +1900,7 @@
     </p:spTree>
     <p:extLst>
       <p:ext uri="{BB962C8B-B14F-4D97-AF65-F5344CB8AC3E}">
-        <p14:creationId xmlns:p14="http://schemas.microsoft.com/office/powerpoint/2010/main" val="1928648976"/>
+        <p14:creationId xmlns:p14="http://schemas.microsoft.com/office/powerpoint/2010/main" val="617600904"/>
       </p:ext>
     </p:extLst>
   </p:cSld>
@@ -1927,7 +1960,7 @@
             </a:pPr>
             <a:r>
               <a:rPr lang="de-DE" dirty="0" smtClean="0"/>
-              <a:t>Schwächen konventioneller Passwort Manager</a:t>
+              <a:t>Zunehmender Gefahrenanstieg</a:t>
             </a:r>
           </a:p>
           <a:p>
@@ -1936,8 +1969,63 @@
               <a:buChar char="-"/>
             </a:pPr>
             <a:r>
+              <a:rPr lang="de-DE" dirty="0" err="1" smtClean="0"/>
+              <a:t>Brute</a:t>
+            </a:r>
+            <a:r>
               <a:rPr lang="de-DE" dirty="0" smtClean="0"/>
-              <a:t>Rückmeldung an den Angreifer zur Korrektheit des Passworts</a:t>
+              <a:t> Force Angriffe:</a:t>
+            </a:r>
+            <a:r>
+              <a:rPr lang="de-DE" baseline="0" dirty="0" smtClean="0"/>
+              <a:t> E</a:t>
+            </a:r>
+            <a:r>
+              <a:rPr lang="de-DE" dirty="0" smtClean="0"/>
+              <a:t>ingeschränkter Schlüsselraum und zunehmende Rechenkapazität</a:t>
+            </a:r>
+          </a:p>
+          <a:p>
+            <a:pPr lvl="1">
+              <a:buFontTx/>
+              <a:buChar char="-"/>
+            </a:pPr>
+            <a:r>
+              <a:rPr lang="de-DE" dirty="0" err="1" smtClean="0"/>
+              <a:t>Cloud</a:t>
+            </a:r>
+            <a:r>
+              <a:rPr lang="de-DE" dirty="0" smtClean="0"/>
+              <a:t> Computing: Rechenkapazität flexibel </a:t>
+            </a:r>
+            <a:r>
+              <a:rPr lang="de-DE" dirty="0" err="1" smtClean="0"/>
+              <a:t>dazubuchbar</a:t>
+            </a:r>
+            <a:endParaRPr lang="de-DE" dirty="0" smtClean="0"/>
+          </a:p>
+          <a:p>
+            <a:pPr lvl="1">
+              <a:buFontTx/>
+              <a:buChar char="-"/>
+            </a:pPr>
+            <a:r>
+              <a:rPr lang="de-DE" dirty="0" smtClean="0"/>
+              <a:t>Wörterbuchangriff:</a:t>
+            </a:r>
+            <a:r>
+              <a:rPr lang="de-DE" baseline="0" dirty="0" smtClean="0"/>
+              <a:t> Gezielter Angriff (Standardpasswörter, wie „Passwort“, „Geheim“, …)</a:t>
+            </a:r>
+          </a:p>
+          <a:p>
+            <a:pPr lvl="1">
+              <a:buFontTx/>
+              <a:buChar char="-"/>
+            </a:pPr>
+            <a:r>
+              <a:rPr lang="de-DE" baseline="0" dirty="0" smtClean="0"/>
+              <a:t>Studie: 40% in Wörterbüchern auffindbar (Nicht nur Privatpersonen sondern auch Unternehmungen !)</a:t>
             </a:r>
           </a:p>
           <a:p>
@@ -1947,7 +2035,19 @@
             </a:pPr>
             <a:r>
               <a:rPr lang="de-DE" dirty="0" smtClean="0"/>
-              <a:t>Der Clou</a:t>
+              <a:t>Studie:</a:t>
+            </a:r>
+            <a:r>
+              <a:rPr lang="de-DE" baseline="0" dirty="0" smtClean="0"/>
+              <a:t> 17 </a:t>
+            </a:r>
+            <a:r>
+              <a:rPr lang="de-DE" baseline="0" dirty="0" err="1" smtClean="0"/>
+              <a:t>Apps</a:t>
+            </a:r>
+            <a:r>
+              <a:rPr lang="de-DE" baseline="0" dirty="0" smtClean="0"/>
+              <a:t> innerhalb eines Tages geknackt</a:t>
             </a:r>
           </a:p>
           <a:p>
@@ -1956,28 +2056,9 @@
               <a:buChar char="-"/>
             </a:pPr>
             <a:r>
-              <a:rPr lang="de-DE" dirty="0" smtClean="0"/>
-              <a:t>Keine</a:t>
-            </a:r>
-            <a:r>
               <a:rPr lang="de-DE" baseline="0" dirty="0" smtClean="0"/>
-              <a:t> Rückmeldung: Angreifer weiß nicht ob Angriff erfolgreich war</a:t>
-            </a:r>
-          </a:p>
-          <a:p>
-            <a:pPr lvl="1">
-              <a:buFontTx/>
-              <a:buChar char="-"/>
-            </a:pPr>
-            <a:r>
-              <a:rPr lang="de-DE" baseline="0" dirty="0" err="1" smtClean="0"/>
-              <a:t>Entschlüsslung</a:t>
-            </a:r>
-            <a:r>
-              <a:rPr lang="de-DE" baseline="0" dirty="0" smtClean="0"/>
-              <a:t>: In jedem Fall mit dem (ggfs. falschen) Schlüssel</a:t>
-            </a:r>
-            <a:endParaRPr lang="de-DE" dirty="0" smtClean="0"/>
+              <a:t> Hohe Relevanz durch Zugangsdaten für Online Banking, Amazon, …</a:t>
+            </a:r>
           </a:p>
         </p:txBody>
       </p:sp>
@@ -2062,7 +2143,63 @@
           <a:bodyPr/>
           <a:lstStyle/>
           <a:p>
-            <a:endParaRPr lang="de-DE" dirty="0"/>
+            <a:pPr>
+              <a:buFontTx/>
+              <a:buChar char="-"/>
+            </a:pPr>
+            <a:r>
+              <a:rPr lang="de-DE" dirty="0" smtClean="0"/>
+              <a:t>Schwächen konventioneller Passwort Manager</a:t>
+            </a:r>
+          </a:p>
+          <a:p>
+            <a:pPr lvl="1">
+              <a:buFontTx/>
+              <a:buChar char="-"/>
+            </a:pPr>
+            <a:r>
+              <a:rPr lang="de-DE" dirty="0" smtClean="0"/>
+              <a:t>Rückmeldung an den Angreifer zur Korrektheit des Passworts</a:t>
+            </a:r>
+          </a:p>
+          <a:p>
+            <a:pPr lvl="0">
+              <a:buFontTx/>
+              <a:buChar char="-"/>
+            </a:pPr>
+            <a:r>
+              <a:rPr lang="de-DE" dirty="0" smtClean="0"/>
+              <a:t>Der Clou</a:t>
+            </a:r>
+          </a:p>
+          <a:p>
+            <a:pPr lvl="1">
+              <a:buFontTx/>
+              <a:buChar char="-"/>
+            </a:pPr>
+            <a:r>
+              <a:rPr lang="de-DE" dirty="0" smtClean="0"/>
+              <a:t>Keine</a:t>
+            </a:r>
+            <a:r>
+              <a:rPr lang="de-DE" baseline="0" dirty="0" smtClean="0"/>
+              <a:t> Rückmeldung: Angreifer weiß nicht ob Angriff erfolgreich war</a:t>
+            </a:r>
+          </a:p>
+          <a:p>
+            <a:pPr lvl="1">
+              <a:buFontTx/>
+              <a:buChar char="-"/>
+            </a:pPr>
+            <a:r>
+              <a:rPr lang="de-DE" baseline="0" dirty="0" err="1" smtClean="0"/>
+              <a:t>Entschlüsslung</a:t>
+            </a:r>
+            <a:r>
+              <a:rPr lang="de-DE" baseline="0" dirty="0" smtClean="0"/>
+              <a:t>: In jedem Fall mit dem (ggfs. falschen) Schlüssel</a:t>
+            </a:r>
+            <a:endParaRPr lang="de-DE" dirty="0" smtClean="0"/>
           </a:p>
         </p:txBody>
       </p:sp>
@@ -2147,18 +2284,6 @@
           <a:bodyPr/>
           <a:lstStyle/>
           <a:p>
-            <a:r>
-              <a:rPr lang="de-DE" dirty="0" smtClean="0"/>
-              <a:t>- Hinterlegte Passwörter </a:t>
-            </a:r>
-            <a:r>
-              <a:rPr lang="de-DE" dirty="0" err="1" smtClean="0"/>
-              <a:t>optimalerweise</a:t>
-            </a:r>
-            <a:r>
-              <a:rPr lang="de-DE" dirty="0" smtClean="0"/>
-              <a:t> kryptisch</a:t>
-            </a:r>
             <a:endParaRPr lang="de-DE" dirty="0"/>
           </a:p>
         </p:txBody>
@@ -2244,7 +2369,19 @@
           <a:bodyPr/>
           <a:lstStyle/>
           <a:p>
-            <a:endParaRPr lang="de-DE"/>
+            <a:r>
+              <a:rPr lang="de-DE" dirty="0" smtClean="0"/>
+              <a:t>- Hinterlegte Passwörter </a:t>
+            </a:r>
+            <a:r>
+              <a:rPr lang="de-DE" dirty="0" err="1" smtClean="0"/>
+              <a:t>optimalerweise</a:t>
+            </a:r>
+            <a:r>
+              <a:rPr lang="de-DE" dirty="0" smtClean="0"/>
+              <a:t> kryptisch</a:t>
+            </a:r>
+            <a:endParaRPr lang="de-DE" dirty="0"/>
           </a:p>
         </p:txBody>
       </p:sp>
@@ -2275,7 +2412,7 @@
     </p:spTree>
     <p:extLst>
       <p:ext uri="{BB962C8B-B14F-4D97-AF65-F5344CB8AC3E}">
-        <p14:creationId xmlns:p14="http://schemas.microsoft.com/office/powerpoint/2010/main" val="1705752707"/>
+        <p14:creationId xmlns:p14="http://schemas.microsoft.com/office/powerpoint/2010/main" val="1928648976"/>
       </p:ext>
     </p:extLst>
   </p:cSld>
@@ -2360,7 +2497,7 @@
     </p:spTree>
     <p:extLst>
       <p:ext uri="{BB962C8B-B14F-4D97-AF65-F5344CB8AC3E}">
-        <p14:creationId xmlns:p14="http://schemas.microsoft.com/office/powerpoint/2010/main" val="562466078"/>
+        <p14:creationId xmlns:p14="http://schemas.microsoft.com/office/powerpoint/2010/main" val="1705752707"/>
       </p:ext>
     </p:extLst>
   </p:cSld>
@@ -2414,58 +2551,7 @@
           <a:bodyPr/>
           <a:lstStyle/>
           <a:p>
-            <a:pPr marL="0" indent="0">
-              <a:buNone/>
-            </a:pPr>
-            <a:r>
-              <a:rPr lang="de-DE" dirty="0" smtClean="0"/>
-              <a:t>+ Gute Unterstützung im normalen Ablauf des </a:t>
-            </a:r>
-            <a:r>
-              <a:rPr lang="de-DE" dirty="0" err="1" smtClean="0"/>
-              <a:t>Git</a:t>
-            </a:r>
-            <a:r>
-              <a:rPr lang="de-DE" dirty="0" smtClean="0"/>
-              <a:t>-Servers</a:t>
-            </a:r>
-          </a:p>
-          <a:p>
-            <a:pPr marL="0" indent="0">
-              <a:buNone/>
-            </a:pPr>
-            <a:r>
-              <a:rPr lang="de-DE" dirty="0" smtClean="0"/>
-              <a:t>- Keine </a:t>
-            </a:r>
-            <a:r>
-              <a:rPr lang="de-DE" dirty="0" err="1" smtClean="0"/>
-              <a:t>Merge</a:t>
-            </a:r>
-            <a:r>
-              <a:rPr lang="de-DE" dirty="0" smtClean="0"/>
-              <a:t>-Funktion</a:t>
-            </a:r>
-          </a:p>
-          <a:p>
-            <a:pPr marL="0" indent="0">
-              <a:buNone/>
-            </a:pPr>
-            <a:r>
-              <a:rPr lang="de-DE" dirty="0" smtClean="0"/>
-              <a:t>- Mögliche </a:t>
-            </a:r>
-            <a:r>
-              <a:rPr lang="de-DE" dirty="0" err="1" smtClean="0"/>
-              <a:t>Pulls</a:t>
-            </a:r>
-            <a:r>
-              <a:rPr lang="de-DE" dirty="0" smtClean="0"/>
-              <a:t> nicht immer angezeigt</a:t>
-            </a:r>
-          </a:p>
-          <a:p>
-            <a:endParaRPr lang="de-DE" dirty="0"/>
+            <a:endParaRPr lang="de-DE"/>
           </a:p>
         </p:txBody>
       </p:sp>
@@ -2496,7 +2582,7 @@
     </p:spTree>
     <p:extLst>
       <p:ext uri="{BB962C8B-B14F-4D97-AF65-F5344CB8AC3E}">
-        <p14:creationId xmlns:p14="http://schemas.microsoft.com/office/powerpoint/2010/main" val="3199242385"/>
+        <p14:creationId xmlns:p14="http://schemas.microsoft.com/office/powerpoint/2010/main" val="562466078"/>
       </p:ext>
     </p:extLst>
   </p:cSld>
@@ -3153,7 +3239,7 @@
             <a:fld id="{9EE47043-14B9-45DE-A7CA-B819D3DB7940}" type="datetime1">
               <a:rPr lang="en-US" smtClean="0"/>
               <a:pPr/>
-              <a:t>2/12/2015</a:t>
+              <a:t>2/13/2015</a:t>
             </a:fld>
             <a:endParaRPr lang="en-US" dirty="0"/>
           </a:p>
@@ -4274,7 +4360,7 @@
             <a:fld id="{15FDD389-1C4B-4991-9D1B-BD9CD8DAD448}" type="datetime1">
               <a:rPr lang="en-US" smtClean="0"/>
               <a:pPr/>
-              <a:t>2/12/2015</a:t>
+              <a:t>2/13/2015</a:t>
             </a:fld>
             <a:endParaRPr lang="en-US" dirty="0"/>
           </a:p>
@@ -5286,7 +5372,7 @@
             <a:fld id="{DBEDE645-84E4-46C4-8BBB-B45E79B0BDF2}" type="datetime1">
               <a:rPr lang="en-US" smtClean="0"/>
               <a:pPr/>
-              <a:t>2/12/2015</a:t>
+              <a:t>2/13/2015</a:t>
             </a:fld>
             <a:endParaRPr lang="en-US" dirty="0"/>
           </a:p>
@@ -6457,7 +6543,7 @@
             <a:fld id="{FD30094F-A1C4-4AA8-B240-0E360656DACC}" type="datetime1">
               <a:rPr lang="en-US" smtClean="0"/>
               <a:pPr/>
-              <a:t>2/12/2015</a:t>
+              <a:t>2/13/2015</a:t>
             </a:fld>
             <a:endParaRPr lang="en-US" dirty="0"/>
           </a:p>
@@ -7519,7 +7605,7 @@
             <a:fld id="{114DEC2F-D236-4161-B7A9-058AD50973F4}" type="datetime1">
               <a:rPr lang="en-US" smtClean="0"/>
               <a:pPr/>
-              <a:t>2/12/2015</a:t>
+              <a:t>2/13/2015</a:t>
             </a:fld>
             <a:endParaRPr lang="en-US" dirty="0"/>
           </a:p>
@@ -8166,7 +8252,7 @@
             <a:fld id="{7246F925-6776-418A-B9D5-2FE6DDC7FF5E}" type="datetime1">
               <a:rPr lang="en-US" smtClean="0"/>
               <a:pPr/>
-              <a:t>2/12/2015</a:t>
+              <a:t>2/13/2015</a:t>
             </a:fld>
             <a:endParaRPr lang="en-US" dirty="0"/>
           </a:p>
@@ -9014,7 +9100,7 @@
             <a:fld id="{AA091E32-8210-42E1-A5E3-AE4F3B2BA67C}" type="datetime1">
               <a:rPr lang="en-US" smtClean="0"/>
               <a:pPr/>
-              <a:t>2/12/2015</a:t>
+              <a:t>2/13/2015</a:t>
             </a:fld>
             <a:endParaRPr lang="en-US" dirty="0"/>
           </a:p>
@@ -9190,7 +9276,7 @@
             <a:fld id="{A8F96028-6369-409B-B015-BD4E873D97AE}" type="datetime1">
               <a:rPr lang="en-US" smtClean="0"/>
               <a:pPr/>
-              <a:t>2/12/2015</a:t>
+              <a:t>2/13/2015</a:t>
             </a:fld>
             <a:endParaRPr lang="en-US" dirty="0"/>
           </a:p>
@@ -10189,7 +10275,7 @@
             <a:fld id="{1EC1EEDA-5C8D-4FAD-B380-0B1111C6C6FD}" type="datetime1">
               <a:rPr lang="en-US" smtClean="0"/>
               <a:pPr/>
-              <a:t>2/12/2015</a:t>
+              <a:t>2/13/2015</a:t>
             </a:fld>
             <a:endParaRPr lang="en-US" dirty="0"/>
           </a:p>
@@ -10396,7 +10482,7 @@
             <a:fld id="{17201E69-94FE-46D8-8C9F-233CA2EAF49D}" type="datetime1">
               <a:rPr lang="en-US" smtClean="0"/>
               <a:pPr/>
-              <a:t>2/12/2015</a:t>
+              <a:t>2/13/2015</a:t>
             </a:fld>
             <a:endParaRPr lang="en-US" dirty="0"/>
           </a:p>
@@ -11459,7 +11545,7 @@
             <a:fld id="{9229E780-8742-4F41-A7DD-8A533C34BC62}" type="datetime1">
               <a:rPr lang="en-US" smtClean="0"/>
               <a:pPr/>
-              <a:t>2/12/2015</a:t>
+              <a:t>2/13/2015</a:t>
             </a:fld>
             <a:endParaRPr lang="en-US" dirty="0"/>
           </a:p>
@@ -11732,7 +11818,7 @@
             <a:fld id="{3B91D532-264E-494B-BCB4-085A06E95C4C}" type="datetime1">
               <a:rPr lang="en-US" smtClean="0"/>
               <a:pPr/>
-              <a:t>2/12/2015</a:t>
+              <a:t>2/13/2015</a:t>
             </a:fld>
             <a:endParaRPr lang="en-US" dirty="0"/>
           </a:p>
@@ -12115,7 +12201,7 @@
             <a:fld id="{13078452-A4DA-42F9-8E52-EBBBBBF20BDF}" type="datetime1">
               <a:rPr lang="en-US" smtClean="0"/>
               <a:pPr/>
-              <a:t>2/12/2015</a:t>
+              <a:t>2/13/2015</a:t>
             </a:fld>
             <a:endParaRPr lang="en-US" dirty="0"/>
           </a:p>
@@ -12234,7 +12320,7 @@
             <a:fld id="{1433EC71-6044-490A-9B40-8B48B52B7377}" type="datetime1">
               <a:rPr lang="en-US" smtClean="0"/>
               <a:pPr/>
-              <a:t>2/12/2015</a:t>
+              <a:t>2/13/2015</a:t>
             </a:fld>
             <a:endParaRPr lang="en-US" dirty="0"/>
           </a:p>
@@ -12330,7 +12416,7 @@
             <a:fld id="{05B9864E-D461-4420-9A61-69708EA906EF}" type="datetime1">
               <a:rPr lang="en-US" smtClean="0"/>
               <a:pPr/>
-              <a:t>2/12/2015</a:t>
+              <a:t>2/13/2015</a:t>
             </a:fld>
             <a:endParaRPr lang="en-US" dirty="0"/>
           </a:p>
@@ -13440,7 +13526,7 @@
             <a:fld id="{B45F0798-91BD-41E8-A317-14713D4B5C46}" type="datetime1">
               <a:rPr lang="en-US" smtClean="0"/>
               <a:pPr/>
-              <a:t>2/12/2015</a:t>
+              <a:t>2/13/2015</a:t>
             </a:fld>
             <a:endParaRPr lang="en-US" dirty="0"/>
           </a:p>
@@ -14574,7 +14660,7 @@
             <a:fld id="{2A2492AA-6B4D-44C1-A4C5-776C8CBEDC88}" type="datetime1">
               <a:rPr lang="en-US" smtClean="0"/>
               <a:pPr/>
-              <a:t>2/12/2015</a:t>
+              <a:t>2/13/2015</a:t>
             </a:fld>
             <a:endParaRPr lang="en-US" dirty="0"/>
           </a:p>
@@ -15603,7 +15689,7 @@
             <a:fld id="{D718F47C-7328-41EC-B5EF-37975657BEDE}" type="datetime1">
               <a:rPr lang="en-US" smtClean="0"/>
               <a:pPr/>
-              <a:t>2/12/2015</a:t>
+              <a:t>2/13/2015</a:t>
             </a:fld>
             <a:endParaRPr lang="en-US" dirty="0"/>
           </a:p>
@@ -16301,65 +16387,84 @@
           <a:p>
             <a:r>
               <a:rPr lang="de-DE" dirty="0" err="1" smtClean="0"/>
-              <a:t>SourceTree</a:t>
-            </a:r>
-            <a:endParaRPr lang="de-DE" dirty="0" smtClean="0"/>
+              <a:t>Git</a:t>
+            </a:r>
+            <a:endParaRPr lang="de-DE" dirty="0"/>
           </a:p>
           <a:p>
             <a:pPr lvl="1"/>
             <a:r>
               <a:rPr lang="de-DE" dirty="0" smtClean="0"/>
-              <a:t>Kostenfrei und übersichtlich</a:t>
+              <a:t>Dezentrale Speicherung</a:t>
             </a:r>
           </a:p>
           <a:p>
             <a:pPr lvl="1"/>
             <a:r>
               <a:rPr lang="de-DE" dirty="0" smtClean="0"/>
-              <a:t>Mit </a:t>
-            </a:r>
+              <a:t>Einfache Möglichkeit </a:t>
+            </a:r>
+            <a:r>
+              <a:rPr lang="de-DE" dirty="0" err="1" smtClean="0"/>
+              <a:t>Branches</a:t>
+            </a:r>
+            <a:r>
+              <a:rPr lang="de-DE" dirty="0" smtClean="0"/>
+              <a:t> zu bilden</a:t>
+            </a:r>
+          </a:p>
+          <a:p>
+            <a:pPr lvl="1"/>
+            <a:r>
+              <a:rPr lang="de-DE" dirty="0" smtClean="0"/>
+              <a:t>Für ¾ der Gruppe neu</a:t>
+            </a:r>
+          </a:p>
+          <a:p>
             <a:r>
               <a:rPr lang="de-DE" dirty="0" err="1" smtClean="0"/>
               <a:t>GitHub</a:t>
             </a:r>
+            <a:endParaRPr lang="de-DE" dirty="0" smtClean="0"/>
+          </a:p>
+          <a:p>
+            <a:pPr lvl="1"/>
             <a:r>
               <a:rPr lang="de-DE" dirty="0" smtClean="0"/>
-              <a:t> kompatibel</a:t>
+              <a:t>Kostenfrei</a:t>
             </a:r>
           </a:p>
           <a:p>
             <a:pPr lvl="1"/>
             <a:r>
               <a:rPr lang="de-DE" dirty="0" smtClean="0"/>
-              <a:t>Visualisierung der </a:t>
-            </a:r>
-            <a:r>
-              <a:rPr lang="de-DE" dirty="0" err="1" smtClean="0"/>
-              <a:t>Branches</a:t>
-            </a:r>
-            <a:endParaRPr lang="de-DE" dirty="0" smtClean="0"/>
+              <a:t>Einfach und zentral</a:t>
+            </a:r>
           </a:p>
           <a:p>
             <a:pPr lvl="1"/>
             <a:r>
               <a:rPr lang="de-DE" dirty="0" smtClean="0"/>
-              <a:t>Mehrere </a:t>
-            </a:r>
-            <a:r>
-              <a:rPr lang="de-DE" dirty="0" err="1" smtClean="0"/>
-              <a:t>Repositories</a:t>
-            </a:r>
+              <a:t>Unterstützung durch viele Tools</a:t>
+            </a:r>
+          </a:p>
+          <a:p>
+            <a:pPr lvl="1"/>
             <a:r>
               <a:rPr lang="de-DE" dirty="0" smtClean="0"/>
-              <a:t> gleichzeitig möglich</a:t>
-            </a:r>
-          </a:p>
-          <a:p>
-            <a:pPr lvl="1"/>
-            <a:r>
-              <a:rPr lang="de-DE" dirty="0" smtClean="0"/>
-              <a:t>Anzeige des geänderten Codes</a:t>
-            </a:r>
+              <a:t>Mitgelieferte </a:t>
+            </a:r>
+            <a:r>
+              <a:rPr lang="de-DE" i="1" dirty="0" err="1" smtClean="0"/>
+              <a:t>gitignore</a:t>
+            </a:r>
+            <a:r>
+              <a:rPr lang="de-DE" i="1" dirty="0" smtClean="0"/>
+              <a:t>-Files</a:t>
+            </a:r>
+          </a:p>
+          <a:p>
+            <a:endParaRPr lang="de-DE" dirty="0"/>
           </a:p>
         </p:txBody>
       </p:sp>
@@ -16412,6 +16517,311 @@
               <a:rPr lang="en-US" smtClean="0"/>
               <a:pPr/>
               <a:t>10</a:t>
+            </a:fld>
+            <a:endParaRPr lang="en-US" dirty="0"/>
+          </a:p>
+        </p:txBody>
+      </p:sp>
+      <p:sp>
+        <p:nvSpPr>
+          <p:cNvPr id="6" name="Textfeld 5"/>
+          <p:cNvSpPr txBox="1"/>
+          <p:nvPr/>
+        </p:nvSpPr>
+        <p:spPr>
+          <a:xfrm>
+            <a:off x="372650" y="6156167"/>
+            <a:ext cx="10876142" cy="338554"/>
+          </a:xfrm>
+          <a:prstGeom prst="rect">
+            <a:avLst/>
+          </a:prstGeom>
+          <a:noFill/>
+        </p:spPr>
+        <p:txBody>
+          <a:bodyPr wrap="square" rtlCol="0">
+            <a:spAutoFit/>
+          </a:bodyPr>
+          <a:lstStyle/>
+          <a:p>
+            <a:r>
+              <a:rPr lang="de-DE" sz="1600" dirty="0" smtClean="0"/>
+              <a:t>13.02.2015  |  Software Engineering I  |  Nadine Feldmann, Lukas Huwe, Michael Kerkhoff, Sebastian Ochtrup</a:t>
+            </a:r>
+            <a:endParaRPr lang="de-DE" sz="1600" dirty="0"/>
+          </a:p>
+        </p:txBody>
+      </p:sp>
+      <p:pic>
+        <p:nvPicPr>
+          <p:cNvPr id="1026" name="Picture 2" descr="http://git-scm.com/images/logo%402x.png"/>
+          <p:cNvPicPr>
+            <a:picLocks noChangeAspect="1" noChangeArrowheads="1"/>
+          </p:cNvPicPr>
+          <p:nvPr/>
+        </p:nvPicPr>
+        <p:blipFill>
+          <a:blip r:embed="rId4">
+            <a:extLst>
+              <a:ext uri="{28A0092B-C50C-407E-A947-70E740481C1C}">
+                <a14:useLocalDpi xmlns:a14="http://schemas.microsoft.com/office/drawing/2010/main" val="0"/>
+              </a:ext>
+            </a:extLst>
+          </a:blip>
+          <a:srcRect/>
+          <a:stretch>
+            <a:fillRect/>
+          </a:stretch>
+        </p:blipFill>
+        <p:spPr bwMode="auto">
+          <a:xfrm>
+            <a:off x="8257040" y="2424883"/>
+            <a:ext cx="2095500" cy="876300"/>
+          </a:xfrm>
+          <a:prstGeom prst="rect">
+            <a:avLst/>
+          </a:prstGeom>
+          <a:noFill/>
+          <a:extLst>
+            <a:ext uri="{909E8E84-426E-40DD-AFC4-6F175D3DCCD1}">
+              <a14:hiddenFill xmlns:a14="http://schemas.microsoft.com/office/drawing/2010/main">
+                <a:solidFill>
+                  <a:srgbClr val="FFFFFF"/>
+                </a:solidFill>
+              </a14:hiddenFill>
+            </a:ext>
+          </a:extLst>
+        </p:spPr>
+      </p:pic>
+      <p:pic>
+        <p:nvPicPr>
+          <p:cNvPr id="1028" name="Picture 4" descr="https://assets-cdn.github.com/images/modules/logos_page/GitHub-Logo.png"/>
+          <p:cNvPicPr>
+            <a:picLocks noChangeAspect="1" noChangeArrowheads="1"/>
+          </p:cNvPicPr>
+          <p:nvPr/>
+        </p:nvPicPr>
+        <p:blipFill>
+          <a:blip r:embed="rId5">
+            <a:extLst>
+              <a:ext uri="{28A0092B-C50C-407E-A947-70E740481C1C}">
+                <a14:useLocalDpi xmlns:a14="http://schemas.microsoft.com/office/drawing/2010/main" val="0"/>
+              </a:ext>
+            </a:extLst>
+          </a:blip>
+          <a:srcRect/>
+          <a:stretch>
+            <a:fillRect/>
+          </a:stretch>
+        </p:blipFill>
+        <p:spPr bwMode="auto">
+          <a:xfrm>
+            <a:off x="7665929" y="4184677"/>
+            <a:ext cx="2686611" cy="701877"/>
+          </a:xfrm>
+          <a:prstGeom prst="rect">
+            <a:avLst/>
+          </a:prstGeom>
+          <a:noFill/>
+          <a:extLst>
+            <a:ext uri="{909E8E84-426E-40DD-AFC4-6F175D3DCCD1}">
+              <a14:hiddenFill xmlns:a14="http://schemas.microsoft.com/office/drawing/2010/main">
+                <a:solidFill>
+                  <a:srgbClr val="FFFFFF"/>
+                </a:solidFill>
+              </a14:hiddenFill>
+            </a:ext>
+          </a:extLst>
+        </p:spPr>
+      </p:pic>
+    </p:spTree>
+    <p:extLst>
+      <p:ext uri="{BB962C8B-B14F-4D97-AF65-F5344CB8AC3E}">
+        <p14:creationId xmlns:p14="http://schemas.microsoft.com/office/powerpoint/2010/main" val="1932109761"/>
+      </p:ext>
+    </p:extLst>
+  </p:cSld>
+  <p:clrMapOvr>
+    <a:masterClrMapping/>
+  </p:clrMapOvr>
+  <p:timing>
+    <p:tnLst>
+      <p:par>
+        <p:cTn id="1" dur="indefinite" restart="never" nodeType="tmRoot"/>
+      </p:par>
+    </p:tnLst>
+  </p:timing>
+</p:sld>
+</file>
+
+<file path=ppt/slides/slide11.xml><?xml version="1.0" encoding="utf-8"?>
+<p:sld xmlns:a="http://schemas.openxmlformats.org/drawingml/2006/main" xmlns:r="http://schemas.openxmlformats.org/officeDocument/2006/relationships" xmlns:p="http://schemas.openxmlformats.org/presentationml/2006/main">
+  <p:cSld>
+    <p:spTree>
+      <p:nvGrpSpPr>
+        <p:cNvPr id="1" name=""/>
+        <p:cNvGrpSpPr/>
+        <p:nvPr/>
+      </p:nvGrpSpPr>
+      <p:grpSpPr>
+        <a:xfrm>
+          <a:off x="0" y="0"/>
+          <a:ext cx="0" cy="0"/>
+          <a:chOff x="0" y="0"/>
+          <a:chExt cx="0" cy="0"/>
+        </a:xfrm>
+      </p:grpSpPr>
+      <p:sp>
+        <p:nvSpPr>
+          <p:cNvPr id="2" name="Titel 1"/>
+          <p:cNvSpPr>
+            <a:spLocks noGrp="1"/>
+          </p:cNvSpPr>
+          <p:nvPr>
+            <p:ph type="title"/>
+          </p:nvPr>
+        </p:nvSpPr>
+        <p:spPr/>
+        <p:txBody>
+          <a:bodyPr/>
+          <a:lstStyle/>
+          <a:p>
+            <a:r>
+              <a:rPr lang="de-DE" dirty="0" smtClean="0"/>
+              <a:t>Werkzeugeinsatz</a:t>
+            </a:r>
+            <a:endParaRPr lang="de-DE" dirty="0"/>
+          </a:p>
+        </p:txBody>
+      </p:sp>
+      <p:sp>
+        <p:nvSpPr>
+          <p:cNvPr id="3" name="Inhaltsplatzhalter 2"/>
+          <p:cNvSpPr>
+            <a:spLocks noGrp="1"/>
+          </p:cNvSpPr>
+          <p:nvPr>
+            <p:ph idx="1"/>
+          </p:nvPr>
+        </p:nvSpPr>
+        <p:spPr/>
+        <p:txBody>
+          <a:bodyPr/>
+          <a:lstStyle/>
+          <a:p>
+            <a:r>
+              <a:rPr lang="de-DE" dirty="0" err="1" smtClean="0"/>
+              <a:t>SourceTree</a:t>
+            </a:r>
+            <a:endParaRPr lang="de-DE" dirty="0" smtClean="0"/>
+          </a:p>
+          <a:p>
+            <a:pPr lvl="1"/>
+            <a:r>
+              <a:rPr lang="de-DE" dirty="0" smtClean="0"/>
+              <a:t>Kostenfrei und übersichtlich</a:t>
+            </a:r>
+          </a:p>
+          <a:p>
+            <a:pPr lvl="1"/>
+            <a:r>
+              <a:rPr lang="de-DE" dirty="0" smtClean="0"/>
+              <a:t>Mit </a:t>
+            </a:r>
+            <a:r>
+              <a:rPr lang="de-DE" dirty="0" err="1" smtClean="0"/>
+              <a:t>GitHub</a:t>
+            </a:r>
+            <a:r>
+              <a:rPr lang="de-DE" dirty="0" smtClean="0"/>
+              <a:t> kompatibel</a:t>
+            </a:r>
+          </a:p>
+          <a:p>
+            <a:pPr lvl="1"/>
+            <a:r>
+              <a:rPr lang="de-DE" dirty="0" smtClean="0"/>
+              <a:t>Visualisierung der </a:t>
+            </a:r>
+            <a:r>
+              <a:rPr lang="de-DE" dirty="0" err="1" smtClean="0"/>
+              <a:t>Branches</a:t>
+            </a:r>
+            <a:endParaRPr lang="de-DE" dirty="0" smtClean="0"/>
+          </a:p>
+          <a:p>
+            <a:pPr lvl="1"/>
+            <a:r>
+              <a:rPr lang="de-DE" dirty="0" smtClean="0"/>
+              <a:t>Mehrere </a:t>
+            </a:r>
+            <a:r>
+              <a:rPr lang="de-DE" dirty="0" err="1" smtClean="0"/>
+              <a:t>Repositories</a:t>
+            </a:r>
+            <a:r>
+              <a:rPr lang="de-DE" dirty="0" smtClean="0"/>
+              <a:t> gleichzeitig möglich</a:t>
+            </a:r>
+          </a:p>
+          <a:p>
+            <a:pPr lvl="1"/>
+            <a:r>
+              <a:rPr lang="de-DE" dirty="0" smtClean="0"/>
+              <a:t>Anzeige des geänderten Codes</a:t>
+            </a:r>
+          </a:p>
+        </p:txBody>
+      </p:sp>
+      <p:pic>
+        <p:nvPicPr>
+          <p:cNvPr id="4" name="Grafik 3"/>
+          <p:cNvPicPr>
+            <a:picLocks noChangeAspect="1"/>
+          </p:cNvPicPr>
+          <p:nvPr/>
+        </p:nvPicPr>
+        <p:blipFill>
+          <a:blip r:embed="rId3">
+            <a:extLst>
+              <a:ext uri="{28A0092B-C50C-407E-A947-70E740481C1C}">
+                <a14:useLocalDpi xmlns:a14="http://schemas.microsoft.com/office/drawing/2010/main" val="0"/>
+              </a:ext>
+            </a:extLst>
+          </a:blip>
+          <a:stretch>
+            <a:fillRect/>
+          </a:stretch>
+        </p:blipFill>
+        <p:spPr>
+          <a:xfrm>
+            <a:off x="11248792" y="5909733"/>
+            <a:ext cx="827314" cy="827314"/>
+          </a:xfrm>
+          <a:prstGeom prst="rect">
+            <a:avLst/>
+          </a:prstGeom>
+        </p:spPr>
+      </p:pic>
+      <p:sp>
+        <p:nvSpPr>
+          <p:cNvPr id="5" name="Foliennummernplatzhalter 4"/>
+          <p:cNvSpPr>
+            <a:spLocks noGrp="1"/>
+          </p:cNvSpPr>
+          <p:nvPr>
+            <p:ph type="sldNum" sz="quarter" idx="12"/>
+          </p:nvPr>
+        </p:nvSpPr>
+        <p:spPr/>
+        <p:txBody>
+          <a:bodyPr/>
+          <a:lstStyle/>
+          <a:p>
+            <a:fld id="{D57F1E4F-1CFF-5643-939E-217C01CDF565}" type="slidenum">
+              <a:rPr lang="en-US" smtClean="0"/>
+              <a:pPr/>
+              <a:t>11</a:t>
             </a:fld>
             <a:endParaRPr lang="en-US" dirty="0"/>
           </a:p>
@@ -16634,7 +17044,7 @@
 </p:sld>
 </file>
 
-<file path=ppt/slides/slide11.xml><?xml version="1.0" encoding="utf-8"?>
+<file path=ppt/slides/slide12.xml><?xml version="1.0" encoding="utf-8"?>
 <p:sld xmlns:a="http://schemas.openxmlformats.org/drawingml/2006/main" xmlns:r="http://schemas.openxmlformats.org/officeDocument/2006/relationships" xmlns:p="http://schemas.openxmlformats.org/presentationml/2006/main">
   <p:cSld>
     <p:spTree>
@@ -16812,7 +17222,7 @@
             <a:fld id="{D57F1E4F-1CFF-5643-939E-217C01CDF565}" type="slidenum">
               <a:rPr lang="en-US" smtClean="0"/>
               <a:pPr/>
-              <a:t>11</a:t>
+              <a:t>12</a:t>
             </a:fld>
             <a:endParaRPr lang="en-US" dirty="0"/>
           </a:p>
@@ -17022,7 +17432,7 @@
 </p:sld>
 </file>
 
-<file path=ppt/slides/slide12.xml><?xml version="1.0" encoding="utf-8"?>
+<file path=ppt/slides/slide13.xml><?xml version="1.0" encoding="utf-8"?>
 <p:sld xmlns:a="http://schemas.openxmlformats.org/drawingml/2006/main" xmlns:r="http://schemas.openxmlformats.org/officeDocument/2006/relationships" xmlns:p="http://schemas.openxmlformats.org/presentationml/2006/main">
   <p:cSld>
     <p:spTree>
@@ -17206,7 +17616,7 @@
             <a:fld id="{D57F1E4F-1CFF-5643-939E-217C01CDF565}" type="slidenum">
               <a:rPr lang="en-US" smtClean="0"/>
               <a:pPr/>
-              <a:t>12</a:t>
+              <a:t>13</a:t>
             </a:fld>
             <a:endParaRPr lang="en-US" dirty="0"/>
           </a:p>
@@ -17344,7 +17754,7 @@
 </p:sld>
 </file>
 
-<file path=ppt/slides/slide13.xml><?xml version="1.0" encoding="utf-8"?>
+<file path=ppt/slides/slide14.xml><?xml version="1.0" encoding="utf-8"?>
 <p:sld xmlns:a="http://schemas.openxmlformats.org/drawingml/2006/main" xmlns:r="http://schemas.openxmlformats.org/officeDocument/2006/relationships" xmlns:p="http://schemas.openxmlformats.org/presentationml/2006/main">
   <p:cSld>
     <p:spTree>
@@ -17432,7 +17842,7 @@
             <a:fld id="{D57F1E4F-1CFF-5643-939E-217C01CDF565}" type="slidenum">
               <a:rPr lang="en-US" smtClean="0"/>
               <a:pPr/>
-              <a:t>13</a:t>
+              <a:t>14</a:t>
             </a:fld>
             <a:endParaRPr lang="en-US" dirty="0"/>
           </a:p>
@@ -17537,7 +17947,7 @@
 </p:sld>
 </file>
 
-<file path=ppt/slides/slide14.xml><?xml version="1.0" encoding="utf-8"?>
+<file path=ppt/slides/slide15.xml><?xml version="1.0" encoding="utf-8"?>
 <p:sld xmlns:a="http://schemas.openxmlformats.org/drawingml/2006/main" xmlns:r="http://schemas.openxmlformats.org/officeDocument/2006/relationships" xmlns:p="http://schemas.openxmlformats.org/presentationml/2006/main">
   <p:cSld>
     <p:spTree>
@@ -17726,7 +18136,7 @@
             <a:fld id="{D57F1E4F-1CFF-5643-939E-217C01CDF565}" type="slidenum">
               <a:rPr lang="en-US" smtClean="0"/>
               <a:pPr/>
-              <a:t>14</a:t>
+              <a:t>15</a:t>
             </a:fld>
             <a:endParaRPr lang="en-US" dirty="0"/>
           </a:p>
@@ -17766,240 +18176,6 @@
     <p:extLst>
       <p:ext uri="{BB962C8B-B14F-4D97-AF65-F5344CB8AC3E}">
         <p14:creationId xmlns:p14="http://schemas.microsoft.com/office/powerpoint/2010/main" val="3197597498"/>
-      </p:ext>
-    </p:extLst>
-  </p:cSld>
-  <p:clrMapOvr>
-    <a:masterClrMapping/>
-  </p:clrMapOvr>
-  <p:timing>
-    <p:tnLst>
-      <p:par>
-        <p:cTn id="1" dur="indefinite" restart="never" nodeType="tmRoot"/>
-      </p:par>
-    </p:tnLst>
-  </p:timing>
-</p:sld>
-</file>
-
-<file path=ppt/slides/slide15.xml><?xml version="1.0" encoding="utf-8"?>
-<p:sld xmlns:a="http://schemas.openxmlformats.org/drawingml/2006/main" xmlns:r="http://schemas.openxmlformats.org/officeDocument/2006/relationships" xmlns:p="http://schemas.openxmlformats.org/presentationml/2006/main">
-  <p:cSld>
-    <p:spTree>
-      <p:nvGrpSpPr>
-        <p:cNvPr id="1" name=""/>
-        <p:cNvGrpSpPr/>
-        <p:nvPr/>
-      </p:nvGrpSpPr>
-      <p:grpSpPr>
-        <a:xfrm>
-          <a:off x="0" y="0"/>
-          <a:ext cx="0" cy="0"/>
-          <a:chOff x="0" y="0"/>
-          <a:chExt cx="0" cy="0"/>
-        </a:xfrm>
-      </p:grpSpPr>
-      <p:sp>
-        <p:nvSpPr>
-          <p:cNvPr id="2" name="Titel 1"/>
-          <p:cNvSpPr>
-            <a:spLocks noGrp="1"/>
-          </p:cNvSpPr>
-          <p:nvPr>
-            <p:ph type="title"/>
-          </p:nvPr>
-        </p:nvSpPr>
-        <p:spPr/>
-        <p:txBody>
-          <a:bodyPr/>
-          <a:lstStyle/>
-          <a:p>
-            <a:r>
-              <a:rPr lang="de-DE" dirty="0"/>
-              <a:t>Reflexion: </a:t>
-            </a:r>
-            <a:r>
-              <a:rPr lang="de-DE" dirty="0" smtClean="0"/>
-              <a:t>Positives</a:t>
-            </a:r>
-            <a:endParaRPr lang="de-DE" dirty="0"/>
-          </a:p>
-        </p:txBody>
-      </p:sp>
-      <p:sp>
-        <p:nvSpPr>
-          <p:cNvPr id="3" name="Inhaltsplatzhalter 2"/>
-          <p:cNvSpPr>
-            <a:spLocks noGrp="1"/>
-          </p:cNvSpPr>
-          <p:nvPr>
-            <p:ph idx="1"/>
-          </p:nvPr>
-        </p:nvSpPr>
-        <p:spPr/>
-        <p:txBody>
-          <a:bodyPr>
-            <a:normAutofit/>
-          </a:bodyPr>
-          <a:lstStyle/>
-          <a:p>
-            <a:r>
-              <a:rPr lang="de-DE" dirty="0" smtClean="0"/>
-              <a:t>Regelmäßige Absprachen</a:t>
-            </a:r>
-            <a:endParaRPr lang="de-DE" dirty="0"/>
-          </a:p>
-          <a:p>
-            <a:r>
-              <a:rPr lang="de-DE" dirty="0"/>
-              <a:t>Klare Aufgabenteilung &amp; rege Kommunikation </a:t>
-            </a:r>
-          </a:p>
-          <a:p>
-            <a:pPr lvl="1"/>
-            <a:r>
-              <a:rPr lang="de-DE" dirty="0"/>
-              <a:t>Nur wenig </a:t>
-            </a:r>
-            <a:r>
-              <a:rPr lang="de-DE" dirty="0" err="1"/>
-              <a:t>Mergekonflikte</a:t>
-            </a:r>
-            <a:endParaRPr lang="de-DE" dirty="0"/>
-          </a:p>
-          <a:p>
-            <a:r>
-              <a:rPr lang="de-DE" dirty="0"/>
-              <a:t>Klare Definition von Deadlines</a:t>
-            </a:r>
-          </a:p>
-          <a:p>
-            <a:r>
-              <a:rPr lang="de-DE" dirty="0" smtClean="0"/>
-              <a:t>Jeder </a:t>
-            </a:r>
-            <a:r>
-              <a:rPr lang="de-DE" dirty="0"/>
-              <a:t>konnte etwas beitragen</a:t>
-            </a:r>
-          </a:p>
-          <a:p>
-            <a:r>
-              <a:rPr lang="de-DE" dirty="0" smtClean="0"/>
-              <a:t>Zwischenzeitliche </a:t>
-            </a:r>
-            <a:r>
-              <a:rPr lang="de-DE" dirty="0"/>
-              <a:t>Tests </a:t>
-            </a:r>
-            <a:endParaRPr lang="de-DE" dirty="0" smtClean="0"/>
-          </a:p>
-          <a:p>
-            <a:pPr lvl="1"/>
-            <a:r>
-              <a:rPr lang="de-DE" dirty="0" smtClean="0"/>
-              <a:t>Ermitteln </a:t>
-            </a:r>
-            <a:r>
-              <a:rPr lang="de-DE" dirty="0"/>
-              <a:t>&amp; Beheben von </a:t>
-            </a:r>
-            <a:r>
-              <a:rPr lang="de-DE" dirty="0" smtClean="0"/>
-              <a:t>Bugs</a:t>
-            </a:r>
-            <a:endParaRPr lang="de-DE" dirty="0"/>
-          </a:p>
-        </p:txBody>
-      </p:sp>
-      <p:pic>
-        <p:nvPicPr>
-          <p:cNvPr id="4" name="Grafik 3"/>
-          <p:cNvPicPr>
-            <a:picLocks noChangeAspect="1"/>
-          </p:cNvPicPr>
-          <p:nvPr/>
-        </p:nvPicPr>
-        <p:blipFill>
-          <a:blip r:embed="rId3">
-            <a:extLst>
-              <a:ext uri="{28A0092B-C50C-407E-A947-70E740481C1C}">
-                <a14:useLocalDpi xmlns:a14="http://schemas.microsoft.com/office/drawing/2010/main" val="0"/>
-              </a:ext>
-            </a:extLst>
-          </a:blip>
-          <a:stretch>
-            <a:fillRect/>
-          </a:stretch>
-        </p:blipFill>
-        <p:spPr>
-          <a:xfrm>
-            <a:off x="11248792" y="5909733"/>
-            <a:ext cx="827314" cy="827314"/>
-          </a:xfrm>
-          <a:prstGeom prst="rect">
-            <a:avLst/>
-          </a:prstGeom>
-        </p:spPr>
-      </p:pic>
-      <p:sp>
-        <p:nvSpPr>
-          <p:cNvPr id="5" name="Foliennummernplatzhalter 4"/>
-          <p:cNvSpPr>
-            <a:spLocks noGrp="1"/>
-          </p:cNvSpPr>
-          <p:nvPr>
-            <p:ph type="sldNum" sz="quarter" idx="12"/>
-          </p:nvPr>
-        </p:nvSpPr>
-        <p:spPr/>
-        <p:txBody>
-          <a:bodyPr/>
-          <a:lstStyle/>
-          <a:p>
-            <a:fld id="{D57F1E4F-1CFF-5643-939E-217C01CDF565}" type="slidenum">
-              <a:rPr lang="en-US" smtClean="0"/>
-              <a:pPr/>
-              <a:t>15</a:t>
-            </a:fld>
-            <a:endParaRPr lang="en-US" dirty="0"/>
-          </a:p>
-        </p:txBody>
-      </p:sp>
-      <p:sp>
-        <p:nvSpPr>
-          <p:cNvPr id="6" name="Textfeld 5"/>
-          <p:cNvSpPr txBox="1"/>
-          <p:nvPr/>
-        </p:nvSpPr>
-        <p:spPr>
-          <a:xfrm>
-            <a:off x="372650" y="6156167"/>
-            <a:ext cx="10876142" cy="338554"/>
-          </a:xfrm>
-          <a:prstGeom prst="rect">
-            <a:avLst/>
-          </a:prstGeom>
-          <a:noFill/>
-        </p:spPr>
-        <p:txBody>
-          <a:bodyPr wrap="square" rtlCol="0">
-            <a:spAutoFit/>
-          </a:bodyPr>
-          <a:lstStyle/>
-          <a:p>
-            <a:r>
-              <a:rPr lang="de-DE" sz="1600" dirty="0" smtClean="0"/>
-              <a:t>13.02.2015  |  Software Engineering I  |  Nadine Feldmann, Lukas Huwe, Michael Kerkhoff, Sebastian Ochtrup</a:t>
-            </a:r>
-            <a:endParaRPr lang="de-DE" sz="1600" dirty="0"/>
-          </a:p>
-        </p:txBody>
-      </p:sp>
-    </p:spTree>
-    <p:extLst>
-      <p:ext uri="{BB962C8B-B14F-4D97-AF65-F5344CB8AC3E}">
-        <p14:creationId xmlns:p14="http://schemas.microsoft.com/office/powerpoint/2010/main" val="3509070595"/>
       </p:ext>
     </p:extLst>
   </p:cSld>
@@ -18054,7 +18230,7 @@
             </a:r>
             <a:r>
               <a:rPr lang="de-DE" dirty="0" smtClean="0"/>
-              <a:t>Schwierigkeiten</a:t>
+              <a:t>Positives</a:t>
             </a:r>
             <a:endParaRPr lang="de-DE" dirty="0"/>
           </a:p>
@@ -18079,63 +18255,70 @@
           <a:p>
             <a:r>
               <a:rPr lang="de-DE" dirty="0" smtClean="0"/>
-              <a:t>Themenfindung</a:t>
+              <a:t>Regelmäßige Absprachen</a:t>
             </a:r>
             <a:endParaRPr lang="de-DE" dirty="0"/>
           </a:p>
           <a:p>
             <a:r>
+              <a:rPr lang="de-DE" dirty="0"/>
+              <a:t>Klare Aufgabenteilung &amp; rege Kommunikation </a:t>
+            </a:r>
+          </a:p>
+          <a:p>
+            <a:pPr lvl="1"/>
+            <a:r>
+              <a:rPr lang="de-DE" dirty="0"/>
+              <a:t>Nur wenig </a:t>
+            </a:r>
+            <a:r>
+              <a:rPr lang="de-DE" dirty="0" err="1"/>
+              <a:t>Mergekonflikte</a:t>
+            </a:r>
+            <a:endParaRPr lang="de-DE" dirty="0"/>
+          </a:p>
+          <a:p>
+            <a:r>
+              <a:rPr lang="de-DE" dirty="0"/>
+              <a:t>Klare Definition von Deadlines</a:t>
+            </a:r>
+          </a:p>
+          <a:p>
+            <a:r>
               <a:rPr lang="de-DE" dirty="0" smtClean="0"/>
-              <a:t>Hoher </a:t>
-            </a:r>
+              <a:t>Jeder </a:t>
+            </a:r>
+            <a:r>
+              <a:rPr lang="de-DE" dirty="0"/>
+              <a:t>konnte etwas beitragen</a:t>
+            </a:r>
+          </a:p>
+          <a:p>
             <a:r>
               <a:rPr lang="de-DE" dirty="0" smtClean="0"/>
-              <a:t>Einarbeitungsaufwand</a:t>
-            </a:r>
+              <a:t>Zwischenzeitliche </a:t>
+            </a:r>
+            <a:r>
+              <a:rPr lang="de-DE" dirty="0"/>
+              <a:t>Tests </a:t>
+            </a:r>
+            <a:endParaRPr lang="de-DE" dirty="0" smtClean="0"/>
           </a:p>
           <a:p>
             <a:pPr lvl="1"/>
             <a:r>
               <a:rPr lang="de-DE" dirty="0" smtClean="0"/>
-              <a:t>Mit </a:t>
+              <a:t>Ermitteln </a:t>
             </a:r>
             <a:r>
               <a:rPr lang="de-DE" dirty="0"/>
-              <a:t>Tutorials &amp; Foren Einblick </a:t>
+              <a:t>&amp; Beheben von </a:t>
             </a:r>
             <a:r>
               <a:rPr lang="de-DE" dirty="0" smtClean="0"/>
-              <a:t>verschafft</a:t>
-            </a:r>
-            <a:endParaRPr lang="de-DE" dirty="0" smtClean="0"/>
-          </a:p>
-          <a:p>
-            <a:r>
-              <a:rPr lang="de-DE" dirty="0" smtClean="0"/>
-              <a:t>Zeitmangel</a:t>
-            </a:r>
-          </a:p>
-          <a:p>
-            <a:r>
-              <a:rPr lang="de-DE" dirty="0" smtClean="0"/>
-              <a:t>Gestaltung </a:t>
-            </a:r>
-            <a:r>
-              <a:rPr lang="de-DE" dirty="0"/>
-              <a:t>eines einheitlichen Layouts </a:t>
-            </a:r>
-            <a:r>
-              <a:rPr lang="de-DE" dirty="0" smtClean="0"/>
-              <a:t>schwierig </a:t>
-            </a:r>
-            <a:r>
-              <a:rPr lang="de-DE" dirty="0"/>
-              <a:t>(viele Geräte</a:t>
-            </a:r>
-            <a:r>
-              <a:rPr lang="de-DE" dirty="0" smtClean="0"/>
-              <a:t>)</a:t>
-            </a:r>
+              <a:t>Bugs</a:t>
+            </a:r>
+            <a:endParaRPr lang="de-DE" dirty="0"/>
           </a:p>
         </p:txBody>
       </p:sp>
@@ -18226,7 +18409,7 @@
     </p:spTree>
     <p:extLst>
       <p:ext uri="{BB962C8B-B14F-4D97-AF65-F5344CB8AC3E}">
-        <p14:creationId xmlns:p14="http://schemas.microsoft.com/office/powerpoint/2010/main" val="2650556501"/>
+        <p14:creationId xmlns:p14="http://schemas.microsoft.com/office/powerpoint/2010/main" val="3509070595"/>
       </p:ext>
     </p:extLst>
   </p:cSld>
@@ -18281,7 +18464,7 @@
             </a:r>
             <a:r>
               <a:rPr lang="de-DE" dirty="0" smtClean="0"/>
-              <a:t>Verbesserungen</a:t>
+              <a:t>Schwierigkeiten</a:t>
             </a:r>
             <a:endParaRPr lang="de-DE" dirty="0"/>
           </a:p>
@@ -18306,77 +18489,58 @@
           <a:p>
             <a:r>
               <a:rPr lang="de-DE" dirty="0" smtClean="0"/>
-              <a:t>Frühzeitige Einarbeitung</a:t>
+              <a:t>Themenfindung</a:t>
             </a:r>
             <a:endParaRPr lang="de-DE" dirty="0"/>
           </a:p>
           <a:p>
             <a:r>
               <a:rPr lang="de-DE" dirty="0" smtClean="0"/>
-              <a:t>In </a:t>
+              <a:t>Hoher Einarbeitungsaufwand</a:t>
+            </a:r>
+          </a:p>
+          <a:p>
+            <a:pPr lvl="1"/>
+            <a:r>
+              <a:rPr lang="de-DE" dirty="0" smtClean="0"/>
+              <a:t>Mit </a:t>
             </a:r>
             <a:r>
               <a:rPr lang="de-DE" dirty="0"/>
-              <a:t>der Entwicklungsphase: Ziele anhand fachlicher Anforderungen </a:t>
+              <a:t>Tutorials &amp; Foren Einblick </a:t>
             </a:r>
             <a:r>
               <a:rPr lang="de-DE" dirty="0" smtClean="0"/>
-              <a:t>definieren</a:t>
-            </a:r>
-          </a:p>
-          <a:p>
-            <a:pPr lvl="1"/>
+              <a:t>verschafft</a:t>
+            </a:r>
+          </a:p>
+          <a:p>
             <a:r>
               <a:rPr lang="de-DE" dirty="0" smtClean="0"/>
-              <a:t>Sich </a:t>
+              <a:t>Zeitmangel</a:t>
+            </a:r>
+          </a:p>
+          <a:p>
+            <a:r>
+              <a:rPr lang="de-DE" dirty="0" smtClean="0"/>
+              <a:t>Gestaltung </a:t>
             </a:r>
             <a:r>
               <a:rPr lang="de-DE" dirty="0"/>
-              <a:t>ergebende Aufgaben sinnvoll unter den Projektbeteiligten </a:t>
+              <a:t>eines einheitlichen Layouts </a:t>
             </a:r>
             <a:r>
               <a:rPr lang="de-DE" dirty="0" smtClean="0"/>
-              <a:t>aufteilen </a:t>
-            </a:r>
-            <a:endParaRPr lang="de-DE" sz="1800" dirty="0"/>
-          </a:p>
-          <a:p>
-            <a:pPr lvl="1"/>
+              <a:t>schwierig </a:t>
+            </a:r>
+            <a:r>
+              <a:rPr lang="de-DE" dirty="0"/>
+              <a:t>(viele Geräte</a:t>
+            </a:r>
             <a:r>
               <a:rPr lang="de-DE" dirty="0" smtClean="0"/>
-              <a:t>Weniger </a:t>
-            </a:r>
-            <a:r>
-              <a:rPr lang="de-DE" dirty="0"/>
-              <a:t>technische </a:t>
-            </a:r>
-            <a:r>
-              <a:rPr lang="de-DE" dirty="0" smtClean="0"/>
-              <a:t>Abhängigkeiten</a:t>
-            </a:r>
-          </a:p>
-          <a:p>
-            <a:pPr lvl="1"/>
-            <a:r>
-              <a:rPr lang="de-DE" dirty="0" smtClean="0"/>
-              <a:t>Konstanter </a:t>
-            </a:r>
-            <a:r>
-              <a:rPr lang="de-DE" dirty="0"/>
-              <a:t>Fokus auf </a:t>
-            </a:r>
-            <a:r>
-              <a:rPr lang="de-DE" dirty="0" smtClean="0"/>
-              <a:t>fachliche </a:t>
-            </a:r>
-            <a:r>
-              <a:rPr lang="de-DE" dirty="0"/>
-              <a:t>Anforderungen</a:t>
-            </a:r>
-            <a:endParaRPr lang="de-DE" dirty="0" smtClean="0"/>
-          </a:p>
-          <a:p>
-            <a:endParaRPr lang="de-DE" dirty="0" smtClean="0"/>
+              <a:t>)</a:t>
+            </a:r>
           </a:p>
         </p:txBody>
       </p:sp>
@@ -18467,7 +18631,7 @@
     </p:spTree>
     <p:extLst>
       <p:ext uri="{BB962C8B-B14F-4D97-AF65-F5344CB8AC3E}">
-        <p14:creationId xmlns:p14="http://schemas.microsoft.com/office/powerpoint/2010/main" val="1648445864"/>
+        <p14:creationId xmlns:p14="http://schemas.microsoft.com/office/powerpoint/2010/main" val="2650556501"/>
       </p:ext>
     </p:extLst>
   </p:cSld>
@@ -18511,46 +18675,113 @@
             <p:ph type="title"/>
           </p:nvPr>
         </p:nvSpPr>
-        <p:spPr>
-          <a:xfrm>
-            <a:off x="1154953" y="2370667"/>
-            <a:ext cx="9469503" cy="1822514"/>
-          </a:xfrm>
-        </p:spPr>
+        <p:spPr/>
         <p:txBody>
           <a:bodyPr/>
           <a:lstStyle/>
           <a:p>
-            <a:pPr algn="ctr"/>
-            <a:r>
-              <a:rPr lang="de-DE" sz="5400" dirty="0" smtClean="0"/>
-              <a:t>Noch Fragen?</a:t>
-            </a:r>
-            <a:endParaRPr lang="de-DE" sz="5400" dirty="0"/>
-          </a:p>
-        </p:txBody>
-      </p:sp>
-      <p:sp>
-        <p:nvSpPr>
-          <p:cNvPr id="5" name="Foliennummernplatzhalter 4"/>
+            <a:r>
+              <a:rPr lang="de-DE" dirty="0"/>
+              <a:t>Reflexion: </a:t>
+            </a:r>
+            <a:r>
+              <a:rPr lang="de-DE" dirty="0" smtClean="0"/>
+              <a:t>Verbesserungen</a:t>
+            </a:r>
+            <a:endParaRPr lang="de-DE" dirty="0"/>
+          </a:p>
+        </p:txBody>
+      </p:sp>
+      <p:sp>
+        <p:nvSpPr>
+          <p:cNvPr id="3" name="Inhaltsplatzhalter 2"/>
           <p:cNvSpPr>
             <a:spLocks noGrp="1"/>
           </p:cNvSpPr>
           <p:nvPr>
-            <p:ph type="sldNum" sz="quarter" idx="12"/>
+            <p:ph idx="1"/>
           </p:nvPr>
         </p:nvSpPr>
         <p:spPr/>
         <p:txBody>
-          <a:bodyPr/>
+          <a:bodyPr>
+            <a:normAutofit/>
+          </a:bodyPr>
           <a:lstStyle/>
           <a:p>
-            <a:fld id="{D57F1E4F-1CFF-5643-939E-217C01CDF565}" type="slidenum">
-              <a:rPr lang="en-US" smtClean="0"/>
-              <a:pPr/>
-              <a:t>18</a:t>
-            </a:fld>
-            <a:endParaRPr lang="en-US" dirty="0"/>
+            <a:r>
+              <a:rPr lang="de-DE" dirty="0" smtClean="0"/>
+              <a:t>Frühzeitige Einarbeitung</a:t>
+            </a:r>
+            <a:endParaRPr lang="de-DE" dirty="0"/>
+          </a:p>
+          <a:p>
+            <a:r>
+              <a:rPr lang="de-DE" dirty="0" smtClean="0"/>
+              <a:t>In </a:t>
+            </a:r>
+            <a:r>
+              <a:rPr lang="de-DE" dirty="0"/>
+              <a:t>der Entwicklungsphase: Ziele anhand fachlicher Anforderungen </a:t>
+            </a:r>
+            <a:r>
+              <a:rPr lang="de-DE" dirty="0" smtClean="0"/>
+              <a:t>definieren</a:t>
+            </a:r>
+          </a:p>
+          <a:p>
+            <a:pPr lvl="1"/>
+            <a:r>
+              <a:rPr lang="de-DE" dirty="0" smtClean="0"/>
+              <a:t>Sich </a:t>
+            </a:r>
+            <a:r>
+              <a:rPr lang="de-DE" dirty="0"/>
+              <a:t>ergebende Aufgaben sinnvoll unter den Projektbeteiligten </a:t>
+            </a:r>
+            <a:r>
+              <a:rPr lang="de-DE" dirty="0" smtClean="0"/>
+              <a:t>aufteilen </a:t>
+            </a:r>
+            <a:endParaRPr lang="de-DE" sz="1800" dirty="0"/>
+          </a:p>
+          <a:p>
+            <a:pPr lvl="1"/>
+            <a:r>
+              <a:rPr lang="de-DE" dirty="0" smtClean="0"/>
+              <a:t>Weniger </a:t>
+            </a:r>
+            <a:r>
+              <a:rPr lang="de-DE" dirty="0"/>
+              <a:t>technische </a:t>
+            </a:r>
+            <a:r>
+              <a:rPr lang="de-DE" dirty="0" smtClean="0"/>
+              <a:t>Abhängigkeiten</a:t>
+            </a:r>
+          </a:p>
+          <a:p>
+            <a:pPr lvl="1"/>
+            <a:r>
+              <a:rPr lang="de-DE" dirty="0" smtClean="0"/>
+              <a:t>Konstanter </a:t>
+            </a:r>
+            <a:r>
+              <a:rPr lang="de-DE" dirty="0"/>
+              <a:t>Fokus auf </a:t>
+            </a:r>
+            <a:r>
+              <a:rPr lang="de-DE" dirty="0" smtClean="0"/>
+              <a:t>fachliche </a:t>
+            </a:r>
+            <a:r>
+              <a:rPr lang="de-DE" dirty="0"/>
+              <a:t>Anforderungen</a:t>
+            </a:r>
+            <a:endParaRPr lang="de-DE" dirty="0" smtClean="0"/>
+          </a:p>
+          <a:p>
+            <a:endParaRPr lang="de-DE" dirty="0" smtClean="0"/>
           </a:p>
         </p:txBody>
       </p:sp>
@@ -18586,6 +18817,30 @@
       </p:pic>
       <p:sp>
         <p:nvSpPr>
+          <p:cNvPr id="5" name="Foliennummernplatzhalter 4"/>
+          <p:cNvSpPr>
+            <a:spLocks noGrp="1"/>
+          </p:cNvSpPr>
+          <p:nvPr>
+            <p:ph type="sldNum" sz="quarter" idx="12"/>
+          </p:nvPr>
+        </p:nvSpPr>
+        <p:spPr/>
+        <p:txBody>
+          <a:bodyPr/>
+          <a:lstStyle/>
+          <a:p>
+            <a:fld id="{D57F1E4F-1CFF-5643-939E-217C01CDF565}" type="slidenum">
+              <a:rPr lang="en-US" smtClean="0"/>
+              <a:pPr/>
+              <a:t>18</a:t>
+            </a:fld>
+            <a:endParaRPr lang="en-US" dirty="0"/>
+          </a:p>
+        </p:txBody>
+      </p:sp>
+      <p:sp>
+        <p:nvSpPr>
           <p:cNvPr id="6" name="Textfeld 5"/>
           <p:cNvSpPr txBox="1"/>
           <p:nvPr/>
@@ -18617,7 +18872,7 @@
     </p:spTree>
     <p:extLst>
       <p:ext uri="{BB962C8B-B14F-4D97-AF65-F5344CB8AC3E}">
-        <p14:creationId xmlns:p14="http://schemas.microsoft.com/office/powerpoint/2010/main" val="1786163146"/>
+        <p14:creationId xmlns:p14="http://schemas.microsoft.com/office/powerpoint/2010/main" val="1648445864"/>
       </p:ext>
     </p:extLst>
   </p:cSld>
@@ -18673,10 +18928,10 @@
           <a:p>
             <a:pPr algn="ctr"/>
             <a:r>
-              <a:rPr lang="de-DE" dirty="0" smtClean="0"/>
-              <a:t>Vielen Dank für eure Aufmerksamkeit!</a:t>
-            </a:r>
-            <a:endParaRPr lang="de-DE" dirty="0"/>
+              <a:rPr lang="de-DE" sz="5400" dirty="0" smtClean="0"/>
+              <a:t>Noch Fragen?</a:t>
+            </a:r>
+            <a:endParaRPr lang="de-DE" sz="5400" dirty="0"/>
           </a:p>
         </p:txBody>
       </p:sp>
@@ -18767,7 +19022,7 @@
     </p:spTree>
     <p:extLst>
       <p:ext uri="{BB962C8B-B14F-4D97-AF65-F5344CB8AC3E}">
-        <p14:creationId xmlns:p14="http://schemas.microsoft.com/office/powerpoint/2010/main" val="1278744805"/>
+        <p14:creationId xmlns:p14="http://schemas.microsoft.com/office/powerpoint/2010/main" val="1786163146"/>
       </p:ext>
     </p:extLst>
   </p:cSld>
@@ -18818,7 +19073,58 @@
           <a:p>
             <a:r>
               <a:rPr lang="de-DE" dirty="0" smtClean="0"/>
+              <a:t>Inhalt</a:t>
+            </a:r>
+            <a:endParaRPr lang="de-DE" dirty="0"/>
+          </a:p>
+        </p:txBody>
+      </p:sp>
+      <p:sp>
+        <p:nvSpPr>
+          <p:cNvPr id="3" name="Inhaltsplatzhalter 2"/>
+          <p:cNvSpPr>
+            <a:spLocks noGrp="1"/>
+          </p:cNvSpPr>
+          <p:nvPr>
+            <p:ph idx="1"/>
+          </p:nvPr>
+        </p:nvSpPr>
+        <p:spPr/>
+        <p:txBody>
+          <a:bodyPr/>
+          <a:lstStyle/>
+          <a:p>
+            <a:r>
+              <a:rPr lang="de-DE" dirty="0" smtClean="0"/>
               <a:t>Motivation</a:t>
+            </a:r>
+            <a:endParaRPr lang="de-DE" dirty="0" smtClean="0"/>
+          </a:p>
+          <a:p>
+            <a:r>
+              <a:rPr lang="de-DE" dirty="0" smtClean="0"/>
+              <a:t>Konzept</a:t>
+            </a:r>
+            <a:endParaRPr lang="de-DE" dirty="0" smtClean="0"/>
+          </a:p>
+          <a:p>
+            <a:r>
+              <a:rPr lang="de-DE" dirty="0" smtClean="0"/>
+              <a:t>Werkzeugeinsatz</a:t>
+            </a:r>
+            <a:endParaRPr lang="de-DE" dirty="0" smtClean="0"/>
+          </a:p>
+          <a:p>
+            <a:r>
+              <a:rPr lang="de-DE" dirty="0" smtClean="0"/>
+              <a:t>Demo</a:t>
+            </a:r>
+            <a:endParaRPr lang="de-DE" dirty="0" smtClean="0"/>
+          </a:p>
+          <a:p>
+            <a:r>
+              <a:rPr lang="de-DE" dirty="0" smtClean="0"/>
+              <a:t>Reflexion</a:t>
             </a:r>
             <a:endParaRPr lang="de-DE" dirty="0"/>
           </a:p>
@@ -18873,6 +19179,489 @@
               <a:rPr lang="en-US" smtClean="0"/>
               <a:pPr/>
               <a:t>2</a:t>
+            </a:fld>
+            <a:endParaRPr lang="en-US" dirty="0"/>
+          </a:p>
+        </p:txBody>
+      </p:sp>
+      <p:sp>
+        <p:nvSpPr>
+          <p:cNvPr id="6" name="Textfeld 5"/>
+          <p:cNvSpPr txBox="1"/>
+          <p:nvPr/>
+        </p:nvSpPr>
+        <p:spPr>
+          <a:xfrm>
+            <a:off x="372650" y="6156167"/>
+            <a:ext cx="10876142" cy="338554"/>
+          </a:xfrm>
+          <a:prstGeom prst="rect">
+            <a:avLst/>
+          </a:prstGeom>
+          <a:noFill/>
+        </p:spPr>
+        <p:txBody>
+          <a:bodyPr wrap="square" rtlCol="0">
+            <a:spAutoFit/>
+          </a:bodyPr>
+          <a:lstStyle/>
+          <a:p>
+            <a:r>
+              <a:rPr lang="de-DE" sz="1600" dirty="0" smtClean="0"/>
+              <a:t>13.02.2015  |  Software Engineering I  |  Nadine Feldmann, Lukas Huwe, Michael Kerkhoff, Sebastian Ochtrup</a:t>
+            </a:r>
+            <a:endParaRPr lang="de-DE" sz="1600" dirty="0"/>
+          </a:p>
+        </p:txBody>
+      </p:sp>
+    </p:spTree>
+    <p:extLst>
+      <p:ext uri="{BB962C8B-B14F-4D97-AF65-F5344CB8AC3E}">
+        <p14:creationId xmlns:p14="http://schemas.microsoft.com/office/powerpoint/2010/main" val="114228539"/>
+      </p:ext>
+    </p:extLst>
+  </p:cSld>
+  <p:clrMapOvr>
+    <a:masterClrMapping/>
+  </p:clrMapOvr>
+  <p:timing>
+    <p:tnLst>
+      <p:par>
+        <p:cTn id="1" dur="indefinite" restart="never" nodeType="tmRoot"/>
+      </p:par>
+    </p:tnLst>
+  </p:timing>
+</p:sld>
+</file>
+
+<file path=ppt/slides/slide20.xml><?xml version="1.0" encoding="utf-8"?>
+<p:sld xmlns:a="http://schemas.openxmlformats.org/drawingml/2006/main" xmlns:r="http://schemas.openxmlformats.org/officeDocument/2006/relationships" xmlns:p="http://schemas.openxmlformats.org/presentationml/2006/main">
+  <p:cSld>
+    <p:spTree>
+      <p:nvGrpSpPr>
+        <p:cNvPr id="1" name=""/>
+        <p:cNvGrpSpPr/>
+        <p:nvPr/>
+      </p:nvGrpSpPr>
+      <p:grpSpPr>
+        <a:xfrm>
+          <a:off x="0" y="0"/>
+          <a:ext cx="0" cy="0"/>
+          <a:chOff x="0" y="0"/>
+          <a:chExt cx="0" cy="0"/>
+        </a:xfrm>
+      </p:grpSpPr>
+      <p:sp>
+        <p:nvSpPr>
+          <p:cNvPr id="2" name="Titel 1"/>
+          <p:cNvSpPr>
+            <a:spLocks noGrp="1"/>
+          </p:cNvSpPr>
+          <p:nvPr>
+            <p:ph type="title"/>
+          </p:nvPr>
+        </p:nvSpPr>
+        <p:spPr>
+          <a:xfrm>
+            <a:off x="1154953" y="2370667"/>
+            <a:ext cx="9469503" cy="1822514"/>
+          </a:xfrm>
+        </p:spPr>
+        <p:txBody>
+          <a:bodyPr/>
+          <a:lstStyle/>
+          <a:p>
+            <a:pPr algn="ctr"/>
+            <a:r>
+              <a:rPr lang="de-DE" dirty="0" smtClean="0"/>
+              <a:t>Vielen Dank für eure Aufmerksamkeit!</a:t>
+            </a:r>
+            <a:endParaRPr lang="de-DE" dirty="0"/>
+          </a:p>
+        </p:txBody>
+      </p:sp>
+      <p:sp>
+        <p:nvSpPr>
+          <p:cNvPr id="5" name="Foliennummernplatzhalter 4"/>
+          <p:cNvSpPr>
+            <a:spLocks noGrp="1"/>
+          </p:cNvSpPr>
+          <p:nvPr>
+            <p:ph type="sldNum" sz="quarter" idx="12"/>
+          </p:nvPr>
+        </p:nvSpPr>
+        <p:spPr/>
+        <p:txBody>
+          <a:bodyPr/>
+          <a:lstStyle/>
+          <a:p>
+            <a:fld id="{D57F1E4F-1CFF-5643-939E-217C01CDF565}" type="slidenum">
+              <a:rPr lang="en-US" smtClean="0"/>
+              <a:pPr/>
+              <a:t>20</a:t>
+            </a:fld>
+            <a:endParaRPr lang="en-US" dirty="0"/>
+          </a:p>
+        </p:txBody>
+      </p:sp>
+      <p:pic>
+        <p:nvPicPr>
+          <p:cNvPr id="4" name="Grafik 3"/>
+          <p:cNvPicPr>
+            <a:picLocks noChangeAspect="1"/>
+          </p:cNvPicPr>
+          <p:nvPr/>
+        </p:nvPicPr>
+        <p:blipFill>
+          <a:blip r:embed="rId3">
+            <a:extLst>
+              <a:ext uri="{28A0092B-C50C-407E-A947-70E740481C1C}">
+                <a14:useLocalDpi xmlns:a14="http://schemas.microsoft.com/office/drawing/2010/main" val="0"/>
+              </a:ext>
+            </a:extLst>
+          </a:blip>
+          <a:stretch>
+            <a:fillRect/>
+          </a:stretch>
+        </p:blipFill>
+        <p:spPr>
+          <a:xfrm>
+            <a:off x="11248792" y="5909733"/>
+            <a:ext cx="827314" cy="827314"/>
+          </a:xfrm>
+          <a:prstGeom prst="rect">
+            <a:avLst/>
+          </a:prstGeom>
+        </p:spPr>
+      </p:pic>
+      <p:sp>
+        <p:nvSpPr>
+          <p:cNvPr id="6" name="Textfeld 5"/>
+          <p:cNvSpPr txBox="1"/>
+          <p:nvPr/>
+        </p:nvSpPr>
+        <p:spPr>
+          <a:xfrm>
+            <a:off x="372650" y="6156167"/>
+            <a:ext cx="10876142" cy="338554"/>
+          </a:xfrm>
+          <a:prstGeom prst="rect">
+            <a:avLst/>
+          </a:prstGeom>
+          <a:noFill/>
+        </p:spPr>
+        <p:txBody>
+          <a:bodyPr wrap="square" rtlCol="0">
+            <a:spAutoFit/>
+          </a:bodyPr>
+          <a:lstStyle/>
+          <a:p>
+            <a:r>
+              <a:rPr lang="de-DE" sz="1600" dirty="0" smtClean="0"/>
+              <a:t>13.02.2015  |  Software Engineering I  |  Nadine Feldmann, Lukas Huwe, Michael Kerkhoff, Sebastian Ochtrup</a:t>
+            </a:r>
+            <a:endParaRPr lang="de-DE" sz="1600" dirty="0"/>
+          </a:p>
+        </p:txBody>
+      </p:sp>
+    </p:spTree>
+    <p:extLst>
+      <p:ext uri="{BB962C8B-B14F-4D97-AF65-F5344CB8AC3E}">
+        <p14:creationId xmlns:p14="http://schemas.microsoft.com/office/powerpoint/2010/main" val="1278744805"/>
+      </p:ext>
+    </p:extLst>
+  </p:cSld>
+  <p:clrMapOvr>
+    <a:masterClrMapping/>
+  </p:clrMapOvr>
+  <p:timing>
+    <p:tnLst>
+      <p:par>
+        <p:cTn id="1" dur="indefinite" restart="never" nodeType="tmRoot"/>
+      </p:par>
+    </p:tnLst>
+  </p:timing>
+</p:sld>
+</file>
+
+<file path=ppt/slides/slide21.xml><?xml version="1.0" encoding="utf-8"?>
+<p:sld xmlns:a="http://schemas.openxmlformats.org/drawingml/2006/main" xmlns:r="http://schemas.openxmlformats.org/officeDocument/2006/relationships" xmlns:p="http://schemas.openxmlformats.org/presentationml/2006/main" show="0">
+  <p:cSld>
+    <p:spTree>
+      <p:nvGrpSpPr>
+        <p:cNvPr id="1" name=""/>
+        <p:cNvGrpSpPr/>
+        <p:nvPr/>
+      </p:nvGrpSpPr>
+      <p:grpSpPr>
+        <a:xfrm>
+          <a:off x="0" y="0"/>
+          <a:ext cx="0" cy="0"/>
+          <a:chOff x="0" y="0"/>
+          <a:chExt cx="0" cy="0"/>
+        </a:xfrm>
+      </p:grpSpPr>
+      <p:sp>
+        <p:nvSpPr>
+          <p:cNvPr id="2" name="Titel 1"/>
+          <p:cNvSpPr>
+            <a:spLocks noGrp="1"/>
+          </p:cNvSpPr>
+          <p:nvPr>
+            <p:ph type="title"/>
+          </p:nvPr>
+        </p:nvSpPr>
+        <p:spPr/>
+        <p:txBody>
+          <a:bodyPr/>
+          <a:lstStyle/>
+          <a:p>
+            <a:r>
+              <a:rPr lang="de-DE" dirty="0" smtClean="0"/>
+              <a:t>Quellen</a:t>
+            </a:r>
+            <a:endParaRPr lang="de-DE" dirty="0"/>
+          </a:p>
+        </p:txBody>
+      </p:sp>
+      <p:sp>
+        <p:nvSpPr>
+          <p:cNvPr id="3" name="Inhaltsplatzhalter 2"/>
+          <p:cNvSpPr>
+            <a:spLocks noGrp="1"/>
+          </p:cNvSpPr>
+          <p:nvPr>
+            <p:ph idx="1"/>
+          </p:nvPr>
+        </p:nvSpPr>
+        <p:spPr/>
+        <p:txBody>
+          <a:bodyPr/>
+          <a:lstStyle/>
+          <a:p>
+            <a:r>
+              <a:rPr lang="de-DE" dirty="0" smtClean="0">
+                <a:hlinkClick r:id="rId3"/>
+              </a:rPr>
+              <a:t>www.elcomsoft.com</a:t>
+            </a:r>
+            <a:endParaRPr lang="de-DE" dirty="0" smtClean="0"/>
+          </a:p>
+          <a:p>
+            <a:r>
+              <a:rPr lang="de-DE" dirty="0" smtClean="0">
+                <a:hlinkClick r:id="rId4"/>
+              </a:rPr>
+              <a:t>www.elcomsoft.com/WP/BH-EU-2012-WP.pdf</a:t>
+            </a:r>
+            <a:endParaRPr lang="de-DE" dirty="0" smtClean="0"/>
+          </a:p>
+          <a:p>
+            <a:endParaRPr lang="de-DE" dirty="0" smtClean="0"/>
+          </a:p>
+        </p:txBody>
+      </p:sp>
+      <p:pic>
+        <p:nvPicPr>
+          <p:cNvPr id="4" name="Grafik 3"/>
+          <p:cNvPicPr>
+            <a:picLocks noChangeAspect="1"/>
+          </p:cNvPicPr>
+          <p:nvPr/>
+        </p:nvPicPr>
+        <p:blipFill>
+          <a:blip r:embed="rId5">
+            <a:extLst>
+              <a:ext uri="{28A0092B-C50C-407E-A947-70E740481C1C}">
+                <a14:useLocalDpi xmlns:a14="http://schemas.microsoft.com/office/drawing/2010/main" val="0"/>
+              </a:ext>
+            </a:extLst>
+          </a:blip>
+          <a:stretch>
+            <a:fillRect/>
+          </a:stretch>
+        </p:blipFill>
+        <p:spPr>
+          <a:xfrm>
+            <a:off x="11248792" y="5909733"/>
+            <a:ext cx="827314" cy="827314"/>
+          </a:xfrm>
+          <a:prstGeom prst="rect">
+            <a:avLst/>
+          </a:prstGeom>
+        </p:spPr>
+      </p:pic>
+      <p:sp>
+        <p:nvSpPr>
+          <p:cNvPr id="5" name="Foliennummernplatzhalter 4"/>
+          <p:cNvSpPr>
+            <a:spLocks noGrp="1"/>
+          </p:cNvSpPr>
+          <p:nvPr>
+            <p:ph type="sldNum" sz="quarter" idx="12"/>
+          </p:nvPr>
+        </p:nvSpPr>
+        <p:spPr/>
+        <p:txBody>
+          <a:bodyPr/>
+          <a:lstStyle/>
+          <a:p>
+            <a:fld id="{D57F1E4F-1CFF-5643-939E-217C01CDF565}" type="slidenum">
+              <a:rPr lang="en-US" smtClean="0"/>
+              <a:pPr/>
+              <a:t>21</a:t>
+            </a:fld>
+            <a:endParaRPr lang="en-US" dirty="0"/>
+          </a:p>
+        </p:txBody>
+      </p:sp>
+      <p:sp>
+        <p:nvSpPr>
+          <p:cNvPr id="6" name="Textfeld 5"/>
+          <p:cNvSpPr txBox="1"/>
+          <p:nvPr/>
+        </p:nvSpPr>
+        <p:spPr>
+          <a:xfrm>
+            <a:off x="372650" y="6156167"/>
+            <a:ext cx="10876142" cy="338554"/>
+          </a:xfrm>
+          <a:prstGeom prst="rect">
+            <a:avLst/>
+          </a:prstGeom>
+          <a:noFill/>
+        </p:spPr>
+        <p:txBody>
+          <a:bodyPr wrap="square" rtlCol="0">
+            <a:spAutoFit/>
+          </a:bodyPr>
+          <a:lstStyle/>
+          <a:p>
+            <a:r>
+              <a:rPr lang="de-DE" sz="1600" dirty="0" smtClean="0"/>
+              <a:t>13.02.2015  |  Software Engineering I  |  Nadine Feldmann, Lukas Huwe, Michael Kerkhoff, Sebastian Ochtrup</a:t>
+            </a:r>
+            <a:endParaRPr lang="de-DE" sz="1600" dirty="0"/>
+          </a:p>
+        </p:txBody>
+      </p:sp>
+    </p:spTree>
+    <p:extLst>
+      <p:ext uri="{BB962C8B-B14F-4D97-AF65-F5344CB8AC3E}">
+        <p14:creationId xmlns:p14="http://schemas.microsoft.com/office/powerpoint/2010/main" val="3216998357"/>
+      </p:ext>
+    </p:extLst>
+  </p:cSld>
+  <p:clrMapOvr>
+    <a:masterClrMapping/>
+  </p:clrMapOvr>
+  <mc:AlternateContent xmlns:mc="http://schemas.openxmlformats.org/markup-compatibility/2006" xmlns:p14="http://schemas.microsoft.com/office/powerpoint/2010/main">
+    <mc:Choice Requires="p14">
+      <p:transition spd="slow" p14:dur="2000"/>
+    </mc:Choice>
+    <mc:Fallback xmlns="">
+      <p:transition spd="slow"/>
+    </mc:Fallback>
+  </mc:AlternateContent>
+  <p:timing>
+    <p:tnLst>
+      <p:par>
+        <p:cTn id="1" dur="indefinite" restart="never" nodeType="tmRoot"/>
+      </p:par>
+    </p:tnLst>
+  </p:timing>
+</p:sld>
+</file>
+
+<file path=ppt/slides/slide3.xml><?xml version="1.0" encoding="utf-8"?>
+<p:sld xmlns:a="http://schemas.openxmlformats.org/drawingml/2006/main" xmlns:r="http://schemas.openxmlformats.org/officeDocument/2006/relationships" xmlns:p="http://schemas.openxmlformats.org/presentationml/2006/main">
+  <p:cSld>
+    <p:spTree>
+      <p:nvGrpSpPr>
+        <p:cNvPr id="1" name=""/>
+        <p:cNvGrpSpPr/>
+        <p:nvPr/>
+      </p:nvGrpSpPr>
+      <p:grpSpPr>
+        <a:xfrm>
+          <a:off x="0" y="0"/>
+          <a:ext cx="0" cy="0"/>
+          <a:chOff x="0" y="0"/>
+          <a:chExt cx="0" cy="0"/>
+        </a:xfrm>
+      </p:grpSpPr>
+      <p:sp>
+        <p:nvSpPr>
+          <p:cNvPr id="2" name="Titel 1"/>
+          <p:cNvSpPr>
+            <a:spLocks noGrp="1"/>
+          </p:cNvSpPr>
+          <p:nvPr>
+            <p:ph type="title"/>
+          </p:nvPr>
+        </p:nvSpPr>
+        <p:spPr/>
+        <p:txBody>
+          <a:bodyPr/>
+          <a:lstStyle/>
+          <a:p>
+            <a:r>
+              <a:rPr lang="de-DE" dirty="0" smtClean="0"/>
+              <a:t>Motivation</a:t>
+            </a:r>
+            <a:endParaRPr lang="de-DE" dirty="0"/>
+          </a:p>
+        </p:txBody>
+      </p:sp>
+      <p:pic>
+        <p:nvPicPr>
+          <p:cNvPr id="4" name="Grafik 3"/>
+          <p:cNvPicPr>
+            <a:picLocks noChangeAspect="1"/>
+          </p:cNvPicPr>
+          <p:nvPr/>
+        </p:nvPicPr>
+        <p:blipFill>
+          <a:blip r:embed="rId3">
+            <a:extLst>
+              <a:ext uri="{28A0092B-C50C-407E-A947-70E740481C1C}">
+                <a14:useLocalDpi xmlns:a14="http://schemas.microsoft.com/office/drawing/2010/main" val="0"/>
+              </a:ext>
+            </a:extLst>
+          </a:blip>
+          <a:stretch>
+            <a:fillRect/>
+          </a:stretch>
+        </p:blipFill>
+        <p:spPr>
+          <a:xfrm>
+            <a:off x="11248792" y="5909733"/>
+            <a:ext cx="827314" cy="827314"/>
+          </a:xfrm>
+          <a:prstGeom prst="rect">
+            <a:avLst/>
+          </a:prstGeom>
+        </p:spPr>
+      </p:pic>
+      <p:sp>
+        <p:nvSpPr>
+          <p:cNvPr id="5" name="Foliennummernplatzhalter 4"/>
+          <p:cNvSpPr>
+            <a:spLocks noGrp="1"/>
+          </p:cNvSpPr>
+          <p:nvPr>
+            <p:ph type="sldNum" sz="quarter" idx="12"/>
+          </p:nvPr>
+        </p:nvSpPr>
+        <p:spPr/>
+        <p:txBody>
+          <a:bodyPr/>
+          <a:lstStyle/>
+          <a:p>
+            <a:fld id="{D57F1E4F-1CFF-5643-939E-217C01CDF565}" type="slidenum">
+              <a:rPr lang="en-US" smtClean="0"/>
+              <a:pPr/>
+              <a:t>3</a:t>
             </a:fld>
             <a:endParaRPr lang="en-US" dirty="0"/>
           </a:p>
@@ -19334,196 +20123,7 @@
 </p:sld>
 </file>
 
-<file path=ppt/slides/slide20.xml><?xml version="1.0" encoding="utf-8"?>
-<p:sld xmlns:a="http://schemas.openxmlformats.org/drawingml/2006/main" xmlns:r="http://schemas.openxmlformats.org/officeDocument/2006/relationships" xmlns:p="http://schemas.openxmlformats.org/presentationml/2006/main" show="0">
-  <p:cSld>
-    <p:spTree>
-      <p:nvGrpSpPr>
-        <p:cNvPr id="1" name=""/>
-        <p:cNvGrpSpPr/>
-        <p:nvPr/>
-      </p:nvGrpSpPr>
-      <p:grpSpPr>
-        <a:xfrm>
-          <a:off x="0" y="0"/>
-          <a:ext cx="0" cy="0"/>
-          <a:chOff x="0" y="0"/>
-          <a:chExt cx="0" cy="0"/>
-        </a:xfrm>
-      </p:grpSpPr>
-      <p:sp>
-        <p:nvSpPr>
-          <p:cNvPr id="2" name="Titel 1"/>
-          <p:cNvSpPr>
-            <a:spLocks noGrp="1"/>
-          </p:cNvSpPr>
-          <p:nvPr>
-            <p:ph type="title"/>
-          </p:nvPr>
-        </p:nvSpPr>
-        <p:spPr/>
-        <p:txBody>
-          <a:bodyPr/>
-          <a:lstStyle/>
-          <a:p>
-            <a:r>
-              <a:rPr lang="de-DE" dirty="0" smtClean="0"/>
-              <a:t>Quellen</a:t>
-            </a:r>
-            <a:endParaRPr lang="de-DE" dirty="0"/>
-          </a:p>
-        </p:txBody>
-      </p:sp>
-      <p:sp>
-        <p:nvSpPr>
-          <p:cNvPr id="3" name="Inhaltsplatzhalter 2"/>
-          <p:cNvSpPr>
-            <a:spLocks noGrp="1"/>
-          </p:cNvSpPr>
-          <p:nvPr>
-            <p:ph idx="1"/>
-          </p:nvPr>
-        </p:nvSpPr>
-        <p:spPr/>
-        <p:txBody>
-          <a:bodyPr/>
-          <a:lstStyle/>
-          <a:p>
-            <a:r>
-              <a:rPr lang="de-DE" dirty="0" smtClean="0">
-                <a:hlinkClick r:id="rId3"/>
-              </a:rPr>
-              <a:t>www.elcomsoft.com</a:t>
-            </a:r>
-            <a:endParaRPr lang="de-DE" dirty="0" smtClean="0"/>
-          </a:p>
-          <a:p>
-            <a:r>
-              <a:rPr lang="de-DE" dirty="0" smtClean="0">
-                <a:hlinkClick r:id="rId4"/>
-              </a:rPr>
-              <a:t>www.elcomsoft.com/WP/BH-EU-2012-WP.pdf</a:t>
-            </a:r>
-            <a:endParaRPr lang="de-DE" dirty="0" smtClean="0"/>
-          </a:p>
-          <a:p>
-            <a:endParaRPr lang="de-DE" dirty="0" smtClean="0"/>
-          </a:p>
-        </p:txBody>
-      </p:sp>
-      <p:pic>
-        <p:nvPicPr>
-          <p:cNvPr id="4" name="Grafik 3"/>
-          <p:cNvPicPr>
-            <a:picLocks noChangeAspect="1"/>
-          </p:cNvPicPr>
-          <p:nvPr/>
-        </p:nvPicPr>
-        <p:blipFill>
-          <a:blip r:embed="rId5">
-            <a:extLst>
-              <a:ext uri="{28A0092B-C50C-407E-A947-70E740481C1C}">
-                <a14:useLocalDpi xmlns:a14="http://schemas.microsoft.com/office/drawing/2010/main" val="0"/>
-              </a:ext>
-            </a:extLst>
-          </a:blip>
-          <a:stretch>
-            <a:fillRect/>
-          </a:stretch>
-        </p:blipFill>
-        <p:spPr>
-          <a:xfrm>
-            <a:off x="11248792" y="5909733"/>
-            <a:ext cx="827314" cy="827314"/>
-          </a:xfrm>
-          <a:prstGeom prst="rect">
-            <a:avLst/>
-          </a:prstGeom>
-        </p:spPr>
-      </p:pic>
-      <p:sp>
-        <p:nvSpPr>
-          <p:cNvPr id="5" name="Foliennummernplatzhalter 4"/>
-          <p:cNvSpPr>
-            <a:spLocks noGrp="1"/>
-          </p:cNvSpPr>
-          <p:nvPr>
-            <p:ph type="sldNum" sz="quarter" idx="12"/>
-          </p:nvPr>
-        </p:nvSpPr>
-        <p:spPr/>
-        <p:txBody>
-          <a:bodyPr/>
-          <a:lstStyle/>
-          <a:p>
-            <a:fld id="{D57F1E4F-1CFF-5643-939E-217C01CDF565}" type="slidenum">
-              <a:rPr lang="en-US" smtClean="0"/>
-              <a:pPr/>
-              <a:t>20</a:t>
-            </a:fld>
-            <a:endParaRPr lang="en-US" dirty="0"/>
-          </a:p>
-        </p:txBody>
-      </p:sp>
-      <p:sp>
-        <p:nvSpPr>
-          <p:cNvPr id="6" name="Textfeld 5"/>
-          <p:cNvSpPr txBox="1"/>
-          <p:nvPr/>
-        </p:nvSpPr>
-        <p:spPr>
-          <a:xfrm>
-            <a:off x="372650" y="6156167"/>
-            <a:ext cx="10876142" cy="338554"/>
-          </a:xfrm>
-          <a:prstGeom prst="rect">
-            <a:avLst/>
-          </a:prstGeom>
-          <a:noFill/>
-        </p:spPr>
-        <p:txBody>
-          <a:bodyPr wrap="square" rtlCol="0">
-            <a:spAutoFit/>
-          </a:bodyPr>
-          <a:lstStyle/>
-          <a:p>
-            <a:r>
-              <a:rPr lang="de-DE" sz="1600" dirty="0" smtClean="0"/>
-              <a:t>13.02.2015  |  Software Engineering I  |  Nadine Feldmann, Lukas Huwe, Michael Kerkhoff, Sebastian Ochtrup</a:t>
-            </a:r>
-            <a:endParaRPr lang="de-DE" sz="1600" dirty="0"/>
-          </a:p>
-        </p:txBody>
-      </p:sp>
-    </p:spTree>
-    <p:extLst>
-      <p:ext uri="{BB962C8B-B14F-4D97-AF65-F5344CB8AC3E}">
-        <p14:creationId xmlns:p14="http://schemas.microsoft.com/office/powerpoint/2010/main" val="3216998357"/>
-      </p:ext>
-    </p:extLst>
-  </p:cSld>
-  <p:clrMapOvr>
-    <a:masterClrMapping/>
-  </p:clrMapOvr>
-  <mc:AlternateContent xmlns:mc="http://schemas.openxmlformats.org/markup-compatibility/2006" xmlns:p14="http://schemas.microsoft.com/office/powerpoint/2010/main">
-    <mc:Choice Requires="p14">
-      <p:transition spd="slow" p14:dur="2000"/>
-    </mc:Choice>
-    <mc:Fallback xmlns="">
-      <p:transition spd="slow"/>
-    </mc:Fallback>
-  </mc:AlternateContent>
-  <p:timing>
-    <p:tnLst>
-      <p:par>
-        <p:cTn id="1" dur="indefinite" restart="never" nodeType="tmRoot"/>
-      </p:par>
-    </p:tnLst>
-  </p:timing>
-</p:sld>
-</file>
-
-<file path=ppt/slides/slide3.xml><?xml version="1.0" encoding="utf-8"?>
+<file path=ppt/slides/slide4.xml><?xml version="1.0" encoding="utf-8"?>
 <p:sld xmlns:a="http://schemas.openxmlformats.org/drawingml/2006/main" xmlns:r="http://schemas.openxmlformats.org/officeDocument/2006/relationships" xmlns:p="http://schemas.openxmlformats.org/presentationml/2006/main">
   <p:cSld>
     <p:spTree>
@@ -19684,7 +20284,7 @@
             <a:fld id="{D57F1E4F-1CFF-5643-939E-217C01CDF565}" type="slidenum">
               <a:rPr lang="en-US" smtClean="0"/>
               <a:pPr/>
-              <a:t>3</a:t>
+              <a:t>4</a:t>
             </a:fld>
             <a:endParaRPr lang="en-US" dirty="0"/>
           </a:p>
@@ -19724,218 +20324,6 @@
     <p:extLst>
       <p:ext uri="{BB962C8B-B14F-4D97-AF65-F5344CB8AC3E}">
         <p14:creationId xmlns:p14="http://schemas.microsoft.com/office/powerpoint/2010/main" val="537447969"/>
-      </p:ext>
-    </p:extLst>
-  </p:cSld>
-  <p:clrMapOvr>
-    <a:masterClrMapping/>
-  </p:clrMapOvr>
-  <p:timing>
-    <p:tnLst>
-      <p:par>
-        <p:cTn id="1" dur="indefinite" restart="never" nodeType="tmRoot"/>
-      </p:par>
-    </p:tnLst>
-  </p:timing>
-</p:sld>
-</file>
-
-<file path=ppt/slides/slide4.xml><?xml version="1.0" encoding="utf-8"?>
-<p:sld xmlns:a="http://schemas.openxmlformats.org/drawingml/2006/main" xmlns:r="http://schemas.openxmlformats.org/officeDocument/2006/relationships" xmlns:p="http://schemas.openxmlformats.org/presentationml/2006/main">
-  <p:cSld>
-    <p:spTree>
-      <p:nvGrpSpPr>
-        <p:cNvPr id="1" name=""/>
-        <p:cNvGrpSpPr/>
-        <p:nvPr/>
-      </p:nvGrpSpPr>
-      <p:grpSpPr>
-        <a:xfrm>
-          <a:off x="0" y="0"/>
-          <a:ext cx="0" cy="0"/>
-          <a:chOff x="0" y="0"/>
-          <a:chExt cx="0" cy="0"/>
-        </a:xfrm>
-      </p:grpSpPr>
-      <p:sp>
-        <p:nvSpPr>
-          <p:cNvPr id="2" name="Titel 1"/>
-          <p:cNvSpPr>
-            <a:spLocks noGrp="1"/>
-          </p:cNvSpPr>
-          <p:nvPr>
-            <p:ph type="title"/>
-          </p:nvPr>
-        </p:nvSpPr>
-        <p:spPr/>
-        <p:txBody>
-          <a:bodyPr/>
-          <a:lstStyle/>
-          <a:p>
-            <a:r>
-              <a:rPr lang="de-DE" dirty="0" smtClean="0"/>
-              <a:t>Motivation</a:t>
-            </a:r>
-            <a:endParaRPr lang="de-DE" dirty="0"/>
-          </a:p>
-        </p:txBody>
-      </p:sp>
-      <p:sp>
-        <p:nvSpPr>
-          <p:cNvPr id="3" name="Inhaltsplatzhalter 2"/>
-          <p:cNvSpPr>
-            <a:spLocks noGrp="1"/>
-          </p:cNvSpPr>
-          <p:nvPr>
-            <p:ph idx="1"/>
-          </p:nvPr>
-        </p:nvSpPr>
-        <p:spPr/>
-        <p:txBody>
-          <a:bodyPr/>
-          <a:lstStyle/>
-          <a:p>
-            <a:r>
-              <a:rPr lang="de-DE" dirty="0" smtClean="0"/>
-              <a:t>Zunehmender Gefahrenanstieg</a:t>
-            </a:r>
-          </a:p>
-          <a:p>
-            <a:pPr lvl="1"/>
-            <a:r>
-              <a:rPr lang="de-DE" dirty="0" err="1" smtClean="0"/>
-              <a:t>Brute</a:t>
-            </a:r>
-            <a:r>
-              <a:rPr lang="de-DE" dirty="0" smtClean="0"/>
-              <a:t> Force Angriffe immer bedrohlicher</a:t>
-            </a:r>
-          </a:p>
-          <a:p>
-            <a:pPr lvl="1"/>
-            <a:r>
-              <a:rPr lang="de-DE" dirty="0" smtClean="0"/>
-              <a:t>Zusätzliche Rechenkapazität durch Cloud Computing</a:t>
-            </a:r>
-          </a:p>
-          <a:p>
-            <a:pPr lvl="1"/>
-            <a:r>
-              <a:rPr lang="de-DE" dirty="0" smtClean="0"/>
-              <a:t>Wörterbuchangriffe erhöhen Risiko weiter</a:t>
-            </a:r>
-          </a:p>
-          <a:p>
-            <a:pPr lvl="2"/>
-            <a:r>
-              <a:rPr lang="de-DE" dirty="0" smtClean="0"/>
-              <a:t>40 % aller geschäftlich genutzten Passwörter in Wörterbüchern auffindbar</a:t>
-            </a:r>
-          </a:p>
-          <a:p>
-            <a:r>
-              <a:rPr lang="de-DE" dirty="0" smtClean="0"/>
-              <a:t>Studie: Konventionelle Passwort Manager Apps ausnahmslos in kurzer Zeit </a:t>
-            </a:r>
-            <a:r>
-              <a:rPr lang="de-DE" dirty="0" err="1" smtClean="0"/>
-              <a:t>knackbar</a:t>
-            </a:r>
-            <a:endParaRPr lang="de-DE" dirty="0" smtClean="0"/>
-          </a:p>
-          <a:p>
-            <a:endParaRPr lang="de-DE" dirty="0" smtClean="0"/>
-          </a:p>
-        </p:txBody>
-      </p:sp>
-      <p:pic>
-        <p:nvPicPr>
-          <p:cNvPr id="4" name="Grafik 3"/>
-          <p:cNvPicPr>
-            <a:picLocks noChangeAspect="1"/>
-          </p:cNvPicPr>
-          <p:nvPr/>
-        </p:nvPicPr>
-        <p:blipFill>
-          <a:blip r:embed="rId3">
-            <a:extLst>
-              <a:ext uri="{28A0092B-C50C-407E-A947-70E740481C1C}">
-                <a14:useLocalDpi xmlns:a14="http://schemas.microsoft.com/office/drawing/2010/main" val="0"/>
-              </a:ext>
-            </a:extLst>
-          </a:blip>
-          <a:stretch>
-            <a:fillRect/>
-          </a:stretch>
-        </p:blipFill>
-        <p:spPr>
-          <a:xfrm>
-            <a:off x="11248792" y="5909733"/>
-            <a:ext cx="827314" cy="827314"/>
-          </a:xfrm>
-          <a:prstGeom prst="rect">
-            <a:avLst/>
-          </a:prstGeom>
-        </p:spPr>
-      </p:pic>
-      <p:sp>
-        <p:nvSpPr>
-          <p:cNvPr id="5" name="Foliennummernplatzhalter 4"/>
-          <p:cNvSpPr>
-            <a:spLocks noGrp="1"/>
-          </p:cNvSpPr>
-          <p:nvPr>
-            <p:ph type="sldNum" sz="quarter" idx="12"/>
-          </p:nvPr>
-        </p:nvSpPr>
-        <p:spPr/>
-        <p:txBody>
-          <a:bodyPr/>
-          <a:lstStyle/>
-          <a:p>
-            <a:fld id="{D57F1E4F-1CFF-5643-939E-217C01CDF565}" type="slidenum">
-              <a:rPr lang="en-US" smtClean="0"/>
-              <a:pPr/>
-              <a:t>4</a:t>
-            </a:fld>
-            <a:endParaRPr lang="en-US" dirty="0"/>
-          </a:p>
-        </p:txBody>
-      </p:sp>
-      <p:sp>
-        <p:nvSpPr>
-          <p:cNvPr id="6" name="Textfeld 5"/>
-          <p:cNvSpPr txBox="1"/>
-          <p:nvPr/>
-        </p:nvSpPr>
-        <p:spPr>
-          <a:xfrm>
-            <a:off x="372650" y="6156167"/>
-            <a:ext cx="10876142" cy="338554"/>
-          </a:xfrm>
-          <a:prstGeom prst="rect">
-            <a:avLst/>
-          </a:prstGeom>
-          <a:noFill/>
-        </p:spPr>
-        <p:txBody>
-          <a:bodyPr wrap="square" rtlCol="0">
-            <a:spAutoFit/>
-          </a:bodyPr>
-          <a:lstStyle/>
-          <a:p>
-            <a:r>
-              <a:rPr lang="de-DE" sz="1600" dirty="0" smtClean="0"/>
-              <a:t>13.02.2015  |  Software Engineering I  |  Nadine Feldmann, Lukas Huwe, Michael Kerkhoff, Sebastian Ochtrup</a:t>
-            </a:r>
-            <a:endParaRPr lang="de-DE" sz="1600" dirty="0"/>
-          </a:p>
-        </p:txBody>
-      </p:sp>
-    </p:spTree>
-    <p:extLst>
-      <p:ext uri="{BB962C8B-B14F-4D97-AF65-F5344CB8AC3E}">
-        <p14:creationId xmlns:p14="http://schemas.microsoft.com/office/powerpoint/2010/main" val="4975384"/>
       </p:ext>
     </p:extLst>
   </p:cSld>
@@ -19986,7 +20374,7 @@
           <a:p>
             <a:r>
               <a:rPr lang="de-DE" dirty="0" smtClean="0"/>
-              <a:t>Konzept</a:t>
+              <a:t>Motivation</a:t>
             </a:r>
             <a:endParaRPr lang="de-DE" dirty="0"/>
           </a:p>
@@ -20009,38 +20397,53 @@
           <a:p>
             <a:r>
               <a:rPr lang="de-DE" dirty="0" smtClean="0"/>
-              <a:t>Schwächen konventioneller Passwort Manager</a:t>
+              <a:t>Zunehmender Gefahrenanstieg</a:t>
             </a:r>
           </a:p>
           <a:p>
             <a:pPr lvl="1"/>
             <a:r>
+              <a:rPr lang="de-DE" dirty="0" err="1" smtClean="0"/>
+              <a:t>Brute</a:t>
+            </a:r>
+            <a:r>
               <a:rPr lang="de-DE" dirty="0" smtClean="0"/>
-              <a:t>Rückmeldung an den Angreifer zur Korrektheit des Passworts</a:t>
-            </a:r>
-          </a:p>
-          <a:p>
+              <a:t> Force Angriffe immer bedrohlicher</a:t>
+            </a:r>
+          </a:p>
+          <a:p>
+            <a:pPr lvl="1"/>
             <a:r>
               <a:rPr lang="de-DE" dirty="0" smtClean="0"/>
-              <a:t>Der Clou</a:t>
+              <a:t>Zusätzliche Rechenkapazität durch Cloud Computing</a:t>
             </a:r>
           </a:p>
           <a:p>
             <a:pPr lvl="1"/>
             <a:r>
               <a:rPr lang="de-DE" dirty="0" smtClean="0"/>
-              <a:t>Keine Rückmeldung zur Korrektheit</a:t>
-            </a:r>
-          </a:p>
-          <a:p>
-            <a:pPr lvl="1"/>
+              <a:t>Wörterbuchangriffe erhöhen Risiko weiter</a:t>
+            </a:r>
+          </a:p>
+          <a:p>
+            <a:pPr lvl="2"/>
             <a:r>
               <a:rPr lang="de-DE" dirty="0" smtClean="0"/>
-              <a:t>Entschlüsselung unabhängig der Korrektheit des Passworts</a:t>
-            </a:r>
-          </a:p>
-          <a:p>
-            <a:pPr lvl="1"/>
+              <a:t>40 % aller geschäftlich genutzten Passwörter in Wörterbüchern auffindbar</a:t>
+            </a:r>
+          </a:p>
+          <a:p>
+            <a:r>
+              <a:rPr lang="de-DE" dirty="0" smtClean="0"/>
+              <a:t>Studie: Konventionelle Passwort Manager Apps ausnahmslos in kurzer Zeit </a:t>
+            </a:r>
+            <a:r>
+              <a:rPr lang="de-DE" dirty="0" err="1" smtClean="0"/>
+              <a:t>knackbar</a:t>
+            </a:r>
+            <a:endParaRPr lang="de-DE" dirty="0" smtClean="0"/>
+          </a:p>
+          <a:p>
             <a:endParaRPr lang="de-DE" dirty="0" smtClean="0"/>
           </a:p>
         </p:txBody>
@@ -20189,6 +20592,59 @@
           </a:p>
         </p:txBody>
       </p:sp>
+      <p:sp>
+        <p:nvSpPr>
+          <p:cNvPr id="3" name="Inhaltsplatzhalter 2"/>
+          <p:cNvSpPr>
+            <a:spLocks noGrp="1"/>
+          </p:cNvSpPr>
+          <p:nvPr>
+            <p:ph idx="1"/>
+          </p:nvPr>
+        </p:nvSpPr>
+        <p:spPr/>
+        <p:txBody>
+          <a:bodyPr/>
+          <a:lstStyle/>
+          <a:p>
+            <a:r>
+              <a:rPr lang="de-DE" dirty="0" smtClean="0"/>
+              <a:t>Schwächen konventioneller Passwort Manager</a:t>
+            </a:r>
+          </a:p>
+          <a:p>
+            <a:pPr lvl="1"/>
+            <a:r>
+              <a:rPr lang="de-DE" dirty="0" smtClean="0"/>
+              <a:t>Rückmeldung an den Angreifer zur Korrektheit des Passworts</a:t>
+            </a:r>
+          </a:p>
+          <a:p>
+            <a:r>
+              <a:rPr lang="de-DE" dirty="0" smtClean="0"/>
+              <a:t>Der Clou</a:t>
+            </a:r>
+          </a:p>
+          <a:p>
+            <a:pPr lvl="1"/>
+            <a:r>
+              <a:rPr lang="de-DE" dirty="0" smtClean="0"/>
+              <a:t>Keine Rückmeldung zur Korrektheit</a:t>
+            </a:r>
+          </a:p>
+          <a:p>
+            <a:pPr lvl="1"/>
+            <a:r>
+              <a:rPr lang="de-DE" dirty="0" smtClean="0"/>
+              <a:t>Entschlüsselung unabhängig der Korrektheit des Passworts</a:t>
+            </a:r>
+          </a:p>
+          <a:p>
+            <a:pPr lvl="1"/>
+            <a:endParaRPr lang="de-DE" dirty="0" smtClean="0"/>
+          </a:p>
+        </p:txBody>
+      </p:sp>
       <p:pic>
         <p:nvPicPr>
           <p:cNvPr id="4" name="Grafik 3"/>
@@ -20270,183 +20726,6 @@
               <a:t>13.02.2015  |  Software Engineering I  |  Nadine Feldmann, Lukas Huwe, Michael Kerkhoff, Sebastian Ochtrup</a:t>
             </a:r>
             <a:endParaRPr lang="de-DE" sz="1600" dirty="0"/>
-          </a:p>
-        </p:txBody>
-      </p:sp>
-      <p:pic>
-        <p:nvPicPr>
-          <p:cNvPr id="3074" name="Picture 2" descr="http://www.clker.com/cliparts/W/X/S/3/C/f/safe-md.png"/>
-          <p:cNvPicPr>
-            <a:picLocks noChangeAspect="1" noChangeArrowheads="1"/>
-          </p:cNvPicPr>
-          <p:nvPr/>
-        </p:nvPicPr>
-        <p:blipFill>
-          <a:blip r:embed="rId4"/>
-          <a:srcRect/>
-          <a:stretch>
-            <a:fillRect/>
-          </a:stretch>
-        </p:blipFill>
-        <p:spPr bwMode="auto">
-          <a:xfrm>
-            <a:off x="3508375" y="2642054"/>
-            <a:ext cx="2400300" cy="2838450"/>
-          </a:xfrm>
-          <a:prstGeom prst="rect">
-            <a:avLst/>
-          </a:prstGeom>
-          <a:noFill/>
-        </p:spPr>
-      </p:pic>
-      <p:sp>
-        <p:nvSpPr>
-          <p:cNvPr id="10" name="Pfeil nach rechts 9"/>
-          <p:cNvSpPr/>
-          <p:nvPr/>
-        </p:nvSpPr>
-        <p:spPr>
-          <a:xfrm>
-            <a:off x="762000" y="3494315"/>
-            <a:ext cx="2547257" cy="838200"/>
-          </a:xfrm>
-          <a:prstGeom prst="rightArrow">
-            <a:avLst/>
-          </a:prstGeom>
-        </p:spPr>
-        <p:style>
-          <a:lnRef idx="1">
-            <a:schemeClr val="accent1"/>
-          </a:lnRef>
-          <a:fillRef idx="2">
-            <a:schemeClr val="accent1"/>
-          </a:fillRef>
-          <a:effectRef idx="1">
-            <a:schemeClr val="accent1"/>
-          </a:effectRef>
-          <a:fontRef idx="minor">
-            <a:schemeClr val="dk1"/>
-          </a:fontRef>
-        </p:style>
-        <p:txBody>
-          <a:bodyPr rtlCol="0" anchor="ctr"/>
-          <a:lstStyle/>
-          <a:p>
-            <a:pPr algn="ctr"/>
-            <a:r>
-              <a:rPr lang="de-DE" dirty="0" smtClean="0"/>
-              <a:t>Korrektes Passwort</a:t>
-            </a:r>
-            <a:endParaRPr lang="de-DE" dirty="0"/>
-          </a:p>
-        </p:txBody>
-      </p:sp>
-      <p:sp>
-        <p:nvSpPr>
-          <p:cNvPr id="11" name="Pfeil nach rechts 10"/>
-          <p:cNvSpPr/>
-          <p:nvPr/>
-        </p:nvSpPr>
-        <p:spPr>
-          <a:xfrm>
-            <a:off x="6389914" y="3483430"/>
-            <a:ext cx="2547257" cy="838200"/>
-          </a:xfrm>
-          <a:prstGeom prst="rightArrow">
-            <a:avLst/>
-          </a:prstGeom>
-        </p:spPr>
-        <p:style>
-          <a:lnRef idx="2">
-            <a:schemeClr val="accent1">
-              <a:shade val="50000"/>
-            </a:schemeClr>
-          </a:lnRef>
-          <a:fillRef idx="1">
-            <a:schemeClr val="accent1"/>
-          </a:fillRef>
-          <a:effectRef idx="0">
-            <a:schemeClr val="accent1"/>
-          </a:effectRef>
-          <a:fontRef idx="minor">
-            <a:schemeClr val="lt1"/>
-          </a:fontRef>
-        </p:style>
-        <p:txBody>
-          <a:bodyPr rtlCol="0" anchor="ctr"/>
-          <a:lstStyle/>
-          <a:p>
-            <a:pPr algn="ctr"/>
-            <a:endParaRPr lang="de-DE" dirty="0"/>
-          </a:p>
-        </p:txBody>
-      </p:sp>
-      <p:pic>
-        <p:nvPicPr>
-          <p:cNvPr id="3076" name="Picture 4" descr="http://www.clker.com/cliparts/b/W/B/r/n/A/yellow-sticky-md.png"/>
-          <p:cNvPicPr>
-            <a:picLocks noChangeAspect="1" noChangeArrowheads="1"/>
-          </p:cNvPicPr>
-          <p:nvPr/>
-        </p:nvPicPr>
-        <p:blipFill>
-          <a:blip r:embed="rId5"/>
-          <a:srcRect/>
-          <a:stretch>
-            <a:fillRect/>
-          </a:stretch>
-        </p:blipFill>
-        <p:spPr bwMode="auto">
-          <a:xfrm>
-            <a:off x="9410452" y="3015341"/>
-            <a:ext cx="2332966" cy="2169659"/>
-          </a:xfrm>
-          <a:prstGeom prst="rect">
-            <a:avLst/>
-          </a:prstGeom>
-          <a:noFill/>
-        </p:spPr>
-      </p:pic>
-      <p:sp>
-        <p:nvSpPr>
-          <p:cNvPr id="14" name="Textfeld 13"/>
-          <p:cNvSpPr txBox="1"/>
-          <p:nvPr/>
-        </p:nvSpPr>
-        <p:spPr>
-          <a:xfrm>
-            <a:off x="9688287" y="3211285"/>
-            <a:ext cx="1621971" cy="923330"/>
-          </a:xfrm>
-          <a:prstGeom prst="rect">
-            <a:avLst/>
-          </a:prstGeom>
-          <a:noFill/>
-        </p:spPr>
-        <p:txBody>
-          <a:bodyPr wrap="square" rtlCol="0">
-            <a:spAutoFit/>
-          </a:bodyPr>
-          <a:lstStyle/>
-          <a:p>
-            <a:r>
-              <a:rPr lang="de-DE" dirty="0" smtClean="0"/>
-              <a:t>Passwort:</a:t>
-            </a:r>
-          </a:p>
-          <a:p>
-            <a:endParaRPr lang="de-DE" dirty="0" smtClean="0"/>
-          </a:p>
-          <a:p>
-            <a:r>
-              <a:rPr lang="de-DE" dirty="0" smtClean="0"/>
-              <a:t>Top </a:t>
-            </a:r>
-            <a:r>
-              <a:rPr lang="de-DE" dirty="0" err="1" smtClean="0"/>
-              <a:t>secret</a:t>
-            </a:r>
-            <a:endParaRPr lang="de-DE" dirty="0"/>
           </a:p>
         </p:txBody>
       </p:sp>
@@ -20637,13 +20916,13 @@
         </p:spPr>
         <p:style>
           <a:lnRef idx="1">
-            <a:schemeClr val="accent3"/>
+            <a:schemeClr val="accent1"/>
           </a:lnRef>
           <a:fillRef idx="2">
-            <a:schemeClr val="accent3"/>
+            <a:schemeClr val="accent1"/>
           </a:fillRef>
           <a:effectRef idx="1">
-            <a:schemeClr val="accent3"/>
+            <a:schemeClr val="accent1"/>
           </a:effectRef>
           <a:fontRef idx="minor">
             <a:schemeClr val="dk1"/>
@@ -20656,7 +20935,7 @@
             <a:pPr algn="ctr"/>
             <a:r>
               <a:rPr lang="de-DE" dirty="0" smtClean="0"/>
-              <a:t>Falsches Passwort</a:t>
+              <a:t>Korrektes Passwort</a:t>
             </a:r>
             <a:endParaRPr lang="de-DE" dirty="0"/>
           </a:p>
@@ -20760,16 +21039,12 @@
           </a:p>
           <a:p>
             <a:r>
+              <a:rPr lang="de-DE" dirty="0" smtClean="0"/>
+              <a:t>Top </a:t>
+            </a:r>
+            <a:r>
               <a:rPr lang="de-DE" dirty="0" err="1" smtClean="0"/>
-              <a:t>Jmn</a:t>
-            </a:r>
-            <a:r>
-              <a:rPr lang="de-DE" dirty="0" smtClean="0"/>
-              <a:t> </a:t>
-            </a:r>
-            <a:r>
-              <a:rPr lang="de-DE" dirty="0" err="1" smtClean="0"/>
-              <a:t>fgpdfk</a:t>
+              <a:t>secret</a:t>
             </a:r>
             <a:endParaRPr lang="de-DE" dirty="0"/>
           </a:p>
@@ -20829,69 +21104,8 @@
           <a:p>
             <a:r>
               <a:rPr lang="de-DE" dirty="0" smtClean="0"/>
-              <a:t>Werkzeugeinsatz</a:t>
-            </a:r>
-            <a:endParaRPr lang="de-DE" dirty="0"/>
-          </a:p>
-        </p:txBody>
-      </p:sp>
-      <p:sp>
-        <p:nvSpPr>
-          <p:cNvPr id="3" name="Inhaltsplatzhalter 2"/>
-          <p:cNvSpPr>
-            <a:spLocks noGrp="1"/>
-          </p:cNvSpPr>
-          <p:nvPr>
-            <p:ph idx="1"/>
-          </p:nvPr>
-        </p:nvSpPr>
-        <p:spPr/>
-        <p:txBody>
-          <a:bodyPr/>
-          <a:lstStyle/>
-          <a:p>
-            <a:r>
-              <a:rPr lang="de-DE" dirty="0" err="1" smtClean="0"/>
-              <a:t>Git</a:t>
-            </a:r>
-            <a:r>
-              <a:rPr lang="de-DE" dirty="0" smtClean="0"/>
-              <a:t>/ </a:t>
-            </a:r>
-            <a:r>
-              <a:rPr lang="de-DE" dirty="0" err="1" smtClean="0"/>
-              <a:t>GitHub</a:t>
-            </a:r>
-            <a:endParaRPr lang="de-DE" dirty="0" smtClean="0"/>
-          </a:p>
-          <a:p>
-            <a:r>
-              <a:rPr lang="de-DE" dirty="0" err="1" smtClean="0"/>
-              <a:t>SourceTree</a:t>
-            </a:r>
-            <a:endParaRPr lang="de-DE" dirty="0" smtClean="0"/>
-          </a:p>
-          <a:p>
-            <a:r>
-              <a:rPr lang="de-DE" dirty="0" smtClean="0"/>
-              <a:t>Android Studio</a:t>
-            </a:r>
-          </a:p>
-          <a:p>
-            <a:r>
-              <a:rPr lang="de-DE" dirty="0" err="1" smtClean="0"/>
-              <a:t>Gradle</a:t>
-            </a:r>
-            <a:endParaRPr lang="de-DE" dirty="0" smtClean="0"/>
-          </a:p>
-          <a:p>
-            <a:r>
-              <a:rPr lang="de-DE" dirty="0" err="1" smtClean="0"/>
-              <a:t>UnitTesting</a:t>
-            </a:r>
-            <a:endParaRPr lang="de-DE" dirty="0" smtClean="0"/>
-          </a:p>
-          <a:p>
+              <a:t>Konzept</a:t>
+            </a:r>
             <a:endParaRPr lang="de-DE" dirty="0"/>
           </a:p>
         </p:txBody>
@@ -20945,6 +21159,392 @@
               <a:rPr lang="en-US" smtClean="0"/>
               <a:pPr/>
               <a:t>8</a:t>
+            </a:fld>
+            <a:endParaRPr lang="en-US" dirty="0"/>
+          </a:p>
+        </p:txBody>
+      </p:sp>
+      <p:sp>
+        <p:nvSpPr>
+          <p:cNvPr id="6" name="Textfeld 5"/>
+          <p:cNvSpPr txBox="1"/>
+          <p:nvPr/>
+        </p:nvSpPr>
+        <p:spPr>
+          <a:xfrm>
+            <a:off x="372650" y="6156167"/>
+            <a:ext cx="10876142" cy="338554"/>
+          </a:xfrm>
+          <a:prstGeom prst="rect">
+            <a:avLst/>
+          </a:prstGeom>
+          <a:noFill/>
+        </p:spPr>
+        <p:txBody>
+          <a:bodyPr wrap="square" rtlCol="0">
+            <a:spAutoFit/>
+          </a:bodyPr>
+          <a:lstStyle/>
+          <a:p>
+            <a:r>
+              <a:rPr lang="de-DE" sz="1600" dirty="0" smtClean="0"/>
+              <a:t>13.02.2015  |  Software Engineering I  |  Nadine Feldmann, Lukas Huwe, Michael Kerkhoff, Sebastian Ochtrup</a:t>
+            </a:r>
+            <a:endParaRPr lang="de-DE" sz="1600" dirty="0"/>
+          </a:p>
+        </p:txBody>
+      </p:sp>
+      <p:pic>
+        <p:nvPicPr>
+          <p:cNvPr id="3074" name="Picture 2" descr="http://www.clker.com/cliparts/W/X/S/3/C/f/safe-md.png"/>
+          <p:cNvPicPr>
+            <a:picLocks noChangeAspect="1" noChangeArrowheads="1"/>
+          </p:cNvPicPr>
+          <p:nvPr/>
+        </p:nvPicPr>
+        <p:blipFill>
+          <a:blip r:embed="rId4"/>
+          <a:srcRect/>
+          <a:stretch>
+            <a:fillRect/>
+          </a:stretch>
+        </p:blipFill>
+        <p:spPr bwMode="auto">
+          <a:xfrm>
+            <a:off x="3508375" y="2642054"/>
+            <a:ext cx="2400300" cy="2838450"/>
+          </a:xfrm>
+          <a:prstGeom prst="rect">
+            <a:avLst/>
+          </a:prstGeom>
+          <a:noFill/>
+        </p:spPr>
+      </p:pic>
+      <p:sp>
+        <p:nvSpPr>
+          <p:cNvPr id="10" name="Pfeil nach rechts 9"/>
+          <p:cNvSpPr/>
+          <p:nvPr/>
+        </p:nvSpPr>
+        <p:spPr>
+          <a:xfrm>
+            <a:off x="762000" y="3494315"/>
+            <a:ext cx="2547257" cy="838200"/>
+          </a:xfrm>
+          <a:prstGeom prst="rightArrow">
+            <a:avLst/>
+          </a:prstGeom>
+        </p:spPr>
+        <p:style>
+          <a:lnRef idx="1">
+            <a:schemeClr val="accent3"/>
+          </a:lnRef>
+          <a:fillRef idx="2">
+            <a:schemeClr val="accent3"/>
+          </a:fillRef>
+          <a:effectRef idx="1">
+            <a:schemeClr val="accent3"/>
+          </a:effectRef>
+          <a:fontRef idx="minor">
+            <a:schemeClr val="dk1"/>
+          </a:fontRef>
+        </p:style>
+        <p:txBody>
+          <a:bodyPr rtlCol="0" anchor="ctr"/>
+          <a:lstStyle/>
+          <a:p>
+            <a:pPr algn="ctr"/>
+            <a:r>
+              <a:rPr lang="de-DE" dirty="0" smtClean="0"/>
+              <a:t>Falsches Passwort</a:t>
+            </a:r>
+            <a:endParaRPr lang="de-DE" dirty="0"/>
+          </a:p>
+        </p:txBody>
+      </p:sp>
+      <p:sp>
+        <p:nvSpPr>
+          <p:cNvPr id="11" name="Pfeil nach rechts 10"/>
+          <p:cNvSpPr/>
+          <p:nvPr/>
+        </p:nvSpPr>
+        <p:spPr>
+          <a:xfrm>
+            <a:off x="6389914" y="3483430"/>
+            <a:ext cx="2547257" cy="838200"/>
+          </a:xfrm>
+          <a:prstGeom prst="rightArrow">
+            <a:avLst/>
+          </a:prstGeom>
+        </p:spPr>
+        <p:style>
+          <a:lnRef idx="2">
+            <a:schemeClr val="accent1">
+              <a:shade val="50000"/>
+            </a:schemeClr>
+          </a:lnRef>
+          <a:fillRef idx="1">
+            <a:schemeClr val="accent1"/>
+          </a:fillRef>
+          <a:effectRef idx="0">
+            <a:schemeClr val="accent1"/>
+          </a:effectRef>
+          <a:fontRef idx="minor">
+            <a:schemeClr val="lt1"/>
+          </a:fontRef>
+        </p:style>
+        <p:txBody>
+          <a:bodyPr rtlCol="0" anchor="ctr"/>
+          <a:lstStyle/>
+          <a:p>
+            <a:pPr algn="ctr"/>
+            <a:endParaRPr lang="de-DE" dirty="0"/>
+          </a:p>
+        </p:txBody>
+      </p:sp>
+      <p:pic>
+        <p:nvPicPr>
+          <p:cNvPr id="3076" name="Picture 4" descr="http://www.clker.com/cliparts/b/W/B/r/n/A/yellow-sticky-md.png"/>
+          <p:cNvPicPr>
+            <a:picLocks noChangeAspect="1" noChangeArrowheads="1"/>
+          </p:cNvPicPr>
+          <p:nvPr/>
+        </p:nvPicPr>
+        <p:blipFill>
+          <a:blip r:embed="rId5"/>
+          <a:srcRect/>
+          <a:stretch>
+            <a:fillRect/>
+          </a:stretch>
+        </p:blipFill>
+        <p:spPr bwMode="auto">
+          <a:xfrm>
+            <a:off x="9410452" y="3015341"/>
+            <a:ext cx="2332966" cy="2169659"/>
+          </a:xfrm>
+          <a:prstGeom prst="rect">
+            <a:avLst/>
+          </a:prstGeom>
+          <a:noFill/>
+        </p:spPr>
+      </p:pic>
+      <p:sp>
+        <p:nvSpPr>
+          <p:cNvPr id="14" name="Textfeld 13"/>
+          <p:cNvSpPr txBox="1"/>
+          <p:nvPr/>
+        </p:nvSpPr>
+        <p:spPr>
+          <a:xfrm>
+            <a:off x="9688287" y="3211285"/>
+            <a:ext cx="1621971" cy="923330"/>
+          </a:xfrm>
+          <a:prstGeom prst="rect">
+            <a:avLst/>
+          </a:prstGeom>
+          <a:noFill/>
+        </p:spPr>
+        <p:txBody>
+          <a:bodyPr wrap="square" rtlCol="0">
+            <a:spAutoFit/>
+          </a:bodyPr>
+          <a:lstStyle/>
+          <a:p>
+            <a:r>
+              <a:rPr lang="de-DE" dirty="0" smtClean="0"/>
+              <a:t>Passwort:</a:t>
+            </a:r>
+          </a:p>
+          <a:p>
+            <a:endParaRPr lang="de-DE" dirty="0" smtClean="0"/>
+          </a:p>
+          <a:p>
+            <a:r>
+              <a:rPr lang="de-DE" dirty="0" err="1" smtClean="0"/>
+              <a:t>Jmn</a:t>
+            </a:r>
+            <a:r>
+              <a:rPr lang="de-DE" dirty="0" smtClean="0"/>
+              <a:t> </a:t>
+            </a:r>
+            <a:r>
+              <a:rPr lang="de-DE" dirty="0" err="1" smtClean="0"/>
+              <a:t>fgpdfk</a:t>
+            </a:r>
+            <a:endParaRPr lang="de-DE" dirty="0"/>
+          </a:p>
+        </p:txBody>
+      </p:sp>
+    </p:spTree>
+    <p:extLst>
+      <p:ext uri="{BB962C8B-B14F-4D97-AF65-F5344CB8AC3E}">
+        <p14:creationId xmlns:p14="http://schemas.microsoft.com/office/powerpoint/2010/main" val="4975384"/>
+      </p:ext>
+    </p:extLst>
+  </p:cSld>
+  <p:clrMapOvr>
+    <a:masterClrMapping/>
+  </p:clrMapOvr>
+  <p:timing>
+    <p:tnLst>
+      <p:par>
+        <p:cTn id="1" dur="indefinite" restart="never" nodeType="tmRoot"/>
+      </p:par>
+    </p:tnLst>
+  </p:timing>
+</p:sld>
+</file>
+
+<file path=ppt/slides/slide9.xml><?xml version="1.0" encoding="utf-8"?>
+<p:sld xmlns:a="http://schemas.openxmlformats.org/drawingml/2006/main" xmlns:r="http://schemas.openxmlformats.org/officeDocument/2006/relationships" xmlns:p="http://schemas.openxmlformats.org/presentationml/2006/main">
+  <p:cSld>
+    <p:spTree>
+      <p:nvGrpSpPr>
+        <p:cNvPr id="1" name=""/>
+        <p:cNvGrpSpPr/>
+        <p:nvPr/>
+      </p:nvGrpSpPr>
+      <p:grpSpPr>
+        <a:xfrm>
+          <a:off x="0" y="0"/>
+          <a:ext cx="0" cy="0"/>
+          <a:chOff x="0" y="0"/>
+          <a:chExt cx="0" cy="0"/>
+        </a:xfrm>
+      </p:grpSpPr>
+      <p:sp>
+        <p:nvSpPr>
+          <p:cNvPr id="2" name="Titel 1"/>
+          <p:cNvSpPr>
+            <a:spLocks noGrp="1"/>
+          </p:cNvSpPr>
+          <p:nvPr>
+            <p:ph type="title"/>
+          </p:nvPr>
+        </p:nvSpPr>
+        <p:spPr/>
+        <p:txBody>
+          <a:bodyPr/>
+          <a:lstStyle/>
+          <a:p>
+            <a:r>
+              <a:rPr lang="de-DE" dirty="0" smtClean="0"/>
+              <a:t>Werkzeugeinsatz</a:t>
+            </a:r>
+            <a:endParaRPr lang="de-DE" dirty="0"/>
+          </a:p>
+        </p:txBody>
+      </p:sp>
+      <p:sp>
+        <p:nvSpPr>
+          <p:cNvPr id="3" name="Inhaltsplatzhalter 2"/>
+          <p:cNvSpPr>
+            <a:spLocks noGrp="1"/>
+          </p:cNvSpPr>
+          <p:nvPr>
+            <p:ph idx="1"/>
+          </p:nvPr>
+        </p:nvSpPr>
+        <p:spPr/>
+        <p:txBody>
+          <a:bodyPr/>
+          <a:lstStyle/>
+          <a:p>
+            <a:r>
+              <a:rPr lang="de-DE" dirty="0" err="1" smtClean="0"/>
+              <a:t>Git</a:t>
+            </a:r>
+            <a:r>
+              <a:rPr lang="de-DE" dirty="0" smtClean="0"/>
+              <a:t>/ </a:t>
+            </a:r>
+            <a:r>
+              <a:rPr lang="de-DE" dirty="0" err="1" smtClean="0"/>
+              <a:t>GitHub</a:t>
+            </a:r>
+            <a:endParaRPr lang="de-DE" dirty="0" smtClean="0"/>
+          </a:p>
+          <a:p>
+            <a:r>
+              <a:rPr lang="de-DE" dirty="0" err="1" smtClean="0"/>
+              <a:t>SourceTree</a:t>
+            </a:r>
+            <a:endParaRPr lang="de-DE" dirty="0" smtClean="0"/>
+          </a:p>
+          <a:p>
+            <a:r>
+              <a:rPr lang="de-DE" dirty="0" smtClean="0"/>
+              <a:t>Android Studio</a:t>
+            </a:r>
+          </a:p>
+          <a:p>
+            <a:r>
+              <a:rPr lang="de-DE" dirty="0" err="1" smtClean="0"/>
+              <a:t>Gradle</a:t>
+            </a:r>
+            <a:endParaRPr lang="de-DE" dirty="0" smtClean="0"/>
+          </a:p>
+          <a:p>
+            <a:r>
+              <a:rPr lang="de-DE" dirty="0" err="1" smtClean="0"/>
+              <a:t>UnitTesting</a:t>
+            </a:r>
+            <a:endParaRPr lang="de-DE" dirty="0" smtClean="0"/>
+          </a:p>
+          <a:p>
+            <a:endParaRPr lang="de-DE" dirty="0"/>
+          </a:p>
+        </p:txBody>
+      </p:sp>
+      <p:pic>
+        <p:nvPicPr>
+          <p:cNvPr id="4" name="Grafik 3"/>
+          <p:cNvPicPr>
+            <a:picLocks noChangeAspect="1"/>
+          </p:cNvPicPr>
+          <p:nvPr/>
+        </p:nvPicPr>
+        <p:blipFill>
+          <a:blip r:embed="rId3">
+            <a:extLst>
+              <a:ext uri="{28A0092B-C50C-407E-A947-70E740481C1C}">
+                <a14:useLocalDpi xmlns:a14="http://schemas.microsoft.com/office/drawing/2010/main" val="0"/>
+              </a:ext>
+            </a:extLst>
+          </a:blip>
+          <a:stretch>
+            <a:fillRect/>
+          </a:stretch>
+        </p:blipFill>
+        <p:spPr>
+          <a:xfrm>
+            <a:off x="11248792" y="5909733"/>
+            <a:ext cx="827314" cy="827314"/>
+          </a:xfrm>
+          <a:prstGeom prst="rect">
+            <a:avLst/>
+          </a:prstGeom>
+        </p:spPr>
+      </p:pic>
+      <p:sp>
+        <p:nvSpPr>
+          <p:cNvPr id="5" name="Foliennummernplatzhalter 4"/>
+          <p:cNvSpPr>
+            <a:spLocks noGrp="1"/>
+          </p:cNvSpPr>
+          <p:nvPr>
+            <p:ph type="sldNum" sz="quarter" idx="12"/>
+          </p:nvPr>
+        </p:nvSpPr>
+        <p:spPr/>
+        <p:txBody>
+          <a:bodyPr/>
+          <a:lstStyle/>
+          <a:p>
+            <a:fld id="{D57F1E4F-1CFF-5643-939E-217C01CDF565}" type="slidenum">
+              <a:rPr lang="en-US" smtClean="0"/>
+              <a:pPr/>
+              <a:t>9</a:t>
             </a:fld>
             <a:endParaRPr lang="en-US" dirty="0"/>
           </a:p>
@@ -21025,330 +21625,6 @@
     <p:extLst>
       <p:ext uri="{BB962C8B-B14F-4D97-AF65-F5344CB8AC3E}">
         <p14:creationId xmlns:p14="http://schemas.microsoft.com/office/powerpoint/2010/main" val="14036120"/>
-      </p:ext>
-    </p:extLst>
-  </p:cSld>
-  <p:clrMapOvr>
-    <a:masterClrMapping/>
-  </p:clrMapOvr>
-  <p:timing>
-    <p:tnLst>
-      <p:par>
-        <p:cTn id="1" dur="indefinite" restart="never" nodeType="tmRoot"/>
-      </p:par>
-    </p:tnLst>
-  </p:timing>
-</p:sld>
-</file>
-
-<file path=ppt/slides/slide9.xml><?xml version="1.0" encoding="utf-8"?>
-<p:sld xmlns:a="http://schemas.openxmlformats.org/drawingml/2006/main" xmlns:r="http://schemas.openxmlformats.org/officeDocument/2006/relationships" xmlns:p="http://schemas.openxmlformats.org/presentationml/2006/main">
-  <p:cSld>
-    <p:spTree>
-      <p:nvGrpSpPr>
-        <p:cNvPr id="1" name=""/>
-        <p:cNvGrpSpPr/>
-        <p:nvPr/>
-      </p:nvGrpSpPr>
-      <p:grpSpPr>
-        <a:xfrm>
-          <a:off x="0" y="0"/>
-          <a:ext cx="0" cy="0"/>
-          <a:chOff x="0" y="0"/>
-          <a:chExt cx="0" cy="0"/>
-        </a:xfrm>
-      </p:grpSpPr>
-      <p:sp>
-        <p:nvSpPr>
-          <p:cNvPr id="2" name="Titel 1"/>
-          <p:cNvSpPr>
-            <a:spLocks noGrp="1"/>
-          </p:cNvSpPr>
-          <p:nvPr>
-            <p:ph type="title"/>
-          </p:nvPr>
-        </p:nvSpPr>
-        <p:spPr/>
-        <p:txBody>
-          <a:bodyPr/>
-          <a:lstStyle/>
-          <a:p>
-            <a:r>
-              <a:rPr lang="de-DE" dirty="0" smtClean="0"/>
-              <a:t>Werkzeugeinsatz</a:t>
-            </a:r>
-            <a:endParaRPr lang="de-DE" dirty="0"/>
-          </a:p>
-        </p:txBody>
-      </p:sp>
-      <p:sp>
-        <p:nvSpPr>
-          <p:cNvPr id="3" name="Inhaltsplatzhalter 2"/>
-          <p:cNvSpPr>
-            <a:spLocks noGrp="1"/>
-          </p:cNvSpPr>
-          <p:nvPr>
-            <p:ph idx="1"/>
-          </p:nvPr>
-        </p:nvSpPr>
-        <p:spPr/>
-        <p:txBody>
-          <a:bodyPr/>
-          <a:lstStyle/>
-          <a:p>
-            <a:r>
-              <a:rPr lang="de-DE" dirty="0" err="1" smtClean="0"/>
-              <a:t>Git</a:t>
-            </a:r>
-            <a:endParaRPr lang="de-DE" dirty="0"/>
-          </a:p>
-          <a:p>
-            <a:pPr lvl="1"/>
-            <a:r>
-              <a:rPr lang="de-DE" dirty="0" smtClean="0"/>
-              <a:t>Dezentrale Speicherung</a:t>
-            </a:r>
-          </a:p>
-          <a:p>
-            <a:pPr lvl="1"/>
-            <a:r>
-              <a:rPr lang="de-DE" dirty="0" smtClean="0"/>
-              <a:t>Einfache Möglichkeit </a:t>
-            </a:r>
-            <a:r>
-              <a:rPr lang="de-DE" dirty="0" err="1" smtClean="0"/>
-              <a:t>Branches</a:t>
-            </a:r>
-            <a:r>
-              <a:rPr lang="de-DE" dirty="0" smtClean="0"/>
-              <a:t> zu bilden</a:t>
-            </a:r>
-          </a:p>
-          <a:p>
-            <a:pPr lvl="1"/>
-            <a:r>
-              <a:rPr lang="de-DE" dirty="0" smtClean="0"/>
-              <a:t>Für ¾ der Gruppe neu</a:t>
-            </a:r>
-          </a:p>
-          <a:p>
-            <a:r>
-              <a:rPr lang="de-DE" dirty="0" err="1" smtClean="0"/>
-              <a:t>GitHub</a:t>
-            </a:r>
-            <a:endParaRPr lang="de-DE" dirty="0" smtClean="0"/>
-          </a:p>
-          <a:p>
-            <a:pPr lvl="1"/>
-            <a:r>
-              <a:rPr lang="de-DE" dirty="0" smtClean="0"/>
-              <a:t>Kostenfrei</a:t>
-            </a:r>
-          </a:p>
-          <a:p>
-            <a:pPr lvl="1"/>
-            <a:r>
-              <a:rPr lang="de-DE" dirty="0" smtClean="0"/>
-              <a:t>Einfach und zentral</a:t>
-            </a:r>
-          </a:p>
-          <a:p>
-            <a:pPr lvl="1"/>
-            <a:r>
-              <a:rPr lang="de-DE" dirty="0" smtClean="0"/>
-              <a:t>Unterstützung durch viele Tools</a:t>
-            </a:r>
-          </a:p>
-          <a:p>
-            <a:pPr lvl="1"/>
-            <a:r>
-              <a:rPr lang="de-DE" dirty="0" smtClean="0"/>
-              <a:t>Mitgelieferte </a:t>
-            </a:r>
-            <a:r>
-              <a:rPr lang="de-DE" i="1" dirty="0" err="1" smtClean="0"/>
-              <a:t>gitignore</a:t>
-            </a:r>
-            <a:r>
-              <a:rPr lang="de-DE" i="1" dirty="0" smtClean="0"/>
-              <a:t>-Files</a:t>
-            </a:r>
-          </a:p>
-          <a:p>
-            <a:endParaRPr lang="de-DE" dirty="0"/>
-          </a:p>
-        </p:txBody>
-      </p:sp>
-      <p:pic>
-        <p:nvPicPr>
-          <p:cNvPr id="4" name="Grafik 3"/>
-          <p:cNvPicPr>
-            <a:picLocks noChangeAspect="1"/>
-          </p:cNvPicPr>
-          <p:nvPr/>
-        </p:nvPicPr>
-        <p:blipFill>
-          <a:blip r:embed="rId3">
-            <a:extLst>
-              <a:ext uri="{28A0092B-C50C-407E-A947-70E740481C1C}">
-                <a14:useLocalDpi xmlns:a14="http://schemas.microsoft.com/office/drawing/2010/main" val="0"/>
-              </a:ext>
-            </a:extLst>
-          </a:blip>
-          <a:stretch>
-            <a:fillRect/>
-          </a:stretch>
-        </p:blipFill>
-        <p:spPr>
-          <a:xfrm>
-            <a:off x="11248792" y="5909733"/>
-            <a:ext cx="827314" cy="827314"/>
-          </a:xfrm>
-          <a:prstGeom prst="rect">
-            <a:avLst/>
-          </a:prstGeom>
-        </p:spPr>
-      </p:pic>
-      <p:sp>
-        <p:nvSpPr>
-          <p:cNvPr id="5" name="Foliennummernplatzhalter 4"/>
-          <p:cNvSpPr>
-            <a:spLocks noGrp="1"/>
-          </p:cNvSpPr>
-          <p:nvPr>
-            <p:ph type="sldNum" sz="quarter" idx="12"/>
-          </p:nvPr>
-        </p:nvSpPr>
-        <p:spPr/>
-        <p:txBody>
-          <a:bodyPr/>
-          <a:lstStyle/>
-          <a:p>
-            <a:fld id="{D57F1E4F-1CFF-5643-939E-217C01CDF565}" type="slidenum">
-              <a:rPr lang="en-US" smtClean="0"/>
-              <a:pPr/>
-              <a:t>9</a:t>
-            </a:fld>
-            <a:endParaRPr lang="en-US" dirty="0"/>
-          </a:p>
-        </p:txBody>
-      </p:sp>
-      <p:sp>
-        <p:nvSpPr>
-          <p:cNvPr id="6" name="Textfeld 5"/>
-          <p:cNvSpPr txBox="1"/>
-          <p:nvPr/>
-        </p:nvSpPr>
-        <p:spPr>
-          <a:xfrm>
-            <a:off x="372650" y="6156167"/>
-            <a:ext cx="10876142" cy="338554"/>
-          </a:xfrm>
-          <a:prstGeom prst="rect">
-            <a:avLst/>
-          </a:prstGeom>
-          <a:noFill/>
-        </p:spPr>
-        <p:txBody>
-          <a:bodyPr wrap="square" rtlCol="0">
-            <a:spAutoFit/>
-          </a:bodyPr>
-          <a:lstStyle/>
-          <a:p>
-            <a:r>
-              <a:rPr lang="de-DE" sz="1600" dirty="0" smtClean="0"/>
-              <a:t>13.02.2015  |  Software Engineering I  |  Nadine Feldmann, Lukas Huwe, Michael Kerkhoff, Sebastian Ochtrup</a:t>
-            </a:r>
-            <a:endParaRPr lang="de-DE" sz="1600" dirty="0"/>
-          </a:p>
-        </p:txBody>
-      </p:sp>
-      <p:pic>
-        <p:nvPicPr>
-          <p:cNvPr id="1026" name="Picture 2" descr="http://git-scm.com/images/logo%402x.png"/>
-          <p:cNvPicPr>
-            <a:picLocks noChangeAspect="1" noChangeArrowheads="1"/>
-          </p:cNvPicPr>
-          <p:nvPr/>
-        </p:nvPicPr>
-        <p:blipFill>
-          <a:blip r:embed="rId4">
-            <a:extLst>
-              <a:ext uri="{28A0092B-C50C-407E-A947-70E740481C1C}">
-                <a14:useLocalDpi xmlns:a14="http://schemas.microsoft.com/office/drawing/2010/main" val="0"/>
-              </a:ext>
-            </a:extLst>
-          </a:blip>
-          <a:srcRect/>
-          <a:stretch>
-            <a:fillRect/>
-          </a:stretch>
-        </p:blipFill>
-        <p:spPr bwMode="auto">
-          <a:xfrm>
-            <a:off x="8257040" y="2424883"/>
-            <a:ext cx="2095500" cy="876300"/>
-          </a:xfrm>
-          <a:prstGeom prst="rect">
-            <a:avLst/>
-          </a:prstGeom>
-          <a:noFill/>
-          <a:extLst>
-            <a:ext uri="{909E8E84-426E-40DD-AFC4-6F175D3DCCD1}">
-              <a14:hiddenFill xmlns:a14="http://schemas.microsoft.com/office/drawing/2010/main">
-                <a:solidFill>
-                  <a:srgbClr val="FFFFFF"/>
-                </a:solidFill>
-              </a14:hiddenFill>
-            </a:ext>
-          </a:extLst>
-        </p:spPr>
-      </p:pic>
-      <p:pic>
-        <p:nvPicPr>
-          <p:cNvPr id="1028" name="Picture 4" descr="https://assets-cdn.github.com/images/modules/logos_page/GitHub-Logo.png"/>
-          <p:cNvPicPr>
-            <a:picLocks noChangeAspect="1" noChangeArrowheads="1"/>
-          </p:cNvPicPr>
-          <p:nvPr/>
-        </p:nvPicPr>
-        <p:blipFill>
-          <a:blip r:embed="rId5">
-            <a:extLst>
-              <a:ext uri="{28A0092B-C50C-407E-A947-70E740481C1C}">
-                <a14:useLocalDpi xmlns:a14="http://schemas.microsoft.com/office/drawing/2010/main" val="0"/>
-              </a:ext>
-            </a:extLst>
-          </a:blip>
-          <a:srcRect/>
-          <a:stretch>
-            <a:fillRect/>
-          </a:stretch>
-        </p:blipFill>
-        <p:spPr bwMode="auto">
-          <a:xfrm>
-            <a:off x="7665929" y="4184677"/>
-            <a:ext cx="2686611" cy="701877"/>
-          </a:xfrm>
-          <a:prstGeom prst="rect">
-            <a:avLst/>
-          </a:prstGeom>
-          <a:noFill/>
-          <a:extLst>
-            <a:ext uri="{909E8E84-426E-40DD-AFC4-6F175D3DCCD1}">
-              <a14:hiddenFill xmlns:a14="http://schemas.microsoft.com/office/drawing/2010/main">
-                <a:solidFill>
-                  <a:srgbClr val="FFFFFF"/>
-                </a:solidFill>
-              </a14:hiddenFill>
-            </a:ext>
-          </a:extLst>
-        </p:spPr>
-      </p:pic>
-    </p:spTree>
-    <p:extLst>
-      <p:ext uri="{BB962C8B-B14F-4D97-AF65-F5344CB8AC3E}">
-        <p14:creationId xmlns:p14="http://schemas.microsoft.com/office/powerpoint/2010/main" val="1932109761"/>
       </p:ext>
     </p:extLst>
   </p:cSld>
